--- a/teaching/ITIS6200/2023fa/lectures/lec09.pptx
+++ b/teaching/ITIS6200/2023fa/lectures/lec09.pptx
@@ -5,7 +5,7 @@
     <p:sldMasterId id="2147483663" r:id="rId1"/>
   </p:sldMasterIdLst>
   <p:notesMasterIdLst>
-    <p:notesMasterId r:id="rId59"/>
+    <p:notesMasterId r:id="rId52"/>
   </p:notesMasterIdLst>
   <p:sldIdLst>
     <p:sldId id="305" r:id="rId2"/>
@@ -57,14 +57,7 @@
     <p:sldId id="312" r:id="rId48"/>
     <p:sldId id="303" r:id="rId49"/>
     <p:sldId id="304" r:id="rId50"/>
-    <p:sldId id="313" r:id="rId51"/>
-    <p:sldId id="314" r:id="rId52"/>
-    <p:sldId id="315" r:id="rId53"/>
-    <p:sldId id="317" r:id="rId54"/>
-    <p:sldId id="318" r:id="rId55"/>
-    <p:sldId id="319" r:id="rId56"/>
-    <p:sldId id="320" r:id="rId57"/>
-    <p:sldId id="321" r:id="rId58"/>
+    <p:sldId id="321" r:id="rId51"/>
   </p:sldIdLst>
   <p:sldSz cx="9144000" cy="5143500" type="screen16x9"/>
   <p:notesSz cx="6858000" cy="9144000"/>
@@ -1545,6 +1538,237 @@
 </p:notes>
 </file>
 
+<file path=ppt/notesSlides/notesSlide14.xml><?xml version="1.0" encoding="utf-8"?>
+<p:notes xmlns:a="http://schemas.openxmlformats.org/drawingml/2006/main" xmlns:r="http://schemas.openxmlformats.org/officeDocument/2006/relationships" xmlns:p="http://schemas.openxmlformats.org/presentationml/2006/main">
+  <p:cSld>
+    <p:spTree>
+      <p:nvGrpSpPr>
+        <p:cNvPr id="1" name=""/>
+        <p:cNvGrpSpPr/>
+        <p:nvPr/>
+      </p:nvGrpSpPr>
+      <p:grpSpPr>
+        <a:xfrm>
+          <a:off x="0" y="0"/>
+          <a:ext cx="0" cy="0"/>
+          <a:chOff x="0" y="0"/>
+          <a:chExt cx="0" cy="0"/>
+        </a:xfrm>
+      </p:grpSpPr>
+      <p:sp>
+        <p:nvSpPr>
+          <p:cNvPr id="2" name="Slide Image Placeholder 1"/>
+          <p:cNvSpPr>
+            <a:spLocks noGrp="1" noRot="1" noChangeAspect="1"/>
+          </p:cNvSpPr>
+          <p:nvPr>
+            <p:ph type="sldImg"/>
+          </p:nvPr>
+        </p:nvSpPr>
+        <p:spPr>
+          <a:xfrm>
+            <a:off x="381000" y="685800"/>
+            <a:ext cx="6096000" cy="3429000"/>
+          </a:xfrm>
+        </p:spPr>
+      </p:sp>
+      <p:sp>
+        <p:nvSpPr>
+          <p:cNvPr id="3" name="Notes Placeholder 2"/>
+          <p:cNvSpPr>
+            <a:spLocks noGrp="1"/>
+          </p:cNvSpPr>
+          <p:nvPr>
+            <p:ph type="body" idx="1"/>
+          </p:nvPr>
+        </p:nvSpPr>
+        <p:spPr/>
+        <p:txBody>
+          <a:bodyPr/>
+          <a:lstStyle/>
+          <a:p>
+            <a:pPr algn="l"/>
+            <a:r>
+              <a:rPr lang="en-US" b="0" i="0" dirty="0">
+                <a:solidFill>
+                  <a:srgbClr val="000000"/>
+                </a:solidFill>
+                <a:effectLst/>
+                <a:latin typeface="Times"/>
+              </a:rPr>
+              <a:t>In the real world, security policies are dynamic.  Access rights, whether discretionary or mandatory, need to change as the responsibilities of users change.  This can make management of rights difficult.  When a new user is authorized for a system, the appropriate rights for that user must be established.  When a user changes job functions, some rights should be deleted, some maintained, and some added. </a:t>
+            </a:r>
+          </a:p>
+          <a:p>
+            <a:pPr algn="l"/>
+            <a:endParaRPr lang="en-US" b="0" i="0" dirty="0">
+              <a:solidFill>
+                <a:srgbClr val="000000"/>
+              </a:solidFill>
+              <a:effectLst/>
+              <a:latin typeface="Times"/>
+            </a:endParaRPr>
+          </a:p>
+          <a:p>
+            <a:pPr algn="l"/>
+            <a:r>
+              <a:rPr lang="en-US" b="0" i="0" dirty="0">
+                <a:solidFill>
+                  <a:srgbClr val="000000"/>
+                </a:solidFill>
+                <a:effectLst/>
+                <a:latin typeface="Times"/>
+              </a:rPr>
+              <a:t>Role-based access control (RBAC) addresses this problem by changing the underlying subject--object model.  A </a:t>
+            </a:r>
+            <a:r>
+              <a:rPr lang="en-US" b="0" i="1" dirty="0">
+                <a:solidFill>
+                  <a:srgbClr val="000000"/>
+                </a:solidFill>
+                <a:effectLst/>
+                <a:latin typeface="Times"/>
+              </a:rPr>
+              <a:t>role</a:t>
+            </a:r>
+            <a:r>
+              <a:rPr lang="en-US" b="0" i="0" dirty="0">
+                <a:solidFill>
+                  <a:srgbClr val="000000"/>
+                </a:solidFill>
+                <a:effectLst/>
+                <a:latin typeface="Times"/>
+              </a:rPr>
+              <a:t> is a job function or title---i.e., a set of actions and responsibilities associated with a particular working activity.  Now, instead of an access control policy being a relation on subjects, objects, and rights, a policy is a relation on roles, objects, and rights; this is called a </a:t>
+            </a:r>
+            <a:r>
+              <a:rPr lang="en-US" b="0" i="1" dirty="0">
+                <a:solidFill>
+                  <a:srgbClr val="000000"/>
+                </a:solidFill>
+                <a:effectLst/>
+                <a:latin typeface="Times"/>
+              </a:rPr>
+              <a:t>right assignment</a:t>
+            </a:r>
+            <a:r>
+              <a:rPr lang="en-US" b="0" i="0" dirty="0">
+                <a:solidFill>
+                  <a:srgbClr val="000000"/>
+                </a:solidFill>
+                <a:effectLst/>
+                <a:latin typeface="Times"/>
+              </a:rPr>
+              <a:t>.  For example, the role "513 TA" might be assigned the right to grade 513 </a:t>
+            </a:r>
+            <a:r>
+              <a:rPr lang="en-US" b="0" i="0" dirty="0" err="1">
+                <a:solidFill>
+                  <a:srgbClr val="000000"/>
+                </a:solidFill>
+                <a:effectLst/>
+                <a:latin typeface="Times"/>
+              </a:rPr>
+              <a:t>homeworks</a:t>
+            </a:r>
+            <a:r>
+              <a:rPr lang="en-US" b="0" i="0" dirty="0">
+                <a:solidFill>
+                  <a:srgbClr val="000000"/>
+                </a:solidFill>
+                <a:effectLst/>
+                <a:latin typeface="Times"/>
+              </a:rPr>
+              <a:t>.  Further, subjects are now assigned to roles; this is called a </a:t>
+            </a:r>
+            <a:r>
+              <a:rPr lang="en-US" b="0" i="1" dirty="0">
+                <a:solidFill>
+                  <a:srgbClr val="000000"/>
+                </a:solidFill>
+                <a:effectLst/>
+                <a:latin typeface="Times"/>
+              </a:rPr>
+              <a:t>role assignment</a:t>
+            </a:r>
+            <a:r>
+              <a:rPr lang="en-US" b="0" i="0" dirty="0">
+                <a:solidFill>
+                  <a:srgbClr val="000000"/>
+                </a:solidFill>
+                <a:effectLst/>
+                <a:latin typeface="Times"/>
+              </a:rPr>
+              <a:t>.  Each subject may be assigned to many roles, and each role may be assigned to many subjects.  Finally, roles are hierarchical.  For example, the role "513 Professor" should have all the rights that a "513 TA" does, and more. </a:t>
+            </a:r>
+          </a:p>
+          <a:p>
+            <a:pPr algn="l"/>
+            <a:endParaRPr lang="en-US" b="0" i="0" dirty="0">
+              <a:solidFill>
+                <a:srgbClr val="000000"/>
+              </a:solidFill>
+              <a:effectLst/>
+              <a:latin typeface="Times"/>
+            </a:endParaRPr>
+          </a:p>
+          <a:p>
+            <a:pPr algn="l"/>
+            <a:r>
+              <a:rPr lang="en-US" b="0" i="0" dirty="0">
+                <a:solidFill>
+                  <a:srgbClr val="000000"/>
+                </a:solidFill>
+                <a:effectLst/>
+                <a:latin typeface="Times"/>
+              </a:rPr>
+              <a:t>Roles are similar to groups in Unix file system DAC, with two important distinctions.  First, a group is a set of users, whereas a role is a set of rights.  Second, a user is always a member of a group, whereas a subject may activate or deactivate the rights associated with any of the subject's roles.  This enables finer-grained implementation of the Principle of Least Privilege.  Subjects may login with most of their roles deactivated, and activate a role only when the rights associated with the role are necessary.  </a:t>
+            </a:r>
+          </a:p>
+          <a:p>
+            <a:pPr algn="l"/>
+            <a:endParaRPr lang="en-US" b="0" i="0" dirty="0">
+              <a:solidFill>
+                <a:srgbClr val="000000"/>
+              </a:solidFill>
+              <a:effectLst/>
+              <a:latin typeface="Times"/>
+            </a:endParaRPr>
+          </a:p>
+          <a:p>
+            <a:pPr algn="l"/>
+            <a:r>
+              <a:rPr lang="en-US" b="0" i="0" dirty="0">
+                <a:solidFill>
+                  <a:srgbClr val="000000"/>
+                </a:solidFill>
+                <a:effectLst/>
+                <a:latin typeface="Times"/>
+              </a:rPr>
+              <a:t>Nearly all real-world systems (including most operating systems and database systems) implement some form of RBAC.  Either discretionary or mandatory policies can be built using RBAC as the underlying model.</a:t>
+            </a:r>
+          </a:p>
+          <a:p>
+            <a:pPr marL="158750" indent="0">
+              <a:buNone/>
+            </a:pPr>
+            <a:endParaRPr lang="en-US" dirty="0"/>
+          </a:p>
+        </p:txBody>
+      </p:sp>
+    </p:spTree>
+    <p:extLst>
+      <p:ext uri="{BB962C8B-B14F-4D97-AF65-F5344CB8AC3E}">
+        <p14:creationId xmlns:p14="http://schemas.microsoft.com/office/powerpoint/2010/main" val="3048690803"/>
+      </p:ext>
+    </p:extLst>
+  </p:cSld>
+  <p:clrMapOvr>
+    <a:masterClrMapping/>
+  </p:clrMapOvr>
+</p:notes>
+</file>
+
 <file path=ppt/notesSlides/notesSlide2.xml><?xml version="1.0" encoding="utf-8"?>
 <p:notes xmlns:a="http://schemas.openxmlformats.org/drawingml/2006/main" xmlns:r="http://schemas.openxmlformats.org/officeDocument/2006/relationships" xmlns:p="http://schemas.openxmlformats.org/presentationml/2006/main" showMasterSp="0" showMasterPhAnim="0">
   <p:cSld>
@@ -2718,267 +2942,6 @@
 </file>
 
 <file path=ppt/slideLayouts/slideLayout10.xml><?xml version="1.0" encoding="utf-8"?>
-<p:sldLayout xmlns:a="http://schemas.openxmlformats.org/drawingml/2006/main" xmlns:r="http://schemas.openxmlformats.org/officeDocument/2006/relationships" xmlns:p="http://schemas.openxmlformats.org/presentationml/2006/main" type="obj">
-  <p:cSld name="Two Content">
-    <p:spTree>
-      <p:nvGrpSpPr>
-        <p:cNvPr id="1" name=""/>
-        <p:cNvGrpSpPr/>
-        <p:nvPr/>
-      </p:nvGrpSpPr>
-      <p:grpSpPr>
-        <a:xfrm>
-          <a:off x="0" y="0"/>
-          <a:ext cx="0" cy="0"/>
-          <a:chOff x="0" y="0"/>
-          <a:chExt cx="0" cy="0"/>
-        </a:xfrm>
-      </p:grpSpPr>
-      <p:sp>
-        <p:nvSpPr>
-          <p:cNvPr id="2" name="Holder 2"/>
-          <p:cNvSpPr>
-            <a:spLocks noGrp="1"/>
-          </p:cNvSpPr>
-          <p:nvPr>
-            <p:ph type="title"/>
-          </p:nvPr>
-        </p:nvSpPr>
-        <p:spPr/>
-        <p:txBody>
-          <a:bodyPr lIns="0" tIns="0" rIns="0" bIns="0"/>
-          <a:lstStyle>
-            <a:lvl1pPr>
-              <a:defRPr sz="3300" b="0" i="0">
-                <a:solidFill>
-                  <a:schemeClr val="tx1"/>
-                </a:solidFill>
-                <a:latin typeface="Calibri"/>
-                <a:cs typeface="Calibri"/>
-              </a:defRPr>
-            </a:lvl1pPr>
-          </a:lstStyle>
-          <a:p>
-            <a:endParaRPr/>
-          </a:p>
-        </p:txBody>
-      </p:sp>
-      <p:sp>
-        <p:nvSpPr>
-          <p:cNvPr id="3" name="Holder 3"/>
-          <p:cNvSpPr>
-            <a:spLocks noGrp="1"/>
-          </p:cNvSpPr>
-          <p:nvPr>
-            <p:ph sz="half" idx="2"/>
-          </p:nvPr>
-        </p:nvSpPr>
-        <p:spPr>
-          <a:xfrm>
-            <a:off x="687705" y="1319746"/>
-            <a:ext cx="3563779" cy="371640"/>
-          </a:xfrm>
-          <a:prstGeom prst="rect">
-            <a:avLst/>
-          </a:prstGeom>
-        </p:spPr>
-        <p:txBody>
-          <a:bodyPr wrap="square" lIns="0" tIns="0" rIns="0" bIns="0">
-            <a:spAutoFit/>
-          </a:bodyPr>
-          <a:lstStyle>
-            <a:lvl1pPr>
-              <a:defRPr sz="2100" b="0" i="0">
-                <a:solidFill>
-                  <a:schemeClr val="tx1"/>
-                </a:solidFill>
-                <a:latin typeface="Calibri"/>
-                <a:cs typeface="Calibri"/>
-              </a:defRPr>
-            </a:lvl1pPr>
-          </a:lstStyle>
-          <a:p>
-            <a:endParaRPr/>
-          </a:p>
-        </p:txBody>
-      </p:sp>
-      <p:sp>
-        <p:nvSpPr>
-          <p:cNvPr id="4" name="Holder 4"/>
-          <p:cNvSpPr>
-            <a:spLocks noGrp="1"/>
-          </p:cNvSpPr>
-          <p:nvPr>
-            <p:ph sz="half" idx="3"/>
-          </p:nvPr>
-        </p:nvSpPr>
-        <p:spPr>
-          <a:xfrm>
-            <a:off x="4709160" y="1183005"/>
-            <a:ext cx="3977640" cy="318549"/>
-          </a:xfrm>
-          <a:prstGeom prst="rect">
-            <a:avLst/>
-          </a:prstGeom>
-        </p:spPr>
-        <p:txBody>
-          <a:bodyPr wrap="square" lIns="0" tIns="0" rIns="0" bIns="0">
-            <a:spAutoFit/>
-          </a:bodyPr>
-          <a:lstStyle>
-            <a:lvl1pPr>
-              <a:defRPr/>
-            </a:lvl1pPr>
-          </a:lstStyle>
-          <a:p>
-            <a:endParaRPr/>
-          </a:p>
-        </p:txBody>
-      </p:sp>
-      <p:sp>
-        <p:nvSpPr>
-          <p:cNvPr id="5" name="Holder 5"/>
-          <p:cNvSpPr>
-            <a:spLocks noGrp="1"/>
-          </p:cNvSpPr>
-          <p:nvPr>
-            <p:ph type="ftr" sz="quarter" idx="5"/>
-          </p:nvPr>
-        </p:nvSpPr>
-        <p:spPr/>
-        <p:txBody>
-          <a:bodyPr lIns="0" tIns="0" rIns="0" bIns="0"/>
-          <a:lstStyle>
-            <a:lvl1pPr>
-              <a:defRPr sz="900" b="0" i="0">
-                <a:solidFill>
-                  <a:srgbClr val="878787"/>
-                </a:solidFill>
-                <a:latin typeface="Calibri"/>
-                <a:cs typeface="Calibri"/>
-              </a:defRPr>
-            </a:lvl1pPr>
-          </a:lstStyle>
-          <a:p>
-            <a:pPr marL="9525">
-              <a:lnSpc>
-                <a:spcPts val="930"/>
-              </a:lnSpc>
-            </a:pPr>
-            <a:r>
-              <a:rPr lang="en-US"/>
-              <a:t>©</a:t>
-            </a:r>
-            <a:r>
-              <a:rPr lang="en-US" spc="-8"/>
-              <a:t> </a:t>
-            </a:r>
-            <a:r>
-              <a:rPr lang="en-US"/>
-              <a:t>Mihai</a:t>
-            </a:r>
-            <a:r>
-              <a:rPr lang="en-US" spc="-15"/>
-              <a:t> </a:t>
-            </a:r>
-            <a:r>
-              <a:rPr lang="en-US" spc="-8"/>
-              <a:t>Chiroiu</a:t>
-            </a:r>
-            <a:endParaRPr lang="en-US" spc="-8" dirty="0"/>
-          </a:p>
-        </p:txBody>
-      </p:sp>
-      <p:sp>
-        <p:nvSpPr>
-          <p:cNvPr id="6" name="Holder 6"/>
-          <p:cNvSpPr>
-            <a:spLocks noGrp="1"/>
-          </p:cNvSpPr>
-          <p:nvPr>
-            <p:ph type="dt" sz="half" idx="6"/>
-          </p:nvPr>
-        </p:nvSpPr>
-        <p:spPr/>
-        <p:txBody>
-          <a:bodyPr lIns="0" tIns="0" rIns="0" bIns="0"/>
-          <a:lstStyle>
-            <a:lvl1pPr algn="l">
-              <a:defRPr>
-                <a:solidFill>
-                  <a:schemeClr val="tx1">
-                    <a:tint val="75000"/>
-                  </a:schemeClr>
-                </a:solidFill>
-              </a:defRPr>
-            </a:lvl1pPr>
-          </a:lstStyle>
-          <a:p>
-            <a:fld id="{1D8BD707-D9CF-40AE-B4C6-C98DA3205C09}" type="datetimeFigureOut">
-              <a:rPr lang="en-US"/>
-              <a:t>9/24/23</a:t>
-            </a:fld>
-            <a:endParaRPr lang="en-US"/>
-          </a:p>
-        </p:txBody>
-      </p:sp>
-      <p:sp>
-        <p:nvSpPr>
-          <p:cNvPr id="7" name="Holder 7"/>
-          <p:cNvSpPr>
-            <a:spLocks noGrp="1"/>
-          </p:cNvSpPr>
-          <p:nvPr>
-            <p:ph type="sldNum" sz="quarter" idx="7"/>
-          </p:nvPr>
-        </p:nvSpPr>
-        <p:spPr/>
-        <p:txBody>
-          <a:bodyPr lIns="0" tIns="0" rIns="0" bIns="0"/>
-          <a:lstStyle>
-            <a:lvl1pPr>
-              <a:defRPr sz="900" b="0" i="0">
-                <a:solidFill>
-                  <a:srgbClr val="878787"/>
-                </a:solidFill>
-                <a:latin typeface="Calibri"/>
-                <a:cs typeface="Calibri"/>
-              </a:defRPr>
-            </a:lvl1pPr>
-          </a:lstStyle>
-          <a:p>
-            <a:pPr marL="28575">
-              <a:lnSpc>
-                <a:spcPts val="930"/>
-              </a:lnSpc>
-            </a:pPr>
-            <a:fld id="{81D60167-4931-47E6-BA6A-407CBD079E47}" type="slidenum">
-              <a:rPr lang="en-US" spc="-19" smtClean="0"/>
-              <a:pPr marL="28575">
-                <a:lnSpc>
-                  <a:spcPts val="930"/>
-                </a:lnSpc>
-              </a:pPr>
-              <a:t>‹#›</a:t>
-            </a:fld>
-            <a:endParaRPr lang="en-US" spc="-19" dirty="0"/>
-          </a:p>
-        </p:txBody>
-      </p:sp>
-    </p:spTree>
-    <p:extLst>
-      <p:ext uri="{BB962C8B-B14F-4D97-AF65-F5344CB8AC3E}">
-        <p14:creationId xmlns:p14="http://schemas.microsoft.com/office/powerpoint/2010/main" val="469249001"/>
-      </p:ext>
-    </p:extLst>
-  </p:cSld>
-  <p:clrMapOvr>
-    <a:masterClrMapping/>
-  </p:clrMapOvr>
-</p:sldLayout>
-</file>
-
-<file path=ppt/slideLayouts/slideLayout11.xml><?xml version="1.0" encoding="utf-8"?>
 <p:sldLayout xmlns:a="http://schemas.openxmlformats.org/drawingml/2006/main" xmlns:r="http://schemas.openxmlformats.org/officeDocument/2006/relationships" xmlns:p="http://schemas.openxmlformats.org/presentationml/2006/main" type="obj">
   <p:cSld name="Title Only">
     <p:spTree>
@@ -6749,8 +6712,7 @@
     <p:sldLayoutId id="2147483660" r:id="rId7"/>
     <p:sldLayoutId id="2147483661" r:id="rId8"/>
     <p:sldLayoutId id="2147483664" r:id="rId9"/>
-    <p:sldLayoutId id="2147483665" r:id="rId10"/>
-    <p:sldLayoutId id="2147483666" r:id="rId11"/>
+    <p:sldLayoutId id="2147483666" r:id="rId10"/>
   </p:sldLayoutIdLst>
   <p:hf hdr="0" ftr="0" dt="0"/>
   <p:txStyles>
@@ -28079,7 +28041,7 @@
         <p:spPr>
           <a:xfrm>
             <a:off x="687705" y="1344892"/>
-            <a:ext cx="7287101" cy="2468785"/>
+            <a:ext cx="7287101" cy="1668566"/>
           </a:xfrm>
           <a:prstGeom prst="rect">
             <a:avLst/>
@@ -28090,140 +28052,6 @@
             <a:spAutoFit/>
           </a:bodyPr>
           <a:lstStyle/>
-          <a:p>
-            <a:pPr marL="180022" indent="-170497">
-              <a:spcBef>
-                <a:spcPts val="71"/>
-              </a:spcBef>
-              <a:buFont typeface="Arial"/>
-              <a:buChar char="•"/>
-              <a:tabLst>
-                <a:tab pos="180022" algn="l"/>
-              </a:tabLst>
-            </a:pPr>
-            <a:r>
-              <a:rPr sz="2100" dirty="0">
-                <a:latin typeface="Calibri"/>
-                <a:cs typeface="Calibri"/>
-              </a:rPr>
-              <a:t>There</a:t>
-            </a:r>
-            <a:r>
-              <a:rPr sz="2100" spc="-19" dirty="0">
-                <a:latin typeface="Calibri"/>
-                <a:cs typeface="Calibri"/>
-              </a:rPr>
-              <a:t> </a:t>
-            </a:r>
-            <a:r>
-              <a:rPr sz="2100" dirty="0">
-                <a:latin typeface="Calibri"/>
-                <a:cs typeface="Calibri"/>
-              </a:rPr>
-              <a:t>is</a:t>
-            </a:r>
-            <a:r>
-              <a:rPr sz="2100" spc="-11" dirty="0">
-                <a:latin typeface="Calibri"/>
-                <a:cs typeface="Calibri"/>
-              </a:rPr>
-              <a:t> </a:t>
-            </a:r>
-            <a:r>
-              <a:rPr sz="2100" dirty="0">
-                <a:latin typeface="Calibri"/>
-                <a:cs typeface="Calibri"/>
-              </a:rPr>
-              <a:t>no</a:t>
-            </a:r>
-            <a:r>
-              <a:rPr sz="2100" spc="-15" dirty="0">
-                <a:latin typeface="Calibri"/>
-                <a:cs typeface="Calibri"/>
-              </a:rPr>
-              <a:t> </a:t>
-            </a:r>
-            <a:r>
-              <a:rPr sz="2100" dirty="0">
-                <a:latin typeface="Calibri"/>
-                <a:cs typeface="Calibri"/>
-              </a:rPr>
-              <a:t>ACK</a:t>
-            </a:r>
-            <a:r>
-              <a:rPr sz="2100" spc="-19" dirty="0">
-                <a:latin typeface="Calibri"/>
-                <a:cs typeface="Calibri"/>
-              </a:rPr>
-              <a:t> </a:t>
-            </a:r>
-            <a:r>
-              <a:rPr sz="2100" dirty="0">
-                <a:latin typeface="Calibri"/>
-                <a:cs typeface="Calibri"/>
-              </a:rPr>
-              <a:t>from</a:t>
-            </a:r>
-            <a:r>
-              <a:rPr sz="2100" spc="-11" dirty="0">
-                <a:latin typeface="Calibri"/>
-                <a:cs typeface="Calibri"/>
-              </a:rPr>
-              <a:t> </a:t>
-            </a:r>
-            <a:r>
-              <a:rPr sz="2100" dirty="0">
-                <a:latin typeface="Calibri"/>
-                <a:cs typeface="Calibri"/>
-              </a:rPr>
-              <a:t>High</a:t>
-            </a:r>
-            <a:r>
-              <a:rPr sz="2100" spc="-23" dirty="0">
-                <a:latin typeface="Calibri"/>
-                <a:cs typeface="Calibri"/>
-              </a:rPr>
-              <a:t> </a:t>
-            </a:r>
-            <a:r>
-              <a:rPr sz="2100" dirty="0">
-                <a:latin typeface="Calibri"/>
-                <a:cs typeface="Calibri"/>
-              </a:rPr>
-              <a:t>to</a:t>
-            </a:r>
-            <a:r>
-              <a:rPr sz="2100" spc="-23" dirty="0">
-                <a:latin typeface="Calibri"/>
-                <a:cs typeface="Calibri"/>
-              </a:rPr>
-              <a:t> </a:t>
-            </a:r>
-            <a:r>
-              <a:rPr sz="2100" spc="-19" dirty="0">
-                <a:latin typeface="Calibri"/>
-                <a:cs typeface="Calibri"/>
-              </a:rPr>
-              <a:t>Low</a:t>
-            </a:r>
-            <a:endParaRPr sz="2100" dirty="0">
-              <a:latin typeface="Calibri"/>
-              <a:cs typeface="Calibri"/>
-            </a:endParaRPr>
-          </a:p>
-          <a:p>
-            <a:pPr>
-              <a:spcBef>
-                <a:spcPts val="1245"/>
-              </a:spcBef>
-              <a:buFont typeface="Arial"/>
-              <a:buChar char="•"/>
-            </a:pPr>
-            <a:endParaRPr sz="2100" dirty="0">
-              <a:latin typeface="Calibri"/>
-              <a:cs typeface="Calibri"/>
-            </a:endParaRPr>
-          </a:p>
           <a:p>
             <a:pPr marL="180022" marR="3810" indent="-170497">
               <a:lnSpc>
@@ -28997,8 +28825,8 @@
         </p:nvSpPr>
         <p:spPr>
           <a:xfrm>
-            <a:off x="1415987" y="3746182"/>
-            <a:ext cx="1123474" cy="565315"/>
+            <a:off x="1415986" y="3746182"/>
+            <a:ext cx="1419455" cy="308835"/>
           </a:xfrm>
           <a:prstGeom prst="rect">
             <a:avLst/>
@@ -29023,7 +28851,7 @@
                 <a:latin typeface="Calibri"/>
                 <a:cs typeface="Calibri"/>
               </a:rPr>
-              <a:t>Unclassifie </a:t>
+              <a:t>Unclassifie</a:t>
             </a:r>
             <a:r>
               <a:rPr sz="1950" b="1" spc="-38" dirty="0">
@@ -29032,7 +28860,7 @@
               </a:rPr>
               <a:t>d</a:t>
             </a:r>
-            <a:endParaRPr sz="1950">
+            <a:endParaRPr sz="1950" dirty="0">
               <a:latin typeface="Calibri"/>
               <a:cs typeface="Calibri"/>
             </a:endParaRPr>
@@ -42308,23 +42136,33 @@
               </a:spcBef>
             </a:pPr>
             <a:r>
-              <a:rPr spc="-8" dirty="0"/>
+              <a:rPr spc="-8" dirty="0">
+                <a:latin typeface="+mj-lt"/>
+              </a:rPr>
               <a:t>Role-</a:t>
             </a:r>
             <a:r>
-              <a:rPr dirty="0"/>
+              <a:rPr dirty="0">
+                <a:latin typeface="+mj-lt"/>
+              </a:rPr>
               <a:t>Based</a:t>
             </a:r>
             <a:r>
-              <a:rPr spc="-19" dirty="0"/>
-              <a:t> </a:t>
-            </a:r>
-            <a:r>
-              <a:rPr dirty="0"/>
+              <a:rPr spc="-19" dirty="0">
+                <a:latin typeface="+mj-lt"/>
+              </a:rPr>
+              <a:t> </a:t>
+            </a:r>
+            <a:r>
+              <a:rPr dirty="0">
+                <a:latin typeface="+mj-lt"/>
+              </a:rPr>
               <a:t>Access</a:t>
             </a:r>
             <a:r>
-              <a:rPr spc="-8" dirty="0"/>
+              <a:rPr spc="-8" dirty="0">
+                <a:latin typeface="+mj-lt"/>
+              </a:rPr>
               <a:t> Control</a:t>
             </a:r>
           </a:p>
@@ -42466,7 +42304,7 @@
               </a:rPr>
               <a:t>dynamic.</a:t>
             </a:r>
-            <a:endParaRPr sz="2100">
+            <a:endParaRPr sz="2100" dirty="0">
               <a:latin typeface="Calibri"/>
               <a:cs typeface="Calibri"/>
             </a:endParaRPr>
@@ -42681,7 +42519,7 @@
               </a:rPr>
               <a:t>etc.)</a:t>
             </a:r>
-            <a:endParaRPr sz="2100">
+            <a:endParaRPr sz="2100" dirty="0">
               <a:latin typeface="Calibri"/>
               <a:cs typeface="Calibri"/>
             </a:endParaRPr>
@@ -43173,23 +43011,33 @@
               </a:spcBef>
             </a:pPr>
             <a:r>
-              <a:rPr spc="-8" dirty="0"/>
+              <a:rPr spc="-8" dirty="0">
+                <a:latin typeface="+mj-lt"/>
+              </a:rPr>
               <a:t>Role-</a:t>
             </a:r>
             <a:r>
-              <a:rPr dirty="0"/>
+              <a:rPr dirty="0">
+                <a:latin typeface="+mj-lt"/>
+              </a:rPr>
               <a:t>Based</a:t>
             </a:r>
             <a:r>
-              <a:rPr spc="-19" dirty="0"/>
-              <a:t> </a:t>
-            </a:r>
-            <a:r>
-              <a:rPr dirty="0"/>
+              <a:rPr spc="-19" dirty="0">
+                <a:latin typeface="+mj-lt"/>
+              </a:rPr>
+              <a:t> </a:t>
+            </a:r>
+            <a:r>
+              <a:rPr dirty="0">
+                <a:latin typeface="+mj-lt"/>
+              </a:rPr>
               <a:t>Access</a:t>
             </a:r>
             <a:r>
-              <a:rPr spc="-8" dirty="0"/>
+              <a:rPr spc="-8" dirty="0">
+                <a:latin typeface="+mj-lt"/>
+              </a:rPr>
               <a:t> Control</a:t>
             </a:r>
           </a:p>
@@ -43613,23 +43461,33 @@
               </a:spcBef>
             </a:pPr>
             <a:r>
-              <a:rPr spc="-8" dirty="0"/>
+              <a:rPr spc="-8" dirty="0">
+                <a:latin typeface="+mj-lt"/>
+              </a:rPr>
               <a:t>Role-</a:t>
             </a:r>
             <a:r>
-              <a:rPr dirty="0"/>
+              <a:rPr dirty="0">
+                <a:latin typeface="+mj-lt"/>
+              </a:rPr>
               <a:t>Based</a:t>
             </a:r>
             <a:r>
-              <a:rPr spc="-19" dirty="0"/>
-              <a:t> </a:t>
-            </a:r>
-            <a:r>
-              <a:rPr dirty="0"/>
+              <a:rPr spc="-19" dirty="0">
+                <a:latin typeface="+mj-lt"/>
+              </a:rPr>
+              <a:t> </a:t>
+            </a:r>
+            <a:r>
+              <a:rPr dirty="0">
+                <a:latin typeface="+mj-lt"/>
+              </a:rPr>
               <a:t>Access</a:t>
             </a:r>
             <a:r>
-              <a:rPr spc="-8" dirty="0"/>
+              <a:rPr spc="-8" dirty="0">
+                <a:latin typeface="+mj-lt"/>
+              </a:rPr>
               <a:t> Control</a:t>
             </a:r>
           </a:p>
@@ -44156,23 +44014,33 @@
               </a:spcBef>
             </a:pPr>
             <a:r>
-              <a:rPr spc="-8" dirty="0"/>
+              <a:rPr spc="-8" dirty="0">
+                <a:latin typeface="+mj-lt"/>
+              </a:rPr>
               <a:t>Role-</a:t>
             </a:r>
             <a:r>
-              <a:rPr dirty="0"/>
+              <a:rPr dirty="0">
+                <a:latin typeface="+mj-lt"/>
+              </a:rPr>
               <a:t>Based</a:t>
             </a:r>
             <a:r>
-              <a:rPr spc="-19" dirty="0"/>
-              <a:t> </a:t>
-            </a:r>
-            <a:r>
-              <a:rPr dirty="0"/>
+              <a:rPr spc="-19" dirty="0">
+                <a:latin typeface="+mj-lt"/>
+              </a:rPr>
+              <a:t> </a:t>
+            </a:r>
+            <a:r>
+              <a:rPr dirty="0">
+                <a:latin typeface="+mj-lt"/>
+              </a:rPr>
               <a:t>Access</a:t>
             </a:r>
             <a:r>
-              <a:rPr spc="-8" dirty="0"/>
+              <a:rPr spc="-8" dirty="0">
+                <a:latin typeface="+mj-lt"/>
+              </a:rPr>
               <a:t> Control</a:t>
             </a:r>
           </a:p>
@@ -46401,68 +46269,35 @@
               </a:spcBef>
             </a:pPr>
             <a:r>
-              <a:rPr dirty="0"/>
+              <a:rPr dirty="0">
+                <a:latin typeface="+mj-lt"/>
+              </a:rPr>
               <a:t>Roles</a:t>
             </a:r>
             <a:r>
-              <a:rPr spc="-26" dirty="0"/>
-              <a:t> </a:t>
-            </a:r>
-            <a:r>
-              <a:rPr dirty="0"/>
+              <a:rPr spc="-26" dirty="0">
+                <a:latin typeface="+mj-lt"/>
+              </a:rPr>
+              <a:t> </a:t>
+            </a:r>
+            <a:r>
+              <a:rPr dirty="0">
+                <a:latin typeface="+mj-lt"/>
+              </a:rPr>
               <a:t>as</a:t>
             </a:r>
             <a:r>
-              <a:rPr spc="-23" dirty="0"/>
-              <a:t> </a:t>
-            </a:r>
-            <a:r>
-              <a:rPr spc="-8" dirty="0"/>
+              <a:rPr spc="-23" dirty="0">
+                <a:latin typeface="+mj-lt"/>
+              </a:rPr>
+              <a:t> </a:t>
+            </a:r>
+            <a:r>
+              <a:rPr spc="-8" dirty="0">
+                <a:latin typeface="+mj-lt"/>
+              </a:rPr>
               <a:t>policy</a:t>
             </a:r>
-          </a:p>
-        </p:txBody>
-      </p:sp>
-      <p:sp>
-        <p:nvSpPr>
-          <p:cNvPr id="5" name="object 5"/>
-          <p:cNvSpPr txBox="1">
-            <a:spLocks noGrp="1"/>
-          </p:cNvSpPr>
-          <p:nvPr>
-            <p:ph type="sldNum" sz="quarter" idx="7"/>
-          </p:nvPr>
-        </p:nvSpPr>
-        <p:spPr>
-          <a:xfrm>
-            <a:off x="6354344" y="3587305"/>
-            <a:ext cx="411525" cy="115416"/>
-          </a:xfrm>
-          <a:prstGeom prst="rect">
-            <a:avLst/>
-          </a:prstGeom>
-        </p:spPr>
-        <p:txBody>
-          <a:bodyPr spcFirstLastPara="1" vert="horz" wrap="square" lIns="0" tIns="0" rIns="0" bIns="0" rtlCol="0" anchor="ctr" anchorCtr="0">
-            <a:spAutoFit/>
-          </a:bodyPr>
-          <a:lstStyle/>
-          <a:p>
-            <a:pPr marL="28575">
-              <a:lnSpc>
-                <a:spcPts val="930"/>
-              </a:lnSpc>
-            </a:pPr>
-            <a:fld id="{81D60167-4931-47E6-BA6A-407CBD079E47}" type="slidenum">
-              <a:rPr spc="-19" dirty="0"/>
-              <a:pPr marL="28575">
-                <a:lnSpc>
-                  <a:spcPts val="930"/>
-                </a:lnSpc>
-              </a:pPr>
-              <a:t>46</a:t>
-            </a:fld>
-            <a:endParaRPr spc="-19" dirty="0"/>
           </a:p>
         </p:txBody>
       </p:sp>
@@ -46499,55 +46334,55 @@
             </a:pPr>
             <a:r>
               <a:rPr sz="2100" dirty="0">
-                <a:latin typeface="Calibri"/>
+                <a:latin typeface="+mn-lt"/>
                 <a:cs typeface="Calibri"/>
               </a:rPr>
               <a:t>A</a:t>
             </a:r>
             <a:r>
               <a:rPr sz="2100" spc="-19" dirty="0">
-                <a:latin typeface="Calibri"/>
+                <a:latin typeface="+mn-lt"/>
                 <a:cs typeface="Calibri"/>
               </a:rPr>
               <a:t> </a:t>
             </a:r>
             <a:r>
               <a:rPr sz="2100" dirty="0">
-                <a:latin typeface="Calibri"/>
+                <a:latin typeface="+mn-lt"/>
                 <a:cs typeface="Calibri"/>
               </a:rPr>
               <a:t>role</a:t>
             </a:r>
             <a:r>
               <a:rPr sz="2100" spc="-23" dirty="0">
-                <a:latin typeface="Calibri"/>
+                <a:latin typeface="+mn-lt"/>
                 <a:cs typeface="Calibri"/>
               </a:rPr>
               <a:t> </a:t>
             </a:r>
             <a:r>
               <a:rPr sz="2100" dirty="0">
-                <a:latin typeface="Calibri"/>
+                <a:latin typeface="+mn-lt"/>
                 <a:cs typeface="Calibri"/>
               </a:rPr>
               <a:t>brings</a:t>
             </a:r>
             <a:r>
               <a:rPr sz="2100" spc="-15" dirty="0">
-                <a:latin typeface="Calibri"/>
+                <a:latin typeface="+mn-lt"/>
                 <a:cs typeface="Calibri"/>
               </a:rPr>
               <a:t> </a:t>
             </a:r>
             <a:r>
               <a:rPr sz="2100" spc="-8" dirty="0">
-                <a:latin typeface="Calibri"/>
+                <a:latin typeface="+mn-lt"/>
                 <a:cs typeface="Calibri"/>
               </a:rPr>
               <a:t>together</a:t>
             </a:r>
-            <a:endParaRPr sz="2100">
-              <a:latin typeface="Calibri"/>
+            <a:endParaRPr sz="2100" dirty="0">
+              <a:latin typeface="+mn-lt"/>
               <a:cs typeface="Calibri"/>
             </a:endParaRPr>
           </a:p>
@@ -46564,69 +46399,69 @@
             </a:pPr>
             <a:r>
               <a:rPr sz="1800" dirty="0">
-                <a:latin typeface="Calibri"/>
+                <a:latin typeface="+mn-lt"/>
                 <a:cs typeface="Calibri"/>
               </a:rPr>
               <a:t>a</a:t>
             </a:r>
             <a:r>
               <a:rPr sz="1800" spc="-30" dirty="0">
-                <a:latin typeface="Calibri"/>
+                <a:latin typeface="+mn-lt"/>
                 <a:cs typeface="Calibri"/>
               </a:rPr>
               <a:t> </a:t>
             </a:r>
             <a:r>
               <a:rPr sz="1800" dirty="0">
-                <a:latin typeface="Calibri"/>
+                <a:latin typeface="+mn-lt"/>
                 <a:cs typeface="Calibri"/>
               </a:rPr>
               <a:t>collection</a:t>
             </a:r>
             <a:r>
               <a:rPr sz="1800" spc="-45" dirty="0">
-                <a:latin typeface="Calibri"/>
+                <a:latin typeface="+mn-lt"/>
                 <a:cs typeface="Calibri"/>
               </a:rPr>
               <a:t> </a:t>
             </a:r>
             <a:r>
               <a:rPr sz="1800" dirty="0">
-                <a:latin typeface="Calibri"/>
+                <a:latin typeface="+mn-lt"/>
                 <a:cs typeface="Calibri"/>
               </a:rPr>
               <a:t>of</a:t>
             </a:r>
             <a:r>
               <a:rPr sz="1800" spc="-30" dirty="0">
-                <a:latin typeface="Calibri"/>
+                <a:latin typeface="+mn-lt"/>
                 <a:cs typeface="Calibri"/>
               </a:rPr>
               <a:t> </a:t>
             </a:r>
             <a:r>
               <a:rPr sz="1800" dirty="0">
-                <a:latin typeface="Calibri"/>
+                <a:latin typeface="+mn-lt"/>
                 <a:cs typeface="Calibri"/>
               </a:rPr>
               <a:t>users</a:t>
             </a:r>
             <a:r>
               <a:rPr sz="1800" spc="-26" dirty="0">
-                <a:latin typeface="Calibri"/>
+                <a:latin typeface="+mn-lt"/>
                 <a:cs typeface="Calibri"/>
               </a:rPr>
               <a:t> </a:t>
             </a:r>
             <a:r>
               <a:rPr sz="1800" spc="-19" dirty="0">
-                <a:latin typeface="Calibri"/>
+                <a:latin typeface="+mn-lt"/>
                 <a:cs typeface="Calibri"/>
               </a:rPr>
               <a:t>and</a:t>
             </a:r>
-            <a:endParaRPr sz="1800">
-              <a:latin typeface="Calibri"/>
+            <a:endParaRPr sz="1800" dirty="0">
+              <a:latin typeface="+mn-lt"/>
               <a:cs typeface="Calibri"/>
             </a:endParaRPr>
           </a:p>
@@ -46643,55 +46478,55 @@
             </a:pPr>
             <a:r>
               <a:rPr sz="1800" dirty="0">
-                <a:latin typeface="Calibri"/>
+                <a:latin typeface="+mn-lt"/>
                 <a:cs typeface="Calibri"/>
               </a:rPr>
               <a:t>a</a:t>
             </a:r>
             <a:r>
               <a:rPr sz="1800" spc="-19" dirty="0">
-                <a:latin typeface="Calibri"/>
+                <a:latin typeface="+mn-lt"/>
                 <a:cs typeface="Calibri"/>
               </a:rPr>
               <a:t> </a:t>
             </a:r>
             <a:r>
               <a:rPr sz="1800" dirty="0">
-                <a:latin typeface="Calibri"/>
+                <a:latin typeface="+mn-lt"/>
                 <a:cs typeface="Calibri"/>
               </a:rPr>
               <a:t>collection</a:t>
             </a:r>
             <a:r>
               <a:rPr sz="1800" spc="-38" dirty="0">
-                <a:latin typeface="Calibri"/>
+                <a:latin typeface="+mn-lt"/>
                 <a:cs typeface="Calibri"/>
               </a:rPr>
               <a:t> </a:t>
             </a:r>
             <a:r>
               <a:rPr sz="1800" dirty="0">
-                <a:latin typeface="Calibri"/>
+                <a:latin typeface="+mn-lt"/>
                 <a:cs typeface="Calibri"/>
               </a:rPr>
               <a:t>of</a:t>
             </a:r>
             <a:r>
               <a:rPr sz="1800" spc="-19" dirty="0">
-                <a:latin typeface="Calibri"/>
+                <a:latin typeface="+mn-lt"/>
                 <a:cs typeface="Calibri"/>
               </a:rPr>
               <a:t> </a:t>
             </a:r>
             <a:r>
               <a:rPr sz="1800" spc="-8" dirty="0">
-                <a:latin typeface="Calibri"/>
+                <a:latin typeface="+mn-lt"/>
                 <a:cs typeface="Calibri"/>
               </a:rPr>
               <a:t>permissions</a:t>
             </a:r>
-            <a:endParaRPr sz="1800">
-              <a:latin typeface="Calibri"/>
+            <a:endParaRPr sz="1800" dirty="0">
+              <a:latin typeface="+mn-lt"/>
               <a:cs typeface="Calibri"/>
             </a:endParaRPr>
           </a:p>
@@ -46708,83 +46543,83 @@
             </a:pPr>
             <a:r>
               <a:rPr sz="2100" dirty="0">
-                <a:latin typeface="Calibri"/>
+                <a:latin typeface="+mn-lt"/>
                 <a:cs typeface="Calibri"/>
               </a:rPr>
               <a:t>These</a:t>
             </a:r>
             <a:r>
               <a:rPr sz="2100" spc="-15" dirty="0">
-                <a:latin typeface="Calibri"/>
+                <a:latin typeface="+mn-lt"/>
                 <a:cs typeface="Calibri"/>
               </a:rPr>
               <a:t> </a:t>
             </a:r>
             <a:r>
               <a:rPr sz="2100" dirty="0">
-                <a:latin typeface="Calibri"/>
+                <a:latin typeface="+mn-lt"/>
                 <a:cs typeface="Calibri"/>
               </a:rPr>
               <a:t>collections</a:t>
             </a:r>
             <a:r>
               <a:rPr sz="2100" spc="4" dirty="0">
-                <a:latin typeface="Calibri"/>
+                <a:latin typeface="+mn-lt"/>
                 <a:cs typeface="Calibri"/>
               </a:rPr>
               <a:t> </a:t>
             </a:r>
             <a:r>
               <a:rPr sz="2100" dirty="0">
-                <a:latin typeface="Calibri"/>
+                <a:latin typeface="+mn-lt"/>
                 <a:cs typeface="Calibri"/>
               </a:rPr>
               <a:t>will</a:t>
             </a:r>
             <a:r>
               <a:rPr sz="2100" spc="-11" dirty="0">
-                <a:latin typeface="Calibri"/>
+                <a:latin typeface="+mn-lt"/>
                 <a:cs typeface="Calibri"/>
               </a:rPr>
               <a:t> </a:t>
             </a:r>
             <a:r>
               <a:rPr sz="2100" dirty="0">
-                <a:latin typeface="Calibri"/>
+                <a:latin typeface="+mn-lt"/>
                 <a:cs typeface="Calibri"/>
               </a:rPr>
               <a:t>vary</a:t>
             </a:r>
             <a:r>
               <a:rPr sz="2100" spc="-11" dirty="0">
-                <a:latin typeface="Calibri"/>
+                <a:latin typeface="+mn-lt"/>
                 <a:cs typeface="Calibri"/>
               </a:rPr>
               <a:t> </a:t>
             </a:r>
             <a:r>
               <a:rPr sz="2100" dirty="0">
-                <a:latin typeface="Calibri"/>
+                <a:latin typeface="+mn-lt"/>
                 <a:cs typeface="Calibri"/>
               </a:rPr>
               <a:t>over</a:t>
             </a:r>
             <a:r>
               <a:rPr sz="2100" spc="-23" dirty="0">
-                <a:latin typeface="Calibri"/>
+                <a:latin typeface="+mn-lt"/>
                 <a:cs typeface="Calibri"/>
               </a:rPr>
               <a:t> </a:t>
             </a:r>
             <a:r>
               <a:rPr sz="2100" spc="-15" dirty="0">
-                <a:latin typeface="Calibri"/>
+                <a:latin typeface="+mn-lt"/>
                 <a:cs typeface="Calibri"/>
               </a:rPr>
               <a:t>time</a:t>
             </a:r>
-            <a:endParaRPr sz="2100">
-              <a:latin typeface="Calibri"/>
+            <a:endParaRPr sz="2100" dirty="0">
+              <a:latin typeface="+mn-lt"/>
               <a:cs typeface="Calibri"/>
             </a:endParaRPr>
           </a:p>
@@ -46801,125 +46636,125 @@
             </a:pPr>
             <a:r>
               <a:rPr sz="2100" dirty="0">
-                <a:latin typeface="Calibri"/>
+                <a:latin typeface="+mn-lt"/>
                 <a:cs typeface="Calibri"/>
               </a:rPr>
               <a:t>A</a:t>
             </a:r>
             <a:r>
               <a:rPr sz="2100" spc="-23" dirty="0">
-                <a:latin typeface="Calibri"/>
+                <a:latin typeface="+mn-lt"/>
                 <a:cs typeface="Calibri"/>
               </a:rPr>
               <a:t> </a:t>
             </a:r>
             <a:r>
               <a:rPr sz="2100" dirty="0">
-                <a:latin typeface="Calibri"/>
+                <a:latin typeface="+mn-lt"/>
                 <a:cs typeface="Calibri"/>
               </a:rPr>
               <a:t>user</a:t>
             </a:r>
             <a:r>
               <a:rPr sz="2100" spc="-23" dirty="0">
-                <a:latin typeface="Calibri"/>
+                <a:latin typeface="+mn-lt"/>
                 <a:cs typeface="Calibri"/>
               </a:rPr>
               <a:t> </a:t>
             </a:r>
             <a:r>
               <a:rPr sz="2100" dirty="0">
-                <a:latin typeface="Calibri"/>
+                <a:latin typeface="+mn-lt"/>
                 <a:cs typeface="Calibri"/>
               </a:rPr>
               <a:t>can</a:t>
             </a:r>
             <a:r>
               <a:rPr sz="2100" spc="-26" dirty="0">
-                <a:latin typeface="Calibri"/>
+                <a:latin typeface="+mn-lt"/>
                 <a:cs typeface="Calibri"/>
               </a:rPr>
               <a:t> </a:t>
             </a:r>
             <a:r>
               <a:rPr sz="2100" dirty="0">
-                <a:latin typeface="Calibri"/>
+                <a:latin typeface="+mn-lt"/>
                 <a:cs typeface="Calibri"/>
               </a:rPr>
               <a:t>be</a:t>
             </a:r>
             <a:r>
               <a:rPr sz="2100" spc="-26" dirty="0">
-                <a:latin typeface="Calibri"/>
+                <a:latin typeface="+mn-lt"/>
                 <a:cs typeface="Calibri"/>
               </a:rPr>
               <a:t> </a:t>
             </a:r>
             <a:r>
               <a:rPr sz="2100" dirty="0">
-                <a:latin typeface="Calibri"/>
+                <a:latin typeface="+mn-lt"/>
                 <a:cs typeface="Calibri"/>
               </a:rPr>
               <a:t>a</a:t>
             </a:r>
             <a:r>
               <a:rPr sz="2100" spc="-26" dirty="0">
-                <a:latin typeface="Calibri"/>
+                <a:latin typeface="+mn-lt"/>
                 <a:cs typeface="Calibri"/>
               </a:rPr>
               <a:t> </a:t>
             </a:r>
             <a:r>
               <a:rPr sz="2100" dirty="0">
-                <a:latin typeface="Calibri"/>
+                <a:latin typeface="+mn-lt"/>
                 <a:cs typeface="Calibri"/>
               </a:rPr>
               <a:t>member</a:t>
             </a:r>
             <a:r>
               <a:rPr sz="2100" spc="-34" dirty="0">
-                <a:latin typeface="Calibri"/>
+                <a:latin typeface="+mn-lt"/>
                 <a:cs typeface="Calibri"/>
               </a:rPr>
               <a:t> </a:t>
             </a:r>
             <a:r>
               <a:rPr sz="2100" dirty="0">
-                <a:latin typeface="Calibri"/>
+                <a:latin typeface="+mn-lt"/>
                 <a:cs typeface="Calibri"/>
               </a:rPr>
               <a:t>of</a:t>
             </a:r>
             <a:r>
               <a:rPr sz="2100" spc="-30" dirty="0">
-                <a:latin typeface="Calibri"/>
+                <a:latin typeface="+mn-lt"/>
                 <a:cs typeface="Calibri"/>
               </a:rPr>
               <a:t> </a:t>
             </a:r>
             <a:r>
               <a:rPr sz="2100" dirty="0">
-                <a:latin typeface="Calibri"/>
+                <a:latin typeface="+mn-lt"/>
                 <a:cs typeface="Calibri"/>
               </a:rPr>
               <a:t>many</a:t>
             </a:r>
             <a:r>
               <a:rPr sz="2100" spc="-26" dirty="0">
-                <a:latin typeface="Calibri"/>
+                <a:latin typeface="+mn-lt"/>
                 <a:cs typeface="Calibri"/>
               </a:rPr>
               <a:t> </a:t>
             </a:r>
             <a:r>
               <a:rPr sz="2100" spc="-8" dirty="0">
-                <a:latin typeface="Calibri"/>
+                <a:latin typeface="+mn-lt"/>
                 <a:cs typeface="Calibri"/>
               </a:rPr>
               <a:t>roles</a:t>
             </a:r>
-            <a:endParaRPr sz="2100">
-              <a:latin typeface="Calibri"/>
+            <a:endParaRPr sz="2100" dirty="0">
+              <a:latin typeface="+mn-lt"/>
               <a:cs typeface="Calibri"/>
             </a:endParaRPr>
           </a:p>
@@ -46939,202 +46774,202 @@
             </a:pPr>
             <a:r>
               <a:rPr sz="2100" dirty="0">
-                <a:latin typeface="Calibri"/>
+                <a:latin typeface="+mn-lt"/>
                 <a:cs typeface="Calibri"/>
               </a:rPr>
               <a:t>Each</a:t>
             </a:r>
             <a:r>
               <a:rPr sz="2100" spc="-30" dirty="0">
-                <a:latin typeface="Calibri"/>
+                <a:latin typeface="+mn-lt"/>
                 <a:cs typeface="Calibri"/>
               </a:rPr>
               <a:t> </a:t>
             </a:r>
             <a:r>
               <a:rPr sz="2100" dirty="0">
-                <a:latin typeface="Calibri"/>
+                <a:latin typeface="+mn-lt"/>
                 <a:cs typeface="Calibri"/>
               </a:rPr>
               <a:t>role</a:t>
             </a:r>
             <a:r>
               <a:rPr sz="2100" spc="-34" dirty="0">
-                <a:latin typeface="Calibri"/>
+                <a:latin typeface="+mn-lt"/>
                 <a:cs typeface="Calibri"/>
               </a:rPr>
               <a:t> </a:t>
             </a:r>
             <a:r>
               <a:rPr sz="2100" dirty="0">
-                <a:latin typeface="Calibri"/>
+                <a:latin typeface="+mn-lt"/>
                 <a:cs typeface="Calibri"/>
               </a:rPr>
               <a:t>can</a:t>
             </a:r>
             <a:r>
               <a:rPr sz="2100" spc="-19" dirty="0">
-                <a:latin typeface="Calibri"/>
+                <a:latin typeface="+mn-lt"/>
                 <a:cs typeface="Calibri"/>
               </a:rPr>
               <a:t> </a:t>
             </a:r>
             <a:r>
               <a:rPr sz="2100" dirty="0">
-                <a:latin typeface="Calibri"/>
+                <a:latin typeface="+mn-lt"/>
                 <a:cs typeface="Calibri"/>
               </a:rPr>
               <a:t>have</a:t>
             </a:r>
             <a:r>
               <a:rPr sz="2100" spc="-30" dirty="0">
-                <a:latin typeface="Calibri"/>
+                <a:latin typeface="+mn-lt"/>
                 <a:cs typeface="Calibri"/>
               </a:rPr>
               <a:t> </a:t>
             </a:r>
             <a:r>
               <a:rPr sz="2100" dirty="0">
-                <a:latin typeface="Calibri"/>
+                <a:latin typeface="+mn-lt"/>
                 <a:cs typeface="Calibri"/>
               </a:rPr>
               <a:t>many</a:t>
             </a:r>
             <a:r>
               <a:rPr sz="2100" spc="-23" dirty="0">
-                <a:latin typeface="Calibri"/>
+                <a:latin typeface="+mn-lt"/>
                 <a:cs typeface="Calibri"/>
               </a:rPr>
               <a:t> </a:t>
             </a:r>
             <a:r>
               <a:rPr sz="2100" dirty="0">
-                <a:latin typeface="Calibri"/>
+                <a:latin typeface="+mn-lt"/>
                 <a:cs typeface="Calibri"/>
               </a:rPr>
               <a:t>users</a:t>
             </a:r>
             <a:r>
               <a:rPr sz="2100" spc="-11" dirty="0">
-                <a:latin typeface="Calibri"/>
+                <a:latin typeface="+mn-lt"/>
                 <a:cs typeface="Calibri"/>
               </a:rPr>
               <a:t> </a:t>
             </a:r>
             <a:r>
               <a:rPr sz="2100" dirty="0">
-                <a:latin typeface="Calibri"/>
+                <a:latin typeface="+mn-lt"/>
                 <a:cs typeface="Calibri"/>
               </a:rPr>
               <a:t>as</a:t>
             </a:r>
             <a:r>
               <a:rPr sz="2100" spc="-15" dirty="0">
-                <a:latin typeface="Calibri"/>
+                <a:latin typeface="+mn-lt"/>
                 <a:cs typeface="Calibri"/>
               </a:rPr>
               <a:t> </a:t>
             </a:r>
             <a:r>
               <a:rPr sz="2100" dirty="0">
-                <a:latin typeface="Calibri"/>
+                <a:latin typeface="+mn-lt"/>
                 <a:cs typeface="Calibri"/>
               </a:rPr>
               <a:t>Each</a:t>
             </a:r>
             <a:r>
               <a:rPr sz="2100" spc="-30" dirty="0">
-                <a:latin typeface="Calibri"/>
+                <a:latin typeface="+mn-lt"/>
                 <a:cs typeface="Calibri"/>
               </a:rPr>
               <a:t> </a:t>
             </a:r>
             <a:r>
               <a:rPr sz="2100" dirty="0">
-                <a:latin typeface="Calibri"/>
+                <a:latin typeface="+mn-lt"/>
                 <a:cs typeface="Calibri"/>
               </a:rPr>
               <a:t>role</a:t>
             </a:r>
             <a:r>
               <a:rPr sz="2100" spc="-34" dirty="0">
-                <a:latin typeface="Calibri"/>
+                <a:latin typeface="+mn-lt"/>
                 <a:cs typeface="Calibri"/>
               </a:rPr>
               <a:t> </a:t>
             </a:r>
             <a:r>
               <a:rPr sz="2100" dirty="0">
-                <a:latin typeface="Calibri"/>
+                <a:latin typeface="+mn-lt"/>
                 <a:cs typeface="Calibri"/>
               </a:rPr>
               <a:t>can</a:t>
             </a:r>
             <a:r>
               <a:rPr sz="2100" spc="-30" dirty="0">
-                <a:latin typeface="Calibri"/>
+                <a:latin typeface="+mn-lt"/>
                 <a:cs typeface="Calibri"/>
               </a:rPr>
               <a:t> </a:t>
             </a:r>
             <a:r>
               <a:rPr sz="2100" dirty="0">
-                <a:latin typeface="Calibri"/>
+                <a:latin typeface="+mn-lt"/>
                 <a:cs typeface="Calibri"/>
               </a:rPr>
               <a:t>have</a:t>
             </a:r>
             <a:r>
               <a:rPr sz="2100" spc="-26" dirty="0">
-                <a:latin typeface="Calibri"/>
+                <a:latin typeface="+mn-lt"/>
                 <a:cs typeface="Calibri"/>
               </a:rPr>
               <a:t> </a:t>
             </a:r>
             <a:r>
               <a:rPr sz="2100" dirty="0">
-                <a:latin typeface="Calibri"/>
+                <a:latin typeface="+mn-lt"/>
                 <a:cs typeface="Calibri"/>
               </a:rPr>
               <a:t>many</a:t>
             </a:r>
             <a:r>
               <a:rPr sz="2100" spc="-19" dirty="0">
-                <a:latin typeface="Calibri"/>
+                <a:latin typeface="+mn-lt"/>
                 <a:cs typeface="Calibri"/>
               </a:rPr>
               <a:t> </a:t>
             </a:r>
             <a:r>
               <a:rPr sz="2100" dirty="0">
-                <a:latin typeface="Calibri"/>
+                <a:latin typeface="+mn-lt"/>
                 <a:cs typeface="Calibri"/>
               </a:rPr>
               <a:t>users</a:t>
             </a:r>
             <a:r>
               <a:rPr sz="2100" spc="-11" dirty="0">
-                <a:latin typeface="Calibri"/>
+                <a:latin typeface="+mn-lt"/>
                 <a:cs typeface="Calibri"/>
               </a:rPr>
               <a:t> </a:t>
             </a:r>
             <a:r>
               <a:rPr sz="2100" spc="-19" dirty="0">
-                <a:latin typeface="Calibri"/>
-                <a:cs typeface="Calibri"/>
-              </a:rPr>
-              <a:t>as 	</a:t>
+                <a:latin typeface="+mn-lt"/>
+                <a:cs typeface="Calibri"/>
+              </a:rPr>
+              <a:t>as </a:t>
             </a:r>
             <a:r>
               <a:rPr sz="2100" spc="-8" dirty="0">
-                <a:latin typeface="Calibri"/>
+                <a:latin typeface="+mn-lt"/>
                 <a:cs typeface="Calibri"/>
               </a:rPr>
               <a:t>members</a:t>
             </a:r>
-            <a:endParaRPr sz="2100">
-              <a:latin typeface="Calibri"/>
+            <a:endParaRPr sz="2100" dirty="0">
+              <a:latin typeface="+mn-lt"/>
               <a:cs typeface="Calibri"/>
             </a:endParaRPr>
           </a:p>
@@ -47196,60 +47031,23 @@
               </a:spcBef>
             </a:pPr>
             <a:r>
-              <a:rPr dirty="0"/>
+              <a:rPr dirty="0">
+                <a:latin typeface="+mj-lt"/>
+              </a:rPr>
               <a:t>RBAC</a:t>
             </a:r>
             <a:r>
-              <a:rPr spc="-11" dirty="0"/>
-              <a:t> </a:t>
-            </a:r>
-            <a:r>
-              <a:rPr spc="-8" dirty="0"/>
+              <a:rPr spc="-11" dirty="0">
+                <a:latin typeface="+mj-lt"/>
+              </a:rPr>
+              <a:t> </a:t>
+            </a:r>
+            <a:r>
+              <a:rPr spc="-8" dirty="0">
+                <a:latin typeface="+mj-lt"/>
+              </a:rPr>
               <a:t>Shortcomings</a:t>
             </a:r>
-          </a:p>
-        </p:txBody>
-      </p:sp>
-      <p:sp>
-        <p:nvSpPr>
-          <p:cNvPr id="5" name="object 5"/>
-          <p:cNvSpPr txBox="1">
-            <a:spLocks noGrp="1"/>
-          </p:cNvSpPr>
-          <p:nvPr>
-            <p:ph type="sldNum" sz="quarter" idx="7"/>
-          </p:nvPr>
-        </p:nvSpPr>
-        <p:spPr>
-          <a:xfrm>
-            <a:off x="6354344" y="3587305"/>
-            <a:ext cx="411525" cy="115416"/>
-          </a:xfrm>
-          <a:prstGeom prst="rect">
-            <a:avLst/>
-          </a:prstGeom>
-        </p:spPr>
-        <p:txBody>
-          <a:bodyPr spcFirstLastPara="1" vert="horz" wrap="square" lIns="0" tIns="0" rIns="0" bIns="0" rtlCol="0" anchor="ctr" anchorCtr="0">
-            <a:spAutoFit/>
-          </a:bodyPr>
-          <a:lstStyle/>
-          <a:p>
-            <a:pPr marL="28575">
-              <a:lnSpc>
-                <a:spcPts val="930"/>
-              </a:lnSpc>
-            </a:pPr>
-            <a:fld id="{81D60167-4931-47E6-BA6A-407CBD079E47}" type="slidenum">
-              <a:rPr spc="-19" dirty="0"/>
-              <a:pPr marL="28575">
-                <a:lnSpc>
-                  <a:spcPts val="930"/>
-                </a:lnSpc>
-              </a:pPr>
-              <a:t>47</a:t>
-            </a:fld>
-            <a:endParaRPr spc="-19" dirty="0"/>
           </a:p>
         </p:txBody>
       </p:sp>
@@ -47262,7 +47060,7 @@
         <p:spPr>
           <a:xfrm>
             <a:off x="687704" y="1280131"/>
-            <a:ext cx="6954203" cy="1559562"/>
+            <a:ext cx="7582001" cy="1709859"/>
           </a:xfrm>
           <a:prstGeom prst="rect">
             <a:avLst/>
@@ -47275,6 +47073,9 @@
           <a:lstStyle/>
           <a:p>
             <a:pPr marL="180022" indent="-170497">
+              <a:lnSpc>
+                <a:spcPct val="114000"/>
+              </a:lnSpc>
               <a:spcBef>
                 <a:spcPts val="581"/>
               </a:spcBef>
@@ -47286,130 +47087,133 @@
             </a:pPr>
             <a:r>
               <a:rPr sz="2100" dirty="0">
-                <a:latin typeface="Calibri"/>
+                <a:latin typeface="+mn-lt"/>
                 <a:cs typeface="Calibri"/>
               </a:rPr>
               <a:t>Role</a:t>
             </a:r>
             <a:r>
               <a:rPr sz="2100" spc="-34" dirty="0">
-                <a:latin typeface="Calibri"/>
+                <a:latin typeface="+mn-lt"/>
                 <a:cs typeface="Calibri"/>
               </a:rPr>
               <a:t> </a:t>
             </a:r>
             <a:r>
               <a:rPr sz="2100" dirty="0">
-                <a:latin typeface="Calibri"/>
+                <a:latin typeface="+mn-lt"/>
                 <a:cs typeface="Calibri"/>
               </a:rPr>
               <a:t>granularity</a:t>
             </a:r>
             <a:r>
               <a:rPr sz="2100" spc="-30" dirty="0">
-                <a:latin typeface="Calibri"/>
+                <a:latin typeface="+mn-lt"/>
                 <a:cs typeface="Calibri"/>
               </a:rPr>
               <a:t> </a:t>
             </a:r>
             <a:r>
               <a:rPr sz="2100" dirty="0">
-                <a:latin typeface="Calibri"/>
+                <a:latin typeface="+mn-lt"/>
                 <a:cs typeface="Calibri"/>
               </a:rPr>
               <a:t>is</a:t>
             </a:r>
             <a:r>
               <a:rPr sz="2100" spc="-26" dirty="0">
-                <a:latin typeface="Calibri"/>
+                <a:latin typeface="+mn-lt"/>
                 <a:cs typeface="Calibri"/>
               </a:rPr>
               <a:t> </a:t>
             </a:r>
             <a:r>
               <a:rPr sz="2100" dirty="0">
-                <a:latin typeface="Calibri"/>
+                <a:latin typeface="+mn-lt"/>
                 <a:cs typeface="Calibri"/>
               </a:rPr>
               <a:t>not</a:t>
             </a:r>
             <a:r>
               <a:rPr sz="2100" spc="-26" dirty="0">
-                <a:latin typeface="Calibri"/>
+                <a:latin typeface="+mn-lt"/>
                 <a:cs typeface="Calibri"/>
               </a:rPr>
               <a:t> </a:t>
             </a:r>
             <a:r>
               <a:rPr sz="2100" dirty="0">
-                <a:latin typeface="Calibri"/>
+                <a:latin typeface="+mn-lt"/>
                 <a:cs typeface="Calibri"/>
               </a:rPr>
               <a:t>adequate</a:t>
             </a:r>
             <a:r>
               <a:rPr sz="2100" spc="-26" dirty="0">
-                <a:latin typeface="Calibri"/>
+                <a:latin typeface="+mn-lt"/>
                 <a:cs typeface="Calibri"/>
               </a:rPr>
               <a:t> </a:t>
             </a:r>
             <a:r>
               <a:rPr sz="2100" dirty="0">
-                <a:latin typeface="Calibri"/>
+                <a:latin typeface="+mn-lt"/>
                 <a:cs typeface="Calibri"/>
               </a:rPr>
               <a:t>leading</a:t>
             </a:r>
             <a:r>
               <a:rPr sz="2100" spc="-34" dirty="0">
-                <a:latin typeface="Calibri"/>
+                <a:latin typeface="+mn-lt"/>
                 <a:cs typeface="Calibri"/>
               </a:rPr>
               <a:t> </a:t>
             </a:r>
             <a:r>
               <a:rPr sz="2100" dirty="0">
-                <a:latin typeface="Calibri"/>
+                <a:latin typeface="+mn-lt"/>
                 <a:cs typeface="Calibri"/>
               </a:rPr>
               <a:t>to</a:t>
             </a:r>
             <a:r>
               <a:rPr sz="2100" spc="-38" dirty="0">
-                <a:latin typeface="Calibri"/>
+                <a:latin typeface="+mn-lt"/>
                 <a:cs typeface="Calibri"/>
               </a:rPr>
               <a:t> </a:t>
             </a:r>
             <a:r>
               <a:rPr sz="2100" dirty="0">
-                <a:latin typeface="Calibri"/>
+                <a:latin typeface="+mn-lt"/>
                 <a:cs typeface="Calibri"/>
               </a:rPr>
               <a:t>role</a:t>
             </a:r>
             <a:r>
               <a:rPr sz="2100" spc="-38" dirty="0">
-                <a:latin typeface="Calibri"/>
+                <a:latin typeface="+mn-lt"/>
                 <a:cs typeface="Calibri"/>
               </a:rPr>
               <a:t> </a:t>
             </a:r>
             <a:r>
               <a:rPr sz="2100" spc="-8" dirty="0">
-                <a:latin typeface="Calibri"/>
+                <a:latin typeface="+mn-lt"/>
                 <a:cs typeface="Calibri"/>
               </a:rPr>
               <a:t>explosion</a:t>
             </a:r>
-            <a:endParaRPr sz="2100">
-              <a:latin typeface="Calibri"/>
+            <a:endParaRPr sz="2100" dirty="0">
+              <a:latin typeface="+mn-lt"/>
               <a:cs typeface="Calibri"/>
             </a:endParaRPr>
           </a:p>
           <a:p>
             <a:pPr marL="180022" indent="-170497">
+              <a:lnSpc>
+                <a:spcPct val="114000"/>
+              </a:lnSpc>
               <a:spcBef>
                 <a:spcPts val="506"/>
               </a:spcBef>
@@ -47421,116 +47225,119 @@
             </a:pPr>
             <a:r>
               <a:rPr sz="2100" dirty="0">
-                <a:latin typeface="Calibri"/>
+                <a:latin typeface="+mn-lt"/>
                 <a:cs typeface="Calibri"/>
               </a:rPr>
               <a:t>Role</a:t>
             </a:r>
             <a:r>
               <a:rPr sz="2100" spc="-38" dirty="0">
-                <a:latin typeface="Calibri"/>
+                <a:latin typeface="+mn-lt"/>
                 <a:cs typeface="Calibri"/>
               </a:rPr>
               <a:t> </a:t>
             </a:r>
             <a:r>
               <a:rPr sz="2100" dirty="0">
-                <a:latin typeface="Calibri"/>
+                <a:latin typeface="+mn-lt"/>
                 <a:cs typeface="Calibri"/>
               </a:rPr>
               <a:t>design</a:t>
             </a:r>
             <a:r>
               <a:rPr sz="2100" spc="-34" dirty="0">
-                <a:latin typeface="Calibri"/>
+                <a:latin typeface="+mn-lt"/>
                 <a:cs typeface="Calibri"/>
               </a:rPr>
               <a:t> </a:t>
             </a:r>
             <a:r>
               <a:rPr sz="2100" dirty="0">
-                <a:latin typeface="Calibri"/>
+                <a:latin typeface="+mn-lt"/>
                 <a:cs typeface="Calibri"/>
               </a:rPr>
               <a:t>and</a:t>
             </a:r>
             <a:r>
               <a:rPr sz="2100" spc="-34" dirty="0">
-                <a:latin typeface="Calibri"/>
+                <a:latin typeface="+mn-lt"/>
                 <a:cs typeface="Calibri"/>
               </a:rPr>
               <a:t> </a:t>
             </a:r>
             <a:r>
               <a:rPr sz="2100" dirty="0">
-                <a:latin typeface="Calibri"/>
+                <a:latin typeface="+mn-lt"/>
                 <a:cs typeface="Calibri"/>
               </a:rPr>
               <a:t>engineering</a:t>
             </a:r>
             <a:r>
               <a:rPr sz="2100" spc="-30" dirty="0">
-                <a:latin typeface="Calibri"/>
+                <a:latin typeface="+mn-lt"/>
                 <a:cs typeface="Calibri"/>
               </a:rPr>
               <a:t> </a:t>
             </a:r>
             <a:r>
               <a:rPr sz="2100" dirty="0">
-                <a:latin typeface="Calibri"/>
+                <a:latin typeface="+mn-lt"/>
                 <a:cs typeface="Calibri"/>
               </a:rPr>
               <a:t>is</a:t>
             </a:r>
             <a:r>
               <a:rPr sz="2100" spc="-41" dirty="0">
-                <a:latin typeface="Calibri"/>
+                <a:latin typeface="+mn-lt"/>
                 <a:cs typeface="Calibri"/>
               </a:rPr>
               <a:t> </a:t>
             </a:r>
             <a:r>
               <a:rPr sz="2100" dirty="0">
-                <a:latin typeface="Calibri"/>
+                <a:latin typeface="+mn-lt"/>
                 <a:cs typeface="Calibri"/>
               </a:rPr>
               <a:t>difficult</a:t>
             </a:r>
             <a:r>
               <a:rPr sz="2100" spc="-26" dirty="0">
-                <a:latin typeface="Calibri"/>
+                <a:latin typeface="+mn-lt"/>
                 <a:cs typeface="Calibri"/>
               </a:rPr>
               <a:t> </a:t>
             </a:r>
             <a:r>
               <a:rPr sz="2100" dirty="0">
-                <a:latin typeface="Calibri"/>
+                <a:latin typeface="+mn-lt"/>
                 <a:cs typeface="Calibri"/>
               </a:rPr>
               <a:t>and</a:t>
             </a:r>
             <a:r>
               <a:rPr sz="2100" spc="-34" dirty="0">
-                <a:latin typeface="Calibri"/>
+                <a:latin typeface="+mn-lt"/>
                 <a:cs typeface="Calibri"/>
               </a:rPr>
               <a:t> </a:t>
             </a:r>
             <a:r>
               <a:rPr sz="2100" spc="-8" dirty="0">
-                <a:latin typeface="Calibri"/>
+                <a:latin typeface="+mn-lt"/>
                 <a:cs typeface="Calibri"/>
               </a:rPr>
               <a:t>expensive</a:t>
             </a:r>
-            <a:endParaRPr sz="2100">
-              <a:latin typeface="Calibri"/>
+            <a:endParaRPr sz="2100" dirty="0">
+              <a:latin typeface="+mn-lt"/>
               <a:cs typeface="Calibri"/>
             </a:endParaRPr>
           </a:p>
           <a:p>
             <a:pPr marL="180022" indent="-170497">
+              <a:lnSpc>
+                <a:spcPct val="114000"/>
+              </a:lnSpc>
               <a:spcBef>
                 <a:spcPts val="495"/>
               </a:spcBef>
@@ -47542,102 +47349,105 @@
             </a:pPr>
             <a:r>
               <a:rPr sz="2100" dirty="0">
-                <a:latin typeface="Calibri"/>
+                <a:latin typeface="+mn-lt"/>
                 <a:cs typeface="Calibri"/>
               </a:rPr>
               <a:t>Assignment</a:t>
             </a:r>
             <a:r>
               <a:rPr sz="2100" spc="-23" dirty="0">
-                <a:latin typeface="Calibri"/>
+                <a:latin typeface="+mn-lt"/>
                 <a:cs typeface="Calibri"/>
               </a:rPr>
               <a:t> </a:t>
             </a:r>
             <a:r>
               <a:rPr sz="2100" dirty="0">
-                <a:latin typeface="Calibri"/>
+                <a:latin typeface="+mn-lt"/>
                 <a:cs typeface="Calibri"/>
               </a:rPr>
               <a:t>of</a:t>
             </a:r>
             <a:r>
               <a:rPr sz="2100" spc="-38" dirty="0">
-                <a:latin typeface="Calibri"/>
+                <a:latin typeface="+mn-lt"/>
                 <a:cs typeface="Calibri"/>
               </a:rPr>
               <a:t> </a:t>
             </a:r>
             <a:r>
               <a:rPr sz="2100" spc="-8" dirty="0">
-                <a:latin typeface="Calibri"/>
+                <a:latin typeface="+mn-lt"/>
                 <a:cs typeface="Calibri"/>
               </a:rPr>
               <a:t>users/permissions</a:t>
             </a:r>
             <a:r>
               <a:rPr sz="2100" spc="8" dirty="0">
-                <a:latin typeface="Calibri"/>
+                <a:latin typeface="+mn-lt"/>
                 <a:cs typeface="Calibri"/>
               </a:rPr>
               <a:t> </a:t>
             </a:r>
             <a:r>
               <a:rPr sz="2100" dirty="0">
-                <a:latin typeface="Calibri"/>
+                <a:latin typeface="+mn-lt"/>
                 <a:cs typeface="Calibri"/>
               </a:rPr>
               <a:t>to</a:t>
             </a:r>
             <a:r>
               <a:rPr sz="2100" spc="-41" dirty="0">
-                <a:latin typeface="Calibri"/>
+                <a:latin typeface="+mn-lt"/>
                 <a:cs typeface="Calibri"/>
               </a:rPr>
               <a:t> </a:t>
             </a:r>
             <a:r>
               <a:rPr sz="2100" dirty="0">
-                <a:latin typeface="Calibri"/>
+                <a:latin typeface="+mn-lt"/>
                 <a:cs typeface="Calibri"/>
               </a:rPr>
               <a:t>roles</a:t>
             </a:r>
             <a:r>
               <a:rPr sz="2100" spc="-38" dirty="0">
-                <a:latin typeface="Calibri"/>
+                <a:latin typeface="+mn-lt"/>
                 <a:cs typeface="Calibri"/>
               </a:rPr>
               <a:t> </a:t>
             </a:r>
             <a:r>
               <a:rPr sz="2100" dirty="0">
-                <a:latin typeface="Calibri"/>
+                <a:latin typeface="+mn-lt"/>
                 <a:cs typeface="Calibri"/>
               </a:rPr>
               <a:t>is</a:t>
             </a:r>
             <a:r>
               <a:rPr sz="2100" spc="-41" dirty="0">
-                <a:latin typeface="Calibri"/>
+                <a:latin typeface="+mn-lt"/>
                 <a:cs typeface="Calibri"/>
               </a:rPr>
               <a:t> </a:t>
             </a:r>
             <a:r>
               <a:rPr sz="2100" spc="-8" dirty="0">
-                <a:latin typeface="Calibri"/>
+                <a:latin typeface="+mn-lt"/>
                 <a:cs typeface="Calibri"/>
               </a:rPr>
               <a:t>cumbersome</a:t>
             </a:r>
-            <a:endParaRPr sz="2100">
-              <a:latin typeface="Calibri"/>
+            <a:endParaRPr sz="2100" dirty="0">
+              <a:latin typeface="+mn-lt"/>
               <a:cs typeface="Calibri"/>
             </a:endParaRPr>
           </a:p>
           <a:p>
             <a:pPr marL="180022" indent="-170497">
+              <a:lnSpc>
+                <a:spcPct val="114000"/>
+              </a:lnSpc>
               <a:spcBef>
                 <a:spcPts val="499"/>
               </a:spcBef>
@@ -47649,111 +47459,111 @@
             </a:pPr>
             <a:r>
               <a:rPr sz="2100" dirty="0">
-                <a:latin typeface="Calibri"/>
+                <a:latin typeface="+mn-lt"/>
                 <a:cs typeface="Calibri"/>
               </a:rPr>
               <a:t>Adjustment</a:t>
             </a:r>
             <a:r>
               <a:rPr sz="2100" spc="-8" dirty="0">
-                <a:latin typeface="Calibri"/>
+                <a:latin typeface="+mn-lt"/>
                 <a:cs typeface="Calibri"/>
               </a:rPr>
               <a:t> </a:t>
             </a:r>
             <a:r>
               <a:rPr sz="2100" dirty="0">
-                <a:latin typeface="Calibri"/>
+                <a:latin typeface="+mn-lt"/>
                 <a:cs typeface="Calibri"/>
               </a:rPr>
               <a:t>based</a:t>
             </a:r>
             <a:r>
               <a:rPr sz="2100" spc="-45" dirty="0">
-                <a:latin typeface="Calibri"/>
+                <a:latin typeface="+mn-lt"/>
                 <a:cs typeface="Calibri"/>
               </a:rPr>
               <a:t> </a:t>
             </a:r>
             <a:r>
               <a:rPr sz="2100" dirty="0">
-                <a:latin typeface="Calibri"/>
+                <a:latin typeface="+mn-lt"/>
                 <a:cs typeface="Calibri"/>
               </a:rPr>
               <a:t>on</a:t>
             </a:r>
             <a:r>
               <a:rPr sz="2100" spc="-45" dirty="0">
-                <a:latin typeface="Calibri"/>
+                <a:latin typeface="+mn-lt"/>
                 <a:cs typeface="Calibri"/>
               </a:rPr>
               <a:t> </a:t>
             </a:r>
             <a:r>
               <a:rPr sz="2100" dirty="0">
-                <a:latin typeface="Calibri"/>
+                <a:latin typeface="+mn-lt"/>
                 <a:cs typeface="Calibri"/>
               </a:rPr>
               <a:t>local/global</a:t>
             </a:r>
             <a:r>
               <a:rPr sz="2100" spc="-53" dirty="0">
-                <a:latin typeface="Calibri"/>
+                <a:latin typeface="+mn-lt"/>
                 <a:cs typeface="Calibri"/>
               </a:rPr>
               <a:t> </a:t>
             </a:r>
             <a:r>
               <a:rPr sz="2100" dirty="0">
-                <a:latin typeface="Calibri"/>
+                <a:latin typeface="+mn-lt"/>
                 <a:cs typeface="Calibri"/>
               </a:rPr>
               <a:t>situational</a:t>
             </a:r>
             <a:r>
               <a:rPr sz="2100" spc="-26" dirty="0">
-                <a:latin typeface="Calibri"/>
+                <a:latin typeface="+mn-lt"/>
                 <a:cs typeface="Calibri"/>
               </a:rPr>
               <a:t> </a:t>
             </a:r>
             <a:r>
               <a:rPr sz="2100" dirty="0">
-                <a:latin typeface="Calibri"/>
+                <a:latin typeface="+mn-lt"/>
                 <a:cs typeface="Calibri"/>
               </a:rPr>
               <a:t>factors</a:t>
             </a:r>
             <a:r>
               <a:rPr sz="2100" spc="-53" dirty="0">
-                <a:latin typeface="Calibri"/>
+                <a:latin typeface="+mn-lt"/>
                 <a:cs typeface="Calibri"/>
               </a:rPr>
               <a:t> </a:t>
             </a:r>
             <a:r>
               <a:rPr sz="2100" dirty="0">
-                <a:latin typeface="Calibri"/>
+                <a:latin typeface="+mn-lt"/>
                 <a:cs typeface="Calibri"/>
               </a:rPr>
               <a:t>is</a:t>
             </a:r>
             <a:r>
               <a:rPr sz="2100" spc="-45" dirty="0">
-                <a:latin typeface="Calibri"/>
+                <a:latin typeface="+mn-lt"/>
                 <a:cs typeface="Calibri"/>
               </a:rPr>
               <a:t> </a:t>
             </a:r>
             <a:r>
               <a:rPr sz="2100" spc="-8" dirty="0">
-                <a:latin typeface="Calibri"/>
+                <a:latin typeface="+mn-lt"/>
                 <a:cs typeface="Calibri"/>
               </a:rPr>
               <a:t>difficult</a:t>
             </a:r>
-            <a:endParaRPr sz="2100">
-              <a:latin typeface="Calibri"/>
+            <a:endParaRPr sz="2100" dirty="0">
+              <a:latin typeface="+mn-lt"/>
               <a:cs typeface="Calibri"/>
             </a:endParaRPr>
           </a:p>
@@ -47786,55 +47596,46 @@
       </p:grpSpPr>
       <p:sp>
         <p:nvSpPr>
-          <p:cNvPr id="2" name="object 2"/>
-          <p:cNvSpPr txBox="1">
+          <p:cNvPr id="3" name="Title 2">
+            <a:extLst>
+              <a:ext uri="{FF2B5EF4-FFF2-40B4-BE49-F238E27FC236}">
+                <a16:creationId xmlns:a16="http://schemas.microsoft.com/office/drawing/2014/main" id="{655AD286-BC42-803A-2010-4786363B1EEB}"/>
+              </a:ext>
+            </a:extLst>
+          </p:cNvPr>
+          <p:cNvSpPr>
             <a:spLocks noGrp="1"/>
           </p:cNvSpPr>
           <p:nvPr>
             <p:ph type="title"/>
           </p:nvPr>
         </p:nvSpPr>
-        <p:spPr>
-          <a:xfrm>
-            <a:off x="683133" y="2656199"/>
-            <a:ext cx="5096351" cy="714939"/>
-          </a:xfrm>
-          <a:prstGeom prst="rect">
-            <a:avLst/>
-          </a:prstGeom>
-        </p:spPr>
+        <p:spPr/>
         <p:txBody>
-          <a:bodyPr spcFirstLastPara="1" vert="horz" wrap="square" lIns="0" tIns="9525" rIns="0" bIns="0" rtlCol="0" anchor="t" anchorCtr="0">
-            <a:spAutoFit/>
-          </a:bodyPr>
+          <a:bodyPr/>
           <a:lstStyle/>
           <a:p>
-            <a:pPr marL="9525">
-              <a:spcBef>
-                <a:spcPts val="75"/>
-              </a:spcBef>
-            </a:pPr>
-            <a:r>
-              <a:rPr sz="4500" dirty="0"/>
+            <a:r>
+              <a:rPr lang="en-US" sz="3600" dirty="0"/>
               <a:t>Future</a:t>
             </a:r>
             <a:r>
-              <a:rPr sz="4500" spc="-45" dirty="0"/>
-              <a:t> </a:t>
-            </a:r>
-            <a:r>
-              <a:rPr sz="4500" dirty="0"/>
+              <a:rPr lang="en-US" sz="3600" spc="-45" dirty="0"/>
+              <a:t> </a:t>
+            </a:r>
+            <a:r>
+              <a:rPr lang="en-US" sz="3600" dirty="0"/>
               <a:t>Access</a:t>
             </a:r>
             <a:r>
-              <a:rPr sz="4500" spc="-26" dirty="0"/>
-              <a:t> </a:t>
-            </a:r>
-            <a:r>
-              <a:rPr sz="4500" spc="-8" dirty="0"/>
+              <a:rPr lang="en-US" sz="3600" spc="-26" dirty="0"/>
+              <a:t> </a:t>
+            </a:r>
+            <a:r>
+              <a:rPr lang="en-US" sz="3600" spc="-8" dirty="0"/>
               <a:t>Control</a:t>
             </a:r>
-            <a:endParaRPr sz="4500"/>
+            <a:endParaRPr lang="en-US" dirty="0"/>
           </a:p>
         </p:txBody>
       </p:sp>
@@ -47845,14 +47646,10 @@
             <a:spLocks noGrp="1"/>
           </p:cNvSpPr>
           <p:nvPr>
-            <p:ph type="sldNum" sz="quarter" idx="7"/>
+            <p:ph type="sldNum" idx="12"/>
           </p:nvPr>
         </p:nvSpPr>
         <p:spPr>
-          <a:xfrm>
-            <a:off x="6226064" y="3571323"/>
-            <a:ext cx="137517" cy="230832"/>
-          </a:xfrm>
           <a:prstGeom prst="rect">
             <a:avLst/>
           </a:prstGeom>
@@ -47937,35 +47734,51 @@
               </a:spcBef>
             </a:pPr>
             <a:r>
-              <a:rPr spc="-15" dirty="0"/>
+              <a:rPr spc="-15" dirty="0">
+                <a:latin typeface="+mj-lt"/>
+              </a:rPr>
               <a:t>Attribute-</a:t>
             </a:r>
             <a:r>
-              <a:rPr dirty="0"/>
+              <a:rPr dirty="0">
+                <a:latin typeface="+mj-lt"/>
+              </a:rPr>
               <a:t>Based</a:t>
             </a:r>
             <a:r>
-              <a:rPr spc="-38" dirty="0"/>
-              <a:t> </a:t>
-            </a:r>
-            <a:r>
-              <a:rPr dirty="0"/>
+              <a:rPr spc="-38" dirty="0">
+                <a:latin typeface="+mj-lt"/>
+              </a:rPr>
+              <a:t> </a:t>
+            </a:r>
+            <a:r>
+              <a:rPr dirty="0">
+                <a:latin typeface="+mj-lt"/>
+              </a:rPr>
               <a:t>Access</a:t>
             </a:r>
             <a:r>
-              <a:rPr spc="-23" dirty="0"/>
-              <a:t> </a:t>
-            </a:r>
-            <a:r>
-              <a:rPr dirty="0"/>
+              <a:rPr spc="-23" dirty="0">
+                <a:latin typeface="+mj-lt"/>
+              </a:rPr>
+              <a:t> </a:t>
+            </a:r>
+            <a:r>
+              <a:rPr dirty="0">
+                <a:latin typeface="+mj-lt"/>
+              </a:rPr>
               <a:t>Control</a:t>
             </a:r>
             <a:r>
-              <a:rPr spc="-26" dirty="0"/>
-              <a:t> </a:t>
-            </a:r>
-            <a:r>
-              <a:rPr spc="-8" dirty="0"/>
+              <a:rPr spc="-26" dirty="0">
+                <a:latin typeface="+mj-lt"/>
+              </a:rPr>
+              <a:t> </a:t>
+            </a:r>
+            <a:r>
+              <a:rPr spc="-8" dirty="0">
+                <a:latin typeface="+mj-lt"/>
+              </a:rPr>
               <a:t>(ABAC)</a:t>
             </a:r>
           </a:p>
@@ -50455,4464 +50268,6 @@
           <a:chExt cx="0" cy="0"/>
         </a:xfrm>
       </p:grpSpPr>
-      <p:grpSp>
-        <p:nvGrpSpPr>
-          <p:cNvPr id="2" name="object 2"/>
-          <p:cNvGrpSpPr/>
-          <p:nvPr/>
-        </p:nvGrpSpPr>
-        <p:grpSpPr>
-          <a:xfrm>
-            <a:off x="3479006" y="153563"/>
-            <a:ext cx="5664994" cy="5143500"/>
-            <a:chOff x="4639055" y="0"/>
-            <a:chExt cx="7553325" cy="6858000"/>
-          </a:xfrm>
-        </p:grpSpPr>
-        <p:sp>
-          <p:nvSpPr>
-            <p:cNvPr id="3" name="object 3"/>
-            <p:cNvSpPr/>
-            <p:nvPr/>
-          </p:nvSpPr>
-          <p:spPr>
-            <a:xfrm>
-              <a:off x="4639055" y="0"/>
-              <a:ext cx="7553325" cy="6858000"/>
-            </a:xfrm>
-            <a:custGeom>
-              <a:avLst/>
-              <a:gdLst/>
-              <a:ahLst/>
-              <a:cxnLst/>
-              <a:rect l="l" t="t" r="r" b="b"/>
-              <a:pathLst>
-                <a:path w="7553325" h="6858000">
-                  <a:moveTo>
-                    <a:pt x="7552944" y="0"/>
-                  </a:moveTo>
-                  <a:lnTo>
-                    <a:pt x="0" y="0"/>
-                  </a:lnTo>
-                  <a:lnTo>
-                    <a:pt x="0" y="6858000"/>
-                  </a:lnTo>
-                  <a:lnTo>
-                    <a:pt x="7552944" y="6858000"/>
-                  </a:lnTo>
-                  <a:lnTo>
-                    <a:pt x="7552944" y="0"/>
-                  </a:lnTo>
-                  <a:close/>
-                </a:path>
-              </a:pathLst>
-            </a:custGeom>
-            <a:solidFill>
-              <a:srgbClr val="C7C9C9"/>
-            </a:solidFill>
-          </p:spPr>
-          <p:txBody>
-            <a:bodyPr wrap="square" lIns="0" tIns="0" rIns="0" bIns="0" rtlCol="0"/>
-            <a:lstStyle/>
-            <a:p>
-              <a:endParaRPr sz="1050"/>
-            </a:p>
-          </p:txBody>
-        </p:sp>
-        <p:pic>
-          <p:nvPicPr>
-            <p:cNvPr id="4" name="object 4"/>
-            <p:cNvPicPr/>
-            <p:nvPr/>
-          </p:nvPicPr>
-          <p:blipFill>
-            <a:blip r:embed="rId2" cstate="print"/>
-            <a:stretch>
-              <a:fillRect/>
-            </a:stretch>
-          </p:blipFill>
-          <p:spPr>
-            <a:xfrm>
-              <a:off x="5059679" y="512063"/>
-              <a:ext cx="6707124" cy="5864352"/>
-            </a:xfrm>
-            <a:prstGeom prst="rect">
-              <a:avLst/>
-            </a:prstGeom>
-          </p:spPr>
-        </p:pic>
-        <p:sp>
-          <p:nvSpPr>
-            <p:cNvPr id="5" name="object 5"/>
-            <p:cNvSpPr/>
-            <p:nvPr/>
-          </p:nvSpPr>
-          <p:spPr>
-            <a:xfrm>
-              <a:off x="5123687" y="557783"/>
-              <a:ext cx="6583680" cy="5739765"/>
-            </a:xfrm>
-            <a:custGeom>
-              <a:avLst/>
-              <a:gdLst/>
-              <a:ahLst/>
-              <a:cxnLst/>
-              <a:rect l="l" t="t" r="r" b="b"/>
-              <a:pathLst>
-                <a:path w="6583680" h="5739765">
-                  <a:moveTo>
-                    <a:pt x="6583679" y="0"/>
-                  </a:moveTo>
-                  <a:lnTo>
-                    <a:pt x="0" y="0"/>
-                  </a:lnTo>
-                  <a:lnTo>
-                    <a:pt x="0" y="5739384"/>
-                  </a:lnTo>
-                  <a:lnTo>
-                    <a:pt x="6583679" y="5739384"/>
-                  </a:lnTo>
-                  <a:lnTo>
-                    <a:pt x="6583679" y="0"/>
-                  </a:lnTo>
-                  <a:close/>
-                </a:path>
-              </a:pathLst>
-            </a:custGeom>
-            <a:solidFill>
-              <a:srgbClr val="FFFFFF"/>
-            </a:solidFill>
-          </p:spPr>
-          <p:txBody>
-            <a:bodyPr wrap="square" lIns="0" tIns="0" rIns="0" bIns="0" rtlCol="0"/>
-            <a:lstStyle/>
-            <a:p>
-              <a:endParaRPr sz="1050"/>
-            </a:p>
-          </p:txBody>
-        </p:sp>
-        <p:sp>
-          <p:nvSpPr>
-            <p:cNvPr id="6" name="object 6"/>
-            <p:cNvSpPr/>
-            <p:nvPr/>
-          </p:nvSpPr>
-          <p:spPr>
-            <a:xfrm>
-              <a:off x="5123687" y="557783"/>
-              <a:ext cx="6583680" cy="5739765"/>
-            </a:xfrm>
-            <a:custGeom>
-              <a:avLst/>
-              <a:gdLst/>
-              <a:ahLst/>
-              <a:cxnLst/>
-              <a:rect l="l" t="t" r="r" b="b"/>
-              <a:pathLst>
-                <a:path w="6583680" h="5739765">
-                  <a:moveTo>
-                    <a:pt x="0" y="5739384"/>
-                  </a:moveTo>
-                  <a:lnTo>
-                    <a:pt x="6583679" y="5739384"/>
-                  </a:lnTo>
-                  <a:lnTo>
-                    <a:pt x="6583679" y="0"/>
-                  </a:lnTo>
-                  <a:lnTo>
-                    <a:pt x="0" y="0"/>
-                  </a:lnTo>
-                  <a:lnTo>
-                    <a:pt x="0" y="5739384"/>
-                  </a:lnTo>
-                  <a:close/>
-                </a:path>
-              </a:pathLst>
-            </a:custGeom>
-            <a:ln w="9525">
-              <a:solidFill>
-                <a:srgbClr val="C7C9C9"/>
-              </a:solidFill>
-            </a:ln>
-          </p:spPr>
-          <p:txBody>
-            <a:bodyPr wrap="square" lIns="0" tIns="0" rIns="0" bIns="0" rtlCol="0"/>
-            <a:lstStyle/>
-            <a:p>
-              <a:endParaRPr sz="1050"/>
-            </a:p>
-          </p:txBody>
-        </p:sp>
-        <p:pic>
-          <p:nvPicPr>
-            <p:cNvPr id="7" name="object 7"/>
-            <p:cNvPicPr/>
-            <p:nvPr/>
-          </p:nvPicPr>
-          <p:blipFill>
-            <a:blip r:embed="rId3" cstate="print"/>
-            <a:stretch>
-              <a:fillRect/>
-            </a:stretch>
-          </p:blipFill>
-          <p:spPr>
-            <a:xfrm>
-              <a:off x="5149595" y="1427988"/>
-              <a:ext cx="6557772" cy="3981958"/>
-            </a:xfrm>
-            <a:prstGeom prst="rect">
-              <a:avLst/>
-            </a:prstGeom>
-          </p:spPr>
-        </p:pic>
-      </p:grpSp>
-      <p:sp>
-        <p:nvSpPr>
-          <p:cNvPr id="8" name="object 8"/>
-          <p:cNvSpPr txBox="1">
-            <a:spLocks noGrp="1"/>
-          </p:cNvSpPr>
-          <p:nvPr>
-            <p:ph type="title"/>
-          </p:nvPr>
-        </p:nvSpPr>
-        <p:spPr>
-          <a:xfrm>
-            <a:off x="545744" y="540734"/>
-            <a:ext cx="2426970" cy="1055257"/>
-          </a:xfrm>
-          <a:prstGeom prst="rect">
-            <a:avLst/>
-          </a:prstGeom>
-        </p:spPr>
-        <p:txBody>
-          <a:bodyPr spcFirstLastPara="1" vert="horz" wrap="square" lIns="0" tIns="67151" rIns="0" bIns="0" rtlCol="0" anchor="t" anchorCtr="0">
-            <a:spAutoFit/>
-          </a:bodyPr>
-          <a:lstStyle/>
-          <a:p>
-            <a:pPr marL="9525" marR="3810">
-              <a:lnSpc>
-                <a:spcPts val="3563"/>
-              </a:lnSpc>
-              <a:spcBef>
-                <a:spcPts val="529"/>
-              </a:spcBef>
-            </a:pPr>
-            <a:r>
-              <a:rPr dirty="0"/>
-              <a:t>Usage</a:t>
-            </a:r>
-            <a:r>
-              <a:rPr spc="-83" dirty="0"/>
-              <a:t> </a:t>
-            </a:r>
-            <a:r>
-              <a:rPr spc="-8" dirty="0"/>
-              <a:t>Control (UCON)</a:t>
-            </a:r>
-          </a:p>
-        </p:txBody>
-      </p:sp>
-      <p:sp>
-        <p:nvSpPr>
-          <p:cNvPr id="9" name="object 9"/>
-          <p:cNvSpPr txBox="1"/>
-          <p:nvPr/>
-        </p:nvSpPr>
-        <p:spPr>
-          <a:xfrm>
-            <a:off x="545744" y="1818609"/>
-            <a:ext cx="2460308" cy="863698"/>
-          </a:xfrm>
-          <a:prstGeom prst="rect">
-            <a:avLst/>
-          </a:prstGeom>
-        </p:spPr>
-        <p:txBody>
-          <a:bodyPr vert="horz" wrap="square" lIns="0" tIns="32385" rIns="0" bIns="0" rtlCol="0">
-            <a:spAutoFit/>
-          </a:bodyPr>
-          <a:lstStyle/>
-          <a:p>
-            <a:pPr marL="180975" marR="3810" indent="-171450">
-              <a:lnSpc>
-                <a:spcPct val="90000"/>
-              </a:lnSpc>
-              <a:spcBef>
-                <a:spcPts val="255"/>
-              </a:spcBef>
-              <a:buFont typeface="Arial"/>
-              <a:buChar char="•"/>
-              <a:tabLst>
-                <a:tab pos="180975" algn="l"/>
-              </a:tabLst>
-            </a:pPr>
-            <a:r>
-              <a:rPr sz="1500" dirty="0">
-                <a:latin typeface="Calibri"/>
-                <a:cs typeface="Calibri"/>
-              </a:rPr>
-              <a:t>Unified</a:t>
-            </a:r>
-            <a:r>
-              <a:rPr sz="1500" spc="-19" dirty="0">
-                <a:latin typeface="Calibri"/>
-                <a:cs typeface="Calibri"/>
-              </a:rPr>
-              <a:t> </a:t>
-            </a:r>
-            <a:r>
-              <a:rPr sz="1500" dirty="0">
-                <a:latin typeface="Calibri"/>
-                <a:cs typeface="Calibri"/>
-              </a:rPr>
-              <a:t>framework</a:t>
-            </a:r>
-            <a:r>
-              <a:rPr sz="1500" spc="-8" dirty="0">
-                <a:latin typeface="Calibri"/>
-                <a:cs typeface="Calibri"/>
-              </a:rPr>
-              <a:t> </a:t>
-            </a:r>
-            <a:r>
-              <a:rPr sz="1500" dirty="0">
-                <a:latin typeface="Calibri"/>
-                <a:cs typeface="Calibri"/>
-              </a:rPr>
-              <a:t>for</a:t>
-            </a:r>
-            <a:r>
-              <a:rPr sz="1500" spc="-26" dirty="0">
-                <a:latin typeface="Calibri"/>
-                <a:cs typeface="Calibri"/>
-              </a:rPr>
-              <a:t> </a:t>
-            </a:r>
-            <a:r>
-              <a:rPr sz="1500" spc="-8" dirty="0">
-                <a:latin typeface="Calibri"/>
-                <a:cs typeface="Calibri"/>
-              </a:rPr>
-              <a:t>access </a:t>
-            </a:r>
-            <a:r>
-              <a:rPr sz="1500" dirty="0">
-                <a:latin typeface="Calibri"/>
-                <a:cs typeface="Calibri"/>
-              </a:rPr>
-              <a:t>control,</a:t>
-            </a:r>
-            <a:r>
-              <a:rPr sz="1500" spc="-34" dirty="0">
-                <a:latin typeface="Calibri"/>
-                <a:cs typeface="Calibri"/>
-              </a:rPr>
-              <a:t> </a:t>
-            </a:r>
-            <a:r>
-              <a:rPr sz="1500" dirty="0">
-                <a:latin typeface="Calibri"/>
-                <a:cs typeface="Calibri"/>
-              </a:rPr>
-              <a:t>trust</a:t>
-            </a:r>
-            <a:r>
-              <a:rPr sz="1500" spc="-26" dirty="0">
-                <a:latin typeface="Calibri"/>
-                <a:cs typeface="Calibri"/>
-              </a:rPr>
-              <a:t> </a:t>
-            </a:r>
-            <a:r>
-              <a:rPr sz="1500" spc="-8" dirty="0">
-                <a:latin typeface="Calibri"/>
-                <a:cs typeface="Calibri"/>
-              </a:rPr>
-              <a:t>management </a:t>
-            </a:r>
-            <a:r>
-              <a:rPr sz="1500" dirty="0">
-                <a:latin typeface="Calibri"/>
-                <a:cs typeface="Calibri"/>
-              </a:rPr>
-              <a:t>and</a:t>
-            </a:r>
-            <a:r>
-              <a:rPr sz="1500" spc="-26" dirty="0">
-                <a:latin typeface="Calibri"/>
-                <a:cs typeface="Calibri"/>
-              </a:rPr>
-              <a:t> </a:t>
-            </a:r>
-            <a:r>
-              <a:rPr sz="1500" dirty="0">
-                <a:latin typeface="Calibri"/>
-                <a:cs typeface="Calibri"/>
-              </a:rPr>
-              <a:t>digital</a:t>
-            </a:r>
-            <a:r>
-              <a:rPr sz="1500" spc="-26" dirty="0">
-                <a:latin typeface="Calibri"/>
-                <a:cs typeface="Calibri"/>
-              </a:rPr>
-              <a:t> </a:t>
-            </a:r>
-            <a:r>
-              <a:rPr sz="1500" spc="-8" dirty="0">
-                <a:latin typeface="Calibri"/>
-                <a:cs typeface="Calibri"/>
-              </a:rPr>
-              <a:t>rights management</a:t>
-            </a:r>
-            <a:endParaRPr sz="1500">
-              <a:latin typeface="Calibri"/>
-              <a:cs typeface="Calibri"/>
-            </a:endParaRPr>
-          </a:p>
-        </p:txBody>
-      </p:sp>
-    </p:spTree>
-  </p:cSld>
-  <p:clrMapOvr>
-    <a:masterClrMapping/>
-  </p:clrMapOvr>
-</p:sld>
-</file>
-
-<file path=ppt/slides/slide51.xml><?xml version="1.0" encoding="utf-8"?>
-<p:sld xmlns:a="http://schemas.openxmlformats.org/drawingml/2006/main" xmlns:r="http://schemas.openxmlformats.org/officeDocument/2006/relationships" xmlns:p="http://schemas.openxmlformats.org/presentationml/2006/main">
-  <p:cSld>
-    <p:spTree>
-      <p:nvGrpSpPr>
-        <p:cNvPr id="1" name=""/>
-        <p:cNvGrpSpPr/>
-        <p:nvPr/>
-      </p:nvGrpSpPr>
-      <p:grpSpPr>
-        <a:xfrm>
-          <a:off x="0" y="0"/>
-          <a:ext cx="0" cy="0"/>
-          <a:chOff x="0" y="0"/>
-          <a:chExt cx="0" cy="0"/>
-        </a:xfrm>
-      </p:grpSpPr>
-      <p:sp>
-        <p:nvSpPr>
-          <p:cNvPr id="2" name="object 2"/>
-          <p:cNvSpPr txBox="1">
-            <a:spLocks noGrp="1"/>
-          </p:cNvSpPr>
-          <p:nvPr>
-            <p:ph type="title"/>
-          </p:nvPr>
-        </p:nvSpPr>
-        <p:spPr>
-          <a:xfrm>
-            <a:off x="2448592" y="1866576"/>
-            <a:ext cx="4248626" cy="714939"/>
-          </a:xfrm>
-          <a:prstGeom prst="rect">
-            <a:avLst/>
-          </a:prstGeom>
-        </p:spPr>
-        <p:txBody>
-          <a:bodyPr spcFirstLastPara="1" vert="horz" wrap="square" lIns="0" tIns="9525" rIns="0" bIns="0" rtlCol="0" anchor="t" anchorCtr="0">
-            <a:spAutoFit/>
-          </a:bodyPr>
-          <a:lstStyle/>
-          <a:p>
-            <a:pPr marL="9525">
-              <a:spcBef>
-                <a:spcPts val="75"/>
-              </a:spcBef>
-            </a:pPr>
-            <a:r>
-              <a:rPr sz="4500" dirty="0"/>
-              <a:t>Social </a:t>
-            </a:r>
-            <a:r>
-              <a:rPr sz="4500" spc="-8" dirty="0"/>
-              <a:t>engineering</a:t>
-            </a:r>
-            <a:endParaRPr sz="4500"/>
-          </a:p>
-        </p:txBody>
-      </p:sp>
-    </p:spTree>
-  </p:cSld>
-  <p:clrMapOvr>
-    <a:masterClrMapping/>
-  </p:clrMapOvr>
-</p:sld>
-</file>
-
-<file path=ppt/slides/slide52.xml><?xml version="1.0" encoding="utf-8"?>
-<p:sld xmlns:a="http://schemas.openxmlformats.org/drawingml/2006/main" xmlns:r="http://schemas.openxmlformats.org/officeDocument/2006/relationships" xmlns:p="http://schemas.openxmlformats.org/presentationml/2006/main">
-  <p:cSld>
-    <p:spTree>
-      <p:nvGrpSpPr>
-        <p:cNvPr id="1" name=""/>
-        <p:cNvGrpSpPr/>
-        <p:nvPr/>
-      </p:nvGrpSpPr>
-      <p:grpSpPr>
-        <a:xfrm>
-          <a:off x="0" y="0"/>
-          <a:ext cx="0" cy="0"/>
-          <a:chOff x="0" y="0"/>
-          <a:chExt cx="0" cy="0"/>
-        </a:xfrm>
-      </p:grpSpPr>
-      <p:sp>
-        <p:nvSpPr>
-          <p:cNvPr id="2" name="object 2"/>
-          <p:cNvSpPr txBox="1">
-            <a:spLocks noGrp="1"/>
-          </p:cNvSpPr>
-          <p:nvPr>
-            <p:ph type="title"/>
-          </p:nvPr>
-        </p:nvSpPr>
-        <p:spPr>
-          <a:xfrm>
-            <a:off x="77025" y="203157"/>
-            <a:ext cx="6390450" cy="530754"/>
-          </a:xfrm>
-          <a:prstGeom prst="rect">
-            <a:avLst/>
-          </a:prstGeom>
-        </p:spPr>
-        <p:txBody>
-          <a:bodyPr spcFirstLastPara="1" vert="horz" wrap="square" lIns="0" tIns="10001" rIns="0" bIns="0" rtlCol="0" anchor="t" anchorCtr="0">
-            <a:spAutoFit/>
-          </a:bodyPr>
-          <a:lstStyle/>
-          <a:p>
-            <a:pPr marL="9525">
-              <a:spcBef>
-                <a:spcPts val="79"/>
-              </a:spcBef>
-            </a:pPr>
-            <a:r>
-              <a:rPr dirty="0"/>
-              <a:t>Example</a:t>
-            </a:r>
-            <a:r>
-              <a:rPr spc="-26" dirty="0"/>
-              <a:t> </a:t>
-            </a:r>
-            <a:r>
-              <a:rPr dirty="0"/>
-              <a:t>- Usable</a:t>
-            </a:r>
-            <a:r>
-              <a:rPr spc="-4" dirty="0"/>
-              <a:t> </a:t>
-            </a:r>
-            <a:r>
-              <a:rPr spc="-8" dirty="0"/>
-              <a:t>Security</a:t>
-            </a:r>
-          </a:p>
-        </p:txBody>
-      </p:sp>
-      <p:sp>
-        <p:nvSpPr>
-          <p:cNvPr id="3" name="object 3"/>
-          <p:cNvSpPr txBox="1">
-            <a:spLocks noGrp="1"/>
-          </p:cNvSpPr>
-          <p:nvPr>
-            <p:ph sz="half" idx="2"/>
-          </p:nvPr>
-        </p:nvSpPr>
-        <p:spPr>
-          <a:xfrm>
-            <a:off x="515779" y="989809"/>
-            <a:ext cx="2672834" cy="4738926"/>
-          </a:xfrm>
-          <a:prstGeom prst="rect">
-            <a:avLst/>
-          </a:prstGeom>
-        </p:spPr>
-        <p:txBody>
-          <a:bodyPr spcFirstLastPara="1" vert="horz" wrap="square" lIns="0" tIns="73343" rIns="0" bIns="0" rtlCol="0" anchor="t" anchorCtr="0">
-            <a:spAutoFit/>
-          </a:bodyPr>
-          <a:lstStyle/>
-          <a:p>
-            <a:pPr marL="180022" marR="46196" indent="-170497">
-              <a:lnSpc>
-                <a:spcPct val="80000"/>
-              </a:lnSpc>
-              <a:spcBef>
-                <a:spcPts val="578"/>
-              </a:spcBef>
-              <a:buFont typeface="Arial"/>
-              <a:buChar char="•"/>
-              <a:tabLst>
-                <a:tab pos="180975" algn="l"/>
-              </a:tabLst>
-            </a:pPr>
-            <a:r>
-              <a:rPr dirty="0"/>
-              <a:t>Description</a:t>
-            </a:r>
-            <a:r>
-              <a:rPr spc="-30" dirty="0"/>
-              <a:t> </a:t>
-            </a:r>
-            <a:r>
-              <a:rPr dirty="0"/>
-              <a:t>“Usability</a:t>
-            </a:r>
-            <a:r>
-              <a:rPr spc="-53" dirty="0"/>
-              <a:t> </a:t>
-            </a:r>
-            <a:r>
-              <a:rPr dirty="0"/>
-              <a:t>is</a:t>
-            </a:r>
-            <a:r>
-              <a:rPr spc="-56" dirty="0"/>
-              <a:t> </a:t>
-            </a:r>
-            <a:r>
-              <a:rPr dirty="0"/>
-              <a:t>one</a:t>
-            </a:r>
-            <a:r>
-              <a:rPr spc="-53" dirty="0"/>
-              <a:t> </a:t>
-            </a:r>
-            <a:r>
-              <a:rPr spc="-19" dirty="0"/>
-              <a:t>of 	</a:t>
-            </a:r>
-            <a:r>
-              <a:rPr dirty="0"/>
-              <a:t>the</a:t>
-            </a:r>
-            <a:r>
-              <a:rPr spc="-53" dirty="0"/>
-              <a:t> </a:t>
-            </a:r>
-            <a:r>
-              <a:rPr dirty="0"/>
-              <a:t>most</a:t>
-            </a:r>
-            <a:r>
-              <a:rPr spc="-45" dirty="0"/>
-              <a:t> </a:t>
-            </a:r>
-            <a:r>
-              <a:rPr dirty="0"/>
-              <a:t>important</a:t>
-            </a:r>
-            <a:r>
-              <a:rPr spc="-30" dirty="0"/>
-              <a:t> </a:t>
-            </a:r>
-            <a:r>
-              <a:rPr dirty="0"/>
-              <a:t>and</a:t>
-            </a:r>
-            <a:r>
-              <a:rPr spc="-49" dirty="0"/>
-              <a:t> </a:t>
-            </a:r>
-            <a:r>
-              <a:rPr spc="-19" dirty="0"/>
-              <a:t>yet 	</a:t>
-            </a:r>
-            <a:r>
-              <a:rPr dirty="0"/>
-              <a:t>hardest</a:t>
-            </a:r>
-            <a:r>
-              <a:rPr spc="-79" dirty="0"/>
-              <a:t> </a:t>
-            </a:r>
-            <a:r>
-              <a:rPr dirty="0"/>
-              <a:t>design</a:t>
-            </a:r>
-            <a:r>
-              <a:rPr spc="-75" dirty="0"/>
-              <a:t> </a:t>
-            </a:r>
-            <a:r>
-              <a:rPr dirty="0"/>
-              <a:t>problems</a:t>
-            </a:r>
-            <a:r>
-              <a:rPr spc="-71" dirty="0"/>
-              <a:t> </a:t>
-            </a:r>
-            <a:r>
-              <a:rPr spc="-19" dirty="0"/>
-              <a:t>in</a:t>
-            </a:r>
-          </a:p>
-          <a:p>
-            <a:pPr marL="180975" marR="21907">
-              <a:lnSpc>
-                <a:spcPct val="80000"/>
-              </a:lnSpc>
-            </a:pPr>
-            <a:r>
-              <a:rPr dirty="0"/>
-              <a:t>many</a:t>
-            </a:r>
-            <a:r>
-              <a:rPr spc="-53" dirty="0"/>
-              <a:t> </a:t>
-            </a:r>
-            <a:r>
-              <a:rPr dirty="0"/>
-              <a:t>secure</a:t>
-            </a:r>
-            <a:r>
-              <a:rPr spc="-53" dirty="0"/>
-              <a:t> </a:t>
-            </a:r>
-            <a:r>
-              <a:rPr dirty="0"/>
-              <a:t>systems.”</a:t>
-            </a:r>
-            <a:r>
-              <a:rPr spc="-23" dirty="0"/>
-              <a:t> </a:t>
-            </a:r>
-            <a:r>
-              <a:rPr i="1" dirty="0">
-                <a:latin typeface="Calibri"/>
-                <a:cs typeface="Calibri"/>
-              </a:rPr>
-              <a:t>by</a:t>
-            </a:r>
-            <a:r>
-              <a:rPr i="1" spc="-56" dirty="0"/>
-              <a:t> </a:t>
-            </a:r>
-            <a:r>
-              <a:rPr i="1" spc="-15" dirty="0"/>
-              <a:t>Ross </a:t>
-            </a:r>
-            <a:r>
-              <a:rPr i="1" spc="-8" dirty="0"/>
-              <a:t>Anderson</a:t>
-            </a:r>
-          </a:p>
-          <a:p>
-            <a:pPr>
-              <a:lnSpc>
-                <a:spcPct val="100000"/>
-              </a:lnSpc>
-              <a:spcBef>
-                <a:spcPts val="956"/>
-              </a:spcBef>
-            </a:pPr>
-            <a:endParaRPr i="1" spc="-8" dirty="0"/>
-          </a:p>
-          <a:p>
-            <a:pPr marL="180022" marR="3810" indent="-170497">
-              <a:lnSpc>
-                <a:spcPct val="80000"/>
-              </a:lnSpc>
-              <a:buFont typeface="Arial"/>
-              <a:buChar char="•"/>
-              <a:tabLst>
-                <a:tab pos="180975" algn="l"/>
-              </a:tabLst>
-            </a:pPr>
-            <a:r>
-              <a:rPr dirty="0"/>
-              <a:t>Technology</a:t>
-            </a:r>
-            <a:r>
-              <a:rPr spc="-41" dirty="0"/>
-              <a:t> </a:t>
-            </a:r>
-            <a:r>
-              <a:rPr dirty="0"/>
-              <a:t>writer</a:t>
-            </a:r>
-            <a:r>
-              <a:rPr spc="-49" dirty="0"/>
-              <a:t> </a:t>
-            </a:r>
-            <a:r>
-              <a:rPr dirty="0"/>
-              <a:t>David</a:t>
-            </a:r>
-            <a:r>
-              <a:rPr spc="-45" dirty="0"/>
-              <a:t> </a:t>
-            </a:r>
-            <a:r>
-              <a:rPr spc="-8" dirty="0"/>
-              <a:t>Pogue 	</a:t>
-            </a:r>
-            <a:r>
-              <a:rPr dirty="0"/>
-              <a:t>calculated</a:t>
-            </a:r>
-            <a:r>
-              <a:rPr spc="-38" dirty="0"/>
-              <a:t> </a:t>
-            </a:r>
-            <a:r>
-              <a:rPr dirty="0"/>
-              <a:t>we</a:t>
-            </a:r>
-            <a:r>
-              <a:rPr spc="-30" dirty="0"/>
-              <a:t> </a:t>
-            </a:r>
-            <a:r>
-              <a:rPr dirty="0"/>
-              <a:t>spend</a:t>
-            </a:r>
-            <a:r>
-              <a:rPr spc="-19" dirty="0"/>
-              <a:t> </a:t>
-            </a:r>
-            <a:r>
-              <a:rPr dirty="0"/>
-              <a:t>17</a:t>
-            </a:r>
-            <a:r>
-              <a:rPr spc="-23" dirty="0"/>
-              <a:t> </a:t>
-            </a:r>
-            <a:r>
-              <a:rPr spc="-15" dirty="0"/>
-              <a:t>man- 	</a:t>
-            </a:r>
-            <a:r>
-              <a:rPr dirty="0"/>
-              <a:t>years</a:t>
-            </a:r>
-            <a:r>
-              <a:rPr spc="-23" dirty="0"/>
-              <a:t> </a:t>
-            </a:r>
-            <a:r>
-              <a:rPr dirty="0"/>
-              <a:t>every</a:t>
-            </a:r>
-            <a:r>
-              <a:rPr spc="-23" dirty="0"/>
-              <a:t> </a:t>
-            </a:r>
-            <a:r>
-              <a:rPr dirty="0"/>
-              <a:t>day</a:t>
-            </a:r>
-            <a:r>
-              <a:rPr spc="-23" dirty="0"/>
-              <a:t> </a:t>
-            </a:r>
-            <a:r>
-              <a:rPr dirty="0"/>
-              <a:t>on</a:t>
-            </a:r>
-            <a:r>
-              <a:rPr spc="-19" dirty="0"/>
-              <a:t> </a:t>
-            </a:r>
-            <a:r>
-              <a:rPr spc="-8" dirty="0"/>
-              <a:t>CAPTCHAs 	</a:t>
-            </a:r>
-            <a:r>
-              <a:rPr dirty="0"/>
-              <a:t>(Scientific</a:t>
-            </a:r>
-            <a:r>
-              <a:rPr spc="-75" dirty="0"/>
-              <a:t> </a:t>
-            </a:r>
-            <a:r>
-              <a:rPr dirty="0"/>
-              <a:t>American,</a:t>
-            </a:r>
-            <a:r>
-              <a:rPr spc="-68" dirty="0"/>
-              <a:t> </a:t>
-            </a:r>
-            <a:r>
-              <a:rPr spc="-8" dirty="0"/>
-              <a:t>March 	</a:t>
-            </a:r>
-            <a:r>
-              <a:rPr spc="-15" dirty="0"/>
-              <a:t>2012)</a:t>
-            </a:r>
-          </a:p>
-        </p:txBody>
-      </p:sp>
-      <p:sp>
-        <p:nvSpPr>
-          <p:cNvPr id="4" name="object 4"/>
-          <p:cNvSpPr txBox="1"/>
-          <p:nvPr/>
-        </p:nvSpPr>
-        <p:spPr>
-          <a:xfrm>
-            <a:off x="4688681" y="1317424"/>
-            <a:ext cx="1099185" cy="662841"/>
-          </a:xfrm>
-          <a:prstGeom prst="rect">
-            <a:avLst/>
-          </a:prstGeom>
-        </p:spPr>
-        <p:txBody>
-          <a:bodyPr vert="horz" wrap="square" lIns="0" tIns="36671" rIns="0" bIns="0" rtlCol="0">
-            <a:spAutoFit/>
-          </a:bodyPr>
-          <a:lstStyle/>
-          <a:p>
-            <a:pPr marL="180022" indent="-170497">
-              <a:spcBef>
-                <a:spcPts val="289"/>
-              </a:spcBef>
-              <a:buFont typeface="Arial"/>
-              <a:buChar char="•"/>
-              <a:tabLst>
-                <a:tab pos="180022" algn="l"/>
-              </a:tabLst>
-            </a:pPr>
-            <a:r>
-              <a:rPr sz="2100" spc="-8" dirty="0">
-                <a:latin typeface="Calibri"/>
-                <a:cs typeface="Calibri"/>
-              </a:rPr>
-              <a:t>Phishing</a:t>
-            </a:r>
-            <a:endParaRPr sz="2100">
-              <a:latin typeface="Calibri"/>
-              <a:cs typeface="Calibri"/>
-            </a:endParaRPr>
-          </a:p>
-          <a:p>
-            <a:pPr marL="522923" lvl="1" indent="-170497">
-              <a:spcBef>
-                <a:spcPts val="184"/>
-              </a:spcBef>
-              <a:buFont typeface="Arial"/>
-              <a:buChar char="•"/>
-              <a:tabLst>
-                <a:tab pos="522923" algn="l"/>
-              </a:tabLst>
-            </a:pPr>
-            <a:r>
-              <a:rPr sz="1800" spc="-15" dirty="0">
-                <a:latin typeface="Calibri"/>
-                <a:cs typeface="Calibri"/>
-              </a:rPr>
-              <a:t>1996</a:t>
-            </a:r>
-            <a:endParaRPr sz="1800">
-              <a:latin typeface="Calibri"/>
-              <a:cs typeface="Calibri"/>
-            </a:endParaRPr>
-          </a:p>
-        </p:txBody>
-      </p:sp>
-      <p:sp>
-        <p:nvSpPr>
-          <p:cNvPr id="5" name="object 5"/>
-          <p:cNvSpPr txBox="1"/>
-          <p:nvPr/>
-        </p:nvSpPr>
-        <p:spPr>
-          <a:xfrm>
-            <a:off x="4688682" y="2407025"/>
-            <a:ext cx="3619024" cy="1496082"/>
-          </a:xfrm>
-          <a:prstGeom prst="rect">
-            <a:avLst/>
-          </a:prstGeom>
-        </p:spPr>
-        <p:txBody>
-          <a:bodyPr vert="horz" wrap="square" lIns="0" tIns="41433" rIns="0" bIns="0" rtlCol="0">
-            <a:spAutoFit/>
-          </a:bodyPr>
-          <a:lstStyle/>
-          <a:p>
-            <a:pPr marL="180022" marR="3810" indent="-170497">
-              <a:lnSpc>
-                <a:spcPct val="90000"/>
-              </a:lnSpc>
-              <a:spcBef>
-                <a:spcPts val="326"/>
-              </a:spcBef>
-              <a:buFont typeface="Arial"/>
-              <a:buChar char="•"/>
-              <a:tabLst>
-                <a:tab pos="180975" algn="l"/>
-              </a:tabLst>
-            </a:pPr>
-            <a:r>
-              <a:rPr sz="2100" dirty="0">
-                <a:latin typeface="Calibri"/>
-                <a:cs typeface="Calibri"/>
-              </a:rPr>
-              <a:t>“Given</a:t>
-            </a:r>
-            <a:r>
-              <a:rPr sz="2100" spc="-19" dirty="0">
-                <a:latin typeface="Calibri"/>
-                <a:cs typeface="Calibri"/>
-              </a:rPr>
-              <a:t> </a:t>
-            </a:r>
-            <a:r>
-              <a:rPr sz="2100" dirty="0">
-                <a:latin typeface="Calibri"/>
-                <a:cs typeface="Calibri"/>
-              </a:rPr>
-              <a:t>a</a:t>
-            </a:r>
-            <a:r>
-              <a:rPr sz="2100" spc="-30" dirty="0">
-                <a:latin typeface="Calibri"/>
-                <a:cs typeface="Calibri"/>
-              </a:rPr>
-              <a:t> </a:t>
-            </a:r>
-            <a:r>
-              <a:rPr sz="2100" dirty="0">
-                <a:latin typeface="Calibri"/>
-                <a:cs typeface="Calibri"/>
-              </a:rPr>
-              <a:t>choice</a:t>
-            </a:r>
-            <a:r>
-              <a:rPr sz="2100" spc="-11" dirty="0">
-                <a:latin typeface="Calibri"/>
-                <a:cs typeface="Calibri"/>
-              </a:rPr>
-              <a:t> </a:t>
-            </a:r>
-            <a:r>
-              <a:rPr sz="2100" spc="-8" dirty="0">
-                <a:latin typeface="Calibri"/>
-                <a:cs typeface="Calibri"/>
-              </a:rPr>
-              <a:t>between 	</a:t>
-            </a:r>
-            <a:r>
-              <a:rPr sz="2100" dirty="0">
-                <a:latin typeface="Calibri"/>
-                <a:cs typeface="Calibri"/>
-              </a:rPr>
-              <a:t>dancing</a:t>
-            </a:r>
-            <a:r>
-              <a:rPr sz="2100" spc="-38" dirty="0">
-                <a:latin typeface="Calibri"/>
-                <a:cs typeface="Calibri"/>
-              </a:rPr>
-              <a:t> </a:t>
-            </a:r>
-            <a:r>
-              <a:rPr sz="2100" dirty="0">
-                <a:latin typeface="Calibri"/>
-                <a:cs typeface="Calibri"/>
-              </a:rPr>
-              <a:t>pigs</a:t>
-            </a:r>
-            <a:r>
-              <a:rPr sz="2100" spc="-38" dirty="0">
-                <a:latin typeface="Calibri"/>
-                <a:cs typeface="Calibri"/>
-              </a:rPr>
-              <a:t> </a:t>
-            </a:r>
-            <a:r>
-              <a:rPr sz="2100" dirty="0">
-                <a:latin typeface="Calibri"/>
-                <a:cs typeface="Calibri"/>
-              </a:rPr>
-              <a:t>and</a:t>
-            </a:r>
-            <a:r>
-              <a:rPr sz="2100" spc="-45" dirty="0">
-                <a:latin typeface="Calibri"/>
-                <a:cs typeface="Calibri"/>
-              </a:rPr>
-              <a:t> </a:t>
-            </a:r>
-            <a:r>
-              <a:rPr sz="2100" dirty="0">
-                <a:latin typeface="Calibri"/>
-                <a:cs typeface="Calibri"/>
-              </a:rPr>
-              <a:t>security,</a:t>
-            </a:r>
-            <a:r>
-              <a:rPr sz="2100" spc="-38" dirty="0">
-                <a:latin typeface="Calibri"/>
-                <a:cs typeface="Calibri"/>
-              </a:rPr>
-              <a:t> </a:t>
-            </a:r>
-            <a:r>
-              <a:rPr sz="2100" spc="-8" dirty="0">
-                <a:latin typeface="Calibri"/>
-                <a:cs typeface="Calibri"/>
-              </a:rPr>
-              <a:t>users 	</a:t>
-            </a:r>
-            <a:r>
-              <a:rPr sz="2100" dirty="0">
-                <a:latin typeface="Calibri"/>
-                <a:cs typeface="Calibri"/>
-              </a:rPr>
-              <a:t>will</a:t>
-            </a:r>
-            <a:r>
-              <a:rPr sz="2100" spc="-49" dirty="0">
-                <a:latin typeface="Calibri"/>
-                <a:cs typeface="Calibri"/>
-              </a:rPr>
-              <a:t> </a:t>
-            </a:r>
-            <a:r>
-              <a:rPr sz="2100" dirty="0">
-                <a:latin typeface="Calibri"/>
-                <a:cs typeface="Calibri"/>
-              </a:rPr>
-              <a:t>pick</a:t>
-            </a:r>
-            <a:r>
-              <a:rPr sz="2100" spc="-11" dirty="0">
-                <a:latin typeface="Calibri"/>
-                <a:cs typeface="Calibri"/>
-              </a:rPr>
-              <a:t> </a:t>
-            </a:r>
-            <a:r>
-              <a:rPr sz="2100" dirty="0">
-                <a:latin typeface="Calibri"/>
-                <a:cs typeface="Calibri"/>
-              </a:rPr>
-              <a:t>dancing</a:t>
-            </a:r>
-            <a:r>
-              <a:rPr sz="2100" spc="-23" dirty="0">
-                <a:latin typeface="Calibri"/>
-                <a:cs typeface="Calibri"/>
-              </a:rPr>
-              <a:t> </a:t>
-            </a:r>
-            <a:r>
-              <a:rPr sz="2100" dirty="0">
-                <a:latin typeface="Calibri"/>
-                <a:cs typeface="Calibri"/>
-              </a:rPr>
-              <a:t>pigs</a:t>
-            </a:r>
-            <a:r>
-              <a:rPr sz="2100" spc="-15" dirty="0">
-                <a:latin typeface="Calibri"/>
-                <a:cs typeface="Calibri"/>
-              </a:rPr>
-              <a:t> </a:t>
-            </a:r>
-            <a:r>
-              <a:rPr sz="2100" spc="-8" dirty="0">
-                <a:latin typeface="Calibri"/>
-                <a:cs typeface="Calibri"/>
-              </a:rPr>
-              <a:t>every 	</a:t>
-            </a:r>
-            <a:r>
-              <a:rPr sz="2100" dirty="0">
-                <a:latin typeface="Calibri"/>
-                <a:cs typeface="Calibri"/>
-              </a:rPr>
-              <a:t>time.”</a:t>
-            </a:r>
-            <a:r>
-              <a:rPr sz="2100" spc="-26" dirty="0">
-                <a:latin typeface="Calibri"/>
-                <a:cs typeface="Calibri"/>
-              </a:rPr>
-              <a:t> </a:t>
-            </a:r>
-            <a:r>
-              <a:rPr sz="2100" i="1" dirty="0">
-                <a:latin typeface="Calibri"/>
-                <a:cs typeface="Calibri"/>
-              </a:rPr>
-              <a:t>by</a:t>
-            </a:r>
-            <a:r>
-              <a:rPr sz="2100" i="1" spc="-41" dirty="0">
-                <a:latin typeface="Calibri"/>
-                <a:cs typeface="Calibri"/>
-              </a:rPr>
-              <a:t> </a:t>
-            </a:r>
-            <a:r>
-              <a:rPr sz="2100" i="1" dirty="0">
-                <a:latin typeface="Calibri"/>
-                <a:cs typeface="Calibri"/>
-              </a:rPr>
-              <a:t>Edward</a:t>
-            </a:r>
-            <a:r>
-              <a:rPr sz="2100" i="1" spc="-41" dirty="0">
-                <a:latin typeface="Calibri"/>
-                <a:cs typeface="Calibri"/>
-              </a:rPr>
-              <a:t> </a:t>
-            </a:r>
-            <a:r>
-              <a:rPr sz="2100" i="1" dirty="0">
-                <a:latin typeface="Calibri"/>
-                <a:cs typeface="Calibri"/>
-              </a:rPr>
-              <a:t>Felten</a:t>
-            </a:r>
-            <a:r>
-              <a:rPr sz="2100" i="1" spc="-34" dirty="0">
-                <a:latin typeface="Calibri"/>
-                <a:cs typeface="Calibri"/>
-              </a:rPr>
-              <a:t> </a:t>
-            </a:r>
-            <a:r>
-              <a:rPr sz="2100" i="1" spc="-19" dirty="0">
-                <a:latin typeface="Calibri"/>
-                <a:cs typeface="Calibri"/>
-              </a:rPr>
-              <a:t>and 	</a:t>
-            </a:r>
-            <a:r>
-              <a:rPr sz="2100" i="1" dirty="0">
-                <a:latin typeface="Calibri"/>
-                <a:cs typeface="Calibri"/>
-              </a:rPr>
-              <a:t>Gary</a:t>
-            </a:r>
-            <a:r>
-              <a:rPr sz="2100" i="1" spc="-34" dirty="0">
-                <a:latin typeface="Calibri"/>
-                <a:cs typeface="Calibri"/>
-              </a:rPr>
-              <a:t> </a:t>
-            </a:r>
-            <a:r>
-              <a:rPr sz="2100" i="1" spc="-8" dirty="0">
-                <a:latin typeface="Calibri"/>
-                <a:cs typeface="Calibri"/>
-              </a:rPr>
-              <a:t>McGraw</a:t>
-            </a:r>
-            <a:endParaRPr sz="2100">
-              <a:latin typeface="Calibri"/>
-              <a:cs typeface="Calibri"/>
-            </a:endParaRPr>
-          </a:p>
-        </p:txBody>
-      </p:sp>
-      <p:pic>
-        <p:nvPicPr>
-          <p:cNvPr id="6" name="object 6"/>
-          <p:cNvPicPr/>
-          <p:nvPr/>
-        </p:nvPicPr>
-        <p:blipFill>
-          <a:blip r:embed="rId2" cstate="print"/>
-          <a:stretch>
-            <a:fillRect/>
-          </a:stretch>
-        </p:blipFill>
-        <p:spPr>
-          <a:xfrm>
-            <a:off x="6129909" y="813816"/>
-            <a:ext cx="2492599" cy="1428750"/>
-          </a:xfrm>
-          <a:prstGeom prst="rect">
-            <a:avLst/>
-          </a:prstGeom>
-        </p:spPr>
-      </p:pic>
-      <p:sp>
-        <p:nvSpPr>
-          <p:cNvPr id="7" name="object 7"/>
-          <p:cNvSpPr txBox="1">
-            <a:spLocks noGrp="1"/>
-          </p:cNvSpPr>
-          <p:nvPr>
-            <p:ph type="ftr" sz="quarter" idx="4294967295"/>
-          </p:nvPr>
-        </p:nvSpPr>
-        <p:spPr>
-          <a:xfrm>
-            <a:off x="687705" y="4848739"/>
-            <a:ext cx="764381" cy="242823"/>
-          </a:xfrm>
-          <a:prstGeom prst="rect">
-            <a:avLst/>
-          </a:prstGeom>
-        </p:spPr>
-        <p:txBody>
-          <a:bodyPr vert="horz" wrap="square" lIns="0" tIns="0" rIns="0" bIns="0" rtlCol="0">
-            <a:spAutoFit/>
-          </a:bodyPr>
-          <a:lstStyle/>
-          <a:p>
-            <a:pPr marL="9525">
-              <a:lnSpc>
-                <a:spcPts val="930"/>
-              </a:lnSpc>
-            </a:pPr>
-            <a:r>
-              <a:rPr dirty="0"/>
-              <a:t>©</a:t>
-            </a:r>
-            <a:r>
-              <a:rPr spc="-8" dirty="0"/>
-              <a:t> </a:t>
-            </a:r>
-            <a:r>
-              <a:rPr dirty="0"/>
-              <a:t>Mihai</a:t>
-            </a:r>
-            <a:r>
-              <a:rPr spc="-15" dirty="0"/>
-              <a:t> </a:t>
-            </a:r>
-            <a:r>
-              <a:rPr spc="-8" dirty="0"/>
-              <a:t>Chiroiu</a:t>
-            </a:r>
-          </a:p>
-        </p:txBody>
-      </p:sp>
-      <p:sp>
-        <p:nvSpPr>
-          <p:cNvPr id="8" name="object 8"/>
-          <p:cNvSpPr txBox="1">
-            <a:spLocks noGrp="1"/>
-          </p:cNvSpPr>
-          <p:nvPr>
-            <p:ph type="sldNum" sz="quarter" idx="7"/>
-          </p:nvPr>
-        </p:nvSpPr>
-        <p:spPr>
-          <a:xfrm>
-            <a:off x="6354344" y="3587305"/>
-            <a:ext cx="411525" cy="115416"/>
-          </a:xfrm>
-          <a:prstGeom prst="rect">
-            <a:avLst/>
-          </a:prstGeom>
-        </p:spPr>
-        <p:txBody>
-          <a:bodyPr spcFirstLastPara="1" vert="horz" wrap="square" lIns="0" tIns="0" rIns="0" bIns="0" rtlCol="0" anchor="ctr" anchorCtr="0">
-            <a:spAutoFit/>
-          </a:bodyPr>
-          <a:lstStyle/>
-          <a:p>
-            <a:pPr marL="28575">
-              <a:lnSpc>
-                <a:spcPts val="930"/>
-              </a:lnSpc>
-            </a:pPr>
-            <a:fld id="{81D60167-4931-47E6-BA6A-407CBD079E47}" type="slidenum">
-              <a:rPr spc="-19" dirty="0"/>
-              <a:pPr marL="28575">
-                <a:lnSpc>
-                  <a:spcPts val="930"/>
-                </a:lnSpc>
-              </a:pPr>
-              <a:t>52</a:t>
-            </a:fld>
-            <a:endParaRPr spc="-19" dirty="0"/>
-          </a:p>
-        </p:txBody>
-      </p:sp>
-    </p:spTree>
-  </p:cSld>
-  <p:clrMapOvr>
-    <a:masterClrMapping/>
-  </p:clrMapOvr>
-</p:sld>
-</file>
-
-<file path=ppt/slides/slide53.xml><?xml version="1.0" encoding="utf-8"?>
-<p:sld xmlns:a="http://schemas.openxmlformats.org/drawingml/2006/main" xmlns:r="http://schemas.openxmlformats.org/officeDocument/2006/relationships" xmlns:p="http://schemas.openxmlformats.org/presentationml/2006/main">
-  <p:cSld>
-    <p:spTree>
-      <p:nvGrpSpPr>
-        <p:cNvPr id="1" name=""/>
-        <p:cNvGrpSpPr/>
-        <p:nvPr/>
-      </p:nvGrpSpPr>
-      <p:grpSpPr>
-        <a:xfrm>
-          <a:off x="0" y="0"/>
-          <a:ext cx="0" cy="0"/>
-          <a:chOff x="0" y="0"/>
-          <a:chExt cx="0" cy="0"/>
-        </a:xfrm>
-      </p:grpSpPr>
-      <p:sp>
-        <p:nvSpPr>
-          <p:cNvPr id="2" name="object 2"/>
-          <p:cNvSpPr txBox="1">
-            <a:spLocks noGrp="1"/>
-          </p:cNvSpPr>
-          <p:nvPr>
-            <p:ph type="title"/>
-          </p:nvPr>
-        </p:nvSpPr>
-        <p:spPr>
-          <a:xfrm>
-            <a:off x="77025" y="203157"/>
-            <a:ext cx="6390450" cy="530754"/>
-          </a:xfrm>
-          <a:prstGeom prst="rect">
-            <a:avLst/>
-          </a:prstGeom>
-        </p:spPr>
-        <p:txBody>
-          <a:bodyPr spcFirstLastPara="1" vert="horz" wrap="square" lIns="0" tIns="10001" rIns="0" bIns="0" rtlCol="0" anchor="t" anchorCtr="0">
-            <a:spAutoFit/>
-          </a:bodyPr>
-          <a:lstStyle/>
-          <a:p>
-            <a:pPr marL="9525">
-              <a:spcBef>
-                <a:spcPts val="79"/>
-              </a:spcBef>
-            </a:pPr>
-            <a:r>
-              <a:rPr dirty="0"/>
-              <a:t>Security</a:t>
-            </a:r>
-            <a:r>
-              <a:rPr spc="-23" dirty="0"/>
-              <a:t> </a:t>
-            </a:r>
-            <a:r>
-              <a:rPr dirty="0"/>
-              <a:t>and</a:t>
-            </a:r>
-            <a:r>
-              <a:rPr spc="-8" dirty="0"/>
-              <a:t> humans</a:t>
-            </a:r>
-          </a:p>
-        </p:txBody>
-      </p:sp>
-      <p:sp>
-        <p:nvSpPr>
-          <p:cNvPr id="5" name="object 5"/>
-          <p:cNvSpPr txBox="1">
-            <a:spLocks noGrp="1"/>
-          </p:cNvSpPr>
-          <p:nvPr>
-            <p:ph type="sldNum" sz="quarter" idx="7"/>
-          </p:nvPr>
-        </p:nvSpPr>
-        <p:spPr>
-          <a:xfrm>
-            <a:off x="6354344" y="3587305"/>
-            <a:ext cx="411525" cy="115416"/>
-          </a:xfrm>
-          <a:prstGeom prst="rect">
-            <a:avLst/>
-          </a:prstGeom>
-        </p:spPr>
-        <p:txBody>
-          <a:bodyPr spcFirstLastPara="1" vert="horz" wrap="square" lIns="0" tIns="0" rIns="0" bIns="0" rtlCol="0" anchor="ctr" anchorCtr="0">
-            <a:spAutoFit/>
-          </a:bodyPr>
-          <a:lstStyle/>
-          <a:p>
-            <a:pPr marL="28575">
-              <a:lnSpc>
-                <a:spcPts val="930"/>
-              </a:lnSpc>
-            </a:pPr>
-            <a:fld id="{81D60167-4931-47E6-BA6A-407CBD079E47}" type="slidenum">
-              <a:rPr spc="-19" dirty="0"/>
-              <a:pPr marL="28575">
-                <a:lnSpc>
-                  <a:spcPts val="930"/>
-                </a:lnSpc>
-              </a:pPr>
-              <a:t>53</a:t>
-            </a:fld>
-            <a:endParaRPr spc="-19" dirty="0"/>
-          </a:p>
-        </p:txBody>
-      </p:sp>
-      <p:sp>
-        <p:nvSpPr>
-          <p:cNvPr id="3" name="object 3"/>
-          <p:cNvSpPr txBox="1"/>
-          <p:nvPr/>
-        </p:nvSpPr>
-        <p:spPr>
-          <a:xfrm>
-            <a:off x="687705" y="1280131"/>
-            <a:ext cx="7693819" cy="2454679"/>
-          </a:xfrm>
-          <a:prstGeom prst="rect">
-            <a:avLst/>
-          </a:prstGeom>
-        </p:spPr>
-        <p:txBody>
-          <a:bodyPr vert="horz" wrap="square" lIns="0" tIns="73819" rIns="0" bIns="0" rtlCol="0">
-            <a:spAutoFit/>
-          </a:bodyPr>
-          <a:lstStyle/>
-          <a:p>
-            <a:pPr marL="180022" indent="-170497">
-              <a:spcBef>
-                <a:spcPts val="581"/>
-              </a:spcBef>
-              <a:buFont typeface="Arial"/>
-              <a:buChar char="•"/>
-              <a:tabLst>
-                <a:tab pos="180022" algn="l"/>
-              </a:tabLst>
-            </a:pPr>
-            <a:r>
-              <a:rPr sz="2100" dirty="0">
-                <a:latin typeface="Calibri"/>
-                <a:cs typeface="Calibri"/>
-              </a:rPr>
-              <a:t>Security</a:t>
-            </a:r>
-            <a:r>
-              <a:rPr sz="2100" spc="-15" dirty="0">
-                <a:latin typeface="Calibri"/>
-                <a:cs typeface="Calibri"/>
-              </a:rPr>
-              <a:t> </a:t>
-            </a:r>
-            <a:r>
-              <a:rPr sz="2100" dirty="0">
-                <a:latin typeface="Calibri"/>
-                <a:cs typeface="Calibri"/>
-              </a:rPr>
-              <a:t>policies</a:t>
-            </a:r>
-            <a:r>
-              <a:rPr sz="2100" spc="-23" dirty="0">
-                <a:latin typeface="Calibri"/>
-                <a:cs typeface="Calibri"/>
-              </a:rPr>
-              <a:t> </a:t>
-            </a:r>
-            <a:r>
-              <a:rPr sz="2100" dirty="0">
-                <a:latin typeface="Calibri"/>
-                <a:cs typeface="Calibri"/>
-              </a:rPr>
-              <a:t>must be</a:t>
-            </a:r>
-            <a:r>
-              <a:rPr sz="2100" spc="-23" dirty="0">
-                <a:latin typeface="Calibri"/>
-                <a:cs typeface="Calibri"/>
-              </a:rPr>
-              <a:t> </a:t>
-            </a:r>
-            <a:r>
-              <a:rPr sz="2100" dirty="0">
-                <a:latin typeface="Calibri"/>
-                <a:cs typeface="Calibri"/>
-              </a:rPr>
-              <a:t>in</a:t>
-            </a:r>
-            <a:r>
-              <a:rPr sz="2100" spc="-23" dirty="0">
-                <a:latin typeface="Calibri"/>
-                <a:cs typeface="Calibri"/>
-              </a:rPr>
-              <a:t> </a:t>
-            </a:r>
-            <a:r>
-              <a:rPr sz="2100" spc="-8" dirty="0">
-                <a:latin typeface="Calibri"/>
-                <a:cs typeface="Calibri"/>
-              </a:rPr>
-              <a:t>place</a:t>
-            </a:r>
-            <a:endParaRPr sz="2100">
-              <a:latin typeface="Calibri"/>
-              <a:cs typeface="Calibri"/>
-            </a:endParaRPr>
-          </a:p>
-          <a:p>
-            <a:pPr marL="1381125">
-              <a:spcBef>
-                <a:spcPts val="506"/>
-              </a:spcBef>
-            </a:pPr>
-            <a:r>
-              <a:rPr sz="2100" dirty="0">
-                <a:latin typeface="Calibri"/>
-                <a:cs typeface="Calibri"/>
-              </a:rPr>
-              <a:t>…and</a:t>
-            </a:r>
-            <a:r>
-              <a:rPr sz="2100" spc="-26" dirty="0">
-                <a:latin typeface="Calibri"/>
-                <a:cs typeface="Calibri"/>
-              </a:rPr>
-              <a:t> </a:t>
-            </a:r>
-            <a:r>
-              <a:rPr sz="2100" dirty="0">
-                <a:latin typeface="Calibri"/>
-                <a:cs typeface="Calibri"/>
-              </a:rPr>
-              <a:t>must</a:t>
-            </a:r>
-            <a:r>
-              <a:rPr sz="2100" spc="-30" dirty="0">
-                <a:latin typeface="Calibri"/>
-                <a:cs typeface="Calibri"/>
-              </a:rPr>
-              <a:t> </a:t>
-            </a:r>
-            <a:r>
-              <a:rPr sz="2100" dirty="0">
-                <a:latin typeface="Calibri"/>
-                <a:cs typeface="Calibri"/>
-              </a:rPr>
-              <a:t>be</a:t>
-            </a:r>
-            <a:r>
-              <a:rPr sz="2100" spc="-38" dirty="0">
-                <a:latin typeface="Calibri"/>
-                <a:cs typeface="Calibri"/>
-              </a:rPr>
-              <a:t> </a:t>
-            </a:r>
-            <a:r>
-              <a:rPr sz="2100" spc="-8" dirty="0">
-                <a:latin typeface="Calibri"/>
-                <a:cs typeface="Calibri"/>
-              </a:rPr>
-              <a:t>followed.</a:t>
-            </a:r>
-            <a:endParaRPr sz="2100">
-              <a:latin typeface="Calibri"/>
-              <a:cs typeface="Calibri"/>
-            </a:endParaRPr>
-          </a:p>
-          <a:p>
-            <a:pPr>
-              <a:spcBef>
-                <a:spcPts val="949"/>
-              </a:spcBef>
-            </a:pPr>
-            <a:endParaRPr sz="2100">
-              <a:latin typeface="Calibri"/>
-              <a:cs typeface="Calibri"/>
-            </a:endParaRPr>
-          </a:p>
-          <a:p>
-            <a:pPr marL="180022" indent="-170497">
-              <a:buFont typeface="Arial"/>
-              <a:buChar char="•"/>
-              <a:tabLst>
-                <a:tab pos="180022" algn="l"/>
-              </a:tabLst>
-            </a:pPr>
-            <a:r>
-              <a:rPr sz="2100" dirty="0">
-                <a:latin typeface="Calibri"/>
-                <a:cs typeface="Calibri"/>
-              </a:rPr>
-              <a:t>Regardless</a:t>
-            </a:r>
-            <a:r>
-              <a:rPr sz="2100" spc="-49" dirty="0">
-                <a:latin typeface="Calibri"/>
-                <a:cs typeface="Calibri"/>
-              </a:rPr>
-              <a:t> </a:t>
-            </a:r>
-            <a:r>
-              <a:rPr sz="2100" dirty="0">
-                <a:latin typeface="Calibri"/>
-                <a:cs typeface="Calibri"/>
-              </a:rPr>
-              <a:t>of</a:t>
-            </a:r>
-            <a:r>
-              <a:rPr sz="2100" spc="-53" dirty="0">
-                <a:latin typeface="Calibri"/>
-                <a:cs typeface="Calibri"/>
-              </a:rPr>
-              <a:t> </a:t>
-            </a:r>
-            <a:r>
-              <a:rPr sz="2100" dirty="0">
-                <a:latin typeface="Calibri"/>
-                <a:cs typeface="Calibri"/>
-              </a:rPr>
-              <a:t>how</a:t>
-            </a:r>
-            <a:r>
-              <a:rPr sz="2100" spc="-49" dirty="0">
-                <a:latin typeface="Calibri"/>
-                <a:cs typeface="Calibri"/>
-              </a:rPr>
-              <a:t> </a:t>
-            </a:r>
-            <a:r>
-              <a:rPr sz="2100" dirty="0">
-                <a:latin typeface="Calibri"/>
-                <a:cs typeface="Calibri"/>
-              </a:rPr>
-              <a:t>strong</a:t>
-            </a:r>
-            <a:r>
-              <a:rPr sz="2100" spc="-34" dirty="0">
-                <a:latin typeface="Calibri"/>
-                <a:cs typeface="Calibri"/>
-              </a:rPr>
-              <a:t> </a:t>
-            </a:r>
-            <a:r>
-              <a:rPr sz="2100" dirty="0">
-                <a:latin typeface="Calibri"/>
-                <a:cs typeface="Calibri"/>
-              </a:rPr>
-              <a:t>(and</a:t>
-            </a:r>
-            <a:r>
-              <a:rPr sz="2100" spc="-56" dirty="0">
-                <a:latin typeface="Calibri"/>
-                <a:cs typeface="Calibri"/>
-              </a:rPr>
-              <a:t> </a:t>
-            </a:r>
-            <a:r>
-              <a:rPr sz="2100" dirty="0">
-                <a:latin typeface="Calibri"/>
-                <a:cs typeface="Calibri"/>
-              </a:rPr>
-              <a:t>expensive)</a:t>
-            </a:r>
-            <a:r>
-              <a:rPr sz="2100" spc="-34" dirty="0">
-                <a:latin typeface="Calibri"/>
-                <a:cs typeface="Calibri"/>
-              </a:rPr>
-              <a:t> </a:t>
-            </a:r>
-            <a:r>
-              <a:rPr sz="2100" dirty="0">
-                <a:latin typeface="Calibri"/>
-                <a:cs typeface="Calibri"/>
-              </a:rPr>
-              <a:t>your</a:t>
-            </a:r>
-            <a:r>
-              <a:rPr sz="2100" spc="-49" dirty="0">
-                <a:latin typeface="Calibri"/>
-                <a:cs typeface="Calibri"/>
-              </a:rPr>
-              <a:t> </a:t>
-            </a:r>
-            <a:r>
-              <a:rPr sz="2100" dirty="0">
-                <a:latin typeface="Calibri"/>
-                <a:cs typeface="Calibri"/>
-              </a:rPr>
-              <a:t>secure</a:t>
-            </a:r>
-            <a:r>
-              <a:rPr sz="2100" spc="-45" dirty="0">
-                <a:latin typeface="Calibri"/>
-                <a:cs typeface="Calibri"/>
-              </a:rPr>
-              <a:t> </a:t>
-            </a:r>
-            <a:r>
-              <a:rPr sz="2100" dirty="0">
-                <a:latin typeface="Calibri"/>
-                <a:cs typeface="Calibri"/>
-              </a:rPr>
-              <a:t>deployment</a:t>
-            </a:r>
-            <a:r>
-              <a:rPr sz="2100" spc="-34" dirty="0">
-                <a:latin typeface="Calibri"/>
-                <a:cs typeface="Calibri"/>
-              </a:rPr>
-              <a:t> </a:t>
-            </a:r>
-            <a:r>
-              <a:rPr sz="2100" spc="-19" dirty="0">
-                <a:latin typeface="Calibri"/>
-                <a:cs typeface="Calibri"/>
-              </a:rPr>
-              <a:t>is:</a:t>
-            </a:r>
-            <a:endParaRPr sz="2100">
-              <a:latin typeface="Calibri"/>
-              <a:cs typeface="Calibri"/>
-            </a:endParaRPr>
-          </a:p>
-          <a:p>
-            <a:pPr marL="575310" lvl="1" indent="-222885">
-              <a:spcBef>
-                <a:spcPts val="184"/>
-              </a:spcBef>
-              <a:buFont typeface="Arial"/>
-              <a:buChar char="•"/>
-              <a:tabLst>
-                <a:tab pos="575310" algn="l"/>
-              </a:tabLst>
-            </a:pPr>
-            <a:r>
-              <a:rPr sz="1800" dirty="0">
-                <a:latin typeface="Calibri"/>
-                <a:cs typeface="Calibri"/>
-              </a:rPr>
-              <a:t>Humans</a:t>
-            </a:r>
-            <a:r>
-              <a:rPr sz="1800" spc="-34" dirty="0">
-                <a:latin typeface="Calibri"/>
-                <a:cs typeface="Calibri"/>
-              </a:rPr>
-              <a:t> </a:t>
-            </a:r>
-            <a:r>
-              <a:rPr sz="1800" dirty="0">
-                <a:latin typeface="Calibri"/>
-                <a:cs typeface="Calibri"/>
-              </a:rPr>
-              <a:t>can</a:t>
-            </a:r>
-            <a:r>
-              <a:rPr sz="1800" spc="-23" dirty="0">
-                <a:latin typeface="Calibri"/>
-                <a:cs typeface="Calibri"/>
-              </a:rPr>
-              <a:t> </a:t>
-            </a:r>
-            <a:r>
-              <a:rPr sz="1800" dirty="0">
-                <a:latin typeface="Calibri"/>
-                <a:cs typeface="Calibri"/>
-              </a:rPr>
-              <a:t>still</a:t>
-            </a:r>
-            <a:r>
-              <a:rPr sz="1800" spc="-34" dirty="0">
-                <a:latin typeface="Calibri"/>
-                <a:cs typeface="Calibri"/>
-              </a:rPr>
-              <a:t> </a:t>
-            </a:r>
-            <a:r>
-              <a:rPr sz="1800" dirty="0">
-                <a:latin typeface="Calibri"/>
-                <a:cs typeface="Calibri"/>
-              </a:rPr>
-              <a:t>write</a:t>
-            </a:r>
-            <a:r>
-              <a:rPr sz="1800" spc="-38" dirty="0">
-                <a:latin typeface="Calibri"/>
-                <a:cs typeface="Calibri"/>
-              </a:rPr>
-              <a:t> </a:t>
-            </a:r>
-            <a:r>
-              <a:rPr sz="1800" dirty="0">
-                <a:latin typeface="Calibri"/>
-                <a:cs typeface="Calibri"/>
-              </a:rPr>
-              <a:t>their</a:t>
-            </a:r>
-            <a:r>
-              <a:rPr sz="1800" spc="-19" dirty="0">
-                <a:latin typeface="Calibri"/>
-                <a:cs typeface="Calibri"/>
-              </a:rPr>
-              <a:t> </a:t>
-            </a:r>
-            <a:r>
-              <a:rPr sz="1800" dirty="0">
-                <a:latin typeface="Calibri"/>
-                <a:cs typeface="Calibri"/>
-              </a:rPr>
-              <a:t>passwords</a:t>
-            </a:r>
-            <a:r>
-              <a:rPr sz="1800" spc="-23" dirty="0">
-                <a:latin typeface="Calibri"/>
-                <a:cs typeface="Calibri"/>
-              </a:rPr>
-              <a:t> </a:t>
-            </a:r>
-            <a:r>
-              <a:rPr sz="1800" dirty="0">
-                <a:latin typeface="Calibri"/>
-                <a:cs typeface="Calibri"/>
-              </a:rPr>
-              <a:t>on</a:t>
-            </a:r>
-            <a:r>
-              <a:rPr sz="1800" spc="-23" dirty="0">
-                <a:latin typeface="Calibri"/>
-                <a:cs typeface="Calibri"/>
-              </a:rPr>
-              <a:t> </a:t>
-            </a:r>
-            <a:r>
-              <a:rPr sz="1800" spc="-8" dirty="0">
-                <a:latin typeface="Calibri"/>
-                <a:cs typeface="Calibri"/>
-              </a:rPr>
-              <a:t>post-</a:t>
-            </a:r>
-            <a:r>
-              <a:rPr sz="1800" dirty="0">
-                <a:latin typeface="Calibri"/>
-                <a:cs typeface="Calibri"/>
-              </a:rPr>
-              <a:t>it</a:t>
-            </a:r>
-            <a:r>
-              <a:rPr sz="1800" spc="-26" dirty="0">
-                <a:latin typeface="Calibri"/>
-                <a:cs typeface="Calibri"/>
-              </a:rPr>
-              <a:t> </a:t>
-            </a:r>
-            <a:r>
-              <a:rPr sz="1800" spc="-8" dirty="0">
-                <a:latin typeface="Calibri"/>
-                <a:cs typeface="Calibri"/>
-              </a:rPr>
-              <a:t>notes</a:t>
-            </a:r>
-            <a:endParaRPr sz="1800">
-              <a:latin typeface="Calibri"/>
-              <a:cs typeface="Calibri"/>
-            </a:endParaRPr>
-          </a:p>
-          <a:p>
-            <a:pPr marL="575310" lvl="1" indent="-222885">
-              <a:spcBef>
-                <a:spcPts val="161"/>
-              </a:spcBef>
-              <a:buFont typeface="Arial"/>
-              <a:buChar char="•"/>
-              <a:tabLst>
-                <a:tab pos="575310" algn="l"/>
-              </a:tabLst>
-            </a:pPr>
-            <a:r>
-              <a:rPr sz="1800" dirty="0">
-                <a:latin typeface="Calibri"/>
-                <a:cs typeface="Calibri"/>
-              </a:rPr>
-              <a:t>Humans</a:t>
-            </a:r>
-            <a:r>
-              <a:rPr sz="1800" spc="-38" dirty="0">
-                <a:latin typeface="Calibri"/>
-                <a:cs typeface="Calibri"/>
-              </a:rPr>
-              <a:t> </a:t>
-            </a:r>
-            <a:r>
-              <a:rPr sz="1800" dirty="0">
-                <a:latin typeface="Calibri"/>
-                <a:cs typeface="Calibri"/>
-              </a:rPr>
-              <a:t>can</a:t>
-            </a:r>
-            <a:r>
-              <a:rPr sz="1800" spc="-30" dirty="0">
-                <a:latin typeface="Calibri"/>
-                <a:cs typeface="Calibri"/>
-              </a:rPr>
-              <a:t> </a:t>
-            </a:r>
-            <a:r>
-              <a:rPr sz="1800" dirty="0">
-                <a:latin typeface="Calibri"/>
-                <a:cs typeface="Calibri"/>
-              </a:rPr>
-              <a:t>still</a:t>
-            </a:r>
-            <a:r>
-              <a:rPr sz="1800" spc="-38" dirty="0">
-                <a:latin typeface="Calibri"/>
-                <a:cs typeface="Calibri"/>
-              </a:rPr>
-              <a:t> </a:t>
-            </a:r>
-            <a:r>
-              <a:rPr sz="1800" dirty="0">
-                <a:latin typeface="Calibri"/>
-                <a:cs typeface="Calibri"/>
-              </a:rPr>
-              <a:t>give</a:t>
-            </a:r>
-            <a:r>
-              <a:rPr sz="1800" spc="-26" dirty="0">
-                <a:latin typeface="Calibri"/>
-                <a:cs typeface="Calibri"/>
-              </a:rPr>
-              <a:t> </a:t>
-            </a:r>
-            <a:r>
-              <a:rPr sz="1800" dirty="0">
-                <a:latin typeface="Calibri"/>
-                <a:cs typeface="Calibri"/>
-              </a:rPr>
-              <a:t>their</a:t>
-            </a:r>
-            <a:r>
-              <a:rPr sz="1800" spc="-34" dirty="0">
-                <a:latin typeface="Calibri"/>
-                <a:cs typeface="Calibri"/>
-              </a:rPr>
-              <a:t> </a:t>
-            </a:r>
-            <a:r>
-              <a:rPr sz="1800" dirty="0">
-                <a:latin typeface="Calibri"/>
-                <a:cs typeface="Calibri"/>
-              </a:rPr>
-              <a:t>passwords</a:t>
-            </a:r>
-            <a:r>
-              <a:rPr sz="1800" spc="-38" dirty="0">
-                <a:latin typeface="Calibri"/>
-                <a:cs typeface="Calibri"/>
-              </a:rPr>
-              <a:t> </a:t>
-            </a:r>
-            <a:r>
-              <a:rPr sz="1800" dirty="0">
-                <a:latin typeface="Calibri"/>
-                <a:cs typeface="Calibri"/>
-              </a:rPr>
-              <a:t>to</a:t>
-            </a:r>
-            <a:r>
-              <a:rPr sz="1800" spc="-30" dirty="0">
-                <a:latin typeface="Calibri"/>
-                <a:cs typeface="Calibri"/>
-              </a:rPr>
-              <a:t> </a:t>
-            </a:r>
-            <a:r>
-              <a:rPr sz="1800" dirty="0">
-                <a:latin typeface="Calibri"/>
-                <a:cs typeface="Calibri"/>
-              </a:rPr>
-              <a:t>anyone</a:t>
-            </a:r>
-            <a:r>
-              <a:rPr sz="1800" spc="-26" dirty="0">
-                <a:latin typeface="Calibri"/>
-                <a:cs typeface="Calibri"/>
-              </a:rPr>
-              <a:t> </a:t>
-            </a:r>
-            <a:r>
-              <a:rPr sz="1800" dirty="0">
-                <a:latin typeface="Calibri"/>
-                <a:cs typeface="Calibri"/>
-              </a:rPr>
-              <a:t>they</a:t>
-            </a:r>
-            <a:r>
-              <a:rPr sz="1800" spc="-34" dirty="0">
-                <a:latin typeface="Calibri"/>
-                <a:cs typeface="Calibri"/>
-              </a:rPr>
-              <a:t> </a:t>
-            </a:r>
-            <a:r>
-              <a:rPr sz="1800" spc="-8" dirty="0">
-                <a:latin typeface="Calibri"/>
-                <a:cs typeface="Calibri"/>
-              </a:rPr>
-              <a:t>trust</a:t>
-            </a:r>
-            <a:endParaRPr sz="1800">
-              <a:latin typeface="Calibri"/>
-              <a:cs typeface="Calibri"/>
-            </a:endParaRPr>
-          </a:p>
-          <a:p>
-            <a:pPr marL="575310" lvl="1" indent="-222885">
-              <a:spcBef>
-                <a:spcPts val="153"/>
-              </a:spcBef>
-              <a:buFont typeface="Arial"/>
-              <a:buChar char="•"/>
-              <a:tabLst>
-                <a:tab pos="575310" algn="l"/>
-              </a:tabLst>
-            </a:pPr>
-            <a:r>
-              <a:rPr sz="1800" dirty="0">
-                <a:latin typeface="Calibri"/>
-                <a:cs typeface="Calibri"/>
-              </a:rPr>
-              <a:t>Humans</a:t>
-            </a:r>
-            <a:r>
-              <a:rPr sz="1800" spc="-30" dirty="0">
-                <a:latin typeface="Calibri"/>
-                <a:cs typeface="Calibri"/>
-              </a:rPr>
-              <a:t> </a:t>
-            </a:r>
-            <a:r>
-              <a:rPr sz="1800" dirty="0">
-                <a:latin typeface="Calibri"/>
-                <a:cs typeface="Calibri"/>
-              </a:rPr>
-              <a:t>can</a:t>
-            </a:r>
-            <a:r>
-              <a:rPr sz="1800" spc="-15" dirty="0">
-                <a:latin typeface="Calibri"/>
-                <a:cs typeface="Calibri"/>
-              </a:rPr>
-              <a:t> </a:t>
-            </a:r>
-            <a:r>
-              <a:rPr sz="1800" dirty="0">
-                <a:latin typeface="Calibri"/>
-                <a:cs typeface="Calibri"/>
-              </a:rPr>
-              <a:t>still</a:t>
-            </a:r>
-            <a:r>
-              <a:rPr sz="1800" spc="-26" dirty="0">
-                <a:latin typeface="Calibri"/>
-                <a:cs typeface="Calibri"/>
-              </a:rPr>
-              <a:t> </a:t>
-            </a:r>
-            <a:r>
-              <a:rPr sz="1800" dirty="0">
-                <a:latin typeface="Calibri"/>
-                <a:cs typeface="Calibri"/>
-              </a:rPr>
-              <a:t>open</a:t>
-            </a:r>
-            <a:r>
-              <a:rPr sz="1800" spc="-15" dirty="0">
-                <a:latin typeface="Calibri"/>
-                <a:cs typeface="Calibri"/>
-              </a:rPr>
-              <a:t> </a:t>
-            </a:r>
-            <a:r>
-              <a:rPr sz="1800" dirty="0">
-                <a:latin typeface="Calibri"/>
-                <a:cs typeface="Calibri"/>
-              </a:rPr>
-              <a:t>tempting</a:t>
-            </a:r>
-            <a:r>
-              <a:rPr sz="1800" spc="-26" dirty="0">
-                <a:latin typeface="Calibri"/>
-                <a:cs typeface="Calibri"/>
-              </a:rPr>
-              <a:t> </a:t>
-            </a:r>
-            <a:r>
-              <a:rPr sz="1800" spc="-8" dirty="0">
-                <a:latin typeface="Calibri"/>
-                <a:cs typeface="Calibri"/>
-              </a:rPr>
-              <a:t>attachments…</a:t>
-            </a:r>
-            <a:endParaRPr sz="1800">
-              <a:latin typeface="Calibri"/>
-              <a:cs typeface="Calibri"/>
-            </a:endParaRPr>
-          </a:p>
-        </p:txBody>
-      </p:sp>
-    </p:spTree>
-  </p:cSld>
-  <p:clrMapOvr>
-    <a:masterClrMapping/>
-  </p:clrMapOvr>
-</p:sld>
-</file>
-
-<file path=ppt/slides/slide54.xml><?xml version="1.0" encoding="utf-8"?>
-<p:sld xmlns:a="http://schemas.openxmlformats.org/drawingml/2006/main" xmlns:r="http://schemas.openxmlformats.org/officeDocument/2006/relationships" xmlns:p="http://schemas.openxmlformats.org/presentationml/2006/main">
-  <p:cSld>
-    <p:spTree>
-      <p:nvGrpSpPr>
-        <p:cNvPr id="1" name=""/>
-        <p:cNvGrpSpPr/>
-        <p:nvPr/>
-      </p:nvGrpSpPr>
-      <p:grpSpPr>
-        <a:xfrm>
-          <a:off x="0" y="0"/>
-          <a:ext cx="0" cy="0"/>
-          <a:chOff x="0" y="0"/>
-          <a:chExt cx="0" cy="0"/>
-        </a:xfrm>
-      </p:grpSpPr>
-      <p:sp>
-        <p:nvSpPr>
-          <p:cNvPr id="2" name="object 2"/>
-          <p:cNvSpPr txBox="1">
-            <a:spLocks noGrp="1"/>
-          </p:cNvSpPr>
-          <p:nvPr>
-            <p:ph type="title"/>
-          </p:nvPr>
-        </p:nvSpPr>
-        <p:spPr>
-          <a:xfrm>
-            <a:off x="77025" y="203157"/>
-            <a:ext cx="6390450" cy="530754"/>
-          </a:xfrm>
-          <a:prstGeom prst="rect">
-            <a:avLst/>
-          </a:prstGeom>
-        </p:spPr>
-        <p:txBody>
-          <a:bodyPr spcFirstLastPara="1" vert="horz" wrap="square" lIns="0" tIns="10001" rIns="0" bIns="0" rtlCol="0" anchor="t" anchorCtr="0">
-            <a:spAutoFit/>
-          </a:bodyPr>
-          <a:lstStyle/>
-          <a:p>
-            <a:pPr marL="9525">
-              <a:spcBef>
-                <a:spcPts val="79"/>
-              </a:spcBef>
-            </a:pPr>
-            <a:r>
-              <a:rPr dirty="0"/>
-              <a:t>Social</a:t>
-            </a:r>
-            <a:r>
-              <a:rPr spc="-79" dirty="0"/>
-              <a:t> </a:t>
-            </a:r>
-            <a:r>
-              <a:rPr spc="-8" dirty="0"/>
-              <a:t>engineering</a:t>
-            </a:r>
-          </a:p>
-        </p:txBody>
-      </p:sp>
-      <p:sp>
-        <p:nvSpPr>
-          <p:cNvPr id="5" name="object 5"/>
-          <p:cNvSpPr txBox="1">
-            <a:spLocks noGrp="1"/>
-          </p:cNvSpPr>
-          <p:nvPr>
-            <p:ph type="sldNum" sz="quarter" idx="7"/>
-          </p:nvPr>
-        </p:nvSpPr>
-        <p:spPr>
-          <a:xfrm>
-            <a:off x="6354344" y="3587305"/>
-            <a:ext cx="411525" cy="115416"/>
-          </a:xfrm>
-          <a:prstGeom prst="rect">
-            <a:avLst/>
-          </a:prstGeom>
-        </p:spPr>
-        <p:txBody>
-          <a:bodyPr spcFirstLastPara="1" vert="horz" wrap="square" lIns="0" tIns="0" rIns="0" bIns="0" rtlCol="0" anchor="ctr" anchorCtr="0">
-            <a:spAutoFit/>
-          </a:bodyPr>
-          <a:lstStyle/>
-          <a:p>
-            <a:pPr marL="28575">
-              <a:lnSpc>
-                <a:spcPts val="930"/>
-              </a:lnSpc>
-            </a:pPr>
-            <a:fld id="{81D60167-4931-47E6-BA6A-407CBD079E47}" type="slidenum">
-              <a:rPr spc="-19" dirty="0"/>
-              <a:pPr marL="28575">
-                <a:lnSpc>
-                  <a:spcPts val="930"/>
-                </a:lnSpc>
-              </a:pPr>
-              <a:t>54</a:t>
-            </a:fld>
-            <a:endParaRPr spc="-19" dirty="0"/>
-          </a:p>
-        </p:txBody>
-      </p:sp>
-      <p:sp>
-        <p:nvSpPr>
-          <p:cNvPr id="3" name="object 3"/>
-          <p:cNvSpPr txBox="1"/>
-          <p:nvPr/>
-        </p:nvSpPr>
-        <p:spPr>
-          <a:xfrm>
-            <a:off x="687704" y="1280131"/>
-            <a:ext cx="6489383" cy="3185648"/>
-          </a:xfrm>
-          <a:prstGeom prst="rect">
-            <a:avLst/>
-          </a:prstGeom>
-        </p:spPr>
-        <p:txBody>
-          <a:bodyPr vert="horz" wrap="square" lIns="0" tIns="73819" rIns="0" bIns="0" rtlCol="0">
-            <a:spAutoFit/>
-          </a:bodyPr>
-          <a:lstStyle/>
-          <a:p>
-            <a:pPr marL="180022" indent="-170497">
-              <a:spcBef>
-                <a:spcPts val="581"/>
-              </a:spcBef>
-              <a:buFont typeface="Arial"/>
-              <a:buChar char="•"/>
-              <a:tabLst>
-                <a:tab pos="180022" algn="l"/>
-              </a:tabLst>
-            </a:pPr>
-            <a:r>
-              <a:rPr sz="2100" spc="-23" dirty="0">
-                <a:latin typeface="Calibri"/>
-                <a:cs typeface="Calibri"/>
-              </a:rPr>
-              <a:t>Non-</a:t>
-            </a:r>
-            <a:r>
-              <a:rPr sz="2100" dirty="0">
-                <a:latin typeface="Calibri"/>
-                <a:cs typeface="Calibri"/>
-              </a:rPr>
-              <a:t>technical</a:t>
-            </a:r>
-            <a:r>
-              <a:rPr sz="2100" spc="-15" dirty="0">
-                <a:latin typeface="Calibri"/>
-                <a:cs typeface="Calibri"/>
-              </a:rPr>
-              <a:t> </a:t>
-            </a:r>
-            <a:r>
-              <a:rPr sz="2100" spc="-8" dirty="0">
-                <a:latin typeface="Calibri"/>
-                <a:cs typeface="Calibri"/>
-              </a:rPr>
-              <a:t>intrusion</a:t>
-            </a:r>
-            <a:endParaRPr sz="2100">
-              <a:latin typeface="Calibri"/>
-              <a:cs typeface="Calibri"/>
-            </a:endParaRPr>
-          </a:p>
-          <a:p>
-            <a:pPr marL="180022" indent="-170497">
-              <a:spcBef>
-                <a:spcPts val="506"/>
-              </a:spcBef>
-              <a:buFont typeface="Arial"/>
-              <a:buChar char="•"/>
-              <a:tabLst>
-                <a:tab pos="180022" algn="l"/>
-              </a:tabLst>
-            </a:pPr>
-            <a:r>
-              <a:rPr sz="2100" dirty="0">
-                <a:latin typeface="Calibri"/>
-                <a:cs typeface="Calibri"/>
-              </a:rPr>
-              <a:t>Involves</a:t>
-            </a:r>
-            <a:r>
-              <a:rPr sz="2100" spc="-45" dirty="0">
-                <a:latin typeface="Calibri"/>
-                <a:cs typeface="Calibri"/>
-              </a:rPr>
-              <a:t> </a:t>
-            </a:r>
-            <a:r>
-              <a:rPr sz="2100" dirty="0">
-                <a:latin typeface="Calibri"/>
-                <a:cs typeface="Calibri"/>
-              </a:rPr>
-              <a:t>tricking</a:t>
-            </a:r>
-            <a:r>
-              <a:rPr sz="2100" spc="-41" dirty="0">
-                <a:latin typeface="Calibri"/>
-                <a:cs typeface="Calibri"/>
-              </a:rPr>
-              <a:t> </a:t>
-            </a:r>
-            <a:r>
-              <a:rPr sz="2100" dirty="0">
-                <a:latin typeface="Calibri"/>
-                <a:cs typeface="Calibri"/>
-              </a:rPr>
-              <a:t>people</a:t>
-            </a:r>
-            <a:r>
-              <a:rPr sz="2100" spc="-26" dirty="0">
-                <a:latin typeface="Calibri"/>
-                <a:cs typeface="Calibri"/>
-              </a:rPr>
-              <a:t> </a:t>
-            </a:r>
-            <a:r>
-              <a:rPr sz="2100" dirty="0">
-                <a:latin typeface="Calibri"/>
-                <a:cs typeface="Calibri"/>
-              </a:rPr>
-              <a:t>to</a:t>
-            </a:r>
-            <a:r>
-              <a:rPr sz="2100" spc="-53" dirty="0">
-                <a:latin typeface="Calibri"/>
-                <a:cs typeface="Calibri"/>
-              </a:rPr>
-              <a:t> </a:t>
-            </a:r>
-            <a:r>
-              <a:rPr sz="2100" dirty="0">
-                <a:latin typeface="Calibri"/>
-                <a:cs typeface="Calibri"/>
-              </a:rPr>
-              <a:t>break</a:t>
-            </a:r>
-            <a:r>
-              <a:rPr sz="2100" spc="-45" dirty="0">
-                <a:latin typeface="Calibri"/>
-                <a:cs typeface="Calibri"/>
-              </a:rPr>
-              <a:t> </a:t>
-            </a:r>
-            <a:r>
-              <a:rPr sz="2100" dirty="0">
-                <a:latin typeface="Calibri"/>
-                <a:cs typeface="Calibri"/>
-              </a:rPr>
-              <a:t>security</a:t>
-            </a:r>
-            <a:r>
-              <a:rPr sz="2100" spc="-38" dirty="0">
-                <a:latin typeface="Calibri"/>
-                <a:cs typeface="Calibri"/>
-              </a:rPr>
-              <a:t> </a:t>
-            </a:r>
-            <a:r>
-              <a:rPr sz="2100" spc="-8" dirty="0">
-                <a:latin typeface="Calibri"/>
-                <a:cs typeface="Calibri"/>
-              </a:rPr>
-              <a:t>policies</a:t>
-            </a:r>
-            <a:endParaRPr sz="2100">
-              <a:latin typeface="Calibri"/>
-              <a:cs typeface="Calibri"/>
-            </a:endParaRPr>
-          </a:p>
-          <a:p>
-            <a:pPr marL="522923" lvl="1" indent="-170497">
-              <a:spcBef>
-                <a:spcPts val="176"/>
-              </a:spcBef>
-              <a:buFont typeface="Arial"/>
-              <a:buChar char="•"/>
-              <a:tabLst>
-                <a:tab pos="522923" algn="l"/>
-              </a:tabLst>
-            </a:pPr>
-            <a:r>
-              <a:rPr sz="1800" spc="-8" dirty="0">
-                <a:latin typeface="Calibri"/>
-                <a:cs typeface="Calibri"/>
-              </a:rPr>
-              <a:t>Manipulation</a:t>
-            </a:r>
-            <a:endParaRPr sz="1800">
-              <a:latin typeface="Calibri"/>
-              <a:cs typeface="Calibri"/>
-            </a:endParaRPr>
-          </a:p>
-          <a:p>
-            <a:pPr marL="180022" indent="-170497">
-              <a:spcBef>
-                <a:spcPts val="484"/>
-              </a:spcBef>
-              <a:buFont typeface="Arial"/>
-              <a:buChar char="•"/>
-              <a:tabLst>
-                <a:tab pos="180022" algn="l"/>
-              </a:tabLst>
-            </a:pPr>
-            <a:r>
-              <a:rPr sz="2100" dirty="0">
-                <a:latin typeface="Calibri"/>
-                <a:cs typeface="Calibri"/>
-              </a:rPr>
-              <a:t>Relies</a:t>
-            </a:r>
-            <a:r>
-              <a:rPr sz="2100" spc="-23" dirty="0">
-                <a:latin typeface="Calibri"/>
-                <a:cs typeface="Calibri"/>
-              </a:rPr>
-              <a:t> </a:t>
-            </a:r>
-            <a:r>
-              <a:rPr sz="2100" dirty="0">
-                <a:latin typeface="Calibri"/>
-                <a:cs typeface="Calibri"/>
-              </a:rPr>
-              <a:t>on</a:t>
-            </a:r>
-            <a:r>
-              <a:rPr sz="2100" spc="-15" dirty="0">
-                <a:latin typeface="Calibri"/>
-                <a:cs typeface="Calibri"/>
-              </a:rPr>
-              <a:t> </a:t>
-            </a:r>
-            <a:r>
-              <a:rPr sz="2100" dirty="0">
-                <a:latin typeface="Calibri"/>
-                <a:cs typeface="Calibri"/>
-              </a:rPr>
-              <a:t>false</a:t>
-            </a:r>
-            <a:r>
-              <a:rPr sz="2100" spc="-26" dirty="0">
-                <a:latin typeface="Calibri"/>
-                <a:cs typeface="Calibri"/>
-              </a:rPr>
-              <a:t> </a:t>
-            </a:r>
-            <a:r>
-              <a:rPr sz="2100" spc="-8" dirty="0">
-                <a:latin typeface="Calibri"/>
-                <a:cs typeface="Calibri"/>
-              </a:rPr>
-              <a:t>confidence</a:t>
-            </a:r>
-            <a:endParaRPr sz="2100">
-              <a:latin typeface="Calibri"/>
-              <a:cs typeface="Calibri"/>
-            </a:endParaRPr>
-          </a:p>
-          <a:p>
-            <a:pPr marL="522923" lvl="1" indent="-170497">
-              <a:spcBef>
-                <a:spcPts val="172"/>
-              </a:spcBef>
-              <a:buFont typeface="Arial"/>
-              <a:buChar char="•"/>
-              <a:tabLst>
-                <a:tab pos="522923" algn="l"/>
-              </a:tabLst>
-            </a:pPr>
-            <a:r>
-              <a:rPr sz="1800" dirty="0">
-                <a:latin typeface="Calibri"/>
-                <a:cs typeface="Calibri"/>
-              </a:rPr>
-              <a:t>Everyone</a:t>
-            </a:r>
-            <a:r>
-              <a:rPr sz="1800" spc="-45" dirty="0">
-                <a:latin typeface="Calibri"/>
-                <a:cs typeface="Calibri"/>
-              </a:rPr>
-              <a:t> </a:t>
-            </a:r>
-            <a:r>
-              <a:rPr sz="1800" dirty="0">
-                <a:latin typeface="Calibri"/>
-                <a:cs typeface="Calibri"/>
-              </a:rPr>
-              <a:t>trusts</a:t>
-            </a:r>
-            <a:r>
-              <a:rPr sz="1800" spc="-45" dirty="0">
-                <a:latin typeface="Calibri"/>
-                <a:cs typeface="Calibri"/>
-              </a:rPr>
-              <a:t> </a:t>
-            </a:r>
-            <a:r>
-              <a:rPr sz="1800" spc="-8" dirty="0">
-                <a:latin typeface="Calibri"/>
-                <a:cs typeface="Calibri"/>
-              </a:rPr>
-              <a:t>someone</a:t>
-            </a:r>
-            <a:endParaRPr sz="1800">
-              <a:latin typeface="Calibri"/>
-              <a:cs typeface="Calibri"/>
-            </a:endParaRPr>
-          </a:p>
-          <a:p>
-            <a:pPr marL="522923" lvl="1" indent="-170497">
-              <a:spcBef>
-                <a:spcPts val="164"/>
-              </a:spcBef>
-              <a:buFont typeface="Arial"/>
-              <a:buChar char="•"/>
-              <a:tabLst>
-                <a:tab pos="522923" algn="l"/>
-              </a:tabLst>
-            </a:pPr>
-            <a:r>
-              <a:rPr sz="1800" dirty="0">
-                <a:latin typeface="Calibri"/>
-                <a:cs typeface="Calibri"/>
-              </a:rPr>
-              <a:t>Authority</a:t>
-            </a:r>
-            <a:r>
-              <a:rPr sz="1800" spc="-38" dirty="0">
-                <a:latin typeface="Calibri"/>
-                <a:cs typeface="Calibri"/>
-              </a:rPr>
-              <a:t> </a:t>
-            </a:r>
-            <a:r>
-              <a:rPr sz="1800" dirty="0">
-                <a:latin typeface="Calibri"/>
-                <a:cs typeface="Calibri"/>
-              </a:rPr>
-              <a:t>is</a:t>
-            </a:r>
-            <a:r>
-              <a:rPr sz="1800" spc="-45" dirty="0">
-                <a:latin typeface="Calibri"/>
-                <a:cs typeface="Calibri"/>
-              </a:rPr>
-              <a:t> </a:t>
-            </a:r>
-            <a:r>
-              <a:rPr sz="1800" dirty="0">
-                <a:latin typeface="Calibri"/>
-                <a:cs typeface="Calibri"/>
-              </a:rPr>
-              <a:t>usually</a:t>
-            </a:r>
-            <a:r>
-              <a:rPr sz="1800" spc="-30" dirty="0">
-                <a:latin typeface="Calibri"/>
-                <a:cs typeface="Calibri"/>
-              </a:rPr>
-              <a:t> </a:t>
-            </a:r>
-            <a:r>
-              <a:rPr sz="1800" dirty="0">
-                <a:latin typeface="Calibri"/>
-                <a:cs typeface="Calibri"/>
-              </a:rPr>
-              <a:t>trusted</a:t>
-            </a:r>
-            <a:r>
-              <a:rPr sz="1800" spc="-38" dirty="0">
-                <a:latin typeface="Calibri"/>
-                <a:cs typeface="Calibri"/>
-              </a:rPr>
-              <a:t> </a:t>
-            </a:r>
-            <a:r>
-              <a:rPr sz="1800" dirty="0">
-                <a:latin typeface="Calibri"/>
-                <a:cs typeface="Calibri"/>
-              </a:rPr>
-              <a:t>by</a:t>
-            </a:r>
-            <a:r>
-              <a:rPr sz="1800" spc="-30" dirty="0">
-                <a:latin typeface="Calibri"/>
-                <a:cs typeface="Calibri"/>
-              </a:rPr>
-              <a:t> </a:t>
-            </a:r>
-            <a:r>
-              <a:rPr sz="1800" spc="-8" dirty="0">
-                <a:latin typeface="Calibri"/>
-                <a:cs typeface="Calibri"/>
-              </a:rPr>
-              <a:t>default</a:t>
-            </a:r>
-            <a:endParaRPr sz="1800">
-              <a:latin typeface="Calibri"/>
-              <a:cs typeface="Calibri"/>
-            </a:endParaRPr>
-          </a:p>
-          <a:p>
-            <a:pPr marL="522923" lvl="1" indent="-170497">
-              <a:spcBef>
-                <a:spcPts val="161"/>
-              </a:spcBef>
-              <a:buFont typeface="Arial"/>
-              <a:buChar char="•"/>
-              <a:tabLst>
-                <a:tab pos="522923" algn="l"/>
-              </a:tabLst>
-            </a:pPr>
-            <a:r>
-              <a:rPr sz="1800" spc="-15" dirty="0">
-                <a:latin typeface="Calibri"/>
-                <a:cs typeface="Calibri"/>
-              </a:rPr>
-              <a:t>Non-</a:t>
-            </a:r>
-            <a:r>
-              <a:rPr sz="1800" dirty="0">
-                <a:latin typeface="Calibri"/>
-                <a:cs typeface="Calibri"/>
-              </a:rPr>
-              <a:t>technical</a:t>
-            </a:r>
-            <a:r>
-              <a:rPr sz="1800" spc="-19" dirty="0">
-                <a:latin typeface="Calibri"/>
-                <a:cs typeface="Calibri"/>
-              </a:rPr>
-              <a:t> </a:t>
-            </a:r>
-            <a:r>
-              <a:rPr sz="1800" dirty="0">
-                <a:latin typeface="Calibri"/>
-                <a:cs typeface="Calibri"/>
-              </a:rPr>
-              <a:t>people</a:t>
-            </a:r>
-            <a:r>
-              <a:rPr sz="1800" spc="-4" dirty="0">
-                <a:latin typeface="Calibri"/>
-                <a:cs typeface="Calibri"/>
-              </a:rPr>
-              <a:t> </a:t>
-            </a:r>
-            <a:r>
-              <a:rPr sz="1800" dirty="0">
-                <a:latin typeface="Calibri"/>
-                <a:cs typeface="Calibri"/>
-              </a:rPr>
-              <a:t>don’t</a:t>
-            </a:r>
-            <a:r>
-              <a:rPr sz="1800" spc="-8" dirty="0">
-                <a:latin typeface="Calibri"/>
-                <a:cs typeface="Calibri"/>
-              </a:rPr>
-              <a:t> </a:t>
-            </a:r>
-            <a:r>
-              <a:rPr sz="1800" dirty="0">
-                <a:latin typeface="Calibri"/>
-                <a:cs typeface="Calibri"/>
-              </a:rPr>
-              <a:t>want</a:t>
-            </a:r>
-            <a:r>
-              <a:rPr sz="1800" spc="-15" dirty="0">
-                <a:latin typeface="Calibri"/>
-                <a:cs typeface="Calibri"/>
-              </a:rPr>
-              <a:t> </a:t>
-            </a:r>
-            <a:r>
-              <a:rPr sz="1800" dirty="0">
-                <a:latin typeface="Calibri"/>
-                <a:cs typeface="Calibri"/>
-              </a:rPr>
-              <a:t>to</a:t>
-            </a:r>
-            <a:r>
-              <a:rPr sz="1800" spc="-23" dirty="0">
-                <a:latin typeface="Calibri"/>
-                <a:cs typeface="Calibri"/>
-              </a:rPr>
-              <a:t> </a:t>
-            </a:r>
-            <a:r>
-              <a:rPr sz="1800" dirty="0">
-                <a:latin typeface="Calibri"/>
-                <a:cs typeface="Calibri"/>
-              </a:rPr>
-              <a:t>admit</a:t>
-            </a:r>
-            <a:r>
-              <a:rPr sz="1800" spc="-23" dirty="0">
-                <a:latin typeface="Calibri"/>
-                <a:cs typeface="Calibri"/>
-              </a:rPr>
-              <a:t> </a:t>
-            </a:r>
-            <a:r>
-              <a:rPr sz="1800" dirty="0">
-                <a:latin typeface="Calibri"/>
-                <a:cs typeface="Calibri"/>
-              </a:rPr>
-              <a:t>their</a:t>
-            </a:r>
-            <a:r>
-              <a:rPr sz="1800" spc="-15" dirty="0">
-                <a:latin typeface="Calibri"/>
-                <a:cs typeface="Calibri"/>
-              </a:rPr>
-              <a:t> </a:t>
-            </a:r>
-            <a:r>
-              <a:rPr sz="1800" dirty="0">
-                <a:latin typeface="Calibri"/>
-                <a:cs typeface="Calibri"/>
-              </a:rPr>
-              <a:t>lack</a:t>
-            </a:r>
-            <a:r>
-              <a:rPr sz="1800" spc="-19" dirty="0">
-                <a:latin typeface="Calibri"/>
-                <a:cs typeface="Calibri"/>
-              </a:rPr>
-              <a:t> </a:t>
-            </a:r>
-            <a:r>
-              <a:rPr sz="1800" dirty="0">
-                <a:latin typeface="Calibri"/>
-                <a:cs typeface="Calibri"/>
-              </a:rPr>
-              <a:t>of</a:t>
-            </a:r>
-            <a:r>
-              <a:rPr sz="1800" spc="-11" dirty="0">
-                <a:latin typeface="Calibri"/>
-                <a:cs typeface="Calibri"/>
-              </a:rPr>
-              <a:t> </a:t>
-            </a:r>
-            <a:r>
-              <a:rPr sz="1800" spc="-8" dirty="0">
-                <a:latin typeface="Calibri"/>
-                <a:cs typeface="Calibri"/>
-              </a:rPr>
-              <a:t>expertise</a:t>
-            </a:r>
-            <a:endParaRPr sz="1800">
-              <a:latin typeface="Calibri"/>
-              <a:cs typeface="Calibri"/>
-            </a:endParaRPr>
-          </a:p>
-          <a:p>
-            <a:pPr marL="866775" lvl="2" indent="-171450">
-              <a:spcBef>
-                <a:spcPts val="210"/>
-              </a:spcBef>
-              <a:buFont typeface="Arial"/>
-              <a:buChar char="•"/>
-              <a:tabLst>
-                <a:tab pos="866775" algn="l"/>
-              </a:tabLst>
-            </a:pPr>
-            <a:r>
-              <a:rPr sz="1500" dirty="0">
-                <a:latin typeface="Calibri"/>
-                <a:cs typeface="Calibri"/>
-              </a:rPr>
-              <a:t>They</a:t>
-            </a:r>
-            <a:r>
-              <a:rPr sz="1500" spc="-19" dirty="0">
-                <a:latin typeface="Calibri"/>
-                <a:cs typeface="Calibri"/>
-              </a:rPr>
-              <a:t> </a:t>
-            </a:r>
-            <a:r>
-              <a:rPr sz="1500" dirty="0">
-                <a:latin typeface="Calibri"/>
-                <a:cs typeface="Calibri"/>
-              </a:rPr>
-              <a:t>ask</a:t>
-            </a:r>
-            <a:r>
-              <a:rPr sz="1500" spc="-15" dirty="0">
-                <a:latin typeface="Calibri"/>
-                <a:cs typeface="Calibri"/>
-              </a:rPr>
-              <a:t> </a:t>
-            </a:r>
-            <a:r>
-              <a:rPr sz="1500" dirty="0">
-                <a:latin typeface="Calibri"/>
-                <a:cs typeface="Calibri"/>
-              </a:rPr>
-              <a:t>fewer</a:t>
-            </a:r>
-            <a:r>
-              <a:rPr sz="1500" spc="-11" dirty="0">
-                <a:latin typeface="Calibri"/>
-                <a:cs typeface="Calibri"/>
-              </a:rPr>
-              <a:t> </a:t>
-            </a:r>
-            <a:r>
-              <a:rPr sz="1500" spc="-8" dirty="0">
-                <a:latin typeface="Calibri"/>
-                <a:cs typeface="Calibri"/>
-              </a:rPr>
-              <a:t>questions.</a:t>
-            </a:r>
-            <a:endParaRPr sz="1500">
-              <a:latin typeface="Calibri"/>
-              <a:cs typeface="Calibri"/>
-            </a:endParaRPr>
-          </a:p>
-          <a:p>
-            <a:pPr marL="522923" lvl="1" indent="-170497">
-              <a:spcBef>
-                <a:spcPts val="143"/>
-              </a:spcBef>
-              <a:buFont typeface="Arial"/>
-              <a:buChar char="•"/>
-              <a:tabLst>
-                <a:tab pos="522923" algn="l"/>
-              </a:tabLst>
-            </a:pPr>
-            <a:r>
-              <a:rPr sz="1800" dirty="0">
-                <a:latin typeface="Calibri"/>
-                <a:cs typeface="Calibri"/>
-              </a:rPr>
-              <a:t>Most</a:t>
-            </a:r>
-            <a:r>
-              <a:rPr sz="1800" spc="-34" dirty="0">
-                <a:latin typeface="Calibri"/>
-                <a:cs typeface="Calibri"/>
-              </a:rPr>
-              <a:t> </a:t>
-            </a:r>
-            <a:r>
-              <a:rPr sz="1800" dirty="0">
-                <a:latin typeface="Calibri"/>
-                <a:cs typeface="Calibri"/>
-              </a:rPr>
-              <a:t>people</a:t>
-            </a:r>
-            <a:r>
-              <a:rPr sz="1800" spc="-26" dirty="0">
-                <a:latin typeface="Calibri"/>
-                <a:cs typeface="Calibri"/>
-              </a:rPr>
-              <a:t> </a:t>
-            </a:r>
-            <a:r>
-              <a:rPr sz="1800" dirty="0">
-                <a:latin typeface="Calibri"/>
-                <a:cs typeface="Calibri"/>
-              </a:rPr>
-              <a:t>are</a:t>
-            </a:r>
-            <a:r>
-              <a:rPr sz="1800" spc="-34" dirty="0">
-                <a:latin typeface="Calibri"/>
-                <a:cs typeface="Calibri"/>
-              </a:rPr>
-              <a:t> </a:t>
-            </a:r>
-            <a:r>
-              <a:rPr sz="1800" dirty="0">
-                <a:latin typeface="Calibri"/>
-                <a:cs typeface="Calibri"/>
-              </a:rPr>
-              <a:t>eager</a:t>
-            </a:r>
-            <a:r>
-              <a:rPr sz="1800" spc="-34" dirty="0">
-                <a:latin typeface="Calibri"/>
-                <a:cs typeface="Calibri"/>
-              </a:rPr>
-              <a:t> </a:t>
-            </a:r>
-            <a:r>
-              <a:rPr sz="1800" dirty="0">
-                <a:latin typeface="Calibri"/>
-                <a:cs typeface="Calibri"/>
-              </a:rPr>
-              <a:t>to</a:t>
-            </a:r>
-            <a:r>
-              <a:rPr sz="1800" spc="-30" dirty="0">
-                <a:latin typeface="Calibri"/>
-                <a:cs typeface="Calibri"/>
-              </a:rPr>
-              <a:t> </a:t>
-            </a:r>
-            <a:r>
-              <a:rPr sz="1800" spc="-8" dirty="0">
-                <a:latin typeface="Calibri"/>
-                <a:cs typeface="Calibri"/>
-              </a:rPr>
-              <a:t>help.</a:t>
-            </a:r>
-            <a:endParaRPr sz="1800">
-              <a:latin typeface="Calibri"/>
-              <a:cs typeface="Calibri"/>
-            </a:endParaRPr>
-          </a:p>
-          <a:p>
-            <a:pPr marL="866775" lvl="2" indent="-171450">
-              <a:spcBef>
-                <a:spcPts val="210"/>
-              </a:spcBef>
-              <a:buFont typeface="Arial"/>
-              <a:buChar char="•"/>
-              <a:tabLst>
-                <a:tab pos="866775" algn="l"/>
-              </a:tabLst>
-            </a:pPr>
-            <a:r>
-              <a:rPr sz="1500" dirty="0">
-                <a:latin typeface="Calibri"/>
-                <a:cs typeface="Calibri"/>
-              </a:rPr>
-              <a:t>When</a:t>
-            </a:r>
-            <a:r>
-              <a:rPr sz="1500" spc="-38" dirty="0">
-                <a:latin typeface="Calibri"/>
-                <a:cs typeface="Calibri"/>
-              </a:rPr>
-              <a:t> </a:t>
-            </a:r>
-            <a:r>
-              <a:rPr sz="1500" dirty="0">
-                <a:latin typeface="Calibri"/>
-                <a:cs typeface="Calibri"/>
-              </a:rPr>
-              <a:t>the</a:t>
-            </a:r>
-            <a:r>
-              <a:rPr sz="1500" spc="-26" dirty="0">
-                <a:latin typeface="Calibri"/>
-                <a:cs typeface="Calibri"/>
-              </a:rPr>
-              <a:t> </a:t>
-            </a:r>
-            <a:r>
-              <a:rPr sz="1500" dirty="0">
-                <a:latin typeface="Calibri"/>
-                <a:cs typeface="Calibri"/>
-              </a:rPr>
-              <a:t>attacker</a:t>
-            </a:r>
-            <a:r>
-              <a:rPr sz="1500" spc="-11" dirty="0">
-                <a:latin typeface="Calibri"/>
-                <a:cs typeface="Calibri"/>
-              </a:rPr>
-              <a:t> </a:t>
-            </a:r>
-            <a:r>
-              <a:rPr sz="1500" dirty="0">
-                <a:latin typeface="Calibri"/>
-                <a:cs typeface="Calibri"/>
-              </a:rPr>
-              <a:t>poses</a:t>
-            </a:r>
-            <a:r>
-              <a:rPr sz="1500" spc="-23" dirty="0">
-                <a:latin typeface="Calibri"/>
-                <a:cs typeface="Calibri"/>
-              </a:rPr>
-              <a:t> </a:t>
-            </a:r>
-            <a:r>
-              <a:rPr sz="1500" dirty="0">
-                <a:latin typeface="Calibri"/>
-                <a:cs typeface="Calibri"/>
-              </a:rPr>
-              <a:t>as</a:t>
-            </a:r>
-            <a:r>
-              <a:rPr sz="1500" spc="-19" dirty="0">
-                <a:latin typeface="Calibri"/>
-                <a:cs typeface="Calibri"/>
-              </a:rPr>
-              <a:t> </a:t>
-            </a:r>
-            <a:r>
-              <a:rPr sz="1500" dirty="0">
-                <a:latin typeface="Calibri"/>
-                <a:cs typeface="Calibri"/>
-              </a:rPr>
-              <a:t>a</a:t>
-            </a:r>
-            <a:r>
-              <a:rPr sz="1500" spc="-30" dirty="0">
-                <a:latin typeface="Calibri"/>
-                <a:cs typeface="Calibri"/>
-              </a:rPr>
-              <a:t> </a:t>
-            </a:r>
-            <a:r>
-              <a:rPr sz="1500" dirty="0">
-                <a:latin typeface="Calibri"/>
-                <a:cs typeface="Calibri"/>
-              </a:rPr>
-              <a:t>fellow</a:t>
-            </a:r>
-            <a:r>
-              <a:rPr sz="1500" spc="-19" dirty="0">
-                <a:latin typeface="Calibri"/>
-                <a:cs typeface="Calibri"/>
-              </a:rPr>
-              <a:t> </a:t>
-            </a:r>
-            <a:r>
-              <a:rPr sz="1500" dirty="0">
-                <a:latin typeface="Calibri"/>
-                <a:cs typeface="Calibri"/>
-              </a:rPr>
-              <a:t>employee</a:t>
-            </a:r>
-            <a:r>
-              <a:rPr sz="1500" spc="-30" dirty="0">
-                <a:latin typeface="Calibri"/>
-                <a:cs typeface="Calibri"/>
-              </a:rPr>
-              <a:t> </a:t>
-            </a:r>
-            <a:r>
-              <a:rPr sz="1500" dirty="0">
-                <a:latin typeface="Calibri"/>
-                <a:cs typeface="Calibri"/>
-              </a:rPr>
-              <a:t>in</a:t>
-            </a:r>
-            <a:r>
-              <a:rPr sz="1500" spc="-23" dirty="0">
-                <a:latin typeface="Calibri"/>
-                <a:cs typeface="Calibri"/>
-              </a:rPr>
-              <a:t> </a:t>
-            </a:r>
-            <a:r>
-              <a:rPr sz="1500" spc="-8" dirty="0">
-                <a:latin typeface="Calibri"/>
-                <a:cs typeface="Calibri"/>
-              </a:rPr>
-              <a:t>need.</a:t>
-            </a:r>
-            <a:endParaRPr sz="1500">
-              <a:latin typeface="Calibri"/>
-              <a:cs typeface="Calibri"/>
-            </a:endParaRPr>
-          </a:p>
-        </p:txBody>
-      </p:sp>
-    </p:spTree>
-  </p:cSld>
-  <p:clrMapOvr>
-    <a:masterClrMapping/>
-  </p:clrMapOvr>
-</p:sld>
-</file>
-
-<file path=ppt/slides/slide55.xml><?xml version="1.0" encoding="utf-8"?>
-<p:sld xmlns:a="http://schemas.openxmlformats.org/drawingml/2006/main" xmlns:r="http://schemas.openxmlformats.org/officeDocument/2006/relationships" xmlns:p="http://schemas.openxmlformats.org/presentationml/2006/main">
-  <p:cSld>
-    <p:spTree>
-      <p:nvGrpSpPr>
-        <p:cNvPr id="1" name=""/>
-        <p:cNvGrpSpPr/>
-        <p:nvPr/>
-      </p:nvGrpSpPr>
-      <p:grpSpPr>
-        <a:xfrm>
-          <a:off x="0" y="0"/>
-          <a:ext cx="0" cy="0"/>
-          <a:chOff x="0" y="0"/>
-          <a:chExt cx="0" cy="0"/>
-        </a:xfrm>
-      </p:grpSpPr>
-      <p:pic>
-        <p:nvPicPr>
-          <p:cNvPr id="2" name="object 2"/>
-          <p:cNvPicPr/>
-          <p:nvPr/>
-        </p:nvPicPr>
-        <p:blipFill>
-          <a:blip r:embed="rId2" cstate="print"/>
-          <a:stretch>
-            <a:fillRect/>
-          </a:stretch>
-        </p:blipFill>
-        <p:spPr>
-          <a:xfrm>
-            <a:off x="2817494" y="2566035"/>
-            <a:ext cx="3324987" cy="2168270"/>
-          </a:xfrm>
-          <a:prstGeom prst="rect">
-            <a:avLst/>
-          </a:prstGeom>
-        </p:spPr>
-      </p:pic>
-      <p:sp>
-        <p:nvSpPr>
-          <p:cNvPr id="3" name="object 3"/>
-          <p:cNvSpPr txBox="1">
-            <a:spLocks noGrp="1"/>
-          </p:cNvSpPr>
-          <p:nvPr>
-            <p:ph type="title"/>
-          </p:nvPr>
-        </p:nvSpPr>
-        <p:spPr>
-          <a:xfrm>
-            <a:off x="77025" y="203157"/>
-            <a:ext cx="6390450" cy="530754"/>
-          </a:xfrm>
-          <a:prstGeom prst="rect">
-            <a:avLst/>
-          </a:prstGeom>
-        </p:spPr>
-        <p:txBody>
-          <a:bodyPr spcFirstLastPara="1" vert="horz" wrap="square" lIns="0" tIns="10001" rIns="0" bIns="0" rtlCol="0" anchor="t" anchorCtr="0">
-            <a:spAutoFit/>
-          </a:bodyPr>
-          <a:lstStyle/>
-          <a:p>
-            <a:pPr marL="9525">
-              <a:spcBef>
-                <a:spcPts val="79"/>
-              </a:spcBef>
-            </a:pPr>
-            <a:r>
-              <a:rPr dirty="0"/>
-              <a:t>Social</a:t>
-            </a:r>
-            <a:r>
-              <a:rPr spc="-79" dirty="0"/>
-              <a:t> </a:t>
-            </a:r>
-            <a:r>
-              <a:rPr spc="-8" dirty="0"/>
-              <a:t>engineering</a:t>
-            </a:r>
-          </a:p>
-        </p:txBody>
-      </p:sp>
-      <p:sp>
-        <p:nvSpPr>
-          <p:cNvPr id="6" name="object 6"/>
-          <p:cNvSpPr txBox="1">
-            <a:spLocks noGrp="1"/>
-          </p:cNvSpPr>
-          <p:nvPr>
-            <p:ph type="sldNum" sz="quarter" idx="7"/>
-          </p:nvPr>
-        </p:nvSpPr>
-        <p:spPr>
-          <a:xfrm>
-            <a:off x="6354344" y="3587305"/>
-            <a:ext cx="411525" cy="115416"/>
-          </a:xfrm>
-          <a:prstGeom prst="rect">
-            <a:avLst/>
-          </a:prstGeom>
-        </p:spPr>
-        <p:txBody>
-          <a:bodyPr spcFirstLastPara="1" vert="horz" wrap="square" lIns="0" tIns="0" rIns="0" bIns="0" rtlCol="0" anchor="ctr" anchorCtr="0">
-            <a:spAutoFit/>
-          </a:bodyPr>
-          <a:lstStyle/>
-          <a:p>
-            <a:pPr marL="28575">
-              <a:lnSpc>
-                <a:spcPts val="930"/>
-              </a:lnSpc>
-            </a:pPr>
-            <a:fld id="{81D60167-4931-47E6-BA6A-407CBD079E47}" type="slidenum">
-              <a:rPr spc="-19" dirty="0"/>
-              <a:pPr marL="28575">
-                <a:lnSpc>
-                  <a:spcPts val="930"/>
-                </a:lnSpc>
-              </a:pPr>
-              <a:t>55</a:t>
-            </a:fld>
-            <a:endParaRPr spc="-19" dirty="0"/>
-          </a:p>
-        </p:txBody>
-      </p:sp>
-      <p:sp>
-        <p:nvSpPr>
-          <p:cNvPr id="4" name="object 4"/>
-          <p:cNvSpPr txBox="1"/>
-          <p:nvPr/>
-        </p:nvSpPr>
-        <p:spPr>
-          <a:xfrm>
-            <a:off x="687704" y="1280131"/>
-            <a:ext cx="7413308" cy="1172276"/>
-          </a:xfrm>
-          <a:prstGeom prst="rect">
-            <a:avLst/>
-          </a:prstGeom>
-        </p:spPr>
-        <p:txBody>
-          <a:bodyPr vert="horz" wrap="square" lIns="0" tIns="73819" rIns="0" bIns="0" rtlCol="0">
-            <a:spAutoFit/>
-          </a:bodyPr>
-          <a:lstStyle/>
-          <a:p>
-            <a:pPr marL="180022" indent="-170497">
-              <a:spcBef>
-                <a:spcPts val="581"/>
-              </a:spcBef>
-              <a:buFont typeface="Arial"/>
-              <a:buChar char="•"/>
-              <a:tabLst>
-                <a:tab pos="180022" algn="l"/>
-              </a:tabLst>
-            </a:pPr>
-            <a:r>
-              <a:rPr sz="2100" dirty="0">
-                <a:latin typeface="Calibri"/>
-                <a:cs typeface="Calibri"/>
-              </a:rPr>
-              <a:t>People</a:t>
-            </a:r>
-            <a:r>
-              <a:rPr sz="2100" spc="-11" dirty="0">
-                <a:latin typeface="Calibri"/>
-                <a:cs typeface="Calibri"/>
-              </a:rPr>
-              <a:t> </a:t>
-            </a:r>
-            <a:r>
-              <a:rPr sz="2100" dirty="0">
-                <a:latin typeface="Calibri"/>
-                <a:cs typeface="Calibri"/>
-              </a:rPr>
-              <a:t>are</a:t>
-            </a:r>
-            <a:r>
-              <a:rPr sz="2100" spc="-11" dirty="0">
-                <a:latin typeface="Calibri"/>
-                <a:cs typeface="Calibri"/>
-              </a:rPr>
-              <a:t> </a:t>
-            </a:r>
-            <a:r>
-              <a:rPr sz="2100" dirty="0">
-                <a:latin typeface="Calibri"/>
-                <a:cs typeface="Calibri"/>
-              </a:rPr>
-              <a:t>not</a:t>
-            </a:r>
-            <a:r>
-              <a:rPr sz="2100" spc="-8" dirty="0">
-                <a:latin typeface="Calibri"/>
-                <a:cs typeface="Calibri"/>
-              </a:rPr>
-              <a:t> </a:t>
-            </a:r>
-            <a:r>
-              <a:rPr sz="2100" dirty="0">
-                <a:latin typeface="Calibri"/>
-                <a:cs typeface="Calibri"/>
-              </a:rPr>
-              <a:t>aware</a:t>
-            </a:r>
-            <a:r>
-              <a:rPr sz="2100" spc="-34" dirty="0">
-                <a:latin typeface="Calibri"/>
-                <a:cs typeface="Calibri"/>
-              </a:rPr>
-              <a:t> </a:t>
-            </a:r>
-            <a:r>
-              <a:rPr sz="2100" dirty="0">
-                <a:latin typeface="Calibri"/>
-                <a:cs typeface="Calibri"/>
-              </a:rPr>
-              <a:t>of</a:t>
-            </a:r>
-            <a:r>
-              <a:rPr sz="2100" spc="-15" dirty="0">
-                <a:latin typeface="Calibri"/>
-                <a:cs typeface="Calibri"/>
-              </a:rPr>
-              <a:t> </a:t>
-            </a:r>
-            <a:r>
-              <a:rPr sz="2100" dirty="0">
-                <a:latin typeface="Calibri"/>
-                <a:cs typeface="Calibri"/>
-              </a:rPr>
-              <a:t>the</a:t>
-            </a:r>
-            <a:r>
-              <a:rPr sz="2100" spc="-8" dirty="0">
-                <a:latin typeface="Calibri"/>
-                <a:cs typeface="Calibri"/>
-              </a:rPr>
-              <a:t> </a:t>
-            </a:r>
-            <a:r>
-              <a:rPr sz="2100" dirty="0">
-                <a:latin typeface="Calibri"/>
-                <a:cs typeface="Calibri"/>
-              </a:rPr>
-              <a:t>value</a:t>
-            </a:r>
-            <a:r>
-              <a:rPr sz="2100" spc="-15" dirty="0">
-                <a:latin typeface="Calibri"/>
-                <a:cs typeface="Calibri"/>
-              </a:rPr>
-              <a:t> </a:t>
-            </a:r>
-            <a:r>
-              <a:rPr sz="2100" dirty="0">
-                <a:latin typeface="Calibri"/>
-                <a:cs typeface="Calibri"/>
-              </a:rPr>
-              <a:t>of</a:t>
-            </a:r>
-            <a:r>
-              <a:rPr sz="2100" spc="-15" dirty="0">
-                <a:latin typeface="Calibri"/>
-                <a:cs typeface="Calibri"/>
-              </a:rPr>
-              <a:t> </a:t>
-            </a:r>
-            <a:r>
-              <a:rPr sz="2100" dirty="0">
-                <a:latin typeface="Calibri"/>
-                <a:cs typeface="Calibri"/>
-              </a:rPr>
-              <a:t>the</a:t>
-            </a:r>
-            <a:r>
-              <a:rPr sz="2100" spc="-11" dirty="0">
-                <a:latin typeface="Calibri"/>
-                <a:cs typeface="Calibri"/>
-              </a:rPr>
-              <a:t> </a:t>
-            </a:r>
-            <a:r>
-              <a:rPr sz="2100" dirty="0">
-                <a:latin typeface="Calibri"/>
-                <a:cs typeface="Calibri"/>
-              </a:rPr>
-              <a:t>information</a:t>
-            </a:r>
-            <a:r>
-              <a:rPr sz="2100" spc="-8" dirty="0">
-                <a:latin typeface="Calibri"/>
-                <a:cs typeface="Calibri"/>
-              </a:rPr>
-              <a:t> </a:t>
-            </a:r>
-            <a:r>
-              <a:rPr sz="2100" dirty="0">
-                <a:latin typeface="Calibri"/>
-                <a:cs typeface="Calibri"/>
-              </a:rPr>
-              <a:t>they</a:t>
-            </a:r>
-            <a:r>
-              <a:rPr sz="2100" spc="-15" dirty="0">
-                <a:latin typeface="Calibri"/>
-                <a:cs typeface="Calibri"/>
-              </a:rPr>
-              <a:t> </a:t>
-            </a:r>
-            <a:r>
-              <a:rPr sz="2100" spc="-8" dirty="0">
-                <a:latin typeface="Calibri"/>
-                <a:cs typeface="Calibri"/>
-              </a:rPr>
-              <a:t>possess.</a:t>
-            </a:r>
-            <a:endParaRPr sz="2100">
-              <a:latin typeface="Calibri"/>
-              <a:cs typeface="Calibri"/>
-            </a:endParaRPr>
-          </a:p>
-          <a:p>
-            <a:pPr marL="180022" indent="-170497">
-              <a:spcBef>
-                <a:spcPts val="506"/>
-              </a:spcBef>
-              <a:buFont typeface="Arial"/>
-              <a:buChar char="•"/>
-              <a:tabLst>
-                <a:tab pos="180022" algn="l"/>
-              </a:tabLst>
-            </a:pPr>
-            <a:r>
-              <a:rPr sz="2100" dirty="0">
-                <a:latin typeface="Calibri"/>
-                <a:cs typeface="Calibri"/>
-              </a:rPr>
-              <a:t>Vanity,</a:t>
-            </a:r>
-            <a:r>
-              <a:rPr sz="2100" spc="-15" dirty="0">
-                <a:latin typeface="Calibri"/>
-                <a:cs typeface="Calibri"/>
-              </a:rPr>
-              <a:t> </a:t>
-            </a:r>
-            <a:r>
-              <a:rPr sz="2100" dirty="0">
-                <a:latin typeface="Calibri"/>
-                <a:cs typeface="Calibri"/>
-              </a:rPr>
-              <a:t>authority,</a:t>
-            </a:r>
-            <a:r>
-              <a:rPr sz="2100" spc="-26" dirty="0">
-                <a:latin typeface="Calibri"/>
-                <a:cs typeface="Calibri"/>
-              </a:rPr>
-              <a:t> </a:t>
-            </a:r>
-            <a:r>
-              <a:rPr sz="2100" spc="-8" dirty="0">
-                <a:latin typeface="Calibri"/>
-                <a:cs typeface="Calibri"/>
-              </a:rPr>
-              <a:t>eavesdropping</a:t>
-            </a:r>
-            <a:r>
-              <a:rPr sz="2100" spc="-15" dirty="0">
-                <a:latin typeface="Calibri"/>
-                <a:cs typeface="Calibri"/>
-              </a:rPr>
-              <a:t> </a:t>
-            </a:r>
-            <a:r>
-              <a:rPr sz="2100" dirty="0">
-                <a:latin typeface="Calibri"/>
-                <a:cs typeface="Calibri"/>
-              </a:rPr>
-              <a:t>–</a:t>
-            </a:r>
-            <a:r>
-              <a:rPr sz="2100" spc="-19" dirty="0">
-                <a:latin typeface="Calibri"/>
-                <a:cs typeface="Calibri"/>
-              </a:rPr>
-              <a:t> </a:t>
-            </a:r>
-            <a:r>
-              <a:rPr sz="2100" dirty="0">
-                <a:latin typeface="Calibri"/>
-                <a:cs typeface="Calibri"/>
-              </a:rPr>
-              <a:t>they</a:t>
-            </a:r>
-            <a:r>
-              <a:rPr sz="2100" spc="-26" dirty="0">
-                <a:latin typeface="Calibri"/>
-                <a:cs typeface="Calibri"/>
-              </a:rPr>
-              <a:t> </a:t>
-            </a:r>
-            <a:r>
-              <a:rPr sz="2100" dirty="0">
-                <a:latin typeface="Calibri"/>
-                <a:cs typeface="Calibri"/>
-              </a:rPr>
-              <a:t>all</a:t>
-            </a:r>
-            <a:r>
-              <a:rPr sz="2100" spc="-34" dirty="0">
-                <a:latin typeface="Calibri"/>
-                <a:cs typeface="Calibri"/>
-              </a:rPr>
-              <a:t> </a:t>
-            </a:r>
-            <a:r>
-              <a:rPr sz="2100" spc="-8" dirty="0">
-                <a:latin typeface="Calibri"/>
-                <a:cs typeface="Calibri"/>
-              </a:rPr>
-              <a:t>work.</a:t>
-            </a:r>
-            <a:endParaRPr sz="2100">
-              <a:latin typeface="Calibri"/>
-              <a:cs typeface="Calibri"/>
-            </a:endParaRPr>
-          </a:p>
-          <a:p>
-            <a:pPr marL="180022" indent="-170497">
-              <a:spcBef>
-                <a:spcPts val="495"/>
-              </a:spcBef>
-              <a:buFont typeface="Arial"/>
-              <a:buChar char="•"/>
-              <a:tabLst>
-                <a:tab pos="180022" algn="l"/>
-              </a:tabLst>
-            </a:pPr>
-            <a:r>
-              <a:rPr sz="2100" dirty="0">
-                <a:latin typeface="Calibri"/>
-                <a:cs typeface="Calibri"/>
-              </a:rPr>
-              <a:t>When</a:t>
-            </a:r>
-            <a:r>
-              <a:rPr sz="2100" spc="-53" dirty="0">
-                <a:latin typeface="Calibri"/>
-                <a:cs typeface="Calibri"/>
-              </a:rPr>
-              <a:t> </a:t>
-            </a:r>
-            <a:r>
-              <a:rPr sz="2100" dirty="0">
-                <a:latin typeface="Calibri"/>
-                <a:cs typeface="Calibri"/>
-              </a:rPr>
-              <a:t>successful,</a:t>
-            </a:r>
-            <a:r>
-              <a:rPr sz="2100" spc="-30" dirty="0">
-                <a:latin typeface="Calibri"/>
-                <a:cs typeface="Calibri"/>
-              </a:rPr>
-              <a:t> </a:t>
-            </a:r>
-            <a:r>
-              <a:rPr sz="2100" dirty="0">
-                <a:latin typeface="Calibri"/>
-                <a:cs typeface="Calibri"/>
-              </a:rPr>
-              <a:t>social</a:t>
-            </a:r>
-            <a:r>
-              <a:rPr sz="2100" spc="-56" dirty="0">
-                <a:latin typeface="Calibri"/>
-                <a:cs typeface="Calibri"/>
-              </a:rPr>
-              <a:t> </a:t>
-            </a:r>
-            <a:r>
-              <a:rPr sz="2100" dirty="0">
-                <a:latin typeface="Calibri"/>
-                <a:cs typeface="Calibri"/>
-              </a:rPr>
-              <a:t>engineering</a:t>
-            </a:r>
-            <a:r>
-              <a:rPr sz="2100" spc="-53" dirty="0">
-                <a:latin typeface="Calibri"/>
-                <a:cs typeface="Calibri"/>
-              </a:rPr>
-              <a:t> </a:t>
-            </a:r>
-            <a:r>
-              <a:rPr sz="2100" dirty="0">
-                <a:latin typeface="Calibri"/>
-                <a:cs typeface="Calibri"/>
-              </a:rPr>
-              <a:t>bypasses</a:t>
-            </a:r>
-            <a:r>
-              <a:rPr sz="2100" spc="-38" dirty="0">
-                <a:latin typeface="Calibri"/>
-                <a:cs typeface="Calibri"/>
-              </a:rPr>
-              <a:t> </a:t>
-            </a:r>
-            <a:r>
-              <a:rPr sz="2100" dirty="0">
-                <a:latin typeface="Calibri"/>
-                <a:cs typeface="Calibri"/>
-              </a:rPr>
-              <a:t>ANY</a:t>
-            </a:r>
-            <a:r>
-              <a:rPr sz="2100" spc="-49" dirty="0">
-                <a:latin typeface="Calibri"/>
-                <a:cs typeface="Calibri"/>
-              </a:rPr>
-              <a:t> </a:t>
-            </a:r>
-            <a:r>
-              <a:rPr sz="2100" dirty="0">
-                <a:latin typeface="Calibri"/>
-                <a:cs typeface="Calibri"/>
-              </a:rPr>
-              <a:t>kind</a:t>
-            </a:r>
-            <a:r>
-              <a:rPr sz="2100" spc="-38" dirty="0">
-                <a:latin typeface="Calibri"/>
-                <a:cs typeface="Calibri"/>
-              </a:rPr>
-              <a:t> </a:t>
-            </a:r>
-            <a:r>
-              <a:rPr sz="2100" dirty="0">
-                <a:latin typeface="Calibri"/>
-                <a:cs typeface="Calibri"/>
-              </a:rPr>
-              <a:t>of</a:t>
-            </a:r>
-            <a:r>
-              <a:rPr sz="2100" spc="-64" dirty="0">
-                <a:latin typeface="Calibri"/>
-                <a:cs typeface="Calibri"/>
-              </a:rPr>
-              <a:t> </a:t>
-            </a:r>
-            <a:r>
-              <a:rPr sz="2100" spc="-8" dirty="0">
-                <a:latin typeface="Calibri"/>
-                <a:cs typeface="Calibri"/>
-              </a:rPr>
-              <a:t>security.</a:t>
-            </a:r>
-            <a:endParaRPr sz="2100">
-              <a:latin typeface="Calibri"/>
-              <a:cs typeface="Calibri"/>
-            </a:endParaRPr>
-          </a:p>
-        </p:txBody>
-      </p:sp>
-    </p:spTree>
-  </p:cSld>
-  <p:clrMapOvr>
-    <a:masterClrMapping/>
-  </p:clrMapOvr>
-</p:sld>
-</file>
-
-<file path=ppt/slides/slide56.xml><?xml version="1.0" encoding="utf-8"?>
-<p:sld xmlns:a="http://schemas.openxmlformats.org/drawingml/2006/main" xmlns:r="http://schemas.openxmlformats.org/officeDocument/2006/relationships" xmlns:p="http://schemas.openxmlformats.org/presentationml/2006/main">
-  <p:cSld>
-    <p:spTree>
-      <p:nvGrpSpPr>
-        <p:cNvPr id="1" name=""/>
-        <p:cNvGrpSpPr/>
-        <p:nvPr/>
-      </p:nvGrpSpPr>
-      <p:grpSpPr>
-        <a:xfrm>
-          <a:off x="0" y="0"/>
-          <a:ext cx="0" cy="0"/>
-          <a:chOff x="0" y="0"/>
-          <a:chExt cx="0" cy="0"/>
-        </a:xfrm>
-      </p:grpSpPr>
-      <p:sp>
-        <p:nvSpPr>
-          <p:cNvPr id="2" name="object 2"/>
-          <p:cNvSpPr txBox="1">
-            <a:spLocks noGrp="1"/>
-          </p:cNvSpPr>
-          <p:nvPr>
-            <p:ph type="title"/>
-          </p:nvPr>
-        </p:nvSpPr>
-        <p:spPr>
-          <a:xfrm>
-            <a:off x="77025" y="203157"/>
-            <a:ext cx="6390450" cy="530754"/>
-          </a:xfrm>
-          <a:prstGeom prst="rect">
-            <a:avLst/>
-          </a:prstGeom>
-        </p:spPr>
-        <p:txBody>
-          <a:bodyPr spcFirstLastPara="1" vert="horz" wrap="square" lIns="0" tIns="10001" rIns="0" bIns="0" rtlCol="0" anchor="t" anchorCtr="0">
-            <a:spAutoFit/>
-          </a:bodyPr>
-          <a:lstStyle/>
-          <a:p>
-            <a:pPr marL="9525">
-              <a:spcBef>
-                <a:spcPts val="79"/>
-              </a:spcBef>
-            </a:pPr>
-            <a:r>
-              <a:rPr dirty="0"/>
-              <a:t>Types</a:t>
-            </a:r>
-            <a:r>
-              <a:rPr spc="-19" dirty="0"/>
-              <a:t> </a:t>
-            </a:r>
-            <a:r>
-              <a:rPr dirty="0"/>
-              <a:t>of</a:t>
-            </a:r>
-            <a:r>
-              <a:rPr spc="-8" dirty="0"/>
-              <a:t> phishing</a:t>
-            </a:r>
-          </a:p>
-        </p:txBody>
-      </p:sp>
-      <p:sp>
-        <p:nvSpPr>
-          <p:cNvPr id="3" name="object 3"/>
-          <p:cNvSpPr txBox="1"/>
-          <p:nvPr/>
-        </p:nvSpPr>
-        <p:spPr>
-          <a:xfrm>
-            <a:off x="773429" y="1414769"/>
-            <a:ext cx="5971223" cy="2864567"/>
-          </a:xfrm>
-          <a:prstGeom prst="rect">
-            <a:avLst/>
-          </a:prstGeom>
-        </p:spPr>
-        <p:txBody>
-          <a:bodyPr vert="horz" wrap="square" lIns="0" tIns="35243" rIns="0" bIns="0" rtlCol="0">
-            <a:spAutoFit/>
-          </a:bodyPr>
-          <a:lstStyle/>
-          <a:p>
-            <a:pPr marL="266700" indent="-257175">
-              <a:spcBef>
-                <a:spcPts val="278"/>
-              </a:spcBef>
-              <a:buSzPct val="64285"/>
-              <a:buFont typeface="Arial"/>
-              <a:buChar char="•"/>
-              <a:tabLst>
-                <a:tab pos="266700" algn="l"/>
-              </a:tabLst>
-            </a:pPr>
-            <a:r>
-              <a:rPr sz="2100" dirty="0">
-                <a:latin typeface="Calibri"/>
-                <a:cs typeface="Calibri"/>
-              </a:rPr>
-              <a:t>By</a:t>
-            </a:r>
-            <a:r>
-              <a:rPr sz="2100" spc="-19" dirty="0">
-                <a:latin typeface="Calibri"/>
-                <a:cs typeface="Calibri"/>
-              </a:rPr>
-              <a:t> </a:t>
-            </a:r>
-            <a:r>
-              <a:rPr sz="2100" dirty="0">
-                <a:latin typeface="Calibri"/>
-                <a:cs typeface="Calibri"/>
-              </a:rPr>
-              <a:t>used </a:t>
-            </a:r>
-            <a:r>
-              <a:rPr sz="2100" spc="-8" dirty="0">
-                <a:latin typeface="Calibri"/>
-                <a:cs typeface="Calibri"/>
-              </a:rPr>
-              <a:t>technology</a:t>
-            </a:r>
-            <a:endParaRPr sz="2100">
-              <a:latin typeface="Calibri"/>
-              <a:cs typeface="Calibri"/>
-            </a:endParaRPr>
-          </a:p>
-          <a:p>
-            <a:pPr marL="609600" lvl="1" indent="-257175">
-              <a:spcBef>
-                <a:spcPts val="176"/>
-              </a:spcBef>
-              <a:buSzPct val="75000"/>
-              <a:buFont typeface="Arial"/>
-              <a:buChar char="•"/>
-              <a:tabLst>
-                <a:tab pos="609600" algn="l"/>
-              </a:tabLst>
-            </a:pPr>
-            <a:r>
-              <a:rPr sz="1800" dirty="0">
-                <a:latin typeface="Calibri"/>
-                <a:cs typeface="Calibri"/>
-              </a:rPr>
-              <a:t>Smishing</a:t>
-            </a:r>
-            <a:r>
-              <a:rPr sz="1800" spc="-11" dirty="0">
-                <a:latin typeface="Calibri"/>
-                <a:cs typeface="Calibri"/>
-              </a:rPr>
-              <a:t> </a:t>
-            </a:r>
-            <a:r>
-              <a:rPr sz="1800" spc="-15" dirty="0">
-                <a:latin typeface="Calibri"/>
-                <a:cs typeface="Calibri"/>
-              </a:rPr>
-              <a:t>(SMS)</a:t>
-            </a:r>
-            <a:endParaRPr sz="1800">
-              <a:latin typeface="Calibri"/>
-              <a:cs typeface="Calibri"/>
-            </a:endParaRPr>
-          </a:p>
-          <a:p>
-            <a:pPr marL="609600" lvl="1" indent="-257175">
-              <a:spcBef>
-                <a:spcPts val="161"/>
-              </a:spcBef>
-              <a:buSzPct val="75000"/>
-              <a:buFont typeface="Arial"/>
-              <a:buChar char="•"/>
-              <a:tabLst>
-                <a:tab pos="609600" algn="l"/>
-              </a:tabLst>
-            </a:pPr>
-            <a:r>
-              <a:rPr sz="1800" dirty="0">
-                <a:latin typeface="Calibri"/>
-                <a:cs typeface="Calibri"/>
-              </a:rPr>
-              <a:t>Vishing</a:t>
-            </a:r>
-            <a:r>
-              <a:rPr sz="1800" spc="-15" dirty="0">
-                <a:latin typeface="Calibri"/>
-                <a:cs typeface="Calibri"/>
-              </a:rPr>
-              <a:t> </a:t>
-            </a:r>
-            <a:r>
-              <a:rPr sz="1800" spc="-8" dirty="0">
-                <a:latin typeface="Calibri"/>
-                <a:cs typeface="Calibri"/>
-              </a:rPr>
-              <a:t>(Voice)</a:t>
-            </a:r>
-            <a:endParaRPr sz="1800">
-              <a:latin typeface="Calibri"/>
-              <a:cs typeface="Calibri"/>
-            </a:endParaRPr>
-          </a:p>
-          <a:p>
-            <a:pPr marL="609600" lvl="1" indent="-257175">
-              <a:spcBef>
-                <a:spcPts val="164"/>
-              </a:spcBef>
-              <a:buSzPct val="75000"/>
-              <a:buFont typeface="Arial"/>
-              <a:buChar char="•"/>
-              <a:tabLst>
-                <a:tab pos="609600" algn="l"/>
-              </a:tabLst>
-            </a:pPr>
-            <a:r>
-              <a:rPr sz="1800" dirty="0">
-                <a:latin typeface="Calibri"/>
-                <a:cs typeface="Calibri"/>
-              </a:rPr>
-              <a:t>Email</a:t>
-            </a:r>
-            <a:r>
-              <a:rPr sz="1800" spc="-8" dirty="0">
-                <a:latin typeface="Calibri"/>
-                <a:cs typeface="Calibri"/>
-              </a:rPr>
-              <a:t> phishing</a:t>
-            </a:r>
-            <a:endParaRPr sz="1800">
-              <a:latin typeface="Calibri"/>
-              <a:cs typeface="Calibri"/>
-            </a:endParaRPr>
-          </a:p>
-          <a:p>
-            <a:pPr marL="609600" lvl="1" indent="-257175">
-              <a:spcBef>
-                <a:spcPts val="153"/>
-              </a:spcBef>
-              <a:buSzPct val="75000"/>
-              <a:buFont typeface="Arial"/>
-              <a:buChar char="•"/>
-              <a:tabLst>
-                <a:tab pos="609600" algn="l"/>
-              </a:tabLst>
-            </a:pPr>
-            <a:r>
-              <a:rPr sz="1800" dirty="0">
-                <a:latin typeface="Calibri"/>
-                <a:cs typeface="Calibri"/>
-              </a:rPr>
-              <a:t>Angler</a:t>
-            </a:r>
-            <a:r>
-              <a:rPr sz="1800" spc="-26" dirty="0">
-                <a:latin typeface="Calibri"/>
-                <a:cs typeface="Calibri"/>
-              </a:rPr>
-              <a:t> </a:t>
-            </a:r>
-            <a:r>
-              <a:rPr sz="1800" dirty="0">
-                <a:latin typeface="Calibri"/>
-                <a:cs typeface="Calibri"/>
-              </a:rPr>
-              <a:t>phishing</a:t>
-            </a:r>
-            <a:r>
-              <a:rPr sz="1800" spc="-26" dirty="0">
-                <a:latin typeface="Calibri"/>
-                <a:cs typeface="Calibri"/>
-              </a:rPr>
-              <a:t> </a:t>
-            </a:r>
-            <a:r>
-              <a:rPr sz="1800" dirty="0">
-                <a:latin typeface="Calibri"/>
-                <a:cs typeface="Calibri"/>
-              </a:rPr>
-              <a:t>(via</a:t>
-            </a:r>
-            <a:r>
-              <a:rPr sz="1800" spc="-23" dirty="0">
-                <a:latin typeface="Calibri"/>
-                <a:cs typeface="Calibri"/>
-              </a:rPr>
-              <a:t> </a:t>
-            </a:r>
-            <a:r>
-              <a:rPr sz="1800" dirty="0">
-                <a:latin typeface="Calibri"/>
-                <a:cs typeface="Calibri"/>
-              </a:rPr>
-              <a:t>social</a:t>
-            </a:r>
-            <a:r>
-              <a:rPr sz="1800" spc="-30" dirty="0">
-                <a:latin typeface="Calibri"/>
-                <a:cs typeface="Calibri"/>
-              </a:rPr>
-              <a:t> </a:t>
-            </a:r>
-            <a:r>
-              <a:rPr sz="1800" spc="-8" dirty="0">
-                <a:latin typeface="Calibri"/>
-                <a:cs typeface="Calibri"/>
-              </a:rPr>
-              <a:t>networks)</a:t>
-            </a:r>
-            <a:endParaRPr sz="1800">
-              <a:latin typeface="Calibri"/>
-              <a:cs typeface="Calibri"/>
-            </a:endParaRPr>
-          </a:p>
-          <a:p>
-            <a:pPr marL="266700" indent="-257175">
-              <a:spcBef>
-                <a:spcPts val="484"/>
-              </a:spcBef>
-              <a:buSzPct val="64285"/>
-              <a:buFont typeface="Arial"/>
-              <a:buChar char="•"/>
-              <a:tabLst>
-                <a:tab pos="266700" algn="l"/>
-              </a:tabLst>
-            </a:pPr>
-            <a:r>
-              <a:rPr sz="2100" dirty="0">
-                <a:latin typeface="Calibri"/>
-                <a:cs typeface="Calibri"/>
-              </a:rPr>
-              <a:t>By</a:t>
-            </a:r>
-            <a:r>
-              <a:rPr sz="2100" spc="-26" dirty="0">
-                <a:latin typeface="Calibri"/>
-                <a:cs typeface="Calibri"/>
-              </a:rPr>
-              <a:t> </a:t>
-            </a:r>
-            <a:r>
-              <a:rPr sz="2100" spc="-8" dirty="0">
-                <a:latin typeface="Calibri"/>
-                <a:cs typeface="Calibri"/>
-              </a:rPr>
-              <a:t>target</a:t>
-            </a:r>
-            <a:endParaRPr sz="2100">
-              <a:latin typeface="Calibri"/>
-              <a:cs typeface="Calibri"/>
-            </a:endParaRPr>
-          </a:p>
-          <a:p>
-            <a:pPr marL="609600" lvl="1" indent="-257175">
-              <a:spcBef>
-                <a:spcPts val="172"/>
-              </a:spcBef>
-              <a:buSzPct val="75000"/>
-              <a:buFont typeface="Arial"/>
-              <a:buChar char="•"/>
-              <a:tabLst>
-                <a:tab pos="609600" algn="l"/>
-              </a:tabLst>
-            </a:pPr>
-            <a:r>
-              <a:rPr sz="1800" dirty="0">
-                <a:latin typeface="Calibri"/>
-                <a:cs typeface="Calibri"/>
-              </a:rPr>
-              <a:t>Watering</a:t>
-            </a:r>
-            <a:r>
-              <a:rPr sz="1800" spc="-38" dirty="0">
-                <a:latin typeface="Calibri"/>
-                <a:cs typeface="Calibri"/>
-              </a:rPr>
-              <a:t> </a:t>
-            </a:r>
-            <a:r>
-              <a:rPr sz="1800" dirty="0">
-                <a:latin typeface="Calibri"/>
-                <a:cs typeface="Calibri"/>
-              </a:rPr>
-              <a:t>Hole</a:t>
-            </a:r>
-            <a:r>
-              <a:rPr sz="1800" spc="-23" dirty="0">
-                <a:latin typeface="Calibri"/>
-                <a:cs typeface="Calibri"/>
-              </a:rPr>
-              <a:t> </a:t>
-            </a:r>
-            <a:r>
-              <a:rPr sz="1800" dirty="0">
-                <a:latin typeface="Calibri"/>
-                <a:cs typeface="Calibri"/>
-              </a:rPr>
-              <a:t>Phishing</a:t>
-            </a:r>
-            <a:r>
-              <a:rPr sz="1800" spc="-23" dirty="0">
-                <a:latin typeface="Calibri"/>
-                <a:cs typeface="Calibri"/>
-              </a:rPr>
-              <a:t> </a:t>
-            </a:r>
-            <a:r>
-              <a:rPr sz="1800" dirty="0">
-                <a:latin typeface="Calibri"/>
-                <a:cs typeface="Calibri"/>
-              </a:rPr>
-              <a:t>(people</a:t>
-            </a:r>
-            <a:r>
-              <a:rPr sz="1800" spc="-19" dirty="0">
-                <a:latin typeface="Calibri"/>
-                <a:cs typeface="Calibri"/>
-              </a:rPr>
-              <a:t> </a:t>
-            </a:r>
-            <a:r>
-              <a:rPr sz="1800" dirty="0">
-                <a:latin typeface="Calibri"/>
-                <a:cs typeface="Calibri"/>
-              </a:rPr>
-              <a:t>visiting</a:t>
-            </a:r>
-            <a:r>
-              <a:rPr sz="1800" spc="-41" dirty="0">
-                <a:latin typeface="Calibri"/>
-                <a:cs typeface="Calibri"/>
-              </a:rPr>
-              <a:t> </a:t>
-            </a:r>
-            <a:r>
-              <a:rPr sz="1800" dirty="0">
-                <a:latin typeface="Calibri"/>
-                <a:cs typeface="Calibri"/>
-              </a:rPr>
-              <a:t>a</a:t>
-            </a:r>
-            <a:r>
-              <a:rPr sz="1800" spc="-23" dirty="0">
-                <a:latin typeface="Calibri"/>
-                <a:cs typeface="Calibri"/>
-              </a:rPr>
-              <a:t> </a:t>
-            </a:r>
-            <a:r>
-              <a:rPr sz="1800" dirty="0">
-                <a:latin typeface="Calibri"/>
-                <a:cs typeface="Calibri"/>
-              </a:rPr>
-              <a:t>certain</a:t>
-            </a:r>
-            <a:r>
-              <a:rPr sz="1800" spc="-41" dirty="0">
-                <a:latin typeface="Calibri"/>
-                <a:cs typeface="Calibri"/>
-              </a:rPr>
-              <a:t> </a:t>
-            </a:r>
-            <a:r>
-              <a:rPr sz="1800" spc="-8" dirty="0">
-                <a:latin typeface="Calibri"/>
-                <a:cs typeface="Calibri"/>
-              </a:rPr>
-              <a:t>website)</a:t>
-            </a:r>
-            <a:endParaRPr sz="1800">
-              <a:latin typeface="Calibri"/>
-              <a:cs typeface="Calibri"/>
-            </a:endParaRPr>
-          </a:p>
-          <a:p>
-            <a:pPr marL="609600" lvl="1" indent="-257175">
-              <a:spcBef>
-                <a:spcPts val="165"/>
-              </a:spcBef>
-              <a:buSzPct val="75000"/>
-              <a:buFont typeface="Arial"/>
-              <a:buChar char="•"/>
-              <a:tabLst>
-                <a:tab pos="609600" algn="l"/>
-              </a:tabLst>
-            </a:pPr>
-            <a:r>
-              <a:rPr sz="1800" dirty="0">
-                <a:latin typeface="Calibri"/>
-                <a:cs typeface="Calibri"/>
-              </a:rPr>
-              <a:t>Spear</a:t>
-            </a:r>
-            <a:r>
-              <a:rPr sz="1800" spc="-23" dirty="0">
-                <a:latin typeface="Calibri"/>
-                <a:cs typeface="Calibri"/>
-              </a:rPr>
-              <a:t> </a:t>
-            </a:r>
-            <a:r>
-              <a:rPr sz="1800" dirty="0">
-                <a:latin typeface="Calibri"/>
-                <a:cs typeface="Calibri"/>
-              </a:rPr>
-              <a:t>phishing</a:t>
-            </a:r>
-            <a:r>
-              <a:rPr sz="1800" spc="-23" dirty="0">
-                <a:latin typeface="Calibri"/>
-                <a:cs typeface="Calibri"/>
-              </a:rPr>
-              <a:t> </a:t>
-            </a:r>
-            <a:r>
-              <a:rPr sz="1800" dirty="0">
-                <a:latin typeface="Calibri"/>
-                <a:cs typeface="Calibri"/>
-              </a:rPr>
-              <a:t>(a</a:t>
-            </a:r>
-            <a:r>
-              <a:rPr sz="1800" spc="-19" dirty="0">
-                <a:latin typeface="Calibri"/>
-                <a:cs typeface="Calibri"/>
-              </a:rPr>
-              <a:t> </a:t>
-            </a:r>
-            <a:r>
-              <a:rPr sz="1800" dirty="0">
-                <a:latin typeface="Calibri"/>
-                <a:cs typeface="Calibri"/>
-              </a:rPr>
-              <a:t>specific</a:t>
-            </a:r>
-            <a:r>
-              <a:rPr sz="1800" spc="-23" dirty="0">
-                <a:latin typeface="Calibri"/>
-                <a:cs typeface="Calibri"/>
-              </a:rPr>
-              <a:t> </a:t>
-            </a:r>
-            <a:r>
-              <a:rPr sz="1800" spc="-8" dirty="0">
-                <a:latin typeface="Calibri"/>
-                <a:cs typeface="Calibri"/>
-              </a:rPr>
-              <a:t>organization)</a:t>
-            </a:r>
-            <a:endParaRPr sz="1800">
-              <a:latin typeface="Calibri"/>
-              <a:cs typeface="Calibri"/>
-            </a:endParaRPr>
-          </a:p>
-          <a:p>
-            <a:pPr marL="609600" lvl="1" indent="-257175">
-              <a:spcBef>
-                <a:spcPts val="161"/>
-              </a:spcBef>
-              <a:buSzPct val="75000"/>
-              <a:buFont typeface="Arial"/>
-              <a:buChar char="•"/>
-              <a:tabLst>
-                <a:tab pos="609600" algn="l"/>
-              </a:tabLst>
-            </a:pPr>
-            <a:r>
-              <a:rPr sz="1800" dirty="0">
-                <a:latin typeface="Calibri"/>
-                <a:cs typeface="Calibri"/>
-              </a:rPr>
-              <a:t>Whaling</a:t>
-            </a:r>
-            <a:r>
-              <a:rPr sz="1800" spc="-19" dirty="0">
-                <a:latin typeface="Calibri"/>
-                <a:cs typeface="Calibri"/>
-              </a:rPr>
-              <a:t> </a:t>
-            </a:r>
-            <a:r>
-              <a:rPr sz="1800" spc="-8" dirty="0">
-                <a:latin typeface="Calibri"/>
-                <a:cs typeface="Calibri"/>
-              </a:rPr>
-              <a:t>(C-</a:t>
-            </a:r>
-            <a:r>
-              <a:rPr sz="1800" dirty="0">
-                <a:latin typeface="Calibri"/>
-                <a:cs typeface="Calibri"/>
-              </a:rPr>
-              <a:t>level</a:t>
-            </a:r>
-            <a:r>
-              <a:rPr sz="1800" spc="-26" dirty="0">
-                <a:latin typeface="Calibri"/>
-                <a:cs typeface="Calibri"/>
-              </a:rPr>
-              <a:t> </a:t>
-            </a:r>
-            <a:r>
-              <a:rPr sz="1800" dirty="0">
-                <a:latin typeface="Calibri"/>
-                <a:cs typeface="Calibri"/>
-              </a:rPr>
-              <a:t>from</a:t>
-            </a:r>
-            <a:r>
-              <a:rPr sz="1800" spc="-30" dirty="0">
-                <a:latin typeface="Calibri"/>
-                <a:cs typeface="Calibri"/>
-              </a:rPr>
-              <a:t> </a:t>
-            </a:r>
-            <a:r>
-              <a:rPr sz="1800" dirty="0">
-                <a:latin typeface="Calibri"/>
-                <a:cs typeface="Calibri"/>
-              </a:rPr>
-              <a:t>a</a:t>
-            </a:r>
-            <a:r>
-              <a:rPr sz="1800" spc="-19" dirty="0">
-                <a:latin typeface="Calibri"/>
-                <a:cs typeface="Calibri"/>
-              </a:rPr>
-              <a:t> </a:t>
-            </a:r>
-            <a:r>
-              <a:rPr sz="1800" dirty="0">
-                <a:latin typeface="Calibri"/>
-                <a:cs typeface="Calibri"/>
-              </a:rPr>
-              <a:t>specific</a:t>
-            </a:r>
-            <a:r>
-              <a:rPr sz="1800" spc="-23" dirty="0">
-                <a:latin typeface="Calibri"/>
-                <a:cs typeface="Calibri"/>
-              </a:rPr>
-              <a:t> </a:t>
-            </a:r>
-            <a:r>
-              <a:rPr sz="1800" spc="-8" dirty="0">
-                <a:latin typeface="Calibri"/>
-                <a:cs typeface="Calibri"/>
-              </a:rPr>
-              <a:t>organization)</a:t>
-            </a:r>
-            <a:endParaRPr sz="1800">
-              <a:latin typeface="Calibri"/>
-              <a:cs typeface="Calibri"/>
-            </a:endParaRPr>
-          </a:p>
-        </p:txBody>
-      </p:sp>
-    </p:spTree>
-  </p:cSld>
-  <p:clrMapOvr>
-    <a:masterClrMapping/>
-  </p:clrMapOvr>
-</p:sld>
-</file>
-
-<file path=ppt/slides/slide57.xml><?xml version="1.0" encoding="utf-8"?>
-<p:sld xmlns:a="http://schemas.openxmlformats.org/drawingml/2006/main" xmlns:r="http://schemas.openxmlformats.org/officeDocument/2006/relationships" xmlns:p="http://schemas.openxmlformats.org/presentationml/2006/main">
-  <p:cSld>
-    <p:spTree>
-      <p:nvGrpSpPr>
-        <p:cNvPr id="1" name=""/>
-        <p:cNvGrpSpPr/>
-        <p:nvPr/>
-      </p:nvGrpSpPr>
-      <p:grpSpPr>
-        <a:xfrm>
-          <a:off x="0" y="0"/>
-          <a:ext cx="0" cy="0"/>
-          <a:chOff x="0" y="0"/>
-          <a:chExt cx="0" cy="0"/>
-        </a:xfrm>
-      </p:grpSpPr>
       <p:sp>
         <p:nvSpPr>
           <p:cNvPr id="2" name="object 2"/>

--- a/teaching/ITIS6200/2023fa/lectures/lec09.pptx
+++ b/teaching/ITIS6200/2023fa/lectures/lec09.pptx
@@ -5,7 +5,7 @@
     <p:sldMasterId id="2147483663" r:id="rId1"/>
   </p:sldMasterIdLst>
   <p:notesMasterIdLst>
-    <p:notesMasterId r:id="rId52"/>
+    <p:notesMasterId r:id="rId50"/>
   </p:notesMasterIdLst>
   <p:sldIdLst>
     <p:sldId id="305" r:id="rId2"/>
@@ -55,9 +55,7 @@
     <p:sldId id="300" r:id="rId46"/>
     <p:sldId id="301" r:id="rId47"/>
     <p:sldId id="312" r:id="rId48"/>
-    <p:sldId id="303" r:id="rId49"/>
-    <p:sldId id="304" r:id="rId50"/>
-    <p:sldId id="321" r:id="rId51"/>
+    <p:sldId id="321" r:id="rId49"/>
   </p:sldIdLst>
   <p:sldSz cx="9144000" cy="5143500" type="screen16x9"/>
   <p:notesSz cx="6858000" cy="9144000"/>
@@ -5966,7 +5964,7 @@
           <a:p>
             <a:fld id="{1D8BD707-D9CF-40AE-B4C6-C98DA3205C09}" type="datetimeFigureOut">
               <a:rPr lang="en-US"/>
-              <a:t>9/24/23</a:t>
+              <a:t>9/26/23</a:t>
             </a:fld>
             <a:endParaRPr lang="en-US"/>
           </a:p>
@@ -7518,6 +7516,23 @@
           </a:bodyPr>
           <a:lstStyle/>
           <a:p>
+            <a:r>
+              <a:rPr lang="en" sz="2000" dirty="0"/>
+              <a:t>Assignment #2 </a:t>
+            </a:r>
+          </a:p>
+          <a:p>
+            <a:pPr lvl="1" indent="-342900">
+              <a:buSzPts val="1800"/>
+              <a:buFont typeface="Arial"/>
+              <a:buChar char="●"/>
+            </a:pPr>
+            <a:r>
+              <a:rPr lang="en" sz="1600" dirty="0"/>
+              <a:t>Due today 11:59pm </a:t>
+            </a:r>
+          </a:p>
+          <a:p>
             <a:pPr marL="457200" lvl="0" indent="-342900" algn="l" rtl="0">
               <a:spcBef>
                 <a:spcPts val="0"/>
@@ -7528,21 +7543,30 @@
               <a:buSzPts val="1800"/>
               <a:buChar char="●"/>
             </a:pPr>
-            <a:r>
-              <a:rPr lang="en" dirty="0"/>
+            <a:endParaRPr lang="en" dirty="0"/>
+          </a:p>
+          <a:p>
+            <a:pPr marL="457200" lvl="0" indent="-342900" algn="l" rtl="0">
+              <a:spcBef>
+                <a:spcPts val="0"/>
+              </a:spcBef>
+              <a:spcAft>
+                <a:spcPts val="0"/>
+              </a:spcAft>
+              <a:buSzPts val="1800"/>
+              <a:buChar char="●"/>
+            </a:pPr>
+            <a:r>
+              <a:rPr lang="en" sz="2000" dirty="0"/>
               <a:t>Midterm Oct.3</a:t>
             </a:r>
             <a:r>
-              <a:rPr lang="en" baseline="30000" dirty="0"/>
+              <a:rPr lang="en" sz="2000" baseline="30000" dirty="0"/>
               <a:t>rd</a:t>
             </a:r>
             <a:r>
-              <a:rPr lang="en" dirty="0"/>
-              <a:t> </a:t>
-            </a:r>
-            <a:r>
               <a:rPr lang="en" sz="2000" dirty="0"/>
-              <a:t>(Tuesday)</a:t>
+              <a:t> (Tuesday)</a:t>
             </a:r>
           </a:p>
           <a:p>
@@ -8626,8 +8650,8 @@
         </p:nvSpPr>
         <p:spPr>
           <a:xfrm>
-            <a:off x="1710847" y="2150546"/>
-            <a:ext cx="6236057" cy="714939"/>
+            <a:off x="1584086" y="2264846"/>
+            <a:ext cx="5975828" cy="714939"/>
           </a:xfrm>
           <a:prstGeom prst="rect">
             <a:avLst/>
@@ -8678,13 +8702,7 @@
               <a:rPr lang="en-US" sz="4500" spc="-8" dirty="0">
                 <a:latin typeface="+mj-lt"/>
               </a:rPr>
-              <a:t>M</a:t>
-            </a:r>
-            <a:r>
-              <a:rPr sz="4500" spc="-8" dirty="0">
-                <a:latin typeface="+mj-lt"/>
-              </a:rPr>
-              <a:t>odels</a:t>
+              <a:t>Policies</a:t>
             </a:r>
             <a:endParaRPr sz="4500" dirty="0">
               <a:latin typeface="+mj-lt"/>
@@ -8769,12 +8787,9 @@
             </a:r>
             <a:r>
               <a:rPr lang="en-US" spc="-8" dirty="0"/>
-              <a:t>E</a:t>
-            </a:r>
-            <a:r>
-              <a:rPr spc="-8" dirty="0"/>
-              <a:t>nforcement</a:t>
-            </a:r>
+              <a:t>Policies</a:t>
+            </a:r>
+            <a:endParaRPr spc="-8" dirty="0"/>
           </a:p>
         </p:txBody>
       </p:sp>
@@ -10008,7 +10023,7 @@
             </a:r>
             <a:r>
               <a:rPr lang="en-US" sz="3600" spc="-8" dirty="0"/>
-              <a:t>ontrols</a:t>
+              <a:t>ontrol</a:t>
             </a:r>
             <a:endParaRPr lang="en-US" dirty="0"/>
           </a:p>
@@ -23780,118 +23795,9 @@
               <a:buSzPts val="1800"/>
               <a:buChar char="●"/>
             </a:pPr>
-            <a:r>
-              <a:rPr lang="en-US" sz="2000" dirty="0">
-                <a:latin typeface="+mn-lt"/>
-                <a:cs typeface="Calibri"/>
-              </a:rPr>
-              <a:t>Discretionary</a:t>
-            </a:r>
-            <a:r>
-              <a:rPr lang="en-US" sz="2000" spc="90" dirty="0">
-                <a:latin typeface="+mn-lt"/>
-                <a:cs typeface="Calibri"/>
-              </a:rPr>
-              <a:t> </a:t>
-            </a:r>
-            <a:r>
-              <a:rPr lang="en-US" sz="2000" dirty="0">
-                <a:latin typeface="+mn-lt"/>
-                <a:cs typeface="Calibri"/>
-              </a:rPr>
-              <a:t>access</a:t>
-            </a:r>
-            <a:r>
-              <a:rPr lang="en-US" sz="2000" spc="98" dirty="0">
-                <a:latin typeface="+mn-lt"/>
-                <a:cs typeface="Calibri"/>
-              </a:rPr>
-              <a:t> </a:t>
-            </a:r>
-            <a:r>
-              <a:rPr lang="en-US" sz="2000" dirty="0">
-                <a:latin typeface="+mn-lt"/>
-                <a:cs typeface="Calibri"/>
-              </a:rPr>
-              <a:t>controls</a:t>
-            </a:r>
-            <a:r>
-              <a:rPr lang="en-US" sz="2000" spc="90" dirty="0">
-                <a:latin typeface="+mn-lt"/>
-                <a:cs typeface="Calibri"/>
-              </a:rPr>
-              <a:t> </a:t>
-            </a:r>
-            <a:r>
-              <a:rPr lang="en-US" sz="2000" dirty="0">
-                <a:latin typeface="+mn-lt"/>
-                <a:cs typeface="Calibri"/>
-              </a:rPr>
-              <a:t>(DAC)</a:t>
-            </a:r>
-          </a:p>
-          <a:p>
-            <a:pPr marL="457200" lvl="0" indent="-342900" algn="l" rtl="0">
-              <a:spcBef>
-                <a:spcPts val="0"/>
-              </a:spcBef>
-              <a:spcAft>
-                <a:spcPts val="0"/>
-              </a:spcAft>
-              <a:buSzPts val="1800"/>
-              <a:buChar char="●"/>
-            </a:pPr>
-            <a:r>
-              <a:rPr lang="en-US" sz="2000" dirty="0">
-                <a:latin typeface="+mn-lt"/>
-                <a:cs typeface="Calibri"/>
-              </a:rPr>
-              <a:t>Mandatory</a:t>
-            </a:r>
-            <a:r>
-              <a:rPr lang="en-US" sz="2000" spc="56" dirty="0">
-                <a:latin typeface="+mn-lt"/>
-                <a:cs typeface="Calibri"/>
-              </a:rPr>
-              <a:t> </a:t>
-            </a:r>
-            <a:r>
-              <a:rPr lang="en-US" sz="2000" dirty="0">
-                <a:latin typeface="+mn-lt"/>
-                <a:cs typeface="Calibri"/>
-              </a:rPr>
-              <a:t>access</a:t>
-            </a:r>
-            <a:r>
-              <a:rPr lang="en-US" sz="2000" spc="45" dirty="0">
-                <a:latin typeface="+mn-lt"/>
-                <a:cs typeface="Calibri"/>
-              </a:rPr>
-              <a:t> </a:t>
-            </a:r>
-            <a:r>
-              <a:rPr lang="en-US" sz="2000" dirty="0">
-                <a:latin typeface="+mn-lt"/>
-                <a:cs typeface="Calibri"/>
-              </a:rPr>
-              <a:t>controls</a:t>
-            </a:r>
-            <a:r>
-              <a:rPr lang="en-US" sz="2000" spc="41" dirty="0">
-                <a:latin typeface="+mn-lt"/>
-                <a:cs typeface="Calibri"/>
-              </a:rPr>
-              <a:t> </a:t>
-            </a:r>
-            <a:r>
-              <a:rPr lang="en-US" sz="2000" dirty="0">
-                <a:latin typeface="+mn-lt"/>
-                <a:cs typeface="Calibri"/>
-              </a:rPr>
-              <a:t>(MAC)</a:t>
-            </a:r>
             <a:endParaRPr lang="en-US" sz="2000" dirty="0">
               <a:latin typeface="+mn-lt"/>
+              <a:cs typeface="Calibri"/>
             </a:endParaRPr>
           </a:p>
           <a:p>
@@ -23906,21 +23812,14 @@
               <a:buChar char="●"/>
             </a:pPr>
             <a:r>
-              <a:rPr lang="en-US" sz="2000" spc="-8" dirty="0">
-                <a:latin typeface="+mn-lt"/>
-                <a:cs typeface="Calibri"/>
-              </a:rPr>
-              <a:t>Role-</a:t>
-            </a:r>
-            <a:r>
               <a:rPr lang="en-US" sz="2000" dirty="0">
                 <a:latin typeface="+mn-lt"/>
                 <a:cs typeface="Calibri"/>
               </a:rPr>
-              <a:t>Based</a:t>
-            </a:r>
-            <a:r>
-              <a:rPr lang="en-US" sz="2000" spc="109" dirty="0">
+              <a:t>Discretionary</a:t>
+            </a:r>
+            <a:r>
+              <a:rPr lang="en-US" sz="2000" spc="90" dirty="0">
                 <a:latin typeface="+mn-lt"/>
                 <a:cs typeface="Calibri"/>
               </a:rPr>
@@ -23931,10 +23830,10 @@
                 <a:latin typeface="+mn-lt"/>
                 <a:cs typeface="Calibri"/>
               </a:rPr>
-              <a:t>Access</a:t>
-            </a:r>
-            <a:r>
-              <a:rPr lang="en-US" sz="2000" spc="120" dirty="0">
+              <a:t>access</a:t>
+            </a:r>
+            <a:r>
+              <a:rPr lang="en-US" sz="2000" spc="98" dirty="0">
                 <a:latin typeface="+mn-lt"/>
                 <a:cs typeface="Calibri"/>
               </a:rPr>
@@ -23945,10 +23844,10 @@
                 <a:latin typeface="+mn-lt"/>
                 <a:cs typeface="Calibri"/>
               </a:rPr>
-              <a:t>Control</a:t>
-            </a:r>
-            <a:r>
-              <a:rPr lang="en-US" sz="2000" spc="101" dirty="0">
+              <a:t>controls</a:t>
+            </a:r>
+            <a:r>
+              <a:rPr lang="en-US" sz="2000" spc="90" dirty="0">
                 <a:latin typeface="+mn-lt"/>
                 <a:cs typeface="Calibri"/>
               </a:rPr>
@@ -23959,10 +23858,23 @@
                 <a:latin typeface="+mn-lt"/>
                 <a:cs typeface="Calibri"/>
               </a:rPr>
-              <a:t>(RBAC)</a:t>
-            </a:r>
+              <a:t>(DAC)</a:t>
+            </a:r>
+          </a:p>
+          <a:p>
+            <a:pPr marL="457200" lvl="0" indent="-342900" algn="l" rtl="0">
+              <a:spcBef>
+                <a:spcPts val="0"/>
+              </a:spcBef>
+              <a:spcAft>
+                <a:spcPts val="0"/>
+              </a:spcAft>
+              <a:buSzPts val="1800"/>
+              <a:buChar char="●"/>
+            </a:pPr>
             <a:endParaRPr lang="en-US" sz="2000" dirty="0">
               <a:latin typeface="+mn-lt"/>
+              <a:cs typeface="Calibri"/>
             </a:endParaRPr>
           </a:p>
           <a:p>
@@ -23979,10 +23891,149 @@
             <a:r>
               <a:rPr lang="en-US" sz="2000" dirty="0">
                 <a:latin typeface="+mn-lt"/>
+                <a:cs typeface="Calibri"/>
+              </a:rPr>
+              <a:t>Mandatory</a:t>
+            </a:r>
+            <a:r>
+              <a:rPr lang="en-US" sz="2000" spc="56" dirty="0">
+                <a:latin typeface="+mn-lt"/>
+                <a:cs typeface="Calibri"/>
+              </a:rPr>
+              <a:t> </a:t>
+            </a:r>
+            <a:r>
+              <a:rPr lang="en-US" sz="2000" dirty="0">
+                <a:latin typeface="+mn-lt"/>
+                <a:cs typeface="Calibri"/>
+              </a:rPr>
+              <a:t>access</a:t>
+            </a:r>
+            <a:r>
+              <a:rPr lang="en-US" sz="2000" spc="45" dirty="0">
+                <a:latin typeface="+mn-lt"/>
+                <a:cs typeface="Calibri"/>
+              </a:rPr>
+              <a:t> </a:t>
+            </a:r>
+            <a:r>
+              <a:rPr lang="en-US" sz="2000" dirty="0">
+                <a:latin typeface="+mn-lt"/>
+                <a:cs typeface="Calibri"/>
+              </a:rPr>
+              <a:t>controls</a:t>
+            </a:r>
+            <a:r>
+              <a:rPr lang="en-US" sz="2000" spc="41" dirty="0">
+                <a:latin typeface="+mn-lt"/>
+                <a:cs typeface="Calibri"/>
+              </a:rPr>
+              <a:t> </a:t>
+            </a:r>
+            <a:r>
+              <a:rPr lang="en-US" sz="2000" dirty="0">
+                <a:latin typeface="+mn-lt"/>
+                <a:cs typeface="Calibri"/>
+              </a:rPr>
+              <a:t>(MAC)</a:t>
+            </a:r>
+            <a:endParaRPr lang="en-US" sz="2000" dirty="0">
+              <a:latin typeface="+mn-lt"/>
+            </a:endParaRPr>
+          </a:p>
+          <a:p>
+            <a:pPr lvl="1"/>
+            <a:r>
+              <a:rPr lang="en-US" sz="1600" dirty="0">
+                <a:latin typeface="+mn-lt"/>
               </a:rPr>
               <a:t>Access control models </a:t>
             </a:r>
-            <a:endParaRPr sz="2000" dirty="0">
+          </a:p>
+          <a:p>
+            <a:pPr marL="457200" lvl="0" indent="-342900" algn="l" rtl="0">
+              <a:spcBef>
+                <a:spcPts val="0"/>
+              </a:spcBef>
+              <a:spcAft>
+                <a:spcPts val="0"/>
+              </a:spcAft>
+              <a:buSzPts val="1800"/>
+              <a:buChar char="●"/>
+            </a:pPr>
+            <a:endParaRPr lang="en-US" sz="2000" spc="-8" dirty="0">
+              <a:latin typeface="+mn-lt"/>
+              <a:cs typeface="Calibri"/>
+            </a:endParaRPr>
+          </a:p>
+          <a:p>
+            <a:pPr marL="457200" lvl="0" indent="-342900" algn="l" rtl="0">
+              <a:spcBef>
+                <a:spcPts val="0"/>
+              </a:spcBef>
+              <a:spcAft>
+                <a:spcPts val="0"/>
+              </a:spcAft>
+              <a:buSzPts val="1800"/>
+              <a:buChar char="●"/>
+            </a:pPr>
+            <a:r>
+              <a:rPr lang="en-US" sz="2000" spc="-8" dirty="0">
+                <a:latin typeface="+mn-lt"/>
+                <a:cs typeface="Calibri"/>
+              </a:rPr>
+              <a:t>Role-</a:t>
+            </a:r>
+            <a:r>
+              <a:rPr lang="en-US" sz="2000" dirty="0">
+                <a:latin typeface="+mn-lt"/>
+                <a:cs typeface="Calibri"/>
+              </a:rPr>
+              <a:t>Based</a:t>
+            </a:r>
+            <a:r>
+              <a:rPr lang="en-US" sz="2000" spc="109" dirty="0">
+                <a:latin typeface="+mn-lt"/>
+                <a:cs typeface="Calibri"/>
+              </a:rPr>
+              <a:t> </a:t>
+            </a:r>
+            <a:r>
+              <a:rPr lang="en-US" sz="2000" dirty="0">
+                <a:latin typeface="+mn-lt"/>
+                <a:cs typeface="Calibri"/>
+              </a:rPr>
+              <a:t>Access</a:t>
+            </a:r>
+            <a:r>
+              <a:rPr lang="en-US" sz="2000" spc="120" dirty="0">
+                <a:latin typeface="+mn-lt"/>
+                <a:cs typeface="Calibri"/>
+              </a:rPr>
+              <a:t> </a:t>
+            </a:r>
+            <a:r>
+              <a:rPr lang="en-US" sz="2000" dirty="0">
+                <a:latin typeface="+mn-lt"/>
+                <a:cs typeface="Calibri"/>
+              </a:rPr>
+              <a:t>Control</a:t>
+            </a:r>
+            <a:r>
+              <a:rPr lang="en-US" sz="2000" spc="101" dirty="0">
+                <a:latin typeface="+mn-lt"/>
+                <a:cs typeface="Calibri"/>
+              </a:rPr>
+              <a:t> </a:t>
+            </a:r>
+            <a:r>
+              <a:rPr lang="en-US" sz="2000" dirty="0">
+                <a:latin typeface="+mn-lt"/>
+                <a:cs typeface="Calibri"/>
+              </a:rPr>
+              <a:t>(RBAC)</a:t>
+            </a:r>
+            <a:endParaRPr lang="en-US" sz="2000" dirty="0">
               <a:latin typeface="+mn-lt"/>
             </a:endParaRPr>
           </a:p>
@@ -47596,115 +47647,6 @@
       </p:grpSpPr>
       <p:sp>
         <p:nvSpPr>
-          <p:cNvPr id="3" name="Title 2">
-            <a:extLst>
-              <a:ext uri="{FF2B5EF4-FFF2-40B4-BE49-F238E27FC236}">
-                <a16:creationId xmlns:a16="http://schemas.microsoft.com/office/drawing/2014/main" id="{655AD286-BC42-803A-2010-4786363B1EEB}"/>
-              </a:ext>
-            </a:extLst>
-          </p:cNvPr>
-          <p:cNvSpPr>
-            <a:spLocks noGrp="1"/>
-          </p:cNvSpPr>
-          <p:nvPr>
-            <p:ph type="title"/>
-          </p:nvPr>
-        </p:nvSpPr>
-        <p:spPr/>
-        <p:txBody>
-          <a:bodyPr/>
-          <a:lstStyle/>
-          <a:p>
-            <a:r>
-              <a:rPr lang="en-US" sz="3600" dirty="0"/>
-              <a:t>Future</a:t>
-            </a:r>
-            <a:r>
-              <a:rPr lang="en-US" sz="3600" spc="-45" dirty="0"/>
-              <a:t> </a:t>
-            </a:r>
-            <a:r>
-              <a:rPr lang="en-US" sz="3600" dirty="0"/>
-              <a:t>Access</a:t>
-            </a:r>
-            <a:r>
-              <a:rPr lang="en-US" sz="3600" spc="-26" dirty="0"/>
-              <a:t> </a:t>
-            </a:r>
-            <a:r>
-              <a:rPr lang="en-US" sz="3600" spc="-8" dirty="0"/>
-              <a:t>Control</a:t>
-            </a:r>
-            <a:endParaRPr lang="en-US" dirty="0"/>
-          </a:p>
-        </p:txBody>
-      </p:sp>
-      <p:sp>
-        <p:nvSpPr>
-          <p:cNvPr id="4" name="object 4"/>
-          <p:cNvSpPr txBox="1">
-            <a:spLocks noGrp="1"/>
-          </p:cNvSpPr>
-          <p:nvPr>
-            <p:ph type="sldNum" idx="12"/>
-          </p:nvPr>
-        </p:nvSpPr>
-        <p:spPr>
-          <a:prstGeom prst="rect">
-            <a:avLst/>
-          </a:prstGeom>
-        </p:spPr>
-        <p:txBody>
-          <a:bodyPr spcFirstLastPara="1" vert="horz" wrap="square" lIns="0" tIns="0" rIns="0" bIns="0" rtlCol="0" anchor="ctr" anchorCtr="0">
-            <a:spAutoFit/>
-          </a:bodyPr>
-          <a:lstStyle/>
-          <a:p>
-            <a:pPr marL="28575">
-              <a:lnSpc>
-                <a:spcPts val="930"/>
-              </a:lnSpc>
-            </a:pPr>
-            <a:fld id="{81D60167-4931-47E6-BA6A-407CBD079E47}" type="slidenum">
-              <a:rPr spc="-19" dirty="0"/>
-              <a:pPr marL="28575">
-                <a:lnSpc>
-                  <a:spcPts val="930"/>
-                </a:lnSpc>
-              </a:pPr>
-              <a:t>48</a:t>
-            </a:fld>
-            <a:endParaRPr spc="-19" dirty="0"/>
-          </a:p>
-        </p:txBody>
-      </p:sp>
-    </p:spTree>
-  </p:cSld>
-  <p:clrMapOvr>
-    <a:masterClrMapping/>
-  </p:clrMapOvr>
-</p:sld>
-</file>
-
-<file path=ppt/slides/slide49.xml><?xml version="1.0" encoding="utf-8"?>
-<p:sld xmlns:a="http://schemas.openxmlformats.org/drawingml/2006/main" xmlns:r="http://schemas.openxmlformats.org/officeDocument/2006/relationships" xmlns:p="http://schemas.openxmlformats.org/presentationml/2006/main">
-  <p:cSld>
-    <p:spTree>
-      <p:nvGrpSpPr>
-        <p:cNvPr id="1" name=""/>
-        <p:cNvGrpSpPr/>
-        <p:nvPr/>
-      </p:nvGrpSpPr>
-      <p:grpSpPr>
-        <a:xfrm>
-          <a:off x="0" y="0"/>
-          <a:ext cx="0" cy="0"/>
-          <a:chOff x="0" y="0"/>
-          <a:chExt cx="0" cy="0"/>
-        </a:xfrm>
-      </p:grpSpPr>
-      <p:sp>
-        <p:nvSpPr>
           <p:cNvPr id="2" name="object 2"/>
           <p:cNvSpPr txBox="1">
             <a:spLocks noGrp="1"/>
@@ -47716,7 +47658,7 @@
         <p:spPr>
           <a:xfrm>
             <a:off x="77025" y="203157"/>
-            <a:ext cx="8089754" cy="530754"/>
+            <a:ext cx="6390450" cy="530754"/>
           </a:xfrm>
           <a:prstGeom prst="rect">
             <a:avLst/>
@@ -47734,52 +47676,8 @@
               </a:spcBef>
             </a:pPr>
             <a:r>
-              <a:rPr spc="-15" dirty="0">
-                <a:latin typeface="+mj-lt"/>
-              </a:rPr>
-              <a:t>Attribute-</a:t>
-            </a:r>
-            <a:r>
-              <a:rPr dirty="0">
-                <a:latin typeface="+mj-lt"/>
-              </a:rPr>
-              <a:t>Based</a:t>
-            </a:r>
-            <a:r>
-              <a:rPr spc="-38" dirty="0">
-                <a:latin typeface="+mj-lt"/>
-              </a:rPr>
-              <a:t> </a:t>
-            </a:r>
-            <a:r>
-              <a:rPr dirty="0">
-                <a:latin typeface="+mj-lt"/>
-              </a:rPr>
-              <a:t>Access</a:t>
-            </a:r>
-            <a:r>
-              <a:rPr spc="-23" dirty="0">
-                <a:latin typeface="+mj-lt"/>
-              </a:rPr>
-              <a:t> </a:t>
-            </a:r>
-            <a:r>
-              <a:rPr dirty="0">
-                <a:latin typeface="+mj-lt"/>
-              </a:rPr>
-              <a:t>Control</a:t>
-            </a:r>
-            <a:r>
-              <a:rPr spc="-26" dirty="0">
-                <a:latin typeface="+mj-lt"/>
-              </a:rPr>
-              <a:t> </a:t>
-            </a:r>
-            <a:r>
-              <a:rPr spc="-8" dirty="0">
-                <a:latin typeface="+mj-lt"/>
-              </a:rPr>
-              <a:t>(ABAC)</a:t>
+              <a:rPr spc="-8" dirty="0"/>
+              <a:t>Resources</a:t>
             </a:r>
           </a:p>
         </p:txBody>
@@ -47792,733 +47690,138 @@
         </p:nvSpPr>
         <p:spPr>
           <a:xfrm>
-            <a:off x="687705" y="1324318"/>
-            <a:ext cx="5292566" cy="3271954"/>
+            <a:off x="687704" y="1282861"/>
+            <a:ext cx="7266623" cy="1379704"/>
           </a:xfrm>
           <a:prstGeom prst="rect">
             <a:avLst/>
           </a:prstGeom>
         </p:spPr>
         <p:txBody>
-          <a:bodyPr vert="horz" wrap="square" lIns="0" tIns="10001" rIns="0" bIns="0" rtlCol="0">
+          <a:bodyPr vert="horz" wrap="square" lIns="0" tIns="78581" rIns="0" bIns="0" rtlCol="0">
             <a:spAutoFit/>
           </a:bodyPr>
           <a:lstStyle/>
           <a:p>
-            <a:pPr marL="180975" indent="-171450">
-              <a:lnSpc>
-                <a:spcPts val="2336"/>
-              </a:lnSpc>
+            <a:pPr marL="315754" indent="-306229">
               <a:spcBef>
-                <a:spcPts val="79"/>
+                <a:spcPts val="619"/>
               </a:spcBef>
-              <a:buFont typeface="Arial"/>
-              <a:buChar char="•"/>
+              <a:buAutoNum type="arabicPlain"/>
               <a:tabLst>
-                <a:tab pos="180975" algn="l"/>
+                <a:tab pos="315754" algn="l"/>
               </a:tabLst>
             </a:pPr>
             <a:r>
-              <a:rPr sz="1950" dirty="0">
-                <a:latin typeface="Calibri"/>
-                <a:cs typeface="Calibri"/>
-              </a:rPr>
-              <a:t>Attributes</a:t>
-            </a:r>
-            <a:r>
-              <a:rPr sz="1950" spc="-45" dirty="0">
-                <a:latin typeface="Calibri"/>
-                <a:cs typeface="Calibri"/>
-              </a:rPr>
-              <a:t> </a:t>
-            </a:r>
-            <a:r>
-              <a:rPr sz="1950" dirty="0">
-                <a:latin typeface="Calibri"/>
-                <a:cs typeface="Calibri"/>
-              </a:rPr>
-              <a:t>are</a:t>
-            </a:r>
-            <a:r>
-              <a:rPr sz="1950" spc="-8" dirty="0">
-                <a:latin typeface="Calibri"/>
-                <a:cs typeface="Calibri"/>
-              </a:rPr>
-              <a:t> </a:t>
-            </a:r>
-            <a:r>
-              <a:rPr sz="1950" dirty="0">
-                <a:latin typeface="Calibri"/>
-                <a:cs typeface="Calibri"/>
-              </a:rPr>
-              <a:t>name:value</a:t>
-            </a:r>
-            <a:r>
-              <a:rPr sz="1950" spc="-30" dirty="0">
-                <a:latin typeface="Calibri"/>
-                <a:cs typeface="Calibri"/>
-              </a:rPr>
-              <a:t> </a:t>
-            </a:r>
-            <a:r>
-              <a:rPr sz="1950" spc="-8" dirty="0">
-                <a:latin typeface="Calibri"/>
-                <a:cs typeface="Calibri"/>
-              </a:rPr>
-              <a:t>pairs</a:t>
-            </a:r>
-            <a:endParaRPr sz="1950">
+              <a:rPr sz="1800" u="sng" spc="-8" dirty="0">
+                <a:solidFill>
+                  <a:srgbClr val="0462C1"/>
+                </a:solidFill>
+                <a:uFill>
+                  <a:solidFill>
+                    <a:srgbClr val="0462C1"/>
+                  </a:solidFill>
+                </a:uFill>
+                <a:latin typeface="Calibri"/>
+                <a:cs typeface="Calibri"/>
+                <a:hlinkClick r:id="rId2"/>
+              </a:rPr>
+              <a:t>http://www.profsandhu.com/confrnc/asiaccs/asiaccs06-pei.pdf</a:t>
+            </a:r>
+            <a:endParaRPr sz="1800" dirty="0">
               <a:latin typeface="Calibri"/>
               <a:cs typeface="Calibri"/>
             </a:endParaRPr>
           </a:p>
           <a:p>
-            <a:pPr marL="523875" lvl="1" indent="-171450">
-              <a:lnSpc>
-                <a:spcPts val="1965"/>
-              </a:lnSpc>
-              <a:buFont typeface="Arial"/>
-              <a:buChar char="•"/>
+            <a:pPr marL="316230" indent="-306705">
+              <a:spcBef>
+                <a:spcPts val="540"/>
+              </a:spcBef>
+              <a:buAutoNum type="arabicPlain"/>
               <a:tabLst>
-                <a:tab pos="523875" algn="l"/>
+                <a:tab pos="316230" algn="l"/>
               </a:tabLst>
             </a:pPr>
             <a:r>
-              <a:rPr sz="1650" dirty="0">
-                <a:latin typeface="Calibri"/>
-                <a:cs typeface="Calibri"/>
-              </a:rPr>
-              <a:t>possibly</a:t>
-            </a:r>
-            <a:r>
-              <a:rPr sz="1650" spc="-34" dirty="0">
-                <a:latin typeface="Calibri"/>
-                <a:cs typeface="Calibri"/>
-              </a:rPr>
-              <a:t> </a:t>
-            </a:r>
-            <a:r>
-              <a:rPr sz="1650" spc="-8" dirty="0">
-                <a:latin typeface="Calibri"/>
-                <a:cs typeface="Calibri"/>
-              </a:rPr>
-              <a:t>chained</a:t>
-            </a:r>
-            <a:endParaRPr sz="1650">
+              <a:rPr sz="1800" u="sng" spc="-8" dirty="0">
+                <a:solidFill>
+                  <a:srgbClr val="0462C1"/>
+                </a:solidFill>
+                <a:uFill>
+                  <a:solidFill>
+                    <a:srgbClr val="0462C1"/>
+                  </a:solidFill>
+                </a:uFill>
+                <a:latin typeface="Calibri"/>
+                <a:cs typeface="Calibri"/>
+                <a:hlinkClick r:id="rId3"/>
+              </a:rPr>
+              <a:t>http://www.cs.cornell.edu/courses/cs5430/2011sp/NL.accessControl.html</a:t>
+            </a:r>
+            <a:endParaRPr sz="1800" dirty="0">
               <a:latin typeface="Calibri"/>
               <a:cs typeface="Calibri"/>
             </a:endParaRPr>
           </a:p>
           <a:p>
-            <a:pPr marL="523875" lvl="1" indent="-171450">
-              <a:lnSpc>
-                <a:spcPts val="1965"/>
-              </a:lnSpc>
-              <a:buFont typeface="Arial"/>
-              <a:buChar char="•"/>
+            <a:pPr marL="316230" indent="-306705">
+              <a:spcBef>
+                <a:spcPts val="533"/>
+              </a:spcBef>
+              <a:buAutoNum type="arabicPlain"/>
               <a:tabLst>
-                <a:tab pos="523875" algn="l"/>
+                <a:tab pos="316230" algn="l"/>
               </a:tabLst>
             </a:pPr>
             <a:r>
-              <a:rPr sz="1650" dirty="0">
-                <a:latin typeface="Calibri"/>
-                <a:cs typeface="Calibri"/>
-              </a:rPr>
-              <a:t>values</a:t>
-            </a:r>
-            <a:r>
-              <a:rPr sz="1650" spc="-45" dirty="0">
-                <a:latin typeface="Calibri"/>
-                <a:cs typeface="Calibri"/>
-              </a:rPr>
-              <a:t> </a:t>
-            </a:r>
-            <a:r>
-              <a:rPr sz="1650" dirty="0">
-                <a:latin typeface="Calibri"/>
-                <a:cs typeface="Calibri"/>
-              </a:rPr>
-              <a:t>can</a:t>
-            </a:r>
-            <a:r>
-              <a:rPr sz="1650" spc="-30" dirty="0">
-                <a:latin typeface="Calibri"/>
-                <a:cs typeface="Calibri"/>
-              </a:rPr>
-              <a:t> </a:t>
-            </a:r>
-            <a:r>
-              <a:rPr sz="1650" dirty="0">
-                <a:latin typeface="Calibri"/>
-                <a:cs typeface="Calibri"/>
-              </a:rPr>
-              <a:t>be</a:t>
-            </a:r>
-            <a:r>
-              <a:rPr sz="1650" spc="-26" dirty="0">
-                <a:latin typeface="Calibri"/>
-                <a:cs typeface="Calibri"/>
-              </a:rPr>
-              <a:t> </a:t>
-            </a:r>
-            <a:r>
-              <a:rPr sz="1650" dirty="0">
-                <a:latin typeface="Calibri"/>
-                <a:cs typeface="Calibri"/>
-              </a:rPr>
-              <a:t>complex</a:t>
-            </a:r>
-            <a:r>
-              <a:rPr sz="1650" spc="-26" dirty="0">
-                <a:latin typeface="Calibri"/>
-                <a:cs typeface="Calibri"/>
-              </a:rPr>
-              <a:t> </a:t>
-            </a:r>
-            <a:r>
-              <a:rPr sz="1650" dirty="0">
-                <a:latin typeface="Calibri"/>
-                <a:cs typeface="Calibri"/>
-              </a:rPr>
-              <a:t>data</a:t>
-            </a:r>
-            <a:r>
-              <a:rPr sz="1650" spc="-30" dirty="0">
-                <a:latin typeface="Calibri"/>
-                <a:cs typeface="Calibri"/>
-              </a:rPr>
-              <a:t> </a:t>
-            </a:r>
-            <a:r>
-              <a:rPr sz="1650" spc="-8" dirty="0">
-                <a:latin typeface="Calibri"/>
-                <a:cs typeface="Calibri"/>
-              </a:rPr>
-              <a:t>structures</a:t>
-            </a:r>
-            <a:endParaRPr sz="1650">
+              <a:rPr sz="1800" u="sng" spc="-8" dirty="0">
+                <a:solidFill>
+                  <a:srgbClr val="0462C1"/>
+                </a:solidFill>
+                <a:uFill>
+                  <a:solidFill>
+                    <a:srgbClr val="0462C1"/>
+                  </a:solidFill>
+                </a:uFill>
+                <a:latin typeface="Calibri"/>
+                <a:cs typeface="Calibri"/>
+                <a:hlinkClick r:id="rId4"/>
+              </a:rPr>
+              <a:t>http://cnitarot.github.io/courses/cs526_Spring_2015/s2014_526_ac.pdf</a:t>
+            </a:r>
+            <a:endParaRPr sz="1800" dirty="0">
               <a:latin typeface="Calibri"/>
               <a:cs typeface="Calibri"/>
             </a:endParaRPr>
           </a:p>
           <a:p>
-            <a:pPr marL="180975" indent="-171450">
-              <a:lnSpc>
-                <a:spcPts val="2333"/>
-              </a:lnSpc>
+            <a:pPr marL="315754" indent="-306229">
               <a:spcBef>
-                <a:spcPts val="278"/>
+                <a:spcPts val="533"/>
               </a:spcBef>
-              <a:buFont typeface="Arial"/>
-              <a:buChar char="•"/>
+              <a:buAutoNum type="arabicPlain"/>
               <a:tabLst>
-                <a:tab pos="180975" algn="l"/>
+                <a:tab pos="315754" algn="l"/>
               </a:tabLst>
             </a:pPr>
             <a:r>
-              <a:rPr sz="1950" dirty="0">
-                <a:latin typeface="Calibri"/>
-                <a:cs typeface="Calibri"/>
-              </a:rPr>
-              <a:t>Associated</a:t>
-            </a:r>
-            <a:r>
-              <a:rPr sz="1950" spc="-56" dirty="0">
-                <a:latin typeface="Calibri"/>
-                <a:cs typeface="Calibri"/>
-              </a:rPr>
-              <a:t> </a:t>
-            </a:r>
-            <a:r>
-              <a:rPr sz="1950" spc="-15" dirty="0">
-                <a:latin typeface="Calibri"/>
-                <a:cs typeface="Calibri"/>
-              </a:rPr>
-              <a:t>with</a:t>
-            </a:r>
-            <a:endParaRPr sz="1950">
-              <a:latin typeface="Calibri"/>
-              <a:cs typeface="Calibri"/>
-            </a:endParaRPr>
-          </a:p>
-          <a:p>
-            <a:pPr marL="523875" lvl="1" indent="-171450">
-              <a:lnSpc>
-                <a:spcPts val="1965"/>
-              </a:lnSpc>
-              <a:buFont typeface="Arial"/>
-              <a:buChar char="•"/>
-              <a:tabLst>
-                <a:tab pos="523875" algn="l"/>
-              </a:tabLst>
-            </a:pPr>
-            <a:r>
-              <a:rPr sz="1650" spc="-8" dirty="0">
-                <a:latin typeface="Calibri"/>
-                <a:cs typeface="Calibri"/>
-              </a:rPr>
-              <a:t>users</a:t>
-            </a:r>
-            <a:endParaRPr sz="1650">
-              <a:latin typeface="Calibri"/>
-              <a:cs typeface="Calibri"/>
-            </a:endParaRPr>
-          </a:p>
-          <a:p>
-            <a:pPr marL="523875" lvl="1" indent="-171450">
-              <a:lnSpc>
-                <a:spcPts val="1961"/>
-              </a:lnSpc>
-              <a:buFont typeface="Arial"/>
-              <a:buChar char="•"/>
-              <a:tabLst>
-                <a:tab pos="523875" algn="l"/>
-              </a:tabLst>
-            </a:pPr>
-            <a:r>
-              <a:rPr sz="1650" spc="-8" dirty="0">
-                <a:latin typeface="Calibri"/>
-                <a:cs typeface="Calibri"/>
-              </a:rPr>
-              <a:t>subjects</a:t>
-            </a:r>
-            <a:endParaRPr sz="1650">
-              <a:latin typeface="Calibri"/>
-              <a:cs typeface="Calibri"/>
-            </a:endParaRPr>
-          </a:p>
-          <a:p>
-            <a:pPr marL="523875" lvl="1" indent="-171450">
-              <a:lnSpc>
-                <a:spcPts val="1958"/>
-              </a:lnSpc>
-              <a:buFont typeface="Arial"/>
-              <a:buChar char="•"/>
-              <a:tabLst>
-                <a:tab pos="523875" algn="l"/>
-              </a:tabLst>
-            </a:pPr>
-            <a:r>
-              <a:rPr sz="1650" spc="-8" dirty="0">
-                <a:latin typeface="Calibri"/>
-                <a:cs typeface="Calibri"/>
-              </a:rPr>
-              <a:t>objects</a:t>
-            </a:r>
-            <a:endParaRPr sz="1650">
-              <a:latin typeface="Calibri"/>
-              <a:cs typeface="Calibri"/>
-            </a:endParaRPr>
-          </a:p>
-          <a:p>
-            <a:pPr marL="523875" lvl="1" indent="-171450">
-              <a:lnSpc>
-                <a:spcPts val="1965"/>
-              </a:lnSpc>
-              <a:buFont typeface="Arial"/>
-              <a:buChar char="•"/>
-              <a:tabLst>
-                <a:tab pos="523875" algn="l"/>
-              </a:tabLst>
-            </a:pPr>
-            <a:r>
-              <a:rPr sz="1650" spc="-8" dirty="0">
-                <a:latin typeface="Calibri"/>
-                <a:cs typeface="Calibri"/>
-              </a:rPr>
-              <a:t>contexts</a:t>
-            </a:r>
-            <a:endParaRPr sz="1650">
-              <a:latin typeface="Calibri"/>
-              <a:cs typeface="Calibri"/>
-            </a:endParaRPr>
-          </a:p>
-          <a:p>
-            <a:pPr marL="180975" indent="-171450">
-              <a:lnSpc>
-                <a:spcPts val="2333"/>
-              </a:lnSpc>
-              <a:spcBef>
-                <a:spcPts val="278"/>
-              </a:spcBef>
-              <a:buFont typeface="Arial"/>
-              <a:buChar char="•"/>
-              <a:tabLst>
-                <a:tab pos="180975" algn="l"/>
-              </a:tabLst>
-            </a:pPr>
-            <a:r>
-              <a:rPr sz="1950" dirty="0">
-                <a:latin typeface="Calibri"/>
-                <a:cs typeface="Calibri"/>
-              </a:rPr>
-              <a:t>Converted</a:t>
-            </a:r>
-            <a:r>
-              <a:rPr sz="1950" spc="-34" dirty="0">
-                <a:latin typeface="Calibri"/>
-                <a:cs typeface="Calibri"/>
-              </a:rPr>
-              <a:t> </a:t>
-            </a:r>
-            <a:r>
-              <a:rPr sz="1950" dirty="0">
-                <a:latin typeface="Calibri"/>
-                <a:cs typeface="Calibri"/>
-              </a:rPr>
-              <a:t>by</a:t>
-            </a:r>
-            <a:r>
-              <a:rPr sz="1950" spc="-30" dirty="0">
-                <a:latin typeface="Calibri"/>
-                <a:cs typeface="Calibri"/>
-              </a:rPr>
-              <a:t> </a:t>
-            </a:r>
-            <a:r>
-              <a:rPr sz="1950" dirty="0">
-                <a:latin typeface="Calibri"/>
-                <a:cs typeface="Calibri"/>
-              </a:rPr>
-              <a:t>policies</a:t>
-            </a:r>
-            <a:r>
-              <a:rPr sz="1950" spc="-23" dirty="0">
-                <a:latin typeface="Calibri"/>
-                <a:cs typeface="Calibri"/>
-              </a:rPr>
-              <a:t> </a:t>
-            </a:r>
-            <a:r>
-              <a:rPr sz="1950" dirty="0">
-                <a:latin typeface="Calibri"/>
-                <a:cs typeface="Calibri"/>
-              </a:rPr>
-              <a:t>into</a:t>
-            </a:r>
-            <a:r>
-              <a:rPr sz="1950" spc="-23" dirty="0">
-                <a:latin typeface="Calibri"/>
-                <a:cs typeface="Calibri"/>
-              </a:rPr>
-              <a:t> </a:t>
-            </a:r>
-            <a:r>
-              <a:rPr sz="1950" dirty="0">
-                <a:latin typeface="Calibri"/>
-                <a:cs typeface="Calibri"/>
-              </a:rPr>
-              <a:t>rights</a:t>
-            </a:r>
-            <a:r>
-              <a:rPr sz="1950" spc="-34" dirty="0">
-                <a:latin typeface="Calibri"/>
-                <a:cs typeface="Calibri"/>
-              </a:rPr>
-              <a:t> </a:t>
-            </a:r>
-            <a:r>
-              <a:rPr sz="1950" dirty="0">
-                <a:latin typeface="Calibri"/>
-                <a:cs typeface="Calibri"/>
-              </a:rPr>
-              <a:t>just</a:t>
-            </a:r>
-            <a:r>
-              <a:rPr sz="1950" spc="-23" dirty="0">
-                <a:latin typeface="Calibri"/>
-                <a:cs typeface="Calibri"/>
-              </a:rPr>
-              <a:t> </a:t>
-            </a:r>
-            <a:r>
-              <a:rPr sz="1950" dirty="0">
-                <a:latin typeface="Calibri"/>
-                <a:cs typeface="Calibri"/>
-              </a:rPr>
-              <a:t>in</a:t>
-            </a:r>
-            <a:r>
-              <a:rPr sz="1950" spc="-23" dirty="0">
-                <a:latin typeface="Calibri"/>
-                <a:cs typeface="Calibri"/>
-              </a:rPr>
-              <a:t> </a:t>
-            </a:r>
-            <a:r>
-              <a:rPr sz="1950" spc="-15" dirty="0">
-                <a:latin typeface="Calibri"/>
-                <a:cs typeface="Calibri"/>
-              </a:rPr>
-              <a:t>time</a:t>
-            </a:r>
-            <a:endParaRPr sz="1950">
-              <a:latin typeface="Calibri"/>
-              <a:cs typeface="Calibri"/>
-            </a:endParaRPr>
-          </a:p>
-          <a:p>
-            <a:pPr marL="523875" lvl="1" indent="-171450">
-              <a:lnSpc>
-                <a:spcPts val="1965"/>
-              </a:lnSpc>
-              <a:buFont typeface="Arial"/>
-              <a:buChar char="•"/>
-              <a:tabLst>
-                <a:tab pos="523875" algn="l"/>
-              </a:tabLst>
-            </a:pPr>
-            <a:r>
-              <a:rPr sz="1650" dirty="0">
-                <a:latin typeface="Calibri"/>
-                <a:cs typeface="Calibri"/>
-              </a:rPr>
-              <a:t>policies</a:t>
-            </a:r>
-            <a:r>
-              <a:rPr sz="1650" spc="-53" dirty="0">
-                <a:latin typeface="Calibri"/>
-                <a:cs typeface="Calibri"/>
-              </a:rPr>
-              <a:t> </a:t>
-            </a:r>
-            <a:r>
-              <a:rPr sz="1650" dirty="0">
-                <a:latin typeface="Calibri"/>
-                <a:cs typeface="Calibri"/>
-              </a:rPr>
-              <a:t>specified</a:t>
-            </a:r>
-            <a:r>
-              <a:rPr sz="1650" spc="-49" dirty="0">
-                <a:latin typeface="Calibri"/>
-                <a:cs typeface="Calibri"/>
-              </a:rPr>
-              <a:t> </a:t>
-            </a:r>
-            <a:r>
-              <a:rPr sz="1650" dirty="0">
-                <a:latin typeface="Calibri"/>
-                <a:cs typeface="Calibri"/>
-              </a:rPr>
-              <a:t>by</a:t>
-            </a:r>
-            <a:r>
-              <a:rPr sz="1650" spc="-45" dirty="0">
-                <a:latin typeface="Calibri"/>
-                <a:cs typeface="Calibri"/>
-              </a:rPr>
-              <a:t> </a:t>
-            </a:r>
-            <a:r>
-              <a:rPr sz="1650" dirty="0">
-                <a:latin typeface="Calibri"/>
-                <a:cs typeface="Calibri"/>
-              </a:rPr>
-              <a:t>security</a:t>
-            </a:r>
-            <a:r>
-              <a:rPr sz="1650" spc="-49" dirty="0">
-                <a:latin typeface="Calibri"/>
-                <a:cs typeface="Calibri"/>
-              </a:rPr>
-              <a:t> </a:t>
-            </a:r>
-            <a:r>
-              <a:rPr sz="1650" spc="-8" dirty="0">
-                <a:latin typeface="Calibri"/>
-                <a:cs typeface="Calibri"/>
-              </a:rPr>
-              <a:t>architects</a:t>
-            </a:r>
-            <a:endParaRPr sz="1650">
-              <a:latin typeface="Calibri"/>
-              <a:cs typeface="Calibri"/>
-            </a:endParaRPr>
-          </a:p>
-          <a:p>
-            <a:pPr marL="523875" lvl="1" indent="-171450">
-              <a:lnSpc>
-                <a:spcPts val="1961"/>
-              </a:lnSpc>
-              <a:buFont typeface="Arial"/>
-              <a:buChar char="•"/>
-              <a:tabLst>
-                <a:tab pos="523875" algn="l"/>
-              </a:tabLst>
-            </a:pPr>
-            <a:r>
-              <a:rPr sz="1650" dirty="0">
-                <a:latin typeface="Calibri"/>
-                <a:cs typeface="Calibri"/>
-              </a:rPr>
-              <a:t>attributes</a:t>
-            </a:r>
-            <a:r>
-              <a:rPr sz="1650" spc="-30" dirty="0">
-                <a:latin typeface="Calibri"/>
-                <a:cs typeface="Calibri"/>
-              </a:rPr>
-              <a:t> </a:t>
-            </a:r>
-            <a:r>
-              <a:rPr sz="1650" dirty="0">
-                <a:latin typeface="Calibri"/>
-                <a:cs typeface="Calibri"/>
-              </a:rPr>
-              <a:t>maintained</a:t>
-            </a:r>
-            <a:r>
-              <a:rPr sz="1650" spc="-45" dirty="0">
-                <a:latin typeface="Calibri"/>
-                <a:cs typeface="Calibri"/>
-              </a:rPr>
-              <a:t> </a:t>
-            </a:r>
-            <a:r>
-              <a:rPr sz="1650" dirty="0">
-                <a:latin typeface="Calibri"/>
-                <a:cs typeface="Calibri"/>
-              </a:rPr>
-              <a:t>by</a:t>
-            </a:r>
-            <a:r>
-              <a:rPr sz="1650" spc="-26" dirty="0">
-                <a:latin typeface="Calibri"/>
-                <a:cs typeface="Calibri"/>
-              </a:rPr>
-              <a:t> </a:t>
-            </a:r>
-            <a:r>
-              <a:rPr sz="1650" dirty="0">
-                <a:latin typeface="Calibri"/>
-                <a:cs typeface="Calibri"/>
-              </a:rPr>
-              <a:t>security</a:t>
-            </a:r>
-            <a:r>
-              <a:rPr sz="1650" spc="-38" dirty="0">
-                <a:latin typeface="Calibri"/>
-                <a:cs typeface="Calibri"/>
-              </a:rPr>
-              <a:t> </a:t>
-            </a:r>
-            <a:r>
-              <a:rPr sz="1650" spc="-8" dirty="0">
-                <a:latin typeface="Calibri"/>
-                <a:cs typeface="Calibri"/>
-              </a:rPr>
-              <a:t>administrators</a:t>
-            </a:r>
-            <a:endParaRPr sz="1650">
-              <a:latin typeface="Calibri"/>
-              <a:cs typeface="Calibri"/>
-            </a:endParaRPr>
-          </a:p>
-          <a:p>
-            <a:pPr marL="523875" lvl="1" indent="-171450">
-              <a:lnSpc>
-                <a:spcPts val="1973"/>
-              </a:lnSpc>
-              <a:buFont typeface="Arial"/>
-              <a:buChar char="•"/>
-              <a:tabLst>
-                <a:tab pos="523875" algn="l"/>
-              </a:tabLst>
-            </a:pPr>
-            <a:r>
-              <a:rPr sz="1650" dirty="0">
-                <a:latin typeface="Calibri"/>
-                <a:cs typeface="Calibri"/>
-              </a:rPr>
-              <a:t>ordinary</a:t>
-            </a:r>
-            <a:r>
-              <a:rPr sz="1650" spc="-38" dirty="0">
-                <a:latin typeface="Calibri"/>
-                <a:cs typeface="Calibri"/>
-              </a:rPr>
-              <a:t> </a:t>
-            </a:r>
-            <a:r>
-              <a:rPr sz="1650" dirty="0">
-                <a:latin typeface="Calibri"/>
-                <a:cs typeface="Calibri"/>
-              </a:rPr>
-              <a:t>users</a:t>
-            </a:r>
-            <a:r>
-              <a:rPr sz="1650" spc="-26" dirty="0">
-                <a:latin typeface="Calibri"/>
-                <a:cs typeface="Calibri"/>
-              </a:rPr>
-              <a:t> </a:t>
-            </a:r>
-            <a:r>
-              <a:rPr sz="1650" dirty="0">
-                <a:latin typeface="Calibri"/>
-                <a:cs typeface="Calibri"/>
-              </a:rPr>
-              <a:t>morph</a:t>
-            </a:r>
-            <a:r>
-              <a:rPr sz="1650" spc="-30" dirty="0">
-                <a:latin typeface="Calibri"/>
-                <a:cs typeface="Calibri"/>
-              </a:rPr>
-              <a:t> </a:t>
-            </a:r>
-            <a:r>
-              <a:rPr sz="1650" dirty="0">
-                <a:latin typeface="Calibri"/>
-                <a:cs typeface="Calibri"/>
-              </a:rPr>
-              <a:t>into</a:t>
-            </a:r>
-            <a:r>
-              <a:rPr sz="1650" spc="-26" dirty="0">
-                <a:latin typeface="Calibri"/>
-                <a:cs typeface="Calibri"/>
-              </a:rPr>
-              <a:t> </a:t>
-            </a:r>
-            <a:r>
-              <a:rPr sz="1650" dirty="0">
-                <a:latin typeface="Calibri"/>
-                <a:cs typeface="Calibri"/>
-              </a:rPr>
-              <a:t>architects</a:t>
-            </a:r>
-            <a:r>
-              <a:rPr sz="1650" spc="-23" dirty="0">
-                <a:latin typeface="Calibri"/>
-                <a:cs typeface="Calibri"/>
-              </a:rPr>
-              <a:t> </a:t>
-            </a:r>
-            <a:r>
-              <a:rPr sz="1650" dirty="0">
-                <a:latin typeface="Calibri"/>
-                <a:cs typeface="Calibri"/>
-              </a:rPr>
-              <a:t>and</a:t>
-            </a:r>
-            <a:r>
-              <a:rPr sz="1650" spc="-26" dirty="0">
-                <a:latin typeface="Calibri"/>
-                <a:cs typeface="Calibri"/>
-              </a:rPr>
-              <a:t> </a:t>
-            </a:r>
-            <a:r>
-              <a:rPr sz="1650" spc="-8" dirty="0">
-                <a:latin typeface="Calibri"/>
-                <a:cs typeface="Calibri"/>
-              </a:rPr>
-              <a:t>administrators</a:t>
-            </a:r>
-            <a:endParaRPr sz="1650">
+              <a:rPr sz="1800" u="sng" spc="-8" dirty="0">
+                <a:solidFill>
+                  <a:srgbClr val="0462C1"/>
+                </a:solidFill>
+                <a:uFill>
+                  <a:solidFill>
+                    <a:srgbClr val="0462C1"/>
+                  </a:solidFill>
+                </a:uFill>
+                <a:latin typeface="Calibri"/>
+                <a:cs typeface="Calibri"/>
+                <a:hlinkClick r:id="rId5"/>
+              </a:rPr>
+              <a:t>https://people.cs.rutgers.edu/~pxk/419/notes/access.html</a:t>
+            </a:r>
+            <a:endParaRPr sz="1800" dirty="0">
               <a:latin typeface="Calibri"/>
               <a:cs typeface="Calibri"/>
             </a:endParaRPr>
@@ -50251,214 +49554,6 @@
 </p:sld>
 </file>
 
-<file path=ppt/slides/slide50.xml><?xml version="1.0" encoding="utf-8"?>
-<p:sld xmlns:a="http://schemas.openxmlformats.org/drawingml/2006/main" xmlns:r="http://schemas.openxmlformats.org/officeDocument/2006/relationships" xmlns:p="http://schemas.openxmlformats.org/presentationml/2006/main">
-  <p:cSld>
-    <p:spTree>
-      <p:nvGrpSpPr>
-        <p:cNvPr id="1" name=""/>
-        <p:cNvGrpSpPr/>
-        <p:nvPr/>
-      </p:nvGrpSpPr>
-      <p:grpSpPr>
-        <a:xfrm>
-          <a:off x="0" y="0"/>
-          <a:ext cx="0" cy="0"/>
-          <a:chOff x="0" y="0"/>
-          <a:chExt cx="0" cy="0"/>
-        </a:xfrm>
-      </p:grpSpPr>
-      <p:sp>
-        <p:nvSpPr>
-          <p:cNvPr id="2" name="object 2"/>
-          <p:cNvSpPr txBox="1">
-            <a:spLocks noGrp="1"/>
-          </p:cNvSpPr>
-          <p:nvPr>
-            <p:ph type="title"/>
-          </p:nvPr>
-        </p:nvSpPr>
-        <p:spPr>
-          <a:xfrm>
-            <a:off x="77025" y="203157"/>
-            <a:ext cx="6390450" cy="530754"/>
-          </a:xfrm>
-          <a:prstGeom prst="rect">
-            <a:avLst/>
-          </a:prstGeom>
-        </p:spPr>
-        <p:txBody>
-          <a:bodyPr spcFirstLastPara="1" vert="horz" wrap="square" lIns="0" tIns="10001" rIns="0" bIns="0" rtlCol="0" anchor="t" anchorCtr="0">
-            <a:spAutoFit/>
-          </a:bodyPr>
-          <a:lstStyle/>
-          <a:p>
-            <a:pPr marL="9525">
-              <a:spcBef>
-                <a:spcPts val="79"/>
-              </a:spcBef>
-            </a:pPr>
-            <a:r>
-              <a:rPr spc="-8" dirty="0"/>
-              <a:t>Resources</a:t>
-            </a:r>
-          </a:p>
-        </p:txBody>
-      </p:sp>
-      <p:sp>
-        <p:nvSpPr>
-          <p:cNvPr id="3" name="object 3"/>
-          <p:cNvSpPr txBox="1"/>
-          <p:nvPr/>
-        </p:nvSpPr>
-        <p:spPr>
-          <a:xfrm>
-            <a:off x="687704" y="1282861"/>
-            <a:ext cx="7266623" cy="1379704"/>
-          </a:xfrm>
-          <a:prstGeom prst="rect">
-            <a:avLst/>
-          </a:prstGeom>
-        </p:spPr>
-        <p:txBody>
-          <a:bodyPr vert="horz" wrap="square" lIns="0" tIns="78581" rIns="0" bIns="0" rtlCol="0">
-            <a:spAutoFit/>
-          </a:bodyPr>
-          <a:lstStyle/>
-          <a:p>
-            <a:pPr marL="315754" indent="-306229">
-              <a:spcBef>
-                <a:spcPts val="619"/>
-              </a:spcBef>
-              <a:buAutoNum type="arabicPlain"/>
-              <a:tabLst>
-                <a:tab pos="315754" algn="l"/>
-              </a:tabLst>
-            </a:pPr>
-            <a:r>
-              <a:rPr sz="1800" u="sng" spc="-8" dirty="0">
-                <a:solidFill>
-                  <a:srgbClr val="0462C1"/>
-                </a:solidFill>
-                <a:uFill>
-                  <a:solidFill>
-                    <a:srgbClr val="0462C1"/>
-                  </a:solidFill>
-                </a:uFill>
-                <a:latin typeface="Calibri"/>
-                <a:cs typeface="Calibri"/>
-                <a:hlinkClick r:id="rId2"/>
-              </a:rPr>
-              <a:t>http://www.profsandhu.com/confrnc/asiaccs/asiaccs06-pei.pdf</a:t>
-            </a:r>
-            <a:endParaRPr sz="1800" dirty="0">
-              <a:latin typeface="Calibri"/>
-              <a:cs typeface="Calibri"/>
-            </a:endParaRPr>
-          </a:p>
-          <a:p>
-            <a:pPr marL="316230" indent="-306705">
-              <a:spcBef>
-                <a:spcPts val="540"/>
-              </a:spcBef>
-              <a:buAutoNum type="arabicPlain"/>
-              <a:tabLst>
-                <a:tab pos="316230" algn="l"/>
-              </a:tabLst>
-            </a:pPr>
-            <a:r>
-              <a:rPr sz="1800" u="sng" spc="-8" dirty="0">
-                <a:solidFill>
-                  <a:srgbClr val="0462C1"/>
-                </a:solidFill>
-                <a:uFill>
-                  <a:solidFill>
-                    <a:srgbClr val="0462C1"/>
-                  </a:solidFill>
-                </a:uFill>
-                <a:latin typeface="Calibri"/>
-                <a:cs typeface="Calibri"/>
-                <a:hlinkClick r:id="rId3"/>
-              </a:rPr>
-              <a:t>http://www.cs.cornell.edu/courses/cs5430/2011sp/NL.accessControl.html</a:t>
-            </a:r>
-            <a:endParaRPr sz="1800" dirty="0">
-              <a:latin typeface="Calibri"/>
-              <a:cs typeface="Calibri"/>
-            </a:endParaRPr>
-          </a:p>
-          <a:p>
-            <a:pPr marL="316230" indent="-306705">
-              <a:spcBef>
-                <a:spcPts val="533"/>
-              </a:spcBef>
-              <a:buAutoNum type="arabicPlain"/>
-              <a:tabLst>
-                <a:tab pos="316230" algn="l"/>
-              </a:tabLst>
-            </a:pPr>
-            <a:r>
-              <a:rPr sz="1800" u="sng" spc="-8" dirty="0">
-                <a:solidFill>
-                  <a:srgbClr val="0462C1"/>
-                </a:solidFill>
-                <a:uFill>
-                  <a:solidFill>
-                    <a:srgbClr val="0462C1"/>
-                  </a:solidFill>
-                </a:uFill>
-                <a:latin typeface="Calibri"/>
-                <a:cs typeface="Calibri"/>
-                <a:hlinkClick r:id="rId4"/>
-              </a:rPr>
-              <a:t>http://cnitarot.github.io/courses/cs526_Spring_2015/s2014_526_ac.pdf</a:t>
-            </a:r>
-            <a:endParaRPr sz="1800" dirty="0">
-              <a:latin typeface="Calibri"/>
-              <a:cs typeface="Calibri"/>
-            </a:endParaRPr>
-          </a:p>
-          <a:p>
-            <a:pPr marL="315754" indent="-306229">
-              <a:spcBef>
-                <a:spcPts val="533"/>
-              </a:spcBef>
-              <a:buAutoNum type="arabicPlain"/>
-              <a:tabLst>
-                <a:tab pos="315754" algn="l"/>
-              </a:tabLst>
-            </a:pPr>
-            <a:r>
-              <a:rPr sz="1800" u="sng" spc="-8" dirty="0">
-                <a:solidFill>
-                  <a:srgbClr val="0462C1"/>
-                </a:solidFill>
-                <a:uFill>
-                  <a:solidFill>
-                    <a:srgbClr val="0462C1"/>
-                  </a:solidFill>
-                </a:uFill>
-                <a:latin typeface="Calibri"/>
-                <a:cs typeface="Calibri"/>
-                <a:hlinkClick r:id="rId5"/>
-              </a:rPr>
-              <a:t>https://people.cs.rutgers.edu/~pxk/419/notes/access.html</a:t>
-            </a:r>
-            <a:endParaRPr sz="1800" dirty="0">
-              <a:latin typeface="Calibri"/>
-              <a:cs typeface="Calibri"/>
-            </a:endParaRPr>
-          </a:p>
-        </p:txBody>
-      </p:sp>
-    </p:spTree>
-  </p:cSld>
-  <p:clrMapOvr>
-    <a:masterClrMapping/>
-  </p:clrMapOvr>
-</p:sld>
-</file>
-
 <file path=ppt/slides/slide6.xml><?xml version="1.0" encoding="utf-8"?>
 <p:sld xmlns:a="http://schemas.openxmlformats.org/drawingml/2006/main" xmlns:r="http://schemas.openxmlformats.org/officeDocument/2006/relationships" xmlns:p="http://schemas.openxmlformats.org/presentationml/2006/main">
   <p:cSld>

--- a/teaching/ITIS6200/2023fa/lectures/lec09.pptx
+++ b/teaching/ITIS6200/2023fa/lectures/lec09.pptx
@@ -7504,7 +7504,7 @@
         <p:spPr>
           <a:xfrm>
             <a:off x="389202" y="1258275"/>
-            <a:ext cx="6933915" cy="3765600"/>
+            <a:ext cx="8141187" cy="3765600"/>
           </a:xfrm>
           <a:prstGeom prst="rect">
             <a:avLst/>
@@ -7512,7 +7512,7 @@
         </p:spPr>
         <p:txBody>
           <a:bodyPr spcFirstLastPara="1" wrap="square" lIns="91425" tIns="91425" rIns="91425" bIns="91425" anchor="t" anchorCtr="0">
-            <a:normAutofit/>
+            <a:normAutofit fontScale="92500" lnSpcReduction="20000"/>
           </a:bodyPr>
           <a:lstStyle/>
           <a:p>
@@ -7567,6 +7567,26 @@
             <a:r>
               <a:rPr lang="en" sz="2000" dirty="0"/>
               <a:t> (Tuesday)</a:t>
+            </a:r>
+          </a:p>
+          <a:p>
+            <a:pPr lvl="1" indent="-342900">
+              <a:buSzPts val="1800"/>
+              <a:buChar char="●"/>
+            </a:pPr>
+            <a:r>
+              <a:rPr lang="en" sz="1600" dirty="0"/>
+              <a:t>9:30 – 11:30 am</a:t>
+            </a:r>
+          </a:p>
+          <a:p>
+            <a:pPr lvl="1" indent="-342900">
+              <a:buSzPts val="1800"/>
+              <a:buChar char="●"/>
+            </a:pPr>
+            <a:r>
+              <a:rPr lang="en" sz="1600" dirty="0"/>
+              <a:t>I will in the classroom (010) 10:00-11:15am</a:t>
             </a:r>
           </a:p>
           <a:p>
@@ -7661,7 +7681,30 @@
               <a:buSzPts val="1800"/>
               <a:buChar char="●"/>
             </a:pPr>
-            <a:endParaRPr sz="2000" dirty="0"/>
+            <a:r>
+              <a:rPr lang="en" sz="2000" dirty="0"/>
+              <a:t>UNCC security symposium</a:t>
+            </a:r>
+          </a:p>
+          <a:p>
+            <a:pPr lvl="1" indent="-342900">
+              <a:buSzPts val="1800"/>
+              <a:buChar char="●"/>
+            </a:pPr>
+            <a:r>
+              <a:rPr lang="en" sz="1600" dirty="0"/>
+              <a:t>Extra credit: 1%</a:t>
+            </a:r>
+          </a:p>
+          <a:p>
+            <a:pPr lvl="1" indent="-342900">
+              <a:buSzPts val="1800"/>
+              <a:buChar char="●"/>
+            </a:pPr>
+            <a:r>
+              <a:rPr lang="en" sz="1600" dirty="0"/>
+              <a:t>Go there without registration, don’t eat the food</a:t>
+            </a:r>
           </a:p>
         </p:txBody>
       </p:sp>
@@ -16273,8 +16316,8 @@
         </p:nvSpPr>
         <p:spPr>
           <a:xfrm>
-            <a:off x="5587612" y="4788060"/>
-            <a:ext cx="3650620" cy="307777"/>
+            <a:off x="6309507" y="4835723"/>
+            <a:ext cx="2906683" cy="307777"/>
           </a:xfrm>
           <a:prstGeom prst="rect">
             <a:avLst/>
@@ -16289,18 +16332,10 @@
           <a:p>
             <a:r>
               <a:rPr lang="en-US" sz="1400" dirty="0"/>
-              <a:t>Thanks </a:t>
+              <a:t>Slides from</a:t>
             </a:r>
             <a:r>
               <a:rPr lang="en-US" dirty="0"/>
-              <a:t>to </a:t>
-            </a:r>
-            <a:r>
-              <a:rPr lang="en-US" sz="1400" dirty="0"/>
-              <a:t>Associate</a:t>
-            </a:r>
-            <a:r>
-              <a:rPr lang="en-US" sz="1400" spc="-30" dirty="0"/>
               <a:t> </a:t>
             </a:r>
             <a:r>
@@ -37867,7 +37902,7 @@
             </a:pPr>
             <a:r>
               <a:rPr lang="en-US" sz="2000" dirty="0"/>
-              <a:t>Operating Systems: One	user cannot arbitrarily access/kill another user’s files/processes.</a:t>
+              <a:t>Operating Systems: One user cannot arbitrarily access/kill another user’s files/processes.</a:t>
             </a:r>
           </a:p>
           <a:p>

--- a/teaching/ITIS6200/2023fa/lectures/lec09.pptx
+++ b/teaching/ITIS6200/2023fa/lectures/lec09.pptx
@@ -7586,8 +7586,13 @@
             </a:pPr>
             <a:r>
               <a:rPr lang="en" sz="1600" dirty="0"/>
-              <a:t>I will in the classroom (010) 10:00-11:15am</a:t>
-            </a:r>
+              <a:t>I will in the classroom (010) 10:00-11:15am, </a:t>
+            </a:r>
+            <a:r>
+              <a:rPr lang="en" sz="1600"/>
+              <a:t>No lecture</a:t>
+            </a:r>
+            <a:endParaRPr lang="en" sz="1600" dirty="0"/>
           </a:p>
           <a:p>
             <a:pPr marL="457200" lvl="0" indent="-342900" algn="l" rtl="0">

--- a/teaching/ITIS6200/2023fa/lectures/lec09.pptx
+++ b/teaching/ITIS6200/2023fa/lectures/lec09.pptx
@@ -5,7 +5,7 @@
     <p:sldMasterId id="2147483663" r:id="rId1"/>
   </p:sldMasterIdLst>
   <p:notesMasterIdLst>
-    <p:notesMasterId r:id="rId50"/>
+    <p:notesMasterId r:id="rId49"/>
   </p:notesMasterIdLst>
   <p:sldIdLst>
     <p:sldId id="305" r:id="rId2"/>
@@ -52,10 +52,9 @@
     <p:sldId id="297" r:id="rId43"/>
     <p:sldId id="298" r:id="rId44"/>
     <p:sldId id="299" r:id="rId45"/>
-    <p:sldId id="300" r:id="rId46"/>
-    <p:sldId id="301" r:id="rId47"/>
-    <p:sldId id="312" r:id="rId48"/>
-    <p:sldId id="321" r:id="rId49"/>
+    <p:sldId id="301" r:id="rId46"/>
+    <p:sldId id="312" r:id="rId47"/>
+    <p:sldId id="321" r:id="rId48"/>
   </p:sldIdLst>
   <p:sldSz cx="9144000" cy="5143500" type="screen16x9"/>
   <p:notesSz cx="6858000" cy="9144000"/>
@@ -903,6 +902,16 @@
           <a:p>
             <a:pPr algn="l"/>
             <a:r>
+              <a:rPr lang="en-US" b="1" i="0" dirty="0">
+                <a:solidFill>
+                  <a:srgbClr val="000000"/>
+                </a:solidFill>
+                <a:effectLst/>
+                <a:latin typeface="Times"/>
+              </a:rPr>
+              <a:t>MLS is appropriate for national security confidentiality policies</a:t>
+            </a:r>
+            <a:r>
               <a:rPr lang="en-US" b="0" i="0" dirty="0">
                 <a:solidFill>
                   <a:srgbClr val="000000"/>
@@ -910,8 +919,18 @@
                 <a:effectLst/>
                 <a:latin typeface="Times"/>
               </a:rPr>
-              <a:t>MLS is appropriate for national security confidentiality policies, and it is sometimes appropriate for business confidentiality policies.  Consider a microprocessor company's plans for its next-generation chip.  The company might consider these plans Top Secret and desire an access control mechanism that can prevent leakage of this sensitive information.  </a:t>
-            </a:r>
+              <a:t>, and it is sometimes appropriate for business confidentiality policies.  Consider a microprocessor company's plans for its next-generation chip.  The company might consider these plans Top Secret and desire an access control mechanism that can prevent leakage of this sensitive information.  </a:t>
+            </a:r>
+          </a:p>
+          <a:p>
+            <a:pPr algn="l"/>
+            <a:endParaRPr lang="en-US" b="0" i="0" dirty="0">
+              <a:solidFill>
+                <a:srgbClr val="000000"/>
+              </a:solidFill>
+              <a:effectLst/>
+              <a:latin typeface="Times"/>
+            </a:endParaRPr>
           </a:p>
           <a:p>
             <a:pPr algn="l"/>
@@ -1107,6 +1126,16 @@
           <a:lstStyle/>
           <a:p>
             <a:r>
+              <a:rPr lang="en-US" b="1" i="0" dirty="0">
+                <a:solidFill>
+                  <a:srgbClr val="000000"/>
+                </a:solidFill>
+                <a:effectLst/>
+                <a:latin typeface="Times"/>
+              </a:rPr>
+              <a:t>The intuition is that an unbreachable wall is erected between different parts of the same company</a:t>
+            </a:r>
+            <a:r>
               <a:rPr lang="en-US" b="0" i="0" dirty="0">
                 <a:solidFill>
                   <a:srgbClr val="000000"/>
@@ -1114,7 +1143,7 @@
                 <a:effectLst/>
                 <a:latin typeface="Times"/>
               </a:rPr>
-              <a:t>The intuition is that an unbreachable wall is erected between different parts of the same company; no information may pass over or through the wall.  In the Chinese Wall policy, we (as usual) have have objects, subjects, and users.  However, objects are now grouped into </a:t>
+              <a:t>; no information may pass over or through the wall.  In the Chinese Wall policy, we (as usual) have have objects, subjects, and users.  However, objects are now grouped into </a:t>
             </a:r>
             <a:r>
               <a:rPr lang="en-US" b="0" i="1" dirty="0">
@@ -1134,7 +1163,55 @@
                 <a:effectLst/>
                 <a:latin typeface="Times"/>
               </a:rPr>
-              <a:t> (CDs).  For example, an object might be a file, and a company dataset would then be all of the files related to a single company.  Company datasets are themselves grouped into </a:t>
+              <a:t> (CDs).  </a:t>
+            </a:r>
+          </a:p>
+          <a:p>
+            <a:r>
+              <a:rPr lang="en-US" b="0" i="0" dirty="0">
+                <a:solidFill>
+                  <a:srgbClr val="000000"/>
+                </a:solidFill>
+                <a:effectLst/>
+                <a:latin typeface="Times"/>
+              </a:rPr>
+              <a:t>For example, </a:t>
+            </a:r>
+          </a:p>
+          <a:p>
+            <a:r>
+              <a:rPr lang="en-US" b="0" i="0" dirty="0">
+                <a:solidFill>
+                  <a:srgbClr val="000000"/>
+                </a:solidFill>
+                <a:effectLst/>
+                <a:latin typeface="Times"/>
+              </a:rPr>
+              <a:t>an object might be a file,</a:t>
+            </a:r>
+          </a:p>
+          <a:p>
+            <a:r>
+              <a:rPr lang="en-US" b="0" i="0" dirty="0">
+                <a:solidFill>
+                  <a:srgbClr val="000000"/>
+                </a:solidFill>
+                <a:effectLst/>
+                <a:latin typeface="Times"/>
+              </a:rPr>
+              <a:t>a company dataset would then be all of the files related to a single company. </a:t>
+            </a:r>
+          </a:p>
+          <a:p>
+            <a:r>
+              <a:rPr lang="en-US" b="0" i="0" dirty="0">
+                <a:solidFill>
+                  <a:srgbClr val="000000"/>
+                </a:solidFill>
+                <a:effectLst/>
+                <a:latin typeface="Times"/>
+              </a:rPr>
+              <a:t>Company datasets are themselves grouped into </a:t>
             </a:r>
             <a:r>
               <a:rPr lang="en-US" b="0" i="1" dirty="0">
@@ -1758,6 +1835,72 @@
     <p:extLst>
       <p:ext uri="{BB962C8B-B14F-4D97-AF65-F5344CB8AC3E}">
         <p14:creationId xmlns:p14="http://schemas.microsoft.com/office/powerpoint/2010/main" val="3048690803"/>
+      </p:ext>
+    </p:extLst>
+  </p:cSld>
+  <p:clrMapOvr>
+    <a:masterClrMapping/>
+  </p:clrMapOvr>
+</p:notes>
+</file>
+
+<file path=ppt/notesSlides/notesSlide15.xml><?xml version="1.0" encoding="utf-8"?>
+<p:notes xmlns:a="http://schemas.openxmlformats.org/drawingml/2006/main" xmlns:r="http://schemas.openxmlformats.org/officeDocument/2006/relationships" xmlns:p="http://schemas.openxmlformats.org/presentationml/2006/main">
+  <p:cSld>
+    <p:spTree>
+      <p:nvGrpSpPr>
+        <p:cNvPr id="1" name=""/>
+        <p:cNvGrpSpPr/>
+        <p:nvPr/>
+      </p:nvGrpSpPr>
+      <p:grpSpPr>
+        <a:xfrm>
+          <a:off x="0" y="0"/>
+          <a:ext cx="0" cy="0"/>
+          <a:chOff x="0" y="0"/>
+          <a:chExt cx="0" cy="0"/>
+        </a:xfrm>
+      </p:grpSpPr>
+      <p:sp>
+        <p:nvSpPr>
+          <p:cNvPr id="2" name="Slide Image Placeholder 1"/>
+          <p:cNvSpPr>
+            <a:spLocks noGrp="1" noRot="1" noChangeAspect="1"/>
+          </p:cNvSpPr>
+          <p:nvPr>
+            <p:ph type="sldImg"/>
+          </p:nvPr>
+        </p:nvSpPr>
+        <p:spPr>
+          <a:xfrm>
+            <a:off x="381000" y="685800"/>
+            <a:ext cx="6096000" cy="3429000"/>
+          </a:xfrm>
+        </p:spPr>
+      </p:sp>
+      <p:sp>
+        <p:nvSpPr>
+          <p:cNvPr id="3" name="Notes Placeholder 2"/>
+          <p:cNvSpPr>
+            <a:spLocks noGrp="1"/>
+          </p:cNvSpPr>
+          <p:nvPr>
+            <p:ph type="body" idx="1"/>
+          </p:nvPr>
+        </p:nvSpPr>
+        <p:spPr/>
+        <p:txBody>
+          <a:bodyPr/>
+          <a:lstStyle/>
+          <a:p>
+            <a:endParaRPr lang="en-US" dirty="0"/>
+          </a:p>
+        </p:txBody>
+      </p:sp>
+    </p:spTree>
+    <p:extLst>
+      <p:ext uri="{BB962C8B-B14F-4D97-AF65-F5344CB8AC3E}">
+        <p14:creationId xmlns:p14="http://schemas.microsoft.com/office/powerpoint/2010/main" val="878484004"/>
       </p:ext>
     </p:extLst>
   </p:cSld>
@@ -2660,12 +2803,69 @@
           <a:lstStyle/>
           <a:p>
             <a:r>
-              <a:rPr lang="en-US" dirty="0"/>
-              <a:t>Information cannot leak to subjects who are not cleared for the information.</a:t>
-            </a:r>
-            <a:br>
-              <a:rPr lang="en-US" dirty="0"/>
-            </a:br>
+              <a:rPr lang="en-US" b="0" i="0" dirty="0">
+                <a:solidFill>
+                  <a:srgbClr val="202122"/>
+                </a:solidFill>
+                <a:effectLst/>
+                <a:latin typeface="Arial" panose="020B0604020202020204" pitchFamily="34" charset="0"/>
+              </a:rPr>
+              <a:t>With mandatory access control, this security policy is centrally controlled by a security policy administrator; users do not have the ability to override the policy and, for example, grant access to files that would otherwise be restricted. </a:t>
+            </a:r>
+          </a:p>
+          <a:p>
+            <a:endParaRPr lang="en-US" b="0" i="0" dirty="0">
+              <a:solidFill>
+                <a:srgbClr val="202122"/>
+              </a:solidFill>
+              <a:effectLst/>
+              <a:latin typeface="Arial" panose="020B0604020202020204" pitchFamily="34" charset="0"/>
+            </a:endParaRPr>
+          </a:p>
+          <a:p>
+            <a:r>
+              <a:rPr lang="en-US" b="0" i="0" dirty="0">
+                <a:solidFill>
+                  <a:srgbClr val="202122"/>
+                </a:solidFill>
+                <a:effectLst/>
+                <a:latin typeface="Arial" panose="020B0604020202020204" pitchFamily="34" charset="0"/>
+              </a:rPr>
+              <a:t>By contrast, </a:t>
+            </a:r>
+            <a:r>
+              <a:rPr lang="en-US" b="0" i="0" u="none" strike="noStrike" dirty="0">
+                <a:solidFill>
+                  <a:srgbClr val="3366CC"/>
+                </a:solidFill>
+                <a:effectLst/>
+                <a:latin typeface="Arial" panose="020B0604020202020204" pitchFamily="34" charset="0"/>
+                <a:hlinkClick r:id="rId3" tooltip="Discretionary access control"/>
+              </a:rPr>
+              <a:t>discretionary access control</a:t>
+            </a:r>
+            <a:r>
+              <a:rPr lang="en-US" b="0" i="0" dirty="0">
+                <a:solidFill>
+                  <a:srgbClr val="202122"/>
+                </a:solidFill>
+                <a:effectLst/>
+                <a:latin typeface="Arial" panose="020B0604020202020204" pitchFamily="34" charset="0"/>
+              </a:rPr>
+              <a:t> (DAC), which also governs the ability of subjects to access objects, allows users the ability to make policy decisions and/or assign security attributes</a:t>
+            </a:r>
+          </a:p>
+          <a:p>
+            <a:r>
+              <a:rPr lang="en-US" b="0" i="0" dirty="0">
+                <a:solidFill>
+                  <a:srgbClr val="202122"/>
+                </a:solidFill>
+                <a:effectLst/>
+                <a:latin typeface="Arial" panose="020B0604020202020204" pitchFamily="34" charset="0"/>
+              </a:rPr>
+              <a:t>MAC-enabled systems allow policy administrators to implement organization-wide security policies. Under MAC (and unlike DAC), users cannot override or modify this policy, either accidentally or intentionally. This allows security administrators to define a central policy that is guaranteed (in principle) to be enforced for all users.</a:t>
+            </a:r>
             <a:endParaRPr lang="en-US" dirty="0"/>
           </a:p>
         </p:txBody>
@@ -5964,7 +6164,7 @@
           <a:p>
             <a:fld id="{1D8BD707-D9CF-40AE-B4C6-C98DA3205C09}" type="datetimeFigureOut">
               <a:rPr lang="en-US"/>
-              <a:t>9/26/23</a:t>
+              <a:t>10/4/23</a:t>
             </a:fld>
             <a:endParaRPr lang="en-US"/>
           </a:p>
@@ -13700,15 +13900,13 @@
           </a:bodyPr>
           <a:lstStyle/>
           <a:p>
-            <a:pPr marL="180022" marR="3810" indent="-170497">
+            <a:pPr marL="9525" marR="3810">
               <a:lnSpc>
                 <a:spcPct val="114000"/>
               </a:lnSpc>
               <a:spcBef>
                 <a:spcPts val="334"/>
               </a:spcBef>
-              <a:buFont typeface="Arial"/>
-              <a:buChar char="•"/>
               <a:tabLst>
                 <a:tab pos="180975" algn="l"/>
               </a:tabLst>
@@ -15027,7 +15225,7 @@
         <p:spPr>
           <a:xfrm>
             <a:off x="687705" y="1344892"/>
-            <a:ext cx="5227095" cy="2943658"/>
+            <a:ext cx="5227095" cy="1417599"/>
           </a:xfrm>
           <a:prstGeom prst="rect">
             <a:avLst/>
@@ -15039,15 +15237,13 @@
           </a:bodyPr>
           <a:lstStyle/>
           <a:p>
-            <a:pPr marL="180022" marR="3810" indent="-170497">
+            <a:pPr marL="9525" marR="3810">
               <a:lnSpc>
                 <a:spcPct val="114000"/>
               </a:lnSpc>
               <a:spcBef>
                 <a:spcPts val="326"/>
               </a:spcBef>
-              <a:buFont typeface="Arial"/>
-              <a:buChar char="•"/>
               <a:tabLst>
                 <a:tab pos="180975" algn="l"/>
               </a:tabLst>
@@ -15295,384 +15491,6 @@
               </a:spcBef>
             </a:pPr>
             <a:endParaRPr sz="2100" dirty="0">
-              <a:latin typeface="Calibri"/>
-              <a:cs typeface="Calibri"/>
-            </a:endParaRPr>
-          </a:p>
-          <a:p>
-            <a:pPr marL="9525"/>
-            <a:r>
-              <a:rPr sz="1650" dirty="0">
-                <a:solidFill>
-                  <a:srgbClr val="AF0040"/>
-                </a:solidFill>
-                <a:latin typeface="Consolas"/>
-                <a:cs typeface="Consolas"/>
-              </a:rPr>
-              <a:t>int</a:t>
-            </a:r>
-            <a:r>
-              <a:rPr sz="1650" spc="-53" dirty="0">
-                <a:solidFill>
-                  <a:srgbClr val="AF0040"/>
-                </a:solidFill>
-                <a:latin typeface="Consolas"/>
-                <a:cs typeface="Consolas"/>
-              </a:rPr>
-              <a:t> </a:t>
-            </a:r>
-            <a:r>
-              <a:rPr sz="1650" dirty="0">
-                <a:latin typeface="Consolas"/>
-                <a:cs typeface="Consolas"/>
-              </a:rPr>
-              <a:t>fd</a:t>
-            </a:r>
-            <a:r>
-              <a:rPr sz="1650" spc="-53" dirty="0">
-                <a:latin typeface="Consolas"/>
-                <a:cs typeface="Consolas"/>
-              </a:rPr>
-              <a:t> </a:t>
-            </a:r>
-            <a:r>
-              <a:rPr sz="1650" dirty="0">
-                <a:solidFill>
-                  <a:srgbClr val="666666"/>
-                </a:solidFill>
-                <a:latin typeface="Consolas"/>
-                <a:cs typeface="Consolas"/>
-              </a:rPr>
-              <a:t>=</a:t>
-            </a:r>
-            <a:r>
-              <a:rPr sz="1650" spc="-53" dirty="0">
-                <a:solidFill>
-                  <a:srgbClr val="666666"/>
-                </a:solidFill>
-                <a:latin typeface="Consolas"/>
-                <a:cs typeface="Consolas"/>
-              </a:rPr>
-              <a:t> </a:t>
-            </a:r>
-            <a:r>
-              <a:rPr sz="1650" dirty="0">
-                <a:latin typeface="Consolas"/>
-                <a:cs typeface="Consolas"/>
-              </a:rPr>
-              <a:t>open(</a:t>
-            </a:r>
-            <a:r>
-              <a:rPr sz="1650" dirty="0">
-                <a:solidFill>
-                  <a:srgbClr val="B92020"/>
-                </a:solidFill>
-                <a:latin typeface="Consolas"/>
-                <a:cs typeface="Consolas"/>
-              </a:rPr>
-              <a:t>"/etc/passwd"</a:t>
-            </a:r>
-            <a:r>
-              <a:rPr sz="1650" dirty="0">
-                <a:latin typeface="Consolas"/>
-                <a:cs typeface="Consolas"/>
-              </a:rPr>
-              <a:t>,</a:t>
-            </a:r>
-            <a:r>
-              <a:rPr sz="1650" spc="-53" dirty="0">
-                <a:latin typeface="Consolas"/>
-                <a:cs typeface="Consolas"/>
-              </a:rPr>
-              <a:t> </a:t>
-            </a:r>
-            <a:r>
-              <a:rPr sz="1650" spc="-8" dirty="0">
-                <a:latin typeface="Consolas"/>
-                <a:cs typeface="Consolas"/>
-              </a:rPr>
-              <a:t>O_RDWR);</a:t>
-            </a:r>
-            <a:endParaRPr sz="1650" dirty="0">
-              <a:latin typeface="Consolas"/>
-              <a:cs typeface="Consolas"/>
-            </a:endParaRPr>
-          </a:p>
-          <a:p>
-            <a:pPr marL="9525">
-              <a:spcBef>
-                <a:spcPts val="495"/>
-              </a:spcBef>
-            </a:pPr>
-            <a:r>
-              <a:rPr sz="1650" i="1" dirty="0">
-                <a:latin typeface="Calibri"/>
-                <a:cs typeface="Calibri"/>
-              </a:rPr>
-              <a:t>=&gt;</a:t>
-            </a:r>
-            <a:r>
-              <a:rPr sz="1650" i="1" spc="-15" dirty="0">
-                <a:latin typeface="Calibri"/>
-                <a:cs typeface="Calibri"/>
-              </a:rPr>
-              <a:t> </a:t>
-            </a:r>
-            <a:r>
-              <a:rPr sz="1650" i="1" dirty="0">
-                <a:latin typeface="Calibri"/>
-                <a:cs typeface="Calibri"/>
-              </a:rPr>
-              <a:t>fork()</a:t>
-            </a:r>
-            <a:r>
-              <a:rPr sz="1650" i="1" spc="-23" dirty="0">
-                <a:latin typeface="Calibri"/>
-                <a:cs typeface="Calibri"/>
-              </a:rPr>
-              <a:t> </a:t>
-            </a:r>
-            <a:r>
-              <a:rPr sz="1650" i="1" dirty="0">
-                <a:latin typeface="Calibri"/>
-                <a:cs typeface="Calibri"/>
-              </a:rPr>
-              <a:t>+</a:t>
-            </a:r>
-            <a:r>
-              <a:rPr sz="1650" i="1" spc="-26" dirty="0">
-                <a:latin typeface="Calibri"/>
-                <a:cs typeface="Calibri"/>
-              </a:rPr>
-              <a:t> </a:t>
-            </a:r>
-            <a:r>
-              <a:rPr sz="1650" i="1" dirty="0">
-                <a:latin typeface="Calibri"/>
-                <a:cs typeface="Calibri"/>
-              </a:rPr>
-              <a:t>exec(),</a:t>
-            </a:r>
-            <a:r>
-              <a:rPr sz="1650" i="1" spc="-8" dirty="0">
-                <a:latin typeface="Calibri"/>
-                <a:cs typeface="Calibri"/>
-              </a:rPr>
-              <a:t> </a:t>
-            </a:r>
-            <a:r>
-              <a:rPr sz="1650" i="1" dirty="0">
-                <a:latin typeface="Calibri"/>
-                <a:cs typeface="Calibri"/>
-              </a:rPr>
-              <a:t>new</a:t>
-            </a:r>
-            <a:r>
-              <a:rPr sz="1650" i="1" spc="-15" dirty="0">
-                <a:latin typeface="Calibri"/>
-                <a:cs typeface="Calibri"/>
-              </a:rPr>
-              <a:t> </a:t>
-            </a:r>
-            <a:r>
-              <a:rPr sz="1650" i="1" dirty="0">
-                <a:latin typeface="Calibri"/>
-                <a:cs typeface="Calibri"/>
-              </a:rPr>
-              <a:t>process</a:t>
-            </a:r>
-            <a:r>
-              <a:rPr sz="1650" i="1" spc="-41" dirty="0">
-                <a:latin typeface="Calibri"/>
-                <a:cs typeface="Calibri"/>
-              </a:rPr>
-              <a:t> </a:t>
-            </a:r>
-            <a:r>
-              <a:rPr sz="1650" i="1" dirty="0">
-                <a:latin typeface="Calibri"/>
-                <a:cs typeface="Calibri"/>
-              </a:rPr>
-              <a:t>inherits</a:t>
-            </a:r>
-            <a:r>
-              <a:rPr sz="1650" i="1" spc="-30" dirty="0">
-                <a:latin typeface="Calibri"/>
-                <a:cs typeface="Calibri"/>
-              </a:rPr>
-              <a:t> </a:t>
-            </a:r>
-            <a:r>
-              <a:rPr sz="1650" i="1" dirty="0">
-                <a:latin typeface="Calibri"/>
-                <a:cs typeface="Calibri"/>
-              </a:rPr>
-              <a:t>fd</a:t>
-            </a:r>
-            <a:r>
-              <a:rPr sz="1650" i="1" spc="-19" dirty="0">
-                <a:latin typeface="Calibri"/>
-                <a:cs typeface="Calibri"/>
-              </a:rPr>
-              <a:t> </a:t>
-            </a:r>
-            <a:r>
-              <a:rPr sz="1650" i="1" dirty="0">
-                <a:latin typeface="Calibri"/>
-                <a:cs typeface="Calibri"/>
-              </a:rPr>
-              <a:t>(the</a:t>
-            </a:r>
-            <a:r>
-              <a:rPr sz="1650" i="1" spc="-23" dirty="0">
-                <a:latin typeface="Calibri"/>
-                <a:cs typeface="Calibri"/>
-              </a:rPr>
-              <a:t> </a:t>
-            </a:r>
-            <a:r>
-              <a:rPr sz="1650" i="1" spc="-8" dirty="0">
-                <a:latin typeface="Calibri"/>
-                <a:cs typeface="Calibri"/>
-              </a:rPr>
-              <a:t>authorization</a:t>
-            </a:r>
-            <a:endParaRPr sz="1650" dirty="0">
-              <a:latin typeface="Calibri"/>
-              <a:cs typeface="Calibri"/>
-            </a:endParaRPr>
-          </a:p>
-          <a:p>
-            <a:pPr marL="9525">
-              <a:spcBef>
-                <a:spcPts val="495"/>
-              </a:spcBef>
-            </a:pPr>
-            <a:r>
-              <a:rPr sz="1650" i="1" spc="-8" dirty="0">
-                <a:latin typeface="Calibri"/>
-                <a:cs typeface="Calibri"/>
-              </a:rPr>
-              <a:t>“token”)</a:t>
-            </a:r>
-            <a:endParaRPr sz="1650" dirty="0">
-              <a:latin typeface="Calibri"/>
-              <a:cs typeface="Calibri"/>
-            </a:endParaRPr>
-          </a:p>
-          <a:p>
-            <a:pPr>
-              <a:spcBef>
-                <a:spcPts val="960"/>
-              </a:spcBef>
-            </a:pPr>
-            <a:endParaRPr sz="1650" dirty="0">
-              <a:latin typeface="Calibri"/>
-              <a:cs typeface="Calibri"/>
-            </a:endParaRPr>
-          </a:p>
-          <a:p>
-            <a:pPr marL="75724" algn="just"/>
-            <a:r>
-              <a:rPr sz="1650" dirty="0"/>
-              <a:t>-</a:t>
-            </a:r>
-            <a:r>
-              <a:rPr sz="1650" spc="300" dirty="0"/>
-              <a:t>  </a:t>
-            </a:r>
-            <a:r>
-              <a:rPr sz="1650" dirty="0">
-                <a:latin typeface="Calibri"/>
-                <a:cs typeface="Calibri"/>
-              </a:rPr>
-              <a:t>Windows:</a:t>
-            </a:r>
-            <a:r>
-              <a:rPr sz="1650" spc="-23" dirty="0">
-                <a:latin typeface="Calibri"/>
-                <a:cs typeface="Calibri"/>
-              </a:rPr>
-              <a:t> </a:t>
-            </a:r>
-            <a:r>
-              <a:rPr sz="1650" dirty="0">
-                <a:latin typeface="Calibri"/>
-                <a:cs typeface="Calibri"/>
-              </a:rPr>
-              <a:t>Security</a:t>
-            </a:r>
-            <a:r>
-              <a:rPr sz="1650" spc="-11" dirty="0">
-                <a:latin typeface="Calibri"/>
-                <a:cs typeface="Calibri"/>
-              </a:rPr>
-              <a:t> </a:t>
-            </a:r>
-            <a:r>
-              <a:rPr sz="1650" dirty="0">
-                <a:latin typeface="Calibri"/>
-                <a:cs typeface="Calibri"/>
-              </a:rPr>
-              <a:t>Identifier</a:t>
-            </a:r>
-            <a:r>
-              <a:rPr sz="1650" spc="-23" dirty="0">
-                <a:latin typeface="Calibri"/>
-                <a:cs typeface="Calibri"/>
-              </a:rPr>
-              <a:t> </a:t>
-            </a:r>
-            <a:r>
-              <a:rPr sz="1650" dirty="0">
-                <a:latin typeface="Calibri"/>
-                <a:cs typeface="Calibri"/>
-              </a:rPr>
-              <a:t>(SID)</a:t>
-            </a:r>
-            <a:r>
-              <a:rPr sz="1650" spc="-19" dirty="0">
-                <a:latin typeface="Calibri"/>
-                <a:cs typeface="Calibri"/>
-              </a:rPr>
-              <a:t> </a:t>
-            </a:r>
-            <a:r>
-              <a:rPr sz="1650" dirty="0">
-                <a:latin typeface="Calibri"/>
-                <a:cs typeface="Calibri"/>
-              </a:rPr>
-              <a:t>in</a:t>
-            </a:r>
-            <a:r>
-              <a:rPr sz="1650" spc="-30" dirty="0">
-                <a:latin typeface="Calibri"/>
-                <a:cs typeface="Calibri"/>
-              </a:rPr>
-              <a:t> </a:t>
-            </a:r>
-            <a:r>
-              <a:rPr sz="1650" dirty="0">
-                <a:latin typeface="Calibri"/>
-                <a:cs typeface="Calibri"/>
-              </a:rPr>
-              <a:t>Active</a:t>
-            </a:r>
-            <a:r>
-              <a:rPr sz="1650" spc="-26" dirty="0">
-                <a:latin typeface="Calibri"/>
-                <a:cs typeface="Calibri"/>
-              </a:rPr>
-              <a:t> </a:t>
-            </a:r>
-            <a:r>
-              <a:rPr sz="1650" spc="-8" dirty="0">
-                <a:latin typeface="Calibri"/>
-                <a:cs typeface="Calibri"/>
-              </a:rPr>
-              <a:t>Directory</a:t>
-            </a:r>
-            <a:endParaRPr sz="1650" dirty="0">
               <a:latin typeface="Calibri"/>
               <a:cs typeface="Calibri"/>
             </a:endParaRPr>
@@ -16494,7 +16312,7 @@
         <p:spPr>
           <a:xfrm>
             <a:off x="687705" y="1280131"/>
-            <a:ext cx="7769066" cy="3244638"/>
+            <a:ext cx="7769066" cy="2085347"/>
           </a:xfrm>
           <a:prstGeom prst="rect">
             <a:avLst/>
@@ -16900,289 +16718,6 @@
               <a:buFont typeface="Arial"/>
               <a:buChar char="•"/>
             </a:pPr>
-            <a:endParaRPr sz="1800" dirty="0">
-              <a:latin typeface="+mn-lt"/>
-              <a:cs typeface="Calibri"/>
-            </a:endParaRPr>
-          </a:p>
-          <a:p>
-            <a:pPr marL="180022" indent="-170497">
-              <a:buFont typeface="Arial"/>
-              <a:buChar char="•"/>
-              <a:tabLst>
-                <a:tab pos="180022" algn="l"/>
-              </a:tabLst>
-            </a:pPr>
-            <a:r>
-              <a:rPr sz="1800" dirty="0">
-                <a:latin typeface="+mn-lt"/>
-                <a:cs typeface="Calibri"/>
-              </a:rPr>
-              <a:t>The</a:t>
-            </a:r>
-            <a:r>
-              <a:rPr sz="1800" spc="-75" dirty="0">
-                <a:latin typeface="+mn-lt"/>
-                <a:cs typeface="Calibri"/>
-              </a:rPr>
-              <a:t> </a:t>
-            </a:r>
-            <a:r>
-              <a:rPr sz="1800" dirty="0">
-                <a:latin typeface="+mn-lt"/>
-                <a:cs typeface="Calibri"/>
-              </a:rPr>
-              <a:t>Confused</a:t>
-            </a:r>
-            <a:r>
-              <a:rPr sz="1800" spc="-53" dirty="0">
-                <a:latin typeface="+mn-lt"/>
-                <a:cs typeface="Calibri"/>
-              </a:rPr>
-              <a:t> </a:t>
-            </a:r>
-            <a:r>
-              <a:rPr sz="1800" dirty="0">
-                <a:latin typeface="+mn-lt"/>
-                <a:cs typeface="Calibri"/>
-              </a:rPr>
-              <a:t>Deputy</a:t>
-            </a:r>
-            <a:r>
-              <a:rPr sz="1800" spc="-49" dirty="0">
-                <a:latin typeface="+mn-lt"/>
-                <a:cs typeface="Calibri"/>
-              </a:rPr>
-              <a:t> </a:t>
-            </a:r>
-            <a:r>
-              <a:rPr sz="1800" dirty="0">
-                <a:latin typeface="+mn-lt"/>
-                <a:cs typeface="Calibri"/>
-              </a:rPr>
-              <a:t>Problem</a:t>
-            </a:r>
-            <a:r>
-              <a:rPr sz="1800" spc="-64" dirty="0">
-                <a:latin typeface="+mn-lt"/>
-                <a:cs typeface="Calibri"/>
-              </a:rPr>
-              <a:t> </a:t>
-            </a:r>
-            <a:r>
-              <a:rPr sz="1800" spc="-8" dirty="0">
-                <a:latin typeface="+mn-lt"/>
-                <a:cs typeface="Calibri"/>
-              </a:rPr>
-              <a:t>[1986]</a:t>
-            </a:r>
-            <a:endParaRPr sz="1800" dirty="0">
-              <a:latin typeface="+mn-lt"/>
-              <a:cs typeface="Calibri"/>
-            </a:endParaRPr>
-          </a:p>
-          <a:p>
-            <a:pPr marL="522923" lvl="1" indent="-170497">
-              <a:spcBef>
-                <a:spcPts val="183"/>
-              </a:spcBef>
-              <a:buFont typeface="Arial"/>
-              <a:buChar char="•"/>
-              <a:tabLst>
-                <a:tab pos="522923" algn="l"/>
-              </a:tabLst>
-            </a:pPr>
-            <a:r>
-              <a:rPr sz="1800" dirty="0">
-                <a:latin typeface="+mn-lt"/>
-                <a:cs typeface="Calibri"/>
-              </a:rPr>
-              <a:t>Example:</a:t>
-            </a:r>
-            <a:r>
-              <a:rPr sz="1800" spc="-41" dirty="0">
-                <a:latin typeface="+mn-lt"/>
-                <a:cs typeface="Calibri"/>
-              </a:rPr>
-              <a:t> </a:t>
-            </a:r>
-            <a:r>
-              <a:rPr sz="1800" spc="-8" dirty="0">
-                <a:latin typeface="+mn-lt"/>
-                <a:cs typeface="Calibri"/>
-              </a:rPr>
-              <a:t>Cross-</a:t>
-            </a:r>
-            <a:r>
-              <a:rPr sz="1800" dirty="0">
-                <a:latin typeface="+mn-lt"/>
-                <a:cs typeface="Calibri"/>
-              </a:rPr>
-              <a:t>Site</a:t>
-            </a:r>
-            <a:r>
-              <a:rPr sz="1800" spc="-38" dirty="0">
-                <a:latin typeface="+mn-lt"/>
-                <a:cs typeface="Calibri"/>
-              </a:rPr>
-              <a:t> </a:t>
-            </a:r>
-            <a:r>
-              <a:rPr sz="1800" dirty="0">
-                <a:latin typeface="+mn-lt"/>
-                <a:cs typeface="Calibri"/>
-              </a:rPr>
-              <a:t>Scripting</a:t>
-            </a:r>
-            <a:r>
-              <a:rPr sz="1800" spc="-38" dirty="0">
-                <a:latin typeface="+mn-lt"/>
-                <a:cs typeface="Calibri"/>
-              </a:rPr>
-              <a:t> </a:t>
-            </a:r>
-            <a:r>
-              <a:rPr sz="1800" dirty="0">
-                <a:latin typeface="+mn-lt"/>
-                <a:cs typeface="Calibri"/>
-              </a:rPr>
-              <a:t>(XSS),</a:t>
-            </a:r>
-            <a:r>
-              <a:rPr sz="1800" spc="-34" dirty="0">
-                <a:latin typeface="+mn-lt"/>
-                <a:cs typeface="Calibri"/>
-              </a:rPr>
-              <a:t> </a:t>
-            </a:r>
-            <a:r>
-              <a:rPr sz="1800" i="1" dirty="0">
-                <a:latin typeface="+mn-lt"/>
-                <a:cs typeface="Calibri"/>
-              </a:rPr>
-              <a:t>setuid</a:t>
-            </a:r>
-            <a:r>
-              <a:rPr sz="1800" i="1" spc="-26" dirty="0">
-                <a:latin typeface="+mn-lt"/>
-                <a:cs typeface="Calibri"/>
-              </a:rPr>
-              <a:t> </a:t>
-            </a:r>
-            <a:r>
-              <a:rPr sz="1800" dirty="0">
-                <a:latin typeface="+mn-lt"/>
-                <a:cs typeface="Calibri"/>
-              </a:rPr>
-              <a:t>privilege</a:t>
-            </a:r>
-            <a:r>
-              <a:rPr sz="1800" spc="-23" dirty="0">
-                <a:latin typeface="+mn-lt"/>
-                <a:cs typeface="Calibri"/>
-              </a:rPr>
-              <a:t> </a:t>
-            </a:r>
-            <a:r>
-              <a:rPr sz="1800" dirty="0">
-                <a:latin typeface="+mn-lt"/>
-                <a:cs typeface="Calibri"/>
-              </a:rPr>
-              <a:t>escalation</a:t>
-            </a:r>
-            <a:r>
-              <a:rPr sz="1800" spc="-23" dirty="0">
-                <a:latin typeface="+mn-lt"/>
-                <a:cs typeface="Calibri"/>
-              </a:rPr>
-              <a:t> </a:t>
-            </a:r>
-            <a:r>
-              <a:rPr sz="1800" dirty="0">
-                <a:latin typeface="+mn-lt"/>
-                <a:cs typeface="Calibri"/>
-              </a:rPr>
-              <a:t>(e.g.,</a:t>
-            </a:r>
-            <a:r>
-              <a:rPr sz="1800" spc="-30" dirty="0">
-                <a:latin typeface="+mn-lt"/>
-                <a:cs typeface="Calibri"/>
-              </a:rPr>
-              <a:t> </a:t>
-            </a:r>
-            <a:r>
-              <a:rPr sz="1800" spc="-8" dirty="0">
-                <a:latin typeface="+mn-lt"/>
-                <a:cs typeface="Calibri"/>
-              </a:rPr>
-              <a:t>sudo)</a:t>
-            </a:r>
-            <a:endParaRPr sz="1800" dirty="0">
-              <a:latin typeface="+mn-lt"/>
-              <a:cs typeface="Calibri"/>
-            </a:endParaRPr>
-          </a:p>
-          <a:p>
-            <a:pPr marL="522923" lvl="1" indent="-170497">
-              <a:spcBef>
-                <a:spcPts val="161"/>
-              </a:spcBef>
-              <a:buFont typeface="Arial"/>
-              <a:buChar char="•"/>
-              <a:tabLst>
-                <a:tab pos="522923" algn="l"/>
-              </a:tabLst>
-            </a:pPr>
-            <a:r>
-              <a:rPr sz="1800" dirty="0">
-                <a:latin typeface="+mn-lt"/>
-                <a:cs typeface="Calibri"/>
-              </a:rPr>
-              <a:t>Solution:</a:t>
-            </a:r>
-            <a:r>
-              <a:rPr sz="1800" spc="-49" dirty="0">
-                <a:latin typeface="+mn-lt"/>
-                <a:cs typeface="Calibri"/>
-              </a:rPr>
-              <a:t> </a:t>
-            </a:r>
-            <a:r>
-              <a:rPr sz="1800" dirty="0">
-                <a:latin typeface="+mn-lt"/>
-                <a:cs typeface="Calibri"/>
-              </a:rPr>
-              <a:t>Use</a:t>
-            </a:r>
-            <a:r>
-              <a:rPr sz="1800" spc="-38" dirty="0">
-                <a:latin typeface="+mn-lt"/>
-                <a:cs typeface="Calibri"/>
-              </a:rPr>
-              <a:t> </a:t>
-            </a:r>
-            <a:r>
-              <a:rPr sz="1800" dirty="0">
-                <a:latin typeface="+mn-lt"/>
-                <a:cs typeface="Calibri"/>
-              </a:rPr>
-              <a:t>Capabilities</a:t>
-            </a:r>
-            <a:r>
-              <a:rPr sz="1800" spc="-60" dirty="0">
-                <a:latin typeface="+mn-lt"/>
-                <a:cs typeface="Calibri"/>
-              </a:rPr>
-              <a:t> </a:t>
-            </a:r>
-            <a:r>
-              <a:rPr sz="1800" spc="-8" dirty="0">
-                <a:latin typeface="+mn-lt"/>
-                <a:cs typeface="Calibri"/>
-              </a:rPr>
-              <a:t>Implementation</a:t>
-            </a:r>
             <a:endParaRPr sz="1800" dirty="0">
               <a:latin typeface="+mn-lt"/>
               <a:cs typeface="Calibri"/>
@@ -17289,7 +16824,7 @@
         </p:nvSpPr>
         <p:spPr>
           <a:xfrm>
-            <a:off x="208904" y="1292132"/>
+            <a:off x="201950" y="1139153"/>
             <a:ext cx="8650696" cy="3648211"/>
           </a:xfrm>
           <a:prstGeom prst="rect">
@@ -17517,6 +17052,25 @@
             </a:r>
           </a:p>
           <a:p>
+            <a:pPr marL="478155" lvl="3" indent="-285750" algn="just">
+              <a:lnSpc>
+                <a:spcPct val="105000"/>
+              </a:lnSpc>
+              <a:buFont typeface="Wingdings" pitchFamily="2" charset="2"/>
+              <a:buChar char="Ø"/>
+              <a:tabLst>
+                <a:tab pos="180022" algn="l"/>
+              </a:tabLst>
+            </a:pPr>
+            <a:endParaRPr lang="en-US" sz="1200" b="0" i="0" dirty="0">
+              <a:solidFill>
+                <a:schemeClr val="tx1"/>
+              </a:solidFill>
+              <a:effectLst/>
+              <a:latin typeface="Helvetica" pitchFamily="2" charset="0"/>
+            </a:endParaRPr>
+          </a:p>
+          <a:p>
             <a:pPr marL="180022" lvl="2" indent="-170497" algn="just">
               <a:lnSpc>
                 <a:spcPct val="105000"/>
@@ -17576,28 +17130,7 @@
                 </a:solidFill>
                 <a:latin typeface="+mn-lt"/>
               </a:rPr>
-              <a:t>Access rights: Bob defines access rights</a:t>
-            </a:r>
-          </a:p>
-          <a:p>
-            <a:pPr marL="478155" lvl="3" indent="-285750" algn="just">
-              <a:lnSpc>
-                <a:spcPct val="105000"/>
-              </a:lnSpc>
-              <a:buFont typeface="Wingdings" pitchFamily="2" charset="2"/>
-              <a:buChar char="Ø"/>
-              <a:tabLst>
-                <a:tab pos="180022" algn="l"/>
-              </a:tabLst>
-            </a:pPr>
-            <a:r>
-              <a:rPr lang="en-US" sz="1200" dirty="0">
-                <a:solidFill>
-                  <a:schemeClr val="tx1"/>
-                </a:solidFill>
-                <a:latin typeface="+mn-lt"/>
-              </a:rPr>
-              <a:t>Add new users: Bob can assign a key to a thirty-party</a:t>
+              <a:t>Adding new users: Bob can assign a key to a thirty-party</a:t>
             </a:r>
           </a:p>
           <a:p>
@@ -17654,6 +17187,418 @@
   <p:clrMapOvr>
     <a:masterClrMapping/>
   </p:clrMapOvr>
+  <p:timing>
+    <p:tnLst>
+      <p:par>
+        <p:cTn id="1" dur="indefinite" restart="never" nodeType="tmRoot">
+          <p:childTnLst>
+            <p:seq concurrent="1" nextAc="seek">
+              <p:cTn id="2" dur="indefinite" nodeType="mainSeq">
+                <p:childTnLst>
+                  <p:par>
+                    <p:cTn id="3" fill="hold">
+                      <p:stCondLst>
+                        <p:cond delay="indefinite"/>
+                      </p:stCondLst>
+                      <p:childTnLst>
+                        <p:par>
+                          <p:cTn id="4" fill="hold">
+                            <p:stCondLst>
+                              <p:cond delay="0"/>
+                            </p:stCondLst>
+                            <p:childTnLst>
+                              <p:par>
+                                <p:cTn id="5" presetID="1" presetClass="entr" presetSubtype="0" fill="hold" nodeType="clickEffect">
+                                  <p:stCondLst>
+                                    <p:cond delay="0"/>
+                                  </p:stCondLst>
+                                  <p:childTnLst>
+                                    <p:set>
+                                      <p:cBhvr>
+                                        <p:cTn id="6" dur="1" fill="hold">
+                                          <p:stCondLst>
+                                            <p:cond delay="0"/>
+                                          </p:stCondLst>
+                                        </p:cTn>
+                                        <p:tgtEl>
+                                          <p:spTgt spid="3">
+                                            <p:txEl>
+                                              <p:pRg st="4" end="4"/>
+                                            </p:txEl>
+                                          </p:spTgt>
+                                        </p:tgtEl>
+                                        <p:attrNameLst>
+                                          <p:attrName>style.visibility</p:attrName>
+                                        </p:attrNameLst>
+                                      </p:cBhvr>
+                                      <p:to>
+                                        <p:strVal val="visible"/>
+                                      </p:to>
+                                    </p:set>
+                                  </p:childTnLst>
+                                </p:cTn>
+                              </p:par>
+                            </p:childTnLst>
+                          </p:cTn>
+                        </p:par>
+                      </p:childTnLst>
+                    </p:cTn>
+                  </p:par>
+                  <p:par>
+                    <p:cTn id="7" fill="hold">
+                      <p:stCondLst>
+                        <p:cond delay="indefinite"/>
+                      </p:stCondLst>
+                      <p:childTnLst>
+                        <p:par>
+                          <p:cTn id="8" fill="hold">
+                            <p:stCondLst>
+                              <p:cond delay="0"/>
+                            </p:stCondLst>
+                            <p:childTnLst>
+                              <p:par>
+                                <p:cTn id="9" presetID="1" presetClass="entr" presetSubtype="0" fill="hold" nodeType="clickEffect">
+                                  <p:stCondLst>
+                                    <p:cond delay="0"/>
+                                  </p:stCondLst>
+                                  <p:childTnLst>
+                                    <p:set>
+                                      <p:cBhvr>
+                                        <p:cTn id="10" dur="1" fill="hold">
+                                          <p:stCondLst>
+                                            <p:cond delay="0"/>
+                                          </p:stCondLst>
+                                        </p:cTn>
+                                        <p:tgtEl>
+                                          <p:spTgt spid="3">
+                                            <p:txEl>
+                                              <p:pRg st="5" end="5"/>
+                                            </p:txEl>
+                                          </p:spTgt>
+                                        </p:tgtEl>
+                                        <p:attrNameLst>
+                                          <p:attrName>style.visibility</p:attrName>
+                                        </p:attrNameLst>
+                                      </p:cBhvr>
+                                      <p:to>
+                                        <p:strVal val="visible"/>
+                                      </p:to>
+                                    </p:set>
+                                  </p:childTnLst>
+                                </p:cTn>
+                              </p:par>
+                              <p:par>
+                                <p:cTn id="11" presetID="1" presetClass="entr" presetSubtype="0" fill="hold" nodeType="withEffect">
+                                  <p:stCondLst>
+                                    <p:cond delay="0"/>
+                                  </p:stCondLst>
+                                  <p:childTnLst>
+                                    <p:set>
+                                      <p:cBhvr>
+                                        <p:cTn id="12" dur="1" fill="hold">
+                                          <p:stCondLst>
+                                            <p:cond delay="0"/>
+                                          </p:stCondLst>
+                                        </p:cTn>
+                                        <p:tgtEl>
+                                          <p:spTgt spid="3">
+                                            <p:txEl>
+                                              <p:pRg st="6" end="6"/>
+                                            </p:txEl>
+                                          </p:spTgt>
+                                        </p:tgtEl>
+                                        <p:attrNameLst>
+                                          <p:attrName>style.visibility</p:attrName>
+                                        </p:attrNameLst>
+                                      </p:cBhvr>
+                                      <p:to>
+                                        <p:strVal val="visible"/>
+                                      </p:to>
+                                    </p:set>
+                                  </p:childTnLst>
+                                </p:cTn>
+                              </p:par>
+                              <p:par>
+                                <p:cTn id="13" presetID="1" presetClass="entr" presetSubtype="0" fill="hold" nodeType="withEffect">
+                                  <p:stCondLst>
+                                    <p:cond delay="0"/>
+                                  </p:stCondLst>
+                                  <p:childTnLst>
+                                    <p:set>
+                                      <p:cBhvr>
+                                        <p:cTn id="14" dur="1" fill="hold">
+                                          <p:stCondLst>
+                                            <p:cond delay="0"/>
+                                          </p:stCondLst>
+                                        </p:cTn>
+                                        <p:tgtEl>
+                                          <p:spTgt spid="3">
+                                            <p:txEl>
+                                              <p:pRg st="7" end="7"/>
+                                            </p:txEl>
+                                          </p:spTgt>
+                                        </p:tgtEl>
+                                        <p:attrNameLst>
+                                          <p:attrName>style.visibility</p:attrName>
+                                        </p:attrNameLst>
+                                      </p:cBhvr>
+                                      <p:to>
+                                        <p:strVal val="visible"/>
+                                      </p:to>
+                                    </p:set>
+                                  </p:childTnLst>
+                                </p:cTn>
+                              </p:par>
+                              <p:par>
+                                <p:cTn id="15" presetID="1" presetClass="entr" presetSubtype="0" fill="hold" nodeType="withEffect">
+                                  <p:stCondLst>
+                                    <p:cond delay="0"/>
+                                  </p:stCondLst>
+                                  <p:childTnLst>
+                                    <p:set>
+                                      <p:cBhvr>
+                                        <p:cTn id="16" dur="1" fill="hold">
+                                          <p:stCondLst>
+                                            <p:cond delay="0"/>
+                                          </p:stCondLst>
+                                        </p:cTn>
+                                        <p:tgtEl>
+                                          <p:spTgt spid="3">
+                                            <p:txEl>
+                                              <p:pRg st="8" end="8"/>
+                                            </p:txEl>
+                                          </p:spTgt>
+                                        </p:tgtEl>
+                                        <p:attrNameLst>
+                                          <p:attrName>style.visibility</p:attrName>
+                                        </p:attrNameLst>
+                                      </p:cBhvr>
+                                      <p:to>
+                                        <p:strVal val="visible"/>
+                                      </p:to>
+                                    </p:set>
+                                  </p:childTnLst>
+                                </p:cTn>
+                              </p:par>
+                            </p:childTnLst>
+                          </p:cTn>
+                        </p:par>
+                      </p:childTnLst>
+                    </p:cTn>
+                  </p:par>
+                  <p:par>
+                    <p:cTn id="17" fill="hold">
+                      <p:stCondLst>
+                        <p:cond delay="indefinite"/>
+                      </p:stCondLst>
+                      <p:childTnLst>
+                        <p:par>
+                          <p:cTn id="18" fill="hold">
+                            <p:stCondLst>
+                              <p:cond delay="0"/>
+                            </p:stCondLst>
+                            <p:childTnLst>
+                              <p:par>
+                                <p:cTn id="19" presetID="1" presetClass="entr" presetSubtype="0" fill="hold" nodeType="clickEffect">
+                                  <p:stCondLst>
+                                    <p:cond delay="0"/>
+                                  </p:stCondLst>
+                                  <p:childTnLst>
+                                    <p:set>
+                                      <p:cBhvr>
+                                        <p:cTn id="20" dur="1" fill="hold">
+                                          <p:stCondLst>
+                                            <p:cond delay="0"/>
+                                          </p:stCondLst>
+                                        </p:cTn>
+                                        <p:tgtEl>
+                                          <p:spTgt spid="3">
+                                            <p:txEl>
+                                              <p:pRg st="10" end="10"/>
+                                            </p:txEl>
+                                          </p:spTgt>
+                                        </p:tgtEl>
+                                        <p:attrNameLst>
+                                          <p:attrName>style.visibility</p:attrName>
+                                        </p:attrNameLst>
+                                      </p:cBhvr>
+                                      <p:to>
+                                        <p:strVal val="visible"/>
+                                      </p:to>
+                                    </p:set>
+                                  </p:childTnLst>
+                                </p:cTn>
+                              </p:par>
+                            </p:childTnLst>
+                          </p:cTn>
+                        </p:par>
+                      </p:childTnLst>
+                    </p:cTn>
+                  </p:par>
+                  <p:par>
+                    <p:cTn id="21" fill="hold">
+                      <p:stCondLst>
+                        <p:cond delay="indefinite"/>
+                      </p:stCondLst>
+                      <p:childTnLst>
+                        <p:par>
+                          <p:cTn id="22" fill="hold">
+                            <p:stCondLst>
+                              <p:cond delay="0"/>
+                            </p:stCondLst>
+                            <p:childTnLst>
+                              <p:par>
+                                <p:cTn id="23" presetID="1" presetClass="entr" presetSubtype="0" fill="hold" nodeType="clickEffect">
+                                  <p:stCondLst>
+                                    <p:cond delay="0"/>
+                                  </p:stCondLst>
+                                  <p:childTnLst>
+                                    <p:set>
+                                      <p:cBhvr>
+                                        <p:cTn id="24" dur="1" fill="hold">
+                                          <p:stCondLst>
+                                            <p:cond delay="0"/>
+                                          </p:stCondLst>
+                                        </p:cTn>
+                                        <p:tgtEl>
+                                          <p:spTgt spid="3">
+                                            <p:txEl>
+                                              <p:pRg st="11" end="11"/>
+                                            </p:txEl>
+                                          </p:spTgt>
+                                        </p:tgtEl>
+                                        <p:attrNameLst>
+                                          <p:attrName>style.visibility</p:attrName>
+                                        </p:attrNameLst>
+                                      </p:cBhvr>
+                                      <p:to>
+                                        <p:strVal val="visible"/>
+                                      </p:to>
+                                    </p:set>
+                                  </p:childTnLst>
+                                </p:cTn>
+                              </p:par>
+                              <p:par>
+                                <p:cTn id="25" presetID="1" presetClass="entr" presetSubtype="0" fill="hold" nodeType="withEffect">
+                                  <p:stCondLst>
+                                    <p:cond delay="0"/>
+                                  </p:stCondLst>
+                                  <p:childTnLst>
+                                    <p:set>
+                                      <p:cBhvr>
+                                        <p:cTn id="26" dur="1" fill="hold">
+                                          <p:stCondLst>
+                                            <p:cond delay="0"/>
+                                          </p:stCondLst>
+                                        </p:cTn>
+                                        <p:tgtEl>
+                                          <p:spTgt spid="3">
+                                            <p:txEl>
+                                              <p:pRg st="12" end="12"/>
+                                            </p:txEl>
+                                          </p:spTgt>
+                                        </p:tgtEl>
+                                        <p:attrNameLst>
+                                          <p:attrName>style.visibility</p:attrName>
+                                        </p:attrNameLst>
+                                      </p:cBhvr>
+                                      <p:to>
+                                        <p:strVal val="visible"/>
+                                      </p:to>
+                                    </p:set>
+                                  </p:childTnLst>
+                                </p:cTn>
+                              </p:par>
+                              <p:par>
+                                <p:cTn id="27" presetID="1" presetClass="entr" presetSubtype="0" fill="hold" nodeType="withEffect">
+                                  <p:stCondLst>
+                                    <p:cond delay="0"/>
+                                  </p:stCondLst>
+                                  <p:childTnLst>
+                                    <p:set>
+                                      <p:cBhvr>
+                                        <p:cTn id="28" dur="1" fill="hold">
+                                          <p:stCondLst>
+                                            <p:cond delay="0"/>
+                                          </p:stCondLst>
+                                        </p:cTn>
+                                        <p:tgtEl>
+                                          <p:spTgt spid="3">
+                                            <p:txEl>
+                                              <p:pRg st="13" end="13"/>
+                                            </p:txEl>
+                                          </p:spTgt>
+                                        </p:tgtEl>
+                                        <p:attrNameLst>
+                                          <p:attrName>style.visibility</p:attrName>
+                                        </p:attrNameLst>
+                                      </p:cBhvr>
+                                      <p:to>
+                                        <p:strVal val="visible"/>
+                                      </p:to>
+                                    </p:set>
+                                  </p:childTnLst>
+                                </p:cTn>
+                              </p:par>
+                              <p:par>
+                                <p:cTn id="29" presetID="1" presetClass="entr" presetSubtype="0" fill="hold" nodeType="withEffect">
+                                  <p:stCondLst>
+                                    <p:cond delay="0"/>
+                                  </p:stCondLst>
+                                  <p:childTnLst>
+                                    <p:set>
+                                      <p:cBhvr>
+                                        <p:cTn id="30" dur="1" fill="hold">
+                                          <p:stCondLst>
+                                            <p:cond delay="0"/>
+                                          </p:stCondLst>
+                                        </p:cTn>
+                                        <p:tgtEl>
+                                          <p:spTgt spid="3">
+                                            <p:txEl>
+                                              <p:pRg st="14" end="14"/>
+                                            </p:txEl>
+                                          </p:spTgt>
+                                        </p:tgtEl>
+                                        <p:attrNameLst>
+                                          <p:attrName>style.visibility</p:attrName>
+                                        </p:attrNameLst>
+                                      </p:cBhvr>
+                                      <p:to>
+                                        <p:strVal val="visible"/>
+                                      </p:to>
+                                    </p:set>
+                                  </p:childTnLst>
+                                </p:cTn>
+                              </p:par>
+                            </p:childTnLst>
+                          </p:cTn>
+                        </p:par>
+                      </p:childTnLst>
+                    </p:cTn>
+                  </p:par>
+                </p:childTnLst>
+              </p:cTn>
+              <p:prevCondLst>
+                <p:cond evt="onPrev" delay="0">
+                  <p:tgtEl>
+                    <p:sldTgt/>
+                  </p:tgtEl>
+                </p:cond>
+              </p:prevCondLst>
+              <p:nextCondLst>
+                <p:cond evt="onNext" delay="0">
+                  <p:tgtEl>
+                    <p:sldTgt/>
+                  </p:tgtEl>
+                </p:cond>
+              </p:nextCondLst>
+            </p:seq>
+          </p:childTnLst>
+        </p:cTn>
+      </p:par>
+    </p:tnLst>
+  </p:timing>
 </p:sld>
 </file>
 
@@ -17746,14 +17691,14 @@
           </a:bodyPr>
           <a:lstStyle/>
           <a:p>
-            <a:pPr marL="180022" marR="4763" indent="-170497">
+            <a:pPr marL="352425" marR="4763" indent="-342900">
               <a:lnSpc>
                 <a:spcPct val="114000"/>
               </a:lnSpc>
               <a:spcBef>
                 <a:spcPts val="356"/>
               </a:spcBef>
-              <a:buFont typeface="Arial"/>
+              <a:buFont typeface="Arial" panose="020B0604020202020204" pitchFamily="34" charset="0"/>
               <a:buChar char="•"/>
               <a:tabLst>
                 <a:tab pos="180975" algn="l"/>
@@ -18180,14 +18125,14 @@
             </a:endParaRPr>
           </a:p>
           <a:p>
-            <a:pPr marL="180022" indent="-170497">
+            <a:pPr marL="352425" indent="-342900">
               <a:lnSpc>
                 <a:spcPct val="114000"/>
               </a:lnSpc>
               <a:spcBef>
                 <a:spcPts val="450"/>
               </a:spcBef>
-              <a:buFont typeface="Arial"/>
+              <a:buFont typeface="Arial" panose="020B0604020202020204" pitchFamily="34" charset="0"/>
               <a:buChar char="•"/>
               <a:tabLst>
                 <a:tab pos="180022" algn="l"/>
@@ -18290,14 +18235,14 @@
             </a:endParaRPr>
           </a:p>
           <a:p>
-            <a:pPr marL="180022" indent="-170497">
+            <a:pPr marL="352425" indent="-342900">
               <a:lnSpc>
                 <a:spcPct val="114000"/>
               </a:lnSpc>
               <a:spcBef>
                 <a:spcPts val="503"/>
               </a:spcBef>
-              <a:buFont typeface="Arial"/>
+              <a:buFont typeface="Arial" panose="020B0604020202020204" pitchFamily="34" charset="0"/>
               <a:buChar char="•"/>
               <a:tabLst>
                 <a:tab pos="180022" algn="l"/>
@@ -18467,7 +18412,7 @@
         </p:nvSpPr>
         <p:spPr>
           <a:xfrm>
-            <a:off x="422148" y="3761259"/>
+            <a:off x="235936" y="3761259"/>
             <a:ext cx="3138252" cy="300563"/>
           </a:xfrm>
           <a:prstGeom prst="rect">
@@ -18565,7 +18510,7 @@
               </a:rPr>
               <a:t>F</a:t>
             </a:r>
-            <a:endParaRPr sz="1800">
+            <a:endParaRPr sz="1800" dirty="0">
               <a:latin typeface="+mn-lt"/>
               <a:cs typeface="Calibri"/>
             </a:endParaRPr>
@@ -18724,8 +18669,8 @@
         </p:nvSpPr>
         <p:spPr>
           <a:xfrm>
-            <a:off x="6457950" y="1580769"/>
-            <a:ext cx="498634" cy="576600"/>
+            <a:off x="6416742" y="1697615"/>
+            <a:ext cx="635958" cy="299602"/>
           </a:xfrm>
           <a:prstGeom prst="rect">
             <a:avLst/>
@@ -18748,27 +18693,13 @@
               </a:spcBef>
             </a:pPr>
             <a:r>
-              <a:rPr sz="1800" spc="-19" dirty="0">
+              <a:rPr sz="1800" spc="-19" dirty="0" err="1">
                 <a:latin typeface="+mn-lt"/>
                 <a:cs typeface="Calibri"/>
               </a:rPr>
               <a:t>A:r</a:t>
             </a:r>
-            <a:endParaRPr sz="1800">
-              <a:latin typeface="+mn-lt"/>
-              <a:cs typeface="Calibri"/>
-            </a:endParaRPr>
-          </a:p>
-          <a:p>
-            <a:pPr marL="69056"/>
-            <a:r>
-              <a:rPr sz="1800" spc="-19" dirty="0">
-                <a:latin typeface="+mn-lt"/>
-                <a:cs typeface="Calibri"/>
-              </a:rPr>
-              <a:t>A:w</a:t>
-            </a:r>
-            <a:endParaRPr sz="1800">
+            <a:endParaRPr sz="1800" dirty="0">
               <a:latin typeface="+mn-lt"/>
               <a:cs typeface="Calibri"/>
             </a:endParaRPr>
@@ -19510,11 +19441,545 @@
           </a:fontRef>
         </p:style>
       </p:cxnSp>
+      <p:sp>
+        <p:nvSpPr>
+          <p:cNvPr id="14" name="TextBox 13">
+            <a:extLst>
+              <a:ext uri="{FF2B5EF4-FFF2-40B4-BE49-F238E27FC236}">
+                <a16:creationId xmlns:a16="http://schemas.microsoft.com/office/drawing/2014/main" id="{1A153D9C-D805-1AEA-1657-5DEE62B8C73B}"/>
+              </a:ext>
+            </a:extLst>
+          </p:cNvPr>
+          <p:cNvSpPr txBox="1"/>
+          <p:nvPr/>
+        </p:nvSpPr>
+        <p:spPr>
+          <a:xfrm>
+            <a:off x="3839349" y="3606453"/>
+            <a:ext cx="5237202" cy="1446550"/>
+          </a:xfrm>
+          <a:prstGeom prst="rect">
+            <a:avLst/>
+          </a:prstGeom>
+          <a:noFill/>
+        </p:spPr>
+        <p:txBody>
+          <a:bodyPr wrap="square">
+            <a:spAutoFit/>
+          </a:bodyPr>
+          <a:lstStyle/>
+          <a:p>
+            <a:pPr algn="l"/>
+            <a:r>
+              <a:rPr lang="en-US" sz="1800" b="0" i="0" dirty="0">
+                <a:solidFill>
+                  <a:srgbClr val="000000"/>
+                </a:solidFill>
+                <a:effectLst/>
+                <a:latin typeface="+mn-lt"/>
+              </a:rPr>
+              <a:t>What does Trojan Horse do? </a:t>
+            </a:r>
+          </a:p>
+          <a:p>
+            <a:pPr marL="285750" indent="-285750" algn="l">
+              <a:buFont typeface="Arial" panose="020B0604020202020204" pitchFamily="34" charset="0"/>
+              <a:buChar char="•"/>
+            </a:pPr>
+            <a:r>
+              <a:rPr lang="en-US" b="0" i="0" dirty="0">
+                <a:solidFill>
+                  <a:srgbClr val="000000"/>
+                </a:solidFill>
+                <a:effectLst/>
+                <a:latin typeface="+mn-lt"/>
+              </a:rPr>
+              <a:t>Create a new object </a:t>
+            </a:r>
+            <a:r>
+              <a:rPr lang="en-US" dirty="0">
+                <a:latin typeface="+mn-lt"/>
+              </a:rPr>
+              <a:t>G</a:t>
+            </a:r>
+            <a:endParaRPr lang="en-US" b="0" i="0" dirty="0">
+              <a:solidFill>
+                <a:srgbClr val="000000"/>
+              </a:solidFill>
+              <a:effectLst/>
+              <a:latin typeface="+mn-lt"/>
+            </a:endParaRPr>
+          </a:p>
+          <a:p>
+            <a:pPr marL="285750" indent="-285750" algn="l">
+              <a:buFont typeface="Arial" panose="020B0604020202020204" pitchFamily="34" charset="0"/>
+              <a:buChar char="•"/>
+            </a:pPr>
+            <a:r>
+              <a:rPr lang="en-US" b="0" i="0" dirty="0">
+                <a:solidFill>
+                  <a:srgbClr val="000000"/>
+                </a:solidFill>
+                <a:effectLst/>
+                <a:latin typeface="+mn-lt"/>
+              </a:rPr>
+              <a:t>Grant A write access to </a:t>
+            </a:r>
+            <a:r>
+              <a:rPr lang="en-US" dirty="0">
+                <a:latin typeface="+mn-lt"/>
+              </a:rPr>
+              <a:t>G</a:t>
+            </a:r>
+            <a:endParaRPr lang="en-US" b="0" i="0" dirty="0">
+              <a:solidFill>
+                <a:srgbClr val="000000"/>
+              </a:solidFill>
+              <a:effectLst/>
+              <a:latin typeface="+mn-lt"/>
+            </a:endParaRPr>
+          </a:p>
+          <a:p>
+            <a:pPr marL="285750" indent="-285750" algn="l">
+              <a:buFont typeface="Arial" panose="020B0604020202020204" pitchFamily="34" charset="0"/>
+              <a:buChar char="•"/>
+            </a:pPr>
+            <a:r>
+              <a:rPr lang="en-US" b="0" i="0" dirty="0">
+                <a:solidFill>
+                  <a:srgbClr val="000000"/>
+                </a:solidFill>
+                <a:effectLst/>
+                <a:latin typeface="+mn-lt"/>
+              </a:rPr>
+              <a:t>Grant </a:t>
+            </a:r>
+            <a:r>
+              <a:rPr lang="en-US" dirty="0">
+                <a:latin typeface="+mn-lt"/>
+              </a:rPr>
+              <a:t>B</a:t>
+            </a:r>
+            <a:r>
+              <a:rPr lang="en-US" b="0" i="0" dirty="0">
+                <a:solidFill>
+                  <a:srgbClr val="000000"/>
+                </a:solidFill>
+                <a:effectLst/>
+                <a:latin typeface="+mn-lt"/>
+              </a:rPr>
+              <a:t> read access to </a:t>
+            </a:r>
+            <a:r>
+              <a:rPr lang="en-US" dirty="0">
+                <a:latin typeface="+mn-lt"/>
+              </a:rPr>
+              <a:t>G</a:t>
+            </a:r>
+            <a:endParaRPr lang="en-US" b="0" i="0" dirty="0">
+              <a:solidFill>
+                <a:srgbClr val="000000"/>
+              </a:solidFill>
+              <a:effectLst/>
+              <a:latin typeface="+mn-lt"/>
+            </a:endParaRPr>
+          </a:p>
+          <a:p>
+            <a:pPr marL="285750" indent="-285750" algn="l">
+              <a:buFont typeface="Arial" panose="020B0604020202020204" pitchFamily="34" charset="0"/>
+              <a:buChar char="•"/>
+            </a:pPr>
+            <a:r>
+              <a:rPr lang="en-US" b="0" i="0" dirty="0">
+                <a:solidFill>
+                  <a:srgbClr val="000000"/>
+                </a:solidFill>
+                <a:effectLst/>
+                <a:latin typeface="+mn-lt"/>
+              </a:rPr>
+              <a:t>Copy F to </a:t>
+            </a:r>
+            <a:r>
+              <a:rPr lang="en-US" dirty="0">
+                <a:latin typeface="+mn-lt"/>
+              </a:rPr>
+              <a:t>G</a:t>
+            </a:r>
+            <a:endParaRPr lang="en-US" b="0" i="0" dirty="0">
+              <a:solidFill>
+                <a:srgbClr val="000000"/>
+              </a:solidFill>
+              <a:effectLst/>
+              <a:latin typeface="+mn-lt"/>
+            </a:endParaRPr>
+          </a:p>
+          <a:p>
+            <a:pPr marL="285750" indent="-285750" algn="l">
+              <a:buFont typeface="Arial" panose="020B0604020202020204" pitchFamily="34" charset="0"/>
+              <a:buChar char="•"/>
+            </a:pPr>
+            <a:r>
+              <a:rPr lang="en-US" b="0" i="0" dirty="0">
+                <a:solidFill>
+                  <a:srgbClr val="000000"/>
+                </a:solidFill>
+                <a:effectLst/>
+                <a:latin typeface="+mn-lt"/>
+              </a:rPr>
+              <a:t>Find a way to interest A, so it runs the </a:t>
+            </a:r>
+            <a:r>
+              <a:rPr lang="en-US" b="0" i="0" dirty="0" err="1">
+                <a:solidFill>
+                  <a:srgbClr val="000000"/>
+                </a:solidFill>
+                <a:effectLst/>
+                <a:latin typeface="+mn-lt"/>
+              </a:rPr>
+              <a:t>Torjan</a:t>
+            </a:r>
+            <a:r>
+              <a:rPr lang="en-US" b="0" i="0" dirty="0">
+                <a:solidFill>
+                  <a:srgbClr val="000000"/>
+                </a:solidFill>
+                <a:effectLst/>
+                <a:latin typeface="+mn-lt"/>
+              </a:rPr>
+              <a:t> Horse program</a:t>
+            </a:r>
+          </a:p>
+        </p:txBody>
+      </p:sp>
     </p:spTree>
   </p:cSld>
   <p:clrMapOvr>
     <a:masterClrMapping/>
   </p:clrMapOvr>
+  <p:timing>
+    <p:tnLst>
+      <p:par>
+        <p:cTn id="1" dur="indefinite" restart="never" nodeType="tmRoot">
+          <p:childTnLst>
+            <p:seq concurrent="1" nextAc="seek">
+              <p:cTn id="2" dur="indefinite" nodeType="mainSeq">
+                <p:childTnLst>
+                  <p:par>
+                    <p:cTn id="3" fill="hold">
+                      <p:stCondLst>
+                        <p:cond delay="indefinite"/>
+                      </p:stCondLst>
+                      <p:childTnLst>
+                        <p:par>
+                          <p:cTn id="4" fill="hold">
+                            <p:stCondLst>
+                              <p:cond delay="0"/>
+                            </p:stCondLst>
+                            <p:childTnLst>
+                              <p:par>
+                                <p:cTn id="5" presetID="1" presetClass="entr" presetSubtype="0" fill="hold" nodeType="clickEffect">
+                                  <p:stCondLst>
+                                    <p:cond delay="0"/>
+                                  </p:stCondLst>
+                                  <p:childTnLst>
+                                    <p:set>
+                                      <p:cBhvr>
+                                        <p:cTn id="6" dur="1" fill="hold">
+                                          <p:stCondLst>
+                                            <p:cond delay="0"/>
+                                          </p:stCondLst>
+                                        </p:cTn>
+                                        <p:tgtEl>
+                                          <p:spTgt spid="14">
+                                            <p:txEl>
+                                              <p:pRg st="0" end="0"/>
+                                            </p:txEl>
+                                          </p:spTgt>
+                                        </p:tgtEl>
+                                        <p:attrNameLst>
+                                          <p:attrName>style.visibility</p:attrName>
+                                        </p:attrNameLst>
+                                      </p:cBhvr>
+                                      <p:to>
+                                        <p:strVal val="visible"/>
+                                      </p:to>
+                                    </p:set>
+                                  </p:childTnLst>
+                                </p:cTn>
+                              </p:par>
+                            </p:childTnLst>
+                          </p:cTn>
+                        </p:par>
+                      </p:childTnLst>
+                    </p:cTn>
+                  </p:par>
+                  <p:par>
+                    <p:cTn id="7" fill="hold">
+                      <p:stCondLst>
+                        <p:cond delay="indefinite"/>
+                      </p:stCondLst>
+                      <p:childTnLst>
+                        <p:par>
+                          <p:cTn id="8" fill="hold">
+                            <p:stCondLst>
+                              <p:cond delay="0"/>
+                            </p:stCondLst>
+                            <p:childTnLst>
+                              <p:par>
+                                <p:cTn id="9" presetID="1" presetClass="entr" presetSubtype="0" fill="hold" nodeType="clickEffect">
+                                  <p:stCondLst>
+                                    <p:cond delay="0"/>
+                                  </p:stCondLst>
+                                  <p:childTnLst>
+                                    <p:set>
+                                      <p:cBhvr>
+                                        <p:cTn id="10" dur="1" fill="hold">
+                                          <p:stCondLst>
+                                            <p:cond delay="0"/>
+                                          </p:stCondLst>
+                                        </p:cTn>
+                                        <p:tgtEl>
+                                          <p:spTgt spid="14">
+                                            <p:txEl>
+                                              <p:pRg st="1" end="1"/>
+                                            </p:txEl>
+                                          </p:spTgt>
+                                        </p:tgtEl>
+                                        <p:attrNameLst>
+                                          <p:attrName>style.visibility</p:attrName>
+                                        </p:attrNameLst>
+                                      </p:cBhvr>
+                                      <p:to>
+                                        <p:strVal val="visible"/>
+                                      </p:to>
+                                    </p:set>
+                                  </p:childTnLst>
+                                </p:cTn>
+                              </p:par>
+                            </p:childTnLst>
+                          </p:cTn>
+                        </p:par>
+                      </p:childTnLst>
+                    </p:cTn>
+                  </p:par>
+                  <p:par>
+                    <p:cTn id="11" fill="hold">
+                      <p:stCondLst>
+                        <p:cond delay="indefinite"/>
+                      </p:stCondLst>
+                      <p:childTnLst>
+                        <p:par>
+                          <p:cTn id="12" fill="hold">
+                            <p:stCondLst>
+                              <p:cond delay="0"/>
+                            </p:stCondLst>
+                            <p:childTnLst>
+                              <p:par>
+                                <p:cTn id="13" presetID="1" presetClass="entr" presetSubtype="0" fill="hold" nodeType="clickEffect">
+                                  <p:stCondLst>
+                                    <p:cond delay="0"/>
+                                  </p:stCondLst>
+                                  <p:childTnLst>
+                                    <p:set>
+                                      <p:cBhvr>
+                                        <p:cTn id="14" dur="1" fill="hold">
+                                          <p:stCondLst>
+                                            <p:cond delay="0"/>
+                                          </p:stCondLst>
+                                        </p:cTn>
+                                        <p:tgtEl>
+                                          <p:spTgt spid="14">
+                                            <p:txEl>
+                                              <p:pRg st="2" end="2"/>
+                                            </p:txEl>
+                                          </p:spTgt>
+                                        </p:tgtEl>
+                                        <p:attrNameLst>
+                                          <p:attrName>style.visibility</p:attrName>
+                                        </p:attrNameLst>
+                                      </p:cBhvr>
+                                      <p:to>
+                                        <p:strVal val="visible"/>
+                                      </p:to>
+                                    </p:set>
+                                  </p:childTnLst>
+                                </p:cTn>
+                              </p:par>
+                            </p:childTnLst>
+                          </p:cTn>
+                        </p:par>
+                      </p:childTnLst>
+                    </p:cTn>
+                  </p:par>
+                  <p:par>
+                    <p:cTn id="15" fill="hold">
+                      <p:stCondLst>
+                        <p:cond delay="indefinite"/>
+                      </p:stCondLst>
+                      <p:childTnLst>
+                        <p:par>
+                          <p:cTn id="16" fill="hold">
+                            <p:stCondLst>
+                              <p:cond delay="0"/>
+                            </p:stCondLst>
+                            <p:childTnLst>
+                              <p:par>
+                                <p:cTn id="17" presetID="1" presetClass="entr" presetSubtype="0" fill="hold" nodeType="clickEffect">
+                                  <p:stCondLst>
+                                    <p:cond delay="0"/>
+                                  </p:stCondLst>
+                                  <p:childTnLst>
+                                    <p:set>
+                                      <p:cBhvr>
+                                        <p:cTn id="18" dur="1" fill="hold">
+                                          <p:stCondLst>
+                                            <p:cond delay="0"/>
+                                          </p:stCondLst>
+                                        </p:cTn>
+                                        <p:tgtEl>
+                                          <p:spTgt spid="14">
+                                            <p:txEl>
+                                              <p:pRg st="3" end="3"/>
+                                            </p:txEl>
+                                          </p:spTgt>
+                                        </p:tgtEl>
+                                        <p:attrNameLst>
+                                          <p:attrName>style.visibility</p:attrName>
+                                        </p:attrNameLst>
+                                      </p:cBhvr>
+                                      <p:to>
+                                        <p:strVal val="visible"/>
+                                      </p:to>
+                                    </p:set>
+                                  </p:childTnLst>
+                                </p:cTn>
+                              </p:par>
+                            </p:childTnLst>
+                          </p:cTn>
+                        </p:par>
+                      </p:childTnLst>
+                    </p:cTn>
+                  </p:par>
+                  <p:par>
+                    <p:cTn id="19" fill="hold">
+                      <p:stCondLst>
+                        <p:cond delay="indefinite"/>
+                      </p:stCondLst>
+                      <p:childTnLst>
+                        <p:par>
+                          <p:cTn id="20" fill="hold">
+                            <p:stCondLst>
+                              <p:cond delay="0"/>
+                            </p:stCondLst>
+                            <p:childTnLst>
+                              <p:par>
+                                <p:cTn id="21" presetID="1" presetClass="entr" presetSubtype="0" fill="hold" nodeType="clickEffect">
+                                  <p:stCondLst>
+                                    <p:cond delay="0"/>
+                                  </p:stCondLst>
+                                  <p:childTnLst>
+                                    <p:set>
+                                      <p:cBhvr>
+                                        <p:cTn id="22" dur="1" fill="hold">
+                                          <p:stCondLst>
+                                            <p:cond delay="0"/>
+                                          </p:stCondLst>
+                                        </p:cTn>
+                                        <p:tgtEl>
+                                          <p:spTgt spid="14">
+                                            <p:txEl>
+                                              <p:pRg st="4" end="4"/>
+                                            </p:txEl>
+                                          </p:spTgt>
+                                        </p:tgtEl>
+                                        <p:attrNameLst>
+                                          <p:attrName>style.visibility</p:attrName>
+                                        </p:attrNameLst>
+                                      </p:cBhvr>
+                                      <p:to>
+                                        <p:strVal val="visible"/>
+                                      </p:to>
+                                    </p:set>
+                                  </p:childTnLst>
+                                </p:cTn>
+                              </p:par>
+                            </p:childTnLst>
+                          </p:cTn>
+                        </p:par>
+                      </p:childTnLst>
+                    </p:cTn>
+                  </p:par>
+                  <p:par>
+                    <p:cTn id="23" fill="hold">
+                      <p:stCondLst>
+                        <p:cond delay="indefinite"/>
+                      </p:stCondLst>
+                      <p:childTnLst>
+                        <p:par>
+                          <p:cTn id="24" fill="hold">
+                            <p:stCondLst>
+                              <p:cond delay="0"/>
+                            </p:stCondLst>
+                            <p:childTnLst>
+                              <p:par>
+                                <p:cTn id="25" presetID="1" presetClass="entr" presetSubtype="0" fill="hold" nodeType="clickEffect">
+                                  <p:stCondLst>
+                                    <p:cond delay="0"/>
+                                  </p:stCondLst>
+                                  <p:childTnLst>
+                                    <p:set>
+                                      <p:cBhvr>
+                                        <p:cTn id="26" dur="1" fill="hold">
+                                          <p:stCondLst>
+                                            <p:cond delay="0"/>
+                                          </p:stCondLst>
+                                        </p:cTn>
+                                        <p:tgtEl>
+                                          <p:spTgt spid="14">
+                                            <p:txEl>
+                                              <p:pRg st="5" end="5"/>
+                                            </p:txEl>
+                                          </p:spTgt>
+                                        </p:tgtEl>
+                                        <p:attrNameLst>
+                                          <p:attrName>style.visibility</p:attrName>
+                                        </p:attrNameLst>
+                                      </p:cBhvr>
+                                      <p:to>
+                                        <p:strVal val="visible"/>
+                                      </p:to>
+                                    </p:set>
+                                  </p:childTnLst>
+                                </p:cTn>
+                              </p:par>
+                            </p:childTnLst>
+                          </p:cTn>
+                        </p:par>
+                      </p:childTnLst>
+                    </p:cTn>
+                  </p:par>
+                </p:childTnLst>
+              </p:cTn>
+              <p:prevCondLst>
+                <p:cond evt="onPrev" delay="0">
+                  <p:tgtEl>
+                    <p:sldTgt/>
+                  </p:tgtEl>
+                </p:cond>
+              </p:prevCondLst>
+              <p:nextCondLst>
+                <p:cond evt="onNext" delay="0">
+                  <p:tgtEl>
+                    <p:sldTgt/>
+                  </p:tgtEl>
+                </p:cond>
+              </p:nextCondLst>
+            </p:seq>
+          </p:childTnLst>
+        </p:cTn>
+      </p:par>
+    </p:tnLst>
+  </p:timing>
 </p:sld>
 </file>
 
@@ -19637,7 +20102,7 @@
         <p:spPr>
           <a:xfrm>
             <a:off x="687704" y="1344892"/>
-            <a:ext cx="7522845" cy="1997502"/>
+            <a:ext cx="7522845" cy="2328106"/>
           </a:xfrm>
           <a:prstGeom prst="rect">
             <a:avLst/>
@@ -19649,14 +20114,14 @@
           </a:bodyPr>
           <a:lstStyle/>
           <a:p>
-            <a:pPr marL="180022" marR="3810" indent="-170497">
+            <a:pPr marL="352425" marR="3810" indent="-342900">
               <a:lnSpc>
-                <a:spcPts val="2273"/>
+                <a:spcPct val="114000"/>
               </a:lnSpc>
               <a:spcBef>
                 <a:spcPts val="356"/>
               </a:spcBef>
-              <a:buFont typeface="Arial"/>
+              <a:buFont typeface="Arial" panose="020B0604020202020204" pitchFamily="34" charset="0"/>
               <a:buChar char="•"/>
               <a:tabLst>
                 <a:tab pos="180975" algn="l"/>
@@ -19984,30 +20449,39 @@
               </a:rPr>
               <a:t>it</a:t>
             </a:r>
-            <a:endParaRPr sz="2100" dirty="0">
+            <a:endParaRPr lang="en-US" sz="2100" spc="-19" dirty="0">
               <a:latin typeface="+mn-lt"/>
               <a:cs typeface="Calibri"/>
             </a:endParaRPr>
           </a:p>
           <a:p>
-            <a:pPr>
+            <a:pPr marL="352425" marR="3810" indent="-342900">
+              <a:lnSpc>
+                <a:spcPct val="114000"/>
+              </a:lnSpc>
               <a:spcBef>
-                <a:spcPts val="1200"/>
+                <a:spcPts val="356"/>
               </a:spcBef>
-              <a:buFont typeface="Arial"/>
+              <a:buFont typeface="Arial" panose="020B0604020202020204" pitchFamily="34" charset="0"/>
               <a:buChar char="•"/>
+              <a:tabLst>
+                <a:tab pos="180975" algn="l"/>
+              </a:tabLst>
             </a:pPr>
-            <a:endParaRPr sz="2100" dirty="0">
+            <a:endParaRPr lang="en-US" sz="2100" spc="-19" dirty="0">
               <a:latin typeface="+mn-lt"/>
               <a:cs typeface="Calibri"/>
             </a:endParaRPr>
           </a:p>
           <a:p>
-            <a:pPr marL="180022" marR="516255" indent="-170497">
+            <a:pPr marL="352425" marR="3810" indent="-342900">
               <a:lnSpc>
-                <a:spcPts val="2273"/>
+                <a:spcPct val="114000"/>
               </a:lnSpc>
-              <a:buFont typeface="Arial"/>
+              <a:spcBef>
+                <a:spcPts val="356"/>
+              </a:spcBef>
+              <a:buFont typeface="Arial" panose="020B0604020202020204" pitchFamily="34" charset="0"/>
               <a:buChar char="•"/>
               <a:tabLst>
                 <a:tab pos="180975" algn="l"/>
@@ -20381,7 +20855,7 @@
         <p:spPr>
           <a:xfrm>
             <a:off x="687705" y="1280131"/>
-            <a:ext cx="7348061" cy="3093315"/>
+            <a:ext cx="7348061" cy="2572660"/>
           </a:xfrm>
           <a:prstGeom prst="rect">
             <a:avLst/>
@@ -20516,27 +20990,50 @@
               <a:t> </a:t>
             </a:r>
             <a:r>
-              <a:rPr sz="2100" dirty="0">
+              <a:rPr sz="2100" b="1" dirty="0">
                 <a:latin typeface="+mn-lt"/>
                 <a:cs typeface="Calibri"/>
               </a:rPr>
               <a:t>central</a:t>
             </a:r>
             <a:r>
-              <a:rPr sz="2100" spc="-49" dirty="0">
-                <a:latin typeface="+mn-lt"/>
-                <a:cs typeface="Calibri"/>
-              </a:rPr>
-              <a:t> </a:t>
-            </a:r>
-            <a:r>
-              <a:rPr sz="2100" spc="-8" dirty="0">
+              <a:rPr sz="2100" b="1" spc="-49" dirty="0">
+                <a:latin typeface="+mn-lt"/>
+                <a:cs typeface="Calibri"/>
+              </a:rPr>
+              <a:t> </a:t>
+            </a:r>
+            <a:r>
+              <a:rPr sz="2100" b="1" spc="-8" dirty="0">
                 <a:latin typeface="+mn-lt"/>
                 <a:cs typeface="Calibri"/>
               </a:rPr>
               <a:t>authority</a:t>
             </a:r>
-            <a:endParaRPr sz="2100" dirty="0">
+            <a:r>
+              <a:rPr lang="en-US" sz="2100" b="1" spc="-8" dirty="0">
+                <a:latin typeface="+mn-lt"/>
+                <a:cs typeface="Calibri"/>
+              </a:rPr>
+              <a:t> </a:t>
+            </a:r>
+            <a:endParaRPr sz="2100" b="1" dirty="0">
+              <a:latin typeface="+mn-lt"/>
+              <a:cs typeface="Calibri"/>
+            </a:endParaRPr>
+          </a:p>
+          <a:p>
+            <a:pPr marL="180022" indent="-170497">
+              <a:spcBef>
+                <a:spcPts val="506"/>
+              </a:spcBef>
+              <a:buFont typeface="Arial"/>
+              <a:buChar char="•"/>
+              <a:tabLst>
+                <a:tab pos="180022" algn="l"/>
+              </a:tabLst>
+            </a:pPr>
+            <a:endParaRPr lang="en-US" sz="2100" spc="-8" dirty="0">
               <a:latin typeface="+mn-lt"/>
               <a:cs typeface="Calibri"/>
             </a:endParaRPr>
@@ -20766,42 +21263,7 @@
                 <a:tab pos="180022" algn="l"/>
               </a:tabLst>
             </a:pPr>
-            <a:r>
-              <a:rPr sz="2100" dirty="0">
-                <a:latin typeface="+mn-lt"/>
-                <a:cs typeface="Calibri"/>
-              </a:rPr>
-              <a:t>Implemented</a:t>
-            </a:r>
-            <a:r>
-              <a:rPr sz="2100" spc="-53" dirty="0">
-                <a:latin typeface="+mn-lt"/>
-                <a:cs typeface="Calibri"/>
-              </a:rPr>
-              <a:t> </a:t>
-            </a:r>
-            <a:r>
-              <a:rPr sz="2100" dirty="0">
-                <a:latin typeface="+mn-lt"/>
-                <a:cs typeface="Calibri"/>
-              </a:rPr>
-              <a:t>using</a:t>
-            </a:r>
-            <a:r>
-              <a:rPr sz="2100" spc="-53" dirty="0">
-                <a:latin typeface="+mn-lt"/>
-                <a:cs typeface="Calibri"/>
-              </a:rPr>
-              <a:t> </a:t>
-            </a:r>
-            <a:r>
-              <a:rPr sz="2100" spc="-8" dirty="0">
-                <a:latin typeface="+mn-lt"/>
-                <a:cs typeface="Calibri"/>
-              </a:rPr>
-              <a:t>Virtualization</a:t>
-            </a:r>
-            <a:endParaRPr sz="2100" dirty="0">
+            <a:endParaRPr lang="en-US" sz="2100" dirty="0">
               <a:latin typeface="+mn-lt"/>
               <a:cs typeface="Calibri"/>
             </a:endParaRPr>
@@ -20809,7 +21271,7 @@
           <a:p>
             <a:pPr marL="180022" indent="-170497">
               <a:spcBef>
-                <a:spcPts val="495"/>
+                <a:spcPts val="484"/>
               </a:spcBef>
               <a:buFont typeface="Arial"/>
               <a:buChar char="•"/>
@@ -20822,10 +21284,10 @@
                 <a:latin typeface="+mn-lt"/>
                 <a:cs typeface="Calibri"/>
               </a:rPr>
-              <a:t>TOCTTOU</a:t>
-            </a:r>
-            <a:r>
-              <a:rPr sz="2100" spc="-38" dirty="0">
+              <a:t>Implemented</a:t>
+            </a:r>
+            <a:r>
+              <a:rPr sz="2100" spc="-53" dirty="0">
                 <a:latin typeface="+mn-lt"/>
                 <a:cs typeface="Calibri"/>
               </a:rPr>
@@ -20836,108 +21298,10 @@
                 <a:latin typeface="+mn-lt"/>
                 <a:cs typeface="Calibri"/>
               </a:rPr>
-              <a:t>(</a:t>
-            </a:r>
-            <a:r>
-              <a:rPr sz="1800" dirty="0">
-                <a:latin typeface="+mn-lt"/>
-                <a:cs typeface="Calibri"/>
-              </a:rPr>
-              <a:t>Time</a:t>
-            </a:r>
-            <a:r>
-              <a:rPr sz="1800" spc="-34" dirty="0">
-                <a:latin typeface="+mn-lt"/>
-                <a:cs typeface="Calibri"/>
-              </a:rPr>
-              <a:t> </a:t>
-            </a:r>
-            <a:r>
-              <a:rPr sz="1800" dirty="0">
-                <a:latin typeface="+mn-lt"/>
-                <a:cs typeface="Calibri"/>
-              </a:rPr>
-              <a:t>Of</a:t>
-            </a:r>
-            <a:r>
-              <a:rPr sz="1800" spc="-30" dirty="0">
-                <a:latin typeface="+mn-lt"/>
-                <a:cs typeface="Calibri"/>
-              </a:rPr>
-              <a:t> </a:t>
-            </a:r>
-            <a:r>
-              <a:rPr sz="1800" dirty="0">
-                <a:latin typeface="+mn-lt"/>
-                <a:cs typeface="Calibri"/>
-              </a:rPr>
-              <a:t>Check</a:t>
-            </a:r>
-            <a:r>
-              <a:rPr sz="1800" spc="-38" dirty="0">
-                <a:latin typeface="+mn-lt"/>
-                <a:cs typeface="Calibri"/>
-              </a:rPr>
-              <a:t> </a:t>
-            </a:r>
-            <a:r>
-              <a:rPr sz="1800" dirty="0">
-                <a:latin typeface="+mn-lt"/>
-                <a:cs typeface="Calibri"/>
-              </a:rPr>
-              <a:t>To</a:t>
-            </a:r>
-            <a:r>
-              <a:rPr sz="1800" spc="-26" dirty="0">
-                <a:latin typeface="+mn-lt"/>
-                <a:cs typeface="Calibri"/>
-              </a:rPr>
-              <a:t> </a:t>
-            </a:r>
-            <a:r>
-              <a:rPr sz="1800" dirty="0">
-                <a:latin typeface="+mn-lt"/>
-                <a:cs typeface="Calibri"/>
-              </a:rPr>
-              <a:t>Time</a:t>
-            </a:r>
-            <a:r>
-              <a:rPr sz="1800" spc="-38" dirty="0">
-                <a:latin typeface="+mn-lt"/>
-                <a:cs typeface="Calibri"/>
-              </a:rPr>
-              <a:t> </a:t>
-            </a:r>
-            <a:r>
-              <a:rPr sz="1800" dirty="0">
-                <a:latin typeface="+mn-lt"/>
-                <a:cs typeface="Calibri"/>
-              </a:rPr>
-              <a:t>of</a:t>
-            </a:r>
-            <a:r>
-              <a:rPr sz="1800" spc="-26" dirty="0">
-                <a:latin typeface="+mn-lt"/>
-                <a:cs typeface="Calibri"/>
-              </a:rPr>
-              <a:t> </a:t>
-            </a:r>
-            <a:r>
-              <a:rPr sz="1800" dirty="0">
-                <a:latin typeface="+mn-lt"/>
-                <a:cs typeface="Calibri"/>
-              </a:rPr>
-              <a:t>Use</a:t>
-            </a:r>
-            <a:r>
-              <a:rPr sz="2100" dirty="0">
-                <a:latin typeface="+mn-lt"/>
-                <a:cs typeface="Calibri"/>
-              </a:rPr>
-              <a:t>)</a:t>
-            </a:r>
-            <a:r>
-              <a:rPr sz="2100" spc="-30" dirty="0">
+              <a:t>using</a:t>
+            </a:r>
+            <a:r>
+              <a:rPr sz="2100" spc="-53" dirty="0">
                 <a:latin typeface="+mn-lt"/>
                 <a:cs typeface="Calibri"/>
               </a:rPr>
@@ -20948,346 +21312,9 @@
                 <a:latin typeface="+mn-lt"/>
                 <a:cs typeface="Calibri"/>
               </a:rPr>
-              <a:t>problem:</a:t>
+              <a:t>Virtualization</a:t>
             </a:r>
             <a:endParaRPr sz="2100" dirty="0">
-              <a:latin typeface="+mn-lt"/>
-              <a:cs typeface="Calibri"/>
-            </a:endParaRPr>
-          </a:p>
-          <a:p>
-            <a:pPr marL="695325" lvl="1" indent="-285750">
-              <a:spcBef>
-                <a:spcPts val="184"/>
-              </a:spcBef>
-              <a:buFont typeface="Arial"/>
-              <a:buChar char="•"/>
-              <a:tabLst>
-                <a:tab pos="695325" algn="l"/>
-              </a:tabLst>
-            </a:pPr>
-            <a:r>
-              <a:rPr sz="1800" dirty="0">
-                <a:latin typeface="+mn-lt"/>
-                <a:cs typeface="Calibri"/>
-              </a:rPr>
-              <a:t>authority</a:t>
-            </a:r>
-            <a:r>
-              <a:rPr sz="1800" spc="-30" dirty="0">
-                <a:latin typeface="+mn-lt"/>
-                <a:cs typeface="Calibri"/>
-              </a:rPr>
-              <a:t> </a:t>
-            </a:r>
-            <a:r>
-              <a:rPr sz="1800" dirty="0">
-                <a:latin typeface="+mn-lt"/>
-                <a:cs typeface="Calibri"/>
-              </a:rPr>
-              <a:t>checks</a:t>
-            </a:r>
-            <a:r>
-              <a:rPr sz="1800" spc="-30" dirty="0">
-                <a:latin typeface="+mn-lt"/>
-                <a:cs typeface="Calibri"/>
-              </a:rPr>
-              <a:t> </a:t>
-            </a:r>
-            <a:r>
-              <a:rPr sz="1800" dirty="0">
-                <a:latin typeface="+mn-lt"/>
-                <a:cs typeface="Calibri"/>
-              </a:rPr>
-              <a:t>access</a:t>
-            </a:r>
-            <a:r>
-              <a:rPr sz="1800" spc="-30" dirty="0">
-                <a:latin typeface="+mn-lt"/>
-                <a:cs typeface="Calibri"/>
-              </a:rPr>
-              <a:t> </a:t>
-            </a:r>
-            <a:r>
-              <a:rPr sz="1800" dirty="0">
-                <a:latin typeface="+mn-lt"/>
-                <a:cs typeface="Calibri"/>
-              </a:rPr>
-              <a:t>to</a:t>
-            </a:r>
-            <a:r>
-              <a:rPr sz="1800" spc="-19" dirty="0">
-                <a:latin typeface="+mn-lt"/>
-                <a:cs typeface="Calibri"/>
-              </a:rPr>
-              <a:t> </a:t>
-            </a:r>
-            <a:r>
-              <a:rPr sz="1800" dirty="0">
-                <a:latin typeface="+mn-lt"/>
-                <a:cs typeface="Calibri"/>
-              </a:rPr>
-              <a:t>an</a:t>
-            </a:r>
-            <a:r>
-              <a:rPr sz="1800" spc="-23" dirty="0">
-                <a:latin typeface="+mn-lt"/>
-                <a:cs typeface="Calibri"/>
-              </a:rPr>
-              <a:t> </a:t>
-            </a:r>
-            <a:r>
-              <a:rPr sz="1800" spc="-8" dirty="0">
-                <a:latin typeface="+mn-lt"/>
-                <a:cs typeface="Calibri"/>
-              </a:rPr>
-              <a:t>object</a:t>
-            </a:r>
-            <a:endParaRPr sz="1800" dirty="0">
-              <a:latin typeface="+mn-lt"/>
-              <a:cs typeface="Calibri"/>
-            </a:endParaRPr>
-          </a:p>
-          <a:p>
-            <a:pPr marL="695325" lvl="1" indent="-257175">
-              <a:spcBef>
-                <a:spcPts val="153"/>
-              </a:spcBef>
-              <a:buSzPct val="75000"/>
-              <a:buFont typeface="Arial"/>
-              <a:buChar char="•"/>
-              <a:tabLst>
-                <a:tab pos="695325" algn="l"/>
-              </a:tabLst>
-            </a:pPr>
-            <a:r>
-              <a:rPr sz="1800" i="1" spc="-8" dirty="0">
-                <a:latin typeface="+mn-lt"/>
-                <a:cs typeface="Calibri"/>
-              </a:rPr>
-              <a:t>unknowingly</a:t>
-            </a:r>
-            <a:r>
-              <a:rPr sz="1800" i="1" spc="-34" dirty="0">
-                <a:latin typeface="+mn-lt"/>
-                <a:cs typeface="Calibri"/>
-              </a:rPr>
-              <a:t> </a:t>
-            </a:r>
-            <a:r>
-              <a:rPr sz="1800" i="1" dirty="0">
-                <a:latin typeface="+mn-lt"/>
-                <a:cs typeface="Calibri"/>
-              </a:rPr>
-              <a:t>to</a:t>
-            </a:r>
-            <a:r>
-              <a:rPr sz="1800" i="1" spc="-34" dirty="0">
-                <a:latin typeface="+mn-lt"/>
-                <a:cs typeface="Calibri"/>
-              </a:rPr>
-              <a:t> </a:t>
-            </a:r>
-            <a:r>
-              <a:rPr sz="1800" i="1" dirty="0">
-                <a:latin typeface="+mn-lt"/>
-                <a:cs typeface="Calibri"/>
-              </a:rPr>
-              <a:t>him,</a:t>
-            </a:r>
-            <a:r>
-              <a:rPr sz="1800" i="1" spc="-38" dirty="0">
-                <a:latin typeface="+mn-lt"/>
-                <a:cs typeface="Calibri"/>
-              </a:rPr>
-              <a:t> </a:t>
-            </a:r>
-            <a:r>
-              <a:rPr sz="1800" i="1" dirty="0">
-                <a:latin typeface="+mn-lt"/>
-                <a:cs typeface="Calibri"/>
-              </a:rPr>
-              <a:t>attacker</a:t>
-            </a:r>
-            <a:r>
-              <a:rPr sz="1800" i="1" spc="-41" dirty="0">
-                <a:latin typeface="+mn-lt"/>
-                <a:cs typeface="Calibri"/>
-              </a:rPr>
-              <a:t> </a:t>
-            </a:r>
-            <a:r>
-              <a:rPr sz="1800" i="1" dirty="0">
-                <a:latin typeface="+mn-lt"/>
-                <a:cs typeface="Calibri"/>
-              </a:rPr>
-              <a:t>replaces</a:t>
-            </a:r>
-            <a:r>
-              <a:rPr sz="1800" i="1" spc="-38" dirty="0">
-                <a:latin typeface="+mn-lt"/>
-                <a:cs typeface="Calibri"/>
-              </a:rPr>
-              <a:t> </a:t>
-            </a:r>
-            <a:r>
-              <a:rPr sz="1800" i="1" dirty="0">
-                <a:latin typeface="+mn-lt"/>
-                <a:cs typeface="Calibri"/>
-              </a:rPr>
-              <a:t>object</a:t>
-            </a:r>
-            <a:r>
-              <a:rPr sz="1800" i="1" spc="-38" dirty="0">
-                <a:latin typeface="+mn-lt"/>
-                <a:cs typeface="Calibri"/>
-              </a:rPr>
-              <a:t> </a:t>
-            </a:r>
-            <a:r>
-              <a:rPr sz="1800" i="1" dirty="0">
-                <a:latin typeface="+mn-lt"/>
-                <a:cs typeface="Calibri"/>
-              </a:rPr>
-              <a:t>with</a:t>
-            </a:r>
-            <a:r>
-              <a:rPr sz="1800" i="1" spc="-41" dirty="0">
-                <a:latin typeface="+mn-lt"/>
-                <a:cs typeface="Calibri"/>
-              </a:rPr>
-              <a:t> </a:t>
-            </a:r>
-            <a:r>
-              <a:rPr sz="1800" i="1" dirty="0">
-                <a:latin typeface="+mn-lt"/>
-                <a:cs typeface="Calibri"/>
-              </a:rPr>
-              <a:t>another</a:t>
-            </a:r>
-            <a:r>
-              <a:rPr sz="1800" i="1" spc="-38" dirty="0">
-                <a:latin typeface="+mn-lt"/>
-                <a:cs typeface="Calibri"/>
-              </a:rPr>
-              <a:t> </a:t>
-            </a:r>
-            <a:r>
-              <a:rPr sz="1800" i="1" spc="-19" dirty="0">
-                <a:latin typeface="+mn-lt"/>
-                <a:cs typeface="Calibri"/>
-              </a:rPr>
-              <a:t>one</a:t>
-            </a:r>
-            <a:endParaRPr sz="1800" dirty="0">
-              <a:latin typeface="+mn-lt"/>
-              <a:cs typeface="Calibri"/>
-            </a:endParaRPr>
-          </a:p>
-          <a:p>
-            <a:pPr marL="695325" lvl="1" indent="-257175">
-              <a:spcBef>
-                <a:spcPts val="161"/>
-              </a:spcBef>
-              <a:buSzPct val="75000"/>
-              <a:buFont typeface="Arial"/>
-              <a:buChar char="•"/>
-              <a:tabLst>
-                <a:tab pos="695325" algn="l"/>
-              </a:tabLst>
-            </a:pPr>
-            <a:r>
-              <a:rPr sz="1800" dirty="0">
-                <a:latin typeface="+mn-lt"/>
-                <a:cs typeface="Calibri"/>
-              </a:rPr>
-              <a:t>privileged</a:t>
-            </a:r>
-            <a:r>
-              <a:rPr sz="1800" spc="-38" dirty="0">
-                <a:latin typeface="+mn-lt"/>
-                <a:cs typeface="Calibri"/>
-              </a:rPr>
-              <a:t> </a:t>
-            </a:r>
-            <a:r>
-              <a:rPr sz="1800" dirty="0">
-                <a:latin typeface="+mn-lt"/>
-                <a:cs typeface="Calibri"/>
-              </a:rPr>
-              <a:t>subject</a:t>
-            </a:r>
-            <a:r>
-              <a:rPr sz="1800" spc="-53" dirty="0">
-                <a:latin typeface="+mn-lt"/>
-                <a:cs typeface="Calibri"/>
-              </a:rPr>
-              <a:t> </a:t>
-            </a:r>
-            <a:r>
-              <a:rPr sz="1800" dirty="0">
-                <a:latin typeface="+mn-lt"/>
-                <a:cs typeface="Calibri"/>
-              </a:rPr>
-              <a:t>operates</a:t>
-            </a:r>
-            <a:r>
-              <a:rPr sz="1800" spc="-53" dirty="0">
-                <a:latin typeface="+mn-lt"/>
-                <a:cs typeface="Calibri"/>
-              </a:rPr>
-              <a:t> </a:t>
-            </a:r>
-            <a:r>
-              <a:rPr sz="1800" dirty="0">
-                <a:latin typeface="+mn-lt"/>
-                <a:cs typeface="Calibri"/>
-              </a:rPr>
-              <a:t>on</a:t>
-            </a:r>
-            <a:r>
-              <a:rPr sz="1800" spc="-49" dirty="0">
-                <a:latin typeface="+mn-lt"/>
-                <a:cs typeface="Calibri"/>
-              </a:rPr>
-              <a:t> </a:t>
-            </a:r>
-            <a:r>
-              <a:rPr sz="1800" dirty="0">
-                <a:latin typeface="+mn-lt"/>
-                <a:cs typeface="Calibri"/>
-              </a:rPr>
-              <a:t>attacker</a:t>
-            </a:r>
-            <a:r>
-              <a:rPr sz="1800" spc="-56" dirty="0">
-                <a:latin typeface="+mn-lt"/>
-                <a:cs typeface="Calibri"/>
-              </a:rPr>
-              <a:t> </a:t>
-            </a:r>
-            <a:r>
-              <a:rPr sz="1800" dirty="0">
-                <a:latin typeface="+mn-lt"/>
-                <a:cs typeface="Calibri"/>
-              </a:rPr>
-              <a:t>controlled</a:t>
-            </a:r>
-            <a:r>
-              <a:rPr sz="1800" spc="-49" dirty="0">
-                <a:latin typeface="+mn-lt"/>
-                <a:cs typeface="Calibri"/>
-              </a:rPr>
-              <a:t> </a:t>
-            </a:r>
-            <a:r>
-              <a:rPr sz="1800" spc="-8" dirty="0">
-                <a:latin typeface="+mn-lt"/>
-                <a:cs typeface="Calibri"/>
-              </a:rPr>
-              <a:t>object!</a:t>
-            </a:r>
-            <a:endParaRPr sz="1800" dirty="0">
               <a:latin typeface="+mn-lt"/>
               <a:cs typeface="Calibri"/>
             </a:endParaRPr>
@@ -21555,10 +21582,13 @@
               </a:rPr>
               <a:t>(BLP)</a:t>
             </a:r>
-            <a:endParaRPr lang="en-US" sz="1800" spc="-15" dirty="0">
-              <a:latin typeface="+mn-lt"/>
-              <a:cs typeface="Calibri"/>
-            </a:endParaRPr>
+            <a:r>
+              <a:rPr lang="en-US" sz="1800" spc="-15" dirty="0">
+                <a:latin typeface="+mn-lt"/>
+                <a:cs typeface="Calibri"/>
+              </a:rPr>
+              <a:t> (Confidentiality)</a:t>
+            </a:r>
           </a:p>
           <a:p>
             <a:pPr marL="362902" lvl="1" indent="-170497">
@@ -21584,6 +21614,20 @@
                 <a:cs typeface="Calibri"/>
               </a:rPr>
               <a:t> Model</a:t>
+            </a:r>
+            <a:r>
+              <a:rPr lang="en-US" sz="1800" spc="-8" dirty="0">
+                <a:latin typeface="+mn-lt"/>
+                <a:cs typeface="Calibri"/>
+              </a:rPr>
+              <a:t> </a:t>
+            </a:r>
+            <a:r>
+              <a:rPr lang="en-US" sz="1800" spc="-15" dirty="0">
+                <a:latin typeface="+mn-lt"/>
+                <a:cs typeface="Calibri"/>
+              </a:rPr>
+              <a:t>(Integrity)</a:t>
             </a:r>
             <a:endParaRPr lang="en-US" sz="1800" spc="-8" dirty="0">
               <a:latin typeface="+mn-lt"/>
@@ -22752,14 +22796,14 @@
           </a:bodyPr>
           <a:lstStyle/>
           <a:p>
-            <a:pPr marL="180022" indent="-170497">
+            <a:pPr marL="352425" indent="-342900">
               <a:lnSpc>
                 <a:spcPct val="114000"/>
               </a:lnSpc>
               <a:spcBef>
                 <a:spcPts val="581"/>
               </a:spcBef>
-              <a:buFont typeface="Arial"/>
+              <a:buFont typeface="Arial" panose="020B0604020202020204" pitchFamily="34" charset="0"/>
               <a:buChar char="•"/>
               <a:tabLst>
                 <a:tab pos="180022" algn="l"/>
@@ -22862,14 +22906,14 @@
             </a:endParaRPr>
           </a:p>
           <a:p>
-            <a:pPr marL="180022" marR="20003" indent="-170497">
+            <a:pPr marL="352425" marR="20003" indent="-342900">
               <a:lnSpc>
                 <a:spcPct val="114000"/>
               </a:lnSpc>
               <a:spcBef>
                 <a:spcPts val="795"/>
               </a:spcBef>
-              <a:buFont typeface="Arial"/>
+              <a:buFont typeface="Arial" panose="020B0604020202020204" pitchFamily="34" charset="0"/>
               <a:buChar char="•"/>
               <a:tabLst>
                 <a:tab pos="180975" algn="l"/>
@@ -23091,138 +23135,138 @@
             </a:endParaRPr>
           </a:p>
           <a:p>
-            <a:pPr marL="522923" lvl="1" indent="-170497">
+            <a:pPr marL="638176" lvl="1" indent="-285750">
               <a:lnSpc>
                 <a:spcPct val="114000"/>
               </a:lnSpc>
               <a:spcBef>
                 <a:spcPts val="146"/>
               </a:spcBef>
-              <a:buFont typeface="Arial"/>
+              <a:buFont typeface="Arial" panose="020B0604020202020204" pitchFamily="34" charset="0"/>
               <a:buChar char="•"/>
               <a:tabLst>
                 <a:tab pos="522923" algn="l"/>
               </a:tabLst>
             </a:pPr>
             <a:r>
-              <a:rPr sz="1800" dirty="0">
+              <a:rPr lang="en-US" sz="1800" dirty="0">
                 <a:latin typeface="+mn-lt"/>
                 <a:cs typeface="Calibri"/>
               </a:rPr>
               <a:t>State</a:t>
             </a:r>
             <a:r>
-              <a:rPr sz="1800" spc="-23" dirty="0">
-                <a:latin typeface="+mn-lt"/>
-                <a:cs typeface="Calibri"/>
-              </a:rPr>
-              <a:t> </a:t>
-            </a:r>
-            <a:r>
-              <a:rPr sz="1800" dirty="0">
+              <a:rPr lang="en-US" sz="1800" spc="-23" dirty="0">
+                <a:latin typeface="+mn-lt"/>
+                <a:cs typeface="Calibri"/>
+              </a:rPr>
+              <a:t> </a:t>
+            </a:r>
+            <a:r>
+              <a:rPr lang="en-US" sz="1800" dirty="0">
                 <a:latin typeface="+mn-lt"/>
                 <a:cs typeface="Calibri"/>
               </a:rPr>
               <a:t>=</a:t>
             </a:r>
             <a:r>
-              <a:rPr sz="1800" spc="-26" dirty="0">
-                <a:latin typeface="+mn-lt"/>
-                <a:cs typeface="Calibri"/>
-              </a:rPr>
-              <a:t> </a:t>
-            </a:r>
-            <a:r>
-              <a:rPr sz="1800" dirty="0">
+              <a:rPr lang="en-US" sz="1800" spc="-26" dirty="0">
+                <a:latin typeface="+mn-lt"/>
+                <a:cs typeface="Calibri"/>
+              </a:rPr>
+              <a:t> </a:t>
+            </a:r>
+            <a:r>
+              <a:rPr lang="en-US" sz="1800" dirty="0">
                 <a:latin typeface="+mn-lt"/>
                 <a:cs typeface="Calibri"/>
               </a:rPr>
               <a:t>Object,</a:t>
             </a:r>
             <a:r>
-              <a:rPr sz="1800" spc="-15" dirty="0">
-                <a:latin typeface="+mn-lt"/>
-                <a:cs typeface="Calibri"/>
-              </a:rPr>
-              <a:t> </a:t>
-            </a:r>
-            <a:r>
-              <a:rPr sz="1800" dirty="0">
+              <a:rPr lang="en-US" sz="1800" spc="-15" dirty="0">
+                <a:latin typeface="+mn-lt"/>
+                <a:cs typeface="Calibri"/>
+              </a:rPr>
+              <a:t> </a:t>
+            </a:r>
+            <a:r>
+              <a:rPr lang="en-US" sz="1800" dirty="0">
                 <a:latin typeface="+mn-lt"/>
                 <a:cs typeface="Calibri"/>
               </a:rPr>
               <a:t>access</a:t>
             </a:r>
             <a:r>
-              <a:rPr sz="1800" spc="-41" dirty="0">
-                <a:latin typeface="+mn-lt"/>
-                <a:cs typeface="Calibri"/>
-              </a:rPr>
-              <a:t> </a:t>
-            </a:r>
-            <a:r>
-              <a:rPr sz="1800" dirty="0">
+              <a:rPr lang="en-US" sz="1800" spc="-41" dirty="0">
+                <a:latin typeface="+mn-lt"/>
+                <a:cs typeface="Calibri"/>
+              </a:rPr>
+              <a:t> </a:t>
+            </a:r>
+            <a:r>
+              <a:rPr lang="en-US" sz="1800" dirty="0">
                 <a:latin typeface="+mn-lt"/>
                 <a:cs typeface="Calibri"/>
               </a:rPr>
               <a:t>matrix,</a:t>
             </a:r>
             <a:r>
-              <a:rPr sz="1800" spc="-30" dirty="0">
-                <a:latin typeface="+mn-lt"/>
-                <a:cs typeface="Calibri"/>
-              </a:rPr>
-              <a:t> </a:t>
-            </a:r>
-            <a:r>
-              <a:rPr sz="1800" dirty="0">
+              <a:rPr lang="en-US" sz="1800" spc="-30" dirty="0">
+                <a:latin typeface="+mn-lt"/>
+                <a:cs typeface="Calibri"/>
+              </a:rPr>
+              <a:t> </a:t>
+            </a:r>
+            <a:r>
+              <a:rPr lang="en-US" sz="1800" dirty="0">
                 <a:latin typeface="+mn-lt"/>
                 <a:cs typeface="Calibri"/>
               </a:rPr>
               <a:t>current</a:t>
             </a:r>
             <a:r>
-              <a:rPr sz="1800" spc="-30" dirty="0">
-                <a:latin typeface="+mn-lt"/>
-                <a:cs typeface="Calibri"/>
-              </a:rPr>
-              <a:t> </a:t>
-            </a:r>
-            <a:r>
-              <a:rPr sz="1800" dirty="0">
+              <a:rPr lang="en-US" sz="1800" spc="-30" dirty="0">
+                <a:latin typeface="+mn-lt"/>
+                <a:cs typeface="Calibri"/>
+              </a:rPr>
+              <a:t> </a:t>
+            </a:r>
+            <a:r>
+              <a:rPr lang="en-US" sz="1800" dirty="0">
                 <a:latin typeface="+mn-lt"/>
                 <a:cs typeface="Calibri"/>
               </a:rPr>
               <a:t>access</a:t>
             </a:r>
             <a:r>
-              <a:rPr sz="1800" spc="-30" dirty="0">
-                <a:latin typeface="+mn-lt"/>
-                <a:cs typeface="Calibri"/>
-              </a:rPr>
-              <a:t> </a:t>
-            </a:r>
-            <a:r>
-              <a:rPr sz="1800" spc="-8" dirty="0">
+              <a:rPr lang="en-US" sz="1800" spc="-30" dirty="0">
+                <a:latin typeface="+mn-lt"/>
+                <a:cs typeface="Calibri"/>
+              </a:rPr>
+              <a:t> </a:t>
+            </a:r>
+            <a:r>
+              <a:rPr lang="en-US" sz="1800" spc="-8" dirty="0">
                 <a:latin typeface="+mn-lt"/>
                 <a:cs typeface="Calibri"/>
               </a:rPr>
               <a:t>information</a:t>
             </a:r>
-            <a:endParaRPr sz="1800" dirty="0">
+            <a:endParaRPr lang="en-US" sz="1800" dirty="0">
               <a:latin typeface="+mn-lt"/>
               <a:cs typeface="Calibri"/>
             </a:endParaRPr>
           </a:p>
           <a:p>
-            <a:pPr marL="180022" marR="3810" indent="-170497">
+            <a:pPr marL="352425" marR="3810" indent="-342900">
               <a:lnSpc>
                 <a:spcPct val="114000"/>
               </a:lnSpc>
               <a:spcBef>
                 <a:spcPts val="773"/>
               </a:spcBef>
-              <a:buFont typeface="Arial"/>
+              <a:buFont typeface="Arial" panose="020B0604020202020204" pitchFamily="34" charset="0"/>
               <a:buChar char="•"/>
               <a:tabLst>
                 <a:tab pos="180975" algn="l"/>
@@ -23416,14 +23460,14 @@
             </a:endParaRPr>
           </a:p>
           <a:p>
-            <a:pPr marL="180022" marR="661988" indent="-170497">
+            <a:pPr marL="352425" marR="661988" indent="-342900">
               <a:lnSpc>
                 <a:spcPct val="114000"/>
               </a:lnSpc>
               <a:spcBef>
                 <a:spcPts val="746"/>
               </a:spcBef>
-              <a:buFont typeface="Arial"/>
+              <a:buFont typeface="Arial" panose="020B0604020202020204" pitchFamily="34" charset="0"/>
               <a:buChar char="•"/>
               <a:tabLst>
                 <a:tab pos="180975" algn="l"/>
@@ -23624,14 +23668,14 @@
             </a:endParaRPr>
           </a:p>
           <a:p>
-            <a:pPr marL="180022" indent="-170497">
+            <a:pPr marL="352425" indent="-342900">
               <a:lnSpc>
                 <a:spcPct val="114000"/>
               </a:lnSpc>
               <a:spcBef>
                 <a:spcPts val="458"/>
               </a:spcBef>
-              <a:buFont typeface="Arial"/>
+              <a:buFont typeface="Arial" panose="020B0604020202020204" pitchFamily="34" charset="0"/>
               <a:buChar char="•"/>
               <a:tabLst>
                 <a:tab pos="180022" algn="l"/>
@@ -23726,6 +23770,330 @@
   <p:clrMapOvr>
     <a:masterClrMapping/>
   </p:clrMapOvr>
+  <p:timing>
+    <p:tnLst>
+      <p:par>
+        <p:cTn id="1" dur="indefinite" restart="never" nodeType="tmRoot">
+          <p:childTnLst>
+            <p:seq concurrent="1" nextAc="seek">
+              <p:cTn id="2" dur="indefinite" nodeType="mainSeq">
+                <p:childTnLst>
+                  <p:par>
+                    <p:cTn id="3" fill="hold">
+                      <p:stCondLst>
+                        <p:cond delay="indefinite"/>
+                      </p:stCondLst>
+                      <p:childTnLst>
+                        <p:par>
+                          <p:cTn id="4" fill="hold">
+                            <p:stCondLst>
+                              <p:cond delay="0"/>
+                            </p:stCondLst>
+                            <p:childTnLst>
+                              <p:par>
+                                <p:cTn id="5" presetID="1" presetClass="entr" presetSubtype="0" fill="hold" nodeType="clickEffect">
+                                  <p:stCondLst>
+                                    <p:cond delay="0"/>
+                                  </p:stCondLst>
+                                  <p:childTnLst>
+                                    <p:set>
+                                      <p:cBhvr>
+                                        <p:cTn id="6" dur="1" fill="hold">
+                                          <p:stCondLst>
+                                            <p:cond delay="0"/>
+                                          </p:stCondLst>
+                                        </p:cTn>
+                                        <p:tgtEl>
+                                          <p:spTgt spid="3">
+                                            <p:txEl>
+                                              <p:pRg st="0" end="0"/>
+                                            </p:txEl>
+                                          </p:spTgt>
+                                        </p:tgtEl>
+                                        <p:attrNameLst>
+                                          <p:attrName>style.visibility</p:attrName>
+                                        </p:attrNameLst>
+                                      </p:cBhvr>
+                                      <p:to>
+                                        <p:strVal val="visible"/>
+                                      </p:to>
+                                    </p:set>
+                                  </p:childTnLst>
+                                </p:cTn>
+                              </p:par>
+                            </p:childTnLst>
+                          </p:cTn>
+                        </p:par>
+                      </p:childTnLst>
+                    </p:cTn>
+                  </p:par>
+                  <p:par>
+                    <p:cTn id="7" fill="hold">
+                      <p:stCondLst>
+                        <p:cond delay="indefinite"/>
+                      </p:stCondLst>
+                      <p:childTnLst>
+                        <p:par>
+                          <p:cTn id="8" fill="hold">
+                            <p:stCondLst>
+                              <p:cond delay="0"/>
+                            </p:stCondLst>
+                            <p:childTnLst>
+                              <p:par>
+                                <p:cTn id="9" presetID="1" presetClass="entr" presetSubtype="0" fill="hold" nodeType="clickEffect">
+                                  <p:stCondLst>
+                                    <p:cond delay="0"/>
+                                  </p:stCondLst>
+                                  <p:childTnLst>
+                                    <p:set>
+                                      <p:cBhvr>
+                                        <p:cTn id="10" dur="1" fill="hold">
+                                          <p:stCondLst>
+                                            <p:cond delay="0"/>
+                                          </p:stCondLst>
+                                        </p:cTn>
+                                        <p:tgtEl>
+                                          <p:spTgt spid="3">
+                                            <p:txEl>
+                                              <p:pRg st="1" end="1"/>
+                                            </p:txEl>
+                                          </p:spTgt>
+                                        </p:tgtEl>
+                                        <p:attrNameLst>
+                                          <p:attrName>style.visibility</p:attrName>
+                                        </p:attrNameLst>
+                                      </p:cBhvr>
+                                      <p:to>
+                                        <p:strVal val="visible"/>
+                                      </p:to>
+                                    </p:set>
+                                  </p:childTnLst>
+                                </p:cTn>
+                              </p:par>
+                            </p:childTnLst>
+                          </p:cTn>
+                        </p:par>
+                      </p:childTnLst>
+                    </p:cTn>
+                  </p:par>
+                  <p:par>
+                    <p:cTn id="11" fill="hold">
+                      <p:stCondLst>
+                        <p:cond delay="indefinite"/>
+                      </p:stCondLst>
+                      <p:childTnLst>
+                        <p:par>
+                          <p:cTn id="12" fill="hold">
+                            <p:stCondLst>
+                              <p:cond delay="0"/>
+                            </p:stCondLst>
+                            <p:childTnLst>
+                              <p:par>
+                                <p:cTn id="13" presetID="1" presetClass="entr" presetSubtype="0" fill="hold" nodeType="clickEffect">
+                                  <p:stCondLst>
+                                    <p:cond delay="0"/>
+                                  </p:stCondLst>
+                                  <p:childTnLst>
+                                    <p:set>
+                                      <p:cBhvr>
+                                        <p:cTn id="14" dur="1" fill="hold">
+                                          <p:stCondLst>
+                                            <p:cond delay="0"/>
+                                          </p:stCondLst>
+                                        </p:cTn>
+                                        <p:tgtEl>
+                                          <p:spTgt spid="3">
+                                            <p:txEl>
+                                              <p:pRg st="2" end="2"/>
+                                            </p:txEl>
+                                          </p:spTgt>
+                                        </p:tgtEl>
+                                        <p:attrNameLst>
+                                          <p:attrName>style.visibility</p:attrName>
+                                        </p:attrNameLst>
+                                      </p:cBhvr>
+                                      <p:to>
+                                        <p:strVal val="visible"/>
+                                      </p:to>
+                                    </p:set>
+                                  </p:childTnLst>
+                                </p:cTn>
+                              </p:par>
+                            </p:childTnLst>
+                          </p:cTn>
+                        </p:par>
+                      </p:childTnLst>
+                    </p:cTn>
+                  </p:par>
+                  <p:par>
+                    <p:cTn id="15" fill="hold">
+                      <p:stCondLst>
+                        <p:cond delay="indefinite"/>
+                      </p:stCondLst>
+                      <p:childTnLst>
+                        <p:par>
+                          <p:cTn id="16" fill="hold">
+                            <p:stCondLst>
+                              <p:cond delay="0"/>
+                            </p:stCondLst>
+                            <p:childTnLst>
+                              <p:par>
+                                <p:cTn id="17" presetID="1" presetClass="entr" presetSubtype="0" fill="hold" nodeType="clickEffect">
+                                  <p:stCondLst>
+                                    <p:cond delay="0"/>
+                                  </p:stCondLst>
+                                  <p:childTnLst>
+                                    <p:set>
+                                      <p:cBhvr>
+                                        <p:cTn id="18" dur="1" fill="hold">
+                                          <p:stCondLst>
+                                            <p:cond delay="0"/>
+                                          </p:stCondLst>
+                                        </p:cTn>
+                                        <p:tgtEl>
+                                          <p:spTgt spid="3">
+                                            <p:txEl>
+                                              <p:pRg st="3" end="3"/>
+                                            </p:txEl>
+                                          </p:spTgt>
+                                        </p:tgtEl>
+                                        <p:attrNameLst>
+                                          <p:attrName>style.visibility</p:attrName>
+                                        </p:attrNameLst>
+                                      </p:cBhvr>
+                                      <p:to>
+                                        <p:strVal val="visible"/>
+                                      </p:to>
+                                    </p:set>
+                                  </p:childTnLst>
+                                </p:cTn>
+                              </p:par>
+                            </p:childTnLst>
+                          </p:cTn>
+                        </p:par>
+                      </p:childTnLst>
+                    </p:cTn>
+                  </p:par>
+                  <p:par>
+                    <p:cTn id="19" fill="hold">
+                      <p:stCondLst>
+                        <p:cond delay="indefinite"/>
+                      </p:stCondLst>
+                      <p:childTnLst>
+                        <p:par>
+                          <p:cTn id="20" fill="hold">
+                            <p:stCondLst>
+                              <p:cond delay="0"/>
+                            </p:stCondLst>
+                            <p:childTnLst>
+                              <p:par>
+                                <p:cTn id="21" presetID="1" presetClass="entr" presetSubtype="0" fill="hold" nodeType="clickEffect">
+                                  <p:stCondLst>
+                                    <p:cond delay="0"/>
+                                  </p:stCondLst>
+                                  <p:childTnLst>
+                                    <p:set>
+                                      <p:cBhvr>
+                                        <p:cTn id="22" dur="1" fill="hold">
+                                          <p:stCondLst>
+                                            <p:cond delay="0"/>
+                                          </p:stCondLst>
+                                        </p:cTn>
+                                        <p:tgtEl>
+                                          <p:spTgt spid="3">
+                                            <p:txEl>
+                                              <p:pRg st="4" end="4"/>
+                                            </p:txEl>
+                                          </p:spTgt>
+                                        </p:tgtEl>
+                                        <p:attrNameLst>
+                                          <p:attrName>style.visibility</p:attrName>
+                                        </p:attrNameLst>
+                                      </p:cBhvr>
+                                      <p:to>
+                                        <p:strVal val="visible"/>
+                                      </p:to>
+                                    </p:set>
+                                  </p:childTnLst>
+                                </p:cTn>
+                              </p:par>
+                            </p:childTnLst>
+                          </p:cTn>
+                        </p:par>
+                      </p:childTnLst>
+                    </p:cTn>
+                  </p:par>
+                  <p:par>
+                    <p:cTn id="23" fill="hold">
+                      <p:stCondLst>
+                        <p:cond delay="indefinite"/>
+                      </p:stCondLst>
+                      <p:childTnLst>
+                        <p:par>
+                          <p:cTn id="24" fill="hold">
+                            <p:stCondLst>
+                              <p:cond delay="0"/>
+                            </p:stCondLst>
+                            <p:childTnLst>
+                              <p:par>
+                                <p:cTn id="25" presetID="1" presetClass="entr" presetSubtype="0" fill="hold" nodeType="clickEffect">
+                                  <p:stCondLst>
+                                    <p:cond delay="0"/>
+                                  </p:stCondLst>
+                                  <p:childTnLst>
+                                    <p:set>
+                                      <p:cBhvr>
+                                        <p:cTn id="26" dur="1" fill="hold">
+                                          <p:stCondLst>
+                                            <p:cond delay="0"/>
+                                          </p:stCondLst>
+                                        </p:cTn>
+                                        <p:tgtEl>
+                                          <p:spTgt spid="3">
+                                            <p:txEl>
+                                              <p:pRg st="5" end="5"/>
+                                            </p:txEl>
+                                          </p:spTgt>
+                                        </p:tgtEl>
+                                        <p:attrNameLst>
+                                          <p:attrName>style.visibility</p:attrName>
+                                        </p:attrNameLst>
+                                      </p:cBhvr>
+                                      <p:to>
+                                        <p:strVal val="visible"/>
+                                      </p:to>
+                                    </p:set>
+                                  </p:childTnLst>
+                                </p:cTn>
+                              </p:par>
+                            </p:childTnLst>
+                          </p:cTn>
+                        </p:par>
+                      </p:childTnLst>
+                    </p:cTn>
+                  </p:par>
+                </p:childTnLst>
+              </p:cTn>
+              <p:prevCondLst>
+                <p:cond evt="onPrev" delay="0">
+                  <p:tgtEl>
+                    <p:sldTgt/>
+                  </p:tgtEl>
+                </p:cond>
+              </p:prevCondLst>
+              <p:nextCondLst>
+                <p:cond evt="onNext" delay="0">
+                  <p:tgtEl>
+                    <p:sldTgt/>
+                  </p:tgtEl>
+                </p:cond>
+              </p:nextCondLst>
+            </p:seq>
+          </p:childTnLst>
+        </p:cTn>
+      </p:par>
+    </p:tnLst>
+  </p:timing>
 </p:sld>
 </file>
 
@@ -24960,6 +25328,232 @@
   <p:clrMapOvr>
     <a:masterClrMapping/>
   </p:clrMapOvr>
+  <p:timing>
+    <p:tnLst>
+      <p:par>
+        <p:cTn id="1" dur="indefinite" restart="never" nodeType="tmRoot">
+          <p:childTnLst>
+            <p:seq concurrent="1" nextAc="seek">
+              <p:cTn id="2" dur="indefinite" nodeType="mainSeq">
+                <p:childTnLst>
+                  <p:par>
+                    <p:cTn id="3" fill="hold">
+                      <p:stCondLst>
+                        <p:cond delay="indefinite"/>
+                      </p:stCondLst>
+                      <p:childTnLst>
+                        <p:par>
+                          <p:cTn id="4" fill="hold">
+                            <p:stCondLst>
+                              <p:cond delay="0"/>
+                            </p:stCondLst>
+                            <p:childTnLst>
+                              <p:par>
+                                <p:cTn id="5" presetID="1" presetClass="entr" presetSubtype="0" fill="hold" nodeType="clickEffect">
+                                  <p:stCondLst>
+                                    <p:cond delay="0"/>
+                                  </p:stCondLst>
+                                  <p:childTnLst>
+                                    <p:set>
+                                      <p:cBhvr>
+                                        <p:cTn id="6" dur="1" fill="hold">
+                                          <p:stCondLst>
+                                            <p:cond delay="0"/>
+                                          </p:stCondLst>
+                                        </p:cTn>
+                                        <p:tgtEl>
+                                          <p:spTgt spid="3">
+                                            <p:txEl>
+                                              <p:pRg st="1" end="1"/>
+                                            </p:txEl>
+                                          </p:spTgt>
+                                        </p:tgtEl>
+                                        <p:attrNameLst>
+                                          <p:attrName>style.visibility</p:attrName>
+                                        </p:attrNameLst>
+                                      </p:cBhvr>
+                                      <p:to>
+                                        <p:strVal val="visible"/>
+                                      </p:to>
+                                    </p:set>
+                                  </p:childTnLst>
+                                </p:cTn>
+                              </p:par>
+                            </p:childTnLst>
+                          </p:cTn>
+                        </p:par>
+                      </p:childTnLst>
+                    </p:cTn>
+                  </p:par>
+                  <p:par>
+                    <p:cTn id="7" fill="hold">
+                      <p:stCondLst>
+                        <p:cond delay="indefinite"/>
+                      </p:stCondLst>
+                      <p:childTnLst>
+                        <p:par>
+                          <p:cTn id="8" fill="hold">
+                            <p:stCondLst>
+                              <p:cond delay="0"/>
+                            </p:stCondLst>
+                            <p:childTnLst>
+                              <p:par>
+                                <p:cTn id="9" presetID="1" presetClass="entr" presetSubtype="0" fill="hold" nodeType="clickEffect">
+                                  <p:stCondLst>
+                                    <p:cond delay="0"/>
+                                  </p:stCondLst>
+                                  <p:childTnLst>
+                                    <p:set>
+                                      <p:cBhvr>
+                                        <p:cTn id="10" dur="1" fill="hold">
+                                          <p:stCondLst>
+                                            <p:cond delay="0"/>
+                                          </p:stCondLst>
+                                        </p:cTn>
+                                        <p:tgtEl>
+                                          <p:spTgt spid="3">
+                                            <p:txEl>
+                                              <p:pRg st="2" end="2"/>
+                                            </p:txEl>
+                                          </p:spTgt>
+                                        </p:tgtEl>
+                                        <p:attrNameLst>
+                                          <p:attrName>style.visibility</p:attrName>
+                                        </p:attrNameLst>
+                                      </p:cBhvr>
+                                      <p:to>
+                                        <p:strVal val="visible"/>
+                                      </p:to>
+                                    </p:set>
+                                  </p:childTnLst>
+                                </p:cTn>
+                              </p:par>
+                            </p:childTnLst>
+                          </p:cTn>
+                        </p:par>
+                      </p:childTnLst>
+                    </p:cTn>
+                  </p:par>
+                  <p:par>
+                    <p:cTn id="11" fill="hold">
+                      <p:stCondLst>
+                        <p:cond delay="indefinite"/>
+                      </p:stCondLst>
+                      <p:childTnLst>
+                        <p:par>
+                          <p:cTn id="12" fill="hold">
+                            <p:stCondLst>
+                              <p:cond delay="0"/>
+                            </p:stCondLst>
+                            <p:childTnLst>
+                              <p:par>
+                                <p:cTn id="13" presetID="1" presetClass="entr" presetSubtype="0" fill="hold" nodeType="clickEffect">
+                                  <p:stCondLst>
+                                    <p:cond delay="0"/>
+                                  </p:stCondLst>
+                                  <p:childTnLst>
+                                    <p:set>
+                                      <p:cBhvr>
+                                        <p:cTn id="14" dur="1" fill="hold">
+                                          <p:stCondLst>
+                                            <p:cond delay="0"/>
+                                          </p:stCondLst>
+                                        </p:cTn>
+                                        <p:tgtEl>
+                                          <p:spTgt spid="3">
+                                            <p:txEl>
+                                              <p:pRg st="3" end="3"/>
+                                            </p:txEl>
+                                          </p:spTgt>
+                                        </p:tgtEl>
+                                        <p:attrNameLst>
+                                          <p:attrName>style.visibility</p:attrName>
+                                        </p:attrNameLst>
+                                      </p:cBhvr>
+                                      <p:to>
+                                        <p:strVal val="visible"/>
+                                      </p:to>
+                                    </p:set>
+                                  </p:childTnLst>
+                                </p:cTn>
+                              </p:par>
+                            </p:childTnLst>
+                          </p:cTn>
+                        </p:par>
+                      </p:childTnLst>
+                    </p:cTn>
+                  </p:par>
+                  <p:par>
+                    <p:cTn id="15" fill="hold">
+                      <p:stCondLst>
+                        <p:cond delay="indefinite"/>
+                      </p:stCondLst>
+                      <p:childTnLst>
+                        <p:par>
+                          <p:cTn id="16" fill="hold">
+                            <p:stCondLst>
+                              <p:cond delay="0"/>
+                            </p:stCondLst>
+                            <p:childTnLst>
+                              <p:par>
+                                <p:cTn id="17" presetID="1" presetClass="entr" presetSubtype="0" fill="hold" nodeType="clickEffect">
+                                  <p:stCondLst>
+                                    <p:cond delay="0"/>
+                                  </p:stCondLst>
+                                  <p:childTnLst>
+                                    <p:set>
+                                      <p:cBhvr>
+                                        <p:cTn id="18" dur="1" fill="hold">
+                                          <p:stCondLst>
+                                            <p:cond delay="0"/>
+                                          </p:stCondLst>
+                                        </p:cTn>
+                                        <p:tgtEl>
+                                          <p:spTgt spid="3">
+                                            <p:txEl>
+                                              <p:pRg st="4" end="4"/>
+                                            </p:txEl>
+                                          </p:spTgt>
+                                        </p:tgtEl>
+                                        <p:attrNameLst>
+                                          <p:attrName>style.visibility</p:attrName>
+                                        </p:attrNameLst>
+                                      </p:cBhvr>
+                                      <p:to>
+                                        <p:strVal val="visible"/>
+                                      </p:to>
+                                    </p:set>
+                                  </p:childTnLst>
+                                </p:cTn>
+                              </p:par>
+                            </p:childTnLst>
+                          </p:cTn>
+                        </p:par>
+                      </p:childTnLst>
+                    </p:cTn>
+                  </p:par>
+                </p:childTnLst>
+              </p:cTn>
+              <p:prevCondLst>
+                <p:cond evt="onPrev" delay="0">
+                  <p:tgtEl>
+                    <p:sldTgt/>
+                  </p:tgtEl>
+                </p:cond>
+              </p:prevCondLst>
+              <p:nextCondLst>
+                <p:cond evt="onNext" delay="0">
+                  <p:tgtEl>
+                    <p:sldTgt/>
+                  </p:tgtEl>
+                </p:cond>
+              </p:nextCondLst>
+            </p:seq>
+          </p:childTnLst>
+        </p:cTn>
+      </p:par>
+    </p:tnLst>
+  </p:timing>
 </p:sld>
 </file>
 
@@ -27487,60 +28081,67 @@
               <a:t> </a:t>
             </a:r>
             <a:r>
+              <a:rPr sz="1800" b="1" dirty="0">
+                <a:latin typeface="Calibri"/>
+                <a:cs typeface="Calibri"/>
+              </a:rPr>
+              <a:t>changes</a:t>
+            </a:r>
+            <a:r>
+              <a:rPr sz="1800" b="1" spc="-38" dirty="0">
+                <a:latin typeface="Calibri"/>
+                <a:cs typeface="Calibri"/>
+              </a:rPr>
+              <a:t> </a:t>
+            </a:r>
+            <a:r>
+              <a:rPr sz="1800" b="1" spc="-8" dirty="0">
+                <a:latin typeface="Calibri"/>
+                <a:cs typeface="Calibri"/>
+              </a:rPr>
+              <a:t>current 	</a:t>
+            </a:r>
+            <a:r>
+              <a:rPr sz="1800" b="1" dirty="0">
+                <a:latin typeface="Calibri"/>
+                <a:cs typeface="Calibri"/>
+              </a:rPr>
+              <a:t>level</a:t>
+            </a:r>
+            <a:r>
+              <a:rPr sz="1800" b="1" spc="-11" dirty="0">
+                <a:latin typeface="Calibri"/>
+                <a:cs typeface="Calibri"/>
+              </a:rPr>
+              <a:t> </a:t>
+            </a:r>
+            <a:r>
+              <a:rPr sz="1800" b="1" dirty="0">
+                <a:latin typeface="Calibri"/>
+                <a:cs typeface="Calibri"/>
+              </a:rPr>
+              <a:t>to</a:t>
+            </a:r>
+            <a:r>
+              <a:rPr sz="1800" b="1" spc="-15" dirty="0">
+                <a:latin typeface="Calibri"/>
+                <a:cs typeface="Calibri"/>
+              </a:rPr>
+              <a:t> </a:t>
+            </a:r>
+            <a:r>
+              <a:rPr sz="1800" b="1" dirty="0">
+                <a:latin typeface="Calibri"/>
+                <a:cs typeface="Calibri"/>
+              </a:rPr>
+              <a:t>low</a:t>
+            </a:r>
+            <a:r>
               <a:rPr sz="1800" dirty="0">
                 <a:latin typeface="Calibri"/>
                 <a:cs typeface="Calibri"/>
               </a:rPr>
-              <a:t>changes</a:t>
-            </a:r>
-            <a:r>
-              <a:rPr sz="1800" spc="-38" dirty="0">
-                <a:latin typeface="Calibri"/>
-                <a:cs typeface="Calibri"/>
-              </a:rPr>
-              <a:t> </a:t>
-            </a:r>
-            <a:r>
-              <a:rPr sz="1800" spc="-8" dirty="0">
-                <a:latin typeface="Calibri"/>
-                <a:cs typeface="Calibri"/>
-              </a:rPr>
-              <a:t>current 	</a:t>
-            </a:r>
-            <a:r>
-              <a:rPr sz="1800" dirty="0">
-                <a:latin typeface="Calibri"/>
-                <a:cs typeface="Calibri"/>
-              </a:rPr>
-              <a:t>level</a:t>
-            </a:r>
-            <a:r>
-              <a:rPr sz="1800" spc="-11" dirty="0">
-                <a:latin typeface="Calibri"/>
-                <a:cs typeface="Calibri"/>
-              </a:rPr>
-              <a:t> </a:t>
-            </a:r>
-            <a:r>
-              <a:rPr sz="1800" dirty="0">
-                <a:latin typeface="Calibri"/>
-                <a:cs typeface="Calibri"/>
-              </a:rPr>
-              <a:t>to</a:t>
-            </a:r>
-            <a:r>
-              <a:rPr sz="1800" spc="-15" dirty="0">
-                <a:latin typeface="Calibri"/>
-                <a:cs typeface="Calibri"/>
-              </a:rPr>
-              <a:t> </a:t>
-            </a:r>
-            <a:r>
-              <a:rPr sz="1800" dirty="0">
-                <a:latin typeface="Calibri"/>
-                <a:cs typeface="Calibri"/>
-              </a:rPr>
-              <a:t>low,</a:t>
+              <a:t>,</a:t>
             </a:r>
             <a:r>
               <a:rPr sz="1800" spc="-23" dirty="0">
@@ -27809,244 +28410,216 @@
               <a:t> </a:t>
             </a:r>
             <a:r>
+              <a:rPr sz="2100" dirty="0">
+                <a:latin typeface="Calibri"/>
+                <a:cs typeface="Calibri"/>
+              </a:rPr>
+              <a:t>subject</a:t>
+            </a:r>
+            <a:r>
+              <a:rPr sz="2100" spc="-56" dirty="0">
+                <a:latin typeface="Calibri"/>
+                <a:cs typeface="Calibri"/>
+              </a:rPr>
+              <a:t> </a:t>
+            </a:r>
+            <a:r>
+              <a:rPr sz="2100" dirty="0">
+                <a:latin typeface="Calibri"/>
+                <a:cs typeface="Calibri"/>
+              </a:rPr>
+              <a:t>cannot</a:t>
+            </a:r>
+            <a:r>
+              <a:rPr sz="2100" spc="-75" dirty="0">
+                <a:latin typeface="Calibri"/>
+                <a:cs typeface="Calibri"/>
+              </a:rPr>
+              <a:t> </a:t>
+            </a:r>
+            <a:r>
+              <a:rPr sz="2100" dirty="0">
+                <a:latin typeface="Calibri"/>
+                <a:cs typeface="Calibri"/>
+              </a:rPr>
+              <a:t>change</a:t>
+            </a:r>
+            <a:r>
+              <a:rPr sz="2100" spc="-71" dirty="0">
+                <a:latin typeface="Calibri"/>
+                <a:cs typeface="Calibri"/>
+              </a:rPr>
+              <a:t> </a:t>
+            </a:r>
+            <a:r>
+              <a:rPr sz="2100" dirty="0">
+                <a:latin typeface="Calibri"/>
+                <a:cs typeface="Calibri"/>
+              </a:rPr>
+              <a:t>current</a:t>
+            </a:r>
+            <a:r>
+              <a:rPr sz="2100" spc="-64" dirty="0">
+                <a:latin typeface="Calibri"/>
+                <a:cs typeface="Calibri"/>
+              </a:rPr>
+              <a:t> </a:t>
+            </a:r>
+            <a:r>
+              <a:rPr sz="2100" spc="-8" dirty="0">
+                <a:latin typeface="Calibri"/>
+                <a:cs typeface="Calibri"/>
+              </a:rPr>
+              <a:t>levels, 	</a:t>
+            </a:r>
+            <a:r>
+              <a:rPr sz="2100" dirty="0">
+                <a:latin typeface="Calibri"/>
+                <a:cs typeface="Calibri"/>
+              </a:rPr>
+              <a:t>or</a:t>
+            </a:r>
+            <a:r>
+              <a:rPr sz="2100" spc="-38" dirty="0">
+                <a:latin typeface="Calibri"/>
+                <a:cs typeface="Calibri"/>
+              </a:rPr>
+              <a:t> </a:t>
+            </a:r>
+            <a:r>
+              <a:rPr sz="2100" dirty="0">
+                <a:latin typeface="Calibri"/>
+                <a:cs typeface="Calibri"/>
+              </a:rPr>
+              <a:t>cannot</a:t>
+            </a:r>
+            <a:r>
+              <a:rPr sz="2100" spc="-23" dirty="0">
+                <a:latin typeface="Calibri"/>
+                <a:cs typeface="Calibri"/>
+              </a:rPr>
+              <a:t> </a:t>
+            </a:r>
+            <a:r>
+              <a:rPr sz="2100" dirty="0">
+                <a:latin typeface="Calibri"/>
+                <a:cs typeface="Calibri"/>
+              </a:rPr>
+              <a:t>drop</a:t>
+            </a:r>
+            <a:r>
+              <a:rPr sz="2100" spc="-26" dirty="0">
+                <a:latin typeface="Calibri"/>
+                <a:cs typeface="Calibri"/>
+              </a:rPr>
+              <a:t> </a:t>
+            </a:r>
+            <a:r>
+              <a:rPr sz="2100" dirty="0">
+                <a:latin typeface="Calibri"/>
+                <a:cs typeface="Calibri"/>
+              </a:rPr>
+              <a:t>to</a:t>
+            </a:r>
+            <a:r>
+              <a:rPr sz="2100" spc="-34" dirty="0">
+                <a:latin typeface="Calibri"/>
+                <a:cs typeface="Calibri"/>
+              </a:rPr>
+              <a:t> </a:t>
+            </a:r>
+            <a:r>
+              <a:rPr sz="2100" dirty="0">
+                <a:latin typeface="Calibri"/>
+                <a:cs typeface="Calibri"/>
+              </a:rPr>
+              <a:t>below</a:t>
+            </a:r>
+            <a:r>
+              <a:rPr sz="2100" spc="-34" dirty="0">
+                <a:latin typeface="Calibri"/>
+                <a:cs typeface="Calibri"/>
+              </a:rPr>
+              <a:t> </a:t>
+            </a:r>
+            <a:r>
+              <a:rPr sz="2100" dirty="0">
+                <a:latin typeface="Calibri"/>
+                <a:cs typeface="Calibri"/>
+              </a:rPr>
+              <a:t>the</a:t>
+            </a:r>
+            <a:r>
+              <a:rPr sz="2100" spc="-30" dirty="0">
+                <a:latin typeface="Calibri"/>
+                <a:cs typeface="Calibri"/>
+              </a:rPr>
+              <a:t> </a:t>
+            </a:r>
+            <a:r>
               <a:rPr sz="2100" b="1" dirty="0">
                 <a:latin typeface="Calibri"/>
                 <a:cs typeface="Calibri"/>
               </a:rPr>
-              <a:t>tranquility</a:t>
-            </a:r>
-            <a:r>
-              <a:rPr sz="2100" b="1" spc="-56" dirty="0">
-                <a:latin typeface="Calibri"/>
-                <a:cs typeface="Calibri"/>
-              </a:rPr>
-              <a:t> </a:t>
-            </a:r>
-            <a:r>
-              <a:rPr sz="2100" dirty="0">
-                <a:latin typeface="Calibri"/>
-                <a:cs typeface="Calibri"/>
-              </a:rPr>
-              <a:t>principle:</a:t>
-            </a:r>
-            <a:r>
-              <a:rPr sz="2100" spc="-68" dirty="0">
-                <a:latin typeface="Calibri"/>
-                <a:cs typeface="Calibri"/>
-              </a:rPr>
-              <a:t> </a:t>
-            </a:r>
-            <a:r>
-              <a:rPr sz="2100" dirty="0">
-                <a:latin typeface="Calibri"/>
-                <a:cs typeface="Calibri"/>
-              </a:rPr>
-              <a:t>subject</a:t>
-            </a:r>
-            <a:r>
-              <a:rPr sz="2100" spc="-56" dirty="0">
-                <a:latin typeface="Calibri"/>
-                <a:cs typeface="Calibri"/>
-              </a:rPr>
-              <a:t> </a:t>
-            </a:r>
-            <a:r>
-              <a:rPr sz="2100" dirty="0">
-                <a:latin typeface="Calibri"/>
-                <a:cs typeface="Calibri"/>
-              </a:rPr>
-              <a:t>cannot</a:t>
-            </a:r>
-            <a:r>
-              <a:rPr sz="2100" spc="-75" dirty="0">
-                <a:latin typeface="Calibri"/>
-                <a:cs typeface="Calibri"/>
-              </a:rPr>
-              <a:t> </a:t>
-            </a:r>
-            <a:r>
-              <a:rPr sz="2100" dirty="0">
-                <a:latin typeface="Calibri"/>
-                <a:cs typeface="Calibri"/>
-              </a:rPr>
-              <a:t>change</a:t>
-            </a:r>
-            <a:r>
-              <a:rPr sz="2100" spc="-71" dirty="0">
-                <a:latin typeface="Calibri"/>
-                <a:cs typeface="Calibri"/>
-              </a:rPr>
-              <a:t> </a:t>
-            </a:r>
-            <a:r>
-              <a:rPr sz="2100" dirty="0">
-                <a:latin typeface="Calibri"/>
-                <a:cs typeface="Calibri"/>
-              </a:rPr>
-              <a:t>current</a:t>
-            </a:r>
-            <a:r>
-              <a:rPr sz="2100" spc="-64" dirty="0">
-                <a:latin typeface="Calibri"/>
-                <a:cs typeface="Calibri"/>
-              </a:rPr>
-              <a:t> </a:t>
-            </a:r>
-            <a:r>
-              <a:rPr sz="2100" spc="-8" dirty="0">
-                <a:latin typeface="Calibri"/>
-                <a:cs typeface="Calibri"/>
-              </a:rPr>
-              <a:t>levels, 	</a:t>
-            </a:r>
-            <a:r>
-              <a:rPr sz="2100" dirty="0">
-                <a:latin typeface="Calibri"/>
-                <a:cs typeface="Calibri"/>
-              </a:rPr>
-              <a:t>or</a:t>
-            </a:r>
-            <a:r>
-              <a:rPr sz="2100" spc="-38" dirty="0">
-                <a:latin typeface="Calibri"/>
-                <a:cs typeface="Calibri"/>
-              </a:rPr>
-              <a:t> </a:t>
-            </a:r>
-            <a:r>
-              <a:rPr sz="2100" dirty="0">
-                <a:latin typeface="Calibri"/>
-                <a:cs typeface="Calibri"/>
-              </a:rPr>
-              <a:t>cannot</a:t>
-            </a:r>
-            <a:r>
-              <a:rPr sz="2100" spc="-23" dirty="0">
-                <a:latin typeface="Calibri"/>
-                <a:cs typeface="Calibri"/>
-              </a:rPr>
-              <a:t> </a:t>
-            </a:r>
-            <a:r>
-              <a:rPr sz="2100" dirty="0">
-                <a:latin typeface="Calibri"/>
-                <a:cs typeface="Calibri"/>
-              </a:rPr>
-              <a:t>drop</a:t>
-            </a:r>
-            <a:r>
-              <a:rPr sz="2100" spc="-26" dirty="0">
-                <a:latin typeface="Calibri"/>
-                <a:cs typeface="Calibri"/>
-              </a:rPr>
-              <a:t> </a:t>
-            </a:r>
-            <a:r>
-              <a:rPr sz="2100" dirty="0">
-                <a:latin typeface="Calibri"/>
-                <a:cs typeface="Calibri"/>
-              </a:rPr>
-              <a:t>to</a:t>
-            </a:r>
-            <a:r>
-              <a:rPr sz="2100" spc="-34" dirty="0">
-                <a:latin typeface="Calibri"/>
-                <a:cs typeface="Calibri"/>
-              </a:rPr>
-              <a:t> </a:t>
-            </a:r>
-            <a:r>
-              <a:rPr sz="2100" dirty="0">
-                <a:latin typeface="Calibri"/>
-                <a:cs typeface="Calibri"/>
-              </a:rPr>
-              <a:t>below</a:t>
-            </a:r>
-            <a:r>
-              <a:rPr sz="2100" spc="-34" dirty="0">
-                <a:latin typeface="Calibri"/>
-                <a:cs typeface="Calibri"/>
-              </a:rPr>
-              <a:t> </a:t>
-            </a:r>
-            <a:r>
-              <a:rPr sz="2100" dirty="0">
-                <a:latin typeface="Calibri"/>
-                <a:cs typeface="Calibri"/>
-              </a:rPr>
-              <a:t>the</a:t>
-            </a:r>
-            <a:r>
-              <a:rPr sz="2100" spc="-30" dirty="0">
-                <a:latin typeface="Calibri"/>
-                <a:cs typeface="Calibri"/>
-              </a:rPr>
-              <a:t> </a:t>
-            </a:r>
-            <a:r>
-              <a:rPr sz="2100" dirty="0">
-                <a:latin typeface="Calibri"/>
-                <a:cs typeface="Calibri"/>
-              </a:rPr>
               <a:t>highest</a:t>
             </a:r>
             <a:r>
-              <a:rPr sz="2100" spc="-19" dirty="0">
-                <a:latin typeface="Calibri"/>
-                <a:cs typeface="Calibri"/>
-              </a:rPr>
-              <a:t> </a:t>
-            </a:r>
-            <a:r>
-              <a:rPr sz="2100" dirty="0">
+              <a:rPr sz="2100" b="1" spc="-19" dirty="0">
+                <a:latin typeface="Calibri"/>
+                <a:cs typeface="Calibri"/>
+              </a:rPr>
+              <a:t> </a:t>
+            </a:r>
+            <a:r>
+              <a:rPr sz="2100" b="1" dirty="0">
                 <a:latin typeface="Calibri"/>
                 <a:cs typeface="Calibri"/>
               </a:rPr>
               <a:t>level</a:t>
             </a:r>
             <a:r>
-              <a:rPr sz="2100" spc="-30" dirty="0">
-                <a:latin typeface="Calibri"/>
-                <a:cs typeface="Calibri"/>
-              </a:rPr>
-              <a:t> </a:t>
-            </a:r>
-            <a:r>
-              <a:rPr sz="2100" dirty="0">
+              <a:rPr sz="2100" b="1" spc="-30" dirty="0">
+                <a:latin typeface="Calibri"/>
+                <a:cs typeface="Calibri"/>
+              </a:rPr>
+              <a:t> </a:t>
+            </a:r>
+            <a:r>
+              <a:rPr sz="2100" b="1" dirty="0">
                 <a:latin typeface="Calibri"/>
                 <a:cs typeface="Calibri"/>
               </a:rPr>
               <a:t>read</a:t>
             </a:r>
             <a:r>
-              <a:rPr sz="2100" spc="-38" dirty="0">
-                <a:latin typeface="Calibri"/>
-                <a:cs typeface="Calibri"/>
-              </a:rPr>
-              <a:t> </a:t>
-            </a:r>
-            <a:r>
-              <a:rPr sz="2100" dirty="0">
+              <a:rPr sz="2100" b="1" spc="-38" dirty="0">
+                <a:latin typeface="Calibri"/>
+                <a:cs typeface="Calibri"/>
+              </a:rPr>
+              <a:t> </a:t>
+            </a:r>
+            <a:r>
+              <a:rPr sz="2100" b="1" dirty="0">
                 <a:latin typeface="Calibri"/>
                 <a:cs typeface="Calibri"/>
               </a:rPr>
               <a:t>so</a:t>
             </a:r>
             <a:r>
-              <a:rPr sz="2100" spc="-30" dirty="0">
-                <a:latin typeface="Calibri"/>
-                <a:cs typeface="Calibri"/>
-              </a:rPr>
-              <a:t> </a:t>
-            </a:r>
-            <a:r>
-              <a:rPr sz="2100" spc="-19" dirty="0">
+              <a:rPr sz="2100" b="1" spc="-30" dirty="0">
+                <a:latin typeface="Calibri"/>
+                <a:cs typeface="Calibri"/>
+              </a:rPr>
+              <a:t> </a:t>
+            </a:r>
+            <a:r>
+              <a:rPr sz="2100" b="1" spc="-19" dirty="0">
                 <a:latin typeface="Calibri"/>
                 <a:cs typeface="Calibri"/>
               </a:rPr>
               <a:t>far</a:t>
             </a:r>
-            <a:endParaRPr sz="2100" dirty="0">
+            <a:endParaRPr sz="2100" b="1" dirty="0">
               <a:latin typeface="Calibri"/>
               <a:cs typeface="Calibri"/>
             </a:endParaRPr>
@@ -28058,6 +28631,134 @@
   <p:clrMapOvr>
     <a:masterClrMapping/>
   </p:clrMapOvr>
+  <p:timing>
+    <p:tnLst>
+      <p:par>
+        <p:cTn id="1" dur="indefinite" restart="never" nodeType="tmRoot">
+          <p:childTnLst>
+            <p:seq concurrent="1" nextAc="seek">
+              <p:cTn id="2" dur="indefinite" nodeType="mainSeq">
+                <p:childTnLst>
+                  <p:par>
+                    <p:cTn id="3" fill="hold">
+                      <p:stCondLst>
+                        <p:cond delay="indefinite"/>
+                      </p:stCondLst>
+                      <p:childTnLst>
+                        <p:par>
+                          <p:cTn id="4" fill="hold">
+                            <p:stCondLst>
+                              <p:cond delay="0"/>
+                            </p:stCondLst>
+                            <p:childTnLst>
+                              <p:par>
+                                <p:cTn id="5" presetID="1" presetClass="entr" presetSubtype="0" fill="hold" nodeType="clickEffect">
+                                  <p:stCondLst>
+                                    <p:cond delay="0"/>
+                                  </p:stCondLst>
+                                  <p:childTnLst>
+                                    <p:set>
+                                      <p:cBhvr>
+                                        <p:cTn id="6" dur="1" fill="hold">
+                                          <p:stCondLst>
+                                            <p:cond delay="0"/>
+                                          </p:stCondLst>
+                                        </p:cTn>
+                                        <p:tgtEl>
+                                          <p:spTgt spid="3">
+                                            <p:txEl>
+                                              <p:pRg st="5" end="5"/>
+                                            </p:txEl>
+                                          </p:spTgt>
+                                        </p:tgtEl>
+                                        <p:attrNameLst>
+                                          <p:attrName>style.visibility</p:attrName>
+                                        </p:attrNameLst>
+                                      </p:cBhvr>
+                                      <p:to>
+                                        <p:strVal val="visible"/>
+                                      </p:to>
+                                    </p:set>
+                                  </p:childTnLst>
+                                </p:cTn>
+                              </p:par>
+                            </p:childTnLst>
+                          </p:cTn>
+                        </p:par>
+                      </p:childTnLst>
+                    </p:cTn>
+                  </p:par>
+                  <p:par>
+                    <p:cTn id="7" fill="hold">
+                      <p:stCondLst>
+                        <p:cond delay="indefinite"/>
+                      </p:stCondLst>
+                      <p:childTnLst>
+                        <p:par>
+                          <p:cTn id="8" fill="hold">
+                            <p:stCondLst>
+                              <p:cond delay="0"/>
+                            </p:stCondLst>
+                            <p:childTnLst>
+                              <p:par>
+                                <p:cTn id="9" presetID="1" presetClass="entr" presetSubtype="0" fill="hold" nodeType="clickEffect">
+                                  <p:stCondLst>
+                                    <p:cond delay="0"/>
+                                  </p:stCondLst>
+                                  <p:childTnLst>
+                                    <p:set>
+                                      <p:cBhvr>
+                                        <p:cTn id="10" dur="1" fill="hold">
+                                          <p:stCondLst>
+                                            <p:cond delay="0"/>
+                                          </p:stCondLst>
+                                        </p:cTn>
+                                        <p:tgtEl>
+                                          <p:spTgt spid="3">
+                                            <p:txEl>
+                                              <p:pRg st="6" end="6"/>
+                                            </p:txEl>
+                                          </p:spTgt>
+                                        </p:tgtEl>
+                                        <p:attrNameLst>
+                                          <p:attrName>style.visibility</p:attrName>
+                                        </p:attrNameLst>
+                                      </p:cBhvr>
+                                      <p:to>
+                                        <p:strVal val="visible"/>
+                                      </p:to>
+                                    </p:set>
+                                  </p:childTnLst>
+                                </p:cTn>
+                              </p:par>
+                            </p:childTnLst>
+                          </p:cTn>
+                        </p:par>
+                      </p:childTnLst>
+                    </p:cTn>
+                  </p:par>
+                </p:childTnLst>
+              </p:cTn>
+              <p:prevCondLst>
+                <p:cond evt="onPrev" delay="0">
+                  <p:tgtEl>
+                    <p:sldTgt/>
+                  </p:tgtEl>
+                </p:cond>
+              </p:prevCondLst>
+              <p:nextCondLst>
+                <p:cond evt="onNext" delay="0">
+                  <p:tgtEl>
+                    <p:sldTgt/>
+                  </p:tgtEl>
+                </p:cond>
+              </p:nextCondLst>
+            </p:seq>
+          </p:childTnLst>
+        </p:cTn>
+      </p:par>
+    </p:tnLst>
+  </p:timing>
 </p:sld>
 </file>
 
@@ -42268,7 +42969,7 @@
         <p:spPr>
           <a:xfrm>
             <a:off x="687704" y="1280131"/>
-            <a:ext cx="7180898" cy="1090203"/>
+            <a:ext cx="7938554" cy="1090203"/>
           </a:xfrm>
           <a:prstGeom prst="rect">
             <a:avLst/>
@@ -42292,111 +42993,111 @@
             </a:pPr>
             <a:r>
               <a:rPr sz="2100" dirty="0">
-                <a:latin typeface="Calibri"/>
+                <a:latin typeface="+mn-lt"/>
                 <a:cs typeface="Calibri"/>
               </a:rPr>
               <a:t>In</a:t>
             </a:r>
             <a:r>
               <a:rPr sz="2100" spc="-23" dirty="0">
-                <a:latin typeface="Calibri"/>
+                <a:latin typeface="+mn-lt"/>
                 <a:cs typeface="Calibri"/>
               </a:rPr>
               <a:t> </a:t>
             </a:r>
             <a:r>
               <a:rPr sz="2100" dirty="0">
-                <a:latin typeface="Calibri"/>
+                <a:latin typeface="+mn-lt"/>
                 <a:cs typeface="Calibri"/>
               </a:rPr>
               <a:t>the</a:t>
             </a:r>
             <a:r>
               <a:rPr sz="2100" spc="-15" dirty="0">
-                <a:latin typeface="Calibri"/>
+                <a:latin typeface="+mn-lt"/>
                 <a:cs typeface="Calibri"/>
               </a:rPr>
               <a:t> </a:t>
             </a:r>
             <a:r>
               <a:rPr sz="2100" dirty="0">
-                <a:latin typeface="Calibri"/>
+                <a:latin typeface="+mn-lt"/>
                 <a:cs typeface="Calibri"/>
               </a:rPr>
               <a:t>real</a:t>
             </a:r>
             <a:r>
               <a:rPr sz="2100" spc="-26" dirty="0">
-                <a:latin typeface="Calibri"/>
+                <a:latin typeface="+mn-lt"/>
                 <a:cs typeface="Calibri"/>
               </a:rPr>
               <a:t> </a:t>
             </a:r>
             <a:r>
               <a:rPr sz="2100" dirty="0">
-                <a:latin typeface="Calibri"/>
+                <a:latin typeface="+mn-lt"/>
                 <a:cs typeface="Calibri"/>
               </a:rPr>
               <a:t>world,</a:t>
             </a:r>
             <a:r>
               <a:rPr sz="2100" spc="-15" dirty="0">
-                <a:latin typeface="Calibri"/>
+                <a:latin typeface="+mn-lt"/>
                 <a:cs typeface="Calibri"/>
               </a:rPr>
               <a:t> </a:t>
             </a:r>
             <a:r>
               <a:rPr sz="2100" dirty="0">
-                <a:latin typeface="Calibri"/>
+                <a:latin typeface="+mn-lt"/>
                 <a:cs typeface="Calibri"/>
               </a:rPr>
               <a:t>security</a:t>
             </a:r>
             <a:r>
               <a:rPr sz="2100" spc="-8" dirty="0">
-                <a:latin typeface="Calibri"/>
+                <a:latin typeface="+mn-lt"/>
                 <a:cs typeface="Calibri"/>
               </a:rPr>
               <a:t> </a:t>
             </a:r>
             <a:r>
               <a:rPr sz="2100" dirty="0">
-                <a:latin typeface="Calibri"/>
+                <a:latin typeface="+mn-lt"/>
                 <a:cs typeface="Calibri"/>
               </a:rPr>
               <a:t>policies</a:t>
             </a:r>
             <a:r>
               <a:rPr sz="2100" spc="-8" dirty="0">
-                <a:latin typeface="Calibri"/>
+                <a:latin typeface="+mn-lt"/>
                 <a:cs typeface="Calibri"/>
               </a:rPr>
               <a:t> </a:t>
             </a:r>
             <a:r>
               <a:rPr sz="2100" dirty="0">
-                <a:latin typeface="Calibri"/>
+                <a:latin typeface="+mn-lt"/>
                 <a:cs typeface="Calibri"/>
               </a:rPr>
               <a:t>are</a:t>
             </a:r>
             <a:r>
               <a:rPr sz="2100" spc="-26" dirty="0">
-                <a:latin typeface="Calibri"/>
+                <a:latin typeface="+mn-lt"/>
                 <a:cs typeface="Calibri"/>
               </a:rPr>
               <a:t> </a:t>
             </a:r>
             <a:r>
               <a:rPr sz="2100" spc="-8" dirty="0">
-                <a:latin typeface="Calibri"/>
+                <a:latin typeface="+mn-lt"/>
                 <a:cs typeface="Calibri"/>
               </a:rPr>
               <a:t>dynamic.</a:t>
             </a:r>
             <a:endParaRPr sz="2100" dirty="0">
-              <a:latin typeface="Calibri"/>
+              <a:latin typeface="+mn-lt"/>
               <a:cs typeface="Calibri"/>
             </a:endParaRPr>
           </a:p>
@@ -42416,202 +43117,202 @@
             </a:pPr>
             <a:r>
               <a:rPr sz="2100" dirty="0">
-                <a:latin typeface="Calibri"/>
+                <a:latin typeface="+mn-lt"/>
                 <a:cs typeface="Calibri"/>
               </a:rPr>
               <a:t>E.g.,</a:t>
             </a:r>
             <a:r>
               <a:rPr sz="2100" spc="-38" dirty="0">
-                <a:latin typeface="Calibri"/>
+                <a:latin typeface="+mn-lt"/>
                 <a:cs typeface="Calibri"/>
               </a:rPr>
               <a:t> </a:t>
             </a:r>
             <a:r>
               <a:rPr sz="2100" dirty="0">
-                <a:latin typeface="Calibri"/>
+                <a:latin typeface="+mn-lt"/>
                 <a:cs typeface="Calibri"/>
               </a:rPr>
               <a:t>a</a:t>
             </a:r>
             <a:r>
               <a:rPr sz="2100" spc="-38" dirty="0">
-                <a:latin typeface="Calibri"/>
+                <a:latin typeface="+mn-lt"/>
                 <a:cs typeface="Calibri"/>
               </a:rPr>
               <a:t> </a:t>
             </a:r>
             <a:r>
               <a:rPr sz="2100" dirty="0">
-                <a:latin typeface="Calibri"/>
+                <a:latin typeface="+mn-lt"/>
                 <a:cs typeface="Calibri"/>
               </a:rPr>
               <a:t>user</a:t>
             </a:r>
             <a:r>
               <a:rPr sz="2100" spc="-34" dirty="0">
-                <a:latin typeface="Calibri"/>
+                <a:latin typeface="+mn-lt"/>
                 <a:cs typeface="Calibri"/>
               </a:rPr>
               <a:t> </a:t>
             </a:r>
             <a:r>
               <a:rPr sz="2100" dirty="0">
-                <a:latin typeface="Calibri"/>
+                <a:latin typeface="+mn-lt"/>
                 <a:cs typeface="Calibri"/>
               </a:rPr>
               <a:t>promotes</a:t>
             </a:r>
             <a:r>
               <a:rPr sz="2100" spc="-30" dirty="0">
-                <a:latin typeface="Calibri"/>
+                <a:latin typeface="+mn-lt"/>
                 <a:cs typeface="Calibri"/>
               </a:rPr>
               <a:t> </a:t>
             </a:r>
             <a:r>
               <a:rPr sz="2100" dirty="0">
-                <a:latin typeface="Calibri"/>
+                <a:latin typeface="+mn-lt"/>
                 <a:cs typeface="Calibri"/>
               </a:rPr>
               <a:t>at</a:t>
             </a:r>
             <a:r>
               <a:rPr sz="2100" spc="-38" dirty="0">
-                <a:latin typeface="Calibri"/>
+                <a:latin typeface="+mn-lt"/>
                 <a:cs typeface="Calibri"/>
               </a:rPr>
               <a:t> </a:t>
             </a:r>
             <a:r>
               <a:rPr sz="2100" dirty="0">
-                <a:latin typeface="Calibri"/>
+                <a:latin typeface="+mn-lt"/>
                 <a:cs typeface="Calibri"/>
               </a:rPr>
               <a:t>his</a:t>
             </a:r>
             <a:r>
               <a:rPr sz="2100" spc="-26" dirty="0">
-                <a:latin typeface="Calibri"/>
+                <a:latin typeface="+mn-lt"/>
                 <a:cs typeface="Calibri"/>
               </a:rPr>
               <a:t> </a:t>
             </a:r>
             <a:r>
               <a:rPr sz="2100" dirty="0">
-                <a:latin typeface="Calibri"/>
+                <a:latin typeface="+mn-lt"/>
                 <a:cs typeface="Calibri"/>
               </a:rPr>
               <a:t>job,</a:t>
             </a:r>
             <a:r>
               <a:rPr sz="2100" spc="-30" dirty="0">
-                <a:latin typeface="Calibri"/>
+                <a:latin typeface="+mn-lt"/>
                 <a:cs typeface="Calibri"/>
               </a:rPr>
               <a:t> </a:t>
             </a:r>
             <a:r>
               <a:rPr sz="2100" dirty="0">
-                <a:latin typeface="Calibri"/>
+                <a:latin typeface="+mn-lt"/>
                 <a:cs typeface="Calibri"/>
               </a:rPr>
               <a:t>therefore</a:t>
             </a:r>
             <a:r>
               <a:rPr sz="2100" spc="-30" dirty="0">
-                <a:latin typeface="Calibri"/>
+                <a:latin typeface="+mn-lt"/>
                 <a:cs typeface="Calibri"/>
               </a:rPr>
               <a:t> </a:t>
             </a:r>
             <a:r>
               <a:rPr sz="2100" dirty="0">
-                <a:latin typeface="Calibri"/>
+                <a:latin typeface="+mn-lt"/>
                 <a:cs typeface="Calibri"/>
               </a:rPr>
               <a:t>his</a:t>
             </a:r>
             <a:r>
               <a:rPr sz="2100" spc="-23" dirty="0">
-                <a:latin typeface="Calibri"/>
+                <a:latin typeface="+mn-lt"/>
                 <a:cs typeface="Calibri"/>
               </a:rPr>
               <a:t> </a:t>
             </a:r>
             <a:r>
               <a:rPr sz="2100" dirty="0">
-                <a:latin typeface="Calibri"/>
+                <a:latin typeface="+mn-lt"/>
                 <a:cs typeface="Calibri"/>
               </a:rPr>
               <a:t>rights</a:t>
             </a:r>
             <a:r>
               <a:rPr sz="2100" spc="-34" dirty="0">
-                <a:latin typeface="Calibri"/>
+                <a:latin typeface="+mn-lt"/>
                 <a:cs typeface="Calibri"/>
               </a:rPr>
               <a:t> </a:t>
             </a:r>
             <a:r>
               <a:rPr sz="2100" dirty="0">
-                <a:latin typeface="Calibri"/>
+                <a:latin typeface="+mn-lt"/>
                 <a:cs typeface="Calibri"/>
               </a:rPr>
               <a:t>must</a:t>
             </a:r>
             <a:r>
               <a:rPr sz="2100" spc="-26" dirty="0">
-                <a:latin typeface="Calibri"/>
+                <a:latin typeface="+mn-lt"/>
                 <a:cs typeface="Calibri"/>
               </a:rPr>
               <a:t> </a:t>
             </a:r>
             <a:r>
               <a:rPr sz="2100" spc="-8" dirty="0">
-                <a:latin typeface="Calibri"/>
-                <a:cs typeface="Calibri"/>
-              </a:rPr>
-              <a:t>change 	</a:t>
+                <a:latin typeface="+mn-lt"/>
+                <a:cs typeface="Calibri"/>
+              </a:rPr>
+              <a:t>change </a:t>
             </a:r>
             <a:r>
               <a:rPr sz="2100" dirty="0">
-                <a:latin typeface="Calibri"/>
+                <a:latin typeface="+mn-lt"/>
                 <a:cs typeface="Calibri"/>
               </a:rPr>
               <a:t>(deleted,</a:t>
             </a:r>
             <a:r>
               <a:rPr sz="2100" spc="-45" dirty="0">
-                <a:latin typeface="Calibri"/>
+                <a:latin typeface="+mn-lt"/>
                 <a:cs typeface="Calibri"/>
               </a:rPr>
               <a:t> </a:t>
             </a:r>
             <a:r>
               <a:rPr sz="2100" dirty="0">
-                <a:latin typeface="Calibri"/>
+                <a:latin typeface="+mn-lt"/>
                 <a:cs typeface="Calibri"/>
               </a:rPr>
               <a:t>added,</a:t>
             </a:r>
             <a:r>
               <a:rPr sz="2100" spc="-34" dirty="0">
-                <a:latin typeface="Calibri"/>
+                <a:latin typeface="+mn-lt"/>
                 <a:cs typeface="Calibri"/>
               </a:rPr>
               <a:t> </a:t>
             </a:r>
             <a:r>
               <a:rPr sz="2100" spc="-8" dirty="0">
-                <a:latin typeface="Calibri"/>
+                <a:latin typeface="+mn-lt"/>
                 <a:cs typeface="Calibri"/>
               </a:rPr>
               <a:t>etc.)</a:t>
             </a:r>
             <a:endParaRPr sz="2100" dirty="0">
-              <a:latin typeface="Calibri"/>
+              <a:latin typeface="+mn-lt"/>
               <a:cs typeface="Calibri"/>
             </a:endParaRPr>
           </a:p>
@@ -43143,7 +43844,7 @@
         <p:spPr>
           <a:xfrm>
             <a:off x="687705" y="1317424"/>
-            <a:ext cx="4117181" cy="1642597"/>
+            <a:ext cx="6748580" cy="2042706"/>
           </a:xfrm>
           <a:prstGeom prst="rect">
             <a:avLst/>
@@ -43156,9 +43857,6 @@
           <a:lstStyle/>
           <a:p>
             <a:pPr marL="180022" indent="-170497">
-              <a:spcBef>
-                <a:spcPts val="289"/>
-              </a:spcBef>
               <a:buFont typeface="Arial"/>
               <a:buChar char="•"/>
               <a:tabLst>
@@ -43166,84 +43864,84 @@
               </a:tabLst>
             </a:pPr>
             <a:r>
-              <a:rPr sz="2100" dirty="0">
-                <a:latin typeface="Calibri"/>
+              <a:rPr lang="en-US" sz="2100" dirty="0">
+                <a:latin typeface="+mn-lt"/>
                 <a:cs typeface="Calibri"/>
               </a:rPr>
               <a:t>Can</a:t>
             </a:r>
             <a:r>
-              <a:rPr sz="2100" spc="-19" dirty="0">
-                <a:latin typeface="Calibri"/>
-                <a:cs typeface="Calibri"/>
-              </a:rPr>
-              <a:t> </a:t>
-            </a:r>
-            <a:r>
-              <a:rPr sz="2100" dirty="0">
-                <a:latin typeface="Calibri"/>
+              <a:rPr lang="en-US" sz="2100" spc="-19" dirty="0">
+                <a:latin typeface="+mn-lt"/>
+                <a:cs typeface="Calibri"/>
+              </a:rPr>
+              <a:t> </a:t>
+            </a:r>
+            <a:r>
+              <a:rPr lang="en-US" sz="2100" dirty="0">
+                <a:latin typeface="+mn-lt"/>
                 <a:cs typeface="Calibri"/>
               </a:rPr>
               <a:t>be</a:t>
             </a:r>
             <a:r>
-              <a:rPr sz="2100" spc="-15" dirty="0">
-                <a:latin typeface="Calibri"/>
-                <a:cs typeface="Calibri"/>
-              </a:rPr>
-              <a:t> </a:t>
-            </a:r>
-            <a:r>
-              <a:rPr sz="2100" dirty="0">
-                <a:latin typeface="Calibri"/>
+              <a:rPr lang="en-US" sz="2100" spc="-15" dirty="0">
+                <a:latin typeface="+mn-lt"/>
+                <a:cs typeface="Calibri"/>
+              </a:rPr>
+              <a:t> </a:t>
+            </a:r>
+            <a:r>
+              <a:rPr lang="en-US" sz="2100" dirty="0">
+                <a:latin typeface="+mn-lt"/>
                 <a:cs typeface="Calibri"/>
               </a:rPr>
               <a:t>configured</a:t>
             </a:r>
             <a:r>
-              <a:rPr sz="2100" spc="-4" dirty="0">
-                <a:latin typeface="Calibri"/>
-                <a:cs typeface="Calibri"/>
-              </a:rPr>
-              <a:t> </a:t>
-            </a:r>
-            <a:r>
-              <a:rPr sz="2100" dirty="0">
-                <a:latin typeface="Calibri"/>
+              <a:rPr lang="en-US" sz="2100" spc="-4" dirty="0">
+                <a:latin typeface="+mn-lt"/>
+                <a:cs typeface="Calibri"/>
+              </a:rPr>
+              <a:t> </a:t>
+            </a:r>
+            <a:r>
+              <a:rPr lang="en-US" sz="2100" dirty="0">
+                <a:latin typeface="+mn-lt"/>
                 <a:cs typeface="Calibri"/>
               </a:rPr>
               <a:t>to</a:t>
             </a:r>
             <a:r>
-              <a:rPr sz="2100" spc="-19" dirty="0">
-                <a:latin typeface="Calibri"/>
-                <a:cs typeface="Calibri"/>
-              </a:rPr>
-              <a:t> </a:t>
-            </a:r>
-            <a:r>
-              <a:rPr sz="2100" dirty="0">
-                <a:latin typeface="Calibri"/>
+              <a:rPr lang="en-US" sz="2100" spc="-19" dirty="0">
+                <a:latin typeface="+mn-lt"/>
+                <a:cs typeface="Calibri"/>
+              </a:rPr>
+              <a:t> </a:t>
+            </a:r>
+            <a:r>
+              <a:rPr lang="en-US" sz="2100" dirty="0">
+                <a:latin typeface="+mn-lt"/>
                 <a:cs typeface="Calibri"/>
               </a:rPr>
               <a:t>do</a:t>
             </a:r>
             <a:r>
-              <a:rPr sz="2100" spc="-11" dirty="0">
-                <a:latin typeface="Calibri"/>
-                <a:cs typeface="Calibri"/>
-              </a:rPr>
-              <a:t> </a:t>
-            </a:r>
-            <a:r>
-              <a:rPr sz="2100" spc="-19" dirty="0">
-                <a:latin typeface="Calibri"/>
-                <a:cs typeface="Calibri"/>
-              </a:rPr>
-              <a:t>MAC</a:t>
-            </a:r>
-            <a:endParaRPr sz="2100">
-              <a:latin typeface="Calibri"/>
+              <a:rPr lang="en-US" sz="2100" spc="-11" dirty="0">
+                <a:latin typeface="+mn-lt"/>
+                <a:cs typeface="Calibri"/>
+              </a:rPr>
+              <a:t> </a:t>
+            </a:r>
+            <a:r>
+              <a:rPr lang="en-US" sz="2100" spc="-19" dirty="0">
+                <a:latin typeface="+mn-lt"/>
+                <a:cs typeface="Calibri"/>
+              </a:rPr>
+              <a:t>DAC</a:t>
+            </a:r>
+            <a:endParaRPr lang="en-US" sz="2100" dirty="0">
+              <a:latin typeface="+mn-lt"/>
               <a:cs typeface="Calibri"/>
             </a:endParaRPr>
           </a:p>
@@ -43259,173 +43957,165 @@
               </a:tabLst>
             </a:pPr>
             <a:r>
-              <a:rPr sz="1800" dirty="0">
-                <a:latin typeface="Calibri"/>
+              <a:rPr lang="en-US" sz="1800" dirty="0">
+                <a:latin typeface="+mn-lt"/>
                 <a:cs typeface="Calibri"/>
               </a:rPr>
               <a:t>roles</a:t>
             </a:r>
             <a:r>
-              <a:rPr sz="1800" spc="-53" dirty="0">
-                <a:latin typeface="Calibri"/>
-                <a:cs typeface="Calibri"/>
-              </a:rPr>
-              <a:t> </a:t>
-            </a:r>
-            <a:r>
-              <a:rPr sz="1800" dirty="0">
-                <a:latin typeface="Calibri"/>
+              <a:rPr lang="en-US" sz="1800" spc="-41" dirty="0">
+                <a:latin typeface="+mn-lt"/>
+                <a:cs typeface="Calibri"/>
+              </a:rPr>
+              <a:t> </a:t>
+            </a:r>
+            <a:r>
+              <a:rPr lang="en-US" sz="1800" dirty="0">
+                <a:latin typeface="+mn-lt"/>
                 <a:cs typeface="Calibri"/>
               </a:rPr>
               <a:t>simulate</a:t>
             </a:r>
             <a:r>
-              <a:rPr sz="1800" spc="-56" dirty="0">
-                <a:latin typeface="Calibri"/>
-                <a:cs typeface="Calibri"/>
-              </a:rPr>
-              <a:t> </a:t>
-            </a:r>
-            <a:r>
-              <a:rPr sz="1800" dirty="0">
-                <a:latin typeface="Calibri"/>
-                <a:cs typeface="Calibri"/>
-              </a:rPr>
-              <a:t>clearances</a:t>
-            </a:r>
-            <a:r>
-              <a:rPr sz="1800" spc="-53" dirty="0">
-                <a:latin typeface="Calibri"/>
-                <a:cs typeface="Calibri"/>
-              </a:rPr>
-              <a:t> </a:t>
-            </a:r>
-            <a:r>
-              <a:rPr sz="1800" dirty="0">
-                <a:latin typeface="Calibri"/>
-                <a:cs typeface="Calibri"/>
-              </a:rPr>
-              <a:t>(ESORICS</a:t>
-            </a:r>
-            <a:r>
-              <a:rPr sz="1800" spc="-60" dirty="0">
-                <a:latin typeface="Calibri"/>
-                <a:cs typeface="Calibri"/>
-              </a:rPr>
-              <a:t> </a:t>
-            </a:r>
-            <a:r>
-              <a:rPr sz="1800" spc="-19" dirty="0">
-                <a:latin typeface="Calibri"/>
-                <a:cs typeface="Calibri"/>
-              </a:rPr>
-              <a:t>96)</a:t>
-            </a:r>
-            <a:endParaRPr sz="1800">
-              <a:latin typeface="Calibri"/>
-              <a:cs typeface="Calibri"/>
-            </a:endParaRPr>
-          </a:p>
-          <a:p>
-            <a:pPr lvl="1">
-              <a:spcBef>
-                <a:spcPts val="600"/>
-              </a:spcBef>
-              <a:buFont typeface="Arial"/>
-              <a:buChar char="•"/>
-            </a:pPr>
-            <a:endParaRPr sz="1800">
-              <a:latin typeface="Calibri"/>
+              <a:rPr lang="en-US" sz="1800" spc="-53" dirty="0">
+                <a:latin typeface="+mn-lt"/>
+                <a:cs typeface="Calibri"/>
+              </a:rPr>
+              <a:t> </a:t>
+            </a:r>
+            <a:r>
+              <a:rPr lang="en-US" sz="1800" dirty="0">
+                <a:latin typeface="+mn-lt"/>
+                <a:cs typeface="Calibri"/>
+              </a:rPr>
+              <a:t>identity</a:t>
+            </a:r>
+            <a:r>
+              <a:rPr lang="en-US" sz="1800" spc="-45" dirty="0">
+                <a:latin typeface="+mn-lt"/>
+                <a:cs typeface="Calibri"/>
+              </a:rPr>
+              <a:t> </a:t>
+            </a:r>
+            <a:r>
+              <a:rPr lang="en-US" sz="1800" spc="-8" dirty="0">
+                <a:latin typeface="+mn-lt"/>
+                <a:cs typeface="Calibri"/>
+              </a:rPr>
+              <a:t>(RBAC98)</a:t>
+            </a:r>
+            <a:endParaRPr lang="en-US" sz="1800" dirty="0">
+              <a:latin typeface="+mn-lt"/>
               <a:cs typeface="Calibri"/>
             </a:endParaRPr>
           </a:p>
           <a:p>
             <a:pPr marL="180022" indent="-170497">
+              <a:spcBef>
+                <a:spcPts val="289"/>
+              </a:spcBef>
               <a:buFont typeface="Arial"/>
               <a:buChar char="•"/>
               <a:tabLst>
                 <a:tab pos="180022" algn="l"/>
               </a:tabLst>
             </a:pPr>
+            <a:endParaRPr lang="en-US" sz="2100" dirty="0">
+              <a:latin typeface="+mn-lt"/>
+              <a:cs typeface="Calibri"/>
+            </a:endParaRPr>
+          </a:p>
+          <a:p>
+            <a:pPr marL="180022" indent="-170497">
+              <a:spcBef>
+                <a:spcPts val="289"/>
+              </a:spcBef>
+              <a:buFont typeface="Arial"/>
+              <a:buChar char="•"/>
+              <a:tabLst>
+                <a:tab pos="180022" algn="l"/>
+              </a:tabLst>
+            </a:pPr>
             <a:r>
               <a:rPr sz="2100" dirty="0">
-                <a:latin typeface="Calibri"/>
+                <a:latin typeface="+mn-lt"/>
                 <a:cs typeface="Calibri"/>
               </a:rPr>
               <a:t>Can</a:t>
             </a:r>
             <a:r>
               <a:rPr sz="2100" spc="-19" dirty="0">
-                <a:latin typeface="Calibri"/>
+                <a:latin typeface="+mn-lt"/>
                 <a:cs typeface="Calibri"/>
               </a:rPr>
               <a:t> </a:t>
             </a:r>
             <a:r>
               <a:rPr sz="2100" dirty="0">
-                <a:latin typeface="Calibri"/>
+                <a:latin typeface="+mn-lt"/>
                 <a:cs typeface="Calibri"/>
               </a:rPr>
               <a:t>be</a:t>
             </a:r>
             <a:r>
               <a:rPr sz="2100" spc="-15" dirty="0">
-                <a:latin typeface="Calibri"/>
+                <a:latin typeface="+mn-lt"/>
                 <a:cs typeface="Calibri"/>
               </a:rPr>
               <a:t> </a:t>
             </a:r>
             <a:r>
               <a:rPr sz="2100" dirty="0">
-                <a:latin typeface="Calibri"/>
+                <a:latin typeface="+mn-lt"/>
                 <a:cs typeface="Calibri"/>
               </a:rPr>
               <a:t>configured</a:t>
             </a:r>
             <a:r>
               <a:rPr sz="2100" spc="-4" dirty="0">
-                <a:latin typeface="Calibri"/>
+                <a:latin typeface="+mn-lt"/>
                 <a:cs typeface="Calibri"/>
               </a:rPr>
               <a:t> </a:t>
             </a:r>
             <a:r>
               <a:rPr sz="2100" dirty="0">
-                <a:latin typeface="Calibri"/>
+                <a:latin typeface="+mn-lt"/>
                 <a:cs typeface="Calibri"/>
               </a:rPr>
               <a:t>to</a:t>
             </a:r>
             <a:r>
               <a:rPr sz="2100" spc="-19" dirty="0">
-                <a:latin typeface="Calibri"/>
+                <a:latin typeface="+mn-lt"/>
                 <a:cs typeface="Calibri"/>
               </a:rPr>
               <a:t> </a:t>
             </a:r>
             <a:r>
               <a:rPr sz="2100" dirty="0">
-                <a:latin typeface="Calibri"/>
+                <a:latin typeface="+mn-lt"/>
                 <a:cs typeface="Calibri"/>
               </a:rPr>
               <a:t>do</a:t>
             </a:r>
             <a:r>
               <a:rPr sz="2100" spc="-11" dirty="0">
-                <a:latin typeface="Calibri"/>
+                <a:latin typeface="+mn-lt"/>
                 <a:cs typeface="Calibri"/>
               </a:rPr>
               <a:t> </a:t>
             </a:r>
             <a:r>
               <a:rPr sz="2100" spc="-19" dirty="0">
-                <a:latin typeface="Calibri"/>
-                <a:cs typeface="Calibri"/>
-              </a:rPr>
-              <a:t>DAC</a:t>
-            </a:r>
-            <a:endParaRPr sz="2100">
-              <a:latin typeface="Calibri"/>
+                <a:latin typeface="+mn-lt"/>
+                <a:cs typeface="Calibri"/>
+              </a:rPr>
+              <a:t>MAC</a:t>
+            </a:r>
+            <a:endParaRPr sz="2100" dirty="0">
+              <a:latin typeface="+mn-lt"/>
               <a:cs typeface="Calibri"/>
             </a:endParaRPr>
           </a:p>
@@ -43442,55 +44132,82 @@
             </a:pPr>
             <a:r>
               <a:rPr sz="1800" dirty="0">
-                <a:latin typeface="Calibri"/>
+                <a:latin typeface="+mn-lt"/>
                 <a:cs typeface="Calibri"/>
               </a:rPr>
               <a:t>roles</a:t>
             </a:r>
             <a:r>
-              <a:rPr sz="1800" spc="-41" dirty="0">
-                <a:latin typeface="Calibri"/>
+              <a:rPr sz="1800" spc="-53" dirty="0">
+                <a:latin typeface="+mn-lt"/>
                 <a:cs typeface="Calibri"/>
               </a:rPr>
               <a:t> </a:t>
             </a:r>
             <a:r>
               <a:rPr sz="1800" dirty="0">
-                <a:latin typeface="Calibri"/>
+                <a:latin typeface="+mn-lt"/>
                 <a:cs typeface="Calibri"/>
               </a:rPr>
               <a:t>simulate</a:t>
             </a:r>
             <a:r>
+              <a:rPr sz="1800" spc="-56" dirty="0">
+                <a:latin typeface="+mn-lt"/>
+                <a:cs typeface="Calibri"/>
+              </a:rPr>
+              <a:t> </a:t>
+            </a:r>
+            <a:r>
+              <a:rPr sz="1800" dirty="0">
+                <a:latin typeface="+mn-lt"/>
+                <a:cs typeface="Calibri"/>
+              </a:rPr>
+              <a:t>clearances</a:t>
+            </a:r>
+            <a:r>
               <a:rPr sz="1800" spc="-53" dirty="0">
-                <a:latin typeface="Calibri"/>
+                <a:latin typeface="+mn-lt"/>
                 <a:cs typeface="Calibri"/>
               </a:rPr>
               <a:t> </a:t>
             </a:r>
             <a:r>
               <a:rPr sz="1800" dirty="0">
-                <a:latin typeface="Calibri"/>
-                <a:cs typeface="Calibri"/>
-              </a:rPr>
-              <a:t>identity</a:t>
-            </a:r>
-            <a:r>
-              <a:rPr sz="1800" spc="-45" dirty="0">
-                <a:latin typeface="Calibri"/>
-                <a:cs typeface="Calibri"/>
-              </a:rPr>
-              <a:t> </a:t>
-            </a:r>
-            <a:r>
-              <a:rPr sz="1800" spc="-8" dirty="0">
-                <a:latin typeface="Calibri"/>
-                <a:cs typeface="Calibri"/>
-              </a:rPr>
-              <a:t>(RBAC98)</a:t>
-            </a:r>
-            <a:endParaRPr sz="1800">
-              <a:latin typeface="Calibri"/>
+                <a:latin typeface="+mn-lt"/>
+                <a:cs typeface="Calibri"/>
+              </a:rPr>
+              <a:t>(ESORICS</a:t>
+            </a:r>
+            <a:r>
+              <a:rPr sz="1800" spc="-60" dirty="0">
+                <a:latin typeface="+mn-lt"/>
+                <a:cs typeface="Calibri"/>
+              </a:rPr>
+              <a:t> </a:t>
+            </a:r>
+            <a:r>
+              <a:rPr sz="1800" spc="-19" dirty="0">
+                <a:latin typeface="+mn-lt"/>
+                <a:cs typeface="Calibri"/>
+              </a:rPr>
+              <a:t>96)</a:t>
+            </a:r>
+            <a:endParaRPr sz="1800" dirty="0">
+              <a:latin typeface="+mn-lt"/>
+              <a:cs typeface="Calibri"/>
+            </a:endParaRPr>
+          </a:p>
+          <a:p>
+            <a:pPr lvl="1">
+              <a:spcBef>
+                <a:spcPts val="600"/>
+              </a:spcBef>
+              <a:buFont typeface="Arial"/>
+              <a:buChar char="•"/>
+            </a:pPr>
+            <a:endParaRPr sz="1800" dirty="0">
+              <a:latin typeface="+mn-lt"/>
               <a:cs typeface="Calibri"/>
             </a:endParaRPr>
           </a:p>
@@ -43593,7 +44310,7 @@
         <p:spPr>
           <a:xfrm>
             <a:off x="687705" y="1317424"/>
-            <a:ext cx="5238274" cy="2319705"/>
+            <a:ext cx="6928120" cy="2396649"/>
           </a:xfrm>
           <a:prstGeom prst="rect">
             <a:avLst/>
@@ -43617,83 +44334,83 @@
             </a:pPr>
             <a:r>
               <a:rPr sz="2100" dirty="0">
-                <a:latin typeface="Calibri"/>
+                <a:latin typeface="+mn-lt"/>
                 <a:cs typeface="Calibri"/>
               </a:rPr>
               <a:t>Changes</a:t>
             </a:r>
             <a:r>
               <a:rPr sz="2100" spc="-19" dirty="0">
-                <a:latin typeface="Calibri"/>
+                <a:latin typeface="+mn-lt"/>
                 <a:cs typeface="Calibri"/>
               </a:rPr>
               <a:t> </a:t>
             </a:r>
             <a:r>
               <a:rPr sz="2100" dirty="0">
-                <a:latin typeface="Calibri"/>
+                <a:latin typeface="+mn-lt"/>
                 <a:cs typeface="Calibri"/>
               </a:rPr>
               <a:t>the</a:t>
             </a:r>
             <a:r>
               <a:rPr sz="2100" spc="-23" dirty="0">
-                <a:latin typeface="Calibri"/>
+                <a:latin typeface="+mn-lt"/>
                 <a:cs typeface="Calibri"/>
               </a:rPr>
               <a:t> </a:t>
             </a:r>
             <a:r>
               <a:rPr sz="2100" dirty="0">
-                <a:latin typeface="Calibri"/>
+                <a:latin typeface="+mn-lt"/>
                 <a:cs typeface="Calibri"/>
               </a:rPr>
               <a:t>underlying</a:t>
             </a:r>
             <a:r>
               <a:rPr sz="2100" spc="4" dirty="0">
-                <a:latin typeface="Calibri"/>
+                <a:latin typeface="+mn-lt"/>
                 <a:cs typeface="Calibri"/>
               </a:rPr>
               <a:t> </a:t>
             </a:r>
             <a:r>
               <a:rPr sz="2100" spc="-19" dirty="0">
-                <a:latin typeface="Calibri"/>
+                <a:latin typeface="+mn-lt"/>
                 <a:cs typeface="Calibri"/>
               </a:rPr>
               <a:t>subject-</a:t>
             </a:r>
             <a:r>
               <a:rPr sz="2100" spc="-15" dirty="0">
-                <a:latin typeface="Calibri"/>
+                <a:latin typeface="+mn-lt"/>
                 <a:cs typeface="Calibri"/>
               </a:rPr>
               <a:t>-</a:t>
             </a:r>
             <a:r>
               <a:rPr sz="2100" dirty="0">
-                <a:latin typeface="Calibri"/>
+                <a:latin typeface="+mn-lt"/>
                 <a:cs typeface="Calibri"/>
               </a:rPr>
               <a:t>object</a:t>
             </a:r>
             <a:r>
               <a:rPr sz="2100" spc="11" dirty="0">
-                <a:latin typeface="Calibri"/>
+                <a:latin typeface="+mn-lt"/>
                 <a:cs typeface="Calibri"/>
               </a:rPr>
               <a:t> </a:t>
             </a:r>
             <a:r>
               <a:rPr sz="2100" spc="-8" dirty="0">
-                <a:latin typeface="Calibri"/>
+                <a:latin typeface="+mn-lt"/>
                 <a:cs typeface="Calibri"/>
               </a:rPr>
               <a:t>model</a:t>
             </a:r>
-            <a:endParaRPr sz="2100">
-              <a:latin typeface="Calibri"/>
+            <a:endParaRPr lang="en-US" sz="2100" dirty="0">
+              <a:latin typeface="+mn-lt"/>
               <a:cs typeface="Calibri"/>
             </a:endParaRPr>
           </a:p>
@@ -43709,140 +44426,140 @@
               </a:tabLst>
             </a:pPr>
             <a:r>
-              <a:rPr sz="1800" dirty="0">
-                <a:latin typeface="Calibri"/>
+              <a:rPr lang="en-US" sz="1800" dirty="0">
+                <a:latin typeface="+mn-lt"/>
                 <a:cs typeface="Calibri"/>
               </a:rPr>
               <a:t>a</a:t>
             </a:r>
             <a:r>
-              <a:rPr sz="1800" spc="-23" dirty="0">
-                <a:latin typeface="Calibri"/>
-                <a:cs typeface="Calibri"/>
-              </a:rPr>
-              <a:t> </a:t>
-            </a:r>
-            <a:r>
-              <a:rPr sz="1800" dirty="0">
-                <a:latin typeface="Calibri"/>
+              <a:rPr lang="en-US" sz="1800" spc="-23" dirty="0">
+                <a:latin typeface="+mn-lt"/>
+                <a:cs typeface="Calibri"/>
+              </a:rPr>
+              <a:t> </a:t>
+            </a:r>
+            <a:r>
+              <a:rPr lang="en-US" sz="1800" dirty="0">
+                <a:latin typeface="+mn-lt"/>
                 <a:cs typeface="Calibri"/>
               </a:rPr>
               <a:t>policy</a:t>
             </a:r>
             <a:r>
-              <a:rPr sz="1800" spc="-34" dirty="0">
-                <a:latin typeface="Calibri"/>
-                <a:cs typeface="Calibri"/>
-              </a:rPr>
-              <a:t> </a:t>
-            </a:r>
-            <a:r>
-              <a:rPr sz="1800" dirty="0">
-                <a:latin typeface="Calibri"/>
+              <a:rPr lang="en-US" sz="1800" spc="-34" dirty="0">
+                <a:latin typeface="+mn-lt"/>
+                <a:cs typeface="Calibri"/>
+              </a:rPr>
+              <a:t> </a:t>
+            </a:r>
+            <a:r>
+              <a:rPr lang="en-US" sz="1800" dirty="0">
+                <a:latin typeface="+mn-lt"/>
                 <a:cs typeface="Calibri"/>
               </a:rPr>
               <a:t>is</a:t>
             </a:r>
             <a:r>
-              <a:rPr sz="1800" spc="-23" dirty="0">
-                <a:latin typeface="Calibri"/>
-                <a:cs typeface="Calibri"/>
-              </a:rPr>
-              <a:t> </a:t>
-            </a:r>
-            <a:r>
-              <a:rPr sz="1800" dirty="0">
-                <a:latin typeface="Calibri"/>
+              <a:rPr lang="en-US" sz="1800" spc="-23" dirty="0">
+                <a:latin typeface="+mn-lt"/>
+                <a:cs typeface="Calibri"/>
+              </a:rPr>
+              <a:t> </a:t>
+            </a:r>
+            <a:r>
+              <a:rPr lang="en-US" sz="1800" dirty="0">
+                <a:latin typeface="+mn-lt"/>
                 <a:cs typeface="Calibri"/>
               </a:rPr>
               <a:t>a</a:t>
             </a:r>
             <a:r>
-              <a:rPr sz="1800" spc="-23" dirty="0">
-                <a:latin typeface="Calibri"/>
-                <a:cs typeface="Calibri"/>
-              </a:rPr>
-              <a:t> </a:t>
-            </a:r>
-            <a:r>
-              <a:rPr sz="1800" dirty="0">
-                <a:latin typeface="Calibri"/>
+              <a:rPr lang="en-US" sz="1800" spc="-23" dirty="0">
+                <a:latin typeface="+mn-lt"/>
+                <a:cs typeface="Calibri"/>
+              </a:rPr>
+              <a:t> </a:t>
+            </a:r>
+            <a:r>
+              <a:rPr lang="en-US" sz="1800" dirty="0">
+                <a:latin typeface="+mn-lt"/>
                 <a:cs typeface="Calibri"/>
               </a:rPr>
               <a:t>relation</a:t>
             </a:r>
             <a:r>
-              <a:rPr sz="1800" spc="-30" dirty="0">
-                <a:latin typeface="Calibri"/>
-                <a:cs typeface="Calibri"/>
-              </a:rPr>
-              <a:t> </a:t>
-            </a:r>
-            <a:r>
-              <a:rPr sz="1800" dirty="0">
-                <a:latin typeface="Calibri"/>
+              <a:rPr lang="en-US" sz="1800" spc="-30" dirty="0">
+                <a:latin typeface="+mn-lt"/>
+                <a:cs typeface="Calibri"/>
+              </a:rPr>
+              <a:t> </a:t>
+            </a:r>
+            <a:r>
+              <a:rPr lang="en-US" sz="1800" dirty="0">
+                <a:latin typeface="+mn-lt"/>
                 <a:cs typeface="Calibri"/>
               </a:rPr>
               <a:t>on</a:t>
             </a:r>
             <a:r>
-              <a:rPr sz="1800" spc="-26" dirty="0">
-                <a:latin typeface="Calibri"/>
-                <a:cs typeface="Calibri"/>
-              </a:rPr>
-              <a:t> </a:t>
-            </a:r>
-            <a:r>
-              <a:rPr sz="1800" dirty="0">
-                <a:latin typeface="Calibri"/>
+              <a:rPr lang="en-US" sz="1800" spc="-26" dirty="0">
+                <a:latin typeface="+mn-lt"/>
+                <a:cs typeface="Calibri"/>
+              </a:rPr>
+              <a:t> </a:t>
+            </a:r>
+            <a:r>
+              <a:rPr lang="en-US" sz="1800" dirty="0">
+                <a:latin typeface="+mn-lt"/>
                 <a:cs typeface="Calibri"/>
               </a:rPr>
               <a:t>roles,</a:t>
             </a:r>
             <a:r>
-              <a:rPr sz="1800" spc="-15" dirty="0">
-                <a:latin typeface="Calibri"/>
-                <a:cs typeface="Calibri"/>
-              </a:rPr>
-              <a:t> </a:t>
-            </a:r>
-            <a:r>
-              <a:rPr sz="1800" dirty="0">
-                <a:latin typeface="Calibri"/>
+              <a:rPr lang="en-US" sz="1800" spc="-15" dirty="0">
+                <a:latin typeface="+mn-lt"/>
+                <a:cs typeface="Calibri"/>
+              </a:rPr>
+              <a:t> </a:t>
+            </a:r>
+            <a:r>
+              <a:rPr lang="en-US" sz="1800" dirty="0">
+                <a:latin typeface="+mn-lt"/>
                 <a:cs typeface="Calibri"/>
               </a:rPr>
               <a:t>objects,</a:t>
             </a:r>
             <a:r>
-              <a:rPr sz="1800" spc="-30" dirty="0">
-                <a:latin typeface="Calibri"/>
-                <a:cs typeface="Calibri"/>
-              </a:rPr>
-              <a:t> </a:t>
-            </a:r>
-            <a:r>
-              <a:rPr sz="1800" dirty="0">
-                <a:latin typeface="Calibri"/>
+              <a:rPr lang="en-US" sz="1800" spc="-30" dirty="0">
+                <a:latin typeface="+mn-lt"/>
+                <a:cs typeface="Calibri"/>
+              </a:rPr>
+              <a:t> </a:t>
+            </a:r>
+            <a:r>
+              <a:rPr lang="en-US" sz="1800" dirty="0">
+                <a:latin typeface="+mn-lt"/>
                 <a:cs typeface="Calibri"/>
               </a:rPr>
               <a:t>and</a:t>
             </a:r>
             <a:r>
-              <a:rPr sz="1800" spc="-19" dirty="0">
-                <a:latin typeface="Calibri"/>
-                <a:cs typeface="Calibri"/>
-              </a:rPr>
-              <a:t> </a:t>
-            </a:r>
-            <a:r>
-              <a:rPr sz="1800" spc="-8" dirty="0">
-                <a:latin typeface="Calibri"/>
+              <a:rPr lang="en-US" sz="1800" spc="-19" dirty="0">
+                <a:latin typeface="+mn-lt"/>
+                <a:cs typeface="Calibri"/>
+              </a:rPr>
+              <a:t> </a:t>
+            </a:r>
+            <a:r>
+              <a:rPr lang="en-US" sz="1800" spc="-8" dirty="0">
+                <a:latin typeface="+mn-lt"/>
                 <a:cs typeface="Calibri"/>
               </a:rPr>
               <a:t>rights</a:t>
             </a:r>
-            <a:endParaRPr sz="1800">
-              <a:latin typeface="Calibri"/>
+            <a:endParaRPr lang="en-US" sz="1800" dirty="0">
+              <a:latin typeface="+mn-lt"/>
               <a:cs typeface="Calibri"/>
             </a:endParaRPr>
           </a:p>
@@ -43854,100 +44571,29 @@
               <a:buFont typeface="Arial"/>
               <a:buChar char="•"/>
             </a:pPr>
-            <a:endParaRPr sz="1800">
-              <a:latin typeface="Calibri"/>
+            <a:endParaRPr sz="1800" dirty="0">
+              <a:latin typeface="+mn-lt"/>
               <a:cs typeface="Calibri"/>
             </a:endParaRPr>
           </a:p>
           <a:p>
-            <a:pPr marL="180022" indent="-170497">
+            <a:pPr marL="241459" indent="-231934">
+              <a:spcBef>
+                <a:spcPts val="289"/>
+              </a:spcBef>
               <a:buFont typeface="Arial"/>
               <a:buChar char="•"/>
               <a:tabLst>
-                <a:tab pos="180022" algn="l"/>
+                <a:tab pos="241459" algn="l"/>
               </a:tabLst>
             </a:pPr>
             <a:r>
               <a:rPr sz="2100" dirty="0">
-                <a:latin typeface="Calibri"/>
-                <a:cs typeface="Calibri"/>
-              </a:rPr>
-              <a:t>Subjects</a:t>
-            </a:r>
-            <a:r>
-              <a:rPr sz="2100" spc="-15" dirty="0">
-                <a:latin typeface="Calibri"/>
-                <a:cs typeface="Calibri"/>
-              </a:rPr>
-              <a:t> </a:t>
-            </a:r>
-            <a:r>
-              <a:rPr sz="2100" dirty="0">
-                <a:latin typeface="Calibri"/>
-                <a:cs typeface="Calibri"/>
-              </a:rPr>
-              <a:t>are</a:t>
-            </a:r>
-            <a:r>
-              <a:rPr sz="2100" spc="-53" dirty="0">
-                <a:latin typeface="Calibri"/>
-                <a:cs typeface="Calibri"/>
-              </a:rPr>
-              <a:t> </a:t>
-            </a:r>
-            <a:r>
-              <a:rPr sz="2100" dirty="0">
-                <a:latin typeface="Calibri"/>
-                <a:cs typeface="Calibri"/>
-              </a:rPr>
-              <a:t>now</a:t>
-            </a:r>
-            <a:r>
-              <a:rPr sz="2100" spc="-30" dirty="0">
-                <a:latin typeface="Calibri"/>
-                <a:cs typeface="Calibri"/>
-              </a:rPr>
-              <a:t> </a:t>
-            </a:r>
-            <a:r>
-              <a:rPr sz="2100" dirty="0">
-                <a:latin typeface="Calibri"/>
-                <a:cs typeface="Calibri"/>
-              </a:rPr>
-              <a:t>assigned</a:t>
-            </a:r>
-            <a:r>
-              <a:rPr sz="2100" spc="-34" dirty="0">
-                <a:latin typeface="Calibri"/>
-                <a:cs typeface="Calibri"/>
-              </a:rPr>
-              <a:t> </a:t>
-            </a:r>
-            <a:r>
-              <a:rPr sz="2100" dirty="0">
-                <a:latin typeface="Calibri"/>
-                <a:cs typeface="Calibri"/>
-              </a:rPr>
-              <a:t>to</a:t>
-            </a:r>
-            <a:r>
-              <a:rPr sz="2100" spc="-41" dirty="0">
-                <a:latin typeface="Calibri"/>
-                <a:cs typeface="Calibri"/>
-              </a:rPr>
-              <a:t> </a:t>
-            </a:r>
-            <a:r>
-              <a:rPr sz="2100" spc="-8" dirty="0">
-                <a:latin typeface="Calibri"/>
-                <a:cs typeface="Calibri"/>
-              </a:rPr>
-              <a:t>roles;</a:t>
-            </a:r>
-            <a:endParaRPr sz="2100">
-              <a:latin typeface="Calibri"/>
-              <a:cs typeface="Calibri"/>
-            </a:endParaRPr>
+                <a:latin typeface="+mn-lt"/>
+                <a:cs typeface="Calibri"/>
+              </a:rPr>
+              <a:t>Subjects are now assigned to roles;</a:t>
+            </a:r>
           </a:p>
           <a:p>
             <a:pPr marL="522923" lvl="1" indent="-170497">
@@ -43962,27 +44608,27 @@
             </a:pPr>
             <a:r>
               <a:rPr sz="1800" i="1" dirty="0">
-                <a:latin typeface="Calibri"/>
+                <a:latin typeface="+mn-lt"/>
                 <a:cs typeface="Calibri"/>
               </a:rPr>
               <a:t>role</a:t>
             </a:r>
             <a:r>
               <a:rPr sz="1800" i="1" spc="-38" dirty="0">
-                <a:latin typeface="Calibri"/>
+                <a:latin typeface="+mn-lt"/>
                 <a:cs typeface="Calibri"/>
               </a:rPr>
               <a:t> </a:t>
             </a:r>
             <a:r>
               <a:rPr sz="1800" i="1" spc="-8" dirty="0">
-                <a:latin typeface="Calibri"/>
+                <a:latin typeface="+mn-lt"/>
                 <a:cs typeface="Calibri"/>
               </a:rPr>
               <a:t>assignment</a:t>
             </a:r>
-            <a:endParaRPr sz="1800">
-              <a:latin typeface="Calibri"/>
+            <a:endParaRPr sz="1800" dirty="0">
+              <a:latin typeface="+mn-lt"/>
               <a:cs typeface="Calibri"/>
             </a:endParaRPr>
           </a:p>
@@ -43994,13 +44640,16 @@
               <a:buFont typeface="Arial"/>
               <a:buChar char="•"/>
             </a:pPr>
-            <a:endParaRPr sz="1800">
-              <a:latin typeface="Calibri"/>
+            <a:endParaRPr sz="1800" dirty="0">
+              <a:latin typeface="+mn-lt"/>
               <a:cs typeface="Calibri"/>
             </a:endParaRPr>
           </a:p>
           <a:p>
             <a:pPr marL="241459" indent="-231934">
+              <a:spcBef>
+                <a:spcPts val="289"/>
+              </a:spcBef>
               <a:buFont typeface="Arial"/>
               <a:buChar char="•"/>
               <a:tabLst>
@@ -44009,43 +44658,11 @@
             </a:pPr>
             <a:r>
               <a:rPr sz="2100" dirty="0">
-                <a:latin typeface="Calibri"/>
-                <a:cs typeface="Calibri"/>
-              </a:rPr>
-              <a:t>Roles</a:t>
-            </a:r>
-            <a:r>
-              <a:rPr sz="2100" spc="-15" dirty="0">
-                <a:latin typeface="Calibri"/>
-                <a:cs typeface="Calibri"/>
-              </a:rPr>
-              <a:t> </a:t>
-            </a:r>
-            <a:r>
-              <a:rPr sz="2100" dirty="0">
-                <a:latin typeface="Calibri"/>
-                <a:cs typeface="Calibri"/>
-              </a:rPr>
-              <a:t>are</a:t>
-            </a:r>
-            <a:r>
-              <a:rPr sz="2100" spc="-11" dirty="0">
-                <a:latin typeface="Calibri"/>
-                <a:cs typeface="Calibri"/>
-              </a:rPr>
-              <a:t> </a:t>
-            </a:r>
-            <a:r>
-              <a:rPr sz="2100" spc="-8" dirty="0">
-                <a:latin typeface="Calibri"/>
-                <a:cs typeface="Calibri"/>
-              </a:rPr>
-              <a:t>hierarchical</a:t>
-            </a:r>
-            <a:endParaRPr sz="2100">
-              <a:latin typeface="Calibri"/>
-              <a:cs typeface="Calibri"/>
-            </a:endParaRPr>
+                <a:latin typeface="+mn-lt"/>
+                <a:cs typeface="Calibri"/>
+              </a:rPr>
+              <a:t>Roles are hierarchical</a:t>
+            </a:r>
           </a:p>
         </p:txBody>
       </p:sp>
@@ -44105,34 +44722,34 @@
               </a:spcBef>
             </a:pPr>
             <a:r>
+              <a:rPr dirty="0">
+                <a:latin typeface="+mj-lt"/>
+              </a:rPr>
+              <a:t>Roles</a:t>
+            </a:r>
+            <a:r>
+              <a:rPr spc="-26" dirty="0">
+                <a:latin typeface="+mj-lt"/>
+              </a:rPr>
+              <a:t> </a:t>
+            </a:r>
+            <a:r>
+              <a:rPr dirty="0">
+                <a:latin typeface="+mj-lt"/>
+              </a:rPr>
+              <a:t>as</a:t>
+            </a:r>
+            <a:r>
+              <a:rPr spc="-23" dirty="0">
+                <a:latin typeface="+mj-lt"/>
+              </a:rPr>
+              <a:t> </a:t>
+            </a:r>
+            <a:r>
               <a:rPr spc="-8" dirty="0">
                 <a:latin typeface="+mj-lt"/>
               </a:rPr>
-              <a:t>Role-</a:t>
-            </a:r>
-            <a:r>
-              <a:rPr dirty="0">
-                <a:latin typeface="+mj-lt"/>
-              </a:rPr>
-              <a:t>Based</a:t>
-            </a:r>
-            <a:r>
-              <a:rPr spc="-19" dirty="0">
-                <a:latin typeface="+mj-lt"/>
-              </a:rPr>
-              <a:t> </a:t>
-            </a:r>
-            <a:r>
-              <a:rPr dirty="0">
-                <a:latin typeface="+mj-lt"/>
-              </a:rPr>
-              <a:t>Access</a:t>
-            </a:r>
-            <a:r>
-              <a:rPr spc="-8" dirty="0">
-                <a:latin typeface="+mj-lt"/>
-              </a:rPr>
-              <a:t> Control</a:t>
+              <a:t>policy</a:t>
             </a:r>
           </a:p>
         </p:txBody>
@@ -44140,2167 +44757,681 @@
       <p:sp>
         <p:nvSpPr>
           <p:cNvPr id="3" name="object 3"/>
-          <p:cNvSpPr/>
-          <p:nvPr/>
-        </p:nvSpPr>
-        <p:spPr>
-          <a:xfrm>
-            <a:off x="1004125" y="1365313"/>
-            <a:ext cx="1343025" cy="1342073"/>
-          </a:xfrm>
-          <a:custGeom>
-            <a:avLst/>
-            <a:gdLst/>
-            <a:ahLst/>
-            <a:cxnLst/>
-            <a:rect l="l" t="t" r="r" b="b"/>
-            <a:pathLst>
-              <a:path w="1790700" h="1789429">
-                <a:moveTo>
-                  <a:pt x="0" y="894588"/>
-                </a:moveTo>
-                <a:lnTo>
-                  <a:pt x="1240" y="847080"/>
-                </a:lnTo>
-                <a:lnTo>
-                  <a:pt x="4922" y="800218"/>
-                </a:lnTo>
-                <a:lnTo>
-                  <a:pt x="10982" y="754064"/>
-                </a:lnTo>
-                <a:lnTo>
-                  <a:pt x="19360" y="708679"/>
-                </a:lnTo>
-                <a:lnTo>
-                  <a:pt x="29992" y="664124"/>
-                </a:lnTo>
-                <a:lnTo>
-                  <a:pt x="42817" y="620463"/>
-                </a:lnTo>
-                <a:lnTo>
-                  <a:pt x="57774" y="577756"/>
-                </a:lnTo>
-                <a:lnTo>
-                  <a:pt x="74801" y="536065"/>
-                </a:lnTo>
-                <a:lnTo>
-                  <a:pt x="93835" y="495453"/>
-                </a:lnTo>
-                <a:lnTo>
-                  <a:pt x="114815" y="455982"/>
-                </a:lnTo>
-                <a:lnTo>
-                  <a:pt x="137679" y="417712"/>
-                </a:lnTo>
-                <a:lnTo>
-                  <a:pt x="162365" y="380706"/>
-                </a:lnTo>
-                <a:lnTo>
-                  <a:pt x="188811" y="345026"/>
-                </a:lnTo>
-                <a:lnTo>
-                  <a:pt x="216956" y="310734"/>
-                </a:lnTo>
-                <a:lnTo>
-                  <a:pt x="246738" y="277891"/>
-                </a:lnTo>
-                <a:lnTo>
-                  <a:pt x="278094" y="246559"/>
-                </a:lnTo>
-                <a:lnTo>
-                  <a:pt x="310963" y="216801"/>
-                </a:lnTo>
-                <a:lnTo>
-                  <a:pt x="345283" y="188677"/>
-                </a:lnTo>
-                <a:lnTo>
-                  <a:pt x="380992" y="162251"/>
-                </a:lnTo>
-                <a:lnTo>
-                  <a:pt x="418029" y="137583"/>
-                </a:lnTo>
-                <a:lnTo>
-                  <a:pt x="456331" y="114736"/>
-                </a:lnTo>
-                <a:lnTo>
-                  <a:pt x="495837" y="93771"/>
-                </a:lnTo>
-                <a:lnTo>
-                  <a:pt x="536485" y="74750"/>
-                </a:lnTo>
-                <a:lnTo>
-                  <a:pt x="578212" y="57735"/>
-                </a:lnTo>
-                <a:lnTo>
-                  <a:pt x="620958" y="42789"/>
-                </a:lnTo>
-                <a:lnTo>
-                  <a:pt x="664660" y="29972"/>
-                </a:lnTo>
-                <a:lnTo>
-                  <a:pt x="709257" y="19347"/>
-                </a:lnTo>
-                <a:lnTo>
-                  <a:pt x="754686" y="10975"/>
-                </a:lnTo>
-                <a:lnTo>
-                  <a:pt x="800885" y="4919"/>
-                </a:lnTo>
-                <a:lnTo>
-                  <a:pt x="847794" y="1240"/>
-                </a:lnTo>
-                <a:lnTo>
-                  <a:pt x="895349" y="0"/>
-                </a:lnTo>
-                <a:lnTo>
-                  <a:pt x="942905" y="1240"/>
-                </a:lnTo>
-                <a:lnTo>
-                  <a:pt x="989814" y="4919"/>
-                </a:lnTo>
-                <a:lnTo>
-                  <a:pt x="1036013" y="10975"/>
-                </a:lnTo>
-                <a:lnTo>
-                  <a:pt x="1081442" y="19347"/>
-                </a:lnTo>
-                <a:lnTo>
-                  <a:pt x="1126039" y="29972"/>
-                </a:lnTo>
-                <a:lnTo>
-                  <a:pt x="1169741" y="42789"/>
-                </a:lnTo>
-                <a:lnTo>
-                  <a:pt x="1212487" y="57735"/>
-                </a:lnTo>
-                <a:lnTo>
-                  <a:pt x="1254214" y="74750"/>
-                </a:lnTo>
-                <a:lnTo>
-                  <a:pt x="1294862" y="93771"/>
-                </a:lnTo>
-                <a:lnTo>
-                  <a:pt x="1334368" y="114736"/>
-                </a:lnTo>
-                <a:lnTo>
-                  <a:pt x="1372670" y="137583"/>
-                </a:lnTo>
-                <a:lnTo>
-                  <a:pt x="1409707" y="162251"/>
-                </a:lnTo>
-                <a:lnTo>
-                  <a:pt x="1445416" y="188677"/>
-                </a:lnTo>
-                <a:lnTo>
-                  <a:pt x="1479736" y="216801"/>
-                </a:lnTo>
-                <a:lnTo>
-                  <a:pt x="1512605" y="246559"/>
-                </a:lnTo>
-                <a:lnTo>
-                  <a:pt x="1543961" y="277891"/>
-                </a:lnTo>
-                <a:lnTo>
-                  <a:pt x="1573743" y="310734"/>
-                </a:lnTo>
-                <a:lnTo>
-                  <a:pt x="1601888" y="345026"/>
-                </a:lnTo>
-                <a:lnTo>
-                  <a:pt x="1628334" y="380706"/>
-                </a:lnTo>
-                <a:lnTo>
-                  <a:pt x="1653020" y="417712"/>
-                </a:lnTo>
-                <a:lnTo>
-                  <a:pt x="1675884" y="455982"/>
-                </a:lnTo>
-                <a:lnTo>
-                  <a:pt x="1696864" y="495453"/>
-                </a:lnTo>
-                <a:lnTo>
-                  <a:pt x="1715898" y="536065"/>
-                </a:lnTo>
-                <a:lnTo>
-                  <a:pt x="1732925" y="577756"/>
-                </a:lnTo>
-                <a:lnTo>
-                  <a:pt x="1747882" y="620463"/>
-                </a:lnTo>
-                <a:lnTo>
-                  <a:pt x="1760707" y="664124"/>
-                </a:lnTo>
-                <a:lnTo>
-                  <a:pt x="1771339" y="708679"/>
-                </a:lnTo>
-                <a:lnTo>
-                  <a:pt x="1779717" y="754064"/>
-                </a:lnTo>
-                <a:lnTo>
-                  <a:pt x="1785777" y="800218"/>
-                </a:lnTo>
-                <a:lnTo>
-                  <a:pt x="1789459" y="847080"/>
-                </a:lnTo>
-                <a:lnTo>
-                  <a:pt x="1790700" y="894588"/>
-                </a:lnTo>
-                <a:lnTo>
-                  <a:pt x="1789459" y="942095"/>
-                </a:lnTo>
-                <a:lnTo>
-                  <a:pt x="1785777" y="988957"/>
-                </a:lnTo>
-                <a:lnTo>
-                  <a:pt x="1779717" y="1035111"/>
-                </a:lnTo>
-                <a:lnTo>
-                  <a:pt x="1771339" y="1080496"/>
-                </a:lnTo>
-                <a:lnTo>
-                  <a:pt x="1760707" y="1125051"/>
-                </a:lnTo>
-                <a:lnTo>
-                  <a:pt x="1747882" y="1168712"/>
-                </a:lnTo>
-                <a:lnTo>
-                  <a:pt x="1732925" y="1211419"/>
-                </a:lnTo>
-                <a:lnTo>
-                  <a:pt x="1715898" y="1253110"/>
-                </a:lnTo>
-                <a:lnTo>
-                  <a:pt x="1696864" y="1293722"/>
-                </a:lnTo>
-                <a:lnTo>
-                  <a:pt x="1675884" y="1333193"/>
-                </a:lnTo>
-                <a:lnTo>
-                  <a:pt x="1653020" y="1371463"/>
-                </a:lnTo>
-                <a:lnTo>
-                  <a:pt x="1628334" y="1408469"/>
-                </a:lnTo>
-                <a:lnTo>
-                  <a:pt x="1601888" y="1444149"/>
-                </a:lnTo>
-                <a:lnTo>
-                  <a:pt x="1573743" y="1478441"/>
-                </a:lnTo>
-                <a:lnTo>
-                  <a:pt x="1543961" y="1511284"/>
-                </a:lnTo>
-                <a:lnTo>
-                  <a:pt x="1512605" y="1542616"/>
-                </a:lnTo>
-                <a:lnTo>
-                  <a:pt x="1479736" y="1572374"/>
-                </a:lnTo>
-                <a:lnTo>
-                  <a:pt x="1445416" y="1600498"/>
-                </a:lnTo>
-                <a:lnTo>
-                  <a:pt x="1409707" y="1626924"/>
-                </a:lnTo>
-                <a:lnTo>
-                  <a:pt x="1372670" y="1651592"/>
-                </a:lnTo>
-                <a:lnTo>
-                  <a:pt x="1334368" y="1674439"/>
-                </a:lnTo>
-                <a:lnTo>
-                  <a:pt x="1294862" y="1695404"/>
-                </a:lnTo>
-                <a:lnTo>
-                  <a:pt x="1254214" y="1714425"/>
-                </a:lnTo>
-                <a:lnTo>
-                  <a:pt x="1212487" y="1731440"/>
-                </a:lnTo>
-                <a:lnTo>
-                  <a:pt x="1169741" y="1746386"/>
-                </a:lnTo>
-                <a:lnTo>
-                  <a:pt x="1126039" y="1759203"/>
-                </a:lnTo>
-                <a:lnTo>
-                  <a:pt x="1081442" y="1769828"/>
-                </a:lnTo>
-                <a:lnTo>
-                  <a:pt x="1036013" y="1778200"/>
-                </a:lnTo>
-                <a:lnTo>
-                  <a:pt x="989814" y="1784256"/>
-                </a:lnTo>
-                <a:lnTo>
-                  <a:pt x="942905" y="1787935"/>
-                </a:lnTo>
-                <a:lnTo>
-                  <a:pt x="895349" y="1789176"/>
-                </a:lnTo>
-                <a:lnTo>
-                  <a:pt x="847794" y="1787935"/>
-                </a:lnTo>
-                <a:lnTo>
-                  <a:pt x="800885" y="1784256"/>
-                </a:lnTo>
-                <a:lnTo>
-                  <a:pt x="754686" y="1778200"/>
-                </a:lnTo>
-                <a:lnTo>
-                  <a:pt x="709257" y="1769828"/>
-                </a:lnTo>
-                <a:lnTo>
-                  <a:pt x="664660" y="1759203"/>
-                </a:lnTo>
-                <a:lnTo>
-                  <a:pt x="620958" y="1746386"/>
-                </a:lnTo>
-                <a:lnTo>
-                  <a:pt x="578212" y="1731440"/>
-                </a:lnTo>
-                <a:lnTo>
-                  <a:pt x="536485" y="1714425"/>
-                </a:lnTo>
-                <a:lnTo>
-                  <a:pt x="495837" y="1695404"/>
-                </a:lnTo>
-                <a:lnTo>
-                  <a:pt x="456331" y="1674439"/>
-                </a:lnTo>
-                <a:lnTo>
-                  <a:pt x="418029" y="1651592"/>
-                </a:lnTo>
-                <a:lnTo>
-                  <a:pt x="380992" y="1626924"/>
-                </a:lnTo>
-                <a:lnTo>
-                  <a:pt x="345283" y="1600498"/>
-                </a:lnTo>
-                <a:lnTo>
-                  <a:pt x="310963" y="1572374"/>
-                </a:lnTo>
-                <a:lnTo>
-                  <a:pt x="278094" y="1542616"/>
-                </a:lnTo>
-                <a:lnTo>
-                  <a:pt x="246738" y="1511284"/>
-                </a:lnTo>
-                <a:lnTo>
-                  <a:pt x="216956" y="1478441"/>
-                </a:lnTo>
-                <a:lnTo>
-                  <a:pt x="188811" y="1444149"/>
-                </a:lnTo>
-                <a:lnTo>
-                  <a:pt x="162365" y="1408469"/>
-                </a:lnTo>
-                <a:lnTo>
-                  <a:pt x="137679" y="1371463"/>
-                </a:lnTo>
-                <a:lnTo>
-                  <a:pt x="114815" y="1333193"/>
-                </a:lnTo>
-                <a:lnTo>
-                  <a:pt x="93835" y="1293722"/>
-                </a:lnTo>
-                <a:lnTo>
-                  <a:pt x="74801" y="1253110"/>
-                </a:lnTo>
-                <a:lnTo>
-                  <a:pt x="57774" y="1211419"/>
-                </a:lnTo>
-                <a:lnTo>
-                  <a:pt x="42817" y="1168712"/>
-                </a:lnTo>
-                <a:lnTo>
-                  <a:pt x="29992" y="1125051"/>
-                </a:lnTo>
-                <a:lnTo>
-                  <a:pt x="19360" y="1080496"/>
-                </a:lnTo>
-                <a:lnTo>
-                  <a:pt x="10982" y="1035111"/>
-                </a:lnTo>
-                <a:lnTo>
-                  <a:pt x="4922" y="988957"/>
-                </a:lnTo>
-                <a:lnTo>
-                  <a:pt x="1240" y="942095"/>
-                </a:lnTo>
-                <a:lnTo>
-                  <a:pt x="0" y="894588"/>
-                </a:lnTo>
-                <a:close/>
-              </a:path>
-            </a:pathLst>
-          </a:custGeom>
-          <a:ln w="28575">
-            <a:solidFill>
-              <a:srgbClr val="000000"/>
-            </a:solidFill>
-          </a:ln>
-        </p:spPr>
-        <p:txBody>
-          <a:bodyPr wrap="square" lIns="0" tIns="0" rIns="0" bIns="0" rtlCol="0"/>
-          <a:lstStyle/>
-          <a:p>
-            <a:endParaRPr sz="1050"/>
-          </a:p>
-        </p:txBody>
-      </p:sp>
-      <p:sp>
-        <p:nvSpPr>
-          <p:cNvPr id="4" name="object 4"/>
           <p:cNvSpPr txBox="1"/>
           <p:nvPr/>
         </p:nvSpPr>
         <p:spPr>
           <a:xfrm>
-            <a:off x="1469708" y="1914810"/>
-            <a:ext cx="408146" cy="217367"/>
+            <a:off x="687705" y="1317424"/>
+            <a:ext cx="7473791" cy="2432557"/>
           </a:xfrm>
           <a:prstGeom prst="rect">
             <a:avLst/>
           </a:prstGeom>
         </p:spPr>
         <p:txBody>
-          <a:bodyPr vert="horz" wrap="square" lIns="0" tIns="9525" rIns="0" bIns="0" rtlCol="0">
+          <a:bodyPr vert="horz" wrap="square" lIns="0" tIns="36671" rIns="0" bIns="0" rtlCol="0">
             <a:spAutoFit/>
           </a:bodyPr>
           <a:lstStyle/>
           <a:p>
-            <a:pPr marL="9525">
+            <a:pPr marL="180022" indent="-170497">
               <a:spcBef>
-                <a:spcPts val="75"/>
+                <a:spcPts val="289"/>
               </a:spcBef>
+              <a:buFont typeface="Arial"/>
+              <a:buChar char="•"/>
+              <a:tabLst>
+                <a:tab pos="180022" algn="l"/>
+              </a:tabLst>
             </a:pPr>
             <a:r>
-              <a:rPr sz="1350" spc="-8" dirty="0">
-                <a:latin typeface="Calibri"/>
-                <a:cs typeface="Calibri"/>
-              </a:rPr>
-              <a:t>Users</a:t>
-            </a:r>
-            <a:endParaRPr sz="1350">
-              <a:latin typeface="Calibri"/>
+              <a:rPr sz="2100" dirty="0">
+                <a:latin typeface="+mn-lt"/>
+                <a:cs typeface="Calibri"/>
+              </a:rPr>
+              <a:t>A</a:t>
+            </a:r>
+            <a:r>
+              <a:rPr sz="2100" spc="-19" dirty="0">
+                <a:latin typeface="+mn-lt"/>
+                <a:cs typeface="Calibri"/>
+              </a:rPr>
+              <a:t> </a:t>
+            </a:r>
+            <a:r>
+              <a:rPr sz="2100" dirty="0">
+                <a:latin typeface="+mn-lt"/>
+                <a:cs typeface="Calibri"/>
+              </a:rPr>
+              <a:t>role</a:t>
+            </a:r>
+            <a:r>
+              <a:rPr sz="2100" spc="-23" dirty="0">
+                <a:latin typeface="+mn-lt"/>
+                <a:cs typeface="Calibri"/>
+              </a:rPr>
+              <a:t> </a:t>
+            </a:r>
+            <a:r>
+              <a:rPr sz="2100" dirty="0">
+                <a:latin typeface="+mn-lt"/>
+                <a:cs typeface="Calibri"/>
+              </a:rPr>
+              <a:t>brings</a:t>
+            </a:r>
+            <a:r>
+              <a:rPr sz="2100" spc="-15" dirty="0">
+                <a:latin typeface="+mn-lt"/>
+                <a:cs typeface="Calibri"/>
+              </a:rPr>
+              <a:t> </a:t>
+            </a:r>
+            <a:r>
+              <a:rPr sz="2100" spc="-8" dirty="0">
+                <a:latin typeface="+mn-lt"/>
+                <a:cs typeface="Calibri"/>
+              </a:rPr>
+              <a:t>together</a:t>
+            </a:r>
+            <a:endParaRPr sz="2100" dirty="0">
+              <a:latin typeface="+mn-lt"/>
               <a:cs typeface="Calibri"/>
             </a:endParaRPr>
           </a:p>
-        </p:txBody>
-      </p:sp>
-      <p:sp>
-        <p:nvSpPr>
-          <p:cNvPr id="5" name="object 5"/>
-          <p:cNvSpPr/>
-          <p:nvPr/>
-        </p:nvSpPr>
-        <p:spPr>
-          <a:xfrm>
-            <a:off x="3998786" y="1365313"/>
-            <a:ext cx="1343025" cy="1342073"/>
-          </a:xfrm>
-          <a:custGeom>
-            <a:avLst/>
-            <a:gdLst/>
-            <a:ahLst/>
-            <a:cxnLst/>
-            <a:rect l="l" t="t" r="r" b="b"/>
-            <a:pathLst>
-              <a:path w="1790700" h="1789429">
-                <a:moveTo>
-                  <a:pt x="0" y="894588"/>
-                </a:moveTo>
-                <a:lnTo>
-                  <a:pt x="1240" y="847080"/>
-                </a:lnTo>
-                <a:lnTo>
-                  <a:pt x="4922" y="800218"/>
-                </a:lnTo>
-                <a:lnTo>
-                  <a:pt x="10982" y="754064"/>
-                </a:lnTo>
-                <a:lnTo>
-                  <a:pt x="19360" y="708679"/>
-                </a:lnTo>
-                <a:lnTo>
-                  <a:pt x="29992" y="664124"/>
-                </a:lnTo>
-                <a:lnTo>
-                  <a:pt x="42817" y="620463"/>
-                </a:lnTo>
-                <a:lnTo>
-                  <a:pt x="57774" y="577756"/>
-                </a:lnTo>
-                <a:lnTo>
-                  <a:pt x="74801" y="536065"/>
-                </a:lnTo>
-                <a:lnTo>
-                  <a:pt x="93835" y="495453"/>
-                </a:lnTo>
-                <a:lnTo>
-                  <a:pt x="114815" y="455982"/>
-                </a:lnTo>
-                <a:lnTo>
-                  <a:pt x="137679" y="417712"/>
-                </a:lnTo>
-                <a:lnTo>
-                  <a:pt x="162365" y="380706"/>
-                </a:lnTo>
-                <a:lnTo>
-                  <a:pt x="188811" y="345026"/>
-                </a:lnTo>
-                <a:lnTo>
-                  <a:pt x="216956" y="310734"/>
-                </a:lnTo>
-                <a:lnTo>
-                  <a:pt x="246738" y="277891"/>
-                </a:lnTo>
-                <a:lnTo>
-                  <a:pt x="278094" y="246559"/>
-                </a:lnTo>
-                <a:lnTo>
-                  <a:pt x="310963" y="216801"/>
-                </a:lnTo>
-                <a:lnTo>
-                  <a:pt x="345283" y="188677"/>
-                </a:lnTo>
-                <a:lnTo>
-                  <a:pt x="380992" y="162251"/>
-                </a:lnTo>
-                <a:lnTo>
-                  <a:pt x="418029" y="137583"/>
-                </a:lnTo>
-                <a:lnTo>
-                  <a:pt x="456331" y="114736"/>
-                </a:lnTo>
-                <a:lnTo>
-                  <a:pt x="495837" y="93771"/>
-                </a:lnTo>
-                <a:lnTo>
-                  <a:pt x="536485" y="74750"/>
-                </a:lnTo>
-                <a:lnTo>
-                  <a:pt x="578212" y="57735"/>
-                </a:lnTo>
-                <a:lnTo>
-                  <a:pt x="620958" y="42789"/>
-                </a:lnTo>
-                <a:lnTo>
-                  <a:pt x="664660" y="29972"/>
-                </a:lnTo>
-                <a:lnTo>
-                  <a:pt x="709257" y="19347"/>
-                </a:lnTo>
-                <a:lnTo>
-                  <a:pt x="754686" y="10975"/>
-                </a:lnTo>
-                <a:lnTo>
-                  <a:pt x="800885" y="4919"/>
-                </a:lnTo>
-                <a:lnTo>
-                  <a:pt x="847794" y="1240"/>
-                </a:lnTo>
-                <a:lnTo>
-                  <a:pt x="895350" y="0"/>
-                </a:lnTo>
-                <a:lnTo>
-                  <a:pt x="942905" y="1240"/>
-                </a:lnTo>
-                <a:lnTo>
-                  <a:pt x="989814" y="4919"/>
-                </a:lnTo>
-                <a:lnTo>
-                  <a:pt x="1036013" y="10975"/>
-                </a:lnTo>
-                <a:lnTo>
-                  <a:pt x="1081442" y="19347"/>
-                </a:lnTo>
-                <a:lnTo>
-                  <a:pt x="1126039" y="29972"/>
-                </a:lnTo>
-                <a:lnTo>
-                  <a:pt x="1169741" y="42789"/>
-                </a:lnTo>
-                <a:lnTo>
-                  <a:pt x="1212487" y="57735"/>
-                </a:lnTo>
-                <a:lnTo>
-                  <a:pt x="1254214" y="74750"/>
-                </a:lnTo>
-                <a:lnTo>
-                  <a:pt x="1294862" y="93771"/>
-                </a:lnTo>
-                <a:lnTo>
-                  <a:pt x="1334368" y="114736"/>
-                </a:lnTo>
-                <a:lnTo>
-                  <a:pt x="1372670" y="137583"/>
-                </a:lnTo>
-                <a:lnTo>
-                  <a:pt x="1409707" y="162251"/>
-                </a:lnTo>
-                <a:lnTo>
-                  <a:pt x="1445416" y="188677"/>
-                </a:lnTo>
-                <a:lnTo>
-                  <a:pt x="1479736" y="216801"/>
-                </a:lnTo>
-                <a:lnTo>
-                  <a:pt x="1512605" y="246559"/>
-                </a:lnTo>
-                <a:lnTo>
-                  <a:pt x="1543961" y="277891"/>
-                </a:lnTo>
-                <a:lnTo>
-                  <a:pt x="1573743" y="310734"/>
-                </a:lnTo>
-                <a:lnTo>
-                  <a:pt x="1601888" y="345026"/>
-                </a:lnTo>
-                <a:lnTo>
-                  <a:pt x="1628334" y="380706"/>
-                </a:lnTo>
-                <a:lnTo>
-                  <a:pt x="1653020" y="417712"/>
-                </a:lnTo>
-                <a:lnTo>
-                  <a:pt x="1675884" y="455982"/>
-                </a:lnTo>
-                <a:lnTo>
-                  <a:pt x="1696864" y="495453"/>
-                </a:lnTo>
-                <a:lnTo>
-                  <a:pt x="1715898" y="536065"/>
-                </a:lnTo>
-                <a:lnTo>
-                  <a:pt x="1732925" y="577756"/>
-                </a:lnTo>
-                <a:lnTo>
-                  <a:pt x="1747882" y="620463"/>
-                </a:lnTo>
-                <a:lnTo>
-                  <a:pt x="1760707" y="664124"/>
-                </a:lnTo>
-                <a:lnTo>
-                  <a:pt x="1771339" y="708679"/>
-                </a:lnTo>
-                <a:lnTo>
-                  <a:pt x="1779717" y="754064"/>
-                </a:lnTo>
-                <a:lnTo>
-                  <a:pt x="1785777" y="800218"/>
-                </a:lnTo>
-                <a:lnTo>
-                  <a:pt x="1789459" y="847080"/>
-                </a:lnTo>
-                <a:lnTo>
-                  <a:pt x="1790700" y="894588"/>
-                </a:lnTo>
-                <a:lnTo>
-                  <a:pt x="1789459" y="942095"/>
-                </a:lnTo>
-                <a:lnTo>
-                  <a:pt x="1785777" y="988957"/>
-                </a:lnTo>
-                <a:lnTo>
-                  <a:pt x="1779717" y="1035111"/>
-                </a:lnTo>
-                <a:lnTo>
-                  <a:pt x="1771339" y="1080496"/>
-                </a:lnTo>
-                <a:lnTo>
-                  <a:pt x="1760707" y="1125051"/>
-                </a:lnTo>
-                <a:lnTo>
-                  <a:pt x="1747882" y="1168712"/>
-                </a:lnTo>
-                <a:lnTo>
-                  <a:pt x="1732925" y="1211419"/>
-                </a:lnTo>
-                <a:lnTo>
-                  <a:pt x="1715898" y="1253110"/>
-                </a:lnTo>
-                <a:lnTo>
-                  <a:pt x="1696864" y="1293722"/>
-                </a:lnTo>
-                <a:lnTo>
-                  <a:pt x="1675884" y="1333193"/>
-                </a:lnTo>
-                <a:lnTo>
-                  <a:pt x="1653020" y="1371463"/>
-                </a:lnTo>
-                <a:lnTo>
-                  <a:pt x="1628334" y="1408469"/>
-                </a:lnTo>
-                <a:lnTo>
-                  <a:pt x="1601888" y="1444149"/>
-                </a:lnTo>
-                <a:lnTo>
-                  <a:pt x="1573743" y="1478441"/>
-                </a:lnTo>
-                <a:lnTo>
-                  <a:pt x="1543961" y="1511284"/>
-                </a:lnTo>
-                <a:lnTo>
-                  <a:pt x="1512605" y="1542616"/>
-                </a:lnTo>
-                <a:lnTo>
-                  <a:pt x="1479736" y="1572374"/>
-                </a:lnTo>
-                <a:lnTo>
-                  <a:pt x="1445416" y="1600498"/>
-                </a:lnTo>
-                <a:lnTo>
-                  <a:pt x="1409707" y="1626924"/>
-                </a:lnTo>
-                <a:lnTo>
-                  <a:pt x="1372670" y="1651592"/>
-                </a:lnTo>
-                <a:lnTo>
-                  <a:pt x="1334368" y="1674439"/>
-                </a:lnTo>
-                <a:lnTo>
-                  <a:pt x="1294862" y="1695404"/>
-                </a:lnTo>
-                <a:lnTo>
-                  <a:pt x="1254214" y="1714425"/>
-                </a:lnTo>
-                <a:lnTo>
-                  <a:pt x="1212487" y="1731440"/>
-                </a:lnTo>
-                <a:lnTo>
-                  <a:pt x="1169741" y="1746386"/>
-                </a:lnTo>
-                <a:lnTo>
-                  <a:pt x="1126039" y="1759203"/>
-                </a:lnTo>
-                <a:lnTo>
-                  <a:pt x="1081442" y="1769828"/>
-                </a:lnTo>
-                <a:lnTo>
-                  <a:pt x="1036013" y="1778200"/>
-                </a:lnTo>
-                <a:lnTo>
-                  <a:pt x="989814" y="1784256"/>
-                </a:lnTo>
-                <a:lnTo>
-                  <a:pt x="942905" y="1787935"/>
-                </a:lnTo>
-                <a:lnTo>
-                  <a:pt x="895350" y="1789176"/>
-                </a:lnTo>
-                <a:lnTo>
-                  <a:pt x="847794" y="1787935"/>
-                </a:lnTo>
-                <a:lnTo>
-                  <a:pt x="800885" y="1784256"/>
-                </a:lnTo>
-                <a:lnTo>
-                  <a:pt x="754686" y="1778200"/>
-                </a:lnTo>
-                <a:lnTo>
-                  <a:pt x="709257" y="1769828"/>
-                </a:lnTo>
-                <a:lnTo>
-                  <a:pt x="664660" y="1759203"/>
-                </a:lnTo>
-                <a:lnTo>
-                  <a:pt x="620958" y="1746386"/>
-                </a:lnTo>
-                <a:lnTo>
-                  <a:pt x="578212" y="1731440"/>
-                </a:lnTo>
-                <a:lnTo>
-                  <a:pt x="536485" y="1714425"/>
-                </a:lnTo>
-                <a:lnTo>
-                  <a:pt x="495837" y="1695404"/>
-                </a:lnTo>
-                <a:lnTo>
-                  <a:pt x="456331" y="1674439"/>
-                </a:lnTo>
-                <a:lnTo>
-                  <a:pt x="418029" y="1651592"/>
-                </a:lnTo>
-                <a:lnTo>
-                  <a:pt x="380992" y="1626924"/>
-                </a:lnTo>
-                <a:lnTo>
-                  <a:pt x="345283" y="1600498"/>
-                </a:lnTo>
-                <a:lnTo>
-                  <a:pt x="310963" y="1572374"/>
-                </a:lnTo>
-                <a:lnTo>
-                  <a:pt x="278094" y="1542616"/>
-                </a:lnTo>
-                <a:lnTo>
-                  <a:pt x="246738" y="1511284"/>
-                </a:lnTo>
-                <a:lnTo>
-                  <a:pt x="216956" y="1478441"/>
-                </a:lnTo>
-                <a:lnTo>
-                  <a:pt x="188811" y="1444149"/>
-                </a:lnTo>
-                <a:lnTo>
-                  <a:pt x="162365" y="1408469"/>
-                </a:lnTo>
-                <a:lnTo>
-                  <a:pt x="137679" y="1371463"/>
-                </a:lnTo>
-                <a:lnTo>
-                  <a:pt x="114815" y="1333193"/>
-                </a:lnTo>
-                <a:lnTo>
-                  <a:pt x="93835" y="1293722"/>
-                </a:lnTo>
-                <a:lnTo>
-                  <a:pt x="74801" y="1253110"/>
-                </a:lnTo>
-                <a:lnTo>
-                  <a:pt x="57774" y="1211419"/>
-                </a:lnTo>
-                <a:lnTo>
-                  <a:pt x="42817" y="1168712"/>
-                </a:lnTo>
-                <a:lnTo>
-                  <a:pt x="29992" y="1125051"/>
-                </a:lnTo>
-                <a:lnTo>
-                  <a:pt x="19360" y="1080496"/>
-                </a:lnTo>
-                <a:lnTo>
-                  <a:pt x="10982" y="1035111"/>
-                </a:lnTo>
-                <a:lnTo>
-                  <a:pt x="4922" y="988957"/>
-                </a:lnTo>
-                <a:lnTo>
-                  <a:pt x="1240" y="942095"/>
-                </a:lnTo>
-                <a:lnTo>
-                  <a:pt x="0" y="894588"/>
-                </a:lnTo>
-                <a:close/>
-              </a:path>
-            </a:pathLst>
-          </a:custGeom>
-          <a:ln w="28575">
-            <a:solidFill>
-              <a:srgbClr val="000000"/>
-            </a:solidFill>
-          </a:ln>
-        </p:spPr>
-        <p:txBody>
-          <a:bodyPr wrap="square" lIns="0" tIns="0" rIns="0" bIns="0" rtlCol="0"/>
-          <a:lstStyle/>
           <a:p>
-            <a:endParaRPr sz="1050"/>
-          </a:p>
-        </p:txBody>
-      </p:sp>
-      <p:sp>
-        <p:nvSpPr>
-          <p:cNvPr id="6" name="object 6"/>
-          <p:cNvSpPr txBox="1"/>
-          <p:nvPr/>
-        </p:nvSpPr>
-        <p:spPr>
-          <a:xfrm>
-            <a:off x="4472844" y="1914810"/>
-            <a:ext cx="393383" cy="217367"/>
-          </a:xfrm>
-          <a:prstGeom prst="rect">
-            <a:avLst/>
-          </a:prstGeom>
-        </p:spPr>
-        <p:txBody>
-          <a:bodyPr vert="horz" wrap="square" lIns="0" tIns="9525" rIns="0" bIns="0" rtlCol="0">
-            <a:spAutoFit/>
-          </a:bodyPr>
-          <a:lstStyle/>
-          <a:p>
-            <a:pPr marL="9525">
+            <a:pPr marL="522923" lvl="1" indent="-170497">
               <a:spcBef>
-                <a:spcPts val="75"/>
+                <a:spcPts val="184"/>
               </a:spcBef>
+              <a:buFont typeface="Arial"/>
+              <a:buChar char="•"/>
+              <a:tabLst>
+                <a:tab pos="522923" algn="l"/>
+              </a:tabLst>
             </a:pPr>
             <a:r>
-              <a:rPr sz="1350" spc="-8" dirty="0">
-                <a:latin typeface="Calibri"/>
-                <a:cs typeface="Calibri"/>
-              </a:rPr>
-              <a:t>Roles</a:t>
-            </a:r>
-            <a:endParaRPr sz="1350">
-              <a:latin typeface="Calibri"/>
+              <a:rPr sz="1800" dirty="0">
+                <a:latin typeface="+mn-lt"/>
+                <a:cs typeface="Calibri"/>
+              </a:rPr>
+              <a:t>a</a:t>
+            </a:r>
+            <a:r>
+              <a:rPr sz="1800" spc="-30" dirty="0">
+                <a:latin typeface="+mn-lt"/>
+                <a:cs typeface="Calibri"/>
+              </a:rPr>
+              <a:t> </a:t>
+            </a:r>
+            <a:r>
+              <a:rPr sz="1800" dirty="0">
+                <a:latin typeface="+mn-lt"/>
+                <a:cs typeface="Calibri"/>
+              </a:rPr>
+              <a:t>collection</a:t>
+            </a:r>
+            <a:r>
+              <a:rPr sz="1800" spc="-45" dirty="0">
+                <a:latin typeface="+mn-lt"/>
+                <a:cs typeface="Calibri"/>
+              </a:rPr>
+              <a:t> </a:t>
+            </a:r>
+            <a:r>
+              <a:rPr sz="1800" dirty="0">
+                <a:latin typeface="+mn-lt"/>
+                <a:cs typeface="Calibri"/>
+              </a:rPr>
+              <a:t>of</a:t>
+            </a:r>
+            <a:r>
+              <a:rPr sz="1800" spc="-30" dirty="0">
+                <a:latin typeface="+mn-lt"/>
+                <a:cs typeface="Calibri"/>
+              </a:rPr>
+              <a:t> </a:t>
+            </a:r>
+            <a:r>
+              <a:rPr sz="1800" dirty="0">
+                <a:latin typeface="+mn-lt"/>
+                <a:cs typeface="Calibri"/>
+              </a:rPr>
+              <a:t>users</a:t>
+            </a:r>
+            <a:r>
+              <a:rPr sz="1800" spc="-26" dirty="0">
+                <a:latin typeface="+mn-lt"/>
+                <a:cs typeface="Calibri"/>
+              </a:rPr>
+              <a:t> </a:t>
+            </a:r>
+            <a:r>
+              <a:rPr sz="1800" spc="-19" dirty="0">
+                <a:latin typeface="+mn-lt"/>
+                <a:cs typeface="Calibri"/>
+              </a:rPr>
+              <a:t>and</a:t>
+            </a:r>
+            <a:endParaRPr sz="1800" dirty="0">
+              <a:latin typeface="+mn-lt"/>
               <a:cs typeface="Calibri"/>
             </a:endParaRPr>
           </a:p>
-        </p:txBody>
-      </p:sp>
-      <p:sp>
-        <p:nvSpPr>
-          <p:cNvPr id="7" name="object 7"/>
-          <p:cNvSpPr/>
-          <p:nvPr/>
-        </p:nvSpPr>
-        <p:spPr>
-          <a:xfrm>
-            <a:off x="6821995" y="1365313"/>
-            <a:ext cx="1514475" cy="1342073"/>
-          </a:xfrm>
-          <a:custGeom>
-            <a:avLst/>
-            <a:gdLst/>
-            <a:ahLst/>
-            <a:cxnLst/>
-            <a:rect l="l" t="t" r="r" b="b"/>
-            <a:pathLst>
-              <a:path w="2019300" h="1789429">
-                <a:moveTo>
-                  <a:pt x="0" y="894588"/>
-                </a:moveTo>
-                <a:lnTo>
-                  <a:pt x="1235" y="849942"/>
-                </a:lnTo>
-                <a:lnTo>
-                  <a:pt x="4903" y="805862"/>
-                </a:lnTo>
-                <a:lnTo>
-                  <a:pt x="10946" y="762400"/>
-                </a:lnTo>
-                <a:lnTo>
-                  <a:pt x="19305" y="719607"/>
-                </a:lnTo>
-                <a:lnTo>
-                  <a:pt x="29924" y="677534"/>
-                </a:lnTo>
-                <a:lnTo>
-                  <a:pt x="42744" y="636232"/>
-                </a:lnTo>
-                <a:lnTo>
-                  <a:pt x="57707" y="595753"/>
-                </a:lnTo>
-                <a:lnTo>
-                  <a:pt x="74756" y="556148"/>
-                </a:lnTo>
-                <a:lnTo>
-                  <a:pt x="93832" y="517468"/>
-                </a:lnTo>
-                <a:lnTo>
-                  <a:pt x="114878" y="479764"/>
-                </a:lnTo>
-                <a:lnTo>
-                  <a:pt x="137837" y="443088"/>
-                </a:lnTo>
-                <a:lnTo>
-                  <a:pt x="162650" y="407491"/>
-                </a:lnTo>
-                <a:lnTo>
-                  <a:pt x="189259" y="373025"/>
-                </a:lnTo>
-                <a:lnTo>
-                  <a:pt x="217607" y="339740"/>
-                </a:lnTo>
-                <a:lnTo>
-                  <a:pt x="247635" y="307687"/>
-                </a:lnTo>
-                <a:lnTo>
-                  <a:pt x="279287" y="276919"/>
-                </a:lnTo>
-                <a:lnTo>
-                  <a:pt x="312504" y="247486"/>
-                </a:lnTo>
-                <a:lnTo>
-                  <a:pt x="347228" y="219439"/>
-                </a:lnTo>
-                <a:lnTo>
-                  <a:pt x="383401" y="192831"/>
-                </a:lnTo>
-                <a:lnTo>
-                  <a:pt x="420966" y="167712"/>
-                </a:lnTo>
-                <a:lnTo>
-                  <a:pt x="459866" y="144133"/>
-                </a:lnTo>
-                <a:lnTo>
-                  <a:pt x="500041" y="122145"/>
-                </a:lnTo>
-                <a:lnTo>
-                  <a:pt x="541434" y="101801"/>
-                </a:lnTo>
-                <a:lnTo>
-                  <a:pt x="583988" y="83151"/>
-                </a:lnTo>
-                <a:lnTo>
-                  <a:pt x="627644" y="66246"/>
-                </a:lnTo>
-                <a:lnTo>
-                  <a:pt x="672346" y="51138"/>
-                </a:lnTo>
-                <a:lnTo>
-                  <a:pt x="718034" y="37879"/>
-                </a:lnTo>
-                <a:lnTo>
-                  <a:pt x="764651" y="26518"/>
-                </a:lnTo>
-                <a:lnTo>
-                  <a:pt x="812139" y="17108"/>
-                </a:lnTo>
-                <a:lnTo>
-                  <a:pt x="860441" y="9700"/>
-                </a:lnTo>
-                <a:lnTo>
-                  <a:pt x="909499" y="4345"/>
-                </a:lnTo>
-                <a:lnTo>
-                  <a:pt x="959254" y="1094"/>
-                </a:lnTo>
-                <a:lnTo>
-                  <a:pt x="1009650" y="0"/>
-                </a:lnTo>
-                <a:lnTo>
-                  <a:pt x="1060045" y="1094"/>
-                </a:lnTo>
-                <a:lnTo>
-                  <a:pt x="1109800" y="4345"/>
-                </a:lnTo>
-                <a:lnTo>
-                  <a:pt x="1158858" y="9700"/>
-                </a:lnTo>
-                <a:lnTo>
-                  <a:pt x="1207160" y="17108"/>
-                </a:lnTo>
-                <a:lnTo>
-                  <a:pt x="1254648" y="26518"/>
-                </a:lnTo>
-                <a:lnTo>
-                  <a:pt x="1301265" y="37879"/>
-                </a:lnTo>
-                <a:lnTo>
-                  <a:pt x="1346953" y="51138"/>
-                </a:lnTo>
-                <a:lnTo>
-                  <a:pt x="1391655" y="66246"/>
-                </a:lnTo>
-                <a:lnTo>
-                  <a:pt x="1435311" y="83151"/>
-                </a:lnTo>
-                <a:lnTo>
-                  <a:pt x="1477865" y="101801"/>
-                </a:lnTo>
-                <a:lnTo>
-                  <a:pt x="1519258" y="122145"/>
-                </a:lnTo>
-                <a:lnTo>
-                  <a:pt x="1559433" y="144133"/>
-                </a:lnTo>
-                <a:lnTo>
-                  <a:pt x="1598333" y="167712"/>
-                </a:lnTo>
-                <a:lnTo>
-                  <a:pt x="1635898" y="192831"/>
-                </a:lnTo>
-                <a:lnTo>
-                  <a:pt x="1672071" y="219439"/>
-                </a:lnTo>
-                <a:lnTo>
-                  <a:pt x="1706795" y="247486"/>
-                </a:lnTo>
-                <a:lnTo>
-                  <a:pt x="1740012" y="276919"/>
-                </a:lnTo>
-                <a:lnTo>
-                  <a:pt x="1771664" y="307687"/>
-                </a:lnTo>
-                <a:lnTo>
-                  <a:pt x="1801692" y="339740"/>
-                </a:lnTo>
-                <a:lnTo>
-                  <a:pt x="1830040" y="373025"/>
-                </a:lnTo>
-                <a:lnTo>
-                  <a:pt x="1856649" y="407491"/>
-                </a:lnTo>
-                <a:lnTo>
-                  <a:pt x="1881462" y="443088"/>
-                </a:lnTo>
-                <a:lnTo>
-                  <a:pt x="1904421" y="479764"/>
-                </a:lnTo>
-                <a:lnTo>
-                  <a:pt x="1925467" y="517468"/>
-                </a:lnTo>
-                <a:lnTo>
-                  <a:pt x="1944543" y="556148"/>
-                </a:lnTo>
-                <a:lnTo>
-                  <a:pt x="1961592" y="595753"/>
-                </a:lnTo>
-                <a:lnTo>
-                  <a:pt x="1976555" y="636232"/>
-                </a:lnTo>
-                <a:lnTo>
-                  <a:pt x="1989375" y="677534"/>
-                </a:lnTo>
-                <a:lnTo>
-                  <a:pt x="1999994" y="719607"/>
-                </a:lnTo>
-                <a:lnTo>
-                  <a:pt x="2008353" y="762400"/>
-                </a:lnTo>
-                <a:lnTo>
-                  <a:pt x="2014396" y="805862"/>
-                </a:lnTo>
-                <a:lnTo>
-                  <a:pt x="2018064" y="849942"/>
-                </a:lnTo>
-                <a:lnTo>
-                  <a:pt x="2019300" y="894588"/>
-                </a:lnTo>
-                <a:lnTo>
-                  <a:pt x="2018064" y="939233"/>
-                </a:lnTo>
-                <a:lnTo>
-                  <a:pt x="2014396" y="983313"/>
-                </a:lnTo>
-                <a:lnTo>
-                  <a:pt x="2008353" y="1026775"/>
-                </a:lnTo>
-                <a:lnTo>
-                  <a:pt x="1999994" y="1069568"/>
-                </a:lnTo>
-                <a:lnTo>
-                  <a:pt x="1989375" y="1111641"/>
-                </a:lnTo>
-                <a:lnTo>
-                  <a:pt x="1976555" y="1152943"/>
-                </a:lnTo>
-                <a:lnTo>
-                  <a:pt x="1961592" y="1193422"/>
-                </a:lnTo>
-                <a:lnTo>
-                  <a:pt x="1944543" y="1233027"/>
-                </a:lnTo>
-                <a:lnTo>
-                  <a:pt x="1925467" y="1271707"/>
-                </a:lnTo>
-                <a:lnTo>
-                  <a:pt x="1904421" y="1309411"/>
-                </a:lnTo>
-                <a:lnTo>
-                  <a:pt x="1881462" y="1346087"/>
-                </a:lnTo>
-                <a:lnTo>
-                  <a:pt x="1856649" y="1381684"/>
-                </a:lnTo>
-                <a:lnTo>
-                  <a:pt x="1830040" y="1416150"/>
-                </a:lnTo>
-                <a:lnTo>
-                  <a:pt x="1801692" y="1449435"/>
-                </a:lnTo>
-                <a:lnTo>
-                  <a:pt x="1771664" y="1481488"/>
-                </a:lnTo>
-                <a:lnTo>
-                  <a:pt x="1740012" y="1512256"/>
-                </a:lnTo>
-                <a:lnTo>
-                  <a:pt x="1706795" y="1541689"/>
-                </a:lnTo>
-                <a:lnTo>
-                  <a:pt x="1672071" y="1569736"/>
-                </a:lnTo>
-                <a:lnTo>
-                  <a:pt x="1635898" y="1596344"/>
-                </a:lnTo>
-                <a:lnTo>
-                  <a:pt x="1598333" y="1621463"/>
-                </a:lnTo>
-                <a:lnTo>
-                  <a:pt x="1559433" y="1645042"/>
-                </a:lnTo>
-                <a:lnTo>
-                  <a:pt x="1519258" y="1667030"/>
-                </a:lnTo>
-                <a:lnTo>
-                  <a:pt x="1477865" y="1687374"/>
-                </a:lnTo>
-                <a:lnTo>
-                  <a:pt x="1435311" y="1706024"/>
-                </a:lnTo>
-                <a:lnTo>
-                  <a:pt x="1391655" y="1722929"/>
-                </a:lnTo>
-                <a:lnTo>
-                  <a:pt x="1346953" y="1738037"/>
-                </a:lnTo>
-                <a:lnTo>
-                  <a:pt x="1301265" y="1751296"/>
-                </a:lnTo>
-                <a:lnTo>
-                  <a:pt x="1254648" y="1762657"/>
-                </a:lnTo>
-                <a:lnTo>
-                  <a:pt x="1207160" y="1772067"/>
-                </a:lnTo>
-                <a:lnTo>
-                  <a:pt x="1158858" y="1779475"/>
-                </a:lnTo>
-                <a:lnTo>
-                  <a:pt x="1109800" y="1784830"/>
-                </a:lnTo>
-                <a:lnTo>
-                  <a:pt x="1060045" y="1788081"/>
-                </a:lnTo>
-                <a:lnTo>
-                  <a:pt x="1009650" y="1789176"/>
-                </a:lnTo>
-                <a:lnTo>
-                  <a:pt x="959254" y="1788081"/>
-                </a:lnTo>
-                <a:lnTo>
-                  <a:pt x="909499" y="1784830"/>
-                </a:lnTo>
-                <a:lnTo>
-                  <a:pt x="860441" y="1779475"/>
-                </a:lnTo>
-                <a:lnTo>
-                  <a:pt x="812139" y="1772067"/>
-                </a:lnTo>
-                <a:lnTo>
-                  <a:pt x="764651" y="1762657"/>
-                </a:lnTo>
-                <a:lnTo>
-                  <a:pt x="718034" y="1751296"/>
-                </a:lnTo>
-                <a:lnTo>
-                  <a:pt x="672346" y="1738037"/>
-                </a:lnTo>
-                <a:lnTo>
-                  <a:pt x="627644" y="1722929"/>
-                </a:lnTo>
-                <a:lnTo>
-                  <a:pt x="583988" y="1706024"/>
-                </a:lnTo>
-                <a:lnTo>
-                  <a:pt x="541434" y="1687374"/>
-                </a:lnTo>
-                <a:lnTo>
-                  <a:pt x="500041" y="1667030"/>
-                </a:lnTo>
-                <a:lnTo>
-                  <a:pt x="459866" y="1645042"/>
-                </a:lnTo>
-                <a:lnTo>
-                  <a:pt x="420966" y="1621463"/>
-                </a:lnTo>
-                <a:lnTo>
-                  <a:pt x="383401" y="1596344"/>
-                </a:lnTo>
-                <a:lnTo>
-                  <a:pt x="347228" y="1569736"/>
-                </a:lnTo>
-                <a:lnTo>
-                  <a:pt x="312504" y="1541689"/>
-                </a:lnTo>
-                <a:lnTo>
-                  <a:pt x="279287" y="1512256"/>
-                </a:lnTo>
-                <a:lnTo>
-                  <a:pt x="247635" y="1481488"/>
-                </a:lnTo>
-                <a:lnTo>
-                  <a:pt x="217607" y="1449435"/>
-                </a:lnTo>
-                <a:lnTo>
-                  <a:pt x="189259" y="1416150"/>
-                </a:lnTo>
-                <a:lnTo>
-                  <a:pt x="162650" y="1381684"/>
-                </a:lnTo>
-                <a:lnTo>
-                  <a:pt x="137837" y="1346087"/>
-                </a:lnTo>
-                <a:lnTo>
-                  <a:pt x="114878" y="1309411"/>
-                </a:lnTo>
-                <a:lnTo>
-                  <a:pt x="93832" y="1271707"/>
-                </a:lnTo>
-                <a:lnTo>
-                  <a:pt x="74756" y="1233027"/>
-                </a:lnTo>
-                <a:lnTo>
-                  <a:pt x="57707" y="1193422"/>
-                </a:lnTo>
-                <a:lnTo>
-                  <a:pt x="42744" y="1152943"/>
-                </a:lnTo>
-                <a:lnTo>
-                  <a:pt x="29924" y="1111641"/>
-                </a:lnTo>
-                <a:lnTo>
-                  <a:pt x="19305" y="1069568"/>
-                </a:lnTo>
-                <a:lnTo>
-                  <a:pt x="10946" y="1026775"/>
-                </a:lnTo>
-                <a:lnTo>
-                  <a:pt x="4903" y="983313"/>
-                </a:lnTo>
-                <a:lnTo>
-                  <a:pt x="1235" y="939233"/>
-                </a:lnTo>
-                <a:lnTo>
-                  <a:pt x="0" y="894588"/>
-                </a:lnTo>
-                <a:close/>
-              </a:path>
-            </a:pathLst>
-          </a:custGeom>
-          <a:ln w="28575">
-            <a:solidFill>
-              <a:srgbClr val="000000"/>
-            </a:solidFill>
-          </a:ln>
-        </p:spPr>
-        <p:txBody>
-          <a:bodyPr wrap="square" lIns="0" tIns="0" rIns="0" bIns="0" rtlCol="0"/>
-          <a:lstStyle/>
           <a:p>
-            <a:endParaRPr sz="1050"/>
-          </a:p>
-        </p:txBody>
-      </p:sp>
-      <p:sp>
-        <p:nvSpPr>
-          <p:cNvPr id="8" name="object 8"/>
-          <p:cNvSpPr txBox="1"/>
-          <p:nvPr/>
-        </p:nvSpPr>
-        <p:spPr>
-          <a:xfrm>
-            <a:off x="7154132" y="1503140"/>
-            <a:ext cx="849630" cy="1048364"/>
-          </a:xfrm>
-          <a:prstGeom prst="rect">
-            <a:avLst/>
-          </a:prstGeom>
-        </p:spPr>
-        <p:txBody>
-          <a:bodyPr vert="horz" wrap="square" lIns="0" tIns="9525" rIns="0" bIns="0" rtlCol="0">
-            <a:spAutoFit/>
-          </a:bodyPr>
-          <a:lstStyle/>
-          <a:p>
-            <a:pPr marL="9525" marR="3810" algn="ctr">
+            <a:pPr marL="522923" lvl="1" indent="-170497">
               <a:spcBef>
-                <a:spcPts val="75"/>
+                <a:spcPts val="164"/>
               </a:spcBef>
+              <a:buFont typeface="Arial"/>
+              <a:buChar char="•"/>
+              <a:tabLst>
+                <a:tab pos="522923" algn="l"/>
+              </a:tabLst>
             </a:pPr>
             <a:r>
-              <a:rPr sz="1350" spc="-8" dirty="0">
-                <a:latin typeface="Calibri"/>
-                <a:cs typeface="Calibri"/>
-              </a:rPr>
-              <a:t>Permissions </a:t>
-            </a:r>
-            <a:r>
-              <a:rPr sz="1350" dirty="0">
-                <a:latin typeface="Calibri"/>
-                <a:cs typeface="Calibri"/>
-              </a:rPr>
-              <a:t>(e.g.,</a:t>
-            </a:r>
-            <a:r>
-              <a:rPr sz="1350" spc="-8" dirty="0">
-                <a:latin typeface="Calibri"/>
-                <a:cs typeface="Calibri"/>
-              </a:rPr>
-              <a:t> read, write, append, execute)</a:t>
-            </a:r>
-            <a:endParaRPr sz="1350">
-              <a:latin typeface="Calibri"/>
+              <a:rPr sz="1800" dirty="0">
+                <a:latin typeface="+mn-lt"/>
+                <a:cs typeface="Calibri"/>
+              </a:rPr>
+              <a:t>a</a:t>
+            </a:r>
+            <a:r>
+              <a:rPr sz="1800" spc="-19" dirty="0">
+                <a:latin typeface="+mn-lt"/>
+                <a:cs typeface="Calibri"/>
+              </a:rPr>
+              <a:t> </a:t>
+            </a:r>
+            <a:r>
+              <a:rPr sz="1800" dirty="0">
+                <a:latin typeface="+mn-lt"/>
+                <a:cs typeface="Calibri"/>
+              </a:rPr>
+              <a:t>collection</a:t>
+            </a:r>
+            <a:r>
+              <a:rPr sz="1800" spc="-38" dirty="0">
+                <a:latin typeface="+mn-lt"/>
+                <a:cs typeface="Calibri"/>
+              </a:rPr>
+              <a:t> </a:t>
+            </a:r>
+            <a:r>
+              <a:rPr sz="1800" dirty="0">
+                <a:latin typeface="+mn-lt"/>
+                <a:cs typeface="Calibri"/>
+              </a:rPr>
+              <a:t>of</a:t>
+            </a:r>
+            <a:r>
+              <a:rPr sz="1800" spc="-19" dirty="0">
+                <a:latin typeface="+mn-lt"/>
+                <a:cs typeface="Calibri"/>
+              </a:rPr>
+              <a:t> </a:t>
+            </a:r>
+            <a:r>
+              <a:rPr sz="1800" spc="-8" dirty="0">
+                <a:latin typeface="+mn-lt"/>
+                <a:cs typeface="Calibri"/>
+              </a:rPr>
+              <a:t>permissions</a:t>
+            </a:r>
+            <a:endParaRPr sz="1800" dirty="0">
+              <a:latin typeface="+mn-lt"/>
               <a:cs typeface="Calibri"/>
             </a:endParaRPr>
           </a:p>
-        </p:txBody>
-      </p:sp>
-      <p:sp>
-        <p:nvSpPr>
-          <p:cNvPr id="9" name="object 9"/>
-          <p:cNvSpPr/>
-          <p:nvPr/>
-        </p:nvSpPr>
-        <p:spPr>
-          <a:xfrm>
-            <a:off x="2100263" y="3095815"/>
-            <a:ext cx="1343025" cy="1343025"/>
-          </a:xfrm>
-          <a:custGeom>
-            <a:avLst/>
-            <a:gdLst/>
-            <a:ahLst/>
-            <a:cxnLst/>
-            <a:rect l="l" t="t" r="r" b="b"/>
-            <a:pathLst>
-              <a:path w="1790700" h="1790700">
-                <a:moveTo>
-                  <a:pt x="0" y="895350"/>
-                </a:moveTo>
-                <a:lnTo>
-                  <a:pt x="1240" y="847794"/>
-                </a:lnTo>
-                <a:lnTo>
-                  <a:pt x="4922" y="800885"/>
-                </a:lnTo>
-                <a:lnTo>
-                  <a:pt x="10982" y="754686"/>
-                </a:lnTo>
-                <a:lnTo>
-                  <a:pt x="19360" y="709257"/>
-                </a:lnTo>
-                <a:lnTo>
-                  <a:pt x="29992" y="664660"/>
-                </a:lnTo>
-                <a:lnTo>
-                  <a:pt x="42817" y="620958"/>
-                </a:lnTo>
-                <a:lnTo>
-                  <a:pt x="57774" y="578212"/>
-                </a:lnTo>
-                <a:lnTo>
-                  <a:pt x="74801" y="536485"/>
-                </a:lnTo>
-                <a:lnTo>
-                  <a:pt x="93835" y="495837"/>
-                </a:lnTo>
-                <a:lnTo>
-                  <a:pt x="114815" y="456331"/>
-                </a:lnTo>
-                <a:lnTo>
-                  <a:pt x="137679" y="418029"/>
-                </a:lnTo>
-                <a:lnTo>
-                  <a:pt x="162365" y="380992"/>
-                </a:lnTo>
-                <a:lnTo>
-                  <a:pt x="188811" y="345283"/>
-                </a:lnTo>
-                <a:lnTo>
-                  <a:pt x="216956" y="310963"/>
-                </a:lnTo>
-                <a:lnTo>
-                  <a:pt x="246738" y="278094"/>
-                </a:lnTo>
-                <a:lnTo>
-                  <a:pt x="278094" y="246738"/>
-                </a:lnTo>
-                <a:lnTo>
-                  <a:pt x="310963" y="216956"/>
-                </a:lnTo>
-                <a:lnTo>
-                  <a:pt x="345283" y="188811"/>
-                </a:lnTo>
-                <a:lnTo>
-                  <a:pt x="380992" y="162365"/>
-                </a:lnTo>
-                <a:lnTo>
-                  <a:pt x="418029" y="137679"/>
-                </a:lnTo>
-                <a:lnTo>
-                  <a:pt x="456331" y="114815"/>
-                </a:lnTo>
-                <a:lnTo>
-                  <a:pt x="495837" y="93835"/>
-                </a:lnTo>
-                <a:lnTo>
-                  <a:pt x="536485" y="74801"/>
-                </a:lnTo>
-                <a:lnTo>
-                  <a:pt x="578212" y="57774"/>
-                </a:lnTo>
-                <a:lnTo>
-                  <a:pt x="620958" y="42817"/>
-                </a:lnTo>
-                <a:lnTo>
-                  <a:pt x="664660" y="29992"/>
-                </a:lnTo>
-                <a:lnTo>
-                  <a:pt x="709257" y="19360"/>
-                </a:lnTo>
-                <a:lnTo>
-                  <a:pt x="754686" y="10982"/>
-                </a:lnTo>
-                <a:lnTo>
-                  <a:pt x="800885" y="4922"/>
-                </a:lnTo>
-                <a:lnTo>
-                  <a:pt x="847794" y="1240"/>
-                </a:lnTo>
-                <a:lnTo>
-                  <a:pt x="895350" y="0"/>
-                </a:lnTo>
-                <a:lnTo>
-                  <a:pt x="942905" y="1240"/>
-                </a:lnTo>
-                <a:lnTo>
-                  <a:pt x="989814" y="4922"/>
-                </a:lnTo>
-                <a:lnTo>
-                  <a:pt x="1036013" y="10982"/>
-                </a:lnTo>
-                <a:lnTo>
-                  <a:pt x="1081442" y="19360"/>
-                </a:lnTo>
-                <a:lnTo>
-                  <a:pt x="1126039" y="29992"/>
-                </a:lnTo>
-                <a:lnTo>
-                  <a:pt x="1169741" y="42817"/>
-                </a:lnTo>
-                <a:lnTo>
-                  <a:pt x="1212487" y="57774"/>
-                </a:lnTo>
-                <a:lnTo>
-                  <a:pt x="1254214" y="74801"/>
-                </a:lnTo>
-                <a:lnTo>
-                  <a:pt x="1294862" y="93835"/>
-                </a:lnTo>
-                <a:lnTo>
-                  <a:pt x="1334368" y="114815"/>
-                </a:lnTo>
-                <a:lnTo>
-                  <a:pt x="1372670" y="137679"/>
-                </a:lnTo>
-                <a:lnTo>
-                  <a:pt x="1409707" y="162365"/>
-                </a:lnTo>
-                <a:lnTo>
-                  <a:pt x="1445416" y="188811"/>
-                </a:lnTo>
-                <a:lnTo>
-                  <a:pt x="1479736" y="216956"/>
-                </a:lnTo>
-                <a:lnTo>
-                  <a:pt x="1512605" y="246738"/>
-                </a:lnTo>
-                <a:lnTo>
-                  <a:pt x="1543961" y="278094"/>
-                </a:lnTo>
-                <a:lnTo>
-                  <a:pt x="1573743" y="310963"/>
-                </a:lnTo>
-                <a:lnTo>
-                  <a:pt x="1601888" y="345283"/>
-                </a:lnTo>
-                <a:lnTo>
-                  <a:pt x="1628334" y="380992"/>
-                </a:lnTo>
-                <a:lnTo>
-                  <a:pt x="1653020" y="418029"/>
-                </a:lnTo>
-                <a:lnTo>
-                  <a:pt x="1675884" y="456331"/>
-                </a:lnTo>
-                <a:lnTo>
-                  <a:pt x="1696864" y="495837"/>
-                </a:lnTo>
-                <a:lnTo>
-                  <a:pt x="1715898" y="536485"/>
-                </a:lnTo>
-                <a:lnTo>
-                  <a:pt x="1732925" y="578212"/>
-                </a:lnTo>
-                <a:lnTo>
-                  <a:pt x="1747882" y="620958"/>
-                </a:lnTo>
-                <a:lnTo>
-                  <a:pt x="1760707" y="664660"/>
-                </a:lnTo>
-                <a:lnTo>
-                  <a:pt x="1771339" y="709257"/>
-                </a:lnTo>
-                <a:lnTo>
-                  <a:pt x="1779717" y="754686"/>
-                </a:lnTo>
-                <a:lnTo>
-                  <a:pt x="1785777" y="800885"/>
-                </a:lnTo>
-                <a:lnTo>
-                  <a:pt x="1789459" y="847794"/>
-                </a:lnTo>
-                <a:lnTo>
-                  <a:pt x="1790700" y="895350"/>
-                </a:lnTo>
-                <a:lnTo>
-                  <a:pt x="1789459" y="942905"/>
-                </a:lnTo>
-                <a:lnTo>
-                  <a:pt x="1785777" y="989814"/>
-                </a:lnTo>
-                <a:lnTo>
-                  <a:pt x="1779717" y="1036013"/>
-                </a:lnTo>
-                <a:lnTo>
-                  <a:pt x="1771339" y="1081442"/>
-                </a:lnTo>
-                <a:lnTo>
-                  <a:pt x="1760707" y="1126039"/>
-                </a:lnTo>
-                <a:lnTo>
-                  <a:pt x="1747882" y="1169741"/>
-                </a:lnTo>
-                <a:lnTo>
-                  <a:pt x="1732925" y="1212487"/>
-                </a:lnTo>
-                <a:lnTo>
-                  <a:pt x="1715898" y="1254214"/>
-                </a:lnTo>
-                <a:lnTo>
-                  <a:pt x="1696864" y="1294862"/>
-                </a:lnTo>
-                <a:lnTo>
-                  <a:pt x="1675884" y="1334368"/>
-                </a:lnTo>
-                <a:lnTo>
-                  <a:pt x="1653020" y="1372670"/>
-                </a:lnTo>
-                <a:lnTo>
-                  <a:pt x="1628334" y="1409707"/>
-                </a:lnTo>
-                <a:lnTo>
-                  <a:pt x="1601888" y="1445416"/>
-                </a:lnTo>
-                <a:lnTo>
-                  <a:pt x="1573743" y="1479736"/>
-                </a:lnTo>
-                <a:lnTo>
-                  <a:pt x="1543961" y="1512605"/>
-                </a:lnTo>
-                <a:lnTo>
-                  <a:pt x="1512605" y="1543961"/>
-                </a:lnTo>
-                <a:lnTo>
-                  <a:pt x="1479736" y="1573743"/>
-                </a:lnTo>
-                <a:lnTo>
-                  <a:pt x="1445416" y="1601888"/>
-                </a:lnTo>
-                <a:lnTo>
-                  <a:pt x="1409707" y="1628334"/>
-                </a:lnTo>
-                <a:lnTo>
-                  <a:pt x="1372670" y="1653020"/>
-                </a:lnTo>
-                <a:lnTo>
-                  <a:pt x="1334368" y="1675884"/>
-                </a:lnTo>
-                <a:lnTo>
-                  <a:pt x="1294862" y="1696864"/>
-                </a:lnTo>
-                <a:lnTo>
-                  <a:pt x="1254214" y="1715898"/>
-                </a:lnTo>
-                <a:lnTo>
-                  <a:pt x="1212487" y="1732925"/>
-                </a:lnTo>
-                <a:lnTo>
-                  <a:pt x="1169741" y="1747882"/>
-                </a:lnTo>
-                <a:lnTo>
-                  <a:pt x="1126039" y="1760707"/>
-                </a:lnTo>
-                <a:lnTo>
-                  <a:pt x="1081442" y="1771339"/>
-                </a:lnTo>
-                <a:lnTo>
-                  <a:pt x="1036013" y="1779717"/>
-                </a:lnTo>
-                <a:lnTo>
-                  <a:pt x="989814" y="1785777"/>
-                </a:lnTo>
-                <a:lnTo>
-                  <a:pt x="942905" y="1789459"/>
-                </a:lnTo>
-                <a:lnTo>
-                  <a:pt x="895350" y="1790700"/>
-                </a:lnTo>
-                <a:lnTo>
-                  <a:pt x="847794" y="1789459"/>
-                </a:lnTo>
-                <a:lnTo>
-                  <a:pt x="800885" y="1785777"/>
-                </a:lnTo>
-                <a:lnTo>
-                  <a:pt x="754686" y="1779717"/>
-                </a:lnTo>
-                <a:lnTo>
-                  <a:pt x="709257" y="1771339"/>
-                </a:lnTo>
-                <a:lnTo>
-                  <a:pt x="664660" y="1760707"/>
-                </a:lnTo>
-                <a:lnTo>
-                  <a:pt x="620958" y="1747882"/>
-                </a:lnTo>
-                <a:lnTo>
-                  <a:pt x="578212" y="1732925"/>
-                </a:lnTo>
-                <a:lnTo>
-                  <a:pt x="536485" y="1715898"/>
-                </a:lnTo>
-                <a:lnTo>
-                  <a:pt x="495837" y="1696864"/>
-                </a:lnTo>
-                <a:lnTo>
-                  <a:pt x="456331" y="1675884"/>
-                </a:lnTo>
-                <a:lnTo>
-                  <a:pt x="418029" y="1653020"/>
-                </a:lnTo>
-                <a:lnTo>
-                  <a:pt x="380992" y="1628334"/>
-                </a:lnTo>
-                <a:lnTo>
-                  <a:pt x="345283" y="1601888"/>
-                </a:lnTo>
-                <a:lnTo>
-                  <a:pt x="310963" y="1573743"/>
-                </a:lnTo>
-                <a:lnTo>
-                  <a:pt x="278094" y="1543961"/>
-                </a:lnTo>
-                <a:lnTo>
-                  <a:pt x="246738" y="1512605"/>
-                </a:lnTo>
-                <a:lnTo>
-                  <a:pt x="216956" y="1479736"/>
-                </a:lnTo>
-                <a:lnTo>
-                  <a:pt x="188811" y="1445416"/>
-                </a:lnTo>
-                <a:lnTo>
-                  <a:pt x="162365" y="1409707"/>
-                </a:lnTo>
-                <a:lnTo>
-                  <a:pt x="137679" y="1372670"/>
-                </a:lnTo>
-                <a:lnTo>
-                  <a:pt x="114815" y="1334368"/>
-                </a:lnTo>
-                <a:lnTo>
-                  <a:pt x="93835" y="1294862"/>
-                </a:lnTo>
-                <a:lnTo>
-                  <a:pt x="74801" y="1254214"/>
-                </a:lnTo>
-                <a:lnTo>
-                  <a:pt x="57774" y="1212487"/>
-                </a:lnTo>
-                <a:lnTo>
-                  <a:pt x="42817" y="1169741"/>
-                </a:lnTo>
-                <a:lnTo>
-                  <a:pt x="29992" y="1126039"/>
-                </a:lnTo>
-                <a:lnTo>
-                  <a:pt x="19360" y="1081442"/>
-                </a:lnTo>
-                <a:lnTo>
-                  <a:pt x="10982" y="1036013"/>
-                </a:lnTo>
-                <a:lnTo>
-                  <a:pt x="4922" y="989814"/>
-                </a:lnTo>
-                <a:lnTo>
-                  <a:pt x="1240" y="942905"/>
-                </a:lnTo>
-                <a:lnTo>
-                  <a:pt x="0" y="895350"/>
-                </a:lnTo>
-                <a:close/>
-              </a:path>
-            </a:pathLst>
-          </a:custGeom>
-          <a:ln w="28575">
-            <a:solidFill>
-              <a:srgbClr val="000000"/>
-            </a:solidFill>
-          </a:ln>
-        </p:spPr>
-        <p:txBody>
-          <a:bodyPr wrap="square" lIns="0" tIns="0" rIns="0" bIns="0" rtlCol="0"/>
-          <a:lstStyle/>
           <a:p>
-            <a:endParaRPr sz="1050"/>
-          </a:p>
-        </p:txBody>
-      </p:sp>
-      <p:sp>
-        <p:nvSpPr>
-          <p:cNvPr id="10" name="object 10"/>
-          <p:cNvSpPr txBox="1"/>
-          <p:nvPr/>
-        </p:nvSpPr>
-        <p:spPr>
-          <a:xfrm>
-            <a:off x="3504532" y="3645123"/>
-            <a:ext cx="604838" cy="217367"/>
-          </a:xfrm>
-          <a:prstGeom prst="rect">
-            <a:avLst/>
-          </a:prstGeom>
-        </p:spPr>
-        <p:txBody>
-          <a:bodyPr vert="horz" wrap="square" lIns="0" tIns="9525" rIns="0" bIns="0" rtlCol="0">
-            <a:spAutoFit/>
-          </a:bodyPr>
-          <a:lstStyle/>
-          <a:p>
-            <a:pPr marL="9525">
+            <a:pPr marL="180022" indent="-170497">
               <a:spcBef>
-                <a:spcPts val="75"/>
+                <a:spcPts val="472"/>
               </a:spcBef>
+              <a:buFont typeface="Arial"/>
+              <a:buChar char="•"/>
+              <a:tabLst>
+                <a:tab pos="180022" algn="l"/>
+              </a:tabLst>
             </a:pPr>
             <a:r>
-              <a:rPr sz="1350" spc="-8" dirty="0">
-                <a:latin typeface="Calibri"/>
-                <a:cs typeface="Calibri"/>
-              </a:rPr>
-              <a:t>Sessions</a:t>
-            </a:r>
-            <a:endParaRPr sz="1350">
-              <a:latin typeface="Calibri"/>
+              <a:rPr sz="2100" dirty="0">
+                <a:latin typeface="+mn-lt"/>
+                <a:cs typeface="Calibri"/>
+              </a:rPr>
+              <a:t>These</a:t>
+            </a:r>
+            <a:r>
+              <a:rPr sz="2100" spc="-15" dirty="0">
+                <a:latin typeface="+mn-lt"/>
+                <a:cs typeface="Calibri"/>
+              </a:rPr>
+              <a:t> </a:t>
+            </a:r>
+            <a:r>
+              <a:rPr sz="2100" dirty="0">
+                <a:latin typeface="+mn-lt"/>
+                <a:cs typeface="Calibri"/>
+              </a:rPr>
+              <a:t>collections</a:t>
+            </a:r>
+            <a:r>
+              <a:rPr sz="2100" spc="4" dirty="0">
+                <a:latin typeface="+mn-lt"/>
+                <a:cs typeface="Calibri"/>
+              </a:rPr>
+              <a:t> </a:t>
+            </a:r>
+            <a:r>
+              <a:rPr sz="2100" dirty="0">
+                <a:latin typeface="+mn-lt"/>
+                <a:cs typeface="Calibri"/>
+              </a:rPr>
+              <a:t>will</a:t>
+            </a:r>
+            <a:r>
+              <a:rPr sz="2100" spc="-11" dirty="0">
+                <a:latin typeface="+mn-lt"/>
+                <a:cs typeface="Calibri"/>
+              </a:rPr>
+              <a:t> </a:t>
+            </a:r>
+            <a:r>
+              <a:rPr sz="2100" dirty="0">
+                <a:latin typeface="+mn-lt"/>
+                <a:cs typeface="Calibri"/>
+              </a:rPr>
+              <a:t>vary</a:t>
+            </a:r>
+            <a:r>
+              <a:rPr sz="2100" spc="-11" dirty="0">
+                <a:latin typeface="+mn-lt"/>
+                <a:cs typeface="Calibri"/>
+              </a:rPr>
+              <a:t> </a:t>
+            </a:r>
+            <a:r>
+              <a:rPr sz="2100" dirty="0">
+                <a:latin typeface="+mn-lt"/>
+                <a:cs typeface="Calibri"/>
+              </a:rPr>
+              <a:t>over</a:t>
+            </a:r>
+            <a:r>
+              <a:rPr sz="2100" spc="-23" dirty="0">
+                <a:latin typeface="+mn-lt"/>
+                <a:cs typeface="Calibri"/>
+              </a:rPr>
+              <a:t> </a:t>
+            </a:r>
+            <a:r>
+              <a:rPr sz="2100" spc="-15" dirty="0">
+                <a:latin typeface="+mn-lt"/>
+                <a:cs typeface="Calibri"/>
+              </a:rPr>
+              <a:t>time</a:t>
+            </a:r>
+            <a:endParaRPr sz="2100" dirty="0">
+              <a:latin typeface="+mn-lt"/>
               <a:cs typeface="Calibri"/>
             </a:endParaRPr>
           </a:p>
-        </p:txBody>
-      </p:sp>
-      <p:grpSp>
-        <p:nvGrpSpPr>
-          <p:cNvPr id="11" name="object 11"/>
-          <p:cNvGrpSpPr/>
-          <p:nvPr/>
-        </p:nvGrpSpPr>
-        <p:grpSpPr>
-          <a:xfrm>
-            <a:off x="2677859" y="3240214"/>
-            <a:ext cx="179070" cy="1013460"/>
-            <a:chOff x="3570478" y="4320285"/>
-            <a:chExt cx="238760" cy="1351280"/>
-          </a:xfrm>
-        </p:grpSpPr>
-        <p:pic>
-          <p:nvPicPr>
-            <p:cNvPr id="12" name="object 12"/>
-            <p:cNvPicPr/>
-            <p:nvPr/>
-          </p:nvPicPr>
-          <p:blipFill>
-            <a:blip r:embed="rId2" cstate="print"/>
-            <a:stretch>
-              <a:fillRect/>
-            </a:stretch>
-          </p:blipFill>
-          <p:spPr>
-            <a:xfrm>
-              <a:off x="3575050" y="4600701"/>
-              <a:ext cx="233679" cy="235204"/>
-            </a:xfrm>
-            <a:prstGeom prst="rect">
-              <a:avLst/>
-            </a:prstGeom>
-          </p:spPr>
-        </p:pic>
-        <p:pic>
-          <p:nvPicPr>
-            <p:cNvPr id="13" name="object 13"/>
-            <p:cNvPicPr/>
-            <p:nvPr/>
-          </p:nvPicPr>
-          <p:blipFill>
-            <a:blip r:embed="rId3" cstate="print"/>
-            <a:stretch>
-              <a:fillRect/>
-            </a:stretch>
-          </p:blipFill>
-          <p:spPr>
-            <a:xfrm>
-              <a:off x="3575050" y="4320285"/>
-              <a:ext cx="233679" cy="233680"/>
-            </a:xfrm>
-            <a:prstGeom prst="rect">
-              <a:avLst/>
-            </a:prstGeom>
-          </p:spPr>
-        </p:pic>
-        <p:pic>
-          <p:nvPicPr>
-            <p:cNvPr id="14" name="object 14"/>
-            <p:cNvPicPr/>
-            <p:nvPr/>
-          </p:nvPicPr>
-          <p:blipFill>
-            <a:blip r:embed="rId4" cstate="print"/>
-            <a:stretch>
-              <a:fillRect/>
-            </a:stretch>
-          </p:blipFill>
-          <p:spPr>
-            <a:xfrm>
-              <a:off x="3570478" y="5435853"/>
-              <a:ext cx="235204" cy="235204"/>
-            </a:xfrm>
-            <a:prstGeom prst="rect">
-              <a:avLst/>
-            </a:prstGeom>
-          </p:spPr>
-        </p:pic>
-      </p:grpSp>
-      <p:sp>
-        <p:nvSpPr>
-          <p:cNvPr id="15" name="object 15"/>
-          <p:cNvSpPr txBox="1"/>
-          <p:nvPr/>
-        </p:nvSpPr>
-        <p:spPr>
-          <a:xfrm>
-            <a:off x="2649760" y="3651980"/>
-            <a:ext cx="230029" cy="378950"/>
-          </a:xfrm>
-          <a:prstGeom prst="rect">
-            <a:avLst/>
-          </a:prstGeom>
-        </p:spPr>
-        <p:txBody>
-          <a:bodyPr vert="horz" wrap="square" lIns="0" tIns="9525" rIns="0" bIns="0" rtlCol="0">
-            <a:spAutoFit/>
-          </a:bodyPr>
-          <a:lstStyle/>
           <a:p>
-            <a:pPr marL="9525">
+            <a:pPr marL="180022" indent="-170497">
               <a:spcBef>
-                <a:spcPts val="75"/>
+                <a:spcPts val="495"/>
               </a:spcBef>
+              <a:buFont typeface="Arial"/>
+              <a:buChar char="•"/>
+              <a:tabLst>
+                <a:tab pos="180022" algn="l"/>
+              </a:tabLst>
             </a:pPr>
             <a:r>
-              <a:rPr sz="2400" spc="-38" dirty="0">
-                <a:latin typeface="Calibri"/>
-                <a:cs typeface="Calibri"/>
-              </a:rPr>
-              <a:t>…</a:t>
-            </a:r>
-            <a:endParaRPr sz="2400">
-              <a:latin typeface="Calibri"/>
+              <a:rPr sz="2100" dirty="0">
+                <a:latin typeface="+mn-lt"/>
+                <a:cs typeface="Calibri"/>
+              </a:rPr>
+              <a:t>A</a:t>
+            </a:r>
+            <a:r>
+              <a:rPr sz="2100" spc="-23" dirty="0">
+                <a:latin typeface="+mn-lt"/>
+                <a:cs typeface="Calibri"/>
+              </a:rPr>
+              <a:t> </a:t>
+            </a:r>
+            <a:r>
+              <a:rPr sz="2100" dirty="0">
+                <a:latin typeface="+mn-lt"/>
+                <a:cs typeface="Calibri"/>
+              </a:rPr>
+              <a:t>user</a:t>
+            </a:r>
+            <a:r>
+              <a:rPr sz="2100" spc="-23" dirty="0">
+                <a:latin typeface="+mn-lt"/>
+                <a:cs typeface="Calibri"/>
+              </a:rPr>
+              <a:t> </a:t>
+            </a:r>
+            <a:r>
+              <a:rPr sz="2100" dirty="0">
+                <a:latin typeface="+mn-lt"/>
+                <a:cs typeface="Calibri"/>
+              </a:rPr>
+              <a:t>can</a:t>
+            </a:r>
+            <a:r>
+              <a:rPr sz="2100" spc="-26" dirty="0">
+                <a:latin typeface="+mn-lt"/>
+                <a:cs typeface="Calibri"/>
+              </a:rPr>
+              <a:t> </a:t>
+            </a:r>
+            <a:r>
+              <a:rPr sz="2100" dirty="0">
+                <a:latin typeface="+mn-lt"/>
+                <a:cs typeface="Calibri"/>
+              </a:rPr>
+              <a:t>be</a:t>
+            </a:r>
+            <a:r>
+              <a:rPr sz="2100" spc="-26" dirty="0">
+                <a:latin typeface="+mn-lt"/>
+                <a:cs typeface="Calibri"/>
+              </a:rPr>
+              <a:t> </a:t>
+            </a:r>
+            <a:r>
+              <a:rPr sz="2100" dirty="0">
+                <a:latin typeface="+mn-lt"/>
+                <a:cs typeface="Calibri"/>
+              </a:rPr>
+              <a:t>a</a:t>
+            </a:r>
+            <a:r>
+              <a:rPr sz="2100" spc="-26" dirty="0">
+                <a:latin typeface="+mn-lt"/>
+                <a:cs typeface="Calibri"/>
+              </a:rPr>
+              <a:t> </a:t>
+            </a:r>
+            <a:r>
+              <a:rPr sz="2100" dirty="0">
+                <a:latin typeface="+mn-lt"/>
+                <a:cs typeface="Calibri"/>
+              </a:rPr>
+              <a:t>member</a:t>
+            </a:r>
+            <a:r>
+              <a:rPr sz="2100" spc="-34" dirty="0">
+                <a:latin typeface="+mn-lt"/>
+                <a:cs typeface="Calibri"/>
+              </a:rPr>
+              <a:t> </a:t>
+            </a:r>
+            <a:r>
+              <a:rPr sz="2100" dirty="0">
+                <a:latin typeface="+mn-lt"/>
+                <a:cs typeface="Calibri"/>
+              </a:rPr>
+              <a:t>of</a:t>
+            </a:r>
+            <a:r>
+              <a:rPr sz="2100" spc="-30" dirty="0">
+                <a:latin typeface="+mn-lt"/>
+                <a:cs typeface="Calibri"/>
+              </a:rPr>
+              <a:t> </a:t>
+            </a:r>
+            <a:r>
+              <a:rPr sz="2100" dirty="0">
+                <a:latin typeface="+mn-lt"/>
+                <a:cs typeface="Calibri"/>
+              </a:rPr>
+              <a:t>many</a:t>
+            </a:r>
+            <a:r>
+              <a:rPr sz="2100" spc="-26" dirty="0">
+                <a:latin typeface="+mn-lt"/>
+                <a:cs typeface="Calibri"/>
+              </a:rPr>
+              <a:t> </a:t>
+            </a:r>
+            <a:r>
+              <a:rPr sz="2100" spc="-8" dirty="0">
+                <a:latin typeface="+mn-lt"/>
+                <a:cs typeface="Calibri"/>
+              </a:rPr>
+              <a:t>roles</a:t>
+            </a:r>
+            <a:endParaRPr sz="2100" dirty="0">
+              <a:latin typeface="+mn-lt"/>
               <a:cs typeface="Calibri"/>
             </a:endParaRPr>
           </a:p>
-        </p:txBody>
-      </p:sp>
-      <p:sp>
-        <p:nvSpPr>
-          <p:cNvPr id="16" name="object 16"/>
-          <p:cNvSpPr/>
-          <p:nvPr/>
-        </p:nvSpPr>
-        <p:spPr>
-          <a:xfrm>
-            <a:off x="1675066" y="1993391"/>
-            <a:ext cx="5148263" cy="1629728"/>
-          </a:xfrm>
-          <a:custGeom>
-            <a:avLst/>
-            <a:gdLst/>
-            <a:ahLst/>
-            <a:cxnLst/>
-            <a:rect l="l" t="t" r="r" b="b"/>
-            <a:pathLst>
-              <a:path w="6864350" h="2172970">
-                <a:moveTo>
-                  <a:pt x="1458849" y="2170938"/>
-                </a:moveTo>
-                <a:lnTo>
-                  <a:pt x="1438579" y="2124456"/>
-                </a:lnTo>
-                <a:lnTo>
-                  <a:pt x="1407795" y="2053844"/>
-                </a:lnTo>
-                <a:lnTo>
-                  <a:pt x="1383385" y="2083028"/>
-                </a:lnTo>
-                <a:lnTo>
-                  <a:pt x="99910" y="1010399"/>
-                </a:lnTo>
-                <a:lnTo>
-                  <a:pt x="110096" y="998220"/>
-                </a:lnTo>
-                <a:lnTo>
-                  <a:pt x="124333" y="981202"/>
-                </a:lnTo>
-                <a:lnTo>
-                  <a:pt x="0" y="951738"/>
-                </a:lnTo>
-                <a:lnTo>
-                  <a:pt x="51054" y="1068832"/>
-                </a:lnTo>
-                <a:lnTo>
-                  <a:pt x="75450" y="1039660"/>
-                </a:lnTo>
-                <a:lnTo>
-                  <a:pt x="1358976" y="2112226"/>
-                </a:lnTo>
-                <a:lnTo>
-                  <a:pt x="1334516" y="2141474"/>
-                </a:lnTo>
-                <a:lnTo>
-                  <a:pt x="1458849" y="2170938"/>
-                </a:lnTo>
-                <a:close/>
-              </a:path>
-              <a:path w="6864350" h="2172970">
-                <a:moveTo>
-                  <a:pt x="3098673" y="57150"/>
-                </a:moveTo>
-                <a:lnTo>
-                  <a:pt x="3060573" y="38100"/>
-                </a:lnTo>
-                <a:lnTo>
-                  <a:pt x="2984373" y="0"/>
-                </a:lnTo>
-                <a:lnTo>
-                  <a:pt x="2984373" y="38100"/>
-                </a:lnTo>
-                <a:lnTo>
-                  <a:pt x="1010412" y="38100"/>
-                </a:lnTo>
-                <a:lnTo>
-                  <a:pt x="1010412" y="0"/>
-                </a:lnTo>
-                <a:lnTo>
-                  <a:pt x="896112" y="57150"/>
-                </a:lnTo>
-                <a:lnTo>
-                  <a:pt x="1010412" y="114300"/>
-                </a:lnTo>
-                <a:lnTo>
-                  <a:pt x="1010412" y="76200"/>
-                </a:lnTo>
-                <a:lnTo>
-                  <a:pt x="2984373" y="76200"/>
-                </a:lnTo>
-                <a:lnTo>
-                  <a:pt x="2984373" y="114300"/>
-                </a:lnTo>
-                <a:lnTo>
-                  <a:pt x="3060573" y="76200"/>
-                </a:lnTo>
-                <a:lnTo>
-                  <a:pt x="3098673" y="57150"/>
-                </a:lnTo>
-                <a:close/>
-              </a:path>
-              <a:path w="6864350" h="2172970">
-                <a:moveTo>
-                  <a:pt x="3993769" y="951738"/>
-                </a:moveTo>
-                <a:lnTo>
-                  <a:pt x="3866007" y="949833"/>
-                </a:lnTo>
-                <a:lnTo>
-                  <a:pt x="3882491" y="984135"/>
-                </a:lnTo>
-                <a:lnTo>
-                  <a:pt x="1554759" y="2104263"/>
-                </a:lnTo>
-                <a:lnTo>
-                  <a:pt x="1538224" y="2069846"/>
-                </a:lnTo>
-                <a:lnTo>
-                  <a:pt x="1459992" y="2170938"/>
-                </a:lnTo>
-                <a:lnTo>
-                  <a:pt x="1587754" y="2172843"/>
-                </a:lnTo>
-                <a:lnTo>
-                  <a:pt x="1575231" y="2146808"/>
-                </a:lnTo>
-                <a:lnTo>
-                  <a:pt x="1571256" y="2138553"/>
-                </a:lnTo>
-                <a:lnTo>
-                  <a:pt x="3898989" y="1018425"/>
-                </a:lnTo>
-                <a:lnTo>
-                  <a:pt x="3915537" y="1052830"/>
-                </a:lnTo>
-                <a:lnTo>
-                  <a:pt x="3975087" y="975868"/>
-                </a:lnTo>
-                <a:lnTo>
-                  <a:pt x="3993769" y="951738"/>
-                </a:lnTo>
-                <a:close/>
-              </a:path>
-              <a:path w="6864350" h="2172970">
-                <a:moveTo>
-                  <a:pt x="6863842" y="57150"/>
-                </a:moveTo>
-                <a:lnTo>
-                  <a:pt x="6825742" y="38100"/>
-                </a:lnTo>
-                <a:lnTo>
-                  <a:pt x="6749542" y="0"/>
-                </a:lnTo>
-                <a:lnTo>
-                  <a:pt x="6749542" y="38100"/>
-                </a:lnTo>
-                <a:lnTo>
-                  <a:pt x="5003292" y="38100"/>
-                </a:lnTo>
-                <a:lnTo>
-                  <a:pt x="5003292" y="0"/>
-                </a:lnTo>
-                <a:lnTo>
-                  <a:pt x="4888992" y="57150"/>
-                </a:lnTo>
-                <a:lnTo>
-                  <a:pt x="5003292" y="114300"/>
-                </a:lnTo>
-                <a:lnTo>
-                  <a:pt x="5003292" y="76200"/>
-                </a:lnTo>
-                <a:lnTo>
-                  <a:pt x="6749542" y="76200"/>
-                </a:lnTo>
-                <a:lnTo>
-                  <a:pt x="6749542" y="114300"/>
-                </a:lnTo>
-                <a:lnTo>
-                  <a:pt x="6825742" y="76200"/>
-                </a:lnTo>
-                <a:lnTo>
-                  <a:pt x="6863842" y="57150"/>
-                </a:lnTo>
-                <a:close/>
-              </a:path>
-            </a:pathLst>
-          </a:custGeom>
-          <a:solidFill>
-            <a:srgbClr val="000000"/>
-          </a:solidFill>
-        </p:spPr>
-        <p:txBody>
-          <a:bodyPr wrap="square" lIns="0" tIns="0" rIns="0" bIns="0" rtlCol="0"/>
-          <a:lstStyle/>
           <a:p>
-            <a:endParaRPr sz="1050"/>
+            <a:pPr marL="180022" marR="3810" indent="-170497">
+              <a:lnSpc>
+                <a:spcPts val="2265"/>
+              </a:lnSpc>
+              <a:spcBef>
+                <a:spcPts val="795"/>
+              </a:spcBef>
+              <a:buFont typeface="Arial"/>
+              <a:buChar char="•"/>
+              <a:tabLst>
+                <a:tab pos="180975" algn="l"/>
+              </a:tabLst>
+            </a:pPr>
+            <a:r>
+              <a:rPr sz="2100" dirty="0">
+                <a:latin typeface="+mn-lt"/>
+                <a:cs typeface="Calibri"/>
+              </a:rPr>
+              <a:t>Each</a:t>
+            </a:r>
+            <a:r>
+              <a:rPr sz="2100" spc="-30" dirty="0">
+                <a:latin typeface="+mn-lt"/>
+                <a:cs typeface="Calibri"/>
+              </a:rPr>
+              <a:t> </a:t>
+            </a:r>
+            <a:r>
+              <a:rPr sz="2100" dirty="0">
+                <a:latin typeface="+mn-lt"/>
+                <a:cs typeface="Calibri"/>
+              </a:rPr>
+              <a:t>role</a:t>
+            </a:r>
+            <a:r>
+              <a:rPr sz="2100" spc="-34" dirty="0">
+                <a:latin typeface="+mn-lt"/>
+                <a:cs typeface="Calibri"/>
+              </a:rPr>
+              <a:t> </a:t>
+            </a:r>
+            <a:r>
+              <a:rPr sz="2100" dirty="0">
+                <a:latin typeface="+mn-lt"/>
+                <a:cs typeface="Calibri"/>
+              </a:rPr>
+              <a:t>can</a:t>
+            </a:r>
+            <a:r>
+              <a:rPr sz="2100" spc="-19" dirty="0">
+                <a:latin typeface="+mn-lt"/>
+                <a:cs typeface="Calibri"/>
+              </a:rPr>
+              <a:t> </a:t>
+            </a:r>
+            <a:r>
+              <a:rPr sz="2100" dirty="0">
+                <a:latin typeface="+mn-lt"/>
+                <a:cs typeface="Calibri"/>
+              </a:rPr>
+              <a:t>have</a:t>
+            </a:r>
+            <a:r>
+              <a:rPr sz="2100" spc="-30" dirty="0">
+                <a:latin typeface="+mn-lt"/>
+                <a:cs typeface="Calibri"/>
+              </a:rPr>
+              <a:t> </a:t>
+            </a:r>
+            <a:r>
+              <a:rPr sz="2100" dirty="0">
+                <a:latin typeface="+mn-lt"/>
+                <a:cs typeface="Calibri"/>
+              </a:rPr>
+              <a:t>many</a:t>
+            </a:r>
+            <a:r>
+              <a:rPr sz="2100" spc="-23" dirty="0">
+                <a:latin typeface="+mn-lt"/>
+                <a:cs typeface="Calibri"/>
+              </a:rPr>
+              <a:t> </a:t>
+            </a:r>
+            <a:r>
+              <a:rPr sz="2100" dirty="0">
+                <a:latin typeface="+mn-lt"/>
+                <a:cs typeface="Calibri"/>
+              </a:rPr>
+              <a:t>users</a:t>
+            </a:r>
+            <a:r>
+              <a:rPr sz="2100" spc="-11" dirty="0">
+                <a:latin typeface="+mn-lt"/>
+                <a:cs typeface="Calibri"/>
+              </a:rPr>
+              <a:t> </a:t>
+            </a:r>
+            <a:r>
+              <a:rPr sz="2100" dirty="0">
+                <a:latin typeface="+mn-lt"/>
+                <a:cs typeface="Calibri"/>
+              </a:rPr>
+              <a:t>as</a:t>
+            </a:r>
+            <a:r>
+              <a:rPr sz="2100" spc="-15" dirty="0">
+                <a:latin typeface="+mn-lt"/>
+                <a:cs typeface="Calibri"/>
+              </a:rPr>
+              <a:t> </a:t>
+            </a:r>
+            <a:r>
+              <a:rPr lang="en-US" sz="2100" spc="-15" dirty="0">
+                <a:latin typeface="+mn-lt"/>
+                <a:cs typeface="Calibri"/>
+              </a:rPr>
+              <a:t>e</a:t>
+            </a:r>
+            <a:r>
+              <a:rPr sz="2100" dirty="0">
+                <a:latin typeface="+mn-lt"/>
+                <a:cs typeface="Calibri"/>
+              </a:rPr>
+              <a:t>ach</a:t>
+            </a:r>
+            <a:r>
+              <a:rPr sz="2100" spc="-30" dirty="0">
+                <a:latin typeface="+mn-lt"/>
+                <a:cs typeface="Calibri"/>
+              </a:rPr>
+              <a:t> </a:t>
+            </a:r>
+            <a:r>
+              <a:rPr sz="2100" dirty="0">
+                <a:latin typeface="+mn-lt"/>
+                <a:cs typeface="Calibri"/>
+              </a:rPr>
+              <a:t>role</a:t>
+            </a:r>
+            <a:r>
+              <a:rPr sz="2100" spc="-34" dirty="0">
+                <a:latin typeface="+mn-lt"/>
+                <a:cs typeface="Calibri"/>
+              </a:rPr>
+              <a:t> </a:t>
+            </a:r>
+            <a:r>
+              <a:rPr sz="2100" dirty="0">
+                <a:latin typeface="+mn-lt"/>
+                <a:cs typeface="Calibri"/>
+              </a:rPr>
+              <a:t>can</a:t>
+            </a:r>
+            <a:r>
+              <a:rPr sz="2100" spc="-30" dirty="0">
+                <a:latin typeface="+mn-lt"/>
+                <a:cs typeface="Calibri"/>
+              </a:rPr>
+              <a:t> </a:t>
+            </a:r>
+            <a:r>
+              <a:rPr sz="2100" dirty="0">
+                <a:latin typeface="+mn-lt"/>
+                <a:cs typeface="Calibri"/>
+              </a:rPr>
+              <a:t>have</a:t>
+            </a:r>
+            <a:r>
+              <a:rPr sz="2100" spc="-26" dirty="0">
+                <a:latin typeface="+mn-lt"/>
+                <a:cs typeface="Calibri"/>
+              </a:rPr>
+              <a:t> </a:t>
+            </a:r>
+            <a:r>
+              <a:rPr sz="2100" dirty="0">
+                <a:latin typeface="+mn-lt"/>
+                <a:cs typeface="Calibri"/>
+              </a:rPr>
+              <a:t>many</a:t>
+            </a:r>
+            <a:r>
+              <a:rPr sz="2100" spc="-19" dirty="0">
+                <a:latin typeface="+mn-lt"/>
+                <a:cs typeface="Calibri"/>
+              </a:rPr>
+              <a:t> </a:t>
+            </a:r>
+            <a:r>
+              <a:rPr sz="2100" dirty="0">
+                <a:latin typeface="+mn-lt"/>
+                <a:cs typeface="Calibri"/>
+              </a:rPr>
+              <a:t>users</a:t>
+            </a:r>
+            <a:r>
+              <a:rPr sz="2100" spc="-11" dirty="0">
+                <a:latin typeface="+mn-lt"/>
+                <a:cs typeface="Calibri"/>
+              </a:rPr>
+              <a:t> </a:t>
+            </a:r>
+            <a:r>
+              <a:rPr sz="2100" spc="-19" dirty="0">
+                <a:latin typeface="+mn-lt"/>
+                <a:cs typeface="Calibri"/>
+              </a:rPr>
+              <a:t>as </a:t>
+            </a:r>
+            <a:r>
+              <a:rPr sz="2100" spc="-8" dirty="0">
+                <a:latin typeface="+mn-lt"/>
+                <a:cs typeface="Calibri"/>
+              </a:rPr>
+              <a:t>members</a:t>
+            </a:r>
+            <a:endParaRPr sz="2100" dirty="0">
+              <a:latin typeface="+mn-lt"/>
+              <a:cs typeface="Calibri"/>
+            </a:endParaRPr>
           </a:p>
         </p:txBody>
       </p:sp>
@@ -46363,768 +45494,6 @@
               <a:rPr dirty="0">
                 <a:latin typeface="+mj-lt"/>
               </a:rPr>
-              <a:t>Roles</a:t>
-            </a:r>
-            <a:r>
-              <a:rPr spc="-26" dirty="0">
-                <a:latin typeface="+mj-lt"/>
-              </a:rPr>
-              <a:t> </a:t>
-            </a:r>
-            <a:r>
-              <a:rPr dirty="0">
-                <a:latin typeface="+mj-lt"/>
-              </a:rPr>
-              <a:t>as</a:t>
-            </a:r>
-            <a:r>
-              <a:rPr spc="-23" dirty="0">
-                <a:latin typeface="+mj-lt"/>
-              </a:rPr>
-              <a:t> </a:t>
-            </a:r>
-            <a:r>
-              <a:rPr spc="-8" dirty="0">
-                <a:latin typeface="+mj-lt"/>
-              </a:rPr>
-              <a:t>policy</a:t>
-            </a:r>
-          </a:p>
-        </p:txBody>
-      </p:sp>
-      <p:sp>
-        <p:nvSpPr>
-          <p:cNvPr id="3" name="object 3"/>
-          <p:cNvSpPr txBox="1"/>
-          <p:nvPr/>
-        </p:nvSpPr>
-        <p:spPr>
-          <a:xfrm>
-            <a:off x="687705" y="1317424"/>
-            <a:ext cx="7473791" cy="2432557"/>
-          </a:xfrm>
-          <a:prstGeom prst="rect">
-            <a:avLst/>
-          </a:prstGeom>
-        </p:spPr>
-        <p:txBody>
-          <a:bodyPr vert="horz" wrap="square" lIns="0" tIns="36671" rIns="0" bIns="0" rtlCol="0">
-            <a:spAutoFit/>
-          </a:bodyPr>
-          <a:lstStyle/>
-          <a:p>
-            <a:pPr marL="180022" indent="-170497">
-              <a:spcBef>
-                <a:spcPts val="289"/>
-              </a:spcBef>
-              <a:buFont typeface="Arial"/>
-              <a:buChar char="•"/>
-              <a:tabLst>
-                <a:tab pos="180022" algn="l"/>
-              </a:tabLst>
-            </a:pPr>
-            <a:r>
-              <a:rPr sz="2100" dirty="0">
-                <a:latin typeface="+mn-lt"/>
-                <a:cs typeface="Calibri"/>
-              </a:rPr>
-              <a:t>A</a:t>
-            </a:r>
-            <a:r>
-              <a:rPr sz="2100" spc="-19" dirty="0">
-                <a:latin typeface="+mn-lt"/>
-                <a:cs typeface="Calibri"/>
-              </a:rPr>
-              <a:t> </a:t>
-            </a:r>
-            <a:r>
-              <a:rPr sz="2100" dirty="0">
-                <a:latin typeface="+mn-lt"/>
-                <a:cs typeface="Calibri"/>
-              </a:rPr>
-              <a:t>role</a:t>
-            </a:r>
-            <a:r>
-              <a:rPr sz="2100" spc="-23" dirty="0">
-                <a:latin typeface="+mn-lt"/>
-                <a:cs typeface="Calibri"/>
-              </a:rPr>
-              <a:t> </a:t>
-            </a:r>
-            <a:r>
-              <a:rPr sz="2100" dirty="0">
-                <a:latin typeface="+mn-lt"/>
-                <a:cs typeface="Calibri"/>
-              </a:rPr>
-              <a:t>brings</a:t>
-            </a:r>
-            <a:r>
-              <a:rPr sz="2100" spc="-15" dirty="0">
-                <a:latin typeface="+mn-lt"/>
-                <a:cs typeface="Calibri"/>
-              </a:rPr>
-              <a:t> </a:t>
-            </a:r>
-            <a:r>
-              <a:rPr sz="2100" spc="-8" dirty="0">
-                <a:latin typeface="+mn-lt"/>
-                <a:cs typeface="Calibri"/>
-              </a:rPr>
-              <a:t>together</a:t>
-            </a:r>
-            <a:endParaRPr sz="2100" dirty="0">
-              <a:latin typeface="+mn-lt"/>
-              <a:cs typeface="Calibri"/>
-            </a:endParaRPr>
-          </a:p>
-          <a:p>
-            <a:pPr marL="522923" lvl="1" indent="-170497">
-              <a:spcBef>
-                <a:spcPts val="184"/>
-              </a:spcBef>
-              <a:buFont typeface="Arial"/>
-              <a:buChar char="•"/>
-              <a:tabLst>
-                <a:tab pos="522923" algn="l"/>
-              </a:tabLst>
-            </a:pPr>
-            <a:r>
-              <a:rPr sz="1800" dirty="0">
-                <a:latin typeface="+mn-lt"/>
-                <a:cs typeface="Calibri"/>
-              </a:rPr>
-              <a:t>a</a:t>
-            </a:r>
-            <a:r>
-              <a:rPr sz="1800" spc="-30" dirty="0">
-                <a:latin typeface="+mn-lt"/>
-                <a:cs typeface="Calibri"/>
-              </a:rPr>
-              <a:t> </a:t>
-            </a:r>
-            <a:r>
-              <a:rPr sz="1800" dirty="0">
-                <a:latin typeface="+mn-lt"/>
-                <a:cs typeface="Calibri"/>
-              </a:rPr>
-              <a:t>collection</a:t>
-            </a:r>
-            <a:r>
-              <a:rPr sz="1800" spc="-45" dirty="0">
-                <a:latin typeface="+mn-lt"/>
-                <a:cs typeface="Calibri"/>
-              </a:rPr>
-              <a:t> </a:t>
-            </a:r>
-            <a:r>
-              <a:rPr sz="1800" dirty="0">
-                <a:latin typeface="+mn-lt"/>
-                <a:cs typeface="Calibri"/>
-              </a:rPr>
-              <a:t>of</a:t>
-            </a:r>
-            <a:r>
-              <a:rPr sz="1800" spc="-30" dirty="0">
-                <a:latin typeface="+mn-lt"/>
-                <a:cs typeface="Calibri"/>
-              </a:rPr>
-              <a:t> </a:t>
-            </a:r>
-            <a:r>
-              <a:rPr sz="1800" dirty="0">
-                <a:latin typeface="+mn-lt"/>
-                <a:cs typeface="Calibri"/>
-              </a:rPr>
-              <a:t>users</a:t>
-            </a:r>
-            <a:r>
-              <a:rPr sz="1800" spc="-26" dirty="0">
-                <a:latin typeface="+mn-lt"/>
-                <a:cs typeface="Calibri"/>
-              </a:rPr>
-              <a:t> </a:t>
-            </a:r>
-            <a:r>
-              <a:rPr sz="1800" spc="-19" dirty="0">
-                <a:latin typeface="+mn-lt"/>
-                <a:cs typeface="Calibri"/>
-              </a:rPr>
-              <a:t>and</a:t>
-            </a:r>
-            <a:endParaRPr sz="1800" dirty="0">
-              <a:latin typeface="+mn-lt"/>
-              <a:cs typeface="Calibri"/>
-            </a:endParaRPr>
-          </a:p>
-          <a:p>
-            <a:pPr marL="522923" lvl="1" indent="-170497">
-              <a:spcBef>
-                <a:spcPts val="164"/>
-              </a:spcBef>
-              <a:buFont typeface="Arial"/>
-              <a:buChar char="•"/>
-              <a:tabLst>
-                <a:tab pos="522923" algn="l"/>
-              </a:tabLst>
-            </a:pPr>
-            <a:r>
-              <a:rPr sz="1800" dirty="0">
-                <a:latin typeface="+mn-lt"/>
-                <a:cs typeface="Calibri"/>
-              </a:rPr>
-              <a:t>a</a:t>
-            </a:r>
-            <a:r>
-              <a:rPr sz="1800" spc="-19" dirty="0">
-                <a:latin typeface="+mn-lt"/>
-                <a:cs typeface="Calibri"/>
-              </a:rPr>
-              <a:t> </a:t>
-            </a:r>
-            <a:r>
-              <a:rPr sz="1800" dirty="0">
-                <a:latin typeface="+mn-lt"/>
-                <a:cs typeface="Calibri"/>
-              </a:rPr>
-              <a:t>collection</a:t>
-            </a:r>
-            <a:r>
-              <a:rPr sz="1800" spc="-38" dirty="0">
-                <a:latin typeface="+mn-lt"/>
-                <a:cs typeface="Calibri"/>
-              </a:rPr>
-              <a:t> </a:t>
-            </a:r>
-            <a:r>
-              <a:rPr sz="1800" dirty="0">
-                <a:latin typeface="+mn-lt"/>
-                <a:cs typeface="Calibri"/>
-              </a:rPr>
-              <a:t>of</a:t>
-            </a:r>
-            <a:r>
-              <a:rPr sz="1800" spc="-19" dirty="0">
-                <a:latin typeface="+mn-lt"/>
-                <a:cs typeface="Calibri"/>
-              </a:rPr>
-              <a:t> </a:t>
-            </a:r>
-            <a:r>
-              <a:rPr sz="1800" spc="-8" dirty="0">
-                <a:latin typeface="+mn-lt"/>
-                <a:cs typeface="Calibri"/>
-              </a:rPr>
-              <a:t>permissions</a:t>
-            </a:r>
-            <a:endParaRPr sz="1800" dirty="0">
-              <a:latin typeface="+mn-lt"/>
-              <a:cs typeface="Calibri"/>
-            </a:endParaRPr>
-          </a:p>
-          <a:p>
-            <a:pPr marL="180022" indent="-170497">
-              <a:spcBef>
-                <a:spcPts val="472"/>
-              </a:spcBef>
-              <a:buFont typeface="Arial"/>
-              <a:buChar char="•"/>
-              <a:tabLst>
-                <a:tab pos="180022" algn="l"/>
-              </a:tabLst>
-            </a:pPr>
-            <a:r>
-              <a:rPr sz="2100" dirty="0">
-                <a:latin typeface="+mn-lt"/>
-                <a:cs typeface="Calibri"/>
-              </a:rPr>
-              <a:t>These</a:t>
-            </a:r>
-            <a:r>
-              <a:rPr sz="2100" spc="-15" dirty="0">
-                <a:latin typeface="+mn-lt"/>
-                <a:cs typeface="Calibri"/>
-              </a:rPr>
-              <a:t> </a:t>
-            </a:r>
-            <a:r>
-              <a:rPr sz="2100" dirty="0">
-                <a:latin typeface="+mn-lt"/>
-                <a:cs typeface="Calibri"/>
-              </a:rPr>
-              <a:t>collections</a:t>
-            </a:r>
-            <a:r>
-              <a:rPr sz="2100" spc="4" dirty="0">
-                <a:latin typeface="+mn-lt"/>
-                <a:cs typeface="Calibri"/>
-              </a:rPr>
-              <a:t> </a:t>
-            </a:r>
-            <a:r>
-              <a:rPr sz="2100" dirty="0">
-                <a:latin typeface="+mn-lt"/>
-                <a:cs typeface="Calibri"/>
-              </a:rPr>
-              <a:t>will</a:t>
-            </a:r>
-            <a:r>
-              <a:rPr sz="2100" spc="-11" dirty="0">
-                <a:latin typeface="+mn-lt"/>
-                <a:cs typeface="Calibri"/>
-              </a:rPr>
-              <a:t> </a:t>
-            </a:r>
-            <a:r>
-              <a:rPr sz="2100" dirty="0">
-                <a:latin typeface="+mn-lt"/>
-                <a:cs typeface="Calibri"/>
-              </a:rPr>
-              <a:t>vary</a:t>
-            </a:r>
-            <a:r>
-              <a:rPr sz="2100" spc="-11" dirty="0">
-                <a:latin typeface="+mn-lt"/>
-                <a:cs typeface="Calibri"/>
-              </a:rPr>
-              <a:t> </a:t>
-            </a:r>
-            <a:r>
-              <a:rPr sz="2100" dirty="0">
-                <a:latin typeface="+mn-lt"/>
-                <a:cs typeface="Calibri"/>
-              </a:rPr>
-              <a:t>over</a:t>
-            </a:r>
-            <a:r>
-              <a:rPr sz="2100" spc="-23" dirty="0">
-                <a:latin typeface="+mn-lt"/>
-                <a:cs typeface="Calibri"/>
-              </a:rPr>
-              <a:t> </a:t>
-            </a:r>
-            <a:r>
-              <a:rPr sz="2100" spc="-15" dirty="0">
-                <a:latin typeface="+mn-lt"/>
-                <a:cs typeface="Calibri"/>
-              </a:rPr>
-              <a:t>time</a:t>
-            </a:r>
-            <a:endParaRPr sz="2100" dirty="0">
-              <a:latin typeface="+mn-lt"/>
-              <a:cs typeface="Calibri"/>
-            </a:endParaRPr>
-          </a:p>
-          <a:p>
-            <a:pPr marL="180022" indent="-170497">
-              <a:spcBef>
-                <a:spcPts val="495"/>
-              </a:spcBef>
-              <a:buFont typeface="Arial"/>
-              <a:buChar char="•"/>
-              <a:tabLst>
-                <a:tab pos="180022" algn="l"/>
-              </a:tabLst>
-            </a:pPr>
-            <a:r>
-              <a:rPr sz="2100" dirty="0">
-                <a:latin typeface="+mn-lt"/>
-                <a:cs typeface="Calibri"/>
-              </a:rPr>
-              <a:t>A</a:t>
-            </a:r>
-            <a:r>
-              <a:rPr sz="2100" spc="-23" dirty="0">
-                <a:latin typeface="+mn-lt"/>
-                <a:cs typeface="Calibri"/>
-              </a:rPr>
-              <a:t> </a:t>
-            </a:r>
-            <a:r>
-              <a:rPr sz="2100" dirty="0">
-                <a:latin typeface="+mn-lt"/>
-                <a:cs typeface="Calibri"/>
-              </a:rPr>
-              <a:t>user</a:t>
-            </a:r>
-            <a:r>
-              <a:rPr sz="2100" spc="-23" dirty="0">
-                <a:latin typeface="+mn-lt"/>
-                <a:cs typeface="Calibri"/>
-              </a:rPr>
-              <a:t> </a:t>
-            </a:r>
-            <a:r>
-              <a:rPr sz="2100" dirty="0">
-                <a:latin typeface="+mn-lt"/>
-                <a:cs typeface="Calibri"/>
-              </a:rPr>
-              <a:t>can</a:t>
-            </a:r>
-            <a:r>
-              <a:rPr sz="2100" spc="-26" dirty="0">
-                <a:latin typeface="+mn-lt"/>
-                <a:cs typeface="Calibri"/>
-              </a:rPr>
-              <a:t> </a:t>
-            </a:r>
-            <a:r>
-              <a:rPr sz="2100" dirty="0">
-                <a:latin typeface="+mn-lt"/>
-                <a:cs typeface="Calibri"/>
-              </a:rPr>
-              <a:t>be</a:t>
-            </a:r>
-            <a:r>
-              <a:rPr sz="2100" spc="-26" dirty="0">
-                <a:latin typeface="+mn-lt"/>
-                <a:cs typeface="Calibri"/>
-              </a:rPr>
-              <a:t> </a:t>
-            </a:r>
-            <a:r>
-              <a:rPr sz="2100" dirty="0">
-                <a:latin typeface="+mn-lt"/>
-                <a:cs typeface="Calibri"/>
-              </a:rPr>
-              <a:t>a</a:t>
-            </a:r>
-            <a:r>
-              <a:rPr sz="2100" spc="-26" dirty="0">
-                <a:latin typeface="+mn-lt"/>
-                <a:cs typeface="Calibri"/>
-              </a:rPr>
-              <a:t> </a:t>
-            </a:r>
-            <a:r>
-              <a:rPr sz="2100" dirty="0">
-                <a:latin typeface="+mn-lt"/>
-                <a:cs typeface="Calibri"/>
-              </a:rPr>
-              <a:t>member</a:t>
-            </a:r>
-            <a:r>
-              <a:rPr sz="2100" spc="-34" dirty="0">
-                <a:latin typeface="+mn-lt"/>
-                <a:cs typeface="Calibri"/>
-              </a:rPr>
-              <a:t> </a:t>
-            </a:r>
-            <a:r>
-              <a:rPr sz="2100" dirty="0">
-                <a:latin typeface="+mn-lt"/>
-                <a:cs typeface="Calibri"/>
-              </a:rPr>
-              <a:t>of</a:t>
-            </a:r>
-            <a:r>
-              <a:rPr sz="2100" spc="-30" dirty="0">
-                <a:latin typeface="+mn-lt"/>
-                <a:cs typeface="Calibri"/>
-              </a:rPr>
-              <a:t> </a:t>
-            </a:r>
-            <a:r>
-              <a:rPr sz="2100" dirty="0">
-                <a:latin typeface="+mn-lt"/>
-                <a:cs typeface="Calibri"/>
-              </a:rPr>
-              <a:t>many</a:t>
-            </a:r>
-            <a:r>
-              <a:rPr sz="2100" spc="-26" dirty="0">
-                <a:latin typeface="+mn-lt"/>
-                <a:cs typeface="Calibri"/>
-              </a:rPr>
-              <a:t> </a:t>
-            </a:r>
-            <a:r>
-              <a:rPr sz="2100" spc="-8" dirty="0">
-                <a:latin typeface="+mn-lt"/>
-                <a:cs typeface="Calibri"/>
-              </a:rPr>
-              <a:t>roles</a:t>
-            </a:r>
-            <a:endParaRPr sz="2100" dirty="0">
-              <a:latin typeface="+mn-lt"/>
-              <a:cs typeface="Calibri"/>
-            </a:endParaRPr>
-          </a:p>
-          <a:p>
-            <a:pPr marL="180022" marR="3810" indent="-170497">
-              <a:lnSpc>
-                <a:spcPts val="2265"/>
-              </a:lnSpc>
-              <a:spcBef>
-                <a:spcPts val="795"/>
-              </a:spcBef>
-              <a:buFont typeface="Arial"/>
-              <a:buChar char="•"/>
-              <a:tabLst>
-                <a:tab pos="180975" algn="l"/>
-              </a:tabLst>
-            </a:pPr>
-            <a:r>
-              <a:rPr sz="2100" dirty="0">
-                <a:latin typeface="+mn-lt"/>
-                <a:cs typeface="Calibri"/>
-              </a:rPr>
-              <a:t>Each</a:t>
-            </a:r>
-            <a:r>
-              <a:rPr sz="2100" spc="-30" dirty="0">
-                <a:latin typeface="+mn-lt"/>
-                <a:cs typeface="Calibri"/>
-              </a:rPr>
-              <a:t> </a:t>
-            </a:r>
-            <a:r>
-              <a:rPr sz="2100" dirty="0">
-                <a:latin typeface="+mn-lt"/>
-                <a:cs typeface="Calibri"/>
-              </a:rPr>
-              <a:t>role</a:t>
-            </a:r>
-            <a:r>
-              <a:rPr sz="2100" spc="-34" dirty="0">
-                <a:latin typeface="+mn-lt"/>
-                <a:cs typeface="Calibri"/>
-              </a:rPr>
-              <a:t> </a:t>
-            </a:r>
-            <a:r>
-              <a:rPr sz="2100" dirty="0">
-                <a:latin typeface="+mn-lt"/>
-                <a:cs typeface="Calibri"/>
-              </a:rPr>
-              <a:t>can</a:t>
-            </a:r>
-            <a:r>
-              <a:rPr sz="2100" spc="-19" dirty="0">
-                <a:latin typeface="+mn-lt"/>
-                <a:cs typeface="Calibri"/>
-              </a:rPr>
-              <a:t> </a:t>
-            </a:r>
-            <a:r>
-              <a:rPr sz="2100" dirty="0">
-                <a:latin typeface="+mn-lt"/>
-                <a:cs typeface="Calibri"/>
-              </a:rPr>
-              <a:t>have</a:t>
-            </a:r>
-            <a:r>
-              <a:rPr sz="2100" spc="-30" dirty="0">
-                <a:latin typeface="+mn-lt"/>
-                <a:cs typeface="Calibri"/>
-              </a:rPr>
-              <a:t> </a:t>
-            </a:r>
-            <a:r>
-              <a:rPr sz="2100" dirty="0">
-                <a:latin typeface="+mn-lt"/>
-                <a:cs typeface="Calibri"/>
-              </a:rPr>
-              <a:t>many</a:t>
-            </a:r>
-            <a:r>
-              <a:rPr sz="2100" spc="-23" dirty="0">
-                <a:latin typeface="+mn-lt"/>
-                <a:cs typeface="Calibri"/>
-              </a:rPr>
-              <a:t> </a:t>
-            </a:r>
-            <a:r>
-              <a:rPr sz="2100" dirty="0">
-                <a:latin typeface="+mn-lt"/>
-                <a:cs typeface="Calibri"/>
-              </a:rPr>
-              <a:t>users</a:t>
-            </a:r>
-            <a:r>
-              <a:rPr sz="2100" spc="-11" dirty="0">
-                <a:latin typeface="+mn-lt"/>
-                <a:cs typeface="Calibri"/>
-              </a:rPr>
-              <a:t> </a:t>
-            </a:r>
-            <a:r>
-              <a:rPr sz="2100" dirty="0">
-                <a:latin typeface="+mn-lt"/>
-                <a:cs typeface="Calibri"/>
-              </a:rPr>
-              <a:t>as</a:t>
-            </a:r>
-            <a:r>
-              <a:rPr sz="2100" spc="-15" dirty="0">
-                <a:latin typeface="+mn-lt"/>
-                <a:cs typeface="Calibri"/>
-              </a:rPr>
-              <a:t> </a:t>
-            </a:r>
-            <a:r>
-              <a:rPr sz="2100" dirty="0">
-                <a:latin typeface="+mn-lt"/>
-                <a:cs typeface="Calibri"/>
-              </a:rPr>
-              <a:t>Each</a:t>
-            </a:r>
-            <a:r>
-              <a:rPr sz="2100" spc="-30" dirty="0">
-                <a:latin typeface="+mn-lt"/>
-                <a:cs typeface="Calibri"/>
-              </a:rPr>
-              <a:t> </a:t>
-            </a:r>
-            <a:r>
-              <a:rPr sz="2100" dirty="0">
-                <a:latin typeface="+mn-lt"/>
-                <a:cs typeface="Calibri"/>
-              </a:rPr>
-              <a:t>role</a:t>
-            </a:r>
-            <a:r>
-              <a:rPr sz="2100" spc="-34" dirty="0">
-                <a:latin typeface="+mn-lt"/>
-                <a:cs typeface="Calibri"/>
-              </a:rPr>
-              <a:t> </a:t>
-            </a:r>
-            <a:r>
-              <a:rPr sz="2100" dirty="0">
-                <a:latin typeface="+mn-lt"/>
-                <a:cs typeface="Calibri"/>
-              </a:rPr>
-              <a:t>can</a:t>
-            </a:r>
-            <a:r>
-              <a:rPr sz="2100" spc="-30" dirty="0">
-                <a:latin typeface="+mn-lt"/>
-                <a:cs typeface="Calibri"/>
-              </a:rPr>
-              <a:t> </a:t>
-            </a:r>
-            <a:r>
-              <a:rPr sz="2100" dirty="0">
-                <a:latin typeface="+mn-lt"/>
-                <a:cs typeface="Calibri"/>
-              </a:rPr>
-              <a:t>have</a:t>
-            </a:r>
-            <a:r>
-              <a:rPr sz="2100" spc="-26" dirty="0">
-                <a:latin typeface="+mn-lt"/>
-                <a:cs typeface="Calibri"/>
-              </a:rPr>
-              <a:t> </a:t>
-            </a:r>
-            <a:r>
-              <a:rPr sz="2100" dirty="0">
-                <a:latin typeface="+mn-lt"/>
-                <a:cs typeface="Calibri"/>
-              </a:rPr>
-              <a:t>many</a:t>
-            </a:r>
-            <a:r>
-              <a:rPr sz="2100" spc="-19" dirty="0">
-                <a:latin typeface="+mn-lt"/>
-                <a:cs typeface="Calibri"/>
-              </a:rPr>
-              <a:t> </a:t>
-            </a:r>
-            <a:r>
-              <a:rPr sz="2100" dirty="0">
-                <a:latin typeface="+mn-lt"/>
-                <a:cs typeface="Calibri"/>
-              </a:rPr>
-              <a:t>users</a:t>
-            </a:r>
-            <a:r>
-              <a:rPr sz="2100" spc="-11" dirty="0">
-                <a:latin typeface="+mn-lt"/>
-                <a:cs typeface="Calibri"/>
-              </a:rPr>
-              <a:t> </a:t>
-            </a:r>
-            <a:r>
-              <a:rPr sz="2100" spc="-19" dirty="0">
-                <a:latin typeface="+mn-lt"/>
-                <a:cs typeface="Calibri"/>
-              </a:rPr>
-              <a:t>as </a:t>
-            </a:r>
-            <a:r>
-              <a:rPr sz="2100" spc="-8" dirty="0">
-                <a:latin typeface="+mn-lt"/>
-                <a:cs typeface="Calibri"/>
-              </a:rPr>
-              <a:t>members</a:t>
-            </a:r>
-            <a:endParaRPr sz="2100" dirty="0">
-              <a:latin typeface="+mn-lt"/>
-              <a:cs typeface="Calibri"/>
-            </a:endParaRPr>
-          </a:p>
-        </p:txBody>
-      </p:sp>
-    </p:spTree>
-  </p:cSld>
-  <p:clrMapOvr>
-    <a:masterClrMapping/>
-  </p:clrMapOvr>
-</p:sld>
-</file>
-
-<file path=ppt/slides/slide47.xml><?xml version="1.0" encoding="utf-8"?>
-<p:sld xmlns:a="http://schemas.openxmlformats.org/drawingml/2006/main" xmlns:r="http://schemas.openxmlformats.org/officeDocument/2006/relationships" xmlns:p="http://schemas.openxmlformats.org/presentationml/2006/main">
-  <p:cSld>
-    <p:spTree>
-      <p:nvGrpSpPr>
-        <p:cNvPr id="1" name=""/>
-        <p:cNvGrpSpPr/>
-        <p:nvPr/>
-      </p:nvGrpSpPr>
-      <p:grpSpPr>
-        <a:xfrm>
-          <a:off x="0" y="0"/>
-          <a:ext cx="0" cy="0"/>
-          <a:chOff x="0" y="0"/>
-          <a:chExt cx="0" cy="0"/>
-        </a:xfrm>
-      </p:grpSpPr>
-      <p:sp>
-        <p:nvSpPr>
-          <p:cNvPr id="2" name="object 2"/>
-          <p:cNvSpPr txBox="1">
-            <a:spLocks noGrp="1"/>
-          </p:cNvSpPr>
-          <p:nvPr>
-            <p:ph type="title"/>
-          </p:nvPr>
-        </p:nvSpPr>
-        <p:spPr>
-          <a:xfrm>
-            <a:off x="77025" y="203157"/>
-            <a:ext cx="6390450" cy="530754"/>
-          </a:xfrm>
-          <a:prstGeom prst="rect">
-            <a:avLst/>
-          </a:prstGeom>
-        </p:spPr>
-        <p:txBody>
-          <a:bodyPr spcFirstLastPara="1" vert="horz" wrap="square" lIns="0" tIns="10001" rIns="0" bIns="0" rtlCol="0" anchor="t" anchorCtr="0">
-            <a:spAutoFit/>
-          </a:bodyPr>
-          <a:lstStyle/>
-          <a:p>
-            <a:pPr marL="9525">
-              <a:spcBef>
-                <a:spcPts val="79"/>
-              </a:spcBef>
-            </a:pPr>
-            <a:r>
-              <a:rPr dirty="0">
-                <a:latin typeface="+mj-lt"/>
-              </a:rPr>
               <a:t>RBAC</a:t>
             </a:r>
             <a:r>
@@ -47163,14 +45532,14 @@
           </a:bodyPr>
           <a:lstStyle/>
           <a:p>
-            <a:pPr marL="180022" indent="-170497">
+            <a:pPr marL="352425" indent="-342900">
               <a:lnSpc>
                 <a:spcPct val="114000"/>
               </a:lnSpc>
               <a:spcBef>
                 <a:spcPts val="581"/>
               </a:spcBef>
-              <a:buFont typeface="Arial"/>
+              <a:buFont typeface="Arial" panose="020B0604020202020204" pitchFamily="34" charset="0"/>
               <a:buChar char="•"/>
               <a:tabLst>
                 <a:tab pos="180022" algn="l"/>
@@ -47301,14 +45670,14 @@
             </a:endParaRPr>
           </a:p>
           <a:p>
-            <a:pPr marL="180022" indent="-170497">
+            <a:pPr marL="352425" indent="-342900">
               <a:lnSpc>
                 <a:spcPct val="114000"/>
               </a:lnSpc>
               <a:spcBef>
                 <a:spcPts val="506"/>
               </a:spcBef>
-              <a:buFont typeface="Arial"/>
+              <a:buFont typeface="Arial" panose="020B0604020202020204" pitchFamily="34" charset="0"/>
               <a:buChar char="•"/>
               <a:tabLst>
                 <a:tab pos="180022" algn="l"/>
@@ -47425,14 +45794,14 @@
             </a:endParaRPr>
           </a:p>
           <a:p>
-            <a:pPr marL="180022" indent="-170497">
+            <a:pPr marL="352425" indent="-342900">
               <a:lnSpc>
                 <a:spcPct val="114000"/>
               </a:lnSpc>
               <a:spcBef>
                 <a:spcPts val="495"/>
               </a:spcBef>
-              <a:buFont typeface="Arial"/>
+              <a:buFont typeface="Arial" panose="020B0604020202020204" pitchFamily="34" charset="0"/>
               <a:buChar char="•"/>
               <a:tabLst>
                 <a:tab pos="180022" algn="l"/>
@@ -47535,14 +45904,14 @@
             </a:endParaRPr>
           </a:p>
           <a:p>
-            <a:pPr marL="180022" indent="-170497">
+            <a:pPr marL="352425" indent="-342900">
               <a:lnSpc>
                 <a:spcPct val="114000"/>
               </a:lnSpc>
               <a:spcBef>
                 <a:spcPts val="499"/>
               </a:spcBef>
-              <a:buFont typeface="Arial"/>
+              <a:buFont typeface="Arial" panose="020B0604020202020204" pitchFamily="34" charset="0"/>
               <a:buChar char="•"/>
               <a:tabLst>
                 <a:tab pos="180022" algn="l"/>
@@ -47668,7 +46037,7 @@
 </p:sld>
 </file>
 
-<file path=ppt/slides/slide48.xml><?xml version="1.0" encoding="utf-8"?>
+<file path=ppt/slides/slide47.xml><?xml version="1.0" encoding="utf-8"?>
 <p:sld xmlns:a="http://schemas.openxmlformats.org/drawingml/2006/main" xmlns:r="http://schemas.openxmlformats.org/officeDocument/2006/relationships" xmlns:p="http://schemas.openxmlformats.org/presentationml/2006/main">
   <p:cSld>
     <p:spTree>

--- a/teaching/ITIS6200/2023fa/lectures/lec09.pptx
+++ b/teaching/ITIS6200/2023fa/lectures/lec09.pptx
@@ -1125,6 +1125,72 @@
           <a:bodyPr/>
           <a:lstStyle/>
           <a:p>
+            <a:endParaRPr lang="en-US" dirty="0"/>
+          </a:p>
+        </p:txBody>
+      </p:sp>
+    </p:spTree>
+    <p:extLst>
+      <p:ext uri="{BB962C8B-B14F-4D97-AF65-F5344CB8AC3E}">
+        <p14:creationId xmlns:p14="http://schemas.microsoft.com/office/powerpoint/2010/main" val="1997475900"/>
+      </p:ext>
+    </p:extLst>
+  </p:cSld>
+  <p:clrMapOvr>
+    <a:masterClrMapping/>
+  </p:clrMapOvr>
+</p:notes>
+</file>
+
+<file path=ppt/notesSlides/notesSlide12.xml><?xml version="1.0" encoding="utf-8"?>
+<p:notes xmlns:a="http://schemas.openxmlformats.org/drawingml/2006/main" xmlns:r="http://schemas.openxmlformats.org/officeDocument/2006/relationships" xmlns:p="http://schemas.openxmlformats.org/presentationml/2006/main">
+  <p:cSld>
+    <p:spTree>
+      <p:nvGrpSpPr>
+        <p:cNvPr id="1" name=""/>
+        <p:cNvGrpSpPr/>
+        <p:nvPr/>
+      </p:nvGrpSpPr>
+      <p:grpSpPr>
+        <a:xfrm>
+          <a:off x="0" y="0"/>
+          <a:ext cx="0" cy="0"/>
+          <a:chOff x="0" y="0"/>
+          <a:chExt cx="0" cy="0"/>
+        </a:xfrm>
+      </p:grpSpPr>
+      <p:sp>
+        <p:nvSpPr>
+          <p:cNvPr id="2" name="Slide Image Placeholder 1"/>
+          <p:cNvSpPr>
+            <a:spLocks noGrp="1" noRot="1" noChangeAspect="1"/>
+          </p:cNvSpPr>
+          <p:nvPr>
+            <p:ph type="sldImg"/>
+          </p:nvPr>
+        </p:nvSpPr>
+        <p:spPr>
+          <a:xfrm>
+            <a:off x="381000" y="685800"/>
+            <a:ext cx="6096000" cy="3429000"/>
+          </a:xfrm>
+        </p:spPr>
+      </p:sp>
+      <p:sp>
+        <p:nvSpPr>
+          <p:cNvPr id="3" name="Notes Placeholder 2"/>
+          <p:cNvSpPr>
+            <a:spLocks noGrp="1"/>
+          </p:cNvSpPr>
+          <p:nvPr>
+            <p:ph type="body" idx="1"/>
+          </p:nvPr>
+        </p:nvSpPr>
+        <p:spPr/>
+        <p:txBody>
+          <a:bodyPr/>
+          <a:lstStyle/>
+          <a:p>
             <a:r>
               <a:rPr lang="en-US" b="1" i="0" dirty="0">
                 <a:solidFill>
@@ -1244,9 +1310,60 @@
             </a:endParaRPr>
           </a:p>
           <a:p>
+            <a:pPr marL="158750" indent="0">
+              <a:buNone/>
+            </a:pPr>
             <a:r>
               <a:rPr lang="en-US" dirty="0"/>
-              <a:t>The security policy builds on three levels of abstraction. Objects such as files. Objects contain information about only one company. Company groups collect all objects concerning a particular company. Conflict classes cluster the groups of objects for competing companies. For example, consider the following conflict classes: { Ford, Chrysler, GM } { Bank of America, Wells Fargo, Citicorp }</a:t>
+              <a:t>Three levels of abstraction. </a:t>
+            </a:r>
+          </a:p>
+          <a:p>
+            <a:r>
+              <a:rPr lang="en-US" dirty="0"/>
+              <a:t>Objects such as files. Objects contain information about only one company. </a:t>
+            </a:r>
+          </a:p>
+          <a:p>
+            <a:r>
+              <a:rPr lang="en-US" b="0" i="0" dirty="0">
+                <a:solidFill>
+                  <a:srgbClr val="000000"/>
+                </a:solidFill>
+                <a:effectLst/>
+                <a:latin typeface="Times"/>
+              </a:rPr>
+              <a:t>objects are now grouped into </a:t>
+            </a:r>
+            <a:r>
+              <a:rPr lang="en-US" b="0" i="1" dirty="0">
+                <a:solidFill>
+                  <a:srgbClr val="000000"/>
+                </a:solidFill>
+                <a:effectLst/>
+                <a:latin typeface="Times"/>
+              </a:rPr>
+              <a:t>company datasets</a:t>
+            </a:r>
+            <a:r>
+              <a:rPr lang="en-US" b="0" i="0" dirty="0">
+                <a:solidFill>
+                  <a:srgbClr val="000000"/>
+                </a:solidFill>
+                <a:effectLst/>
+                <a:latin typeface="Times"/>
+              </a:rPr>
+              <a:t> (CDs).  </a:t>
+            </a:r>
+            <a:r>
+              <a:rPr lang="en-US" dirty="0"/>
+              <a:t>Company groups collect all objects concerning a particular company. </a:t>
+            </a:r>
+          </a:p>
+          <a:p>
+            <a:r>
+              <a:rPr lang="en-US" dirty="0"/>
+              <a:t>Conflict classes cluster the groups of objects for competing companies. For example, consider the following conflict classes: { Ford, Chrysler, GM } { Bank of America, Wells Fargo, Citicorp }</a:t>
             </a:r>
           </a:p>
         </p:txBody>
@@ -1264,7 +1381,7 @@
 </p:notes>
 </file>
 
-<file path=ppt/notesSlides/notesSlide12.xml><?xml version="1.0" encoding="utf-8"?>
+<file path=ppt/notesSlides/notesSlide13.xml><?xml version="1.0" encoding="utf-8"?>
 <p:notes xmlns:a="http://schemas.openxmlformats.org/drawingml/2006/main" xmlns:r="http://schemas.openxmlformats.org/officeDocument/2006/relationships" xmlns:p="http://schemas.openxmlformats.org/presentationml/2006/main">
   <p:cSld>
     <p:spTree>
@@ -1362,271 +1479,6 @@
 </p:notes>
 </file>
 
-<file path=ppt/notesSlides/notesSlide13.xml><?xml version="1.0" encoding="utf-8"?>
-<p:notes xmlns:a="http://schemas.openxmlformats.org/drawingml/2006/main" xmlns:r="http://schemas.openxmlformats.org/officeDocument/2006/relationships" xmlns:p="http://schemas.openxmlformats.org/presentationml/2006/main">
-  <p:cSld>
-    <p:spTree>
-      <p:nvGrpSpPr>
-        <p:cNvPr id="1" name=""/>
-        <p:cNvGrpSpPr/>
-        <p:nvPr/>
-      </p:nvGrpSpPr>
-      <p:grpSpPr>
-        <a:xfrm>
-          <a:off x="0" y="0"/>
-          <a:ext cx="0" cy="0"/>
-          <a:chOff x="0" y="0"/>
-          <a:chExt cx="0" cy="0"/>
-        </a:xfrm>
-      </p:grpSpPr>
-      <p:sp>
-        <p:nvSpPr>
-          <p:cNvPr id="2" name="Slide Image Placeholder 1"/>
-          <p:cNvSpPr>
-            <a:spLocks noGrp="1" noRot="1" noChangeAspect="1"/>
-          </p:cNvSpPr>
-          <p:nvPr>
-            <p:ph type="sldImg"/>
-          </p:nvPr>
-        </p:nvSpPr>
-        <p:spPr>
-          <a:xfrm>
-            <a:off x="381000" y="685800"/>
-            <a:ext cx="6096000" cy="3429000"/>
-          </a:xfrm>
-        </p:spPr>
-      </p:sp>
-      <p:sp>
-        <p:nvSpPr>
-          <p:cNvPr id="3" name="Notes Placeholder 2"/>
-          <p:cNvSpPr>
-            <a:spLocks noGrp="1"/>
-          </p:cNvSpPr>
-          <p:nvPr>
-            <p:ph type="body" idx="1"/>
-          </p:nvPr>
-        </p:nvSpPr>
-        <p:spPr/>
-        <p:txBody>
-          <a:bodyPr/>
-          <a:lstStyle/>
-          <a:p>
-            <a:pPr algn="l"/>
-            <a:r>
-              <a:rPr lang="en-US" b="0" i="0" dirty="0">
-                <a:solidFill>
-                  <a:srgbClr val="000000"/>
-                </a:solidFill>
-                <a:effectLst/>
-                <a:latin typeface="Times"/>
-              </a:rPr>
-              <a:t>The original security conditions for Chinese Wall given by Brewer and Nash were overly restrictive, and we omit them here.  Sandhu (1992) later gave the following (less restrictive) conditions.  Note that these conditions require the tracking the set of read objects for each user and subject.</a:t>
-            </a:r>
-          </a:p>
-          <a:p>
-            <a:pPr algn="l">
-              <a:buFont typeface="+mj-lt"/>
-              <a:buAutoNum type="arabicPeriod"/>
-            </a:pPr>
-            <a:r>
-              <a:rPr lang="en-US" b="0" i="0" dirty="0">
-                <a:solidFill>
-                  <a:srgbClr val="000000"/>
-                </a:solidFill>
-                <a:effectLst/>
-                <a:latin typeface="Times"/>
-              </a:rPr>
-              <a:t>A user U may read object O only if U has never read any object O' such that:</a:t>
-            </a:r>
-          </a:p>
-          <a:p>
-            <a:pPr marL="742950" lvl="1" indent="-285750" algn="l">
-              <a:buFont typeface="+mj-lt"/>
-              <a:buAutoNum type="arabicPeriod"/>
-            </a:pPr>
-            <a:r>
-              <a:rPr lang="en-US" b="0" i="0" dirty="0">
-                <a:solidFill>
-                  <a:srgbClr val="000000"/>
-                </a:solidFill>
-                <a:effectLst/>
-                <a:latin typeface="Times"/>
-              </a:rPr>
-              <a:t>COI(O) = COI(O'), and</a:t>
-            </a:r>
-          </a:p>
-          <a:p>
-            <a:pPr marL="742950" lvl="1" indent="-285750" algn="l">
-              <a:buFont typeface="+mj-lt"/>
-              <a:buAutoNum type="arabicPeriod"/>
-            </a:pPr>
-            <a:r>
-              <a:rPr lang="en-US" b="0" i="0" dirty="0">
-                <a:solidFill>
-                  <a:srgbClr val="000000"/>
-                </a:solidFill>
-                <a:effectLst/>
-                <a:latin typeface="Times"/>
-              </a:rPr>
-              <a:t>CD(O) ≠ CD(O').</a:t>
-            </a:r>
-          </a:p>
-          <a:p>
-            <a:pPr algn="l">
-              <a:buFont typeface="+mj-lt"/>
-              <a:buAutoNum type="arabicPeriod"/>
-            </a:pPr>
-            <a:r>
-              <a:rPr lang="en-US" b="0" i="0" dirty="0">
-                <a:solidFill>
-                  <a:srgbClr val="000000"/>
-                </a:solidFill>
-                <a:effectLst/>
-                <a:latin typeface="Times"/>
-              </a:rPr>
-              <a:t>A subject S associated with user U may read object O only if U may read O.</a:t>
-            </a:r>
-          </a:p>
-          <a:p>
-            <a:pPr algn="l">
-              <a:buFont typeface="+mj-lt"/>
-              <a:buAutoNum type="arabicPeriod"/>
-            </a:pPr>
-            <a:r>
-              <a:rPr lang="en-US" b="0" i="0" dirty="0">
-                <a:solidFill>
-                  <a:srgbClr val="000000"/>
-                </a:solidFill>
-                <a:effectLst/>
-                <a:latin typeface="Times"/>
-              </a:rPr>
-              <a:t>A subject S may write object O only if:</a:t>
-            </a:r>
-          </a:p>
-          <a:p>
-            <a:pPr marL="742950" lvl="1" indent="-285750" algn="l">
-              <a:buFont typeface="+mj-lt"/>
-              <a:buAutoNum type="arabicPeriod"/>
-            </a:pPr>
-            <a:r>
-              <a:rPr lang="en-US" b="0" i="0" dirty="0">
-                <a:solidFill>
-                  <a:srgbClr val="000000"/>
-                </a:solidFill>
-                <a:effectLst/>
-                <a:latin typeface="Times"/>
-              </a:rPr>
-              <a:t>S may read O, and</a:t>
-            </a:r>
-          </a:p>
-          <a:p>
-            <a:pPr marL="742950" lvl="1" indent="-285750" algn="l">
-              <a:buFont typeface="+mj-lt"/>
-              <a:buAutoNum type="arabicPeriod"/>
-            </a:pPr>
-            <a:r>
-              <a:rPr lang="en-US" b="0" i="0" dirty="0">
-                <a:solidFill>
-                  <a:srgbClr val="000000"/>
-                </a:solidFill>
-                <a:effectLst/>
-                <a:latin typeface="Times"/>
-              </a:rPr>
-              <a:t>S has never read an object O' such that CD(O) ≠ CD(O').</a:t>
-            </a:r>
-          </a:p>
-          <a:p>
-            <a:pPr algn="l"/>
-            <a:r>
-              <a:rPr lang="en-US" b="0" i="0" dirty="0">
-                <a:solidFill>
-                  <a:srgbClr val="000000"/>
-                </a:solidFill>
-                <a:effectLst/>
-                <a:latin typeface="Times"/>
-              </a:rPr>
-              <a:t>The first two conditions guarantee that a single user never breaches the wall by reading information from two different CDs within the same COI.  The third condition guarantees that two or more users never cooperatively breach the wall by performing a series of read and write operations.  Suppose that S1 has previously read from CD1, and S2 has previously read from CD2.  Consider the following sequence of operations, based on the figure above.</a:t>
-            </a:r>
-          </a:p>
-          <a:p>
-            <a:pPr algn="l">
-              <a:buFont typeface="Arial" panose="020B0604020202020204" pitchFamily="34" charset="0"/>
-              <a:buChar char="•"/>
-            </a:pPr>
-            <a:r>
-              <a:rPr lang="en-US" b="0" i="0" dirty="0">
-                <a:solidFill>
-                  <a:srgbClr val="000000"/>
-                </a:solidFill>
-                <a:effectLst/>
-                <a:latin typeface="Times"/>
-              </a:rPr>
-              <a:t>S1 reads information from an object in CD1.</a:t>
-            </a:r>
-          </a:p>
-          <a:p>
-            <a:pPr algn="l">
-              <a:buFont typeface="Arial" panose="020B0604020202020204" pitchFamily="34" charset="0"/>
-              <a:buChar char="•"/>
-            </a:pPr>
-            <a:r>
-              <a:rPr lang="en-US" b="0" i="0" dirty="0">
-                <a:solidFill>
-                  <a:srgbClr val="000000"/>
-                </a:solidFill>
-                <a:effectLst/>
-                <a:latin typeface="Times"/>
-              </a:rPr>
-              <a:t>S1 writes that information to object O6 in CD3.</a:t>
-            </a:r>
-          </a:p>
-          <a:p>
-            <a:pPr algn="l">
-              <a:buFont typeface="Arial" panose="020B0604020202020204" pitchFamily="34" charset="0"/>
-              <a:buChar char="•"/>
-            </a:pPr>
-            <a:r>
-              <a:rPr lang="en-US" b="0" i="0" dirty="0">
-                <a:solidFill>
-                  <a:srgbClr val="000000"/>
-                </a:solidFill>
-                <a:effectLst/>
-                <a:latin typeface="Times"/>
-              </a:rPr>
-              <a:t>S2 reads that information from O6.</a:t>
-            </a:r>
-          </a:p>
-          <a:p>
-            <a:pPr algn="l"/>
-            <a:r>
-              <a:rPr lang="en-US" b="0" i="0" dirty="0">
-                <a:solidFill>
-                  <a:srgbClr val="000000"/>
-                </a:solidFill>
-                <a:effectLst/>
-                <a:latin typeface="Times"/>
-              </a:rPr>
-              <a:t>At the end of this sequence, S2 would have read information pertaining to both CD1 and CD2, which would violate the Chinese Wall policy since both CDs are in the same COI.  But Condition 3b prevents the write operation by restricting when a subject may write:  once a subject reads two objects from different CDs, that subject may never write any object.  So for read--write access, a user must create a distinct subject for each CD.  For read-only access, a user can create a single subject to read from several COIs.  </a:t>
-            </a:r>
-          </a:p>
-          <a:p>
-            <a:endParaRPr lang="en-US" dirty="0"/>
-          </a:p>
-        </p:txBody>
-      </p:sp>
-    </p:spTree>
-    <p:extLst>
-      <p:ext uri="{BB962C8B-B14F-4D97-AF65-F5344CB8AC3E}">
-        <p14:creationId xmlns:p14="http://schemas.microsoft.com/office/powerpoint/2010/main" val="909456025"/>
-      </p:ext>
-    </p:extLst>
-  </p:cSld>
-  <p:clrMapOvr>
-    <a:masterClrMapping/>
-  </p:clrMapOvr>
-</p:notes>
-</file>
-
 <file path=ppt/notesSlides/notesSlide14.xml><?xml version="1.0" encoding="utf-8"?>
 <p:notes xmlns:a="http://schemas.openxmlformats.org/drawingml/2006/main" xmlns:r="http://schemas.openxmlformats.org/officeDocument/2006/relationships" xmlns:p="http://schemas.openxmlformats.org/presentationml/2006/main">
   <p:cSld>
@@ -1685,6 +1537,271 @@
                 <a:effectLst/>
                 <a:latin typeface="Times"/>
               </a:rPr>
+              <a:t>The original security conditions for Chinese Wall given by Brewer and Nash were overly restrictive, and we omit them here.  Sandhu (1992) later gave the following (less restrictive) conditions.  Note that these conditions require the tracking the set of read objects for each user and subject.</a:t>
+            </a:r>
+          </a:p>
+          <a:p>
+            <a:pPr algn="l">
+              <a:buFont typeface="+mj-lt"/>
+              <a:buAutoNum type="arabicPeriod"/>
+            </a:pPr>
+            <a:r>
+              <a:rPr lang="en-US" b="0" i="0" dirty="0">
+                <a:solidFill>
+                  <a:srgbClr val="000000"/>
+                </a:solidFill>
+                <a:effectLst/>
+                <a:latin typeface="Times"/>
+              </a:rPr>
+              <a:t>A user U may read object O only if U has never read any object O' such that:</a:t>
+            </a:r>
+          </a:p>
+          <a:p>
+            <a:pPr marL="742950" lvl="1" indent="-285750" algn="l">
+              <a:buFont typeface="+mj-lt"/>
+              <a:buAutoNum type="arabicPeriod"/>
+            </a:pPr>
+            <a:r>
+              <a:rPr lang="en-US" b="0" i="0" dirty="0">
+                <a:solidFill>
+                  <a:srgbClr val="000000"/>
+                </a:solidFill>
+                <a:effectLst/>
+                <a:latin typeface="Times"/>
+              </a:rPr>
+              <a:t>COI(O) = COI(O'), and</a:t>
+            </a:r>
+          </a:p>
+          <a:p>
+            <a:pPr marL="742950" lvl="1" indent="-285750" algn="l">
+              <a:buFont typeface="+mj-lt"/>
+              <a:buAutoNum type="arabicPeriod"/>
+            </a:pPr>
+            <a:r>
+              <a:rPr lang="en-US" b="0" i="0" dirty="0">
+                <a:solidFill>
+                  <a:srgbClr val="000000"/>
+                </a:solidFill>
+                <a:effectLst/>
+                <a:latin typeface="Times"/>
+              </a:rPr>
+              <a:t>CD(O) ≠ CD(O').</a:t>
+            </a:r>
+          </a:p>
+          <a:p>
+            <a:pPr algn="l">
+              <a:buFont typeface="+mj-lt"/>
+              <a:buAutoNum type="arabicPeriod"/>
+            </a:pPr>
+            <a:r>
+              <a:rPr lang="en-US" b="0" i="0" dirty="0">
+                <a:solidFill>
+                  <a:srgbClr val="000000"/>
+                </a:solidFill>
+                <a:effectLst/>
+                <a:latin typeface="Times"/>
+              </a:rPr>
+              <a:t>A subject S associated with user U may read object O only if U may read O.</a:t>
+            </a:r>
+          </a:p>
+          <a:p>
+            <a:pPr algn="l">
+              <a:buFont typeface="+mj-lt"/>
+              <a:buAutoNum type="arabicPeriod"/>
+            </a:pPr>
+            <a:r>
+              <a:rPr lang="en-US" b="0" i="0" dirty="0">
+                <a:solidFill>
+                  <a:srgbClr val="000000"/>
+                </a:solidFill>
+                <a:effectLst/>
+                <a:latin typeface="Times"/>
+              </a:rPr>
+              <a:t>A subject S may write object O only if:</a:t>
+            </a:r>
+          </a:p>
+          <a:p>
+            <a:pPr marL="742950" lvl="1" indent="-285750" algn="l">
+              <a:buFont typeface="+mj-lt"/>
+              <a:buAutoNum type="arabicPeriod"/>
+            </a:pPr>
+            <a:r>
+              <a:rPr lang="en-US" b="0" i="0" dirty="0">
+                <a:solidFill>
+                  <a:srgbClr val="000000"/>
+                </a:solidFill>
+                <a:effectLst/>
+                <a:latin typeface="Times"/>
+              </a:rPr>
+              <a:t>S may read O, and</a:t>
+            </a:r>
+          </a:p>
+          <a:p>
+            <a:pPr marL="742950" lvl="1" indent="-285750" algn="l">
+              <a:buFont typeface="+mj-lt"/>
+              <a:buAutoNum type="arabicPeriod"/>
+            </a:pPr>
+            <a:r>
+              <a:rPr lang="en-US" b="0" i="0" dirty="0">
+                <a:solidFill>
+                  <a:srgbClr val="000000"/>
+                </a:solidFill>
+                <a:effectLst/>
+                <a:latin typeface="Times"/>
+              </a:rPr>
+              <a:t>S has never read an object O' such that CD(O) ≠ CD(O').</a:t>
+            </a:r>
+          </a:p>
+          <a:p>
+            <a:pPr algn="l"/>
+            <a:r>
+              <a:rPr lang="en-US" b="0" i="0" dirty="0">
+                <a:solidFill>
+                  <a:srgbClr val="000000"/>
+                </a:solidFill>
+                <a:effectLst/>
+                <a:latin typeface="Times"/>
+              </a:rPr>
+              <a:t>The first two conditions guarantee that a single user never breaches the wall by reading information from two different CDs within the same COI.  The third condition guarantees that two or more users never cooperatively breach the wall by performing a series of read and write operations.  Suppose that S1 has previously read from CD1, and S2 has previously read from CD2.  Consider the following sequence of operations, based on the figure above.</a:t>
+            </a:r>
+          </a:p>
+          <a:p>
+            <a:pPr algn="l">
+              <a:buFont typeface="Arial" panose="020B0604020202020204" pitchFamily="34" charset="0"/>
+              <a:buChar char="•"/>
+            </a:pPr>
+            <a:r>
+              <a:rPr lang="en-US" b="0" i="0" dirty="0">
+                <a:solidFill>
+                  <a:srgbClr val="000000"/>
+                </a:solidFill>
+                <a:effectLst/>
+                <a:latin typeface="Times"/>
+              </a:rPr>
+              <a:t>S1 reads information from an object in CD1.</a:t>
+            </a:r>
+          </a:p>
+          <a:p>
+            <a:pPr algn="l">
+              <a:buFont typeface="Arial" panose="020B0604020202020204" pitchFamily="34" charset="0"/>
+              <a:buChar char="•"/>
+            </a:pPr>
+            <a:r>
+              <a:rPr lang="en-US" b="0" i="0" dirty="0">
+                <a:solidFill>
+                  <a:srgbClr val="000000"/>
+                </a:solidFill>
+                <a:effectLst/>
+                <a:latin typeface="Times"/>
+              </a:rPr>
+              <a:t>S1 writes that information to object O6 in CD3.</a:t>
+            </a:r>
+          </a:p>
+          <a:p>
+            <a:pPr algn="l">
+              <a:buFont typeface="Arial" panose="020B0604020202020204" pitchFamily="34" charset="0"/>
+              <a:buChar char="•"/>
+            </a:pPr>
+            <a:r>
+              <a:rPr lang="en-US" b="0" i="0" dirty="0">
+                <a:solidFill>
+                  <a:srgbClr val="000000"/>
+                </a:solidFill>
+                <a:effectLst/>
+                <a:latin typeface="Times"/>
+              </a:rPr>
+              <a:t>S2 reads that information from O6.</a:t>
+            </a:r>
+          </a:p>
+          <a:p>
+            <a:pPr algn="l"/>
+            <a:r>
+              <a:rPr lang="en-US" b="0" i="0" dirty="0">
+                <a:solidFill>
+                  <a:srgbClr val="000000"/>
+                </a:solidFill>
+                <a:effectLst/>
+                <a:latin typeface="Times"/>
+              </a:rPr>
+              <a:t>At the end of this sequence, S2 would have read information pertaining to both CD1 and CD2, which would violate the Chinese Wall policy since both CDs are in the same COI.  But Condition 3b prevents the write operation by restricting when a subject may write:  once a subject reads two objects from different CDs, that subject may never write any object.  So for read--write access, a user must create a distinct subject for each CD.  For read-only access, a user can create a single subject to read from several COIs.  </a:t>
+            </a:r>
+          </a:p>
+          <a:p>
+            <a:endParaRPr lang="en-US" dirty="0"/>
+          </a:p>
+        </p:txBody>
+      </p:sp>
+    </p:spTree>
+    <p:extLst>
+      <p:ext uri="{BB962C8B-B14F-4D97-AF65-F5344CB8AC3E}">
+        <p14:creationId xmlns:p14="http://schemas.microsoft.com/office/powerpoint/2010/main" val="909456025"/>
+      </p:ext>
+    </p:extLst>
+  </p:cSld>
+  <p:clrMapOvr>
+    <a:masterClrMapping/>
+  </p:clrMapOvr>
+</p:notes>
+</file>
+
+<file path=ppt/notesSlides/notesSlide15.xml><?xml version="1.0" encoding="utf-8"?>
+<p:notes xmlns:a="http://schemas.openxmlformats.org/drawingml/2006/main" xmlns:r="http://schemas.openxmlformats.org/officeDocument/2006/relationships" xmlns:p="http://schemas.openxmlformats.org/presentationml/2006/main">
+  <p:cSld>
+    <p:spTree>
+      <p:nvGrpSpPr>
+        <p:cNvPr id="1" name=""/>
+        <p:cNvGrpSpPr/>
+        <p:nvPr/>
+      </p:nvGrpSpPr>
+      <p:grpSpPr>
+        <a:xfrm>
+          <a:off x="0" y="0"/>
+          <a:ext cx="0" cy="0"/>
+          <a:chOff x="0" y="0"/>
+          <a:chExt cx="0" cy="0"/>
+        </a:xfrm>
+      </p:grpSpPr>
+      <p:sp>
+        <p:nvSpPr>
+          <p:cNvPr id="2" name="Slide Image Placeholder 1"/>
+          <p:cNvSpPr>
+            <a:spLocks noGrp="1" noRot="1" noChangeAspect="1"/>
+          </p:cNvSpPr>
+          <p:nvPr>
+            <p:ph type="sldImg"/>
+          </p:nvPr>
+        </p:nvSpPr>
+        <p:spPr>
+          <a:xfrm>
+            <a:off x="381000" y="685800"/>
+            <a:ext cx="6096000" cy="3429000"/>
+          </a:xfrm>
+        </p:spPr>
+      </p:sp>
+      <p:sp>
+        <p:nvSpPr>
+          <p:cNvPr id="3" name="Notes Placeholder 2"/>
+          <p:cNvSpPr>
+            <a:spLocks noGrp="1"/>
+          </p:cNvSpPr>
+          <p:nvPr>
+            <p:ph type="body" idx="1"/>
+          </p:nvPr>
+        </p:nvSpPr>
+        <p:spPr/>
+        <p:txBody>
+          <a:bodyPr/>
+          <a:lstStyle/>
+          <a:p>
+            <a:pPr algn="l"/>
+            <a:r>
+              <a:rPr lang="en-US" b="0" i="0" dirty="0">
+                <a:solidFill>
+                  <a:srgbClr val="000000"/>
+                </a:solidFill>
+                <a:effectLst/>
+                <a:latin typeface="Times"/>
+              </a:rPr>
               <a:t>In the real world, security policies are dynamic.  Access rights, whether discretionary or mandatory, need to change as the responsibilities of users change.  This can make management of rights difficult.  When a new user is authorized for a system, the appropriate rights for that user must be established.  When a user changes job functions, some rights should be deleted, some maintained, and some added. </a:t>
             </a:r>
           </a:p>
@@ -1858,7 +1975,7 @@
 </p:notes>
 </file>
 
-<file path=ppt/notesSlides/notesSlide15.xml><?xml version="1.0" encoding="utf-8"?>
+<file path=ppt/notesSlides/notesSlide16.xml><?xml version="1.0" encoding="utf-8"?>
 <p:notes xmlns:a="http://schemas.openxmlformats.org/drawingml/2006/main" xmlns:r="http://schemas.openxmlformats.org/officeDocument/2006/relationships" xmlns:p="http://schemas.openxmlformats.org/presentationml/2006/main">
   <p:cSld>
     <p:spTree>
@@ -9955,11 +10072,15 @@
               <a:t> </a:t>
             </a:r>
             <a:r>
+              <a:rPr lang="en-US" b="1" spc="109" dirty="0"/>
+              <a:t>a</a:t>
+            </a:r>
+            <a:r>
               <a:rPr lang="en-US" sz="2100" b="1" dirty="0">
                 <a:latin typeface="Calibri"/>
                 <a:cs typeface="Calibri"/>
               </a:rPr>
-              <a:t>Access</a:t>
+              <a:t>ccess</a:t>
             </a:r>
             <a:r>
               <a:rPr lang="en-US" sz="2100" b="1" spc="120" dirty="0">
@@ -22562,49 +22683,6 @@
       </p:sp>
       <p:sp>
         <p:nvSpPr>
-          <p:cNvPr id="15" name="object 15"/>
-          <p:cNvSpPr txBox="1">
-            <a:spLocks noGrp="1"/>
-          </p:cNvSpPr>
-          <p:nvPr>
-            <p:ph type="sldNum" sz="quarter" idx="7"/>
-          </p:nvPr>
-        </p:nvSpPr>
-        <p:spPr>
-          <a:xfrm>
-            <a:off x="6354344" y="3587305"/>
-            <a:ext cx="411525" cy="115416"/>
-          </a:xfrm>
-          <a:prstGeom prst="rect">
-            <a:avLst/>
-          </a:prstGeom>
-        </p:spPr>
-        <p:txBody>
-          <a:bodyPr spcFirstLastPara="1" vert="horz" wrap="square" lIns="0" tIns="0" rIns="0" bIns="0" rtlCol="0" anchor="ctr" anchorCtr="0">
-            <a:spAutoFit/>
-          </a:bodyPr>
-          <a:lstStyle/>
-          <a:p>
-            <a:pPr marL="28575">
-              <a:lnSpc>
-                <a:spcPts val="930"/>
-              </a:lnSpc>
-            </a:pPr>
-            <a:fld id="{81D60167-4931-47E6-BA6A-407CBD079E47}" type="slidenum">
-              <a:rPr spc="-19" dirty="0"/>
-              <a:pPr marL="28575">
-                <a:lnSpc>
-                  <a:spcPts val="930"/>
-                </a:lnSpc>
-              </a:pPr>
-              <a:t>28</a:t>
-            </a:fld>
-            <a:endParaRPr spc="-19" dirty="0"/>
-          </a:p>
-        </p:txBody>
-      </p:sp>
-      <p:sp>
-        <p:nvSpPr>
           <p:cNvPr id="13" name="object 13"/>
           <p:cNvSpPr txBox="1"/>
           <p:nvPr/>
@@ -22798,7 +22876,7 @@
         <p:spPr>
           <a:xfrm>
             <a:off x="687704" y="1280131"/>
-            <a:ext cx="7886280" cy="3678925"/>
+            <a:ext cx="7886280" cy="3350308"/>
           </a:xfrm>
           <a:prstGeom prst="rect">
             <a:avLst/>
@@ -23149,130 +23227,6 @@
             </a:endParaRPr>
           </a:p>
           <a:p>
-            <a:pPr marL="638176" lvl="1" indent="-285750">
-              <a:lnSpc>
-                <a:spcPct val="114000"/>
-              </a:lnSpc>
-              <a:spcBef>
-                <a:spcPts val="146"/>
-              </a:spcBef>
-              <a:buFont typeface="Arial" panose="020B0604020202020204" pitchFamily="34" charset="0"/>
-              <a:buChar char="•"/>
-              <a:tabLst>
-                <a:tab pos="522923" algn="l"/>
-              </a:tabLst>
-            </a:pPr>
-            <a:r>
-              <a:rPr lang="en-US" sz="1800" dirty="0">
-                <a:latin typeface="+mn-lt"/>
-                <a:cs typeface="Calibri"/>
-              </a:rPr>
-              <a:t>State</a:t>
-            </a:r>
-            <a:r>
-              <a:rPr lang="en-US" sz="1800" spc="-23" dirty="0">
-                <a:latin typeface="+mn-lt"/>
-                <a:cs typeface="Calibri"/>
-              </a:rPr>
-              <a:t> </a:t>
-            </a:r>
-            <a:r>
-              <a:rPr lang="en-US" sz="1800" dirty="0">
-                <a:latin typeface="+mn-lt"/>
-                <a:cs typeface="Calibri"/>
-              </a:rPr>
-              <a:t>=</a:t>
-            </a:r>
-            <a:r>
-              <a:rPr lang="en-US" sz="1800" spc="-26" dirty="0">
-                <a:latin typeface="+mn-lt"/>
-                <a:cs typeface="Calibri"/>
-              </a:rPr>
-              <a:t> </a:t>
-            </a:r>
-            <a:r>
-              <a:rPr lang="en-US" sz="1800" dirty="0">
-                <a:latin typeface="+mn-lt"/>
-                <a:cs typeface="Calibri"/>
-              </a:rPr>
-              <a:t>Object,</a:t>
-            </a:r>
-            <a:r>
-              <a:rPr lang="en-US" sz="1800" spc="-15" dirty="0">
-                <a:latin typeface="+mn-lt"/>
-                <a:cs typeface="Calibri"/>
-              </a:rPr>
-              <a:t> </a:t>
-            </a:r>
-            <a:r>
-              <a:rPr lang="en-US" sz="1800" dirty="0">
-                <a:latin typeface="+mn-lt"/>
-                <a:cs typeface="Calibri"/>
-              </a:rPr>
-              <a:t>access</a:t>
-            </a:r>
-            <a:r>
-              <a:rPr lang="en-US" sz="1800" spc="-41" dirty="0">
-                <a:latin typeface="+mn-lt"/>
-                <a:cs typeface="Calibri"/>
-              </a:rPr>
-              <a:t> </a:t>
-            </a:r>
-            <a:r>
-              <a:rPr lang="en-US" sz="1800" dirty="0">
-                <a:latin typeface="+mn-lt"/>
-                <a:cs typeface="Calibri"/>
-              </a:rPr>
-              <a:t>matrix,</a:t>
-            </a:r>
-            <a:r>
-              <a:rPr lang="en-US" sz="1800" spc="-30" dirty="0">
-                <a:latin typeface="+mn-lt"/>
-                <a:cs typeface="Calibri"/>
-              </a:rPr>
-              <a:t> </a:t>
-            </a:r>
-            <a:r>
-              <a:rPr lang="en-US" sz="1800" dirty="0">
-                <a:latin typeface="+mn-lt"/>
-                <a:cs typeface="Calibri"/>
-              </a:rPr>
-              <a:t>current</a:t>
-            </a:r>
-            <a:r>
-              <a:rPr lang="en-US" sz="1800" spc="-30" dirty="0">
-                <a:latin typeface="+mn-lt"/>
-                <a:cs typeface="Calibri"/>
-              </a:rPr>
-              <a:t> </a:t>
-            </a:r>
-            <a:r>
-              <a:rPr lang="en-US" sz="1800" dirty="0">
-                <a:latin typeface="+mn-lt"/>
-                <a:cs typeface="Calibri"/>
-              </a:rPr>
-              <a:t>access</a:t>
-            </a:r>
-            <a:r>
-              <a:rPr lang="en-US" sz="1800" spc="-30" dirty="0">
-                <a:latin typeface="+mn-lt"/>
-                <a:cs typeface="Calibri"/>
-              </a:rPr>
-              <a:t> </a:t>
-            </a:r>
-            <a:r>
-              <a:rPr lang="en-US" sz="1800" spc="-8" dirty="0">
-                <a:latin typeface="+mn-lt"/>
-                <a:cs typeface="Calibri"/>
-              </a:rPr>
-              <a:t>information</a:t>
-            </a:r>
-            <a:endParaRPr lang="en-US" sz="1800" dirty="0">
-              <a:latin typeface="+mn-lt"/>
-              <a:cs typeface="Calibri"/>
-            </a:endParaRPr>
-          </a:p>
-          <a:p>
             <a:pPr marL="352425" marR="3810" indent="-342900">
               <a:lnSpc>
                 <a:spcPct val="114000"/>
@@ -23502,11 +23456,18 @@
               <a:t> </a:t>
             </a:r>
             <a:r>
+              <a:rPr sz="2100" b="1" dirty="0">
+                <a:latin typeface="+mn-lt"/>
+                <a:cs typeface="Calibri"/>
+              </a:rPr>
+              <a:t>subject</a:t>
+            </a:r>
+            <a:r>
               <a:rPr sz="2100" dirty="0">
                 <a:latin typeface="+mn-lt"/>
                 <a:cs typeface="Calibri"/>
               </a:rPr>
-              <a:t>subject s</a:t>
+              <a:t> s</a:t>
             </a:r>
             <a:r>
               <a:rPr sz="2100" spc="-30" dirty="0">
@@ -23710,7 +23671,7 @@
               <a:t> </a:t>
             </a:r>
             <a:r>
-              <a:rPr sz="2100" dirty="0">
+              <a:rPr sz="2100" b="1" dirty="0">
                 <a:latin typeface="+mn-lt"/>
                 <a:cs typeface="Calibri"/>
               </a:rPr>
@@ -23820,7 +23781,7 @@
                                         <p:tgtEl>
                                           <p:spTgt spid="3">
                                             <p:txEl>
-                                              <p:pRg st="0" end="0"/>
+                                              <p:pRg st="1" end="1"/>
                                             </p:txEl>
                                           </p:spTgt>
                                         </p:tgtEl>
@@ -23869,7 +23830,7 @@
                                         <p:tgtEl>
                                           <p:spTgt spid="3">
                                             <p:txEl>
-                                              <p:pRg st="1" end="1"/>
+                                              <p:pRg st="2" end="2"/>
                                             </p:txEl>
                                           </p:spTgt>
                                         </p:tgtEl>
@@ -23918,7 +23879,7 @@
                                         <p:tgtEl>
                                           <p:spTgt spid="3">
                                             <p:txEl>
-                                              <p:pRg st="2" end="2"/>
+                                              <p:pRg st="3" end="3"/>
                                             </p:txEl>
                                           </p:spTgt>
                                         </p:tgtEl>
@@ -23967,105 +23928,7 @@
                                         <p:tgtEl>
                                           <p:spTgt spid="3">
                                             <p:txEl>
-                                              <p:pRg st="3" end="3"/>
-                                            </p:txEl>
-                                          </p:spTgt>
-                                        </p:tgtEl>
-                                        <p:attrNameLst>
-                                          <p:attrName>style.visibility</p:attrName>
-                                        </p:attrNameLst>
-                                      </p:cBhvr>
-                                      <p:to>
-                                        <p:strVal val="visible"/>
-                                      </p:to>
-                                    </p:set>
-                                  </p:childTnLst>
-                                </p:cTn>
-                              </p:par>
-                            </p:childTnLst>
-                          </p:cTn>
-                        </p:par>
-                      </p:childTnLst>
-                    </p:cTn>
-                  </p:par>
-                  <p:par>
-                    <p:cTn id="19" fill="hold">
-                      <p:stCondLst>
-                        <p:cond delay="indefinite"/>
-                      </p:stCondLst>
-                      <p:childTnLst>
-                        <p:par>
-                          <p:cTn id="20" fill="hold">
-                            <p:stCondLst>
-                              <p:cond delay="0"/>
-                            </p:stCondLst>
-                            <p:childTnLst>
-                              <p:par>
-                                <p:cTn id="21" presetID="1" presetClass="entr" presetSubtype="0" fill="hold" nodeType="clickEffect">
-                                  <p:stCondLst>
-                                    <p:cond delay="0"/>
-                                  </p:stCondLst>
-                                  <p:childTnLst>
-                                    <p:set>
-                                      <p:cBhvr>
-                                        <p:cTn id="22" dur="1" fill="hold">
-                                          <p:stCondLst>
-                                            <p:cond delay="0"/>
-                                          </p:stCondLst>
-                                        </p:cTn>
-                                        <p:tgtEl>
-                                          <p:spTgt spid="3">
-                                            <p:txEl>
                                               <p:pRg st="4" end="4"/>
-                                            </p:txEl>
-                                          </p:spTgt>
-                                        </p:tgtEl>
-                                        <p:attrNameLst>
-                                          <p:attrName>style.visibility</p:attrName>
-                                        </p:attrNameLst>
-                                      </p:cBhvr>
-                                      <p:to>
-                                        <p:strVal val="visible"/>
-                                      </p:to>
-                                    </p:set>
-                                  </p:childTnLst>
-                                </p:cTn>
-                              </p:par>
-                            </p:childTnLst>
-                          </p:cTn>
-                        </p:par>
-                      </p:childTnLst>
-                    </p:cTn>
-                  </p:par>
-                  <p:par>
-                    <p:cTn id="23" fill="hold">
-                      <p:stCondLst>
-                        <p:cond delay="indefinite"/>
-                      </p:stCondLst>
-                      <p:childTnLst>
-                        <p:par>
-                          <p:cTn id="24" fill="hold">
-                            <p:stCondLst>
-                              <p:cond delay="0"/>
-                            </p:stCondLst>
-                            <p:childTnLst>
-                              <p:par>
-                                <p:cTn id="25" presetID="1" presetClass="entr" presetSubtype="0" fill="hold" nodeType="clickEffect">
-                                  <p:stCondLst>
-                                    <p:cond delay="0"/>
-                                  </p:stCondLst>
-                                  <p:childTnLst>
-                                    <p:set>
-                                      <p:cBhvr>
-                                        <p:cTn id="26" dur="1" fill="hold">
-                                          <p:stCondLst>
-                                            <p:cond delay="0"/>
-                                          </p:stCondLst>
-                                        </p:cTn>
-                                        <p:tgtEl>
-                                          <p:spTgt spid="3">
-                                            <p:txEl>
-                                              <p:pRg st="5" end="5"/>
                                             </p:txEl>
                                           </p:spTgt>
                                         </p:tgtEl>
@@ -27486,8 +27349,8 @@
         </p:nvSpPr>
         <p:spPr>
           <a:xfrm>
-            <a:off x="687705" y="1317424"/>
-            <a:ext cx="7616666" cy="2958342"/>
+            <a:off x="687704" y="1317424"/>
+            <a:ext cx="8001183" cy="3567611"/>
           </a:xfrm>
           <a:prstGeom prst="rect">
             <a:avLst/>
@@ -27500,6 +27363,9 @@
           <a:lstStyle/>
           <a:p>
             <a:pPr marL="180022" indent="-170497">
+              <a:lnSpc>
+                <a:spcPct val="114000"/>
+              </a:lnSpc>
               <a:spcBef>
                 <a:spcPts val="289"/>
               </a:spcBef>
@@ -27510,774 +27376,404 @@
               </a:tabLst>
             </a:pPr>
             <a:r>
-              <a:rPr sz="2100" dirty="0">
-                <a:latin typeface="Calibri"/>
+              <a:rPr sz="2000" dirty="0">
+                <a:latin typeface="+mn-lt"/>
                 <a:cs typeface="Calibri"/>
               </a:rPr>
               <a:t>Consider</a:t>
             </a:r>
             <a:r>
-              <a:rPr sz="2100" spc="-34" dirty="0">
-                <a:latin typeface="Calibri"/>
-                <a:cs typeface="Calibri"/>
-              </a:rPr>
-              <a:t> </a:t>
-            </a:r>
-            <a:r>
-              <a:rPr sz="2100" dirty="0">
-                <a:latin typeface="Calibri"/>
+              <a:rPr sz="2000" spc="-34" dirty="0">
+                <a:latin typeface="+mn-lt"/>
+                <a:cs typeface="Calibri"/>
+              </a:rPr>
+              <a:t> </a:t>
+            </a:r>
+            <a:r>
+              <a:rPr sz="2000" dirty="0">
+                <a:latin typeface="+mn-lt"/>
                 <a:cs typeface="Calibri"/>
               </a:rPr>
               <a:t>a</a:t>
             </a:r>
             <a:r>
-              <a:rPr sz="2100" spc="-49" dirty="0">
-                <a:latin typeface="Calibri"/>
-                <a:cs typeface="Calibri"/>
-              </a:rPr>
-              <a:t> </a:t>
-            </a:r>
-            <a:r>
-              <a:rPr sz="2100" dirty="0">
-                <a:latin typeface="Calibri"/>
+              <a:rPr sz="2000" spc="-49" dirty="0">
+                <a:latin typeface="+mn-lt"/>
+                <a:cs typeface="Calibri"/>
+              </a:rPr>
+              <a:t> </a:t>
+            </a:r>
+            <a:r>
+              <a:rPr sz="2000" dirty="0">
+                <a:latin typeface="+mn-lt"/>
                 <a:cs typeface="Calibri"/>
               </a:rPr>
               <a:t>system</a:t>
             </a:r>
             <a:r>
-              <a:rPr sz="2100" spc="-38" dirty="0">
-                <a:latin typeface="Calibri"/>
-                <a:cs typeface="Calibri"/>
-              </a:rPr>
-              <a:t> </a:t>
-            </a:r>
-            <a:r>
-              <a:rPr sz="2100" dirty="0">
-                <a:latin typeface="Calibri"/>
+              <a:rPr sz="2000" spc="-38" dirty="0">
+                <a:latin typeface="+mn-lt"/>
+                <a:cs typeface="Calibri"/>
+              </a:rPr>
+              <a:t> </a:t>
+            </a:r>
+            <a:r>
+              <a:rPr sz="2000" dirty="0">
+                <a:latin typeface="+mn-lt"/>
                 <a:cs typeface="Calibri"/>
               </a:rPr>
               <a:t>with</a:t>
             </a:r>
             <a:r>
-              <a:rPr sz="2100" spc="-45" dirty="0">
-                <a:latin typeface="Calibri"/>
-                <a:cs typeface="Calibri"/>
-              </a:rPr>
-              <a:t> </a:t>
-            </a:r>
-            <a:r>
-              <a:rPr sz="2100" dirty="0">
-                <a:latin typeface="Calibri"/>
+              <a:rPr sz="2000" spc="-45" dirty="0">
+                <a:latin typeface="+mn-lt"/>
+                <a:cs typeface="Calibri"/>
+              </a:rPr>
+              <a:t> </a:t>
+            </a:r>
+            <a:r>
+              <a:rPr sz="2000" dirty="0">
+                <a:latin typeface="+mn-lt"/>
                 <a:cs typeface="Calibri"/>
               </a:rPr>
               <a:t>subjects</a:t>
             </a:r>
             <a:r>
-              <a:rPr sz="2100" spc="-23" dirty="0">
-                <a:latin typeface="Calibri"/>
-                <a:cs typeface="Calibri"/>
-              </a:rPr>
-              <a:t> </a:t>
-            </a:r>
-            <a:r>
-              <a:rPr sz="2100" dirty="0">
-                <a:latin typeface="Calibri"/>
+              <a:rPr sz="2000" spc="-23" dirty="0">
+                <a:latin typeface="+mn-lt"/>
+                <a:cs typeface="Calibri"/>
+              </a:rPr>
+              <a:t> </a:t>
+            </a:r>
+            <a:r>
+              <a:rPr sz="2000" dirty="0">
+                <a:latin typeface="+mn-lt"/>
                 <a:cs typeface="Calibri"/>
               </a:rPr>
               <a:t>s1,</a:t>
             </a:r>
             <a:r>
-              <a:rPr sz="2100" spc="-38" dirty="0">
-                <a:latin typeface="Calibri"/>
-                <a:cs typeface="Calibri"/>
-              </a:rPr>
-              <a:t> </a:t>
-            </a:r>
-            <a:r>
-              <a:rPr sz="2100" dirty="0">
-                <a:latin typeface="Calibri"/>
+              <a:rPr sz="2000" spc="-38" dirty="0">
+                <a:latin typeface="+mn-lt"/>
+                <a:cs typeface="Calibri"/>
+              </a:rPr>
+              <a:t> </a:t>
+            </a:r>
+            <a:r>
+              <a:rPr sz="2000" dirty="0">
+                <a:latin typeface="+mn-lt"/>
                 <a:cs typeface="Calibri"/>
               </a:rPr>
               <a:t>s2,</a:t>
             </a:r>
             <a:r>
-              <a:rPr sz="2100" spc="-34" dirty="0">
-                <a:latin typeface="Calibri"/>
-                <a:cs typeface="Calibri"/>
-              </a:rPr>
-              <a:t> </a:t>
-            </a:r>
-            <a:r>
-              <a:rPr sz="2100" dirty="0">
-                <a:latin typeface="Calibri"/>
+              <a:rPr sz="2000" spc="-34" dirty="0">
+                <a:latin typeface="+mn-lt"/>
+                <a:cs typeface="Calibri"/>
+              </a:rPr>
+              <a:t> </a:t>
+            </a:r>
+            <a:r>
+              <a:rPr sz="2000" dirty="0">
+                <a:latin typeface="+mn-lt"/>
                 <a:cs typeface="Calibri"/>
               </a:rPr>
               <a:t>and</a:t>
             </a:r>
             <a:r>
-              <a:rPr sz="2100" spc="-49" dirty="0">
-                <a:latin typeface="Calibri"/>
-                <a:cs typeface="Calibri"/>
-              </a:rPr>
-              <a:t> </a:t>
-            </a:r>
-            <a:r>
-              <a:rPr sz="2100" dirty="0">
-                <a:latin typeface="Calibri"/>
+              <a:rPr sz="2000" spc="-49" dirty="0">
+                <a:latin typeface="+mn-lt"/>
+                <a:cs typeface="Calibri"/>
+              </a:rPr>
+              <a:t> </a:t>
+            </a:r>
+            <a:r>
+              <a:rPr sz="2000" dirty="0">
+                <a:latin typeface="+mn-lt"/>
                 <a:cs typeface="Calibri"/>
               </a:rPr>
               <a:t>objects</a:t>
             </a:r>
             <a:r>
-              <a:rPr sz="2100" spc="-30" dirty="0">
-                <a:latin typeface="Calibri"/>
-                <a:cs typeface="Calibri"/>
-              </a:rPr>
-              <a:t> </a:t>
-            </a:r>
-            <a:r>
-              <a:rPr sz="2100" dirty="0">
-                <a:latin typeface="Calibri"/>
+              <a:rPr sz="2000" spc="-30" dirty="0">
+                <a:latin typeface="+mn-lt"/>
+                <a:cs typeface="Calibri"/>
+              </a:rPr>
+              <a:t> </a:t>
+            </a:r>
+            <a:r>
+              <a:rPr sz="2000" dirty="0">
+                <a:latin typeface="+mn-lt"/>
                 <a:cs typeface="Calibri"/>
               </a:rPr>
               <a:t>o1,</a:t>
             </a:r>
             <a:r>
-              <a:rPr sz="2100" spc="-45" dirty="0">
-                <a:latin typeface="Calibri"/>
-                <a:cs typeface="Calibri"/>
-              </a:rPr>
-              <a:t> </a:t>
-            </a:r>
-            <a:r>
-              <a:rPr sz="2100" spc="-19" dirty="0">
-                <a:latin typeface="Calibri"/>
+              <a:rPr sz="2000" spc="-45" dirty="0">
+                <a:latin typeface="+mn-lt"/>
+                <a:cs typeface="Calibri"/>
+              </a:rPr>
+              <a:t> </a:t>
+            </a:r>
+            <a:r>
+              <a:rPr sz="2000" spc="-19" dirty="0">
+                <a:latin typeface="+mn-lt"/>
                 <a:cs typeface="Calibri"/>
               </a:rPr>
               <a:t>o2</a:t>
             </a:r>
-            <a:endParaRPr sz="2100" dirty="0">
-              <a:latin typeface="Calibri"/>
+            <a:endParaRPr lang="en-US" sz="2000" spc="-19" dirty="0">
+              <a:latin typeface="+mn-lt"/>
               <a:cs typeface="Calibri"/>
             </a:endParaRPr>
           </a:p>
           <a:p>
-            <a:pPr marL="170497" marR="4409123" lvl="1" indent="-170497" algn="r">
-              <a:spcBef>
-                <a:spcPts val="184"/>
-              </a:spcBef>
+            <a:pPr marL="362902" lvl="1" indent="-170497">
+              <a:lnSpc>
+                <a:spcPct val="114000"/>
+              </a:lnSpc>
               <a:buFont typeface="Arial"/>
               <a:buChar char="•"/>
               <a:tabLst>
-                <a:tab pos="170497" algn="l"/>
+                <a:tab pos="180022" algn="l"/>
               </a:tabLst>
             </a:pPr>
             <a:r>
-              <a:rPr sz="1800" dirty="0">
-                <a:latin typeface="Calibri"/>
-                <a:cs typeface="Calibri"/>
-              </a:rPr>
-              <a:t>Lm(s1)</a:t>
-            </a:r>
-            <a:r>
-              <a:rPr sz="1800" spc="-26" dirty="0">
-                <a:latin typeface="Calibri"/>
-                <a:cs typeface="Calibri"/>
-              </a:rPr>
-              <a:t> </a:t>
-            </a:r>
-            <a:r>
-              <a:rPr sz="1800" dirty="0">
-                <a:latin typeface="Calibri"/>
+              <a:rPr lang="en-US" sz="1600" dirty="0" err="1">
+                <a:latin typeface="+mn-lt"/>
+                <a:cs typeface="Calibri"/>
+              </a:rPr>
+              <a:t>Lm</a:t>
+            </a:r>
+            <a:r>
+              <a:rPr lang="en-US" sz="1600" dirty="0">
+                <a:latin typeface="+mn-lt"/>
+                <a:cs typeface="Calibri"/>
+              </a:rPr>
+              <a:t>(s1)</a:t>
+            </a:r>
+            <a:r>
+              <a:rPr lang="en-US" sz="1600" spc="-26" dirty="0">
+                <a:latin typeface="+mn-lt"/>
+                <a:cs typeface="Calibri"/>
+              </a:rPr>
+              <a:t> </a:t>
+            </a:r>
+            <a:r>
+              <a:rPr lang="en-US" sz="1600" dirty="0">
+                <a:latin typeface="+mn-lt"/>
                 <a:cs typeface="Calibri"/>
               </a:rPr>
               <a:t>=</a:t>
             </a:r>
             <a:r>
-              <a:rPr sz="1800" spc="-19" dirty="0">
-                <a:latin typeface="Calibri"/>
-                <a:cs typeface="Calibri"/>
-              </a:rPr>
-              <a:t> </a:t>
-            </a:r>
-            <a:r>
-              <a:rPr sz="1800" dirty="0">
-                <a:latin typeface="Calibri"/>
+              <a:rPr lang="en-US" sz="1600" spc="-19" dirty="0">
+                <a:latin typeface="+mn-lt"/>
+                <a:cs typeface="Calibri"/>
+              </a:rPr>
+              <a:t> </a:t>
+            </a:r>
+            <a:r>
+              <a:rPr lang="en-US" sz="1600" dirty="0">
+                <a:latin typeface="+mn-lt"/>
                 <a:cs typeface="Calibri"/>
               </a:rPr>
               <a:t>Lc(s1)</a:t>
             </a:r>
             <a:r>
-              <a:rPr sz="1800" spc="-26" dirty="0">
-                <a:latin typeface="Calibri"/>
-                <a:cs typeface="Calibri"/>
-              </a:rPr>
-              <a:t> </a:t>
-            </a:r>
-            <a:r>
-              <a:rPr sz="1800" dirty="0">
-                <a:latin typeface="Calibri"/>
+              <a:rPr lang="en-US" sz="1600" spc="-26" dirty="0">
+                <a:latin typeface="+mn-lt"/>
+                <a:cs typeface="Calibri"/>
+              </a:rPr>
+              <a:t> </a:t>
+            </a:r>
+            <a:r>
+              <a:rPr lang="en-US" sz="1600" dirty="0">
+                <a:latin typeface="+mn-lt"/>
                 <a:cs typeface="Calibri"/>
               </a:rPr>
               <a:t>=</a:t>
             </a:r>
             <a:r>
-              <a:rPr sz="1800" spc="-15" dirty="0">
-                <a:latin typeface="Calibri"/>
-                <a:cs typeface="Calibri"/>
-              </a:rPr>
-              <a:t> </a:t>
-            </a:r>
-            <a:r>
-              <a:rPr sz="1800" dirty="0">
-                <a:latin typeface="Calibri"/>
+              <a:rPr lang="en-US" sz="1600" spc="-15" dirty="0">
+                <a:latin typeface="+mn-lt"/>
+                <a:cs typeface="Calibri"/>
+              </a:rPr>
+              <a:t> </a:t>
+            </a:r>
+            <a:r>
+              <a:rPr lang="en-US" sz="1600" dirty="0">
+                <a:latin typeface="+mn-lt"/>
                 <a:cs typeface="Calibri"/>
               </a:rPr>
               <a:t>L(o1)</a:t>
             </a:r>
             <a:r>
-              <a:rPr sz="1800" spc="-26" dirty="0">
-                <a:latin typeface="Calibri"/>
-                <a:cs typeface="Calibri"/>
-              </a:rPr>
-              <a:t> </a:t>
-            </a:r>
-            <a:r>
-              <a:rPr sz="1800" dirty="0">
-                <a:latin typeface="Calibri"/>
+              <a:rPr lang="en-US" sz="1600" spc="-26" dirty="0">
+                <a:latin typeface="+mn-lt"/>
+                <a:cs typeface="Calibri"/>
+              </a:rPr>
+              <a:t> </a:t>
+            </a:r>
+            <a:r>
+              <a:rPr lang="en-US" sz="1600" dirty="0">
+                <a:latin typeface="+mn-lt"/>
                 <a:cs typeface="Calibri"/>
               </a:rPr>
               <a:t>=</a:t>
             </a:r>
             <a:r>
-              <a:rPr lang="en-US" sz="1800" spc="-15" dirty="0">
-                <a:latin typeface="Calibri"/>
-                <a:cs typeface="Calibri"/>
-              </a:rPr>
-              <a:t> </a:t>
-            </a:r>
-            <a:r>
-              <a:rPr sz="1800" spc="-15" dirty="0">
-                <a:latin typeface="Calibri"/>
-                <a:cs typeface="Calibri"/>
-              </a:rPr>
-              <a:t>high</a:t>
-            </a:r>
-            <a:endParaRPr sz="1800" dirty="0">
-              <a:latin typeface="Calibri"/>
+              <a:rPr lang="en-US" sz="1600" spc="-15" dirty="0">
+                <a:latin typeface="+mn-lt"/>
+                <a:cs typeface="Calibri"/>
+              </a:rPr>
+              <a:t> </a:t>
+            </a:r>
+            <a:r>
+              <a:rPr lang="en-US" sz="1600" spc="-15" dirty="0">
+                <a:solidFill>
+                  <a:srgbClr val="FF0000"/>
+                </a:solidFill>
+                <a:latin typeface="+mn-lt"/>
+                <a:cs typeface="Calibri"/>
+              </a:rPr>
+              <a:t>Secret</a:t>
+            </a:r>
+            <a:endParaRPr lang="en-US" sz="1600" dirty="0">
+              <a:solidFill>
+                <a:srgbClr val="FF0000"/>
+              </a:solidFill>
+              <a:latin typeface="+mn-lt"/>
               <a:cs typeface="Calibri"/>
             </a:endParaRPr>
           </a:p>
           <a:p>
-            <a:pPr marL="170497" marR="4472464" lvl="1" indent="-170497" algn="r">
-              <a:spcBef>
-                <a:spcPts val="164"/>
-              </a:spcBef>
+            <a:pPr marL="362902" lvl="1" indent="-170497">
+              <a:lnSpc>
+                <a:spcPct val="114000"/>
+              </a:lnSpc>
               <a:buFont typeface="Arial"/>
               <a:buChar char="•"/>
               <a:tabLst>
-                <a:tab pos="170497" algn="l"/>
+                <a:tab pos="180022" algn="l"/>
               </a:tabLst>
             </a:pPr>
             <a:r>
-              <a:rPr sz="1800" dirty="0">
-                <a:latin typeface="Calibri"/>
-                <a:cs typeface="Calibri"/>
-              </a:rPr>
-              <a:t>Lm(s2)</a:t>
-            </a:r>
-            <a:r>
-              <a:rPr sz="1800" spc="-26" dirty="0">
-                <a:latin typeface="Calibri"/>
-                <a:cs typeface="Calibri"/>
-              </a:rPr>
-              <a:t> </a:t>
-            </a:r>
-            <a:r>
-              <a:rPr sz="1800" dirty="0">
-                <a:latin typeface="Calibri"/>
+              <a:rPr lang="en-US" sz="1600" dirty="0" err="1">
+                <a:latin typeface="+mn-lt"/>
+                <a:cs typeface="Calibri"/>
+              </a:rPr>
+              <a:t>Lm</a:t>
+            </a:r>
+            <a:r>
+              <a:rPr lang="en-US" sz="1600" dirty="0">
+                <a:latin typeface="+mn-lt"/>
+                <a:cs typeface="Calibri"/>
+              </a:rPr>
+              <a:t>(s2)</a:t>
+            </a:r>
+            <a:r>
+              <a:rPr lang="en-US" sz="1600" spc="-26" dirty="0">
+                <a:latin typeface="+mn-lt"/>
+                <a:cs typeface="Calibri"/>
+              </a:rPr>
+              <a:t> </a:t>
+            </a:r>
+            <a:r>
+              <a:rPr lang="en-US" sz="1600" dirty="0">
+                <a:latin typeface="+mn-lt"/>
                 <a:cs typeface="Calibri"/>
               </a:rPr>
               <a:t>=</a:t>
             </a:r>
             <a:r>
-              <a:rPr sz="1800" spc="-19" dirty="0">
-                <a:latin typeface="Calibri"/>
-                <a:cs typeface="Calibri"/>
-              </a:rPr>
-              <a:t> </a:t>
-            </a:r>
-            <a:r>
-              <a:rPr sz="1800" dirty="0">
-                <a:latin typeface="Calibri"/>
+              <a:rPr lang="en-US" sz="1600" spc="-19" dirty="0">
+                <a:latin typeface="+mn-lt"/>
+                <a:cs typeface="Calibri"/>
+              </a:rPr>
+              <a:t> </a:t>
+            </a:r>
+            <a:r>
+              <a:rPr lang="en-US" sz="1600" dirty="0">
+                <a:latin typeface="+mn-lt"/>
                 <a:cs typeface="Calibri"/>
               </a:rPr>
               <a:t>Lc(s2)</a:t>
             </a:r>
             <a:r>
-              <a:rPr sz="1800" spc="-26" dirty="0">
-                <a:latin typeface="Calibri"/>
-                <a:cs typeface="Calibri"/>
-              </a:rPr>
-              <a:t> </a:t>
-            </a:r>
-            <a:r>
-              <a:rPr sz="1800" dirty="0">
-                <a:latin typeface="Calibri"/>
+              <a:rPr lang="en-US" sz="1600" spc="-26" dirty="0">
+                <a:latin typeface="+mn-lt"/>
+                <a:cs typeface="Calibri"/>
+              </a:rPr>
+              <a:t> </a:t>
+            </a:r>
+            <a:r>
+              <a:rPr lang="en-US" sz="1600" dirty="0">
+                <a:latin typeface="+mn-lt"/>
                 <a:cs typeface="Calibri"/>
               </a:rPr>
               <a:t>=</a:t>
             </a:r>
             <a:r>
-              <a:rPr sz="1800" spc="-15" dirty="0">
-                <a:latin typeface="Calibri"/>
-                <a:cs typeface="Calibri"/>
-              </a:rPr>
-              <a:t> </a:t>
-            </a:r>
-            <a:r>
-              <a:rPr sz="1800" dirty="0">
-                <a:latin typeface="Calibri"/>
+              <a:rPr lang="en-US" sz="1600" spc="-15" dirty="0">
+                <a:latin typeface="+mn-lt"/>
+                <a:cs typeface="Calibri"/>
+              </a:rPr>
+              <a:t> </a:t>
+            </a:r>
+            <a:r>
+              <a:rPr lang="en-US" sz="1600" dirty="0">
+                <a:latin typeface="+mn-lt"/>
                 <a:cs typeface="Calibri"/>
               </a:rPr>
               <a:t>L(o2)</a:t>
             </a:r>
             <a:r>
-              <a:rPr sz="1800" spc="-26" dirty="0">
-                <a:latin typeface="Calibri"/>
-                <a:cs typeface="Calibri"/>
-              </a:rPr>
-              <a:t> </a:t>
-            </a:r>
-            <a:r>
-              <a:rPr sz="1800" dirty="0">
-                <a:latin typeface="Calibri"/>
+              <a:rPr lang="en-US" sz="1600" spc="-26" dirty="0">
+                <a:latin typeface="+mn-lt"/>
+                <a:cs typeface="Calibri"/>
+              </a:rPr>
+              <a:t> </a:t>
+            </a:r>
+            <a:r>
+              <a:rPr lang="en-US" sz="1600" dirty="0">
+                <a:latin typeface="+mn-lt"/>
                 <a:cs typeface="Calibri"/>
               </a:rPr>
               <a:t>=</a:t>
             </a:r>
             <a:r>
-              <a:rPr sz="1800" spc="-15" dirty="0">
-                <a:latin typeface="Calibri"/>
-                <a:cs typeface="Calibri"/>
-              </a:rPr>
-              <a:t> </a:t>
-            </a:r>
-            <a:r>
-              <a:rPr sz="1800" spc="-19" dirty="0">
-                <a:latin typeface="Calibri"/>
-                <a:cs typeface="Calibri"/>
-              </a:rPr>
-              <a:t>low</a:t>
-            </a:r>
-            <a:endParaRPr sz="1800" dirty="0">
-              <a:latin typeface="Calibri"/>
-              <a:cs typeface="Calibri"/>
-            </a:endParaRPr>
-          </a:p>
-          <a:p>
-            <a:pPr marL="170497" marR="4384358" indent="-170497" algn="r">
-              <a:spcBef>
-                <a:spcPts val="472"/>
-              </a:spcBef>
-              <a:buFont typeface="Arial"/>
-              <a:buChar char="•"/>
-              <a:tabLst>
-                <a:tab pos="170497" algn="l"/>
-              </a:tabLst>
-            </a:pPr>
-            <a:r>
-              <a:rPr sz="2100" dirty="0">
-                <a:latin typeface="Calibri"/>
-                <a:cs typeface="Calibri"/>
-              </a:rPr>
-              <a:t>And</a:t>
-            </a:r>
-            <a:r>
-              <a:rPr sz="2100" spc="-19" dirty="0">
-                <a:latin typeface="Calibri"/>
-                <a:cs typeface="Calibri"/>
-              </a:rPr>
-              <a:t> </a:t>
-            </a:r>
-            <a:r>
-              <a:rPr sz="2100" dirty="0">
-                <a:latin typeface="Calibri"/>
-                <a:cs typeface="Calibri"/>
-              </a:rPr>
-              <a:t>the</a:t>
-            </a:r>
-            <a:r>
-              <a:rPr sz="2100" spc="-23" dirty="0">
-                <a:latin typeface="Calibri"/>
-                <a:cs typeface="Calibri"/>
-              </a:rPr>
-              <a:t> </a:t>
-            </a:r>
-            <a:r>
-              <a:rPr sz="2100" dirty="0">
-                <a:latin typeface="Calibri"/>
-                <a:cs typeface="Calibri"/>
-              </a:rPr>
-              <a:t>following</a:t>
-            </a:r>
-            <a:r>
-              <a:rPr sz="2100" spc="-26" dirty="0">
-                <a:latin typeface="Calibri"/>
-                <a:cs typeface="Calibri"/>
-              </a:rPr>
-              <a:t> </a:t>
-            </a:r>
-            <a:r>
-              <a:rPr sz="2100" spc="-8" dirty="0">
-                <a:latin typeface="Calibri"/>
-                <a:cs typeface="Calibri"/>
-              </a:rPr>
-              <a:t>execution</a:t>
-            </a:r>
-            <a:endParaRPr sz="2100" dirty="0">
-              <a:latin typeface="Calibri"/>
-              <a:cs typeface="Calibri"/>
-            </a:endParaRPr>
-          </a:p>
-          <a:p>
-            <a:pPr marL="522923" marR="3810" lvl="1" indent="-170497">
-              <a:lnSpc>
-                <a:spcPts val="1943"/>
-              </a:lnSpc>
-              <a:spcBef>
-                <a:spcPts val="431"/>
-              </a:spcBef>
-              <a:buFont typeface="Arial"/>
-              <a:buChar char="•"/>
-              <a:tabLst>
-                <a:tab pos="523875" algn="l"/>
-              </a:tabLst>
-            </a:pPr>
-            <a:r>
-              <a:rPr sz="1800" dirty="0">
-                <a:latin typeface="Calibri"/>
-                <a:cs typeface="Calibri"/>
-              </a:rPr>
-              <a:t>s1</a:t>
-            </a:r>
-            <a:r>
-              <a:rPr sz="1800" spc="-34" dirty="0">
-                <a:latin typeface="Calibri"/>
-                <a:cs typeface="Calibri"/>
-              </a:rPr>
-              <a:t> </a:t>
-            </a:r>
-            <a:r>
-              <a:rPr sz="1800" dirty="0">
-                <a:latin typeface="Calibri"/>
-                <a:cs typeface="Calibri"/>
-              </a:rPr>
-              <a:t>gets</a:t>
-            </a:r>
-            <a:r>
-              <a:rPr sz="1800" spc="-41" dirty="0">
-                <a:latin typeface="Calibri"/>
-                <a:cs typeface="Calibri"/>
-              </a:rPr>
-              <a:t> </a:t>
-            </a:r>
-            <a:r>
-              <a:rPr sz="1800" dirty="0">
-                <a:latin typeface="Calibri"/>
-                <a:cs typeface="Calibri"/>
-              </a:rPr>
-              <a:t>access</a:t>
-            </a:r>
-            <a:r>
-              <a:rPr sz="1800" spc="-34" dirty="0">
-                <a:latin typeface="Calibri"/>
-                <a:cs typeface="Calibri"/>
-              </a:rPr>
-              <a:t> </a:t>
-            </a:r>
-            <a:r>
-              <a:rPr sz="1800" dirty="0">
-                <a:latin typeface="Calibri"/>
-                <a:cs typeface="Calibri"/>
-              </a:rPr>
-              <a:t>to</a:t>
-            </a:r>
-            <a:r>
-              <a:rPr sz="1800" spc="-30" dirty="0">
-                <a:latin typeface="Calibri"/>
-                <a:cs typeface="Calibri"/>
-              </a:rPr>
-              <a:t> </a:t>
-            </a:r>
-            <a:r>
-              <a:rPr sz="1800" dirty="0">
-                <a:latin typeface="Calibri"/>
-                <a:cs typeface="Calibri"/>
-              </a:rPr>
-              <a:t>o1,</a:t>
-            </a:r>
-            <a:r>
-              <a:rPr sz="1800" spc="-34" dirty="0">
-                <a:latin typeface="Calibri"/>
-                <a:cs typeface="Calibri"/>
-              </a:rPr>
-              <a:t> </a:t>
-            </a:r>
-            <a:r>
-              <a:rPr sz="1800" dirty="0">
-                <a:latin typeface="Calibri"/>
-                <a:cs typeface="Calibri"/>
-              </a:rPr>
-              <a:t>reads</a:t>
-            </a:r>
-            <a:r>
-              <a:rPr sz="1800" spc="-34" dirty="0">
-                <a:latin typeface="Calibri"/>
-                <a:cs typeface="Calibri"/>
-              </a:rPr>
-              <a:t> </a:t>
-            </a:r>
-            <a:r>
-              <a:rPr sz="1800" dirty="0">
-                <a:latin typeface="Calibri"/>
-                <a:cs typeface="Calibri"/>
-              </a:rPr>
-              <a:t>something,</a:t>
-            </a:r>
-            <a:r>
-              <a:rPr sz="1800" spc="-26" dirty="0">
-                <a:latin typeface="Calibri"/>
-                <a:cs typeface="Calibri"/>
-              </a:rPr>
-              <a:t> </a:t>
-            </a:r>
-            <a:r>
-              <a:rPr sz="1800" dirty="0">
-                <a:latin typeface="Calibri"/>
-                <a:cs typeface="Calibri"/>
-              </a:rPr>
-              <a:t>releases</a:t>
-            </a:r>
-            <a:r>
-              <a:rPr sz="1800" spc="-38" dirty="0">
-                <a:latin typeface="Calibri"/>
-                <a:cs typeface="Calibri"/>
-              </a:rPr>
-              <a:t> </a:t>
-            </a:r>
-            <a:r>
-              <a:rPr sz="1800" dirty="0">
-                <a:latin typeface="Calibri"/>
-                <a:cs typeface="Calibri"/>
-              </a:rPr>
-              <a:t>access,</a:t>
-            </a:r>
-            <a:r>
-              <a:rPr sz="1800" spc="-38" dirty="0">
-                <a:latin typeface="Calibri"/>
-                <a:cs typeface="Calibri"/>
-              </a:rPr>
-              <a:t> </a:t>
-            </a:r>
-            <a:r>
-              <a:rPr sz="1800" dirty="0">
-                <a:latin typeface="Calibri"/>
-                <a:cs typeface="Calibri"/>
-              </a:rPr>
-              <a:t>then</a:t>
-            </a:r>
-            <a:r>
-              <a:rPr sz="1800" spc="-26" dirty="0">
-                <a:latin typeface="Calibri"/>
-                <a:cs typeface="Calibri"/>
-              </a:rPr>
-              <a:t> </a:t>
-            </a:r>
-            <a:r>
-              <a:rPr sz="1800" b="1" dirty="0">
-                <a:latin typeface="Calibri"/>
-                <a:cs typeface="Calibri"/>
-              </a:rPr>
-              <a:t>changes</a:t>
-            </a:r>
-            <a:r>
-              <a:rPr sz="1800" b="1" spc="-38" dirty="0">
-                <a:latin typeface="Calibri"/>
-                <a:cs typeface="Calibri"/>
-              </a:rPr>
-              <a:t> </a:t>
-            </a:r>
-            <a:r>
-              <a:rPr sz="1800" b="1" spc="-8" dirty="0">
-                <a:latin typeface="Calibri"/>
-                <a:cs typeface="Calibri"/>
-              </a:rPr>
-              <a:t>current 	</a:t>
-            </a:r>
-            <a:r>
-              <a:rPr sz="1800" b="1" dirty="0">
-                <a:latin typeface="Calibri"/>
-                <a:cs typeface="Calibri"/>
-              </a:rPr>
-              <a:t>level</a:t>
-            </a:r>
-            <a:r>
-              <a:rPr sz="1800" b="1" spc="-11" dirty="0">
-                <a:latin typeface="Calibri"/>
-                <a:cs typeface="Calibri"/>
-              </a:rPr>
-              <a:t> </a:t>
-            </a:r>
-            <a:r>
-              <a:rPr sz="1800" b="1" dirty="0">
-                <a:latin typeface="Calibri"/>
-                <a:cs typeface="Calibri"/>
-              </a:rPr>
-              <a:t>to</a:t>
-            </a:r>
-            <a:r>
-              <a:rPr sz="1800" b="1" spc="-15" dirty="0">
-                <a:latin typeface="Calibri"/>
-                <a:cs typeface="Calibri"/>
-              </a:rPr>
-              <a:t> </a:t>
-            </a:r>
-            <a:r>
-              <a:rPr sz="1800" b="1" dirty="0">
-                <a:latin typeface="Calibri"/>
-                <a:cs typeface="Calibri"/>
-              </a:rPr>
-              <a:t>low</a:t>
-            </a:r>
-            <a:r>
-              <a:rPr sz="1800" dirty="0">
-                <a:latin typeface="Calibri"/>
-                <a:cs typeface="Calibri"/>
-              </a:rPr>
-              <a:t>,</a:t>
-            </a:r>
-            <a:r>
-              <a:rPr sz="1800" spc="-23" dirty="0">
-                <a:latin typeface="Calibri"/>
-                <a:cs typeface="Calibri"/>
-              </a:rPr>
-              <a:t> </a:t>
-            </a:r>
-            <a:r>
-              <a:rPr sz="1800" dirty="0">
-                <a:latin typeface="Calibri"/>
-                <a:cs typeface="Calibri"/>
-              </a:rPr>
-              <a:t>gets</a:t>
-            </a:r>
-            <a:r>
-              <a:rPr sz="1800" spc="-15" dirty="0">
-                <a:latin typeface="Calibri"/>
-                <a:cs typeface="Calibri"/>
-              </a:rPr>
-              <a:t> </a:t>
-            </a:r>
-            <a:r>
-              <a:rPr sz="1800" dirty="0">
-                <a:latin typeface="Calibri"/>
-                <a:cs typeface="Calibri"/>
-              </a:rPr>
-              <a:t>write</a:t>
-            </a:r>
-            <a:r>
-              <a:rPr sz="1800" spc="-26" dirty="0">
-                <a:latin typeface="Calibri"/>
-                <a:cs typeface="Calibri"/>
-              </a:rPr>
-              <a:t> </a:t>
-            </a:r>
-            <a:r>
-              <a:rPr sz="1800" dirty="0">
-                <a:latin typeface="Calibri"/>
-                <a:cs typeface="Calibri"/>
-              </a:rPr>
-              <a:t>access</a:t>
-            </a:r>
-            <a:r>
-              <a:rPr sz="1800" spc="-23" dirty="0">
-                <a:latin typeface="Calibri"/>
-                <a:cs typeface="Calibri"/>
-              </a:rPr>
-              <a:t> </a:t>
-            </a:r>
-            <a:r>
-              <a:rPr sz="1800" dirty="0">
-                <a:latin typeface="Calibri"/>
-                <a:cs typeface="Calibri"/>
-              </a:rPr>
-              <a:t>to</a:t>
-            </a:r>
-            <a:r>
-              <a:rPr sz="1800" spc="-15" dirty="0">
-                <a:latin typeface="Calibri"/>
-                <a:cs typeface="Calibri"/>
-              </a:rPr>
-              <a:t> </a:t>
-            </a:r>
-            <a:r>
-              <a:rPr sz="1800" dirty="0">
-                <a:latin typeface="Calibri"/>
-                <a:cs typeface="Calibri"/>
-              </a:rPr>
-              <a:t>o2,</a:t>
-            </a:r>
-            <a:r>
-              <a:rPr sz="1800" spc="-15" dirty="0">
-                <a:latin typeface="Calibri"/>
-                <a:cs typeface="Calibri"/>
-              </a:rPr>
-              <a:t> </a:t>
-            </a:r>
-            <a:r>
-              <a:rPr sz="1800" dirty="0">
-                <a:latin typeface="Calibri"/>
-                <a:cs typeface="Calibri"/>
-              </a:rPr>
-              <a:t>writes</a:t>
-            </a:r>
-            <a:r>
-              <a:rPr sz="1800" spc="-26" dirty="0">
-                <a:latin typeface="Calibri"/>
-                <a:cs typeface="Calibri"/>
-              </a:rPr>
-              <a:t> </a:t>
-            </a:r>
-            <a:r>
-              <a:rPr sz="1800" dirty="0">
-                <a:latin typeface="Calibri"/>
-                <a:cs typeface="Calibri"/>
-              </a:rPr>
-              <a:t>to</a:t>
-            </a:r>
-            <a:r>
-              <a:rPr sz="1800" spc="-30" dirty="0">
-                <a:latin typeface="Calibri"/>
-                <a:cs typeface="Calibri"/>
-              </a:rPr>
-              <a:t> </a:t>
-            </a:r>
-            <a:r>
-              <a:rPr sz="1800" spc="-19" dirty="0">
-                <a:latin typeface="Calibri"/>
-                <a:cs typeface="Calibri"/>
-              </a:rPr>
-              <a:t>o2</a:t>
-            </a:r>
-            <a:endParaRPr sz="1800" dirty="0">
-              <a:latin typeface="Calibri"/>
+              <a:rPr lang="en-US" sz="1600" spc="-15" dirty="0">
+                <a:latin typeface="+mn-lt"/>
+                <a:cs typeface="Calibri"/>
+              </a:rPr>
+              <a:t> </a:t>
+            </a:r>
+            <a:r>
+              <a:rPr lang="en-US" sz="1600" spc="-19" dirty="0">
+                <a:solidFill>
+                  <a:schemeClr val="accent1"/>
+                </a:solidFill>
+                <a:latin typeface="+mn-lt"/>
+                <a:cs typeface="Calibri"/>
+              </a:rPr>
+              <a:t>Unclassified</a:t>
+            </a:r>
+            <a:endParaRPr sz="1600" dirty="0">
+              <a:solidFill>
+                <a:schemeClr val="accent1"/>
+              </a:solidFill>
+              <a:latin typeface="+mn-lt"/>
               <a:cs typeface="Calibri"/>
             </a:endParaRPr>
           </a:p>
           <a:p>
             <a:pPr marL="180022" indent="-170497">
+              <a:lnSpc>
+                <a:spcPct val="114000"/>
+              </a:lnSpc>
               <a:spcBef>
-                <a:spcPts val="446"/>
+                <a:spcPts val="289"/>
               </a:spcBef>
               <a:buFont typeface="Arial"/>
               <a:buChar char="•"/>
@@ -28286,355 +27782,314 @@
               </a:tabLst>
             </a:pPr>
             <a:r>
-              <a:rPr sz="2100" dirty="0">
-                <a:latin typeface="Calibri"/>
-                <a:cs typeface="Calibri"/>
-              </a:rPr>
-              <a:t>Every</a:t>
-            </a:r>
-            <a:r>
-              <a:rPr sz="2100" spc="-26" dirty="0">
-                <a:latin typeface="Calibri"/>
-                <a:cs typeface="Calibri"/>
-              </a:rPr>
-              <a:t> </a:t>
-            </a:r>
-            <a:r>
-              <a:rPr sz="2100" dirty="0">
-                <a:latin typeface="Calibri"/>
-                <a:cs typeface="Calibri"/>
-              </a:rPr>
-              <a:t>state</a:t>
-            </a:r>
-            <a:r>
-              <a:rPr sz="2100" spc="-23" dirty="0">
-                <a:latin typeface="Calibri"/>
-                <a:cs typeface="Calibri"/>
-              </a:rPr>
-              <a:t> </a:t>
-            </a:r>
-            <a:r>
-              <a:rPr sz="2100" dirty="0">
-                <a:latin typeface="Calibri"/>
-                <a:cs typeface="Calibri"/>
-              </a:rPr>
-              <a:t>is</a:t>
-            </a:r>
-            <a:r>
-              <a:rPr sz="2100" spc="-15" dirty="0">
-                <a:latin typeface="Calibri"/>
-                <a:cs typeface="Calibri"/>
-              </a:rPr>
-              <a:t> </a:t>
-            </a:r>
-            <a:r>
-              <a:rPr sz="2100" dirty="0">
-                <a:latin typeface="Calibri"/>
-                <a:cs typeface="Calibri"/>
-              </a:rPr>
-              <a:t>secure,</a:t>
-            </a:r>
-            <a:r>
-              <a:rPr sz="2100" spc="-8" dirty="0">
-                <a:latin typeface="Calibri"/>
-                <a:cs typeface="Calibri"/>
-              </a:rPr>
-              <a:t> </a:t>
-            </a:r>
-            <a:r>
-              <a:rPr sz="2100" dirty="0">
-                <a:latin typeface="Calibri"/>
-                <a:cs typeface="Calibri"/>
-              </a:rPr>
-              <a:t>yet</a:t>
-            </a:r>
-            <a:r>
-              <a:rPr sz="2100" spc="-26" dirty="0">
-                <a:latin typeface="Calibri"/>
-                <a:cs typeface="Calibri"/>
-              </a:rPr>
-              <a:t> </a:t>
-            </a:r>
-            <a:r>
-              <a:rPr sz="2100" dirty="0">
-                <a:latin typeface="Calibri"/>
-                <a:cs typeface="Calibri"/>
-              </a:rPr>
-              <a:t>illegal</a:t>
-            </a:r>
-            <a:r>
-              <a:rPr sz="2100" spc="-34" dirty="0">
-                <a:latin typeface="Calibri"/>
-                <a:cs typeface="Calibri"/>
-              </a:rPr>
-              <a:t> </a:t>
-            </a:r>
-            <a:r>
-              <a:rPr sz="2100" dirty="0">
-                <a:latin typeface="Calibri"/>
-                <a:cs typeface="Calibri"/>
-              </a:rPr>
-              <a:t>information</a:t>
-            </a:r>
-            <a:r>
-              <a:rPr sz="2100" spc="-15" dirty="0">
-                <a:latin typeface="Calibri"/>
-                <a:cs typeface="Calibri"/>
-              </a:rPr>
-              <a:t> </a:t>
-            </a:r>
-            <a:r>
-              <a:rPr sz="2100" spc="-8" dirty="0">
-                <a:latin typeface="Calibri"/>
-                <a:cs typeface="Calibri"/>
-              </a:rPr>
-              <a:t>exists</a:t>
-            </a:r>
-            <a:endParaRPr sz="2100" dirty="0">
-              <a:latin typeface="Calibri"/>
+              <a:rPr sz="2000" dirty="0">
+                <a:latin typeface="+mn-lt"/>
+                <a:cs typeface="Calibri"/>
+              </a:rPr>
+              <a:t>And the following execution</a:t>
+            </a:r>
+          </a:p>
+          <a:p>
+            <a:pPr marL="362902" lvl="1" indent="-170497">
+              <a:lnSpc>
+                <a:spcPct val="114000"/>
+              </a:lnSpc>
+              <a:buFont typeface="Arial"/>
+              <a:buChar char="•"/>
+              <a:tabLst>
+                <a:tab pos="180022" algn="l"/>
+              </a:tabLst>
+            </a:pPr>
+            <a:r>
+              <a:rPr lang="en-US" sz="1600" dirty="0">
+                <a:latin typeface="+mn-lt"/>
+                <a:cs typeface="Calibri"/>
+              </a:rPr>
+              <a:t>s</a:t>
+            </a:r>
+            <a:r>
+              <a:rPr sz="1600" dirty="0">
+                <a:latin typeface="+mn-lt"/>
+                <a:cs typeface="Calibri"/>
+              </a:rPr>
+              <a:t>1</a:t>
+            </a:r>
+            <a:r>
+              <a:rPr lang="en-US" sz="1600" dirty="0">
+                <a:latin typeface="+mn-lt"/>
+                <a:cs typeface="Calibri"/>
+              </a:rPr>
+              <a:t> (</a:t>
+            </a:r>
+            <a:r>
+              <a:rPr lang="en-US" sz="1600" spc="-15" dirty="0">
+                <a:solidFill>
+                  <a:srgbClr val="FF0000"/>
+                </a:solidFill>
+                <a:cs typeface="Calibri"/>
+              </a:rPr>
+              <a:t>Secret</a:t>
+            </a:r>
+            <a:r>
+              <a:rPr lang="en-US" sz="1600" dirty="0">
+                <a:latin typeface="+mn-lt"/>
+                <a:cs typeface="Calibri"/>
+              </a:rPr>
+              <a:t>) </a:t>
+            </a:r>
+            <a:r>
+              <a:rPr sz="1600" dirty="0">
+                <a:latin typeface="+mn-lt"/>
+                <a:cs typeface="Calibri"/>
+              </a:rPr>
+              <a:t>gets access to o1</a:t>
+            </a:r>
+            <a:r>
+              <a:rPr lang="en-US" sz="1600" dirty="0">
+                <a:latin typeface="+mn-lt"/>
+                <a:cs typeface="Calibri"/>
+              </a:rPr>
+              <a:t> (</a:t>
+            </a:r>
+            <a:r>
+              <a:rPr lang="en-US" sz="1600" spc="-15" dirty="0">
+                <a:solidFill>
+                  <a:srgbClr val="FF0000"/>
+                </a:solidFill>
+                <a:cs typeface="Calibri"/>
+              </a:rPr>
+              <a:t>Secret</a:t>
+            </a:r>
+            <a:r>
+              <a:rPr lang="en-US" sz="1600" dirty="0">
+                <a:latin typeface="+mn-lt"/>
+                <a:cs typeface="Calibri"/>
+              </a:rPr>
+              <a:t>)</a:t>
+            </a:r>
+            <a:r>
+              <a:rPr sz="1600" dirty="0">
+                <a:latin typeface="+mn-lt"/>
+                <a:cs typeface="Calibri"/>
+              </a:rPr>
+              <a:t>, reads something, releases access</a:t>
+            </a:r>
+            <a:endParaRPr lang="en-US" sz="1600" dirty="0">
+              <a:latin typeface="+mn-lt"/>
               <a:cs typeface="Calibri"/>
             </a:endParaRPr>
           </a:p>
           <a:p>
-            <a:pPr marL="180022" marR="68580" indent="-170497">
+            <a:pPr marL="362902" lvl="1" indent="-170497">
               <a:lnSpc>
-                <a:spcPts val="2265"/>
+                <a:spcPct val="114000"/>
+              </a:lnSpc>
+              <a:buFont typeface="Arial"/>
+              <a:buChar char="•"/>
+              <a:tabLst>
+                <a:tab pos="180022" algn="l"/>
+              </a:tabLst>
+            </a:pPr>
+            <a:r>
+              <a:rPr lang="en-US" sz="1600" dirty="0">
+                <a:latin typeface="+mn-lt"/>
+                <a:cs typeface="Calibri"/>
+              </a:rPr>
+              <a:t>s1 </a:t>
+            </a:r>
+            <a:r>
+              <a:rPr sz="1600" dirty="0">
+                <a:latin typeface="+mn-lt"/>
+                <a:cs typeface="Calibri"/>
+              </a:rPr>
+              <a:t>changes current</a:t>
+            </a:r>
+            <a:r>
+              <a:rPr lang="en-US" sz="1600" dirty="0">
+                <a:latin typeface="+mn-lt"/>
+                <a:cs typeface="Calibri"/>
+              </a:rPr>
+              <a:t> </a:t>
+            </a:r>
+            <a:r>
+              <a:rPr sz="1600" dirty="0">
+                <a:latin typeface="+mn-lt"/>
+                <a:cs typeface="Calibri"/>
+              </a:rPr>
+              <a:t>level to </a:t>
+            </a:r>
+            <a:r>
+              <a:rPr lang="en-US" sz="1600" spc="-19" dirty="0">
+                <a:solidFill>
+                  <a:schemeClr val="accent1"/>
+                </a:solidFill>
+                <a:cs typeface="Calibri"/>
+              </a:rPr>
+              <a:t>Unclassified</a:t>
+            </a:r>
+            <a:endParaRPr lang="en-US" sz="1600" dirty="0">
+              <a:latin typeface="+mn-lt"/>
+              <a:cs typeface="Calibri"/>
+            </a:endParaRPr>
+          </a:p>
+          <a:p>
+            <a:pPr marL="362902" lvl="1" indent="-170497">
+              <a:lnSpc>
+                <a:spcPct val="114000"/>
+              </a:lnSpc>
+              <a:buFont typeface="Arial"/>
+              <a:buChar char="•"/>
+              <a:tabLst>
+                <a:tab pos="180022" algn="l"/>
+              </a:tabLst>
+            </a:pPr>
+            <a:r>
+              <a:rPr lang="en-US" sz="1600" dirty="0">
+                <a:latin typeface="+mn-lt"/>
+                <a:cs typeface="Calibri"/>
+              </a:rPr>
+              <a:t>s1 </a:t>
+            </a:r>
+            <a:r>
+              <a:rPr sz="1600" dirty="0">
+                <a:latin typeface="+mn-lt"/>
+                <a:cs typeface="Calibri"/>
+              </a:rPr>
+              <a:t>gets write access to o2</a:t>
+            </a:r>
+            <a:r>
+              <a:rPr lang="en-US" sz="1600" dirty="0">
+                <a:latin typeface="+mn-lt"/>
+                <a:cs typeface="Calibri"/>
+              </a:rPr>
+              <a:t> (</a:t>
+            </a:r>
+            <a:r>
+              <a:rPr lang="en-US" sz="1600" spc="-19" dirty="0">
+                <a:solidFill>
+                  <a:schemeClr val="accent1"/>
+                </a:solidFill>
+                <a:cs typeface="Calibri"/>
+              </a:rPr>
+              <a:t>Unclassified</a:t>
+            </a:r>
+            <a:r>
+              <a:rPr lang="en-US" sz="1600" dirty="0">
+                <a:latin typeface="+mn-lt"/>
+                <a:cs typeface="Calibri"/>
+              </a:rPr>
+              <a:t>)</a:t>
+            </a:r>
+            <a:r>
+              <a:rPr sz="1600" dirty="0">
+                <a:latin typeface="+mn-lt"/>
+                <a:cs typeface="Calibri"/>
+              </a:rPr>
+              <a:t>, writes to o2</a:t>
+            </a:r>
+          </a:p>
+          <a:p>
+            <a:pPr marL="180022" indent="-170497">
+              <a:lnSpc>
+                <a:spcPct val="114000"/>
               </a:lnSpc>
               <a:spcBef>
-                <a:spcPts val="784"/>
+                <a:spcPts val="289"/>
               </a:spcBef>
               <a:buFont typeface="Arial"/>
               <a:buChar char="•"/>
               <a:tabLst>
-                <a:tab pos="180975" algn="l"/>
+                <a:tab pos="180022" algn="l"/>
               </a:tabLst>
             </a:pPr>
             <a:r>
-              <a:rPr sz="2100" dirty="0">
-                <a:latin typeface="Calibri"/>
-                <a:cs typeface="Calibri"/>
-              </a:rPr>
-              <a:t>Solution:</a:t>
-            </a:r>
-            <a:r>
-              <a:rPr sz="2100" spc="-60" dirty="0">
-                <a:latin typeface="Calibri"/>
-                <a:cs typeface="Calibri"/>
-              </a:rPr>
-              <a:t> </a:t>
-            </a:r>
-            <a:r>
-              <a:rPr sz="2100" dirty="0">
-                <a:latin typeface="Calibri"/>
-                <a:cs typeface="Calibri"/>
-              </a:rPr>
-              <a:t>subject</a:t>
-            </a:r>
-            <a:r>
-              <a:rPr sz="2100" spc="-56" dirty="0">
-                <a:latin typeface="Calibri"/>
-                <a:cs typeface="Calibri"/>
-              </a:rPr>
-              <a:t> </a:t>
-            </a:r>
-            <a:r>
-              <a:rPr sz="2100" dirty="0">
-                <a:latin typeface="Calibri"/>
-                <a:cs typeface="Calibri"/>
-              </a:rPr>
-              <a:t>cannot</a:t>
-            </a:r>
-            <a:r>
-              <a:rPr sz="2100" spc="-75" dirty="0">
-                <a:latin typeface="Calibri"/>
-                <a:cs typeface="Calibri"/>
-              </a:rPr>
-              <a:t> </a:t>
-            </a:r>
-            <a:r>
-              <a:rPr sz="2100" dirty="0">
-                <a:latin typeface="Calibri"/>
-                <a:cs typeface="Calibri"/>
-              </a:rPr>
-              <a:t>change</a:t>
-            </a:r>
-            <a:r>
-              <a:rPr sz="2100" spc="-71" dirty="0">
-                <a:latin typeface="Calibri"/>
-                <a:cs typeface="Calibri"/>
-              </a:rPr>
-              <a:t> </a:t>
-            </a:r>
-            <a:r>
-              <a:rPr sz="2100" dirty="0">
-                <a:latin typeface="Calibri"/>
-                <a:cs typeface="Calibri"/>
-              </a:rPr>
-              <a:t>current</a:t>
-            </a:r>
-            <a:r>
-              <a:rPr sz="2100" spc="-64" dirty="0">
-                <a:latin typeface="Calibri"/>
-                <a:cs typeface="Calibri"/>
-              </a:rPr>
-              <a:t> </a:t>
-            </a:r>
-            <a:r>
-              <a:rPr sz="2100" spc="-8" dirty="0">
-                <a:latin typeface="Calibri"/>
-                <a:cs typeface="Calibri"/>
-              </a:rPr>
-              <a:t>levels, 	</a:t>
-            </a:r>
-            <a:r>
-              <a:rPr sz="2100" dirty="0">
-                <a:latin typeface="Calibri"/>
-                <a:cs typeface="Calibri"/>
-              </a:rPr>
-              <a:t>or</a:t>
-            </a:r>
-            <a:r>
-              <a:rPr sz="2100" spc="-38" dirty="0">
-                <a:latin typeface="Calibri"/>
-                <a:cs typeface="Calibri"/>
-              </a:rPr>
-              <a:t> </a:t>
-            </a:r>
-            <a:r>
-              <a:rPr sz="2100" dirty="0">
-                <a:latin typeface="Calibri"/>
-                <a:cs typeface="Calibri"/>
-              </a:rPr>
-              <a:t>cannot</a:t>
-            </a:r>
-            <a:r>
-              <a:rPr sz="2100" spc="-23" dirty="0">
-                <a:latin typeface="Calibri"/>
-                <a:cs typeface="Calibri"/>
-              </a:rPr>
-              <a:t> </a:t>
-            </a:r>
-            <a:r>
-              <a:rPr sz="2100" dirty="0">
-                <a:latin typeface="Calibri"/>
-                <a:cs typeface="Calibri"/>
-              </a:rPr>
-              <a:t>drop</a:t>
-            </a:r>
-            <a:r>
-              <a:rPr sz="2100" spc="-26" dirty="0">
-                <a:latin typeface="Calibri"/>
-                <a:cs typeface="Calibri"/>
-              </a:rPr>
-              <a:t> </a:t>
-            </a:r>
-            <a:r>
-              <a:rPr sz="2100" dirty="0">
-                <a:latin typeface="Calibri"/>
-                <a:cs typeface="Calibri"/>
-              </a:rPr>
-              <a:t>to</a:t>
-            </a:r>
-            <a:r>
-              <a:rPr sz="2100" spc="-34" dirty="0">
-                <a:latin typeface="Calibri"/>
-                <a:cs typeface="Calibri"/>
-              </a:rPr>
-              <a:t> </a:t>
-            </a:r>
-            <a:r>
-              <a:rPr sz="2100" dirty="0">
-                <a:latin typeface="Calibri"/>
-                <a:cs typeface="Calibri"/>
-              </a:rPr>
-              <a:t>below</a:t>
-            </a:r>
-            <a:r>
-              <a:rPr sz="2100" spc="-34" dirty="0">
-                <a:latin typeface="Calibri"/>
-                <a:cs typeface="Calibri"/>
-              </a:rPr>
-              <a:t> </a:t>
-            </a:r>
-            <a:r>
-              <a:rPr sz="2100" dirty="0">
-                <a:latin typeface="Calibri"/>
-                <a:cs typeface="Calibri"/>
-              </a:rPr>
-              <a:t>the</a:t>
-            </a:r>
-            <a:r>
-              <a:rPr sz="2100" spc="-30" dirty="0">
-                <a:latin typeface="Calibri"/>
-                <a:cs typeface="Calibri"/>
-              </a:rPr>
-              <a:t> </a:t>
-            </a:r>
-            <a:r>
-              <a:rPr sz="2100" b="1" dirty="0">
-                <a:latin typeface="Calibri"/>
-                <a:cs typeface="Calibri"/>
-              </a:rPr>
-              <a:t>highest</a:t>
-            </a:r>
-            <a:r>
-              <a:rPr sz="2100" b="1" spc="-19" dirty="0">
-                <a:latin typeface="Calibri"/>
-                <a:cs typeface="Calibri"/>
-              </a:rPr>
-              <a:t> </a:t>
-            </a:r>
-            <a:r>
-              <a:rPr sz="2100" b="1" dirty="0">
-                <a:latin typeface="Calibri"/>
-                <a:cs typeface="Calibri"/>
-              </a:rPr>
-              <a:t>level</a:t>
-            </a:r>
-            <a:r>
-              <a:rPr sz="2100" b="1" spc="-30" dirty="0">
-                <a:latin typeface="Calibri"/>
-                <a:cs typeface="Calibri"/>
-              </a:rPr>
-              <a:t> </a:t>
-            </a:r>
-            <a:r>
-              <a:rPr sz="2100" b="1" dirty="0">
-                <a:latin typeface="Calibri"/>
-                <a:cs typeface="Calibri"/>
-              </a:rPr>
-              <a:t>read</a:t>
-            </a:r>
-            <a:r>
-              <a:rPr sz="2100" b="1" spc="-38" dirty="0">
-                <a:latin typeface="Calibri"/>
-                <a:cs typeface="Calibri"/>
-              </a:rPr>
-              <a:t> </a:t>
-            </a:r>
-            <a:r>
-              <a:rPr sz="2100" b="1" dirty="0">
-                <a:latin typeface="Calibri"/>
-                <a:cs typeface="Calibri"/>
-              </a:rPr>
-              <a:t>so</a:t>
-            </a:r>
-            <a:r>
-              <a:rPr sz="2100" b="1" spc="-30" dirty="0">
-                <a:latin typeface="Calibri"/>
-                <a:cs typeface="Calibri"/>
-              </a:rPr>
-              <a:t> </a:t>
-            </a:r>
-            <a:r>
-              <a:rPr sz="2100" b="1" spc="-19" dirty="0">
-                <a:latin typeface="Calibri"/>
-                <a:cs typeface="Calibri"/>
-              </a:rPr>
-              <a:t>far</a:t>
-            </a:r>
-            <a:endParaRPr sz="2100" b="1" dirty="0">
-              <a:latin typeface="Calibri"/>
+              <a:rPr sz="2000" dirty="0">
+                <a:latin typeface="+mn-lt"/>
+                <a:cs typeface="Calibri"/>
+              </a:rPr>
+              <a:t>Every state is secure, yet illegal information exists</a:t>
+            </a:r>
+          </a:p>
+          <a:p>
+            <a:pPr marL="180022" indent="-170497">
+              <a:lnSpc>
+                <a:spcPct val="114000"/>
+              </a:lnSpc>
+              <a:spcBef>
+                <a:spcPts val="289"/>
+              </a:spcBef>
+              <a:buFont typeface="Arial"/>
+              <a:buChar char="•"/>
+              <a:tabLst>
+                <a:tab pos="180022" algn="l"/>
+              </a:tabLst>
+            </a:pPr>
+            <a:r>
+              <a:rPr sz="2000" dirty="0">
+                <a:latin typeface="+mn-lt"/>
+                <a:cs typeface="Calibri"/>
+              </a:rPr>
+              <a:t>Solution: subject cannot change current levels, or cannot drop to below the </a:t>
+            </a:r>
+            <a:r>
+              <a:rPr sz="2000" b="1" dirty="0">
+                <a:latin typeface="+mn-lt"/>
+                <a:cs typeface="Calibri"/>
+              </a:rPr>
+              <a:t>highest level read so far</a:t>
+            </a:r>
+            <a:endParaRPr lang="en-US" sz="2000" b="1" dirty="0">
+              <a:latin typeface="+mn-lt"/>
+              <a:cs typeface="Calibri"/>
+            </a:endParaRPr>
+          </a:p>
+          <a:p>
+            <a:pPr marL="362902" lvl="1" indent="-170497">
+              <a:lnSpc>
+                <a:spcPct val="114000"/>
+              </a:lnSpc>
+              <a:buFont typeface="Arial"/>
+              <a:buChar char="•"/>
+              <a:tabLst>
+                <a:tab pos="180022" algn="l"/>
+              </a:tabLst>
+            </a:pPr>
+            <a:r>
+              <a:rPr lang="en-US" sz="1600" dirty="0">
+                <a:latin typeface="+mn-lt"/>
+                <a:cs typeface="Calibri"/>
+              </a:rPr>
+              <a:t>s1 cannot drop to </a:t>
+            </a:r>
+            <a:r>
+              <a:rPr lang="en-US" sz="1600" spc="-19" dirty="0">
+                <a:solidFill>
+                  <a:schemeClr val="accent1"/>
+                </a:solidFill>
+                <a:cs typeface="Calibri"/>
+              </a:rPr>
+              <a:t>Unclassified </a:t>
+            </a:r>
+            <a:r>
+              <a:rPr lang="en-US" sz="1600" spc="-19" dirty="0">
+                <a:solidFill>
+                  <a:schemeClr val="tx1"/>
+                </a:solidFill>
+                <a:cs typeface="Calibri"/>
+              </a:rPr>
+              <a:t>after reading </a:t>
+            </a:r>
+            <a:r>
+              <a:rPr lang="en-US" sz="1600" spc="-15" dirty="0">
+                <a:solidFill>
+                  <a:srgbClr val="FF0000"/>
+                </a:solidFill>
+                <a:cs typeface="Calibri"/>
+              </a:rPr>
+              <a:t>Secret</a:t>
+            </a:r>
+            <a:endParaRPr lang="en-US" sz="1600" dirty="0">
+              <a:latin typeface="+mn-lt"/>
               <a:cs typeface="Calibri"/>
             </a:endParaRPr>
           </a:p>
@@ -28681,7 +28136,7 @@
                                         <p:tgtEl>
                                           <p:spTgt spid="3">
                                             <p:txEl>
-                                              <p:pRg st="5" end="5"/>
+                                              <p:pRg st="7" end="7"/>
                                             </p:txEl>
                                           </p:spTgt>
                                         </p:tgtEl>
@@ -28730,7 +28185,56 @@
                                         <p:tgtEl>
                                           <p:spTgt spid="3">
                                             <p:txEl>
-                                              <p:pRg st="6" end="6"/>
+                                              <p:pRg st="8" end="8"/>
+                                            </p:txEl>
+                                          </p:spTgt>
+                                        </p:tgtEl>
+                                        <p:attrNameLst>
+                                          <p:attrName>style.visibility</p:attrName>
+                                        </p:attrNameLst>
+                                      </p:cBhvr>
+                                      <p:to>
+                                        <p:strVal val="visible"/>
+                                      </p:to>
+                                    </p:set>
+                                  </p:childTnLst>
+                                </p:cTn>
+                              </p:par>
+                            </p:childTnLst>
+                          </p:cTn>
+                        </p:par>
+                      </p:childTnLst>
+                    </p:cTn>
+                  </p:par>
+                  <p:par>
+                    <p:cTn id="11" fill="hold">
+                      <p:stCondLst>
+                        <p:cond delay="indefinite"/>
+                      </p:stCondLst>
+                      <p:childTnLst>
+                        <p:par>
+                          <p:cTn id="12" fill="hold">
+                            <p:stCondLst>
+                              <p:cond delay="0"/>
+                            </p:stCondLst>
+                            <p:childTnLst>
+                              <p:par>
+                                <p:cTn id="13" presetID="1" presetClass="entr" presetSubtype="0" fill="hold" nodeType="clickEffect">
+                                  <p:stCondLst>
+                                    <p:cond delay="0"/>
+                                  </p:stCondLst>
+                                  <p:childTnLst>
+                                    <p:set>
+                                      <p:cBhvr>
+                                        <p:cTn id="14" dur="1" fill="hold">
+                                          <p:stCondLst>
+                                            <p:cond delay="0"/>
+                                          </p:stCondLst>
+                                        </p:cTn>
+                                        <p:tgtEl>
+                                          <p:spTgt spid="3">
+                                            <p:txEl>
+                                              <p:pRg st="9" end="9"/>
                                             </p:txEl>
                                           </p:spTgt>
                                         </p:tgtEl>
@@ -34089,6 +33593,85 @@
   <p:clrMapOvr>
     <a:masterClrMapping/>
   </p:clrMapOvr>
+  <p:timing>
+    <p:tnLst>
+      <p:par>
+        <p:cTn id="1" dur="indefinite" restart="never" nodeType="tmRoot">
+          <p:childTnLst>
+            <p:seq concurrent="1" nextAc="seek">
+              <p:cTn id="2" dur="indefinite" nodeType="mainSeq">
+                <p:childTnLst>
+                  <p:par>
+                    <p:cTn id="3" fill="hold">
+                      <p:stCondLst>
+                        <p:cond delay="indefinite"/>
+                      </p:stCondLst>
+                      <p:childTnLst>
+                        <p:par>
+                          <p:cTn id="4" fill="hold">
+                            <p:stCondLst>
+                              <p:cond delay="0"/>
+                            </p:stCondLst>
+                            <p:childTnLst>
+                              <p:par>
+                                <p:cTn id="5" presetID="1" presetClass="entr" presetSubtype="0" fill="hold" nodeType="clickEffect">
+                                  <p:stCondLst>
+                                    <p:cond delay="0"/>
+                                  </p:stCondLst>
+                                  <p:childTnLst>
+                                    <p:set>
+                                      <p:cBhvr>
+                                        <p:cTn id="6" dur="1" fill="hold">
+                                          <p:stCondLst>
+                                            <p:cond delay="0"/>
+                                          </p:stCondLst>
+                                        </p:cTn>
+                                        <p:tgtEl>
+                                          <p:spTgt spid="3">
+                                            <p:txEl>
+                                              <p:pRg st="2" end="2"/>
+                                            </p:txEl>
+                                          </p:spTgt>
+                                        </p:tgtEl>
+                                        <p:attrNameLst>
+                                          <p:attrName>style.visibility</p:attrName>
+                                        </p:attrNameLst>
+                                      </p:cBhvr>
+                                      <p:to>
+                                        <p:strVal val="visible"/>
+                                      </p:to>
+                                    </p:set>
+                                  </p:childTnLst>
+                                </p:cTn>
+                              </p:par>
+                            </p:childTnLst>
+                          </p:cTn>
+                        </p:par>
+                      </p:childTnLst>
+                    </p:cTn>
+                  </p:par>
+                </p:childTnLst>
+              </p:cTn>
+              <p:prevCondLst>
+                <p:cond evt="onPrev" delay="0">
+                  <p:tgtEl>
+                    <p:sldTgt/>
+                  </p:tgtEl>
+                </p:cond>
+              </p:prevCondLst>
+              <p:nextCondLst>
+                <p:cond evt="onNext" delay="0">
+                  <p:tgtEl>
+                    <p:sldTgt/>
+                  </p:tgtEl>
+                </p:cond>
+              </p:nextCondLst>
+            </p:seq>
+          </p:childTnLst>
+        </p:cTn>
+      </p:par>
+    </p:tnLst>
+  </p:timing>
 </p:sld>
 </file>
 
@@ -37731,8 +37314,8 @@
         </p:nvSpPr>
         <p:spPr>
           <a:xfrm>
-            <a:off x="493504" y="2881711"/>
-            <a:ext cx="8420852" cy="2158123"/>
+            <a:off x="361574" y="2854181"/>
+            <a:ext cx="8420852" cy="2016225"/>
           </a:xfrm>
           <a:prstGeom prst="rect">
             <a:avLst/>
@@ -37746,7 +37329,7 @@
           <a:p>
             <a:pPr marL="180022" indent="-170497">
               <a:lnSpc>
-                <a:spcPct val="114000"/>
+                <a:spcPct val="105000"/>
               </a:lnSpc>
               <a:spcBef>
                 <a:spcPts val="289"/>
@@ -37758,83 +37341,83 @@
               </a:tabLst>
             </a:pPr>
             <a:r>
-              <a:rPr sz="1800" dirty="0">
+              <a:rPr lang="en-US" sz="1800" dirty="0">
                 <a:latin typeface="+mn-lt"/>
                 <a:cs typeface="Calibri"/>
               </a:rPr>
               <a:t>S</a:t>
             </a:r>
             <a:r>
-              <a:rPr sz="1800" spc="-15" dirty="0">
-                <a:latin typeface="+mn-lt"/>
-                <a:cs typeface="Calibri"/>
-              </a:rPr>
-              <a:t> </a:t>
-            </a:r>
-            <a:r>
-              <a:rPr sz="1800" dirty="0">
+              <a:rPr lang="en-US" sz="1800" spc="-15" dirty="0">
+                <a:latin typeface="+mn-lt"/>
+                <a:cs typeface="Calibri"/>
+              </a:rPr>
+              <a:t> </a:t>
+            </a:r>
+            <a:r>
+              <a:rPr lang="en-US" sz="1800" dirty="0">
                 <a:latin typeface="+mn-lt"/>
                 <a:cs typeface="Calibri"/>
               </a:rPr>
               <a:t>can</a:t>
             </a:r>
             <a:r>
-              <a:rPr sz="1800" spc="-8" dirty="0">
-                <a:latin typeface="+mn-lt"/>
-                <a:cs typeface="Calibri"/>
-              </a:rPr>
-              <a:t> </a:t>
-            </a:r>
-            <a:r>
-              <a:rPr sz="1800" dirty="0">
+              <a:rPr lang="en-US" sz="1800" spc="-8" dirty="0">
+                <a:latin typeface="+mn-lt"/>
+                <a:cs typeface="Calibri"/>
+              </a:rPr>
+              <a:t> </a:t>
+            </a:r>
+            <a:r>
+              <a:rPr lang="en-US" sz="1800" dirty="0">
                 <a:latin typeface="+mn-lt"/>
                 <a:cs typeface="Calibri"/>
               </a:rPr>
               <a:t>read</a:t>
             </a:r>
             <a:r>
-              <a:rPr sz="1800" spc="-15" dirty="0">
-                <a:latin typeface="+mn-lt"/>
-                <a:cs typeface="Calibri"/>
-              </a:rPr>
-              <a:t> </a:t>
-            </a:r>
-            <a:r>
-              <a:rPr sz="1800" dirty="0">
+              <a:rPr lang="en-US" sz="1800" spc="-15" dirty="0">
+                <a:latin typeface="+mn-lt"/>
+                <a:cs typeface="Calibri"/>
+              </a:rPr>
+              <a:t> </a:t>
+            </a:r>
+            <a:r>
+              <a:rPr lang="en-US" sz="1800" dirty="0">
                 <a:latin typeface="+mn-lt"/>
                 <a:cs typeface="Calibri"/>
               </a:rPr>
               <a:t>O</a:t>
             </a:r>
             <a:r>
-              <a:rPr sz="1800" spc="-11" dirty="0">
-                <a:latin typeface="+mn-lt"/>
-                <a:cs typeface="Calibri"/>
-              </a:rPr>
-              <a:t> </a:t>
-            </a:r>
-            <a:r>
-              <a:rPr sz="1800" dirty="0">
+              <a:rPr lang="en-US" sz="1800" spc="-11" dirty="0">
+                <a:latin typeface="+mn-lt"/>
+                <a:cs typeface="Calibri"/>
+              </a:rPr>
+              <a:t> </a:t>
+            </a:r>
+            <a:r>
+              <a:rPr lang="en-US" sz="1800" dirty="0">
                 <a:latin typeface="+mn-lt"/>
                 <a:cs typeface="Calibri"/>
               </a:rPr>
               <a:t>only</a:t>
             </a:r>
             <a:r>
-              <a:rPr sz="1800" spc="-11" dirty="0">
-                <a:latin typeface="+mn-lt"/>
-                <a:cs typeface="Calibri"/>
-              </a:rPr>
-              <a:t> </a:t>
-            </a:r>
-            <a:r>
-              <a:rPr sz="1800" spc="-19" dirty="0">
+              <a:rPr lang="en-US" sz="1800" spc="-11" dirty="0">
+                <a:latin typeface="+mn-lt"/>
+                <a:cs typeface="Calibri"/>
+              </a:rPr>
+              <a:t> </a:t>
+            </a:r>
+            <a:r>
+              <a:rPr lang="en-US" sz="1800" spc="-19" dirty="0">
                 <a:latin typeface="+mn-lt"/>
                 <a:cs typeface="Calibri"/>
               </a:rPr>
               <a:t>if</a:t>
             </a:r>
-            <a:endParaRPr sz="1800" dirty="0">
+            <a:endParaRPr lang="en-US" sz="1800" dirty="0">
               <a:latin typeface="+mn-lt"/>
               <a:cs typeface="Calibri"/>
             </a:endParaRPr>
@@ -37842,7 +37425,7 @@
           <a:p>
             <a:pPr marL="522923" marR="60008" lvl="1" indent="-170497">
               <a:lnSpc>
-                <a:spcPct val="114000"/>
+                <a:spcPct val="105000"/>
               </a:lnSpc>
               <a:spcBef>
                 <a:spcPts val="431"/>
@@ -37854,272 +37437,272 @@
               </a:tabLst>
             </a:pPr>
             <a:r>
-              <a:rPr dirty="0">
+              <a:rPr lang="en-US" dirty="0">
                 <a:latin typeface="+mn-lt"/>
                 <a:cs typeface="Calibri"/>
               </a:rPr>
               <a:t>O</a:t>
             </a:r>
             <a:r>
-              <a:rPr spc="-23" dirty="0">
-                <a:latin typeface="+mn-lt"/>
-                <a:cs typeface="Calibri"/>
-              </a:rPr>
-              <a:t> </a:t>
-            </a:r>
-            <a:r>
-              <a:rPr dirty="0">
+              <a:rPr lang="en-US" spc="-23" dirty="0">
+                <a:latin typeface="+mn-lt"/>
+                <a:cs typeface="Calibri"/>
+              </a:rPr>
+              <a:t> </a:t>
+            </a:r>
+            <a:r>
+              <a:rPr lang="en-US" dirty="0">
                 <a:latin typeface="+mn-lt"/>
                 <a:cs typeface="Calibri"/>
               </a:rPr>
               <a:t>is</a:t>
             </a:r>
             <a:r>
-              <a:rPr spc="-19" dirty="0">
-                <a:latin typeface="+mn-lt"/>
-                <a:cs typeface="Calibri"/>
-              </a:rPr>
-              <a:t> </a:t>
-            </a:r>
-            <a:r>
-              <a:rPr dirty="0">
+              <a:rPr lang="en-US" spc="-19" dirty="0">
+                <a:latin typeface="+mn-lt"/>
+                <a:cs typeface="Calibri"/>
+              </a:rPr>
+              <a:t> </a:t>
+            </a:r>
+            <a:r>
+              <a:rPr lang="en-US" dirty="0">
                 <a:latin typeface="+mn-lt"/>
                 <a:cs typeface="Calibri"/>
               </a:rPr>
               <a:t>in</a:t>
             </a:r>
             <a:r>
-              <a:rPr spc="-23" dirty="0">
-                <a:latin typeface="+mn-lt"/>
-                <a:cs typeface="Calibri"/>
-              </a:rPr>
-              <a:t> </a:t>
-            </a:r>
-            <a:r>
-              <a:rPr dirty="0">
+              <a:rPr lang="en-US" spc="-23" dirty="0">
+                <a:latin typeface="+mn-lt"/>
+                <a:cs typeface="Calibri"/>
+              </a:rPr>
+              <a:t> </a:t>
+            </a:r>
+            <a:r>
+              <a:rPr lang="en-US" dirty="0">
                 <a:latin typeface="+mn-lt"/>
                 <a:cs typeface="Calibri"/>
               </a:rPr>
               <a:t>the</a:t>
             </a:r>
             <a:r>
-              <a:rPr spc="-23" dirty="0">
-                <a:latin typeface="+mn-lt"/>
-                <a:cs typeface="Calibri"/>
-              </a:rPr>
-              <a:t> </a:t>
-            </a:r>
-            <a:r>
-              <a:rPr dirty="0">
+              <a:rPr lang="en-US" spc="-23" dirty="0">
+                <a:latin typeface="+mn-lt"/>
+                <a:cs typeface="Calibri"/>
+              </a:rPr>
+              <a:t> </a:t>
+            </a:r>
+            <a:r>
+              <a:rPr lang="en-US" dirty="0">
                 <a:latin typeface="+mn-lt"/>
                 <a:cs typeface="Calibri"/>
               </a:rPr>
               <a:t>same</a:t>
             </a:r>
             <a:r>
-              <a:rPr spc="-26" dirty="0">
-                <a:latin typeface="+mn-lt"/>
-                <a:cs typeface="Calibri"/>
-              </a:rPr>
-              <a:t> </a:t>
-            </a:r>
-            <a:r>
-              <a:rPr dirty="0">
+              <a:rPr lang="en-US" spc="-26" dirty="0">
+                <a:latin typeface="+mn-lt"/>
+                <a:cs typeface="Calibri"/>
+              </a:rPr>
+              <a:t> </a:t>
+            </a:r>
+            <a:r>
+              <a:rPr lang="en-US" dirty="0">
                 <a:latin typeface="+mn-lt"/>
                 <a:cs typeface="Calibri"/>
               </a:rPr>
               <a:t>company</a:t>
             </a:r>
             <a:r>
-              <a:rPr spc="-23" dirty="0">
-                <a:latin typeface="+mn-lt"/>
-                <a:cs typeface="Calibri"/>
-              </a:rPr>
-              <a:t> </a:t>
-            </a:r>
-            <a:r>
-              <a:rPr dirty="0">
+              <a:rPr lang="en-US" spc="-23" dirty="0">
+                <a:latin typeface="+mn-lt"/>
+                <a:cs typeface="Calibri"/>
+              </a:rPr>
+              <a:t> </a:t>
+            </a:r>
+            <a:r>
+              <a:rPr lang="en-US" dirty="0">
                 <a:latin typeface="+mn-lt"/>
                 <a:cs typeface="Calibri"/>
               </a:rPr>
               <a:t>dataset</a:t>
             </a:r>
             <a:r>
-              <a:rPr spc="-26" dirty="0">
-                <a:latin typeface="+mn-lt"/>
-                <a:cs typeface="Calibri"/>
-              </a:rPr>
-              <a:t> </a:t>
-            </a:r>
-            <a:r>
-              <a:rPr dirty="0">
+              <a:rPr lang="en-US" spc="-26" dirty="0">
+                <a:latin typeface="+mn-lt"/>
+                <a:cs typeface="Calibri"/>
+              </a:rPr>
+              <a:t> </a:t>
+            </a:r>
+            <a:r>
+              <a:rPr lang="en-US" dirty="0">
                 <a:latin typeface="+mn-lt"/>
                 <a:cs typeface="Calibri"/>
               </a:rPr>
               <a:t>as</a:t>
             </a:r>
             <a:r>
-              <a:rPr spc="-23" dirty="0">
-                <a:latin typeface="+mn-lt"/>
-                <a:cs typeface="Calibri"/>
-              </a:rPr>
-              <a:t> </a:t>
-            </a:r>
-            <a:r>
-              <a:rPr dirty="0">
+              <a:rPr lang="en-US" spc="-23" dirty="0">
+                <a:latin typeface="+mn-lt"/>
+                <a:cs typeface="Calibri"/>
+              </a:rPr>
+              <a:t> </a:t>
+            </a:r>
+            <a:r>
+              <a:rPr lang="en-US" dirty="0">
                 <a:latin typeface="+mn-lt"/>
                 <a:cs typeface="Calibri"/>
               </a:rPr>
               <a:t>some</a:t>
             </a:r>
             <a:r>
-              <a:rPr spc="-23" dirty="0">
-                <a:latin typeface="+mn-lt"/>
-                <a:cs typeface="Calibri"/>
-              </a:rPr>
-              <a:t> </a:t>
-            </a:r>
-            <a:r>
-              <a:rPr dirty="0">
+              <a:rPr lang="en-US" spc="-23" dirty="0">
+                <a:latin typeface="+mn-lt"/>
+                <a:cs typeface="Calibri"/>
+              </a:rPr>
+              <a:t> </a:t>
+            </a:r>
+            <a:r>
+              <a:rPr lang="en-US" dirty="0">
                 <a:latin typeface="+mn-lt"/>
                 <a:cs typeface="Calibri"/>
               </a:rPr>
               <a:t>object</a:t>
             </a:r>
             <a:r>
-              <a:rPr spc="-23" dirty="0">
-                <a:latin typeface="+mn-lt"/>
-                <a:cs typeface="Calibri"/>
-              </a:rPr>
-              <a:t> </a:t>
-            </a:r>
-            <a:r>
-              <a:rPr dirty="0">
+              <a:rPr lang="en-US" spc="-23" dirty="0">
+                <a:latin typeface="+mn-lt"/>
+                <a:cs typeface="Calibri"/>
+              </a:rPr>
+              <a:t> </a:t>
+            </a:r>
+            <a:r>
+              <a:rPr lang="en-US" dirty="0">
                 <a:latin typeface="+mn-lt"/>
                 <a:cs typeface="Calibri"/>
               </a:rPr>
               <a:t>previously</a:t>
             </a:r>
             <a:r>
-              <a:rPr spc="-15" dirty="0">
-                <a:latin typeface="+mn-lt"/>
-                <a:cs typeface="Calibri"/>
-              </a:rPr>
-              <a:t> </a:t>
-            </a:r>
-            <a:r>
-              <a:rPr dirty="0">
+              <a:rPr lang="en-US" spc="-15" dirty="0">
+                <a:latin typeface="+mn-lt"/>
+                <a:cs typeface="Calibri"/>
+              </a:rPr>
+              <a:t> </a:t>
+            </a:r>
+            <a:r>
+              <a:rPr lang="en-US" dirty="0">
                 <a:latin typeface="+mn-lt"/>
                 <a:cs typeface="Calibri"/>
               </a:rPr>
               <a:t>read</a:t>
             </a:r>
             <a:r>
-              <a:rPr spc="-19" dirty="0">
-                <a:latin typeface="+mn-lt"/>
-                <a:cs typeface="Calibri"/>
-              </a:rPr>
-              <a:t> </a:t>
-            </a:r>
-            <a:r>
-              <a:rPr dirty="0">
+              <a:rPr lang="en-US" spc="-19" dirty="0">
+                <a:latin typeface="+mn-lt"/>
+                <a:cs typeface="Calibri"/>
+              </a:rPr>
+              <a:t> </a:t>
+            </a:r>
+            <a:r>
+              <a:rPr lang="en-US" dirty="0">
                 <a:latin typeface="+mn-lt"/>
                 <a:cs typeface="Calibri"/>
               </a:rPr>
               <a:t>by</a:t>
             </a:r>
             <a:r>
-              <a:rPr spc="-26" dirty="0">
-                <a:latin typeface="+mn-lt"/>
-                <a:cs typeface="Calibri"/>
-              </a:rPr>
-              <a:t> </a:t>
-            </a:r>
-            <a:r>
-              <a:rPr dirty="0">
+              <a:rPr lang="en-US" spc="-26" dirty="0">
+                <a:latin typeface="+mn-lt"/>
+                <a:cs typeface="Calibri"/>
+              </a:rPr>
+              <a:t> </a:t>
+            </a:r>
+            <a:r>
+              <a:rPr lang="en-US" dirty="0">
                 <a:latin typeface="+mn-lt"/>
                 <a:cs typeface="Calibri"/>
               </a:rPr>
               <a:t>S</a:t>
             </a:r>
             <a:r>
-              <a:rPr spc="-19" dirty="0">
-                <a:latin typeface="+mn-lt"/>
-                <a:cs typeface="Calibri"/>
-              </a:rPr>
-              <a:t> </a:t>
-            </a:r>
-            <a:r>
-              <a:rPr dirty="0">
+              <a:rPr lang="en-US" spc="-19" dirty="0">
+                <a:latin typeface="+mn-lt"/>
+                <a:cs typeface="Calibri"/>
+              </a:rPr>
+              <a:t> </a:t>
+            </a:r>
+            <a:r>
+              <a:rPr lang="en-US" dirty="0">
                 <a:latin typeface="+mn-lt"/>
                 <a:cs typeface="Calibri"/>
               </a:rPr>
               <a:t>(i.e.,</a:t>
             </a:r>
             <a:r>
-              <a:rPr spc="-30" dirty="0">
-                <a:latin typeface="+mn-lt"/>
-                <a:cs typeface="Calibri"/>
-              </a:rPr>
-              <a:t> </a:t>
-            </a:r>
-            <a:r>
-              <a:rPr spc="-38" dirty="0">
+              <a:rPr lang="en-US" spc="-30" dirty="0">
+                <a:latin typeface="+mn-lt"/>
+                <a:cs typeface="Calibri"/>
+              </a:rPr>
+              <a:t> </a:t>
+            </a:r>
+            <a:r>
+              <a:rPr lang="en-US" spc="-38" dirty="0">
                 <a:latin typeface="+mn-lt"/>
                 <a:cs typeface="Calibri"/>
               </a:rPr>
               <a:t>O </a:t>
             </a:r>
             <a:r>
-              <a:rPr dirty="0">
+              <a:rPr lang="en-US" dirty="0">
                 <a:latin typeface="+mn-lt"/>
                 <a:cs typeface="Calibri"/>
               </a:rPr>
               <a:t>is</a:t>
             </a:r>
             <a:r>
-              <a:rPr spc="-23" dirty="0">
-                <a:latin typeface="+mn-lt"/>
-                <a:cs typeface="Calibri"/>
-              </a:rPr>
-              <a:t> </a:t>
-            </a:r>
-            <a:r>
-              <a:rPr dirty="0">
+              <a:rPr lang="en-US" spc="-23" dirty="0">
+                <a:latin typeface="+mn-lt"/>
+                <a:cs typeface="Calibri"/>
+              </a:rPr>
+              <a:t> </a:t>
+            </a:r>
+            <a:r>
+              <a:rPr lang="en-US" dirty="0">
                 <a:latin typeface="+mn-lt"/>
                 <a:cs typeface="Calibri"/>
               </a:rPr>
               <a:t>within</a:t>
             </a:r>
             <a:r>
-              <a:rPr spc="-34" dirty="0">
-                <a:latin typeface="+mn-lt"/>
-                <a:cs typeface="Calibri"/>
-              </a:rPr>
-              <a:t> </a:t>
-            </a:r>
-            <a:r>
-              <a:rPr dirty="0">
+              <a:rPr lang="en-US" spc="-34" dirty="0">
+                <a:latin typeface="+mn-lt"/>
+                <a:cs typeface="Calibri"/>
+              </a:rPr>
+              <a:t> </a:t>
+            </a:r>
+            <a:r>
+              <a:rPr lang="en-US" dirty="0">
                 <a:latin typeface="+mn-lt"/>
                 <a:cs typeface="Calibri"/>
               </a:rPr>
               <a:t>the</a:t>
             </a:r>
             <a:r>
-              <a:rPr spc="-15" dirty="0">
-                <a:latin typeface="+mn-lt"/>
-                <a:cs typeface="Calibri"/>
-              </a:rPr>
-              <a:t> </a:t>
-            </a:r>
-            <a:r>
-              <a:rPr spc="-8" dirty="0">
+              <a:rPr lang="en-US" spc="-15" dirty="0">
+                <a:latin typeface="+mn-lt"/>
+                <a:cs typeface="Calibri"/>
+              </a:rPr>
+              <a:t> </a:t>
+            </a:r>
+            <a:r>
+              <a:rPr lang="en-US" spc="-8" dirty="0">
                 <a:latin typeface="+mn-lt"/>
                 <a:cs typeface="Calibri"/>
               </a:rPr>
               <a:t>wall)</a:t>
             </a:r>
-            <a:endParaRPr dirty="0">
+            <a:endParaRPr lang="en-US" dirty="0">
               <a:latin typeface="+mn-lt"/>
               <a:cs typeface="Calibri"/>
             </a:endParaRPr>
@@ -38127,20 +37710,20 @@
           <a:p>
             <a:pPr marL="352425">
               <a:lnSpc>
-                <a:spcPct val="114000"/>
+                <a:spcPct val="105000"/>
               </a:lnSpc>
               <a:spcBef>
                 <a:spcPts val="135"/>
               </a:spcBef>
             </a:pPr>
             <a:r>
-              <a:rPr spc="-19" dirty="0">
+              <a:rPr lang="en-US" spc="-19" dirty="0">
                 <a:latin typeface="+mn-lt"/>
                 <a:cs typeface="Calibri"/>
               </a:rPr>
               <a:t>or</a:t>
             </a:r>
-            <a:endParaRPr dirty="0">
+            <a:endParaRPr lang="en-US" dirty="0">
               <a:latin typeface="+mn-lt"/>
               <a:cs typeface="Calibri"/>
             </a:endParaRPr>
@@ -38148,7 +37731,7 @@
           <a:p>
             <a:pPr marL="522923" marR="3810" lvl="1" indent="-170497">
               <a:lnSpc>
-                <a:spcPct val="114000"/>
+                <a:spcPct val="105000"/>
               </a:lnSpc>
               <a:spcBef>
                 <a:spcPts val="401"/>
@@ -38160,300 +37743,300 @@
               </a:tabLst>
             </a:pPr>
             <a:r>
-              <a:rPr dirty="0">
+              <a:rPr lang="en-US" dirty="0">
                 <a:latin typeface="+mn-lt"/>
                 <a:cs typeface="Calibri"/>
               </a:rPr>
               <a:t>O</a:t>
             </a:r>
             <a:r>
-              <a:rPr spc="-23" dirty="0">
-                <a:latin typeface="+mn-lt"/>
-                <a:cs typeface="Calibri"/>
-              </a:rPr>
-              <a:t> </a:t>
-            </a:r>
-            <a:r>
-              <a:rPr dirty="0">
+              <a:rPr lang="en-US" spc="-23" dirty="0">
+                <a:latin typeface="+mn-lt"/>
+                <a:cs typeface="Calibri"/>
+              </a:rPr>
+              <a:t> </a:t>
+            </a:r>
+            <a:r>
+              <a:rPr lang="en-US" dirty="0">
                 <a:latin typeface="+mn-lt"/>
                 <a:cs typeface="Calibri"/>
               </a:rPr>
               <a:t>belongs</a:t>
             </a:r>
             <a:r>
-              <a:rPr spc="-23" dirty="0">
-                <a:latin typeface="+mn-lt"/>
-                <a:cs typeface="Calibri"/>
-              </a:rPr>
-              <a:t> </a:t>
-            </a:r>
-            <a:r>
-              <a:rPr dirty="0">
+              <a:rPr lang="en-US" spc="-23" dirty="0">
+                <a:latin typeface="+mn-lt"/>
+                <a:cs typeface="Calibri"/>
+              </a:rPr>
+              <a:t> </a:t>
+            </a:r>
+            <a:r>
+              <a:rPr lang="en-US" dirty="0">
                 <a:latin typeface="+mn-lt"/>
                 <a:cs typeface="Calibri"/>
               </a:rPr>
               <a:t>to</a:t>
             </a:r>
             <a:r>
-              <a:rPr spc="-26" dirty="0">
-                <a:latin typeface="+mn-lt"/>
-                <a:cs typeface="Calibri"/>
-              </a:rPr>
-              <a:t> </a:t>
-            </a:r>
-            <a:r>
-              <a:rPr dirty="0">
+              <a:rPr lang="en-US" spc="-26" dirty="0">
+                <a:latin typeface="+mn-lt"/>
+                <a:cs typeface="Calibri"/>
+              </a:rPr>
+              <a:t> </a:t>
+            </a:r>
+            <a:r>
+              <a:rPr lang="en-US" dirty="0">
                 <a:latin typeface="+mn-lt"/>
                 <a:cs typeface="Calibri"/>
               </a:rPr>
               <a:t>a</a:t>
             </a:r>
             <a:r>
-              <a:rPr spc="-23" dirty="0">
-                <a:latin typeface="+mn-lt"/>
-                <a:cs typeface="Calibri"/>
-              </a:rPr>
-              <a:t> </a:t>
-            </a:r>
-            <a:r>
-              <a:rPr dirty="0">
+              <a:rPr lang="en-US" spc="-23" dirty="0">
+                <a:latin typeface="+mn-lt"/>
+                <a:cs typeface="Calibri"/>
+              </a:rPr>
+              <a:t> </a:t>
+            </a:r>
+            <a:r>
+              <a:rPr lang="en-US" dirty="0">
                 <a:latin typeface="+mn-lt"/>
                 <a:cs typeface="Calibri"/>
               </a:rPr>
               <a:t>conflict</a:t>
             </a:r>
             <a:r>
-              <a:rPr spc="-34" dirty="0">
-                <a:latin typeface="+mn-lt"/>
-                <a:cs typeface="Calibri"/>
-              </a:rPr>
-              <a:t> </a:t>
-            </a:r>
-            <a:r>
-              <a:rPr dirty="0">
+              <a:rPr lang="en-US" spc="-34" dirty="0">
+                <a:latin typeface="+mn-lt"/>
+                <a:cs typeface="Calibri"/>
+              </a:rPr>
+              <a:t> </a:t>
+            </a:r>
+            <a:r>
+              <a:rPr lang="en-US" dirty="0">
                 <a:latin typeface="+mn-lt"/>
                 <a:cs typeface="Calibri"/>
               </a:rPr>
               <a:t>of</a:t>
             </a:r>
             <a:r>
-              <a:rPr spc="-23" dirty="0">
-                <a:latin typeface="+mn-lt"/>
-                <a:cs typeface="Calibri"/>
-              </a:rPr>
-              <a:t> </a:t>
-            </a:r>
-            <a:r>
-              <a:rPr dirty="0">
+              <a:rPr lang="en-US" spc="-23" dirty="0">
+                <a:latin typeface="+mn-lt"/>
+                <a:cs typeface="Calibri"/>
+              </a:rPr>
+              <a:t> </a:t>
+            </a:r>
+            <a:r>
+              <a:rPr lang="en-US" dirty="0">
                 <a:latin typeface="+mn-lt"/>
                 <a:cs typeface="Calibri"/>
               </a:rPr>
               <a:t>interest</a:t>
             </a:r>
             <a:r>
-              <a:rPr spc="-30" dirty="0">
-                <a:latin typeface="+mn-lt"/>
-                <a:cs typeface="Calibri"/>
-              </a:rPr>
-              <a:t> </a:t>
-            </a:r>
-            <a:r>
-              <a:rPr dirty="0">
+              <a:rPr lang="en-US" spc="-30" dirty="0">
+                <a:latin typeface="+mn-lt"/>
+                <a:cs typeface="Calibri"/>
+              </a:rPr>
+              <a:t> </a:t>
+            </a:r>
+            <a:r>
+              <a:rPr lang="en-US" dirty="0">
                 <a:latin typeface="+mn-lt"/>
                 <a:cs typeface="Calibri"/>
               </a:rPr>
               <a:t>class</a:t>
             </a:r>
             <a:r>
-              <a:rPr spc="-34" dirty="0">
-                <a:latin typeface="+mn-lt"/>
-                <a:cs typeface="Calibri"/>
-              </a:rPr>
-              <a:t> </a:t>
-            </a:r>
-            <a:r>
-              <a:rPr dirty="0">
+              <a:rPr lang="en-US" spc="-34" dirty="0">
+                <a:latin typeface="+mn-lt"/>
+                <a:cs typeface="Calibri"/>
+              </a:rPr>
+              <a:t> </a:t>
+            </a:r>
+            <a:r>
+              <a:rPr lang="en-US" dirty="0">
                 <a:latin typeface="+mn-lt"/>
                 <a:cs typeface="Calibri"/>
               </a:rPr>
               <a:t>within</a:t>
             </a:r>
             <a:r>
-              <a:rPr spc="-30" dirty="0">
-                <a:latin typeface="+mn-lt"/>
-                <a:cs typeface="Calibri"/>
-              </a:rPr>
-              <a:t> </a:t>
-            </a:r>
-            <a:r>
-              <a:rPr dirty="0">
+              <a:rPr lang="en-US" spc="-30" dirty="0">
+                <a:latin typeface="+mn-lt"/>
+                <a:cs typeface="Calibri"/>
+              </a:rPr>
+              <a:t> </a:t>
+            </a:r>
+            <a:r>
+              <a:rPr lang="en-US" dirty="0">
                 <a:latin typeface="+mn-lt"/>
                 <a:cs typeface="Calibri"/>
               </a:rPr>
               <a:t>which</a:t>
             </a:r>
             <a:r>
-              <a:rPr spc="-30" dirty="0">
-                <a:latin typeface="+mn-lt"/>
-                <a:cs typeface="Calibri"/>
-              </a:rPr>
-              <a:t> </a:t>
-            </a:r>
-            <a:r>
-              <a:rPr dirty="0">
+              <a:rPr lang="en-US" spc="-30" dirty="0">
+                <a:latin typeface="+mn-lt"/>
+                <a:cs typeface="Calibri"/>
+              </a:rPr>
+              <a:t> </a:t>
+            </a:r>
+            <a:r>
+              <a:rPr lang="en-US" dirty="0">
                 <a:latin typeface="+mn-lt"/>
                 <a:cs typeface="Calibri"/>
               </a:rPr>
               <a:t>S</a:t>
             </a:r>
             <a:r>
-              <a:rPr spc="-19" dirty="0">
-                <a:latin typeface="+mn-lt"/>
-                <a:cs typeface="Calibri"/>
-              </a:rPr>
-              <a:t> </a:t>
-            </a:r>
-            <a:r>
-              <a:rPr dirty="0">
+              <a:rPr lang="en-US" spc="-19" dirty="0">
+                <a:latin typeface="+mn-lt"/>
+                <a:cs typeface="Calibri"/>
+              </a:rPr>
+              <a:t> </a:t>
+            </a:r>
+            <a:r>
+              <a:rPr lang="en-US" dirty="0">
                 <a:latin typeface="+mn-lt"/>
                 <a:cs typeface="Calibri"/>
               </a:rPr>
               <a:t>has</a:t>
             </a:r>
             <a:r>
-              <a:rPr spc="-23" dirty="0">
-                <a:latin typeface="+mn-lt"/>
-                <a:cs typeface="Calibri"/>
-              </a:rPr>
-              <a:t> </a:t>
-            </a:r>
-            <a:r>
-              <a:rPr dirty="0">
+              <a:rPr lang="en-US" spc="-23" dirty="0">
+                <a:latin typeface="+mn-lt"/>
+                <a:cs typeface="Calibri"/>
+              </a:rPr>
+              <a:t> </a:t>
+            </a:r>
+            <a:r>
+              <a:rPr lang="en-US" dirty="0">
                 <a:latin typeface="+mn-lt"/>
                 <a:cs typeface="Calibri"/>
               </a:rPr>
               <a:t>not</a:t>
             </a:r>
             <a:r>
-              <a:rPr spc="-23" dirty="0">
-                <a:latin typeface="+mn-lt"/>
-                <a:cs typeface="Calibri"/>
-              </a:rPr>
-              <a:t> </a:t>
-            </a:r>
-            <a:r>
-              <a:rPr dirty="0">
+              <a:rPr lang="en-US" spc="-23" dirty="0">
+                <a:latin typeface="+mn-lt"/>
+                <a:cs typeface="Calibri"/>
+              </a:rPr>
+              <a:t> </a:t>
+            </a:r>
+            <a:r>
+              <a:rPr lang="en-US" dirty="0">
                 <a:latin typeface="+mn-lt"/>
                 <a:cs typeface="Calibri"/>
               </a:rPr>
               <a:t>read</a:t>
             </a:r>
             <a:r>
-              <a:rPr spc="-30" dirty="0">
-                <a:latin typeface="+mn-lt"/>
-                <a:cs typeface="Calibri"/>
-              </a:rPr>
-              <a:t> </a:t>
-            </a:r>
-            <a:r>
-              <a:rPr dirty="0">
+              <a:rPr lang="en-US" spc="-30" dirty="0">
+                <a:latin typeface="+mn-lt"/>
+                <a:cs typeface="Calibri"/>
+              </a:rPr>
+              <a:t> </a:t>
+            </a:r>
+            <a:r>
+              <a:rPr lang="en-US" dirty="0">
                 <a:latin typeface="+mn-lt"/>
                 <a:cs typeface="Calibri"/>
               </a:rPr>
               <a:t>any</a:t>
             </a:r>
             <a:r>
-              <a:rPr spc="-15" dirty="0">
-                <a:latin typeface="+mn-lt"/>
-                <a:cs typeface="Calibri"/>
-              </a:rPr>
-              <a:t> </a:t>
-            </a:r>
-            <a:r>
-              <a:rPr spc="-8" dirty="0">
+              <a:rPr lang="en-US" spc="-15" dirty="0">
+                <a:latin typeface="+mn-lt"/>
+                <a:cs typeface="Calibri"/>
+              </a:rPr>
+              <a:t> </a:t>
+            </a:r>
+            <a:r>
+              <a:rPr lang="en-US" spc="-8" dirty="0">
                 <a:latin typeface="+mn-lt"/>
                 <a:cs typeface="Calibri"/>
               </a:rPr>
               <a:t>object </a:t>
             </a:r>
             <a:r>
-              <a:rPr dirty="0">
+              <a:rPr lang="en-US" dirty="0">
                 <a:latin typeface="+mn-lt"/>
                 <a:cs typeface="Calibri"/>
               </a:rPr>
               <a:t>(i.e.,</a:t>
             </a:r>
             <a:r>
-              <a:rPr spc="-23" dirty="0">
-                <a:latin typeface="+mn-lt"/>
-                <a:cs typeface="Calibri"/>
-              </a:rPr>
-              <a:t> </a:t>
-            </a:r>
-            <a:r>
-              <a:rPr dirty="0">
+              <a:rPr lang="en-US" spc="-23" dirty="0">
+                <a:latin typeface="+mn-lt"/>
+                <a:cs typeface="Calibri"/>
+              </a:rPr>
+              <a:t> </a:t>
+            </a:r>
+            <a:r>
+              <a:rPr lang="en-US" dirty="0">
                 <a:latin typeface="+mn-lt"/>
                 <a:cs typeface="Calibri"/>
               </a:rPr>
               <a:t>O</a:t>
             </a:r>
             <a:r>
-              <a:rPr spc="-11" dirty="0">
-                <a:latin typeface="+mn-lt"/>
-                <a:cs typeface="Calibri"/>
-              </a:rPr>
-              <a:t> </a:t>
-            </a:r>
-            <a:r>
-              <a:rPr dirty="0">
+              <a:rPr lang="en-US" spc="-11" dirty="0">
+                <a:latin typeface="+mn-lt"/>
+                <a:cs typeface="Calibri"/>
+              </a:rPr>
+              <a:t> </a:t>
+            </a:r>
+            <a:r>
+              <a:rPr lang="en-US" dirty="0">
                 <a:latin typeface="+mn-lt"/>
                 <a:cs typeface="Calibri"/>
               </a:rPr>
               <a:t>is</a:t>
             </a:r>
             <a:r>
-              <a:rPr spc="-15" dirty="0">
-                <a:latin typeface="+mn-lt"/>
-                <a:cs typeface="Calibri"/>
-              </a:rPr>
-              <a:t> </a:t>
-            </a:r>
-            <a:r>
-              <a:rPr dirty="0">
+              <a:rPr lang="en-US" spc="-15" dirty="0">
+                <a:latin typeface="+mn-lt"/>
+                <a:cs typeface="Calibri"/>
+              </a:rPr>
+              <a:t> </a:t>
+            </a:r>
+            <a:r>
+              <a:rPr lang="en-US" dirty="0">
                 <a:latin typeface="+mn-lt"/>
                 <a:cs typeface="Calibri"/>
               </a:rPr>
               <a:t>in</a:t>
             </a:r>
             <a:r>
-              <a:rPr spc="-11" dirty="0">
-                <a:latin typeface="+mn-lt"/>
-                <a:cs typeface="Calibri"/>
-              </a:rPr>
-              <a:t> </a:t>
-            </a:r>
-            <a:r>
-              <a:rPr dirty="0">
+              <a:rPr lang="en-US" spc="-11" dirty="0">
+                <a:latin typeface="+mn-lt"/>
+                <a:cs typeface="Calibri"/>
+              </a:rPr>
+              <a:t> </a:t>
+            </a:r>
+            <a:r>
+              <a:rPr lang="en-US" dirty="0">
                 <a:latin typeface="+mn-lt"/>
                 <a:cs typeface="Calibri"/>
               </a:rPr>
               <a:t>the</a:t>
             </a:r>
             <a:r>
-              <a:rPr spc="-19" dirty="0">
-                <a:latin typeface="+mn-lt"/>
-                <a:cs typeface="Calibri"/>
-              </a:rPr>
-              <a:t> </a:t>
-            </a:r>
-            <a:r>
-              <a:rPr spc="-8" dirty="0">
+              <a:rPr lang="en-US" spc="-19" dirty="0">
+                <a:latin typeface="+mn-lt"/>
+                <a:cs typeface="Calibri"/>
+              </a:rPr>
+              <a:t> </a:t>
+            </a:r>
+            <a:r>
+              <a:rPr lang="en-US" spc="-8" dirty="0">
                 <a:latin typeface="+mn-lt"/>
                 <a:cs typeface="Calibri"/>
               </a:rPr>
               <a:t>open)</a:t>
             </a:r>
-            <a:endParaRPr dirty="0">
+            <a:endParaRPr lang="en-US" dirty="0">
               <a:latin typeface="+mn-lt"/>
               <a:cs typeface="Calibri"/>
             </a:endParaRPr>
@@ -38461,7 +38044,7 @@
           <a:p>
             <a:pPr marL="180022" indent="-170497">
               <a:lnSpc>
-                <a:spcPct val="114000"/>
+                <a:spcPct val="105000"/>
               </a:lnSpc>
               <a:spcBef>
                 <a:spcPts val="454"/>
@@ -38473,77 +38056,77 @@
               </a:tabLst>
             </a:pPr>
             <a:r>
-              <a:rPr sz="1800" dirty="0">
+              <a:rPr lang="en-US" sz="1800" dirty="0">
                 <a:latin typeface="+mn-lt"/>
                 <a:cs typeface="Calibri"/>
               </a:rPr>
               <a:t>S</a:t>
             </a:r>
             <a:r>
-              <a:rPr sz="1800" spc="-15" dirty="0">
-                <a:latin typeface="+mn-lt"/>
-                <a:cs typeface="Calibri"/>
-              </a:rPr>
-              <a:t> </a:t>
-            </a:r>
-            <a:r>
-              <a:rPr sz="1800" dirty="0">
+              <a:rPr lang="en-US" sz="1800" spc="-15" dirty="0">
+                <a:latin typeface="+mn-lt"/>
+                <a:cs typeface="Calibri"/>
+              </a:rPr>
+              <a:t> </a:t>
+            </a:r>
+            <a:r>
+              <a:rPr lang="en-US" sz="1800" dirty="0">
                 <a:latin typeface="+mn-lt"/>
                 <a:cs typeface="Calibri"/>
               </a:rPr>
               <a:t>can</a:t>
             </a:r>
             <a:r>
-              <a:rPr sz="1800" spc="-4" dirty="0">
-                <a:latin typeface="+mn-lt"/>
-                <a:cs typeface="Calibri"/>
-              </a:rPr>
-              <a:t> </a:t>
-            </a:r>
-            <a:r>
-              <a:rPr sz="1800" dirty="0">
+              <a:rPr lang="en-US" sz="1800" spc="-4" dirty="0">
+                <a:latin typeface="+mn-lt"/>
+                <a:cs typeface="Calibri"/>
+              </a:rPr>
+              <a:t> </a:t>
+            </a:r>
+            <a:r>
+              <a:rPr lang="en-US" sz="1800" dirty="0">
                 <a:latin typeface="+mn-lt"/>
                 <a:cs typeface="Calibri"/>
               </a:rPr>
               <a:t>write</a:t>
             </a:r>
             <a:r>
-              <a:rPr sz="1800" spc="-19" dirty="0">
-                <a:latin typeface="+mn-lt"/>
-                <a:cs typeface="Calibri"/>
-              </a:rPr>
-              <a:t> </a:t>
-            </a:r>
-            <a:r>
-              <a:rPr sz="1800" dirty="0">
+              <a:rPr lang="en-US" sz="1800" spc="-19" dirty="0">
+                <a:latin typeface="+mn-lt"/>
+                <a:cs typeface="Calibri"/>
+              </a:rPr>
+              <a:t> </a:t>
+            </a:r>
+            <a:r>
+              <a:rPr lang="en-US" sz="1800" dirty="0">
                 <a:latin typeface="+mn-lt"/>
                 <a:cs typeface="Calibri"/>
               </a:rPr>
               <a:t>O</a:t>
             </a:r>
             <a:r>
-              <a:rPr sz="1800" spc="-15" dirty="0">
-                <a:latin typeface="+mn-lt"/>
-                <a:cs typeface="Calibri"/>
-              </a:rPr>
-              <a:t> </a:t>
-            </a:r>
-            <a:r>
-              <a:rPr sz="1800" dirty="0">
+              <a:rPr lang="en-US" sz="1800" spc="-15" dirty="0">
+                <a:latin typeface="+mn-lt"/>
+                <a:cs typeface="Calibri"/>
+              </a:rPr>
+              <a:t> </a:t>
+            </a:r>
+            <a:r>
+              <a:rPr lang="en-US" sz="1800" dirty="0">
                 <a:latin typeface="+mn-lt"/>
                 <a:cs typeface="Calibri"/>
               </a:rPr>
               <a:t>only</a:t>
             </a:r>
             <a:r>
-              <a:rPr sz="1800" spc="-8" dirty="0">
-                <a:latin typeface="+mn-lt"/>
-                <a:cs typeface="Calibri"/>
-              </a:rPr>
-              <a:t> </a:t>
-            </a:r>
-            <a:r>
-              <a:rPr sz="1800" spc="-19" dirty="0">
+              <a:rPr lang="en-US" sz="1800" spc="-8" dirty="0">
+                <a:latin typeface="+mn-lt"/>
+                <a:cs typeface="Calibri"/>
+              </a:rPr>
+              <a:t> </a:t>
+            </a:r>
+            <a:r>
+              <a:rPr lang="en-US" sz="1800" spc="-19" dirty="0">
                 <a:latin typeface="+mn-lt"/>
                 <a:cs typeface="Calibri"/>
               </a:rPr>
@@ -38557,7 +38140,7 @@
           <a:p>
             <a:pPr marL="522923" marR="152876" lvl="1" indent="-170497">
               <a:lnSpc>
-                <a:spcPct val="114000"/>
+                <a:spcPct val="105000"/>
               </a:lnSpc>
               <a:spcBef>
                 <a:spcPts val="409"/>
@@ -38632,7 +38215,7 @@
           <a:p>
             <a:pPr marL="522923" marR="152876" lvl="1" indent="-170497">
               <a:lnSpc>
-                <a:spcPct val="114000"/>
+                <a:spcPct val="105000"/>
               </a:lnSpc>
               <a:spcBef>
                 <a:spcPts val="409"/>
@@ -38648,7 +38231,7 @@
                 <a:latin typeface="+mn-lt"/>
                 <a:cs typeface="Calibri"/>
               </a:rPr>
-              <a:t>S has never read an object O’ that is in a company dataset different from O</a:t>
+              <a:t>S has never read an object O' such that CD(O) ≠ CD(O’)</a:t>
             </a:r>
           </a:p>
         </p:txBody>
@@ -41860,6 +41443,47 @@
           </a:p>
         </p:txBody>
       </p:sp>
+      <p:sp>
+        <p:nvSpPr>
+          <p:cNvPr id="15" name="TextBox 14">
+            <a:extLst>
+              <a:ext uri="{FF2B5EF4-FFF2-40B4-BE49-F238E27FC236}">
+                <a16:creationId xmlns:a16="http://schemas.microsoft.com/office/drawing/2014/main" id="{AD84ADC9-362C-3B09-6BA0-DFBDF53F34BD}"/>
+              </a:ext>
+            </a:extLst>
+          </p:cNvPr>
+          <p:cNvSpPr txBox="1"/>
+          <p:nvPr/>
+        </p:nvSpPr>
+        <p:spPr>
+          <a:xfrm>
+            <a:off x="6721558" y="4251243"/>
+            <a:ext cx="2210862" cy="646331"/>
+          </a:xfrm>
+          <a:prstGeom prst="rect">
+            <a:avLst/>
+          </a:prstGeom>
+          <a:noFill/>
+        </p:spPr>
+        <p:txBody>
+          <a:bodyPr wrap="none" rtlCol="0">
+            <a:spAutoFit/>
+          </a:bodyPr>
+          <a:lstStyle/>
+          <a:p>
+            <a:r>
+              <a:rPr lang="en-US" sz="1800" dirty="0"/>
+              <a:t>Q: If s1 has read o1</a:t>
+            </a:r>
+          </a:p>
+          <a:p>
+            <a:r>
+              <a:rPr lang="en-US" sz="1800" dirty="0"/>
+              <a:t>…</a:t>
+            </a:r>
+          </a:p>
+        </p:txBody>
+      </p:sp>
     </p:spTree>
   </p:cSld>
   <p:clrMapOvr>
@@ -41886,7 +41510,7 @@
                             </p:stCondLst>
                             <p:childTnLst>
                               <p:par>
-                                <p:cTn id="5" presetID="1" presetClass="entr" presetSubtype="0" fill="hold" nodeType="clickEffect">
+                                <p:cTn id="5" presetID="1" presetClass="entr" presetSubtype="0" fill="hold" grpId="0" nodeType="clickEffect">
                                   <p:stCondLst>
                                     <p:cond delay="0"/>
                                   </p:stCondLst>
@@ -41899,153 +41523,7 @@
                                           </p:stCondLst>
                                         </p:cTn>
                                         <p:tgtEl>
-                                          <p:spTgt spid="3">
-                                            <p:txEl>
-                                              <p:pRg st="1" end="1"/>
-                                            </p:txEl>
-                                          </p:spTgt>
-                                        </p:tgtEl>
-                                        <p:attrNameLst>
-                                          <p:attrName>style.visibility</p:attrName>
-                                        </p:attrNameLst>
-                                      </p:cBhvr>
-                                      <p:to>
-                                        <p:strVal val="visible"/>
-                                      </p:to>
-                                    </p:set>
-                                  </p:childTnLst>
-                                </p:cTn>
-                              </p:par>
-                              <p:par>
-                                <p:cTn id="7" presetID="1" presetClass="entr" presetSubtype="0" fill="hold" nodeType="withEffect">
-                                  <p:stCondLst>
-                                    <p:cond delay="0"/>
-                                  </p:stCondLst>
-                                  <p:childTnLst>
-                                    <p:set>
-                                      <p:cBhvr>
-                                        <p:cTn id="8" dur="1" fill="hold">
-                                          <p:stCondLst>
-                                            <p:cond delay="0"/>
-                                          </p:stCondLst>
-                                        </p:cTn>
-                                        <p:tgtEl>
-                                          <p:spTgt spid="3">
-                                            <p:txEl>
-                                              <p:pRg st="2" end="2"/>
-                                            </p:txEl>
-                                          </p:spTgt>
-                                        </p:tgtEl>
-                                        <p:attrNameLst>
-                                          <p:attrName>style.visibility</p:attrName>
-                                        </p:attrNameLst>
-                                      </p:cBhvr>
-                                      <p:to>
-                                        <p:strVal val="visible"/>
-                                      </p:to>
-                                    </p:set>
-                                  </p:childTnLst>
-                                </p:cTn>
-                              </p:par>
-                              <p:par>
-                                <p:cTn id="9" presetID="1" presetClass="entr" presetSubtype="0" fill="hold" nodeType="withEffect">
-                                  <p:stCondLst>
-                                    <p:cond delay="0"/>
-                                  </p:stCondLst>
-                                  <p:childTnLst>
-                                    <p:set>
-                                      <p:cBhvr>
-                                        <p:cTn id="10" dur="1" fill="hold">
-                                          <p:stCondLst>
-                                            <p:cond delay="0"/>
-                                          </p:stCondLst>
-                                        </p:cTn>
-                                        <p:tgtEl>
-                                          <p:spTgt spid="3">
-                                            <p:txEl>
-                                              <p:pRg st="3" end="3"/>
-                                            </p:txEl>
-                                          </p:spTgt>
-                                        </p:tgtEl>
-                                        <p:attrNameLst>
-                                          <p:attrName>style.visibility</p:attrName>
-                                        </p:attrNameLst>
-                                      </p:cBhvr>
-                                      <p:to>
-                                        <p:strVal val="visible"/>
-                                      </p:to>
-                                    </p:set>
-                                  </p:childTnLst>
-                                </p:cTn>
-                              </p:par>
-                            </p:childTnLst>
-                          </p:cTn>
-                        </p:par>
-                      </p:childTnLst>
-                    </p:cTn>
-                  </p:par>
-                  <p:par>
-                    <p:cTn id="11" fill="hold">
-                      <p:stCondLst>
-                        <p:cond delay="indefinite"/>
-                      </p:stCondLst>
-                      <p:childTnLst>
-                        <p:par>
-                          <p:cTn id="12" fill="hold">
-                            <p:stCondLst>
-                              <p:cond delay="0"/>
-                            </p:stCondLst>
-                            <p:childTnLst>
-                              <p:par>
-                                <p:cTn id="13" presetID="1" presetClass="entr" presetSubtype="0" fill="hold" nodeType="clickEffect">
-                                  <p:stCondLst>
-                                    <p:cond delay="0"/>
-                                  </p:stCondLst>
-                                  <p:childTnLst>
-                                    <p:set>
-                                      <p:cBhvr>
-                                        <p:cTn id="14" dur="1" fill="hold">
-                                          <p:stCondLst>
-                                            <p:cond delay="0"/>
-                                          </p:stCondLst>
-                                        </p:cTn>
-                                        <p:tgtEl>
-                                          <p:spTgt spid="3">
-                                            <p:txEl>
-                                              <p:pRg st="5" end="5"/>
-                                            </p:txEl>
-                                          </p:spTgt>
-                                        </p:tgtEl>
-                                        <p:attrNameLst>
-                                          <p:attrName>style.visibility</p:attrName>
-                                        </p:attrNameLst>
-                                      </p:cBhvr>
-                                      <p:to>
-                                        <p:strVal val="visible"/>
-                                      </p:to>
-                                    </p:set>
-                                  </p:childTnLst>
-                                </p:cTn>
-                              </p:par>
-                              <p:par>
-                                <p:cTn id="15" presetID="1" presetClass="entr" presetSubtype="0" fill="hold" nodeType="withEffect">
-                                  <p:stCondLst>
-                                    <p:cond delay="0"/>
-                                  </p:stCondLst>
-                                  <p:childTnLst>
-                                    <p:set>
-                                      <p:cBhvr>
-                                        <p:cTn id="16" dur="1" fill="hold">
-                                          <p:stCondLst>
-                                            <p:cond delay="0"/>
-                                          </p:stCondLst>
-                                        </p:cTn>
-                                        <p:tgtEl>
-                                          <p:spTgt spid="3">
-                                            <p:txEl>
-                                              <p:pRg st="6" end="6"/>
-                                            </p:txEl>
-                                          </p:spTgt>
+                                          <p:spTgt spid="15"/>
                                         </p:tgtEl>
                                         <p:attrNameLst>
                                           <p:attrName>style.visibility</p:attrName>
@@ -42085,6 +41563,9 @@
         </p:cTn>
       </p:par>
     </p:tnLst>
+    <p:bldLst>
+      <p:bldP spid="15" grpId="0"/>
+    </p:bldLst>
   </p:timing>
 </p:sld>
 </file>
@@ -46442,37 +45923,6 @@
                                         <p:tgtEl>
                                           <p:spTgt spid="3">
                                             <p:txEl>
-                                              <p:pRg st="1" end="1"/>
-                                            </p:txEl>
-                                          </p:spTgt>
-                                        </p:tgtEl>
-                                        <p:attrNameLst>
-                                          <p:attrName>style.visibility</p:attrName>
-                                        </p:attrNameLst>
-                                      </p:cBhvr>
-                                      <p:to>
-                                        <p:strVal val="visible"/>
-                                      </p:to>
-                                    </p:set>
-                                  </p:childTnLst>
-                                </p:cTn>
-                              </p:par>
-                              <p:par>
-                                <p:cTn id="7" presetID="1" presetClass="entr" presetSubtype="0" fill="hold" nodeType="withEffect">
-                                  <p:stCondLst>
-                                    <p:cond delay="0"/>
-                                  </p:stCondLst>
-                                  <p:childTnLst>
-                                    <p:set>
-                                      <p:cBhvr>
-                                        <p:cTn id="8" dur="1" fill="hold">
-                                          <p:stCondLst>
-                                            <p:cond delay="0"/>
-                                          </p:stCondLst>
-                                        </p:cTn>
-                                        <p:tgtEl>
-                                          <p:spTgt spid="3">
-                                            <p:txEl>
                                               <p:pRg st="2" end="2"/>
                                             </p:txEl>
                                           </p:spTgt>
@@ -46488,8 +45938,26 @@
                                   </p:childTnLst>
                                 </p:cTn>
                               </p:par>
+                            </p:childTnLst>
+                          </p:cTn>
+                        </p:par>
+                      </p:childTnLst>
+                    </p:cTn>
+                  </p:par>
+                  <p:par>
+                    <p:cTn id="7" fill="hold">
+                      <p:stCondLst>
+                        <p:cond delay="indefinite"/>
+                      </p:stCondLst>
+                      <p:childTnLst>
+                        <p:par>
+                          <p:cTn id="8" fill="hold">
+                            <p:stCondLst>
+                              <p:cond delay="0"/>
+                            </p:stCondLst>
+                            <p:childTnLst>
                               <p:par>
-                                <p:cTn id="9" presetID="1" presetClass="entr" presetSubtype="0" fill="hold" nodeType="withEffect">
+                                <p:cTn id="9" presetID="1" presetClass="entr" presetSubtype="0" fill="hold" nodeType="clickEffect">
                                   <p:stCondLst>
                                     <p:cond delay="0"/>
                                   </p:stCondLst>
@@ -46519,15 +45987,33 @@
                                   </p:childTnLst>
                                 </p:cTn>
                               </p:par>
+                            </p:childTnLst>
+                          </p:cTn>
+                        </p:par>
+                      </p:childTnLst>
+                    </p:cTn>
+                  </p:par>
+                  <p:par>
+                    <p:cTn id="11" fill="hold">
+                      <p:stCondLst>
+                        <p:cond delay="indefinite"/>
+                      </p:stCondLst>
+                      <p:childTnLst>
+                        <p:par>
+                          <p:cTn id="12" fill="hold">
+                            <p:stCondLst>
+                              <p:cond delay="0"/>
+                            </p:stCondLst>
+                            <p:childTnLst>
                               <p:par>
-                                <p:cTn id="11" presetID="1" presetClass="entr" presetSubtype="0" fill="hold" nodeType="withEffect">
+                                <p:cTn id="13" presetID="1" presetClass="entr" presetSubtype="0" fill="hold" nodeType="clickEffect">
                                   <p:stCondLst>
                                     <p:cond delay="0"/>
                                   </p:stCondLst>
                                   <p:childTnLst>
                                     <p:set>
                                       <p:cBhvr>
-                                        <p:cTn id="12" dur="1" fill="hold">
+                                        <p:cTn id="14" dur="1" fill="hold">
                                           <p:stCondLst>
                                             <p:cond delay="0"/>
                                           </p:stCondLst>
@@ -46550,15 +46036,33 @@
                                   </p:childTnLst>
                                 </p:cTn>
                               </p:par>
+                            </p:childTnLst>
+                          </p:cTn>
+                        </p:par>
+                      </p:childTnLst>
+                    </p:cTn>
+                  </p:par>
+                  <p:par>
+                    <p:cTn id="15" fill="hold">
+                      <p:stCondLst>
+                        <p:cond delay="indefinite"/>
+                      </p:stCondLst>
+                      <p:childTnLst>
+                        <p:par>
+                          <p:cTn id="16" fill="hold">
+                            <p:stCondLst>
+                              <p:cond delay="0"/>
+                            </p:stCondLst>
+                            <p:childTnLst>
                               <p:par>
-                                <p:cTn id="13" presetID="1" presetClass="entr" presetSubtype="0" fill="hold" nodeType="withEffect">
+                                <p:cTn id="17" presetID="1" presetClass="entr" presetSubtype="0" fill="hold" nodeType="clickEffect">
                                   <p:stCondLst>
                                     <p:cond delay="0"/>
                                   </p:stCondLst>
                                   <p:childTnLst>
                                     <p:set>
                                       <p:cBhvr>
-                                        <p:cTn id="14" dur="1" fill="hold">
+                                        <p:cTn id="18" dur="1" fill="hold">
                                           <p:stCondLst>
                                             <p:cond delay="0"/>
                                           </p:stCondLst>
@@ -46581,15 +46085,33 @@
                                   </p:childTnLst>
                                 </p:cTn>
                               </p:par>
+                            </p:childTnLst>
+                          </p:cTn>
+                        </p:par>
+                      </p:childTnLst>
+                    </p:cTn>
+                  </p:par>
+                  <p:par>
+                    <p:cTn id="19" fill="hold">
+                      <p:stCondLst>
+                        <p:cond delay="indefinite"/>
+                      </p:stCondLst>
+                      <p:childTnLst>
+                        <p:par>
+                          <p:cTn id="20" fill="hold">
+                            <p:stCondLst>
+                              <p:cond delay="0"/>
+                            </p:stCondLst>
+                            <p:childTnLst>
                               <p:par>
-                                <p:cTn id="15" presetID="1" presetClass="entr" presetSubtype="0" fill="hold" nodeType="withEffect">
+                                <p:cTn id="21" presetID="1" presetClass="entr" presetSubtype="0" fill="hold" nodeType="clickEffect">
                                   <p:stCondLst>
                                     <p:cond delay="0"/>
                                   </p:stCondLst>
                                   <p:childTnLst>
                                     <p:set>
                                       <p:cBhvr>
-                                        <p:cTn id="16" dur="1" fill="hold">
+                                        <p:cTn id="22" dur="1" fill="hold">
                                           <p:stCondLst>
                                             <p:cond delay="0"/>
                                           </p:stCondLst>
